--- a/presentation/Booksville Presentation.pptx
+++ b/presentation/Booksville Presentation.pptx
@@ -17,7 +17,11 @@
     <p:sldId id="267" r:id="rId11"/>
     <p:sldId id="268" r:id="rId12"/>
     <p:sldId id="269" r:id="rId13"/>
-    <p:sldId id="270" r:id="rId14"/>
+    <p:sldId id="271" r:id="rId14"/>
+    <p:sldId id="270" r:id="rId15"/>
+    <p:sldId id="272" r:id="rId16"/>
+    <p:sldId id="273" r:id="rId17"/>
+    <p:sldId id="274" r:id="rId18"/>
   </p:sldIdLst>
   <p:sldSz cx="12192000" cy="6858000"/>
   <p:notesSz cx="6858000" cy="9144000"/>
@@ -9818,30 +9822,9 @@
   <p:cSld>
     <p:bg>
       <p:bgPr>
-        <a:gradFill rotWithShape="1">
-          <a:gsLst>
-            <a:gs pos="0">
-              <a:schemeClr val="bg1">
-                <a:tint val="97000"/>
-                <a:hueMod val="88000"/>
-                <a:satMod val="130000"/>
-                <a:lumMod val="124000"/>
-              </a:schemeClr>
-            </a:gs>
-            <a:gs pos="100000">
-              <a:schemeClr val="bg1">
-                <a:tint val="96000"/>
-                <a:shade val="88000"/>
-                <a:hueMod val="108000"/>
-                <a:satMod val="164000"/>
-                <a:lumMod val="76000"/>
-              </a:schemeClr>
-            </a:gs>
-          </a:gsLst>
-          <a:path path="circle">
-            <a:fillToRect l="45000" t="65000" r="125000" b="100000"/>
-          </a:path>
-        </a:gradFill>
+        <a:solidFill>
+          <a:schemeClr val="bg1"/>
+        </a:solidFill>
         <a:effectLst/>
       </p:bgPr>
     </p:bg>
@@ -9859,52 +9842,66 @@
           <a:chExt cx="0" cy="0"/>
         </a:xfrm>
       </p:grpSpPr>
-      <p:pic>
-        <p:nvPicPr>
-          <p:cNvPr id="1030" name="Picture 6" descr="Image result for scikit learn logo">
+      <p:sp>
+        <p:nvSpPr>
+          <p:cNvPr id="99" name="Rectangle 90">
             <a:extLst>
               <a:ext uri="{FF2B5EF4-FFF2-40B4-BE49-F238E27FC236}">
-                <a16:creationId xmlns:a16="http://schemas.microsoft.com/office/drawing/2014/main" id="{5200EA2D-4C15-4E4F-9D9D-F66413A13BA3}"/>
+                <a16:creationId xmlns:a16="http://schemas.microsoft.com/office/drawing/2014/main" id="{B4AAD3FD-83A5-4B89-9F8F-01B8870865BE}"/>
+              </a:ext>
+              <a:ext uri="{C183D7F6-B498-43B3-948B-1728B52AA6E4}">
+                <adec:decorative xmlns:adec="http://schemas.microsoft.com/office/drawing/2017/decorative" val="1"/>
               </a:ext>
             </a:extLst>
           </p:cNvPr>
-          <p:cNvPicPr>
-            <a:picLocks noChangeAspect="1" noChangeArrowheads="1"/>
-          </p:cNvPicPr>
-          <p:nvPr/>
-        </p:nvPicPr>
-        <p:blipFill rotWithShape="1">
-          <a:blip r:embed="rId2">
-            <a:alphaModFix amt="25000"/>
-            <a:extLst>
-              <a:ext uri="{28A0092B-C50C-407E-A947-70E740481C1C}">
-                <a14:useLocalDpi xmlns:a14="http://schemas.microsoft.com/office/drawing/2010/main" val="0"/>
-              </a:ext>
-            </a:extLst>
-          </a:blip>
-          <a:srcRect l="4445" r="1" b="1"/>
-          <a:stretch/>
-        </p:blipFill>
-        <p:spPr bwMode="auto">
+          <p:cNvSpPr>
+            <a:spLocks noGrp="1" noRot="1" noChangeAspect="1" noMove="1" noResize="1" noEditPoints="1" noAdjustHandles="1" noChangeArrowheads="1" noChangeShapeType="1" noTextEdit="1"/>
+          </p:cNvSpPr>
+          <p:nvPr>
+            <p:extLst>
+              <p:ext uri="{386F3935-93C4-4BCD-93E2-E3B085C9AB24}">
+                <p16:designElem xmlns:p16="http://schemas.microsoft.com/office/powerpoint/2015/main" val="1"/>
+              </p:ext>
+            </p:extLst>
+          </p:nvPr>
+        </p:nvSpPr>
+        <p:spPr>
           <a:xfrm>
-            <a:off x="20" y="0"/>
-            <a:ext cx="12191980" cy="6858000"/>
+            <a:off x="0" y="0"/>
+            <a:ext cx="12192000" cy="6858000"/>
           </a:xfrm>
           <a:prstGeom prst="rect">
             <a:avLst/>
           </a:prstGeom>
-          <a:noFill/>
-          <a:extLst>
-            <a:ext uri="{909E8E84-426E-40DD-AFC4-6F175D3DCCD1}">
-              <a14:hiddenFill xmlns:a14="http://schemas.microsoft.com/office/drawing/2010/main">
-                <a:solidFill>
-                  <a:srgbClr val="FFFFFF"/>
-                </a:solidFill>
-              </a14:hiddenFill>
-            </a:ext>
-          </a:extLst>
+          <a:ln>
+            <a:noFill/>
+          </a:ln>
         </p:spPr>
-      </p:pic>
+        <p:style>
+          <a:lnRef idx="2">
+            <a:schemeClr val="accent1">
+              <a:shade val="50000"/>
+            </a:schemeClr>
+          </a:lnRef>
+          <a:fillRef idx="1003">
+            <a:schemeClr val="dk2"/>
+          </a:fillRef>
+          <a:effectRef idx="0">
+            <a:schemeClr val="accent1"/>
+          </a:effectRef>
+          <a:fontRef idx="minor">
+            <a:schemeClr val="lt1"/>
+          </a:fontRef>
+        </p:style>
+        <p:txBody>
+          <a:bodyPr rtlCol="0" anchor="ctr"/>
+          <a:lstStyle/>
+          <a:p>
+            <a:pPr algn="ctr"/>
+            <a:endParaRPr lang="en-US"/>
+          </a:p>
+        </p:txBody>
+      </p:sp>
       <p:sp>
         <p:nvSpPr>
           <p:cNvPr id="2" name="Title 1">
@@ -9923,8 +9920,8 @@
         </p:nvSpPr>
         <p:spPr>
           <a:xfrm>
-            <a:off x="646111" y="452718"/>
-            <a:ext cx="9404723" cy="1400530"/>
+            <a:off x="648931" y="629266"/>
+            <a:ext cx="4166510" cy="1622321"/>
           </a:xfrm>
         </p:spPr>
         <p:txBody>
@@ -9934,7 +9931,7 @@
           <a:lstStyle/>
           <a:p>
             <a:r>
-              <a:rPr lang="en-US" sz="3400" dirty="0">
+              <a:rPr lang="en-US" sz="3900">
                 <a:solidFill>
                   <a:srgbClr val="EBEBEB"/>
                 </a:solidFill>
@@ -9947,10 +9944,854 @@
       </p:sp>
       <p:sp>
         <p:nvSpPr>
-          <p:cNvPr id="75" name="Rectangle 74">
+          <p:cNvPr id="100" name="Freeform 31">
             <a:extLst>
               <a:ext uri="{FF2B5EF4-FFF2-40B4-BE49-F238E27FC236}">
-                <a16:creationId xmlns:a16="http://schemas.microsoft.com/office/drawing/2014/main" id="{0D187C4E-14B9-4504-B200-5127823FA78C}"/>
+                <a16:creationId xmlns:a16="http://schemas.microsoft.com/office/drawing/2014/main" id="{61752F1D-FC0F-4103-9584-630E643CCDA6}"/>
+              </a:ext>
+              <a:ext uri="{C183D7F6-B498-43B3-948B-1728B52AA6E4}">
+                <adec:decorative xmlns:adec="http://schemas.microsoft.com/office/drawing/2017/decorative" val="1"/>
+              </a:ext>
+            </a:extLst>
+          </p:cNvPr>
+          <p:cNvSpPr>
+            <a:spLocks noGrp="1" noRot="1" noChangeAspect="1" noMove="1" noResize="1" noEditPoints="1" noAdjustHandles="1" noChangeArrowheads="1" noChangeShapeType="1" noTextEdit="1"/>
+          </p:cNvSpPr>
+          <p:nvPr>
+            <p:extLst>
+              <p:ext uri="{386F3935-93C4-4BCD-93E2-E3B085C9AB24}">
+                <p16:designElem xmlns:p16="http://schemas.microsoft.com/office/powerpoint/2015/main" val="1"/>
+              </p:ext>
+            </p:extLst>
+          </p:nvPr>
+        </p:nvSpPr>
+        <p:spPr>
+          <a:xfrm>
+            <a:off x="4994020" y="-1"/>
+            <a:ext cx="559472" cy="3709642"/>
+          </a:xfrm>
+          <a:custGeom>
+            <a:avLst/>
+            <a:gdLst>
+              <a:gd name="connsiteX0" fmla="*/ 0 w 559472"/>
+              <a:gd name="connsiteY0" fmla="*/ 0 h 3709642"/>
+              <a:gd name="connsiteX1" fmla="*/ 473952 w 559472"/>
+              <a:gd name="connsiteY1" fmla="*/ 0 h 3709642"/>
+              <a:gd name="connsiteX2" fmla="*/ 485840 w 559472"/>
+              <a:gd name="connsiteY2" fmla="*/ 161194 h 3709642"/>
+              <a:gd name="connsiteX3" fmla="*/ 523949 w 559472"/>
+              <a:gd name="connsiteY3" fmla="*/ 3672197 h 3709642"/>
+              <a:gd name="connsiteX4" fmla="*/ 454748 w 559472"/>
+              <a:gd name="connsiteY4" fmla="*/ 3709642 h 3709642"/>
+              <a:gd name="connsiteX5" fmla="*/ 448224 w 559472"/>
+              <a:gd name="connsiteY5" fmla="*/ 3510471 h 3709642"/>
+              <a:gd name="connsiteX6" fmla="*/ 443564 w 559472"/>
+              <a:gd name="connsiteY6" fmla="*/ 3408563 h 3709642"/>
+              <a:gd name="connsiteX7" fmla="*/ 438902 w 559472"/>
+              <a:gd name="connsiteY7" fmla="*/ 3304407 h 3709642"/>
+              <a:gd name="connsiteX8" fmla="*/ 433941 w 559472"/>
+              <a:gd name="connsiteY8" fmla="*/ 3198777 h 3709642"/>
+              <a:gd name="connsiteX9" fmla="*/ 427584 w 559472"/>
+              <a:gd name="connsiteY9" fmla="*/ 3092510 h 3709642"/>
+              <a:gd name="connsiteX10" fmla="*/ 420988 w 559472"/>
+              <a:gd name="connsiteY10" fmla="*/ 2984390 h 3709642"/>
+              <a:gd name="connsiteX11" fmla="*/ 414330 w 559472"/>
+              <a:gd name="connsiteY11" fmla="*/ 2874401 h 3709642"/>
+              <a:gd name="connsiteX12" fmla="*/ 406840 w 559472"/>
+              <a:gd name="connsiteY12" fmla="*/ 2762980 h 3709642"/>
+              <a:gd name="connsiteX13" fmla="*/ 397745 w 559472"/>
+              <a:gd name="connsiteY13" fmla="*/ 2650566 h 3709642"/>
+              <a:gd name="connsiteX14" fmla="*/ 389154 w 559472"/>
+              <a:gd name="connsiteY14" fmla="*/ 2536612 h 3709642"/>
+              <a:gd name="connsiteX15" fmla="*/ 379225 w 559472"/>
+              <a:gd name="connsiteY15" fmla="*/ 2421642 h 3709642"/>
+              <a:gd name="connsiteX16" fmla="*/ 368316 w 559472"/>
+              <a:gd name="connsiteY16" fmla="*/ 2305627 h 3709642"/>
+              <a:gd name="connsiteX17" fmla="*/ 357466 w 559472"/>
+              <a:gd name="connsiteY17" fmla="*/ 2189233 h 3709642"/>
+              <a:gd name="connsiteX18" fmla="*/ 344982 w 559472"/>
+              <a:gd name="connsiteY18" fmla="*/ 2071473 h 3709642"/>
+              <a:gd name="connsiteX19" fmla="*/ 332466 w 559472"/>
+              <a:gd name="connsiteY19" fmla="*/ 1952216 h 3709642"/>
+              <a:gd name="connsiteX20" fmla="*/ 319121 w 559472"/>
+              <a:gd name="connsiteY20" fmla="*/ 1833776 h 3709642"/>
+              <a:gd name="connsiteX21" fmla="*/ 304408 w 559472"/>
+              <a:gd name="connsiteY21" fmla="*/ 1713948 h 3709642"/>
+              <a:gd name="connsiteX22" fmla="*/ 288685 w 559472"/>
+              <a:gd name="connsiteY22" fmla="*/ 1592703 h 3709642"/>
+              <a:gd name="connsiteX23" fmla="*/ 273050 w 559472"/>
+              <a:gd name="connsiteY23" fmla="*/ 1471451 h 3709642"/>
+              <a:gd name="connsiteX24" fmla="*/ 255813 w 559472"/>
+              <a:gd name="connsiteY24" fmla="*/ 1350328 h 3709642"/>
+              <a:gd name="connsiteX25" fmla="*/ 237060 w 559472"/>
+              <a:gd name="connsiteY25" fmla="*/ 1227080 h 3709642"/>
+              <a:gd name="connsiteX26" fmla="*/ 218488 w 559472"/>
+              <a:gd name="connsiteY26" fmla="*/ 1106065 h 3709642"/>
+              <a:gd name="connsiteX27" fmla="*/ 198221 w 559472"/>
+              <a:gd name="connsiteY27" fmla="*/ 982940 h 3709642"/>
+              <a:gd name="connsiteX28" fmla="*/ 177152 w 559472"/>
+              <a:gd name="connsiteY28" fmla="*/ 858755 h 3709642"/>
+              <a:gd name="connsiteX29" fmla="*/ 155551 w 559472"/>
+              <a:gd name="connsiteY29" fmla="*/ 736861 h 3709642"/>
+              <a:gd name="connsiteX30" fmla="*/ 131782 w 559472"/>
+              <a:gd name="connsiteY30" fmla="*/ 613645 h 3709642"/>
+              <a:gd name="connsiteX31" fmla="*/ 107123 w 559472"/>
+              <a:gd name="connsiteY31" fmla="*/ 490500 h 3709642"/>
+              <a:gd name="connsiteX32" fmla="*/ 82552 w 559472"/>
+              <a:gd name="connsiteY32" fmla="*/ 367348 h 3709642"/>
+              <a:gd name="connsiteX33" fmla="*/ 55608 w 559472"/>
+              <a:gd name="connsiteY33" fmla="*/ 244762 h 3709642"/>
+              <a:gd name="connsiteX34" fmla="*/ 28130 w 559472"/>
+              <a:gd name="connsiteY34" fmla="*/ 122220 h 3709642"/>
+              <a:gd name="connsiteX35" fmla="*/ 0 w 559472"/>
+              <a:gd name="connsiteY35" fmla="*/ 0 h 3709642"/>
+            </a:gdLst>
+            <a:ahLst/>
+            <a:cxnLst>
+              <a:cxn ang="0">
+                <a:pos x="connsiteX0" y="connsiteY0"/>
+              </a:cxn>
+              <a:cxn ang="0">
+                <a:pos x="connsiteX1" y="connsiteY1"/>
+              </a:cxn>
+              <a:cxn ang="0">
+                <a:pos x="connsiteX2" y="connsiteY2"/>
+              </a:cxn>
+              <a:cxn ang="0">
+                <a:pos x="connsiteX3" y="connsiteY3"/>
+              </a:cxn>
+              <a:cxn ang="0">
+                <a:pos x="connsiteX4" y="connsiteY4"/>
+              </a:cxn>
+              <a:cxn ang="0">
+                <a:pos x="connsiteX5" y="connsiteY5"/>
+              </a:cxn>
+              <a:cxn ang="0">
+                <a:pos x="connsiteX6" y="connsiteY6"/>
+              </a:cxn>
+              <a:cxn ang="0">
+                <a:pos x="connsiteX7" y="connsiteY7"/>
+              </a:cxn>
+              <a:cxn ang="0">
+                <a:pos x="connsiteX8" y="connsiteY8"/>
+              </a:cxn>
+              <a:cxn ang="0">
+                <a:pos x="connsiteX9" y="connsiteY9"/>
+              </a:cxn>
+              <a:cxn ang="0">
+                <a:pos x="connsiteX10" y="connsiteY10"/>
+              </a:cxn>
+              <a:cxn ang="0">
+                <a:pos x="connsiteX11" y="connsiteY11"/>
+              </a:cxn>
+              <a:cxn ang="0">
+                <a:pos x="connsiteX12" y="connsiteY12"/>
+              </a:cxn>
+              <a:cxn ang="0">
+                <a:pos x="connsiteX13" y="connsiteY13"/>
+              </a:cxn>
+              <a:cxn ang="0">
+                <a:pos x="connsiteX14" y="connsiteY14"/>
+              </a:cxn>
+              <a:cxn ang="0">
+                <a:pos x="connsiteX15" y="connsiteY15"/>
+              </a:cxn>
+              <a:cxn ang="0">
+                <a:pos x="connsiteX16" y="connsiteY16"/>
+              </a:cxn>
+              <a:cxn ang="0">
+                <a:pos x="connsiteX17" y="connsiteY17"/>
+              </a:cxn>
+              <a:cxn ang="0">
+                <a:pos x="connsiteX18" y="connsiteY18"/>
+              </a:cxn>
+              <a:cxn ang="0">
+                <a:pos x="connsiteX19" y="connsiteY19"/>
+              </a:cxn>
+              <a:cxn ang="0">
+                <a:pos x="connsiteX20" y="connsiteY20"/>
+              </a:cxn>
+              <a:cxn ang="0">
+                <a:pos x="connsiteX21" y="connsiteY21"/>
+              </a:cxn>
+              <a:cxn ang="0">
+                <a:pos x="connsiteX22" y="connsiteY22"/>
+              </a:cxn>
+              <a:cxn ang="0">
+                <a:pos x="connsiteX23" y="connsiteY23"/>
+              </a:cxn>
+              <a:cxn ang="0">
+                <a:pos x="connsiteX24" y="connsiteY24"/>
+              </a:cxn>
+              <a:cxn ang="0">
+                <a:pos x="connsiteX25" y="connsiteY25"/>
+              </a:cxn>
+              <a:cxn ang="0">
+                <a:pos x="connsiteX26" y="connsiteY26"/>
+              </a:cxn>
+              <a:cxn ang="0">
+                <a:pos x="connsiteX27" y="connsiteY27"/>
+              </a:cxn>
+              <a:cxn ang="0">
+                <a:pos x="connsiteX28" y="connsiteY28"/>
+              </a:cxn>
+              <a:cxn ang="0">
+                <a:pos x="connsiteX29" y="connsiteY29"/>
+              </a:cxn>
+              <a:cxn ang="0">
+                <a:pos x="connsiteX30" y="connsiteY30"/>
+              </a:cxn>
+              <a:cxn ang="0">
+                <a:pos x="connsiteX31" y="connsiteY31"/>
+              </a:cxn>
+              <a:cxn ang="0">
+                <a:pos x="connsiteX32" y="connsiteY32"/>
+              </a:cxn>
+              <a:cxn ang="0">
+                <a:pos x="connsiteX33" y="connsiteY33"/>
+              </a:cxn>
+              <a:cxn ang="0">
+                <a:pos x="connsiteX34" y="connsiteY34"/>
+              </a:cxn>
+              <a:cxn ang="0">
+                <a:pos x="connsiteX35" y="connsiteY35"/>
+              </a:cxn>
+            </a:cxnLst>
+            <a:rect l="l" t="t" r="r" b="b"/>
+            <a:pathLst>
+              <a:path w="559472" h="3709642">
+                <a:moveTo>
+                  <a:pt x="0" y="0"/>
+                </a:moveTo>
+                <a:lnTo>
+                  <a:pt x="473952" y="0"/>
+                </a:lnTo>
+                <a:lnTo>
+                  <a:pt x="485840" y="161194"/>
+                </a:lnTo>
+                <a:cubicBezTo>
+                  <a:pt x="552063" y="1147770"/>
+                  <a:pt x="592441" y="3086737"/>
+                  <a:pt x="523949" y="3672197"/>
+                </a:cubicBezTo>
+                <a:cubicBezTo>
+                  <a:pt x="500842" y="3684557"/>
+                  <a:pt x="477855" y="3697282"/>
+                  <a:pt x="454748" y="3709642"/>
+                </a:cubicBezTo>
+                <a:lnTo>
+                  <a:pt x="448224" y="3510471"/>
+                </a:lnTo>
+                <a:lnTo>
+                  <a:pt x="443564" y="3408563"/>
+                </a:lnTo>
+                <a:lnTo>
+                  <a:pt x="438902" y="3304407"/>
+                </a:lnTo>
+                <a:lnTo>
+                  <a:pt x="433941" y="3198777"/>
+                </a:lnTo>
+                <a:lnTo>
+                  <a:pt x="427584" y="3092510"/>
+                </a:lnTo>
+                <a:lnTo>
+                  <a:pt x="420988" y="2984390"/>
+                </a:lnTo>
+                <a:lnTo>
+                  <a:pt x="414330" y="2874401"/>
+                </a:lnTo>
+                <a:lnTo>
+                  <a:pt x="406840" y="2762980"/>
+                </a:lnTo>
+                <a:lnTo>
+                  <a:pt x="397745" y="2650566"/>
+                </a:lnTo>
+                <a:lnTo>
+                  <a:pt x="389154" y="2536612"/>
+                </a:lnTo>
+                <a:lnTo>
+                  <a:pt x="379225" y="2421642"/>
+                </a:lnTo>
+                <a:lnTo>
+                  <a:pt x="368316" y="2305627"/>
+                </a:lnTo>
+                <a:lnTo>
+                  <a:pt x="357466" y="2189233"/>
+                </a:lnTo>
+                <a:lnTo>
+                  <a:pt x="344982" y="2071473"/>
+                </a:lnTo>
+                <a:lnTo>
+                  <a:pt x="332466" y="1952216"/>
+                </a:lnTo>
+                <a:lnTo>
+                  <a:pt x="319121" y="1833776"/>
+                </a:lnTo>
+                <a:lnTo>
+                  <a:pt x="304408" y="1713948"/>
+                </a:lnTo>
+                <a:lnTo>
+                  <a:pt x="288685" y="1592703"/>
+                </a:lnTo>
+                <a:lnTo>
+                  <a:pt x="273050" y="1471451"/>
+                </a:lnTo>
+                <a:lnTo>
+                  <a:pt x="255813" y="1350328"/>
+                </a:lnTo>
+                <a:lnTo>
+                  <a:pt x="237060" y="1227080"/>
+                </a:lnTo>
+                <a:lnTo>
+                  <a:pt x="218488" y="1106065"/>
+                </a:lnTo>
+                <a:lnTo>
+                  <a:pt x="198221" y="982940"/>
+                </a:lnTo>
+                <a:lnTo>
+                  <a:pt x="177152" y="858755"/>
+                </a:lnTo>
+                <a:lnTo>
+                  <a:pt x="155551" y="736861"/>
+                </a:lnTo>
+                <a:lnTo>
+                  <a:pt x="131782" y="613645"/>
+                </a:lnTo>
+                <a:lnTo>
+                  <a:pt x="107123" y="490500"/>
+                </a:lnTo>
+                <a:lnTo>
+                  <a:pt x="82552" y="367348"/>
+                </a:lnTo>
+                <a:lnTo>
+                  <a:pt x="55608" y="244762"/>
+                </a:lnTo>
+                <a:lnTo>
+                  <a:pt x="28130" y="122220"/>
+                </a:lnTo>
+                <a:lnTo>
+                  <a:pt x="0" y="0"/>
+                </a:lnTo>
+                <a:close/>
+              </a:path>
+            </a:pathLst>
+          </a:custGeom>
+          <a:solidFill>
+            <a:schemeClr val="bg1">
+              <a:alpha val="20000"/>
+            </a:schemeClr>
+          </a:solidFill>
+          <a:ln>
+            <a:noFill/>
+          </a:ln>
+        </p:spPr>
+        <p:txBody>
+          <a:bodyPr rtlCol="0" anchor="ctr"/>
+          <a:lstStyle/>
+          <a:p>
+            <a:pPr algn="ctr"/>
+            <a:endParaRPr lang="en-US"/>
+          </a:p>
+        </p:txBody>
+      </p:sp>
+      <p:sp useBgFill="1">
+        <p:nvSpPr>
+          <p:cNvPr id="101" name="Freeform: Shape 94">
+            <a:extLst>
+              <a:ext uri="{FF2B5EF4-FFF2-40B4-BE49-F238E27FC236}">
+                <a16:creationId xmlns:a16="http://schemas.microsoft.com/office/drawing/2014/main" id="{70151CB7-E7DE-4917-B831-01DF9CE01306}"/>
+              </a:ext>
+              <a:ext uri="{C183D7F6-B498-43B3-948B-1728B52AA6E4}">
+                <adec:decorative xmlns:adec="http://schemas.microsoft.com/office/drawing/2017/decorative" val="1"/>
+              </a:ext>
+            </a:extLst>
+          </p:cNvPr>
+          <p:cNvSpPr>
+            <a:spLocks noGrp="1" noRot="1" noChangeAspect="1" noMove="1" noResize="1" noEditPoints="1" noAdjustHandles="1" noChangeArrowheads="1" noChangeShapeType="1" noTextEdit="1"/>
+          </p:cNvSpPr>
+          <p:nvPr>
+            <p:extLst>
+              <p:ext uri="{386F3935-93C4-4BCD-93E2-E3B085C9AB24}">
+                <p16:designElem xmlns:p16="http://schemas.microsoft.com/office/powerpoint/2015/main" val="1"/>
+              </p:ext>
+            </p:extLst>
+          </p:nvPr>
+        </p:nvSpPr>
+        <p:spPr bwMode="gray">
+          <a:xfrm rot="16200000">
+            <a:off x="5270819" y="-63600"/>
+            <a:ext cx="6858001" cy="6985200"/>
+          </a:xfrm>
+          <a:custGeom>
+            <a:avLst/>
+            <a:gdLst>
+              <a:gd name="connsiteX0" fmla="*/ 6858001 w 6858001"/>
+              <a:gd name="connsiteY0" fmla="*/ 1177 h 6985200"/>
+              <a:gd name="connsiteX1" fmla="*/ 6858001 w 6858001"/>
+              <a:gd name="connsiteY1" fmla="*/ 1344715 h 6985200"/>
+              <a:gd name="connsiteX2" fmla="*/ 6858000 w 6858001"/>
+              <a:gd name="connsiteY2" fmla="*/ 1344715 h 6985200"/>
+              <a:gd name="connsiteX3" fmla="*/ 6858000 w 6858001"/>
+              <a:gd name="connsiteY3" fmla="*/ 6985200 h 6985200"/>
+              <a:gd name="connsiteX4" fmla="*/ 0 w 6858001"/>
+              <a:gd name="connsiteY4" fmla="*/ 6985199 h 6985200"/>
+              <a:gd name="connsiteX5" fmla="*/ 0 w 6858001"/>
+              <a:gd name="connsiteY5" fmla="*/ 886772 h 6985200"/>
+              <a:gd name="connsiteX6" fmla="*/ 1 w 6858001"/>
+              <a:gd name="connsiteY6" fmla="*/ 886772 h 6985200"/>
+              <a:gd name="connsiteX7" fmla="*/ 1 w 6858001"/>
+              <a:gd name="connsiteY7" fmla="*/ 0 h 6985200"/>
+              <a:gd name="connsiteX8" fmla="*/ 40463 w 6858001"/>
+              <a:gd name="connsiteY8" fmla="*/ 5883 h 6985200"/>
+              <a:gd name="connsiteX9" fmla="*/ 159107 w 6858001"/>
+              <a:gd name="connsiteY9" fmla="*/ 23196 h 6985200"/>
+              <a:gd name="connsiteX10" fmla="*/ 245518 w 6858001"/>
+              <a:gd name="connsiteY10" fmla="*/ 35299 h 6985200"/>
+              <a:gd name="connsiteX11" fmla="*/ 348388 w 6858001"/>
+              <a:gd name="connsiteY11" fmla="*/ 48073 h 6985200"/>
+              <a:gd name="connsiteX12" fmla="*/ 470460 w 6858001"/>
+              <a:gd name="connsiteY12" fmla="*/ 63369 h 6985200"/>
+              <a:gd name="connsiteX13" fmla="*/ 605563 w 6858001"/>
+              <a:gd name="connsiteY13" fmla="*/ 79506 h 6985200"/>
+              <a:gd name="connsiteX14" fmla="*/ 757810 w 6858001"/>
+              <a:gd name="connsiteY14" fmla="*/ 96483 h 6985200"/>
+              <a:gd name="connsiteX15" fmla="*/ 923774 w 6858001"/>
+              <a:gd name="connsiteY15" fmla="*/ 114469 h 6985200"/>
+              <a:gd name="connsiteX16" fmla="*/ 1104139 w 6858001"/>
+              <a:gd name="connsiteY16" fmla="*/ 132454 h 6985200"/>
+              <a:gd name="connsiteX17" fmla="*/ 1296163 w 6858001"/>
+              <a:gd name="connsiteY17" fmla="*/ 150776 h 6985200"/>
+              <a:gd name="connsiteX18" fmla="*/ 1503275 w 6858001"/>
+              <a:gd name="connsiteY18" fmla="*/ 167753 h 6985200"/>
+              <a:gd name="connsiteX19" fmla="*/ 1719988 w 6858001"/>
+              <a:gd name="connsiteY19" fmla="*/ 184058 h 6985200"/>
+              <a:gd name="connsiteX20" fmla="*/ 1949045 w 6858001"/>
+              <a:gd name="connsiteY20" fmla="*/ 198849 h 6985200"/>
+              <a:gd name="connsiteX21" fmla="*/ 2187703 w 6858001"/>
+              <a:gd name="connsiteY21" fmla="*/ 212969 h 6985200"/>
+              <a:gd name="connsiteX22" fmla="*/ 2436649 w 6858001"/>
+              <a:gd name="connsiteY22" fmla="*/ 226248 h 6985200"/>
+              <a:gd name="connsiteX23" fmla="*/ 2564208 w 6858001"/>
+              <a:gd name="connsiteY23" fmla="*/ 230955 h 6985200"/>
+              <a:gd name="connsiteX24" fmla="*/ 2694509 w 6858001"/>
+              <a:gd name="connsiteY24" fmla="*/ 236165 h 6985200"/>
+              <a:gd name="connsiteX25" fmla="*/ 2826869 w 6858001"/>
+              <a:gd name="connsiteY25" fmla="*/ 241040 h 6985200"/>
+              <a:gd name="connsiteX26" fmla="*/ 2959914 w 6858001"/>
+              <a:gd name="connsiteY26" fmla="*/ 244234 h 6985200"/>
+              <a:gd name="connsiteX27" fmla="*/ 3095702 w 6858001"/>
+              <a:gd name="connsiteY27" fmla="*/ 247091 h 6985200"/>
+              <a:gd name="connsiteX28" fmla="*/ 3232862 w 6858001"/>
+              <a:gd name="connsiteY28" fmla="*/ 250117 h 6985200"/>
+              <a:gd name="connsiteX29" fmla="*/ 3372766 w 6858001"/>
+              <a:gd name="connsiteY29" fmla="*/ 252134 h 6985200"/>
+              <a:gd name="connsiteX30" fmla="*/ 3514040 w 6858001"/>
+              <a:gd name="connsiteY30" fmla="*/ 252134 h 6985200"/>
+              <a:gd name="connsiteX31" fmla="*/ 3656686 w 6858001"/>
+              <a:gd name="connsiteY31" fmla="*/ 253142 h 6985200"/>
+              <a:gd name="connsiteX32" fmla="*/ 3800705 w 6858001"/>
+              <a:gd name="connsiteY32" fmla="*/ 252134 h 6985200"/>
+              <a:gd name="connsiteX33" fmla="*/ 3946780 w 6858001"/>
+              <a:gd name="connsiteY33" fmla="*/ 250117 h 6985200"/>
+              <a:gd name="connsiteX34" fmla="*/ 4092856 w 6858001"/>
+              <a:gd name="connsiteY34" fmla="*/ 248268 h 6985200"/>
+              <a:gd name="connsiteX35" fmla="*/ 4240988 w 6858001"/>
+              <a:gd name="connsiteY35" fmla="*/ 244234 h 6985200"/>
+              <a:gd name="connsiteX36" fmla="*/ 4390492 w 6858001"/>
+              <a:gd name="connsiteY36" fmla="*/ 240032 h 6985200"/>
+              <a:gd name="connsiteX37" fmla="*/ 4539997 w 6858001"/>
+              <a:gd name="connsiteY37" fmla="*/ 235157 h 6985200"/>
+              <a:gd name="connsiteX38" fmla="*/ 4690873 w 6858001"/>
+              <a:gd name="connsiteY38" fmla="*/ 228266 h 6985200"/>
+              <a:gd name="connsiteX39" fmla="*/ 4843120 w 6858001"/>
+              <a:gd name="connsiteY39" fmla="*/ 220029 h 6985200"/>
+              <a:gd name="connsiteX40" fmla="*/ 4996054 w 6858001"/>
+              <a:gd name="connsiteY40" fmla="*/ 212129 h 6985200"/>
+              <a:gd name="connsiteX41" fmla="*/ 5148987 w 6858001"/>
+              <a:gd name="connsiteY41" fmla="*/ 202044 h 6985200"/>
+              <a:gd name="connsiteX42" fmla="*/ 5303978 w 6858001"/>
+              <a:gd name="connsiteY42" fmla="*/ 189941 h 6985200"/>
+              <a:gd name="connsiteX43" fmla="*/ 5456911 w 6858001"/>
+              <a:gd name="connsiteY43" fmla="*/ 177839 h 6985200"/>
+              <a:gd name="connsiteX44" fmla="*/ 5612588 w 6858001"/>
+              <a:gd name="connsiteY44" fmla="*/ 163887 h 6985200"/>
+              <a:gd name="connsiteX45" fmla="*/ 5768950 w 6858001"/>
+              <a:gd name="connsiteY45" fmla="*/ 148591 h 6985200"/>
+              <a:gd name="connsiteX46" fmla="*/ 5923255 w 6858001"/>
+              <a:gd name="connsiteY46" fmla="*/ 132455 h 6985200"/>
+              <a:gd name="connsiteX47" fmla="*/ 6079618 w 6858001"/>
+              <a:gd name="connsiteY47" fmla="*/ 113629 h 6985200"/>
+              <a:gd name="connsiteX48" fmla="*/ 6235294 w 6858001"/>
+              <a:gd name="connsiteY48" fmla="*/ 93458 h 6985200"/>
+              <a:gd name="connsiteX49" fmla="*/ 6391657 w 6858001"/>
+              <a:gd name="connsiteY49" fmla="*/ 73455 h 6985200"/>
+              <a:gd name="connsiteX50" fmla="*/ 6547333 w 6858001"/>
+              <a:gd name="connsiteY50" fmla="*/ 50091 h 6985200"/>
+              <a:gd name="connsiteX51" fmla="*/ 6702324 w 6858001"/>
+              <a:gd name="connsiteY51" fmla="*/ 26222 h 6985200"/>
+            </a:gdLst>
+            <a:ahLst/>
+            <a:cxnLst>
+              <a:cxn ang="0">
+                <a:pos x="connsiteX0" y="connsiteY0"/>
+              </a:cxn>
+              <a:cxn ang="0">
+                <a:pos x="connsiteX1" y="connsiteY1"/>
+              </a:cxn>
+              <a:cxn ang="0">
+                <a:pos x="connsiteX2" y="connsiteY2"/>
+              </a:cxn>
+              <a:cxn ang="0">
+                <a:pos x="connsiteX3" y="connsiteY3"/>
+              </a:cxn>
+              <a:cxn ang="0">
+                <a:pos x="connsiteX4" y="connsiteY4"/>
+              </a:cxn>
+              <a:cxn ang="0">
+                <a:pos x="connsiteX5" y="connsiteY5"/>
+              </a:cxn>
+              <a:cxn ang="0">
+                <a:pos x="connsiteX6" y="connsiteY6"/>
+              </a:cxn>
+              <a:cxn ang="0">
+                <a:pos x="connsiteX7" y="connsiteY7"/>
+              </a:cxn>
+              <a:cxn ang="0">
+                <a:pos x="connsiteX8" y="connsiteY8"/>
+              </a:cxn>
+              <a:cxn ang="0">
+                <a:pos x="connsiteX9" y="connsiteY9"/>
+              </a:cxn>
+              <a:cxn ang="0">
+                <a:pos x="connsiteX10" y="connsiteY10"/>
+              </a:cxn>
+              <a:cxn ang="0">
+                <a:pos x="connsiteX11" y="connsiteY11"/>
+              </a:cxn>
+              <a:cxn ang="0">
+                <a:pos x="connsiteX12" y="connsiteY12"/>
+              </a:cxn>
+              <a:cxn ang="0">
+                <a:pos x="connsiteX13" y="connsiteY13"/>
+              </a:cxn>
+              <a:cxn ang="0">
+                <a:pos x="connsiteX14" y="connsiteY14"/>
+              </a:cxn>
+              <a:cxn ang="0">
+                <a:pos x="connsiteX15" y="connsiteY15"/>
+              </a:cxn>
+              <a:cxn ang="0">
+                <a:pos x="connsiteX16" y="connsiteY16"/>
+              </a:cxn>
+              <a:cxn ang="0">
+                <a:pos x="connsiteX17" y="connsiteY17"/>
+              </a:cxn>
+              <a:cxn ang="0">
+                <a:pos x="connsiteX18" y="connsiteY18"/>
+              </a:cxn>
+              <a:cxn ang="0">
+                <a:pos x="connsiteX19" y="connsiteY19"/>
+              </a:cxn>
+              <a:cxn ang="0">
+                <a:pos x="connsiteX20" y="connsiteY20"/>
+              </a:cxn>
+              <a:cxn ang="0">
+                <a:pos x="connsiteX21" y="connsiteY21"/>
+              </a:cxn>
+              <a:cxn ang="0">
+                <a:pos x="connsiteX22" y="connsiteY22"/>
+              </a:cxn>
+              <a:cxn ang="0">
+                <a:pos x="connsiteX23" y="connsiteY23"/>
+              </a:cxn>
+              <a:cxn ang="0">
+                <a:pos x="connsiteX24" y="connsiteY24"/>
+              </a:cxn>
+              <a:cxn ang="0">
+                <a:pos x="connsiteX25" y="connsiteY25"/>
+              </a:cxn>
+              <a:cxn ang="0">
+                <a:pos x="connsiteX26" y="connsiteY26"/>
+              </a:cxn>
+              <a:cxn ang="0">
+                <a:pos x="connsiteX27" y="connsiteY27"/>
+              </a:cxn>
+              <a:cxn ang="0">
+                <a:pos x="connsiteX28" y="connsiteY28"/>
+              </a:cxn>
+              <a:cxn ang="0">
+                <a:pos x="connsiteX29" y="connsiteY29"/>
+              </a:cxn>
+              <a:cxn ang="0">
+                <a:pos x="connsiteX30" y="connsiteY30"/>
+              </a:cxn>
+              <a:cxn ang="0">
+                <a:pos x="connsiteX31" y="connsiteY31"/>
+              </a:cxn>
+              <a:cxn ang="0">
+                <a:pos x="connsiteX32" y="connsiteY32"/>
+              </a:cxn>
+              <a:cxn ang="0">
+                <a:pos x="connsiteX33" y="connsiteY33"/>
+              </a:cxn>
+              <a:cxn ang="0">
+                <a:pos x="connsiteX34" y="connsiteY34"/>
+              </a:cxn>
+              <a:cxn ang="0">
+                <a:pos x="connsiteX35" y="connsiteY35"/>
+              </a:cxn>
+              <a:cxn ang="0">
+                <a:pos x="connsiteX36" y="connsiteY36"/>
+              </a:cxn>
+              <a:cxn ang="0">
+                <a:pos x="connsiteX37" y="connsiteY37"/>
+              </a:cxn>
+              <a:cxn ang="0">
+                <a:pos x="connsiteX38" y="connsiteY38"/>
+              </a:cxn>
+              <a:cxn ang="0">
+                <a:pos x="connsiteX39" y="connsiteY39"/>
+              </a:cxn>
+              <a:cxn ang="0">
+                <a:pos x="connsiteX40" y="connsiteY40"/>
+              </a:cxn>
+              <a:cxn ang="0">
+                <a:pos x="connsiteX41" y="connsiteY41"/>
+              </a:cxn>
+              <a:cxn ang="0">
+                <a:pos x="connsiteX42" y="connsiteY42"/>
+              </a:cxn>
+              <a:cxn ang="0">
+                <a:pos x="connsiteX43" y="connsiteY43"/>
+              </a:cxn>
+              <a:cxn ang="0">
+                <a:pos x="connsiteX44" y="connsiteY44"/>
+              </a:cxn>
+              <a:cxn ang="0">
+                <a:pos x="connsiteX45" y="connsiteY45"/>
+              </a:cxn>
+              <a:cxn ang="0">
+                <a:pos x="connsiteX46" y="connsiteY46"/>
+              </a:cxn>
+              <a:cxn ang="0">
+                <a:pos x="connsiteX47" y="connsiteY47"/>
+              </a:cxn>
+              <a:cxn ang="0">
+                <a:pos x="connsiteX48" y="connsiteY48"/>
+              </a:cxn>
+              <a:cxn ang="0">
+                <a:pos x="connsiteX49" y="connsiteY49"/>
+              </a:cxn>
+              <a:cxn ang="0">
+                <a:pos x="connsiteX50" y="connsiteY50"/>
+              </a:cxn>
+              <a:cxn ang="0">
+                <a:pos x="connsiteX51" y="connsiteY51"/>
+              </a:cxn>
+            </a:cxnLst>
+            <a:rect l="l" t="t" r="r" b="b"/>
+            <a:pathLst>
+              <a:path w="6858001" h="6985200">
+                <a:moveTo>
+                  <a:pt x="6858001" y="1177"/>
+                </a:moveTo>
+                <a:lnTo>
+                  <a:pt x="6858001" y="1344715"/>
+                </a:lnTo>
+                <a:lnTo>
+                  <a:pt x="6858000" y="1344715"/>
+                </a:lnTo>
+                <a:lnTo>
+                  <a:pt x="6858000" y="6985200"/>
+                </a:lnTo>
+                <a:lnTo>
+                  <a:pt x="0" y="6985199"/>
+                </a:lnTo>
+                <a:lnTo>
+                  <a:pt x="0" y="886772"/>
+                </a:lnTo>
+                <a:lnTo>
+                  <a:pt x="1" y="886772"/>
+                </a:lnTo>
+                <a:lnTo>
+                  <a:pt x="1" y="0"/>
+                </a:lnTo>
+                <a:lnTo>
+                  <a:pt x="40463" y="5883"/>
+                </a:lnTo>
+                <a:lnTo>
+                  <a:pt x="159107" y="23196"/>
+                </a:lnTo>
+                <a:lnTo>
+                  <a:pt x="245518" y="35299"/>
+                </a:lnTo>
+                <a:lnTo>
+                  <a:pt x="348388" y="48073"/>
+                </a:lnTo>
+                <a:lnTo>
+                  <a:pt x="470460" y="63369"/>
+                </a:lnTo>
+                <a:lnTo>
+                  <a:pt x="605563" y="79506"/>
+                </a:lnTo>
+                <a:lnTo>
+                  <a:pt x="757810" y="96483"/>
+                </a:lnTo>
+                <a:lnTo>
+                  <a:pt x="923774" y="114469"/>
+                </a:lnTo>
+                <a:lnTo>
+                  <a:pt x="1104139" y="132454"/>
+                </a:lnTo>
+                <a:lnTo>
+                  <a:pt x="1296163" y="150776"/>
+                </a:lnTo>
+                <a:lnTo>
+                  <a:pt x="1503275" y="167753"/>
+                </a:lnTo>
+                <a:lnTo>
+                  <a:pt x="1719988" y="184058"/>
+                </a:lnTo>
+                <a:lnTo>
+                  <a:pt x="1949045" y="198849"/>
+                </a:lnTo>
+                <a:lnTo>
+                  <a:pt x="2187703" y="212969"/>
+                </a:lnTo>
+                <a:lnTo>
+                  <a:pt x="2436649" y="226248"/>
+                </a:lnTo>
+                <a:lnTo>
+                  <a:pt x="2564208" y="230955"/>
+                </a:lnTo>
+                <a:lnTo>
+                  <a:pt x="2694509" y="236165"/>
+                </a:lnTo>
+                <a:lnTo>
+                  <a:pt x="2826869" y="241040"/>
+                </a:lnTo>
+                <a:lnTo>
+                  <a:pt x="2959914" y="244234"/>
+                </a:lnTo>
+                <a:lnTo>
+                  <a:pt x="3095702" y="247091"/>
+                </a:lnTo>
+                <a:lnTo>
+                  <a:pt x="3232862" y="250117"/>
+                </a:lnTo>
+                <a:lnTo>
+                  <a:pt x="3372766" y="252134"/>
+                </a:lnTo>
+                <a:lnTo>
+                  <a:pt x="3514040" y="252134"/>
+                </a:lnTo>
+                <a:lnTo>
+                  <a:pt x="3656686" y="253142"/>
+                </a:lnTo>
+                <a:lnTo>
+                  <a:pt x="3800705" y="252134"/>
+                </a:lnTo>
+                <a:lnTo>
+                  <a:pt x="3946780" y="250117"/>
+                </a:lnTo>
+                <a:lnTo>
+                  <a:pt x="4092856" y="248268"/>
+                </a:lnTo>
+                <a:lnTo>
+                  <a:pt x="4240988" y="244234"/>
+                </a:lnTo>
+                <a:lnTo>
+                  <a:pt x="4390492" y="240032"/>
+                </a:lnTo>
+                <a:lnTo>
+                  <a:pt x="4539997" y="235157"/>
+                </a:lnTo>
+                <a:lnTo>
+                  <a:pt x="4690873" y="228266"/>
+                </a:lnTo>
+                <a:lnTo>
+                  <a:pt x="4843120" y="220029"/>
+                </a:lnTo>
+                <a:lnTo>
+                  <a:pt x="4996054" y="212129"/>
+                </a:lnTo>
+                <a:lnTo>
+                  <a:pt x="5148987" y="202044"/>
+                </a:lnTo>
+                <a:lnTo>
+                  <a:pt x="5303978" y="189941"/>
+                </a:lnTo>
+                <a:lnTo>
+                  <a:pt x="5456911" y="177839"/>
+                </a:lnTo>
+                <a:lnTo>
+                  <a:pt x="5612588" y="163887"/>
+                </a:lnTo>
+                <a:lnTo>
+                  <a:pt x="5768950" y="148591"/>
+                </a:lnTo>
+                <a:lnTo>
+                  <a:pt x="5923255" y="132455"/>
+                </a:lnTo>
+                <a:lnTo>
+                  <a:pt x="6079618" y="113629"/>
+                </a:lnTo>
+                <a:lnTo>
+                  <a:pt x="6235294" y="93458"/>
+                </a:lnTo>
+                <a:lnTo>
+                  <a:pt x="6391657" y="73455"/>
+                </a:lnTo>
+                <a:lnTo>
+                  <a:pt x="6547333" y="50091"/>
+                </a:lnTo>
+                <a:lnTo>
+                  <a:pt x="6702324" y="26222"/>
+                </a:lnTo>
+                <a:close/>
+              </a:path>
+            </a:pathLst>
+          </a:custGeom>
+          <a:ln>
+            <a:noFill/>
+          </a:ln>
+        </p:spPr>
+      </p:sp>
+      <p:pic>
+        <p:nvPicPr>
+          <p:cNvPr id="20" name="Picture 19">
+            <a:extLst>
+              <a:ext uri="{FF2B5EF4-FFF2-40B4-BE49-F238E27FC236}">
+                <a16:creationId xmlns:a16="http://schemas.microsoft.com/office/drawing/2014/main" id="{6DE0F826-0F1A-42BA-A2C2-6F96F858CCC1}"/>
+              </a:ext>
+            </a:extLst>
+          </p:cNvPr>
+          <p:cNvPicPr/>
+          <p:nvPr/>
+        </p:nvPicPr>
+        <p:blipFill>
+          <a:blip r:embed="rId2"/>
+          <a:stretch>
+            <a:fillRect/>
+          </a:stretch>
+        </p:blipFill>
+        <p:spPr>
+          <a:xfrm>
+            <a:off x="6093992" y="1637347"/>
+            <a:ext cx="5449889" cy="3583302"/>
+          </a:xfrm>
+          <a:prstGeom prst="rect">
+            <a:avLst/>
+          </a:prstGeom>
+          <a:effectLst/>
+        </p:spPr>
+      </p:pic>
+      <p:sp>
+        <p:nvSpPr>
+          <p:cNvPr id="102" name="Rectangle 96">
+            <a:extLst>
+              <a:ext uri="{FF2B5EF4-FFF2-40B4-BE49-F238E27FC236}">
+                <a16:creationId xmlns:a16="http://schemas.microsoft.com/office/drawing/2014/main" id="{A92A1116-1C84-41DF-B803-1F7B0883EC82}"/>
               </a:ext>
               <a:ext uri="{C183D7F6-B498-43B3-948B-1728B52AA6E4}">
                 <adec:decorative xmlns:adec="http://schemas.microsoft.com/office/drawing/2017/decorative" val="1"/>
@@ -10016,8 +10857,8 @@
         </p:nvSpPr>
         <p:spPr>
           <a:xfrm>
-            <a:off x="613025" y="2405062"/>
-            <a:ext cx="5692526" cy="3171825"/>
+            <a:off x="648931" y="2438400"/>
+            <a:ext cx="4166509" cy="3785419"/>
           </a:xfrm>
         </p:spPr>
         <p:txBody>
@@ -10026,81 +10867,153 @@
           </a:bodyPr>
           <a:lstStyle/>
           <a:p>
+            <a:pPr>
+              <a:lnSpc>
+                <a:spcPct val="90000"/>
+              </a:lnSpc>
+            </a:pPr>
             <a:r>
-              <a:rPr lang="en-US" dirty="0"/>
+              <a:rPr lang="en-US" sz="1300" dirty="0">
+                <a:solidFill>
+                  <a:srgbClr val="EBEBEB"/>
+                </a:solidFill>
+              </a:rPr>
+              <a:t>Categorical Group Reduction</a:t>
+            </a:r>
+          </a:p>
+          <a:p>
+            <a:pPr lvl="1">
+              <a:lnSpc>
+                <a:spcPct val="90000"/>
+              </a:lnSpc>
+            </a:pPr>
+            <a:r>
+              <a:rPr lang="en-US" sz="1300" dirty="0">
+                <a:solidFill>
+                  <a:srgbClr val="EBEBEB"/>
+                </a:solidFill>
+              </a:rPr>
+              <a:t>Identified categorical columns with long tail of unique but similar values</a:t>
+            </a:r>
+          </a:p>
+          <a:p>
+            <a:pPr lvl="1">
+              <a:lnSpc>
+                <a:spcPct val="90000"/>
+              </a:lnSpc>
+            </a:pPr>
+            <a:r>
+              <a:rPr lang="en-US" sz="1300" dirty="0">
+                <a:solidFill>
+                  <a:srgbClr val="EBEBEB"/>
+                </a:solidFill>
+              </a:rPr>
+              <a:t>Replaced similar values (‘Middle English’) with superset values (‘English’)</a:t>
+            </a:r>
+          </a:p>
+          <a:p>
+            <a:pPr lvl="1">
+              <a:lnSpc>
+                <a:spcPct val="90000"/>
+              </a:lnSpc>
+            </a:pPr>
+            <a:r>
+              <a:rPr lang="en-US" sz="1300" dirty="0">
+                <a:solidFill>
+                  <a:srgbClr val="EBEBEB"/>
+                </a:solidFill>
+              </a:rPr>
+              <a:t>Column values with &lt; 10 frequency were grouped into ‘Others’</a:t>
+            </a:r>
+          </a:p>
+          <a:p>
+            <a:pPr>
+              <a:lnSpc>
+                <a:spcPct val="90000"/>
+              </a:lnSpc>
+            </a:pPr>
+            <a:r>
+              <a:rPr lang="en-US" sz="1300" dirty="0">
+                <a:solidFill>
+                  <a:srgbClr val="EBEBEB"/>
+                </a:solidFill>
+              </a:rPr>
               <a:t>15 Categorical Columns encoded using </a:t>
             </a:r>
             <a:r>
-              <a:rPr lang="en-US" dirty="0" err="1"/>
+              <a:rPr lang="en-US" sz="1300" dirty="0" err="1">
+                <a:solidFill>
+                  <a:srgbClr val="EBEBEB"/>
+                </a:solidFill>
+              </a:rPr>
               <a:t>LableEncoder</a:t>
             </a:r>
-            <a:endParaRPr lang="en-US" dirty="0"/>
-          </a:p>
-          <a:p>
-            <a:pPr marL="0" indent="0">
-              <a:buNone/>
+            <a:endParaRPr lang="en-US" sz="1300" dirty="0">
+              <a:solidFill>
+                <a:srgbClr val="EBEBEB"/>
+              </a:solidFill>
+            </a:endParaRPr>
+          </a:p>
+          <a:p>
+            <a:pPr>
+              <a:lnSpc>
+                <a:spcPct val="90000"/>
+              </a:lnSpc>
             </a:pPr>
-            <a:endParaRPr lang="en-US" dirty="0"/>
-          </a:p>
-          <a:p>
             <a:r>
-              <a:rPr lang="en-US" dirty="0"/>
+              <a:rPr lang="en-US" sz="1300" dirty="0">
+                <a:solidFill>
+                  <a:srgbClr val="EBEBEB"/>
+                </a:solidFill>
+              </a:rPr>
               <a:t>Outliers identified using Tukey’s fences and dropped</a:t>
             </a:r>
           </a:p>
           <a:p>
-            <a:pPr marL="0" indent="0">
-              <a:buNone/>
+            <a:pPr>
+              <a:lnSpc>
+                <a:spcPct val="90000"/>
+              </a:lnSpc>
             </a:pPr>
-            <a:endParaRPr lang="en-US" dirty="0"/>
-          </a:p>
-          <a:p>
             <a:r>
-              <a:rPr lang="en-US" dirty="0"/>
+              <a:rPr lang="en-US" sz="1300" dirty="0">
+                <a:solidFill>
+                  <a:srgbClr val="EBEBEB"/>
+                </a:solidFill>
+              </a:rPr>
               <a:t>Low variance features identified using </a:t>
             </a:r>
             <a:r>
-              <a:rPr lang="en-US" dirty="0" err="1"/>
+              <a:rPr lang="en-US" sz="1300" dirty="0" err="1">
+                <a:solidFill>
+                  <a:srgbClr val="EBEBEB"/>
+                </a:solidFill>
+              </a:rPr>
               <a:t>VarianceThreshold</a:t>
             </a:r>
             <a:r>
-              <a:rPr lang="en-US" dirty="0"/>
+              <a:rPr lang="en-US" sz="1300" dirty="0">
+                <a:solidFill>
+                  <a:srgbClr val="EBEBEB"/>
+                </a:solidFill>
+              </a:rPr>
               <a:t> method and dropped</a:t>
             </a:r>
           </a:p>
           <a:p>
-            <a:endParaRPr lang="en-US" dirty="0"/>
+            <a:pPr>
+              <a:lnSpc>
+                <a:spcPct val="90000"/>
+              </a:lnSpc>
+            </a:pPr>
+            <a:endParaRPr lang="en-US" sz="1300" dirty="0">
+              <a:solidFill>
+                <a:srgbClr val="EBEBEB"/>
+              </a:solidFill>
+            </a:endParaRPr>
           </a:p>
         </p:txBody>
       </p:sp>
-      <p:pic>
-        <p:nvPicPr>
-          <p:cNvPr id="20" name="Picture 19">
-            <a:extLst>
-              <a:ext uri="{FF2B5EF4-FFF2-40B4-BE49-F238E27FC236}">
-                <a16:creationId xmlns:a16="http://schemas.microsoft.com/office/drawing/2014/main" id="{6DE0F826-0F1A-42BA-A2C2-6F96F858CCC1}"/>
-              </a:ext>
-            </a:extLst>
-          </p:cNvPr>
-          <p:cNvPicPr/>
-          <p:nvPr/>
-        </p:nvPicPr>
-        <p:blipFill>
-          <a:blip r:embed="rId3"/>
-          <a:stretch>
-            <a:fillRect/>
-          </a:stretch>
-        </p:blipFill>
-        <p:spPr>
-          <a:xfrm>
-            <a:off x="7005637" y="2405062"/>
-            <a:ext cx="4829175" cy="3171825"/>
-          </a:xfrm>
-          <a:prstGeom prst="rect">
-            <a:avLst/>
-          </a:prstGeom>
-        </p:spPr>
-      </p:pic>
     </p:spTree>
     <p:extLst>
       <p:ext uri="{BB962C8B-B14F-4D97-AF65-F5344CB8AC3E}">
@@ -10109,7 +11022,7 @@
     </p:extLst>
   </p:cSld>
   <p:clrMapOvr>
-    <a:masterClrMapping/>
+    <a:overrideClrMapping bg1="lt1" tx1="dk1" bg2="lt2" tx2="dk2" accent1="accent1" accent2="accent2" accent3="accent3" accent4="accent4" accent5="accent5" accent6="accent6" hlink="hlink" folHlink="folHlink"/>
   </p:clrMapOvr>
 </p:sld>
 </file>
@@ -10147,13 +11060,20 @@
             <p:ph type="title"/>
           </p:nvPr>
         </p:nvSpPr>
-        <p:spPr/>
+        <p:spPr>
+          <a:xfrm>
+            <a:off x="646111" y="452718"/>
+            <a:ext cx="9404723" cy="878927"/>
+          </a:xfrm>
+        </p:spPr>
         <p:txBody>
           <a:bodyPr/>
           <a:lstStyle/>
           <a:p>
             <a:r>
-              <a:rPr lang="en-US" dirty="0"/>
+              <a:rPr lang="en-US" dirty="0">
+                <a:latin typeface="Copperplate Gothic Bold" panose="020E0705020206020404" pitchFamily="34" charset="0"/>
+              </a:rPr>
               <a:t>Feature Selection</a:t>
             </a:r>
           </a:p>
@@ -10188,8 +11108,8 @@
         </p:blipFill>
         <p:spPr bwMode="auto">
           <a:xfrm>
-            <a:off x="646111" y="2305966"/>
-            <a:ext cx="3627438" cy="1524000"/>
+            <a:off x="646111" y="1764425"/>
+            <a:ext cx="3082510" cy="1295059"/>
           </a:xfrm>
           <a:prstGeom prst="rect">
             <a:avLst/>
@@ -10235,8 +11155,8 @@
         </p:blipFill>
         <p:spPr bwMode="auto">
           <a:xfrm>
-            <a:off x="4362329" y="2305967"/>
-            <a:ext cx="2263775" cy="1524000"/>
+            <a:off x="3856300" y="1764424"/>
+            <a:ext cx="1923702" cy="1295059"/>
           </a:xfrm>
           <a:prstGeom prst="rect">
             <a:avLst/>
@@ -10255,10 +11175,141 @@
       </p:pic>
       <p:sp>
         <p:nvSpPr>
-          <p:cNvPr id="6" name="Rectangle 11">
+          <p:cNvPr id="4" name="TextBox 3">
             <a:extLst>
               <a:ext uri="{FF2B5EF4-FFF2-40B4-BE49-F238E27FC236}">
-                <a16:creationId xmlns:a16="http://schemas.microsoft.com/office/drawing/2014/main" id="{0BE12216-D10E-44B0-A488-645D8ACB956F}"/>
+                <a16:creationId xmlns:a16="http://schemas.microsoft.com/office/drawing/2014/main" id="{EE487434-C9B3-4467-9AA8-278A5146DA0D}"/>
+              </a:ext>
+            </a:extLst>
+          </p:cNvPr>
+          <p:cNvSpPr txBox="1"/>
+          <p:nvPr/>
+        </p:nvSpPr>
+        <p:spPr>
+          <a:xfrm>
+            <a:off x="646111" y="1331645"/>
+            <a:ext cx="2263775" cy="369332"/>
+          </a:xfrm>
+          <a:prstGeom prst="rect">
+            <a:avLst/>
+          </a:prstGeom>
+          <a:noFill/>
+        </p:spPr>
+        <p:txBody>
+          <a:bodyPr wrap="square" rtlCol="0">
+            <a:spAutoFit/>
+          </a:bodyPr>
+          <a:lstStyle/>
+          <a:p>
+            <a:r>
+              <a:rPr lang="en-US" dirty="0">
+                <a:latin typeface="Copperplate Gothic Light" panose="020E0507020206020404" pitchFamily="34" charset="0"/>
+              </a:rPr>
+              <a:t>Random Forest</a:t>
+            </a:r>
+          </a:p>
+        </p:txBody>
+      </p:sp>
+      <p:pic>
+        <p:nvPicPr>
+          <p:cNvPr id="1026" name="Picture 24">
+            <a:extLst>
+              <a:ext uri="{FF2B5EF4-FFF2-40B4-BE49-F238E27FC236}">
+                <a16:creationId xmlns:a16="http://schemas.microsoft.com/office/drawing/2014/main" id="{251F438D-91D7-4259-A448-4EAA03FF15ED}"/>
+              </a:ext>
+            </a:extLst>
+          </p:cNvPr>
+          <p:cNvPicPr>
+            <a:picLocks noChangeAspect="1" noChangeArrowheads="1"/>
+          </p:cNvPicPr>
+          <p:nvPr/>
+        </p:nvPicPr>
+        <p:blipFill>
+          <a:blip r:embed="rId4">
+            <a:extLst>
+              <a:ext uri="{28A0092B-C50C-407E-A947-70E740481C1C}">
+                <a14:useLocalDpi xmlns:a14="http://schemas.microsoft.com/office/drawing/2010/main" val="0"/>
+              </a:ext>
+            </a:extLst>
+          </a:blip>
+          <a:srcRect/>
+          <a:stretch>
+            <a:fillRect/>
+          </a:stretch>
+        </p:blipFill>
+        <p:spPr bwMode="auto">
+          <a:xfrm>
+            <a:off x="646111" y="3512805"/>
+            <a:ext cx="3065126" cy="1382446"/>
+          </a:xfrm>
+          <a:prstGeom prst="rect">
+            <a:avLst/>
+          </a:prstGeom>
+          <a:noFill/>
+          <a:extLst>
+            <a:ext uri="{909E8E84-426E-40DD-AFC4-6F175D3DCCD1}">
+              <a14:hiddenFill xmlns:a14="http://schemas.microsoft.com/office/drawing/2010/main">
+                <a:solidFill>
+                  <a:srgbClr val="FFFFFF"/>
+                </a:solidFill>
+              </a14:hiddenFill>
+            </a:ext>
+          </a:extLst>
+        </p:spPr>
+      </p:pic>
+      <p:pic>
+        <p:nvPicPr>
+          <p:cNvPr id="1025" name="Picture 25">
+            <a:extLst>
+              <a:ext uri="{FF2B5EF4-FFF2-40B4-BE49-F238E27FC236}">
+                <a16:creationId xmlns:a16="http://schemas.microsoft.com/office/drawing/2014/main" id="{2C7CC8F1-391E-439F-B0D1-A4161D628809}"/>
+              </a:ext>
+            </a:extLst>
+          </p:cNvPr>
+          <p:cNvPicPr>
+            <a:picLocks noChangeAspect="1" noChangeArrowheads="1"/>
+          </p:cNvPicPr>
+          <p:nvPr/>
+        </p:nvPicPr>
+        <p:blipFill>
+          <a:blip r:embed="rId5">
+            <a:extLst>
+              <a:ext uri="{28A0092B-C50C-407E-A947-70E740481C1C}">
+                <a14:useLocalDpi xmlns:a14="http://schemas.microsoft.com/office/drawing/2010/main" val="0"/>
+              </a:ext>
+            </a:extLst>
+          </a:blip>
+          <a:srcRect/>
+          <a:stretch>
+            <a:fillRect/>
+          </a:stretch>
+        </p:blipFill>
+        <p:spPr bwMode="auto">
+          <a:xfrm>
+            <a:off x="3856301" y="3512805"/>
+            <a:ext cx="1923701" cy="1382446"/>
+          </a:xfrm>
+          <a:prstGeom prst="rect">
+            <a:avLst/>
+          </a:prstGeom>
+          <a:noFill/>
+          <a:extLst>
+            <a:ext uri="{909E8E84-426E-40DD-AFC4-6F175D3DCCD1}">
+              <a14:hiddenFill xmlns:a14="http://schemas.microsoft.com/office/drawing/2010/main">
+                <a:solidFill>
+                  <a:srgbClr val="FFFFFF"/>
+                </a:solidFill>
+              </a14:hiddenFill>
+            </a:ext>
+          </a:extLst>
+        </p:spPr>
+      </p:pic>
+      <p:sp>
+        <p:nvSpPr>
+          <p:cNvPr id="8" name="Rectangle 5">
+            <a:extLst>
+              <a:ext uri="{FF2B5EF4-FFF2-40B4-BE49-F238E27FC236}">
+                <a16:creationId xmlns:a16="http://schemas.microsoft.com/office/drawing/2014/main" id="{45D27005-A51E-4174-AB4B-B74246A51244}"/>
               </a:ext>
             </a:extLst>
           </p:cNvPr>
@@ -10269,8 +11320,8 @@
         </p:nvSpPr>
         <p:spPr bwMode="auto">
           <a:xfrm>
-            <a:off x="0" y="0"/>
-            <a:ext cx="12192000" cy="457200"/>
+            <a:off x="1509204" y="7563015"/>
+            <a:ext cx="12192000" cy="0"/>
           </a:xfrm>
           <a:prstGeom prst="rect">
             <a:avLst/>
@@ -10319,6 +11370,227 @@
           <a:lstStyle/>
           <a:p>
             <a:endParaRPr lang="en-US"/>
+          </a:p>
+        </p:txBody>
+      </p:sp>
+      <p:sp>
+        <p:nvSpPr>
+          <p:cNvPr id="13" name="TextBox 12">
+            <a:extLst>
+              <a:ext uri="{FF2B5EF4-FFF2-40B4-BE49-F238E27FC236}">
+                <a16:creationId xmlns:a16="http://schemas.microsoft.com/office/drawing/2014/main" id="{2775D8E4-A5FD-445D-AB76-91D06066633C}"/>
+              </a:ext>
+            </a:extLst>
+          </p:cNvPr>
+          <p:cNvSpPr txBox="1"/>
+          <p:nvPr/>
+        </p:nvSpPr>
+        <p:spPr>
+          <a:xfrm>
+            <a:off x="646110" y="3070765"/>
+            <a:ext cx="2567607" cy="369332"/>
+          </a:xfrm>
+          <a:prstGeom prst="rect">
+            <a:avLst/>
+          </a:prstGeom>
+          <a:noFill/>
+        </p:spPr>
+        <p:txBody>
+          <a:bodyPr wrap="square" rtlCol="0">
+            <a:spAutoFit/>
+          </a:bodyPr>
+          <a:lstStyle/>
+          <a:p>
+            <a:r>
+              <a:rPr lang="en-US" dirty="0">
+                <a:latin typeface="Copperplate Gothic Light" panose="020E0507020206020404" pitchFamily="34" charset="0"/>
+              </a:rPr>
+              <a:t>Gradient Boosting</a:t>
+            </a:r>
+          </a:p>
+        </p:txBody>
+      </p:sp>
+      <p:sp>
+        <p:nvSpPr>
+          <p:cNvPr id="14" name="TextBox 13">
+            <a:extLst>
+              <a:ext uri="{FF2B5EF4-FFF2-40B4-BE49-F238E27FC236}">
+                <a16:creationId xmlns:a16="http://schemas.microsoft.com/office/drawing/2014/main" id="{CDF8F28D-0886-45F7-825B-EBE2F3CA4C92}"/>
+              </a:ext>
+            </a:extLst>
+          </p:cNvPr>
+          <p:cNvSpPr txBox="1"/>
+          <p:nvPr/>
+        </p:nvSpPr>
+        <p:spPr>
+          <a:xfrm>
+            <a:off x="646110" y="4946007"/>
+            <a:ext cx="2567607" cy="369332"/>
+          </a:xfrm>
+          <a:prstGeom prst="rect">
+            <a:avLst/>
+          </a:prstGeom>
+          <a:noFill/>
+        </p:spPr>
+        <p:txBody>
+          <a:bodyPr wrap="square" rtlCol="0">
+            <a:spAutoFit/>
+          </a:bodyPr>
+          <a:lstStyle/>
+          <a:p>
+            <a:r>
+              <a:rPr lang="en-US" dirty="0">
+                <a:latin typeface="Copperplate Gothic Light" panose="020E0507020206020404" pitchFamily="34" charset="0"/>
+              </a:rPr>
+              <a:t>Decision Tree</a:t>
+            </a:r>
+          </a:p>
+        </p:txBody>
+      </p:sp>
+      <p:pic>
+        <p:nvPicPr>
+          <p:cNvPr id="15" name="Picture 14">
+            <a:extLst>
+              <a:ext uri="{FF2B5EF4-FFF2-40B4-BE49-F238E27FC236}">
+                <a16:creationId xmlns:a16="http://schemas.microsoft.com/office/drawing/2014/main" id="{EE941635-92DA-4FE8-AD88-BD28569FD433}"/>
+              </a:ext>
+            </a:extLst>
+          </p:cNvPr>
+          <p:cNvPicPr/>
+          <p:nvPr/>
+        </p:nvPicPr>
+        <p:blipFill>
+          <a:blip r:embed="rId6"/>
+          <a:stretch>
+            <a:fillRect/>
+          </a:stretch>
+        </p:blipFill>
+        <p:spPr>
+          <a:xfrm>
+            <a:off x="646110" y="5339295"/>
+            <a:ext cx="3065126" cy="1295034"/>
+          </a:xfrm>
+          <a:prstGeom prst="rect">
+            <a:avLst/>
+          </a:prstGeom>
+        </p:spPr>
+      </p:pic>
+      <p:pic>
+        <p:nvPicPr>
+          <p:cNvPr id="16" name="Picture 15">
+            <a:extLst>
+              <a:ext uri="{FF2B5EF4-FFF2-40B4-BE49-F238E27FC236}">
+                <a16:creationId xmlns:a16="http://schemas.microsoft.com/office/drawing/2014/main" id="{BA8E76F2-43A2-4DA0-A9C8-529AEE5265B2}"/>
+              </a:ext>
+            </a:extLst>
+          </p:cNvPr>
+          <p:cNvPicPr/>
+          <p:nvPr/>
+        </p:nvPicPr>
+        <p:blipFill>
+          <a:blip r:embed="rId7"/>
+          <a:stretch>
+            <a:fillRect/>
+          </a:stretch>
+        </p:blipFill>
+        <p:spPr>
+          <a:xfrm>
+            <a:off x="3824449" y="5315339"/>
+            <a:ext cx="1955553" cy="1318975"/>
+          </a:xfrm>
+          <a:prstGeom prst="rect">
+            <a:avLst/>
+          </a:prstGeom>
+        </p:spPr>
+      </p:pic>
+      <p:sp>
+        <p:nvSpPr>
+          <p:cNvPr id="9" name="Isosceles Triangle 8">
+            <a:extLst>
+              <a:ext uri="{FF2B5EF4-FFF2-40B4-BE49-F238E27FC236}">
+                <a16:creationId xmlns:a16="http://schemas.microsoft.com/office/drawing/2014/main" id="{5BFE8060-8A69-43C9-AB0A-4B93CD4534C5}"/>
+              </a:ext>
+            </a:extLst>
+          </p:cNvPr>
+          <p:cNvSpPr/>
+          <p:nvPr/>
+        </p:nvSpPr>
+        <p:spPr>
+          <a:xfrm rot="5400000">
+            <a:off x="4864531" y="3100572"/>
+            <a:ext cx="4869891" cy="2197596"/>
+          </a:xfrm>
+          <a:prstGeom prst="triangle">
+            <a:avLst>
+              <a:gd name="adj" fmla="val 50182"/>
+            </a:avLst>
+          </a:prstGeom>
+        </p:spPr>
+        <p:style>
+          <a:lnRef idx="1">
+            <a:schemeClr val="accent3"/>
+          </a:lnRef>
+          <a:fillRef idx="2">
+            <a:schemeClr val="accent3"/>
+          </a:fillRef>
+          <a:effectRef idx="1">
+            <a:schemeClr val="accent3"/>
+          </a:effectRef>
+          <a:fontRef idx="minor">
+            <a:schemeClr val="dk1"/>
+          </a:fontRef>
+        </p:style>
+        <p:txBody>
+          <a:bodyPr rtlCol="0" anchor="ctr"/>
+          <a:lstStyle/>
+          <a:p>
+            <a:pPr algn="ctr"/>
+            <a:endParaRPr lang="en-US"/>
+          </a:p>
+        </p:txBody>
+      </p:sp>
+      <p:sp>
+        <p:nvSpPr>
+          <p:cNvPr id="10" name="TextBox 9">
+            <a:extLst>
+              <a:ext uri="{FF2B5EF4-FFF2-40B4-BE49-F238E27FC236}">
+                <a16:creationId xmlns:a16="http://schemas.microsoft.com/office/drawing/2014/main" id="{BFAF8A29-688F-44BF-B18D-F8390A8BAEE5}"/>
+              </a:ext>
+            </a:extLst>
+          </p:cNvPr>
+          <p:cNvSpPr txBox="1"/>
+          <p:nvPr/>
+        </p:nvSpPr>
+        <p:spPr>
+          <a:xfrm>
+            <a:off x="8593585" y="3513012"/>
+            <a:ext cx="3329126" cy="1384995"/>
+          </a:xfrm>
+          <a:prstGeom prst="rect">
+            <a:avLst/>
+          </a:prstGeom>
+          <a:noFill/>
+        </p:spPr>
+        <p:txBody>
+          <a:bodyPr wrap="square" rtlCol="0">
+            <a:spAutoFit/>
+          </a:bodyPr>
+          <a:lstStyle/>
+          <a:p>
+            <a:r>
+              <a:rPr lang="en-US" sz="2800" dirty="0">
+                <a:latin typeface="Copperplate Gothic Bold" panose="020E0705020206020404" pitchFamily="34" charset="0"/>
+              </a:rPr>
+              <a:t>No Insignificant</a:t>
+            </a:r>
+          </a:p>
+          <a:p>
+            <a:r>
+              <a:rPr lang="en-US" sz="2800" dirty="0">
+                <a:latin typeface="Copperplate Gothic Bold" panose="020E0705020206020404" pitchFamily="34" charset="0"/>
+              </a:rPr>
+              <a:t>Features</a:t>
+            </a:r>
           </a:p>
         </p:txBody>
       </p:sp>
@@ -10440,6 +11712,89 @@
           <p:cNvPr id="2" name="Title 1">
             <a:extLst>
               <a:ext uri="{FF2B5EF4-FFF2-40B4-BE49-F238E27FC236}">
+                <a16:creationId xmlns:a16="http://schemas.microsoft.com/office/drawing/2014/main" id="{5E9AE049-4884-4304-A660-28E5420C5C21}"/>
+              </a:ext>
+            </a:extLst>
+          </p:cNvPr>
+          <p:cNvSpPr>
+            <a:spLocks noGrp="1"/>
+          </p:cNvSpPr>
+          <p:nvPr>
+            <p:ph type="title"/>
+          </p:nvPr>
+        </p:nvSpPr>
+        <p:spPr/>
+        <p:txBody>
+          <a:bodyPr/>
+          <a:lstStyle/>
+          <a:p>
+            <a:r>
+              <a:rPr lang="en-US" dirty="0"/>
+              <a:t>Hyperparameter Tuning</a:t>
+            </a:r>
+          </a:p>
+        </p:txBody>
+      </p:sp>
+      <p:sp>
+        <p:nvSpPr>
+          <p:cNvPr id="3" name="Content Placeholder 2">
+            <a:extLst>
+              <a:ext uri="{FF2B5EF4-FFF2-40B4-BE49-F238E27FC236}">
+                <a16:creationId xmlns:a16="http://schemas.microsoft.com/office/drawing/2014/main" id="{01C5E5B7-59B6-44F6-9AB5-3703DF61EC99}"/>
+              </a:ext>
+            </a:extLst>
+          </p:cNvPr>
+          <p:cNvSpPr>
+            <a:spLocks noGrp="1"/>
+          </p:cNvSpPr>
+          <p:nvPr>
+            <p:ph idx="1"/>
+          </p:nvPr>
+        </p:nvSpPr>
+        <p:spPr/>
+        <p:txBody>
+          <a:bodyPr/>
+          <a:lstStyle/>
+          <a:p>
+            <a:endParaRPr lang="en-US" dirty="0"/>
+          </a:p>
+        </p:txBody>
+      </p:sp>
+    </p:spTree>
+    <p:extLst>
+      <p:ext uri="{BB962C8B-B14F-4D97-AF65-F5344CB8AC3E}">
+        <p14:creationId xmlns:p14="http://schemas.microsoft.com/office/powerpoint/2010/main" val="961543633"/>
+      </p:ext>
+    </p:extLst>
+  </p:cSld>
+  <p:clrMapOvr>
+    <a:masterClrMapping/>
+  </p:clrMapOvr>
+</p:sld>
+</file>
+
+<file path=ppt/slides/slide14.xml><?xml version="1.0" encoding="utf-8"?>
+<p:sld xmlns:a="http://schemas.openxmlformats.org/drawingml/2006/main" xmlns:r="http://schemas.openxmlformats.org/officeDocument/2006/relationships" xmlns:p="http://schemas.openxmlformats.org/presentationml/2006/main">
+  <p:cSld>
+    <p:spTree>
+      <p:nvGrpSpPr>
+        <p:cNvPr id="1" name=""/>
+        <p:cNvGrpSpPr/>
+        <p:nvPr/>
+      </p:nvGrpSpPr>
+      <p:grpSpPr>
+        <a:xfrm>
+          <a:off x="0" y="0"/>
+          <a:ext cx="0" cy="0"/>
+          <a:chOff x="0" y="0"/>
+          <a:chExt cx="0" cy="0"/>
+        </a:xfrm>
+      </p:grpSpPr>
+      <p:sp>
+        <p:nvSpPr>
+          <p:cNvPr id="2" name="Title 1">
+            <a:extLst>
+              <a:ext uri="{FF2B5EF4-FFF2-40B4-BE49-F238E27FC236}">
                 <a16:creationId xmlns:a16="http://schemas.microsoft.com/office/drawing/2014/main" id="{7F461F9E-CC55-4682-AB53-40280195BB33}"/>
               </a:ext>
             </a:extLst>
@@ -10458,7 +11813,7 @@
           <a:p>
             <a:r>
               <a:rPr lang="en-US" dirty="0"/>
-              <a:t>Result and Conclusion</a:t>
+              <a:t>Result</a:t>
             </a:r>
           </a:p>
         </p:txBody>
@@ -10492,6 +11847,434 @@
     <p:extLst>
       <p:ext uri="{BB962C8B-B14F-4D97-AF65-F5344CB8AC3E}">
         <p14:creationId xmlns:p14="http://schemas.microsoft.com/office/powerpoint/2010/main" val="241215330"/>
+      </p:ext>
+    </p:extLst>
+  </p:cSld>
+  <p:clrMapOvr>
+    <a:masterClrMapping/>
+  </p:clrMapOvr>
+</p:sld>
+</file>
+
+<file path=ppt/slides/slide15.xml><?xml version="1.0" encoding="utf-8"?>
+<p:sld xmlns:a="http://schemas.openxmlformats.org/drawingml/2006/main" xmlns:r="http://schemas.openxmlformats.org/officeDocument/2006/relationships" xmlns:p="http://schemas.openxmlformats.org/presentationml/2006/main">
+  <p:cSld>
+    <p:spTree>
+      <p:nvGrpSpPr>
+        <p:cNvPr id="1" name=""/>
+        <p:cNvGrpSpPr/>
+        <p:nvPr/>
+      </p:nvGrpSpPr>
+      <p:grpSpPr>
+        <a:xfrm>
+          <a:off x="0" y="0"/>
+          <a:ext cx="0" cy="0"/>
+          <a:chOff x="0" y="0"/>
+          <a:chExt cx="0" cy="0"/>
+        </a:xfrm>
+      </p:grpSpPr>
+      <p:sp>
+        <p:nvSpPr>
+          <p:cNvPr id="2" name="Title 1">
+            <a:extLst>
+              <a:ext uri="{FF2B5EF4-FFF2-40B4-BE49-F238E27FC236}">
+                <a16:creationId xmlns:a16="http://schemas.microsoft.com/office/drawing/2014/main" id="{303AEB98-F145-4CC9-BDBB-6FBFF5DB98EA}"/>
+              </a:ext>
+            </a:extLst>
+          </p:cNvPr>
+          <p:cNvSpPr>
+            <a:spLocks noGrp="1"/>
+          </p:cNvSpPr>
+          <p:nvPr>
+            <p:ph type="title"/>
+          </p:nvPr>
+        </p:nvSpPr>
+        <p:spPr/>
+        <p:txBody>
+          <a:bodyPr/>
+          <a:lstStyle/>
+          <a:p>
+            <a:r>
+              <a:rPr lang="en-US" dirty="0"/>
+              <a:t>Conclusion</a:t>
+            </a:r>
+          </a:p>
+        </p:txBody>
+      </p:sp>
+      <p:sp>
+        <p:nvSpPr>
+          <p:cNvPr id="3" name="Content Placeholder 2">
+            <a:extLst>
+              <a:ext uri="{FF2B5EF4-FFF2-40B4-BE49-F238E27FC236}">
+                <a16:creationId xmlns:a16="http://schemas.microsoft.com/office/drawing/2014/main" id="{7D139056-E839-4744-AD8F-DA1A9C2F82FE}"/>
+              </a:ext>
+            </a:extLst>
+          </p:cNvPr>
+          <p:cNvSpPr>
+            <a:spLocks noGrp="1"/>
+          </p:cNvSpPr>
+          <p:nvPr>
+            <p:ph idx="1"/>
+          </p:nvPr>
+        </p:nvSpPr>
+        <p:spPr/>
+        <p:txBody>
+          <a:bodyPr/>
+          <a:lstStyle/>
+          <a:p>
+            <a:endParaRPr lang="en-US"/>
+          </a:p>
+        </p:txBody>
+      </p:sp>
+    </p:spTree>
+    <p:extLst>
+      <p:ext uri="{BB962C8B-B14F-4D97-AF65-F5344CB8AC3E}">
+        <p14:creationId xmlns:p14="http://schemas.microsoft.com/office/powerpoint/2010/main" val="1394195583"/>
+      </p:ext>
+    </p:extLst>
+  </p:cSld>
+  <p:clrMapOvr>
+    <a:masterClrMapping/>
+  </p:clrMapOvr>
+</p:sld>
+</file>
+
+<file path=ppt/slides/slide16.xml><?xml version="1.0" encoding="utf-8"?>
+<p:sld xmlns:a="http://schemas.openxmlformats.org/drawingml/2006/main" xmlns:r="http://schemas.openxmlformats.org/officeDocument/2006/relationships" xmlns:p="http://schemas.openxmlformats.org/presentationml/2006/main">
+  <p:cSld>
+    <p:spTree>
+      <p:nvGrpSpPr>
+        <p:cNvPr id="1" name=""/>
+        <p:cNvGrpSpPr/>
+        <p:nvPr/>
+      </p:nvGrpSpPr>
+      <p:grpSpPr>
+        <a:xfrm>
+          <a:off x="0" y="0"/>
+          <a:ext cx="0" cy="0"/>
+          <a:chOff x="0" y="0"/>
+          <a:chExt cx="0" cy="0"/>
+        </a:xfrm>
+      </p:grpSpPr>
+      <p:sp>
+        <p:nvSpPr>
+          <p:cNvPr id="2" name="Title 1">
+            <a:extLst>
+              <a:ext uri="{FF2B5EF4-FFF2-40B4-BE49-F238E27FC236}">
+                <a16:creationId xmlns:a16="http://schemas.microsoft.com/office/drawing/2014/main" id="{EAA334D6-8846-4117-8851-7FF689D0C90E}"/>
+              </a:ext>
+            </a:extLst>
+          </p:cNvPr>
+          <p:cNvSpPr>
+            <a:spLocks noGrp="1"/>
+          </p:cNvSpPr>
+          <p:nvPr>
+            <p:ph type="title"/>
+          </p:nvPr>
+        </p:nvSpPr>
+        <p:spPr/>
+        <p:txBody>
+          <a:bodyPr/>
+          <a:lstStyle/>
+          <a:p>
+            <a:r>
+              <a:rPr lang="en-US" dirty="0"/>
+              <a:t>Questions</a:t>
+            </a:r>
+          </a:p>
+        </p:txBody>
+      </p:sp>
+      <p:sp>
+        <p:nvSpPr>
+          <p:cNvPr id="3" name="Content Placeholder 2">
+            <a:extLst>
+              <a:ext uri="{FF2B5EF4-FFF2-40B4-BE49-F238E27FC236}">
+                <a16:creationId xmlns:a16="http://schemas.microsoft.com/office/drawing/2014/main" id="{FA42CF92-C0DA-4AA3-BD54-CC3B4BB432FA}"/>
+              </a:ext>
+            </a:extLst>
+          </p:cNvPr>
+          <p:cNvSpPr>
+            <a:spLocks noGrp="1"/>
+          </p:cNvSpPr>
+          <p:nvPr>
+            <p:ph idx="1"/>
+          </p:nvPr>
+        </p:nvSpPr>
+        <p:spPr/>
+        <p:txBody>
+          <a:bodyPr/>
+          <a:lstStyle/>
+          <a:p>
+            <a:endParaRPr lang="en-US"/>
+          </a:p>
+        </p:txBody>
+      </p:sp>
+    </p:spTree>
+    <p:extLst>
+      <p:ext uri="{BB962C8B-B14F-4D97-AF65-F5344CB8AC3E}">
+        <p14:creationId xmlns:p14="http://schemas.microsoft.com/office/powerpoint/2010/main" val="779741283"/>
+      </p:ext>
+    </p:extLst>
+  </p:cSld>
+  <p:clrMapOvr>
+    <a:masterClrMapping/>
+  </p:clrMapOvr>
+</p:sld>
+</file>
+
+<file path=ppt/slides/slide17.xml><?xml version="1.0" encoding="utf-8"?>
+<p:sld xmlns:a="http://schemas.openxmlformats.org/drawingml/2006/main" xmlns:r="http://schemas.openxmlformats.org/officeDocument/2006/relationships" xmlns:p="http://schemas.openxmlformats.org/presentationml/2006/main">
+  <p:cSld>
+    <p:bg>
+      <p:bgPr>
+        <a:blipFill rotWithShape="1">
+          <a:blip r:embed="rId2">
+            <a:duotone>
+              <a:schemeClr val="bg2">
+                <a:shade val="69000"/>
+                <a:hueMod val="108000"/>
+                <a:satMod val="164000"/>
+                <a:lumMod val="74000"/>
+              </a:schemeClr>
+              <a:schemeClr val="bg2">
+                <a:tint val="96000"/>
+                <a:hueMod val="88000"/>
+                <a:satMod val="140000"/>
+                <a:lumMod val="132000"/>
+              </a:schemeClr>
+            </a:duotone>
+          </a:blip>
+          <a:stretch/>
+        </a:blipFill>
+        <a:effectLst/>
+      </p:bgPr>
+    </p:bg>
+    <p:spTree>
+      <p:nvGrpSpPr>
+        <p:cNvPr id="1" name=""/>
+        <p:cNvGrpSpPr/>
+        <p:nvPr/>
+      </p:nvGrpSpPr>
+      <p:grpSpPr>
+        <a:xfrm>
+          <a:off x="0" y="0"/>
+          <a:ext cx="0" cy="0"/>
+          <a:chOff x="0" y="0"/>
+          <a:chExt cx="0" cy="0"/>
+        </a:xfrm>
+      </p:grpSpPr>
+      <p:sp>
+        <p:nvSpPr>
+          <p:cNvPr id="25" name="Rectangle 24">
+            <a:extLst>
+              <a:ext uri="{FF2B5EF4-FFF2-40B4-BE49-F238E27FC236}">
+                <a16:creationId xmlns:a16="http://schemas.microsoft.com/office/drawing/2014/main" id="{7B0A5210-2F29-4D85-A400-9C79B13FC1AA}"/>
+              </a:ext>
+              <a:ext uri="{C183D7F6-B498-43B3-948B-1728B52AA6E4}">
+                <adec:decorative xmlns:adec="http://schemas.microsoft.com/office/drawing/2017/decorative" val="1"/>
+              </a:ext>
+            </a:extLst>
+          </p:cNvPr>
+          <p:cNvSpPr>
+            <a:spLocks noGrp="1" noRot="1" noChangeAspect="1" noMove="1" noResize="1" noEditPoints="1" noAdjustHandles="1" noChangeArrowheads="1" noChangeShapeType="1" noTextEdit="1"/>
+          </p:cNvSpPr>
+          <p:nvPr>
+            <p:extLst>
+              <p:ext uri="{386F3935-93C4-4BCD-93E2-E3B085C9AB24}">
+                <p16:designElem xmlns:p16="http://schemas.microsoft.com/office/powerpoint/2015/main" val="1"/>
+              </p:ext>
+            </p:extLst>
+          </p:nvPr>
+        </p:nvSpPr>
+        <p:spPr>
+          <a:xfrm>
+            <a:off x="0" y="0"/>
+            <a:ext cx="12192000" cy="6858000"/>
+          </a:xfrm>
+          <a:prstGeom prst="rect">
+            <a:avLst/>
+          </a:prstGeom>
+          <a:solidFill>
+            <a:schemeClr val="bg2"/>
+          </a:solidFill>
+          <a:ln>
+            <a:noFill/>
+          </a:ln>
+        </p:spPr>
+        <p:style>
+          <a:lnRef idx="2">
+            <a:schemeClr val="accent1">
+              <a:shade val="50000"/>
+            </a:schemeClr>
+          </a:lnRef>
+          <a:fillRef idx="1">
+            <a:schemeClr val="accent1"/>
+          </a:fillRef>
+          <a:effectRef idx="0">
+            <a:schemeClr val="accent1"/>
+          </a:effectRef>
+          <a:fontRef idx="minor">
+            <a:schemeClr val="lt1"/>
+          </a:fontRef>
+        </p:style>
+        <p:txBody>
+          <a:bodyPr rtlCol="0" anchor="ctr"/>
+          <a:lstStyle/>
+          <a:p>
+            <a:pPr algn="ctr"/>
+            <a:endParaRPr lang="en-US"/>
+          </a:p>
+        </p:txBody>
+      </p:sp>
+      <p:sp>
+        <p:nvSpPr>
+          <p:cNvPr id="27" name="Rectangle 26">
+            <a:extLst>
+              <a:ext uri="{FF2B5EF4-FFF2-40B4-BE49-F238E27FC236}">
+                <a16:creationId xmlns:a16="http://schemas.microsoft.com/office/drawing/2014/main" id="{B0611BBE-2B4A-4DA2-B8A9-CD877B87624A}"/>
+              </a:ext>
+              <a:ext uri="{C183D7F6-B498-43B3-948B-1728B52AA6E4}">
+                <adec:decorative xmlns:adec="http://schemas.microsoft.com/office/drawing/2017/decorative" val="1"/>
+              </a:ext>
+            </a:extLst>
+          </p:cNvPr>
+          <p:cNvSpPr>
+            <a:spLocks noGrp="1" noRot="1" noChangeAspect="1" noMove="1" noResize="1" noEditPoints="1" noAdjustHandles="1" noChangeArrowheads="1" noChangeShapeType="1" noTextEdit="1"/>
+          </p:cNvSpPr>
+          <p:nvPr>
+            <p:extLst>
+              <p:ext uri="{386F3935-93C4-4BCD-93E2-E3B085C9AB24}">
+                <p16:designElem xmlns:p16="http://schemas.microsoft.com/office/powerpoint/2015/main" val="1"/>
+              </p:ext>
+            </p:extLst>
+          </p:nvPr>
+        </p:nvSpPr>
+        <p:spPr>
+          <a:xfrm>
+            <a:off x="477012" y="480060"/>
+            <a:ext cx="11237976" cy="5897880"/>
+          </a:xfrm>
+          <a:prstGeom prst="rect">
+            <a:avLst/>
+          </a:prstGeom>
+          <a:noFill/>
+          <a:ln w="22225">
+            <a:solidFill>
+              <a:srgbClr val="C01D5C"/>
+            </a:solidFill>
+          </a:ln>
+        </p:spPr>
+        <p:style>
+          <a:lnRef idx="2">
+            <a:schemeClr val="accent1">
+              <a:shade val="50000"/>
+            </a:schemeClr>
+          </a:lnRef>
+          <a:fillRef idx="1">
+            <a:schemeClr val="accent1"/>
+          </a:fillRef>
+          <a:effectRef idx="0">
+            <a:schemeClr val="accent1"/>
+          </a:effectRef>
+          <a:fontRef idx="minor">
+            <a:schemeClr val="lt1"/>
+          </a:fontRef>
+        </p:style>
+        <p:txBody>
+          <a:bodyPr rtlCol="0" anchor="ctr"/>
+          <a:lstStyle/>
+          <a:p>
+            <a:pPr algn="ctr"/>
+            <a:endParaRPr lang="en-US"/>
+          </a:p>
+        </p:txBody>
+      </p:sp>
+      <p:pic>
+        <p:nvPicPr>
+          <p:cNvPr id="3" name="Picture 2">
+            <a:extLst>
+              <a:ext uri="{FF2B5EF4-FFF2-40B4-BE49-F238E27FC236}">
+                <a16:creationId xmlns:a16="http://schemas.microsoft.com/office/drawing/2014/main" id="{E084228B-0FEC-4CBB-BDA4-E9453271E85F}"/>
+              </a:ext>
+            </a:extLst>
+          </p:cNvPr>
+          <p:cNvPicPr>
+            <a:picLocks noChangeAspect="1"/>
+          </p:cNvPicPr>
+          <p:nvPr/>
+        </p:nvPicPr>
+        <p:blipFill rotWithShape="1">
+          <a:blip r:embed="rId3"/>
+          <a:srcRect t="15625" r="1" b="16711"/>
+          <a:stretch/>
+        </p:blipFill>
+        <p:spPr>
+          <a:xfrm>
+            <a:off x="643467" y="643467"/>
+            <a:ext cx="10905066" cy="5571066"/>
+          </a:xfrm>
+          <a:prstGeom prst="rect">
+            <a:avLst/>
+          </a:prstGeom>
+        </p:spPr>
+      </p:pic>
+      <p:sp>
+        <p:nvSpPr>
+          <p:cNvPr id="29" name="Rectangle 28">
+            <a:extLst>
+              <a:ext uri="{FF2B5EF4-FFF2-40B4-BE49-F238E27FC236}">
+                <a16:creationId xmlns:a16="http://schemas.microsoft.com/office/drawing/2014/main" id="{91091950-5655-45D2-858E-FE8CBE07CAD4}"/>
+              </a:ext>
+              <a:ext uri="{C183D7F6-B498-43B3-948B-1728B52AA6E4}">
+                <adec:decorative xmlns:adec="http://schemas.microsoft.com/office/drawing/2017/decorative" val="1"/>
+              </a:ext>
+            </a:extLst>
+          </p:cNvPr>
+          <p:cNvSpPr>
+            <a:spLocks noGrp="1" noRot="1" noChangeAspect="1" noMove="1" noResize="1" noEditPoints="1" noAdjustHandles="1" noChangeArrowheads="1" noChangeShapeType="1" noTextEdit="1"/>
+          </p:cNvSpPr>
+          <p:nvPr>
+            <p:extLst>
+              <p:ext uri="{386F3935-93C4-4BCD-93E2-E3B085C9AB24}">
+                <p16:designElem xmlns:p16="http://schemas.microsoft.com/office/powerpoint/2015/main" val="1"/>
+              </p:ext>
+            </p:extLst>
+          </p:nvPr>
+        </p:nvSpPr>
+        <p:spPr>
+          <a:xfrm>
+            <a:off x="10437812" y="0"/>
+            <a:ext cx="685800" cy="1143000"/>
+          </a:xfrm>
+          <a:prstGeom prst="rect">
+            <a:avLst/>
+          </a:prstGeom>
+          <a:solidFill>
+            <a:schemeClr val="accent1"/>
+          </a:solidFill>
+          <a:ln>
+            <a:noFill/>
+          </a:ln>
+        </p:spPr>
+        <p:style>
+          <a:lnRef idx="1">
+            <a:schemeClr val="accent1"/>
+          </a:lnRef>
+          <a:fillRef idx="3">
+            <a:schemeClr val="accent1"/>
+          </a:fillRef>
+          <a:effectRef idx="2">
+            <a:schemeClr val="accent1"/>
+          </a:effectRef>
+          <a:fontRef idx="minor">
+            <a:schemeClr val="lt1"/>
+          </a:fontRef>
+        </p:style>
+      </p:sp>
+    </p:spTree>
+    <p:extLst>
+      <p:ext uri="{BB962C8B-B14F-4D97-AF65-F5344CB8AC3E}">
+        <p14:creationId xmlns:p14="http://schemas.microsoft.com/office/powerpoint/2010/main" val="1401245585"/>
       </p:ext>
     </p:extLst>
   </p:cSld>
@@ -14902,7 +16685,7 @@
     <p:bg>
       <p:bgPr>
         <a:solidFill>
-          <a:schemeClr val="bg1"/>
+          <a:schemeClr val="bg2"/>
         </a:solidFill>
         <a:effectLst/>
       </p:bgPr>
@@ -14921,12 +16704,12 @@
           <a:chExt cx="0" cy="0"/>
         </a:xfrm>
       </p:grpSpPr>
-      <p:sp>
+      <p:sp useBgFill="1">
         <p:nvSpPr>
-          <p:cNvPr id="192" name="Rectangle 191">
+          <p:cNvPr id="197" name="Rectangle 71">
             <a:extLst>
               <a:ext uri="{FF2B5EF4-FFF2-40B4-BE49-F238E27FC236}">
-                <a16:creationId xmlns:a16="http://schemas.microsoft.com/office/drawing/2014/main" id="{144A11D1-6963-485E-86DE-760B07434307}"/>
+                <a16:creationId xmlns:a16="http://schemas.microsoft.com/office/drawing/2014/main" id="{052BEFF1-896C-45B1-B02C-96A6A1BC389A}"/>
               </a:ext>
               <a:ext uri="{C183D7F6-B498-43B3-948B-1728B52AA6E4}">
                 <adec:decorative xmlns:adec="http://schemas.microsoft.com/office/drawing/2017/decorative" val="1"/>
@@ -14946,7 +16729,7 @@
         </p:nvSpPr>
         <p:spPr>
           <a:xfrm>
-            <a:off x="0" y="0"/>
+            <a:off x="1" y="0"/>
             <a:ext cx="12192000" cy="6858000"/>
           </a:xfrm>
           <a:prstGeom prst="rect">
@@ -14983,67 +16766,10 @@
       </p:sp>
       <p:sp>
         <p:nvSpPr>
-          <p:cNvPr id="2" name="Title 1">
+          <p:cNvPr id="198" name="Freeform 36">
             <a:extLst>
               <a:ext uri="{FF2B5EF4-FFF2-40B4-BE49-F238E27FC236}">
-                <a16:creationId xmlns:a16="http://schemas.microsoft.com/office/drawing/2014/main" id="{140DF9C2-1699-49B2-82D7-167C660685AB}"/>
-              </a:ext>
-            </a:extLst>
-          </p:cNvPr>
-          <p:cNvSpPr>
-            <a:spLocks noGrp="1"/>
-          </p:cNvSpPr>
-          <p:nvPr>
-            <p:ph type="title"/>
-          </p:nvPr>
-        </p:nvSpPr>
-        <p:spPr>
-          <a:xfrm>
-            <a:off x="635223" y="629266"/>
-            <a:ext cx="3116690" cy="5594554"/>
-          </a:xfrm>
-        </p:spPr>
-        <p:txBody>
-          <a:bodyPr anchor="ctr">
-            <a:normAutofit/>
-          </a:bodyPr>
-          <a:lstStyle/>
-          <a:p>
-            <a:r>
-              <a:rPr lang="en-US" sz="3400" dirty="0">
-                <a:solidFill>
-                  <a:srgbClr val="EBEBEB"/>
-                </a:solidFill>
-                <a:latin typeface="Copperplate Gothic Bold" panose="020E0705020206020404" pitchFamily="34" charset="0"/>
-              </a:rPr>
-              <a:t>Data</a:t>
-            </a:r>
-            <a:br>
-              <a:rPr lang="en-US" sz="3400" dirty="0">
-                <a:solidFill>
-                  <a:srgbClr val="EBEBEB"/>
-                </a:solidFill>
-                <a:latin typeface="Copperplate Gothic Bold" panose="020E0705020206020404" pitchFamily="34" charset="0"/>
-              </a:rPr>
-            </a:br>
-            <a:r>
-              <a:rPr lang="en-US" sz="3400" dirty="0">
-                <a:solidFill>
-                  <a:srgbClr val="EBEBEB"/>
-                </a:solidFill>
-                <a:latin typeface="Copperplate Gothic Bold" panose="020E0705020206020404" pitchFamily="34" charset="0"/>
-              </a:rPr>
-              <a:t>Wrangling</a:t>
-            </a:r>
-          </a:p>
-        </p:txBody>
-      </p:sp>
-      <p:sp>
-        <p:nvSpPr>
-          <p:cNvPr id="193" name="Freeform 7">
-            <a:extLst>
-              <a:ext uri="{FF2B5EF4-FFF2-40B4-BE49-F238E27FC236}">
-                <a16:creationId xmlns:a16="http://schemas.microsoft.com/office/drawing/2014/main" id="{93BDF132-E4EF-4CB3-9A12-1EB75E159A5B}"/>
+                <a16:creationId xmlns:a16="http://schemas.microsoft.com/office/drawing/2014/main" id="{BB237A14-61B1-4C00-A670-5D8D68A8668E}"/>
               </a:ext>
               <a:ext uri="{C183D7F6-B498-43B3-948B-1728B52AA6E4}">
                 <adec:decorative xmlns:adec="http://schemas.microsoft.com/office/drawing/2017/decorative" val="1"/>
@@ -15062,8 +16788,8 @@
           </p:nvPr>
         </p:nvSpPr>
         <p:spPr>
-          <a:xfrm>
-            <a:off x="3948110" y="-1"/>
+          <a:xfrm flipH="1">
+            <a:off x="4644637" y="0"/>
             <a:ext cx="559472" cy="3709642"/>
           </a:xfrm>
           <a:custGeom>
@@ -15373,7 +17099,7 @@
             </a:pathLst>
           </a:custGeom>
           <a:solidFill>
-            <a:schemeClr val="bg1">
+            <a:schemeClr val="tx2">
               <a:alpha val="20000"/>
             </a:schemeClr>
           </a:solidFill>
@@ -15390,12 +17116,12 @@
           </a:p>
         </p:txBody>
       </p:sp>
-      <p:sp useBgFill="1">
+      <p:sp>
         <p:nvSpPr>
-          <p:cNvPr id="194" name="Freeform: Shape 193">
+          <p:cNvPr id="199" name="Freeform: Shape 75">
             <a:extLst>
               <a:ext uri="{FF2B5EF4-FFF2-40B4-BE49-F238E27FC236}">
-                <a16:creationId xmlns:a16="http://schemas.microsoft.com/office/drawing/2014/main" id="{F8486D32-0A56-4407-A9D1-7AFC169465F2}"/>
+                <a16:creationId xmlns:a16="http://schemas.microsoft.com/office/drawing/2014/main" id="{8598F259-6F54-47A3-8D13-1603D786A328}"/>
               </a:ext>
               <a:ext uri="{C183D7F6-B498-43B3-948B-1728B52AA6E4}">
                 <adec:decorative xmlns:adec="http://schemas.microsoft.com/office/drawing/2017/decorative" val="1"/>
@@ -15415,116 +17141,116 @@
         </p:nvSpPr>
         <p:spPr>
           <a:xfrm>
-            <a:off x="4161310" y="0"/>
-            <a:ext cx="8030690" cy="6858000"/>
+            <a:off x="1" y="1"/>
+            <a:ext cx="4990911" cy="6858001"/>
           </a:xfrm>
           <a:custGeom>
             <a:avLst/>
             <a:gdLst>
-              <a:gd name="connsiteX0" fmla="*/ 1176 w 8030690"/>
-              <a:gd name="connsiteY0" fmla="*/ 0 h 6858000"/>
-              <a:gd name="connsiteX1" fmla="*/ 1344715 w 8030690"/>
-              <a:gd name="connsiteY1" fmla="*/ 0 h 6858000"/>
-              <a:gd name="connsiteX2" fmla="*/ 1344715 w 8030690"/>
-              <a:gd name="connsiteY2" fmla="*/ 0 h 6858000"/>
-              <a:gd name="connsiteX3" fmla="*/ 8030690 w 8030690"/>
-              <a:gd name="connsiteY3" fmla="*/ 0 h 6858000"/>
-              <a:gd name="connsiteX4" fmla="*/ 8030690 w 8030690"/>
-              <a:gd name="connsiteY4" fmla="*/ 6858000 h 6858000"/>
-              <a:gd name="connsiteX5" fmla="*/ 477746 w 8030690"/>
-              <a:gd name="connsiteY5" fmla="*/ 6858000 h 6858000"/>
-              <a:gd name="connsiteX6" fmla="*/ 477746 w 8030690"/>
-              <a:gd name="connsiteY6" fmla="*/ 6858000 h 6858000"/>
-              <a:gd name="connsiteX7" fmla="*/ 0 w 8030690"/>
-              <a:gd name="connsiteY7" fmla="*/ 6858000 h 6858000"/>
-              <a:gd name="connsiteX8" fmla="*/ 5883 w 8030690"/>
-              <a:gd name="connsiteY8" fmla="*/ 6817538 h 6858000"/>
-              <a:gd name="connsiteX9" fmla="*/ 23196 w 8030690"/>
-              <a:gd name="connsiteY9" fmla="*/ 6698894 h 6858000"/>
-              <a:gd name="connsiteX10" fmla="*/ 35298 w 8030690"/>
-              <a:gd name="connsiteY10" fmla="*/ 6612483 h 6858000"/>
-              <a:gd name="connsiteX11" fmla="*/ 48073 w 8030690"/>
-              <a:gd name="connsiteY11" fmla="*/ 6509613 h 6858000"/>
-              <a:gd name="connsiteX12" fmla="*/ 63369 w 8030690"/>
-              <a:gd name="connsiteY12" fmla="*/ 6387541 h 6858000"/>
-              <a:gd name="connsiteX13" fmla="*/ 79506 w 8030690"/>
-              <a:gd name="connsiteY13" fmla="*/ 6252438 h 6858000"/>
-              <a:gd name="connsiteX14" fmla="*/ 96483 w 8030690"/>
-              <a:gd name="connsiteY14" fmla="*/ 6100191 h 6858000"/>
-              <a:gd name="connsiteX15" fmla="*/ 114468 w 8030690"/>
-              <a:gd name="connsiteY15" fmla="*/ 5934227 h 6858000"/>
-              <a:gd name="connsiteX16" fmla="*/ 132454 w 8030690"/>
-              <a:gd name="connsiteY16" fmla="*/ 5753862 h 6858000"/>
-              <a:gd name="connsiteX17" fmla="*/ 150775 w 8030690"/>
-              <a:gd name="connsiteY17" fmla="*/ 5561838 h 6858000"/>
-              <a:gd name="connsiteX18" fmla="*/ 167752 w 8030690"/>
-              <a:gd name="connsiteY18" fmla="*/ 5354726 h 6858000"/>
-              <a:gd name="connsiteX19" fmla="*/ 184057 w 8030690"/>
-              <a:gd name="connsiteY19" fmla="*/ 5138013 h 6858000"/>
-              <a:gd name="connsiteX20" fmla="*/ 198849 w 8030690"/>
-              <a:gd name="connsiteY20" fmla="*/ 4908956 h 6858000"/>
-              <a:gd name="connsiteX21" fmla="*/ 212968 w 8030690"/>
-              <a:gd name="connsiteY21" fmla="*/ 4670298 h 6858000"/>
-              <a:gd name="connsiteX22" fmla="*/ 226248 w 8030690"/>
-              <a:gd name="connsiteY22" fmla="*/ 4421352 h 6858000"/>
-              <a:gd name="connsiteX23" fmla="*/ 230954 w 8030690"/>
-              <a:gd name="connsiteY23" fmla="*/ 4293793 h 6858000"/>
-              <a:gd name="connsiteX24" fmla="*/ 236165 w 8030690"/>
-              <a:gd name="connsiteY24" fmla="*/ 4163491 h 6858000"/>
-              <a:gd name="connsiteX25" fmla="*/ 241039 w 8030690"/>
-              <a:gd name="connsiteY25" fmla="*/ 4031132 h 6858000"/>
-              <a:gd name="connsiteX26" fmla="*/ 244233 w 8030690"/>
-              <a:gd name="connsiteY26" fmla="*/ 3898087 h 6858000"/>
-              <a:gd name="connsiteX27" fmla="*/ 247091 w 8030690"/>
-              <a:gd name="connsiteY27" fmla="*/ 3762298 h 6858000"/>
-              <a:gd name="connsiteX28" fmla="*/ 250116 w 8030690"/>
-              <a:gd name="connsiteY28" fmla="*/ 3625138 h 6858000"/>
-              <a:gd name="connsiteX29" fmla="*/ 252133 w 8030690"/>
-              <a:gd name="connsiteY29" fmla="*/ 3485235 h 6858000"/>
-              <a:gd name="connsiteX30" fmla="*/ 252133 w 8030690"/>
-              <a:gd name="connsiteY30" fmla="*/ 3343960 h 6858000"/>
-              <a:gd name="connsiteX31" fmla="*/ 253142 w 8030690"/>
-              <a:gd name="connsiteY31" fmla="*/ 3201314 h 6858000"/>
-              <a:gd name="connsiteX32" fmla="*/ 252133 w 8030690"/>
-              <a:gd name="connsiteY32" fmla="*/ 3057296 h 6858000"/>
-              <a:gd name="connsiteX33" fmla="*/ 250116 w 8030690"/>
-              <a:gd name="connsiteY33" fmla="*/ 2911221 h 6858000"/>
-              <a:gd name="connsiteX34" fmla="*/ 248267 w 8030690"/>
-              <a:gd name="connsiteY34" fmla="*/ 2765145 h 6858000"/>
-              <a:gd name="connsiteX35" fmla="*/ 244233 w 8030690"/>
-              <a:gd name="connsiteY35" fmla="*/ 2617013 h 6858000"/>
-              <a:gd name="connsiteX36" fmla="*/ 240031 w 8030690"/>
-              <a:gd name="connsiteY36" fmla="*/ 2467508 h 6858000"/>
-              <a:gd name="connsiteX37" fmla="*/ 235156 w 8030690"/>
-              <a:gd name="connsiteY37" fmla="*/ 2318004 h 6858000"/>
-              <a:gd name="connsiteX38" fmla="*/ 228265 w 8030690"/>
-              <a:gd name="connsiteY38" fmla="*/ 2167128 h 6858000"/>
-              <a:gd name="connsiteX39" fmla="*/ 220028 w 8030690"/>
-              <a:gd name="connsiteY39" fmla="*/ 2014880 h 6858000"/>
-              <a:gd name="connsiteX40" fmla="*/ 212128 w 8030690"/>
-              <a:gd name="connsiteY40" fmla="*/ 1861947 h 6858000"/>
-              <a:gd name="connsiteX41" fmla="*/ 202043 w 8030690"/>
-              <a:gd name="connsiteY41" fmla="*/ 1709013 h 6858000"/>
-              <a:gd name="connsiteX42" fmla="*/ 189940 w 8030690"/>
-              <a:gd name="connsiteY42" fmla="*/ 1554023 h 6858000"/>
-              <a:gd name="connsiteX43" fmla="*/ 177838 w 8030690"/>
-              <a:gd name="connsiteY43" fmla="*/ 1401089 h 6858000"/>
-              <a:gd name="connsiteX44" fmla="*/ 163886 w 8030690"/>
-              <a:gd name="connsiteY44" fmla="*/ 1245413 h 6858000"/>
-              <a:gd name="connsiteX45" fmla="*/ 148590 w 8030690"/>
-              <a:gd name="connsiteY45" fmla="*/ 1089050 h 6858000"/>
-              <a:gd name="connsiteX46" fmla="*/ 132454 w 8030690"/>
-              <a:gd name="connsiteY46" fmla="*/ 934745 h 6858000"/>
-              <a:gd name="connsiteX47" fmla="*/ 113628 w 8030690"/>
-              <a:gd name="connsiteY47" fmla="*/ 778383 h 6858000"/>
-              <a:gd name="connsiteX48" fmla="*/ 93457 w 8030690"/>
-              <a:gd name="connsiteY48" fmla="*/ 622706 h 6858000"/>
-              <a:gd name="connsiteX49" fmla="*/ 73454 w 8030690"/>
-              <a:gd name="connsiteY49" fmla="*/ 466344 h 6858000"/>
-              <a:gd name="connsiteX50" fmla="*/ 50090 w 8030690"/>
-              <a:gd name="connsiteY50" fmla="*/ 310667 h 6858000"/>
-              <a:gd name="connsiteX51" fmla="*/ 26222 w 8030690"/>
-              <a:gd name="connsiteY51" fmla="*/ 155676 h 6858000"/>
+              <a:gd name="connsiteX0" fmla="*/ 3646196 w 4990911"/>
+              <a:gd name="connsiteY0" fmla="*/ 0 h 6858001"/>
+              <a:gd name="connsiteX1" fmla="*/ 4989734 w 4990911"/>
+              <a:gd name="connsiteY1" fmla="*/ 0 h 6858001"/>
+              <a:gd name="connsiteX2" fmla="*/ 4964689 w 4990911"/>
+              <a:gd name="connsiteY2" fmla="*/ 155677 h 6858001"/>
+              <a:gd name="connsiteX3" fmla="*/ 4940820 w 4990911"/>
+              <a:gd name="connsiteY3" fmla="*/ 310668 h 6858001"/>
+              <a:gd name="connsiteX4" fmla="*/ 4917456 w 4990911"/>
+              <a:gd name="connsiteY4" fmla="*/ 466344 h 6858001"/>
+              <a:gd name="connsiteX5" fmla="*/ 4897453 w 4990911"/>
+              <a:gd name="connsiteY5" fmla="*/ 622707 h 6858001"/>
+              <a:gd name="connsiteX6" fmla="*/ 4877282 w 4990911"/>
+              <a:gd name="connsiteY6" fmla="*/ 778383 h 6858001"/>
+              <a:gd name="connsiteX7" fmla="*/ 4858456 w 4990911"/>
+              <a:gd name="connsiteY7" fmla="*/ 934746 h 6858001"/>
+              <a:gd name="connsiteX8" fmla="*/ 4842320 w 4990911"/>
+              <a:gd name="connsiteY8" fmla="*/ 1089051 h 6858001"/>
+              <a:gd name="connsiteX9" fmla="*/ 4827024 w 4990911"/>
+              <a:gd name="connsiteY9" fmla="*/ 1245413 h 6858001"/>
+              <a:gd name="connsiteX10" fmla="*/ 4813072 w 4990911"/>
+              <a:gd name="connsiteY10" fmla="*/ 1401090 h 6858001"/>
+              <a:gd name="connsiteX11" fmla="*/ 4800970 w 4990911"/>
+              <a:gd name="connsiteY11" fmla="*/ 1554023 h 6858001"/>
+              <a:gd name="connsiteX12" fmla="*/ 4788867 w 4990911"/>
+              <a:gd name="connsiteY12" fmla="*/ 1709014 h 6858001"/>
+              <a:gd name="connsiteX13" fmla="*/ 4778782 w 4990911"/>
+              <a:gd name="connsiteY13" fmla="*/ 1861947 h 6858001"/>
+              <a:gd name="connsiteX14" fmla="*/ 4770882 w 4990911"/>
+              <a:gd name="connsiteY14" fmla="*/ 2014881 h 6858001"/>
+              <a:gd name="connsiteX15" fmla="*/ 4762645 w 4990911"/>
+              <a:gd name="connsiteY15" fmla="*/ 2167128 h 6858001"/>
+              <a:gd name="connsiteX16" fmla="*/ 4755754 w 4990911"/>
+              <a:gd name="connsiteY16" fmla="*/ 2318004 h 6858001"/>
+              <a:gd name="connsiteX17" fmla="*/ 4750879 w 4990911"/>
+              <a:gd name="connsiteY17" fmla="*/ 2467509 h 6858001"/>
+              <a:gd name="connsiteX18" fmla="*/ 4746677 w 4990911"/>
+              <a:gd name="connsiteY18" fmla="*/ 2617013 h 6858001"/>
+              <a:gd name="connsiteX19" fmla="*/ 4742643 w 4990911"/>
+              <a:gd name="connsiteY19" fmla="*/ 2765146 h 6858001"/>
+              <a:gd name="connsiteX20" fmla="*/ 4740794 w 4990911"/>
+              <a:gd name="connsiteY20" fmla="*/ 2911221 h 6858001"/>
+              <a:gd name="connsiteX21" fmla="*/ 4738777 w 4990911"/>
+              <a:gd name="connsiteY21" fmla="*/ 3057297 h 6858001"/>
+              <a:gd name="connsiteX22" fmla="*/ 4737768 w 4990911"/>
+              <a:gd name="connsiteY22" fmla="*/ 3201315 h 6858001"/>
+              <a:gd name="connsiteX23" fmla="*/ 4738777 w 4990911"/>
+              <a:gd name="connsiteY23" fmla="*/ 3343961 h 6858001"/>
+              <a:gd name="connsiteX24" fmla="*/ 4738777 w 4990911"/>
+              <a:gd name="connsiteY24" fmla="*/ 3485236 h 6858001"/>
+              <a:gd name="connsiteX25" fmla="*/ 4740794 w 4990911"/>
+              <a:gd name="connsiteY25" fmla="*/ 3625139 h 6858001"/>
+              <a:gd name="connsiteX26" fmla="*/ 4743819 w 4990911"/>
+              <a:gd name="connsiteY26" fmla="*/ 3762299 h 6858001"/>
+              <a:gd name="connsiteX27" fmla="*/ 4746677 w 4990911"/>
+              <a:gd name="connsiteY27" fmla="*/ 3898087 h 6858001"/>
+              <a:gd name="connsiteX28" fmla="*/ 4749871 w 4990911"/>
+              <a:gd name="connsiteY28" fmla="*/ 4031133 h 6858001"/>
+              <a:gd name="connsiteX29" fmla="*/ 4754745 w 4990911"/>
+              <a:gd name="connsiteY29" fmla="*/ 4163492 h 6858001"/>
+              <a:gd name="connsiteX30" fmla="*/ 4759956 w 4990911"/>
+              <a:gd name="connsiteY30" fmla="*/ 4293793 h 6858001"/>
+              <a:gd name="connsiteX31" fmla="*/ 4764662 w 4990911"/>
+              <a:gd name="connsiteY31" fmla="*/ 4421352 h 6858001"/>
+              <a:gd name="connsiteX32" fmla="*/ 4777942 w 4990911"/>
+              <a:gd name="connsiteY32" fmla="*/ 4670298 h 6858001"/>
+              <a:gd name="connsiteX33" fmla="*/ 4792061 w 4990911"/>
+              <a:gd name="connsiteY33" fmla="*/ 4908956 h 6858001"/>
+              <a:gd name="connsiteX34" fmla="*/ 4806853 w 4990911"/>
+              <a:gd name="connsiteY34" fmla="*/ 5138013 h 6858001"/>
+              <a:gd name="connsiteX35" fmla="*/ 4823158 w 4990911"/>
+              <a:gd name="connsiteY35" fmla="*/ 5354726 h 6858001"/>
+              <a:gd name="connsiteX36" fmla="*/ 4840135 w 4990911"/>
+              <a:gd name="connsiteY36" fmla="*/ 5561838 h 6858001"/>
+              <a:gd name="connsiteX37" fmla="*/ 4858456 w 4990911"/>
+              <a:gd name="connsiteY37" fmla="*/ 5753862 h 6858001"/>
+              <a:gd name="connsiteX38" fmla="*/ 4876442 w 4990911"/>
+              <a:gd name="connsiteY38" fmla="*/ 5934227 h 6858001"/>
+              <a:gd name="connsiteX39" fmla="*/ 4894427 w 4990911"/>
+              <a:gd name="connsiteY39" fmla="*/ 6100191 h 6858001"/>
+              <a:gd name="connsiteX40" fmla="*/ 4911404 w 4990911"/>
+              <a:gd name="connsiteY40" fmla="*/ 6252438 h 6858001"/>
+              <a:gd name="connsiteX41" fmla="*/ 4927541 w 4990911"/>
+              <a:gd name="connsiteY41" fmla="*/ 6387541 h 6858001"/>
+              <a:gd name="connsiteX42" fmla="*/ 4942837 w 4990911"/>
+              <a:gd name="connsiteY42" fmla="*/ 6509613 h 6858001"/>
+              <a:gd name="connsiteX43" fmla="*/ 4955612 w 4990911"/>
+              <a:gd name="connsiteY43" fmla="*/ 6612483 h 6858001"/>
+              <a:gd name="connsiteX44" fmla="*/ 4967714 w 4990911"/>
+              <a:gd name="connsiteY44" fmla="*/ 6698894 h 6858001"/>
+              <a:gd name="connsiteX45" fmla="*/ 4985028 w 4990911"/>
+              <a:gd name="connsiteY45" fmla="*/ 6817538 h 6858001"/>
+              <a:gd name="connsiteX46" fmla="*/ 4990911 w 4990911"/>
+              <a:gd name="connsiteY46" fmla="*/ 6858000 h 6858001"/>
+              <a:gd name="connsiteX47" fmla="*/ 4085557 w 4990911"/>
+              <a:gd name="connsiteY47" fmla="*/ 6858000 h 6858001"/>
+              <a:gd name="connsiteX48" fmla="*/ 4085557 w 4990911"/>
+              <a:gd name="connsiteY48" fmla="*/ 6858001 h 6858001"/>
+              <a:gd name="connsiteX49" fmla="*/ 0 w 4990911"/>
+              <a:gd name="connsiteY49" fmla="*/ 6858001 h 6858001"/>
+              <a:gd name="connsiteX50" fmla="*/ 0 w 4990911"/>
+              <a:gd name="connsiteY50" fmla="*/ 1 h 6858001"/>
+              <a:gd name="connsiteX51" fmla="*/ 3646196 w 4990911"/>
+              <a:gd name="connsiteY51" fmla="*/ 1 h 6858001"/>
             </a:gdLst>
             <a:ahLst/>
             <a:cxnLst>
@@ -15687,162 +17413,162 @@
             </a:cxnLst>
             <a:rect l="l" t="t" r="r" b="b"/>
             <a:pathLst>
-              <a:path w="8030690" h="6858000">
+              <a:path w="4990911" h="6858001">
                 <a:moveTo>
-                  <a:pt x="1176" y="0"/>
+                  <a:pt x="3646196" y="0"/>
                 </a:moveTo>
                 <a:lnTo>
-                  <a:pt x="1344715" y="0"/>
-                </a:lnTo>
-                <a:lnTo>
-                  <a:pt x="1344715" y="0"/>
-                </a:lnTo>
-                <a:lnTo>
-                  <a:pt x="8030690" y="0"/>
-                </a:lnTo>
-                <a:lnTo>
-                  <a:pt x="8030690" y="6858000"/>
-                </a:lnTo>
-                <a:lnTo>
-                  <a:pt x="477746" y="6858000"/>
-                </a:lnTo>
-                <a:lnTo>
-                  <a:pt x="477746" y="6858000"/>
-                </a:lnTo>
-                <a:lnTo>
-                  <a:pt x="0" y="6858000"/>
-                </a:lnTo>
-                <a:lnTo>
-                  <a:pt x="5883" y="6817538"/>
-                </a:lnTo>
-                <a:lnTo>
-                  <a:pt x="23196" y="6698894"/>
-                </a:lnTo>
-                <a:lnTo>
-                  <a:pt x="35298" y="6612483"/>
-                </a:lnTo>
-                <a:lnTo>
-                  <a:pt x="48073" y="6509613"/>
-                </a:lnTo>
-                <a:lnTo>
-                  <a:pt x="63369" y="6387541"/>
-                </a:lnTo>
-                <a:lnTo>
-                  <a:pt x="79506" y="6252438"/>
-                </a:lnTo>
-                <a:lnTo>
-                  <a:pt x="96483" y="6100191"/>
-                </a:lnTo>
-                <a:lnTo>
-                  <a:pt x="114468" y="5934227"/>
-                </a:lnTo>
-                <a:lnTo>
-                  <a:pt x="132454" y="5753862"/>
-                </a:lnTo>
-                <a:lnTo>
-                  <a:pt x="150775" y="5561838"/>
-                </a:lnTo>
-                <a:lnTo>
-                  <a:pt x="167752" y="5354726"/>
-                </a:lnTo>
-                <a:lnTo>
-                  <a:pt x="184057" y="5138013"/>
-                </a:lnTo>
-                <a:lnTo>
-                  <a:pt x="198849" y="4908956"/>
-                </a:lnTo>
-                <a:lnTo>
-                  <a:pt x="212968" y="4670298"/>
-                </a:lnTo>
-                <a:lnTo>
-                  <a:pt x="226248" y="4421352"/>
-                </a:lnTo>
-                <a:lnTo>
-                  <a:pt x="230954" y="4293793"/>
-                </a:lnTo>
-                <a:lnTo>
-                  <a:pt x="236165" y="4163491"/>
-                </a:lnTo>
-                <a:lnTo>
-                  <a:pt x="241039" y="4031132"/>
-                </a:lnTo>
-                <a:lnTo>
-                  <a:pt x="244233" y="3898087"/>
-                </a:lnTo>
-                <a:lnTo>
-                  <a:pt x="247091" y="3762298"/>
-                </a:lnTo>
-                <a:lnTo>
-                  <a:pt x="250116" y="3625138"/>
-                </a:lnTo>
-                <a:lnTo>
-                  <a:pt x="252133" y="3485235"/>
-                </a:lnTo>
-                <a:lnTo>
-                  <a:pt x="252133" y="3343960"/>
-                </a:lnTo>
-                <a:lnTo>
-                  <a:pt x="253142" y="3201314"/>
-                </a:lnTo>
-                <a:lnTo>
-                  <a:pt x="252133" y="3057296"/>
-                </a:lnTo>
-                <a:lnTo>
-                  <a:pt x="250116" y="2911221"/>
-                </a:lnTo>
-                <a:lnTo>
-                  <a:pt x="248267" y="2765145"/>
-                </a:lnTo>
-                <a:lnTo>
-                  <a:pt x="244233" y="2617013"/>
-                </a:lnTo>
-                <a:lnTo>
-                  <a:pt x="240031" y="2467508"/>
-                </a:lnTo>
-                <a:lnTo>
-                  <a:pt x="235156" y="2318004"/>
-                </a:lnTo>
-                <a:lnTo>
-                  <a:pt x="228265" y="2167128"/>
-                </a:lnTo>
-                <a:lnTo>
-                  <a:pt x="220028" y="2014880"/>
-                </a:lnTo>
-                <a:lnTo>
-                  <a:pt x="212128" y="1861947"/>
-                </a:lnTo>
-                <a:lnTo>
-                  <a:pt x="202043" y="1709013"/>
-                </a:lnTo>
-                <a:lnTo>
-                  <a:pt x="189940" y="1554023"/>
-                </a:lnTo>
-                <a:lnTo>
-                  <a:pt x="177838" y="1401089"/>
-                </a:lnTo>
-                <a:lnTo>
-                  <a:pt x="163886" y="1245413"/>
-                </a:lnTo>
-                <a:lnTo>
-                  <a:pt x="148590" y="1089050"/>
-                </a:lnTo>
-                <a:lnTo>
-                  <a:pt x="132454" y="934745"/>
-                </a:lnTo>
-                <a:lnTo>
-                  <a:pt x="113628" y="778383"/>
-                </a:lnTo>
-                <a:lnTo>
-                  <a:pt x="93457" y="622706"/>
-                </a:lnTo>
-                <a:lnTo>
-                  <a:pt x="73454" y="466344"/>
-                </a:lnTo>
-                <a:lnTo>
-                  <a:pt x="50090" y="310667"/>
-                </a:lnTo>
-                <a:lnTo>
-                  <a:pt x="26222" y="155676"/>
+                  <a:pt x="4989734" y="0"/>
+                </a:lnTo>
+                <a:lnTo>
+                  <a:pt x="4964689" y="155677"/>
+                </a:lnTo>
+                <a:lnTo>
+                  <a:pt x="4940820" y="310668"/>
+                </a:lnTo>
+                <a:lnTo>
+                  <a:pt x="4917456" y="466344"/>
+                </a:lnTo>
+                <a:lnTo>
+                  <a:pt x="4897453" y="622707"/>
+                </a:lnTo>
+                <a:lnTo>
+                  <a:pt x="4877282" y="778383"/>
+                </a:lnTo>
+                <a:lnTo>
+                  <a:pt x="4858456" y="934746"/>
+                </a:lnTo>
+                <a:lnTo>
+                  <a:pt x="4842320" y="1089051"/>
+                </a:lnTo>
+                <a:lnTo>
+                  <a:pt x="4827024" y="1245413"/>
+                </a:lnTo>
+                <a:lnTo>
+                  <a:pt x="4813072" y="1401090"/>
+                </a:lnTo>
+                <a:lnTo>
+                  <a:pt x="4800970" y="1554023"/>
+                </a:lnTo>
+                <a:lnTo>
+                  <a:pt x="4788867" y="1709014"/>
+                </a:lnTo>
+                <a:lnTo>
+                  <a:pt x="4778782" y="1861947"/>
+                </a:lnTo>
+                <a:lnTo>
+                  <a:pt x="4770882" y="2014881"/>
+                </a:lnTo>
+                <a:lnTo>
+                  <a:pt x="4762645" y="2167128"/>
+                </a:lnTo>
+                <a:lnTo>
+                  <a:pt x="4755754" y="2318004"/>
+                </a:lnTo>
+                <a:lnTo>
+                  <a:pt x="4750879" y="2467509"/>
+                </a:lnTo>
+                <a:lnTo>
+                  <a:pt x="4746677" y="2617013"/>
+                </a:lnTo>
+                <a:lnTo>
+                  <a:pt x="4742643" y="2765146"/>
+                </a:lnTo>
+                <a:lnTo>
+                  <a:pt x="4740794" y="2911221"/>
+                </a:lnTo>
+                <a:lnTo>
+                  <a:pt x="4738777" y="3057297"/>
+                </a:lnTo>
+                <a:lnTo>
+                  <a:pt x="4737768" y="3201315"/>
+                </a:lnTo>
+                <a:lnTo>
+                  <a:pt x="4738777" y="3343961"/>
+                </a:lnTo>
+                <a:lnTo>
+                  <a:pt x="4738777" y="3485236"/>
+                </a:lnTo>
+                <a:lnTo>
+                  <a:pt x="4740794" y="3625139"/>
+                </a:lnTo>
+                <a:lnTo>
+                  <a:pt x="4743819" y="3762299"/>
+                </a:lnTo>
+                <a:lnTo>
+                  <a:pt x="4746677" y="3898087"/>
+                </a:lnTo>
+                <a:lnTo>
+                  <a:pt x="4749871" y="4031133"/>
+                </a:lnTo>
+                <a:lnTo>
+                  <a:pt x="4754745" y="4163492"/>
+                </a:lnTo>
+                <a:lnTo>
+                  <a:pt x="4759956" y="4293793"/>
+                </a:lnTo>
+                <a:lnTo>
+                  <a:pt x="4764662" y="4421352"/>
+                </a:lnTo>
+                <a:lnTo>
+                  <a:pt x="4777942" y="4670298"/>
+                </a:lnTo>
+                <a:lnTo>
+                  <a:pt x="4792061" y="4908956"/>
+                </a:lnTo>
+                <a:lnTo>
+                  <a:pt x="4806853" y="5138013"/>
+                </a:lnTo>
+                <a:lnTo>
+                  <a:pt x="4823158" y="5354726"/>
+                </a:lnTo>
+                <a:lnTo>
+                  <a:pt x="4840135" y="5561838"/>
+                </a:lnTo>
+                <a:lnTo>
+                  <a:pt x="4858456" y="5753862"/>
+                </a:lnTo>
+                <a:lnTo>
+                  <a:pt x="4876442" y="5934227"/>
+                </a:lnTo>
+                <a:lnTo>
+                  <a:pt x="4894427" y="6100191"/>
+                </a:lnTo>
+                <a:lnTo>
+                  <a:pt x="4911404" y="6252438"/>
+                </a:lnTo>
+                <a:lnTo>
+                  <a:pt x="4927541" y="6387541"/>
+                </a:lnTo>
+                <a:lnTo>
+                  <a:pt x="4942837" y="6509613"/>
+                </a:lnTo>
+                <a:lnTo>
+                  <a:pt x="4955612" y="6612483"/>
+                </a:lnTo>
+                <a:lnTo>
+                  <a:pt x="4967714" y="6698894"/>
+                </a:lnTo>
+                <a:lnTo>
+                  <a:pt x="4985028" y="6817538"/>
+                </a:lnTo>
+                <a:lnTo>
+                  <a:pt x="4990911" y="6858000"/>
+                </a:lnTo>
+                <a:lnTo>
+                  <a:pt x="4085557" y="6858000"/>
+                </a:lnTo>
+                <a:lnTo>
+                  <a:pt x="4085557" y="6858001"/>
+                </a:lnTo>
+                <a:lnTo>
+                  <a:pt x="0" y="6858001"/>
+                </a:lnTo>
+                <a:lnTo>
+                  <a:pt x="0" y="1"/>
+                </a:lnTo>
+                <a:lnTo>
+                  <a:pt x="3646196" y="1"/>
                 </a:lnTo>
                 <a:close/>
               </a:path>
@@ -15858,8 +17584,8 @@
               <a:shade val="50000"/>
             </a:schemeClr>
           </a:lnRef>
-          <a:fillRef idx="1">
-            <a:schemeClr val="accent1"/>
+          <a:fillRef idx="1003">
+            <a:schemeClr val="dk2"/>
           </a:fillRef>
           <a:effectRef idx="0">
             <a:schemeClr val="accent1"/>
@@ -15869,9 +17595,7 @@
           </a:fontRef>
         </p:style>
         <p:txBody>
-          <a:bodyPr wrap="square" rtlCol="0" anchor="ctr">
-            <a:noAutofit/>
-          </a:bodyPr>
+          <a:bodyPr rtlCol="0" anchor="ctr"/>
           <a:lstStyle/>
           <a:p>
             <a:pPr algn="ctr"/>
@@ -15881,10 +17605,10 @@
       </p:sp>
       <p:sp>
         <p:nvSpPr>
-          <p:cNvPr id="195" name="Rectangle 194">
+          <p:cNvPr id="200" name="Rectangle 77">
             <a:extLst>
               <a:ext uri="{FF2B5EF4-FFF2-40B4-BE49-F238E27FC236}">
-                <a16:creationId xmlns:a16="http://schemas.microsoft.com/office/drawing/2014/main" id="{B73FE0C2-11C7-466D-B4BA-0330484CD53D}"/>
+                <a16:creationId xmlns:a16="http://schemas.microsoft.com/office/drawing/2014/main" id="{0BA768A8-4FED-4ED8-9E46-6BE72188ECD2}"/>
               </a:ext>
               <a:ext uri="{C183D7F6-B498-43B3-948B-1728B52AA6E4}">
                 <adec:decorative xmlns:adec="http://schemas.microsoft.com/office/drawing/2017/decorative" val="1"/>
@@ -15932,967 +17656,392 @@
           </a:fontRef>
         </p:style>
       </p:sp>
-      <p:grpSp>
-        <p:nvGrpSpPr>
-          <p:cNvPr id="15" name="Google Shape;222;p25">
+      <p:sp>
+        <p:nvSpPr>
+          <p:cNvPr id="2" name="Title 1">
             <a:extLst>
               <a:ext uri="{FF2B5EF4-FFF2-40B4-BE49-F238E27FC236}">
-                <a16:creationId xmlns:a16="http://schemas.microsoft.com/office/drawing/2014/main" id="{18457B2B-50B4-44FD-9B87-B431681EC723}"/>
+                <a16:creationId xmlns:a16="http://schemas.microsoft.com/office/drawing/2014/main" id="{140DF9C2-1699-49B2-82D7-167C660685AB}"/>
               </a:ext>
             </a:extLst>
           </p:cNvPr>
-          <p:cNvGrpSpPr/>
+          <p:cNvSpPr>
+            <a:spLocks noGrp="1"/>
+          </p:cNvSpPr>
+          <p:nvPr>
+            <p:ph type="title"/>
+          </p:nvPr>
+        </p:nvSpPr>
+        <p:spPr>
+          <a:xfrm>
+            <a:off x="470517" y="1645920"/>
+            <a:ext cx="3705505" cy="4470821"/>
+          </a:xfrm>
+        </p:spPr>
+        <p:txBody>
+          <a:bodyPr vert="horz" lIns="91440" tIns="45720" rIns="91440" bIns="45720" rtlCol="0" anchor="t">
+            <a:normAutofit/>
+          </a:bodyPr>
+          <a:lstStyle/>
+          <a:p>
+            <a:r>
+              <a:rPr lang="en-US" b="0" i="0" kern="1200" dirty="0">
+                <a:solidFill>
+                  <a:srgbClr val="FFFFFF"/>
+                </a:solidFill>
+                <a:latin typeface="Copperplate Gothic Bold" panose="020E0705020206020404" pitchFamily="34" charset="0"/>
+              </a:rPr>
+              <a:t>Data</a:t>
+            </a:r>
+            <a:br>
+              <a:rPr lang="en-US" b="0" i="0" kern="1200" dirty="0">
+                <a:solidFill>
+                  <a:srgbClr val="FFFFFF"/>
+                </a:solidFill>
+                <a:latin typeface="Copperplate Gothic Bold" panose="020E0705020206020404" pitchFamily="34" charset="0"/>
+              </a:rPr>
+            </a:br>
+            <a:r>
+              <a:rPr lang="en-US" b="0" i="0" kern="1200" dirty="0">
+                <a:solidFill>
+                  <a:srgbClr val="FFFFFF"/>
+                </a:solidFill>
+                <a:latin typeface="Copperplate Gothic Bold" panose="020E0705020206020404" pitchFamily="34" charset="0"/>
+              </a:rPr>
+              <a:t>Wrangling</a:t>
+            </a:r>
+          </a:p>
+        </p:txBody>
+      </p:sp>
+      <p:sp>
+        <p:nvSpPr>
+          <p:cNvPr id="4" name="TextBox 3">
+            <a:extLst>
+              <a:ext uri="{FF2B5EF4-FFF2-40B4-BE49-F238E27FC236}">
+                <a16:creationId xmlns:a16="http://schemas.microsoft.com/office/drawing/2014/main" id="{91A75212-D478-4AD8-8ADD-AB0DE627D2A3}"/>
+              </a:ext>
+            </a:extLst>
+          </p:cNvPr>
+          <p:cNvSpPr txBox="1"/>
           <p:nvPr/>
-        </p:nvGrpSpPr>
-        <p:grpSpPr>
+        </p:nvSpPr>
+        <p:spPr>
           <a:xfrm>
-            <a:off x="4632491" y="764315"/>
-            <a:ext cx="5960295" cy="5640967"/>
-            <a:chOff x="0" y="108298"/>
-            <a:chExt cx="6104009" cy="3109841"/>
+            <a:off x="5204109" y="1645920"/>
+            <a:ext cx="5919503" cy="4470821"/>
           </a:xfrm>
-        </p:grpSpPr>
-        <p:sp>
-          <p:nvSpPr>
-            <p:cNvPr id="16" name="Google Shape;223;p25">
-              <a:extLst>
-                <a:ext uri="{FF2B5EF4-FFF2-40B4-BE49-F238E27FC236}">
-                  <a16:creationId xmlns:a16="http://schemas.microsoft.com/office/drawing/2014/main" id="{2CEB27BD-A2B7-44D4-AE90-4F34323D7800}"/>
-                </a:ext>
-              </a:extLst>
-            </p:cNvPr>
-            <p:cNvSpPr/>
-            <p:nvPr/>
-          </p:nvSpPr>
-          <p:spPr>
-            <a:xfrm>
-              <a:off x="0" y="337963"/>
-              <a:ext cx="6046132" cy="1540791"/>
-            </a:xfrm>
-            <a:prstGeom prst="rect">
-              <a:avLst/>
-            </a:prstGeom>
-            <a:solidFill>
-              <a:schemeClr val="lt1">
-                <a:alpha val="88235"/>
-              </a:schemeClr>
-            </a:solidFill>
-            <a:ln w="19050" cap="rnd" cmpd="sng">
-              <a:solidFill>
-                <a:schemeClr val="accent2"/>
-              </a:solidFill>
-              <a:prstDash val="solid"/>
-              <a:round/>
-              <a:headEnd type="none" w="sm" len="sm"/>
-              <a:tailEnd type="none" w="sm" len="sm"/>
-            </a:ln>
-          </p:spPr>
-          <p:txBody>
-            <a:bodyPr spcFirstLastPara="1" wrap="square" lIns="91425" tIns="91425" rIns="91425" bIns="91425" anchor="ctr" anchorCtr="0">
-              <a:noAutofit/>
-            </a:bodyPr>
-            <a:lstStyle/>
-            <a:p>
-              <a:pPr marL="0" marR="0" lvl="0" indent="0" algn="l" rtl="0">
-                <a:lnSpc>
-                  <a:spcPct val="100000"/>
-                </a:lnSpc>
-                <a:spcBef>
-                  <a:spcPts val="0"/>
-                </a:spcBef>
-                <a:spcAft>
-                  <a:spcPts val="0"/>
-                </a:spcAft>
-                <a:buClr>
-                  <a:srgbClr val="000000"/>
-                </a:buClr>
-                <a:buSzPts val="1400"/>
-                <a:buFont typeface="Arial"/>
-                <a:buNone/>
-              </a:pPr>
-              <a:endParaRPr sz="1400" b="0" i="0" u="none" strike="noStrike" cap="none">
-                <a:solidFill>
-                  <a:srgbClr val="000000"/>
-                </a:solidFill>
-                <a:latin typeface="Arial"/>
-                <a:ea typeface="Arial"/>
-                <a:cs typeface="Arial"/>
-                <a:sym typeface="Arial"/>
-              </a:endParaRPr>
-            </a:p>
-          </p:txBody>
-        </p:sp>
-        <p:sp>
-          <p:nvSpPr>
-            <p:cNvPr id="17" name="Google Shape;224;p25">
-              <a:extLst>
-                <a:ext uri="{FF2B5EF4-FFF2-40B4-BE49-F238E27FC236}">
-                  <a16:creationId xmlns:a16="http://schemas.microsoft.com/office/drawing/2014/main" id="{7796CDF0-471C-44D2-8B2F-7F14A5033CA8}"/>
-                </a:ext>
-              </a:extLst>
-            </p:cNvPr>
-            <p:cNvSpPr txBox="1"/>
-            <p:nvPr/>
-          </p:nvSpPr>
-          <p:spPr>
-            <a:xfrm>
-              <a:off x="57809" y="390447"/>
-              <a:ext cx="6046200" cy="1488300"/>
-            </a:xfrm>
-            <a:prstGeom prst="rect">
-              <a:avLst/>
-            </a:prstGeom>
-            <a:noFill/>
-            <a:ln>
-              <a:noFill/>
-            </a:ln>
-          </p:spPr>
-          <p:txBody>
-            <a:bodyPr spcFirstLastPara="1" wrap="square" lIns="469225" tIns="291575" rIns="469225" bIns="99550" anchor="t" anchorCtr="0">
-              <a:noAutofit/>
-            </a:bodyPr>
-            <a:lstStyle/>
-            <a:p>
-              <a:pPr marL="285750" indent="-285750">
-                <a:lnSpc>
-                  <a:spcPct val="90000"/>
-                </a:lnSpc>
-                <a:buClr>
-                  <a:srgbClr val="000000"/>
-                </a:buClr>
-                <a:buSzPts val="1400"/>
-                <a:buFont typeface="Wingdings" panose="05000000000000000000" pitchFamily="2" charset="2"/>
-                <a:buChar char="Ø"/>
-              </a:pPr>
-              <a:r>
-                <a:rPr lang="en-US" sz="1400" b="0" i="0" u="none" strike="noStrike" cap="none" dirty="0">
-                  <a:solidFill>
-                    <a:srgbClr val="000000"/>
-                  </a:solidFill>
-                  <a:latin typeface="Century Gothic"/>
-                  <a:ea typeface="Century Gothic"/>
-                  <a:cs typeface="Century Gothic"/>
-                  <a:sym typeface="Century Gothic"/>
-                </a:rPr>
-                <a:t>Initial Data set:</a:t>
-              </a:r>
-              <a:endParaRPr lang="en-US" sz="1400" dirty="0">
-                <a:solidFill>
-                  <a:srgbClr val="000000"/>
-                </a:solidFill>
-                <a:latin typeface="Arial"/>
-                <a:ea typeface="Century Gothic"/>
-                <a:cs typeface="Arial"/>
-                <a:sym typeface="Arial"/>
-              </a:endParaRPr>
-            </a:p>
-            <a:p>
-              <a:pPr marL="742950" lvl="1" indent="-285750">
-                <a:lnSpc>
-                  <a:spcPct val="90000"/>
-                </a:lnSpc>
-                <a:buClr>
-                  <a:srgbClr val="000000"/>
-                </a:buClr>
-                <a:buSzPts val="1400"/>
-                <a:buFont typeface="Arial" panose="020B0604020202020204" pitchFamily="34" charset="0"/>
-                <a:buChar char="•"/>
-              </a:pPr>
-              <a:r>
-                <a:rPr lang="en-US" sz="1400" dirty="0">
-                  <a:solidFill>
-                    <a:srgbClr val="000000"/>
-                  </a:solidFill>
-                  <a:latin typeface="Century Gothic"/>
-                  <a:ea typeface="Arial"/>
-                  <a:cs typeface="Arial"/>
-                  <a:sym typeface="Century Gothic"/>
-                </a:rPr>
-                <a:t>100,192 records and 79 columns</a:t>
-              </a:r>
-              <a:endParaRPr lang="en-US" sz="1400" dirty="0">
-                <a:solidFill>
-                  <a:srgbClr val="000000"/>
-                </a:solidFill>
-                <a:latin typeface="Arial"/>
-                <a:ea typeface="Arial"/>
-                <a:cs typeface="Arial"/>
-                <a:sym typeface="Arial"/>
-              </a:endParaRPr>
-            </a:p>
-            <a:p>
-              <a:pPr marL="742950" lvl="1" indent="-285750">
-                <a:lnSpc>
-                  <a:spcPct val="90000"/>
-                </a:lnSpc>
-                <a:buClr>
-                  <a:srgbClr val="000000"/>
-                </a:buClr>
-                <a:buSzPts val="1400"/>
-                <a:buFont typeface="Arial" panose="020B0604020202020204" pitchFamily="34" charset="0"/>
-                <a:buChar char="•"/>
-              </a:pPr>
-              <a:r>
-                <a:rPr lang="en-US" sz="1400" b="0" i="0" u="none" strike="noStrike" cap="none" dirty="0">
-                  <a:solidFill>
-                    <a:srgbClr val="000000"/>
-                  </a:solidFill>
-                  <a:latin typeface="Century Gothic"/>
-                  <a:ea typeface="Century Gothic"/>
-                  <a:cs typeface="Century Gothic"/>
-                  <a:sym typeface="Century Gothic"/>
-                </a:rPr>
-                <a:t>No Price – Calculated using three columns</a:t>
-              </a:r>
-              <a:endParaRPr sz="1400" b="0" i="0" u="none" strike="noStrike" cap="none" dirty="0">
-                <a:solidFill>
-                  <a:srgbClr val="000000"/>
-                </a:solidFill>
-                <a:latin typeface="Arial"/>
-                <a:ea typeface="Arial"/>
-                <a:cs typeface="Arial"/>
-                <a:sym typeface="Arial"/>
-              </a:endParaRPr>
-            </a:p>
-            <a:p>
-              <a:pPr marL="285750" lvl="1" indent="-285750">
-                <a:lnSpc>
-                  <a:spcPct val="90000"/>
-                </a:lnSpc>
-                <a:spcBef>
-                  <a:spcPts val="210"/>
-                </a:spcBef>
-                <a:buClr>
-                  <a:srgbClr val="000000"/>
-                </a:buClr>
-                <a:buSzPts val="1400"/>
-                <a:buFont typeface="Wingdings" panose="05000000000000000000" pitchFamily="2" charset="2"/>
-                <a:buChar char="Ø"/>
-              </a:pPr>
-              <a:r>
-                <a:rPr lang="en-US" sz="1400" b="0" i="0" u="none" strike="noStrike" cap="none" dirty="0">
-                  <a:solidFill>
-                    <a:srgbClr val="000000"/>
-                  </a:solidFill>
-                  <a:latin typeface="Century Gothic"/>
-                  <a:ea typeface="Century Gothic"/>
-                  <a:cs typeface="Century Gothic"/>
-                  <a:sym typeface="Century Gothic"/>
-                </a:rPr>
-                <a:t>Removed columns with 50%+ null values</a:t>
-              </a:r>
-              <a:endParaRPr sz="1400" b="0" i="0" u="none" strike="noStrike" cap="none" dirty="0">
-                <a:solidFill>
-                  <a:srgbClr val="000000"/>
-                </a:solidFill>
-                <a:latin typeface="Arial"/>
-                <a:ea typeface="Arial"/>
-                <a:cs typeface="Arial"/>
-                <a:sym typeface="Arial"/>
-              </a:endParaRPr>
-            </a:p>
-            <a:p>
-              <a:pPr marL="285750" lvl="1" indent="-285750">
-                <a:lnSpc>
-                  <a:spcPct val="90000"/>
-                </a:lnSpc>
-                <a:spcBef>
-                  <a:spcPts val="210"/>
-                </a:spcBef>
-                <a:buClr>
-                  <a:srgbClr val="000000"/>
-                </a:buClr>
-                <a:buSzPts val="1400"/>
-                <a:buFont typeface="Wingdings" panose="05000000000000000000" pitchFamily="2" charset="2"/>
-                <a:buChar char="Ø"/>
-              </a:pPr>
-              <a:r>
-                <a:rPr lang="en-US" sz="1400" dirty="0">
-                  <a:solidFill>
-                    <a:srgbClr val="000000"/>
-                  </a:solidFill>
-                  <a:latin typeface="Century Gothic"/>
-                  <a:ea typeface="Arial"/>
-                  <a:cs typeface="Arial"/>
-                  <a:sym typeface="Century Gothic"/>
-                </a:rPr>
-                <a:t>Replace categorical nulls with Unknown </a:t>
-              </a:r>
-              <a:endParaRPr sz="1400" b="0" i="0" u="none" strike="noStrike" cap="none" dirty="0">
-                <a:solidFill>
-                  <a:srgbClr val="000000"/>
-                </a:solidFill>
-                <a:latin typeface="Arial"/>
-                <a:ea typeface="Arial"/>
-                <a:cs typeface="Arial"/>
-                <a:sym typeface="Arial"/>
-              </a:endParaRPr>
-            </a:p>
-            <a:p>
-              <a:pPr marL="285750" lvl="1" indent="-285750">
-                <a:lnSpc>
-                  <a:spcPct val="90000"/>
-                </a:lnSpc>
-                <a:spcBef>
-                  <a:spcPts val="210"/>
-                </a:spcBef>
-                <a:buClr>
-                  <a:srgbClr val="000000"/>
-                </a:buClr>
-                <a:buSzPts val="1400"/>
-                <a:buFont typeface="Wingdings" panose="05000000000000000000" pitchFamily="2" charset="2"/>
-                <a:buChar char="Ø"/>
-              </a:pPr>
-              <a:r>
-                <a:rPr lang="en-US" sz="1400" dirty="0">
-                  <a:solidFill>
-                    <a:srgbClr val="000000"/>
-                  </a:solidFill>
-                  <a:latin typeface="Century Gothic"/>
-                  <a:ea typeface="Century Gothic"/>
-                  <a:cs typeface="Century Gothic"/>
-                  <a:sym typeface="Century Gothic"/>
-                </a:rPr>
-                <a:t>Converted to appropriate data types</a:t>
-              </a:r>
-            </a:p>
-            <a:p>
-              <a:pPr marL="285750" lvl="1" indent="-285750">
-                <a:lnSpc>
-                  <a:spcPct val="90000"/>
-                </a:lnSpc>
-                <a:spcBef>
-                  <a:spcPts val="210"/>
-                </a:spcBef>
-                <a:buClr>
-                  <a:srgbClr val="000000"/>
-                </a:buClr>
-                <a:buSzPts val="1400"/>
-                <a:buFont typeface="Wingdings" panose="05000000000000000000" pitchFamily="2" charset="2"/>
-                <a:buChar char="Ø"/>
-              </a:pPr>
-              <a:r>
-                <a:rPr lang="en-US" sz="1400" b="0" i="0" u="none" strike="noStrike" cap="none" dirty="0">
-                  <a:solidFill>
-                    <a:srgbClr val="000000"/>
-                  </a:solidFill>
-                  <a:latin typeface="Century Gothic"/>
-                  <a:ea typeface="Century Gothic"/>
-                  <a:cs typeface="Century Gothic"/>
-                  <a:sym typeface="Century Gothic"/>
-                </a:rPr>
-                <a:t>Dropped columns no relevant in</a:t>
-              </a:r>
-              <a:r>
-                <a:rPr lang="en-US" sz="1400" dirty="0">
-                  <a:solidFill>
-                    <a:srgbClr val="000000"/>
-                  </a:solidFill>
-                  <a:latin typeface="Century Gothic"/>
-                  <a:ea typeface="Century Gothic"/>
-                  <a:cs typeface="Century Gothic"/>
-                  <a:sym typeface="Century Gothic"/>
-                </a:rPr>
-                <a:t>formation</a:t>
-              </a:r>
-            </a:p>
-            <a:p>
-              <a:pPr marL="285750" lvl="1" indent="-285750">
-                <a:lnSpc>
-                  <a:spcPct val="90000"/>
-                </a:lnSpc>
-                <a:spcBef>
-                  <a:spcPts val="210"/>
-                </a:spcBef>
-                <a:buClr>
-                  <a:srgbClr val="000000"/>
-                </a:buClr>
-                <a:buSzPts val="1400"/>
-                <a:buFont typeface="Wingdings" panose="05000000000000000000" pitchFamily="2" charset="2"/>
-                <a:buChar char="Ø"/>
-              </a:pPr>
-              <a:r>
-                <a:rPr lang="en-US" sz="1400" b="0" i="0" u="none" strike="noStrike" cap="none" dirty="0">
-                  <a:solidFill>
-                    <a:srgbClr val="000000"/>
-                  </a:solidFill>
-                  <a:latin typeface="Century Gothic"/>
-                  <a:ea typeface="Century Gothic"/>
-                  <a:cs typeface="Century Gothic"/>
-                  <a:sym typeface="Century Gothic"/>
-                </a:rPr>
-                <a:t>Dropped columns with identical information as other columns.</a:t>
-              </a:r>
-            </a:p>
-            <a:p>
-              <a:pPr marL="285750" lvl="1" indent="-285750">
-                <a:lnSpc>
-                  <a:spcPct val="90000"/>
-                </a:lnSpc>
-                <a:spcBef>
-                  <a:spcPts val="210"/>
-                </a:spcBef>
-                <a:buClr>
-                  <a:srgbClr val="000000"/>
-                </a:buClr>
-                <a:buSzPts val="1400"/>
-                <a:buFont typeface="Wingdings" panose="05000000000000000000" pitchFamily="2" charset="2"/>
-                <a:buChar char="Ø"/>
-              </a:pPr>
-              <a:r>
-                <a:rPr lang="en-US" sz="1400" b="0" i="0" u="none" strike="noStrike" cap="none" dirty="0">
-                  <a:solidFill>
-                    <a:srgbClr val="000000"/>
-                  </a:solidFill>
-                  <a:latin typeface="Century Gothic"/>
-                  <a:ea typeface="Century Gothic"/>
-                  <a:cs typeface="Century Gothic"/>
-                  <a:sym typeface="Century Gothic"/>
-                </a:rPr>
-                <a:t>Pre-EDA Data Set:</a:t>
-              </a:r>
-            </a:p>
-            <a:p>
-              <a:pPr marL="742950" lvl="2" indent="-285750">
-                <a:lnSpc>
-                  <a:spcPct val="90000"/>
-                </a:lnSpc>
-                <a:spcBef>
-                  <a:spcPts val="210"/>
-                </a:spcBef>
-                <a:buClr>
-                  <a:srgbClr val="000000"/>
-                </a:buClr>
-                <a:buSzPts val="1400"/>
-                <a:buFont typeface="Arial" panose="020B0604020202020204" pitchFamily="34" charset="0"/>
-                <a:buChar char="•"/>
-              </a:pPr>
-              <a:r>
-                <a:rPr lang="en-US" sz="1400" dirty="0">
-                  <a:solidFill>
-                    <a:srgbClr val="000000"/>
-                  </a:solidFill>
-                  <a:latin typeface="Century Gothic"/>
-                  <a:ea typeface="Century Gothic"/>
-                  <a:cs typeface="Century Gothic"/>
-                  <a:sym typeface="Century Gothic"/>
-                </a:rPr>
-                <a:t>99600 records and 49 columns</a:t>
-              </a:r>
-              <a:endParaRPr sz="1400" b="0" i="0" u="none" strike="noStrike" cap="none" dirty="0">
-                <a:solidFill>
-                  <a:srgbClr val="000000"/>
-                </a:solidFill>
-                <a:latin typeface="Century Gothic"/>
-                <a:ea typeface="Century Gothic"/>
-                <a:cs typeface="Century Gothic"/>
+          <a:prstGeom prst="rect">
+            <a:avLst/>
+          </a:prstGeom>
+        </p:spPr>
+        <p:txBody>
+          <a:bodyPr vert="horz" lIns="91440" tIns="45720" rIns="91440" bIns="45720" rtlCol="0">
+            <a:normAutofit lnSpcReduction="10000"/>
+          </a:bodyPr>
+          <a:lstStyle/>
+          <a:p>
+            <a:pPr marL="285750" indent="-285750">
+              <a:spcBef>
+                <a:spcPts val="1000"/>
+              </a:spcBef>
+              <a:buClr>
+                <a:schemeClr val="bg2">
+                  <a:lumMod val="40000"/>
+                  <a:lumOff val="60000"/>
+                </a:schemeClr>
+              </a:buClr>
+              <a:buSzPct val="80000"/>
+              <a:buFont typeface="Wingdings 3" charset="2"/>
+              <a:buChar char=""/>
+            </a:pPr>
+            <a:r>
+              <a:rPr lang="en-US" dirty="0">
+                <a:latin typeface="Copperplate Gothic Light" panose="020E0507020206020404" pitchFamily="34" charset="0"/>
+                <a:ea typeface="+mj-ea"/>
+                <a:cs typeface="+mj-cs"/>
                 <a:sym typeface="Century Gothic"/>
-              </a:endParaRPr>
-            </a:p>
-          </p:txBody>
-        </p:sp>
-        <p:sp>
-          <p:nvSpPr>
-            <p:cNvPr id="18" name="Google Shape;225;p25">
-              <a:extLst>
-                <a:ext uri="{FF2B5EF4-FFF2-40B4-BE49-F238E27FC236}">
-                  <a16:creationId xmlns:a16="http://schemas.microsoft.com/office/drawing/2014/main" id="{3C951377-4C2E-406A-BBD3-073D9AAC72BE}"/>
-                </a:ext>
-              </a:extLst>
-            </p:cNvPr>
-            <p:cNvSpPr/>
-            <p:nvPr/>
-          </p:nvSpPr>
-          <p:spPr>
-            <a:xfrm>
-              <a:off x="508996" y="131322"/>
-              <a:ext cx="4232400" cy="413400"/>
-            </a:xfrm>
-            <a:prstGeom prst="roundRect">
-              <a:avLst>
-                <a:gd name="adj" fmla="val 16667"/>
-              </a:avLst>
-            </a:prstGeom>
-            <a:solidFill>
-              <a:schemeClr val="accent2"/>
-            </a:solidFill>
-            <a:ln w="25400" cap="rnd" cmpd="sng">
-              <a:solidFill>
-                <a:schemeClr val="lt1"/>
-              </a:solidFill>
-              <a:prstDash val="solid"/>
-              <a:round/>
-              <a:headEnd type="none" w="sm" len="sm"/>
-              <a:tailEnd type="none" w="sm" len="sm"/>
-            </a:ln>
-          </p:spPr>
-          <p:txBody>
-            <a:bodyPr spcFirstLastPara="1" wrap="square" lIns="91425" tIns="91425" rIns="91425" bIns="91425" anchor="ctr" anchorCtr="0">
-              <a:noAutofit/>
-            </a:bodyPr>
-            <a:lstStyle/>
-            <a:p>
-              <a:pPr marL="0" marR="0" lvl="0" indent="0" algn="l" rtl="0">
-                <a:lnSpc>
-                  <a:spcPct val="100000"/>
-                </a:lnSpc>
-                <a:spcBef>
-                  <a:spcPts val="0"/>
-                </a:spcBef>
-                <a:spcAft>
-                  <a:spcPts val="0"/>
-                </a:spcAft>
-                <a:buClr>
-                  <a:srgbClr val="000000"/>
-                </a:buClr>
-                <a:buSzPts val="1400"/>
-                <a:buFont typeface="Arial"/>
-                <a:buNone/>
-              </a:pPr>
-              <a:endParaRPr sz="1400" b="0" i="0" u="none" strike="noStrike" cap="none">
-                <a:solidFill>
-                  <a:srgbClr val="000000"/>
-                </a:solidFill>
-                <a:latin typeface="Arial"/>
-                <a:ea typeface="Arial"/>
-                <a:cs typeface="Arial"/>
-                <a:sym typeface="Arial"/>
-              </a:endParaRPr>
-            </a:p>
-          </p:txBody>
-        </p:sp>
-        <p:sp>
-          <p:nvSpPr>
-            <p:cNvPr id="19" name="Google Shape;226;p25">
-              <a:extLst>
-                <a:ext uri="{FF2B5EF4-FFF2-40B4-BE49-F238E27FC236}">
-                  <a16:creationId xmlns:a16="http://schemas.microsoft.com/office/drawing/2014/main" id="{CCFB2035-FDF4-4EA9-9D23-172B1D8A5AD3}"/>
-                </a:ext>
-              </a:extLst>
-            </p:cNvPr>
-            <p:cNvSpPr txBox="1"/>
-            <p:nvPr/>
-          </p:nvSpPr>
-          <p:spPr>
-            <a:xfrm>
-              <a:off x="508996" y="108298"/>
-              <a:ext cx="4191900" cy="372900"/>
-            </a:xfrm>
-            <a:prstGeom prst="rect">
-              <a:avLst/>
-            </a:prstGeom>
-            <a:noFill/>
-            <a:ln>
-              <a:noFill/>
-            </a:ln>
-          </p:spPr>
-          <p:txBody>
-            <a:bodyPr spcFirstLastPara="1" wrap="square" lIns="159950" tIns="0" rIns="159950" bIns="0" anchor="ctr" anchorCtr="0">
-              <a:noAutofit/>
-            </a:bodyPr>
-            <a:lstStyle/>
-            <a:p>
-              <a:pPr marL="0" marR="0" lvl="0" indent="0" algn="l" rtl="0">
-                <a:lnSpc>
-                  <a:spcPct val="90000"/>
-                </a:lnSpc>
-                <a:spcBef>
-                  <a:spcPts val="0"/>
-                </a:spcBef>
-                <a:spcAft>
-                  <a:spcPts val="0"/>
-                </a:spcAft>
-                <a:buClr>
-                  <a:schemeClr val="lt1"/>
-                </a:buClr>
-                <a:buSzPts val="1400"/>
-                <a:buFont typeface="Century Gothic"/>
-                <a:buNone/>
-              </a:pPr>
-              <a:r>
-                <a:rPr lang="en-US" sz="1400" b="1" i="0" u="none" strike="noStrike" cap="none" dirty="0">
-                  <a:solidFill>
-                    <a:schemeClr val="lt1"/>
-                  </a:solidFill>
-                  <a:latin typeface="Century Gothic"/>
-                  <a:ea typeface="Century Gothic"/>
-                  <a:cs typeface="Century Gothic"/>
-                  <a:sym typeface="Century Gothic"/>
-                </a:rPr>
-                <a:t>Data Wrangling through Pandas</a:t>
-              </a:r>
-              <a:endParaRPr sz="1400" b="1" i="0" u="none" strike="noStrike" cap="none" dirty="0">
-                <a:solidFill>
-                  <a:srgbClr val="000000"/>
-                </a:solidFill>
-                <a:latin typeface="Arial"/>
-                <a:ea typeface="Arial"/>
-                <a:cs typeface="Arial"/>
-                <a:sym typeface="Arial"/>
-              </a:endParaRPr>
-            </a:p>
-          </p:txBody>
-        </p:sp>
-        <p:sp>
-          <p:nvSpPr>
-            <p:cNvPr id="20" name="Google Shape;227;p25">
-              <a:extLst>
-                <a:ext uri="{FF2B5EF4-FFF2-40B4-BE49-F238E27FC236}">
-                  <a16:creationId xmlns:a16="http://schemas.microsoft.com/office/drawing/2014/main" id="{575AEFC3-9121-4C20-9699-942C9D24DEC7}"/>
-                </a:ext>
-              </a:extLst>
-            </p:cNvPr>
-            <p:cNvSpPr/>
-            <p:nvPr/>
-          </p:nvSpPr>
-          <p:spPr>
-            <a:xfrm>
-              <a:off x="57839" y="2350098"/>
-              <a:ext cx="6046132" cy="868041"/>
-            </a:xfrm>
-            <a:prstGeom prst="rect">
-              <a:avLst/>
-            </a:prstGeom>
-            <a:solidFill>
-              <a:schemeClr val="lt1">
-                <a:alpha val="88235"/>
-              </a:schemeClr>
-            </a:solidFill>
-            <a:ln w="19050" cap="rnd" cmpd="sng">
-              <a:solidFill>
-                <a:schemeClr val="accent2"/>
-              </a:solidFill>
-              <a:prstDash val="solid"/>
-              <a:round/>
-              <a:headEnd type="none" w="sm" len="sm"/>
-              <a:tailEnd type="none" w="sm" len="sm"/>
-            </a:ln>
-          </p:spPr>
-          <p:txBody>
-            <a:bodyPr spcFirstLastPara="1" wrap="square" lIns="91425" tIns="91425" rIns="91425" bIns="91425" anchor="ctr" anchorCtr="0">
-              <a:noAutofit/>
-            </a:bodyPr>
-            <a:lstStyle/>
-            <a:p>
-              <a:pPr marL="0" marR="0" lvl="0" indent="0" algn="l" rtl="0">
-                <a:lnSpc>
-                  <a:spcPct val="100000"/>
-                </a:lnSpc>
-                <a:spcBef>
-                  <a:spcPts val="0"/>
-                </a:spcBef>
-                <a:spcAft>
-                  <a:spcPts val="0"/>
-                </a:spcAft>
-                <a:buClr>
-                  <a:srgbClr val="000000"/>
-                </a:buClr>
-                <a:buSzPts val="1400"/>
-                <a:buFont typeface="Arial"/>
-                <a:buNone/>
-              </a:pPr>
-              <a:endParaRPr sz="1400" b="0" i="0" u="none" strike="noStrike" cap="none">
-                <a:solidFill>
-                  <a:srgbClr val="000000"/>
-                </a:solidFill>
-                <a:latin typeface="Arial"/>
-                <a:ea typeface="Arial"/>
-                <a:cs typeface="Arial"/>
-                <a:sym typeface="Arial"/>
-              </a:endParaRPr>
-            </a:p>
-          </p:txBody>
-        </p:sp>
-        <p:sp>
-          <p:nvSpPr>
-            <p:cNvPr id="21" name="Google Shape;228;p25">
-              <a:extLst>
-                <a:ext uri="{FF2B5EF4-FFF2-40B4-BE49-F238E27FC236}">
-                  <a16:creationId xmlns:a16="http://schemas.microsoft.com/office/drawing/2014/main" id="{BB850522-AE27-4BA9-B508-622E7786E996}"/>
-                </a:ext>
-              </a:extLst>
-            </p:cNvPr>
-            <p:cNvSpPr txBox="1"/>
-            <p:nvPr/>
-          </p:nvSpPr>
-          <p:spPr>
-            <a:xfrm>
-              <a:off x="0" y="2202154"/>
-              <a:ext cx="6046132" cy="868041"/>
-            </a:xfrm>
-            <a:prstGeom prst="rect">
-              <a:avLst/>
-            </a:prstGeom>
-            <a:noFill/>
-            <a:ln>
-              <a:noFill/>
-            </a:ln>
-          </p:spPr>
-          <p:txBody>
-            <a:bodyPr spcFirstLastPara="1" wrap="square" lIns="469225" tIns="291575" rIns="469225" bIns="99550" anchor="t" anchorCtr="0">
-              <a:noAutofit/>
-            </a:bodyPr>
-            <a:lstStyle/>
-            <a:p>
-              <a:pPr marL="114300" marR="0" lvl="1" indent="-25400" algn="l" rtl="0">
-                <a:lnSpc>
-                  <a:spcPct val="90000"/>
-                </a:lnSpc>
-                <a:spcBef>
-                  <a:spcPts val="0"/>
-                </a:spcBef>
-                <a:spcAft>
-                  <a:spcPts val="0"/>
-                </a:spcAft>
-                <a:buClr>
-                  <a:srgbClr val="000000"/>
-                </a:buClr>
-                <a:buSzPts val="1400"/>
-                <a:buFont typeface="Century Gothic"/>
-                <a:buNone/>
-              </a:pPr>
-              <a:endParaRPr sz="1400" b="0" i="0" u="none" strike="noStrike" cap="none" dirty="0">
-                <a:solidFill>
-                  <a:srgbClr val="000000"/>
-                </a:solidFill>
-                <a:latin typeface="Century Gothic"/>
-                <a:ea typeface="Century Gothic"/>
-                <a:cs typeface="Century Gothic"/>
+              </a:rPr>
+              <a:t>Initial Data set:</a:t>
+            </a:r>
+            <a:endParaRPr lang="en-US" dirty="0">
+              <a:latin typeface="Copperplate Gothic Light" panose="020E0507020206020404" pitchFamily="34" charset="0"/>
+              <a:ea typeface="+mj-ea"/>
+              <a:cs typeface="+mj-cs"/>
+              <a:sym typeface="Arial"/>
+            </a:endParaRPr>
+          </a:p>
+          <a:p>
+            <a:pPr marL="742950" lvl="1" indent="-285750">
+              <a:spcBef>
+                <a:spcPts val="1000"/>
+              </a:spcBef>
+              <a:buClr>
+                <a:schemeClr val="bg2">
+                  <a:lumMod val="40000"/>
+                  <a:lumOff val="60000"/>
+                </a:schemeClr>
+              </a:buClr>
+              <a:buSzPct val="80000"/>
+              <a:buFont typeface="Wingdings 3" charset="2"/>
+              <a:buChar char=""/>
+            </a:pPr>
+            <a:r>
+              <a:rPr lang="en-US" dirty="0">
+                <a:latin typeface="Copperplate Gothic Light" panose="020E0507020206020404" pitchFamily="34" charset="0"/>
+                <a:ea typeface="+mj-ea"/>
+                <a:cs typeface="+mj-cs"/>
                 <a:sym typeface="Century Gothic"/>
-              </a:endParaRPr>
-            </a:p>
-            <a:p>
-              <a:pPr marL="285750" marR="0" lvl="1" indent="-285750" algn="l" rtl="0">
-                <a:lnSpc>
-                  <a:spcPct val="90000"/>
-                </a:lnSpc>
-                <a:spcBef>
-                  <a:spcPts val="0"/>
-                </a:spcBef>
-                <a:spcAft>
-                  <a:spcPts val="0"/>
-                </a:spcAft>
-                <a:buClr>
-                  <a:srgbClr val="000000"/>
-                </a:buClr>
-                <a:buSzPts val="1400"/>
-                <a:buFont typeface="Wingdings" panose="05000000000000000000" pitchFamily="2" charset="2"/>
-                <a:buChar char="Ø"/>
-              </a:pPr>
-              <a:r>
-                <a:rPr lang="en-US" sz="1400" dirty="0">
-                  <a:solidFill>
-                    <a:srgbClr val="000000"/>
-                  </a:solidFill>
-                  <a:latin typeface="Century Gothic"/>
-                  <a:ea typeface="Arial"/>
-                  <a:cs typeface="Arial"/>
-                  <a:sym typeface="Century Gothic"/>
-                </a:rPr>
-                <a:t>Identified categorical columns with long tail of unique but similar values</a:t>
-              </a:r>
-            </a:p>
-            <a:p>
-              <a:pPr marL="285750" lvl="1" indent="-285750">
-                <a:lnSpc>
-                  <a:spcPct val="90000"/>
-                </a:lnSpc>
-                <a:buClr>
-                  <a:srgbClr val="000000"/>
-                </a:buClr>
-                <a:buSzPts val="1400"/>
-                <a:buFont typeface="Wingdings" panose="05000000000000000000" pitchFamily="2" charset="2"/>
-                <a:buChar char="Ø"/>
-              </a:pPr>
-              <a:r>
-                <a:rPr lang="en-US" sz="1400" dirty="0">
-                  <a:solidFill>
-                    <a:srgbClr val="000000"/>
-                  </a:solidFill>
-                  <a:latin typeface="Century Gothic"/>
-                  <a:cs typeface="Arial"/>
-                  <a:sym typeface="Arial"/>
-                </a:rPr>
-                <a:t>Replaced similar values (‘Middle English’) with superset values (‘English’)</a:t>
-              </a:r>
-            </a:p>
-            <a:p>
-              <a:pPr marL="285750" lvl="1" indent="-285750">
-                <a:lnSpc>
-                  <a:spcPct val="90000"/>
-                </a:lnSpc>
-                <a:buClr>
-                  <a:srgbClr val="000000"/>
-                </a:buClr>
-                <a:buSzPts val="1400"/>
-                <a:buFont typeface="Wingdings" panose="05000000000000000000" pitchFamily="2" charset="2"/>
-                <a:buChar char="Ø"/>
-              </a:pPr>
-              <a:r>
-                <a:rPr lang="en-US" sz="1400" dirty="0">
-                  <a:solidFill>
-                    <a:srgbClr val="000000"/>
-                  </a:solidFill>
-                  <a:latin typeface="Century Gothic"/>
-                  <a:cs typeface="Arial"/>
-                  <a:sym typeface="Arial"/>
-                </a:rPr>
-                <a:t>Column values with &lt; 10 frequency were grouped into ‘Others’</a:t>
-              </a:r>
-              <a:endParaRPr sz="1400" dirty="0">
-                <a:solidFill>
-                  <a:srgbClr val="000000"/>
-                </a:solidFill>
-                <a:latin typeface="Century Gothic"/>
-                <a:cs typeface="Arial"/>
-                <a:sym typeface="Arial"/>
-              </a:endParaRPr>
-            </a:p>
-          </p:txBody>
-        </p:sp>
-        <p:sp>
-          <p:nvSpPr>
-            <p:cNvPr id="22" name="Google Shape;229;p25">
-              <a:extLst>
-                <a:ext uri="{FF2B5EF4-FFF2-40B4-BE49-F238E27FC236}">
-                  <a16:creationId xmlns:a16="http://schemas.microsoft.com/office/drawing/2014/main" id="{604D5782-6790-4887-979C-B96B1E6BFFF3}"/>
-                </a:ext>
-              </a:extLst>
-            </p:cNvPr>
-            <p:cNvSpPr/>
-            <p:nvPr/>
-          </p:nvSpPr>
-          <p:spPr>
-            <a:xfrm>
-              <a:off x="412457" y="2026698"/>
-              <a:ext cx="4232293" cy="413280"/>
-            </a:xfrm>
-            <a:prstGeom prst="roundRect">
-              <a:avLst>
-                <a:gd name="adj" fmla="val 16667"/>
-              </a:avLst>
-            </a:prstGeom>
-            <a:solidFill>
-              <a:schemeClr val="accent2"/>
-            </a:solidFill>
-            <a:ln w="25400" cap="rnd" cmpd="sng">
-              <a:solidFill>
-                <a:schemeClr val="lt1"/>
-              </a:solidFill>
-              <a:prstDash val="solid"/>
-              <a:round/>
-              <a:headEnd type="none" w="sm" len="sm"/>
-              <a:tailEnd type="none" w="sm" len="sm"/>
-            </a:ln>
-          </p:spPr>
-          <p:txBody>
-            <a:bodyPr spcFirstLastPara="1" wrap="square" lIns="91425" tIns="91425" rIns="91425" bIns="91425" anchor="ctr" anchorCtr="0">
-              <a:noAutofit/>
-            </a:bodyPr>
-            <a:lstStyle/>
-            <a:p>
-              <a:pPr marL="0" marR="0" lvl="0" indent="0" algn="l" rtl="0">
-                <a:lnSpc>
-                  <a:spcPct val="100000"/>
-                </a:lnSpc>
-                <a:spcBef>
-                  <a:spcPts val="0"/>
-                </a:spcBef>
-                <a:spcAft>
-                  <a:spcPts val="0"/>
-                </a:spcAft>
-                <a:buClr>
-                  <a:srgbClr val="000000"/>
-                </a:buClr>
-                <a:buSzPts val="1400"/>
-                <a:buFont typeface="Arial"/>
-                <a:buNone/>
-              </a:pPr>
-              <a:endParaRPr sz="1400" b="0" i="0" u="none" strike="noStrike" cap="none">
-                <a:solidFill>
-                  <a:srgbClr val="000000"/>
-                </a:solidFill>
-                <a:latin typeface="Arial"/>
-                <a:ea typeface="Arial"/>
-                <a:cs typeface="Arial"/>
-                <a:sym typeface="Arial"/>
-              </a:endParaRPr>
-            </a:p>
-          </p:txBody>
-        </p:sp>
-        <p:sp>
-          <p:nvSpPr>
-            <p:cNvPr id="23" name="Google Shape;230;p25">
-              <a:extLst>
-                <a:ext uri="{FF2B5EF4-FFF2-40B4-BE49-F238E27FC236}">
-                  <a16:creationId xmlns:a16="http://schemas.microsoft.com/office/drawing/2014/main" id="{3F07BF77-94A7-4C09-A28B-1040F98661E7}"/>
-                </a:ext>
-              </a:extLst>
-            </p:cNvPr>
-            <p:cNvSpPr txBox="1"/>
-            <p:nvPr/>
-          </p:nvSpPr>
-          <p:spPr>
-            <a:xfrm>
-              <a:off x="529171" y="2022784"/>
-              <a:ext cx="4191943" cy="372930"/>
-            </a:xfrm>
-            <a:prstGeom prst="rect">
-              <a:avLst/>
-            </a:prstGeom>
-            <a:noFill/>
-            <a:ln>
-              <a:noFill/>
-            </a:ln>
-          </p:spPr>
-          <p:txBody>
-            <a:bodyPr spcFirstLastPara="1" wrap="square" lIns="159950" tIns="0" rIns="159950" bIns="0" anchor="ctr" anchorCtr="0">
-              <a:noAutofit/>
-            </a:bodyPr>
-            <a:lstStyle/>
-            <a:p>
-              <a:pPr marL="0" marR="0" lvl="0" indent="0" algn="l" rtl="0">
-                <a:lnSpc>
-                  <a:spcPct val="90000"/>
-                </a:lnSpc>
-                <a:spcBef>
-                  <a:spcPts val="0"/>
-                </a:spcBef>
-                <a:spcAft>
-                  <a:spcPts val="0"/>
-                </a:spcAft>
-                <a:buClr>
-                  <a:schemeClr val="lt1"/>
-                </a:buClr>
-                <a:buSzPts val="1400"/>
-                <a:buFont typeface="Century Gothic"/>
-                <a:buNone/>
-              </a:pPr>
-              <a:r>
-                <a:rPr lang="en-US" sz="1400" b="1" dirty="0">
-                  <a:solidFill>
-                    <a:schemeClr val="lt1"/>
-                  </a:solidFill>
-                  <a:latin typeface="Century Gothic"/>
-                  <a:ea typeface="Arial"/>
-                  <a:cs typeface="Arial"/>
-                  <a:sym typeface="Century Gothic"/>
-                </a:rPr>
-                <a:t>Categorical Group Reduction</a:t>
-              </a:r>
-              <a:endParaRPr sz="1400" b="1" i="0" u="none" strike="noStrike" cap="none" dirty="0">
-                <a:solidFill>
-                  <a:srgbClr val="000000"/>
-                </a:solidFill>
-                <a:latin typeface="Arial"/>
-                <a:ea typeface="Arial"/>
-                <a:cs typeface="Arial"/>
-                <a:sym typeface="Arial"/>
-              </a:endParaRPr>
-            </a:p>
-          </p:txBody>
-        </p:sp>
-      </p:grpSp>
+              </a:rPr>
+              <a:t>100,192 records and 79 columns</a:t>
+            </a:r>
+            <a:endParaRPr lang="en-US" dirty="0">
+              <a:latin typeface="Copperplate Gothic Light" panose="020E0507020206020404" pitchFamily="34" charset="0"/>
+              <a:ea typeface="+mj-ea"/>
+              <a:cs typeface="+mj-cs"/>
+              <a:sym typeface="Arial"/>
+            </a:endParaRPr>
+          </a:p>
+          <a:p>
+            <a:pPr marL="742950" lvl="1" indent="-285750">
+              <a:spcBef>
+                <a:spcPts val="1000"/>
+              </a:spcBef>
+              <a:buClr>
+                <a:schemeClr val="bg2">
+                  <a:lumMod val="40000"/>
+                  <a:lumOff val="60000"/>
+                </a:schemeClr>
+              </a:buClr>
+              <a:buSzPct val="80000"/>
+              <a:buFont typeface="Wingdings 3" charset="2"/>
+              <a:buChar char=""/>
+            </a:pPr>
+            <a:r>
+              <a:rPr lang="en-US" dirty="0">
+                <a:latin typeface="Copperplate Gothic Light" panose="020E0507020206020404" pitchFamily="34" charset="0"/>
+                <a:ea typeface="+mj-ea"/>
+                <a:cs typeface="+mj-cs"/>
+                <a:sym typeface="Century Gothic"/>
+              </a:rPr>
+              <a:t>No Price – Calculated using three columns</a:t>
+            </a:r>
+            <a:endParaRPr lang="en-US" dirty="0">
+              <a:latin typeface="Copperplate Gothic Light" panose="020E0507020206020404" pitchFamily="34" charset="0"/>
+              <a:ea typeface="+mj-ea"/>
+              <a:cs typeface="+mj-cs"/>
+              <a:sym typeface="Arial"/>
+            </a:endParaRPr>
+          </a:p>
+          <a:p>
+            <a:pPr marL="285750" lvl="1" indent="-285750">
+              <a:spcBef>
+                <a:spcPts val="1000"/>
+              </a:spcBef>
+              <a:buClr>
+                <a:schemeClr val="bg2">
+                  <a:lumMod val="40000"/>
+                  <a:lumOff val="60000"/>
+                </a:schemeClr>
+              </a:buClr>
+              <a:buSzPct val="80000"/>
+              <a:buFont typeface="Wingdings 3" charset="2"/>
+              <a:buChar char=""/>
+            </a:pPr>
+            <a:r>
+              <a:rPr lang="en-US" dirty="0">
+                <a:latin typeface="Copperplate Gothic Light" panose="020E0507020206020404" pitchFamily="34" charset="0"/>
+                <a:ea typeface="+mj-ea"/>
+                <a:cs typeface="+mj-cs"/>
+                <a:sym typeface="Century Gothic"/>
+              </a:rPr>
+              <a:t>Removed columns with 50%+ null values</a:t>
+            </a:r>
+            <a:endParaRPr lang="en-US" dirty="0">
+              <a:latin typeface="Copperplate Gothic Light" panose="020E0507020206020404" pitchFamily="34" charset="0"/>
+              <a:ea typeface="+mj-ea"/>
+              <a:cs typeface="+mj-cs"/>
+              <a:sym typeface="Arial"/>
+            </a:endParaRPr>
+          </a:p>
+          <a:p>
+            <a:pPr marL="285750" lvl="1" indent="-285750">
+              <a:spcBef>
+                <a:spcPts val="1000"/>
+              </a:spcBef>
+              <a:buClr>
+                <a:schemeClr val="bg2">
+                  <a:lumMod val="40000"/>
+                  <a:lumOff val="60000"/>
+                </a:schemeClr>
+              </a:buClr>
+              <a:buSzPct val="80000"/>
+              <a:buFont typeface="Wingdings 3" charset="2"/>
+              <a:buChar char=""/>
+            </a:pPr>
+            <a:r>
+              <a:rPr lang="en-US" dirty="0">
+                <a:latin typeface="Copperplate Gothic Light" panose="020E0507020206020404" pitchFamily="34" charset="0"/>
+                <a:ea typeface="+mj-ea"/>
+                <a:cs typeface="+mj-cs"/>
+                <a:sym typeface="Century Gothic"/>
+              </a:rPr>
+              <a:t>Replace categorical nulls with Unknown </a:t>
+            </a:r>
+            <a:endParaRPr lang="en-US" dirty="0">
+              <a:latin typeface="Copperplate Gothic Light" panose="020E0507020206020404" pitchFamily="34" charset="0"/>
+              <a:ea typeface="+mj-ea"/>
+              <a:cs typeface="+mj-cs"/>
+              <a:sym typeface="Arial"/>
+            </a:endParaRPr>
+          </a:p>
+          <a:p>
+            <a:pPr marL="285750" lvl="1" indent="-285750">
+              <a:spcBef>
+                <a:spcPts val="1000"/>
+              </a:spcBef>
+              <a:buClr>
+                <a:schemeClr val="bg2">
+                  <a:lumMod val="40000"/>
+                  <a:lumOff val="60000"/>
+                </a:schemeClr>
+              </a:buClr>
+              <a:buSzPct val="80000"/>
+              <a:buFont typeface="Wingdings 3" charset="2"/>
+              <a:buChar char=""/>
+            </a:pPr>
+            <a:r>
+              <a:rPr lang="en-US" dirty="0">
+                <a:latin typeface="Copperplate Gothic Light" panose="020E0507020206020404" pitchFamily="34" charset="0"/>
+                <a:ea typeface="+mj-ea"/>
+                <a:cs typeface="+mj-cs"/>
+                <a:sym typeface="Century Gothic"/>
+              </a:rPr>
+              <a:t>Converted to appropriate data types</a:t>
+            </a:r>
+          </a:p>
+          <a:p>
+            <a:pPr marL="285750" lvl="1" indent="-285750">
+              <a:spcBef>
+                <a:spcPts val="1000"/>
+              </a:spcBef>
+              <a:buClr>
+                <a:schemeClr val="bg2">
+                  <a:lumMod val="40000"/>
+                  <a:lumOff val="60000"/>
+                </a:schemeClr>
+              </a:buClr>
+              <a:buSzPct val="80000"/>
+              <a:buFont typeface="Wingdings 3" charset="2"/>
+              <a:buChar char=""/>
+            </a:pPr>
+            <a:r>
+              <a:rPr lang="en-US" dirty="0">
+                <a:latin typeface="Copperplate Gothic Light" panose="020E0507020206020404" pitchFamily="34" charset="0"/>
+                <a:ea typeface="+mj-ea"/>
+                <a:cs typeface="+mj-cs"/>
+                <a:sym typeface="Century Gothic"/>
+              </a:rPr>
+              <a:t>Dropped columns no relevant information</a:t>
+            </a:r>
+          </a:p>
+          <a:p>
+            <a:pPr marL="285750" lvl="1" indent="-285750">
+              <a:spcBef>
+                <a:spcPts val="1000"/>
+              </a:spcBef>
+              <a:buClr>
+                <a:schemeClr val="bg2">
+                  <a:lumMod val="40000"/>
+                  <a:lumOff val="60000"/>
+                </a:schemeClr>
+              </a:buClr>
+              <a:buSzPct val="80000"/>
+              <a:buFont typeface="Wingdings 3" charset="2"/>
+              <a:buChar char=""/>
+            </a:pPr>
+            <a:r>
+              <a:rPr lang="en-US" dirty="0">
+                <a:latin typeface="Copperplate Gothic Light" panose="020E0507020206020404" pitchFamily="34" charset="0"/>
+                <a:ea typeface="+mj-ea"/>
+                <a:cs typeface="+mj-cs"/>
+                <a:sym typeface="Century Gothic"/>
+              </a:rPr>
+              <a:t>Dropped columns with identical information as other columns.</a:t>
+            </a:r>
+          </a:p>
+          <a:p>
+            <a:pPr marL="285750" lvl="1" indent="-285750">
+              <a:spcBef>
+                <a:spcPts val="1000"/>
+              </a:spcBef>
+              <a:buClr>
+                <a:schemeClr val="bg2">
+                  <a:lumMod val="40000"/>
+                  <a:lumOff val="60000"/>
+                </a:schemeClr>
+              </a:buClr>
+              <a:buSzPct val="80000"/>
+              <a:buFont typeface="Wingdings 3" charset="2"/>
+              <a:buChar char=""/>
+            </a:pPr>
+            <a:r>
+              <a:rPr lang="en-US" dirty="0">
+                <a:latin typeface="Copperplate Gothic Light" panose="020E0507020206020404" pitchFamily="34" charset="0"/>
+                <a:ea typeface="+mj-ea"/>
+                <a:cs typeface="+mj-cs"/>
+                <a:sym typeface="Century Gothic"/>
+              </a:rPr>
+              <a:t>Pre-EDA Data Set:</a:t>
+            </a:r>
+          </a:p>
+          <a:p>
+            <a:pPr marL="742950" lvl="2" indent="-285750">
+              <a:spcBef>
+                <a:spcPts val="1000"/>
+              </a:spcBef>
+              <a:buClr>
+                <a:schemeClr val="bg2">
+                  <a:lumMod val="40000"/>
+                  <a:lumOff val="60000"/>
+                </a:schemeClr>
+              </a:buClr>
+              <a:buSzPct val="80000"/>
+              <a:buFont typeface="Wingdings 3" charset="2"/>
+              <a:buChar char=""/>
+            </a:pPr>
+            <a:r>
+              <a:rPr lang="en-US" dirty="0">
+                <a:latin typeface="Copperplate Gothic Light" panose="020E0507020206020404" pitchFamily="34" charset="0"/>
+                <a:ea typeface="+mj-ea"/>
+                <a:cs typeface="+mj-cs"/>
+                <a:sym typeface="Century Gothic"/>
+              </a:rPr>
+              <a:t>99,600 records and 49 columns</a:t>
+            </a:r>
+          </a:p>
+          <a:p>
+            <a:pPr>
+              <a:spcBef>
+                <a:spcPts val="1000"/>
+              </a:spcBef>
+              <a:buClr>
+                <a:schemeClr val="bg2">
+                  <a:lumMod val="40000"/>
+                  <a:lumOff val="60000"/>
+                </a:schemeClr>
+              </a:buClr>
+              <a:buSzPct val="80000"/>
+              <a:buFont typeface="Wingdings 3" charset="2"/>
+              <a:buChar char=""/>
+            </a:pPr>
+            <a:endParaRPr lang="en-US" dirty="0">
+              <a:latin typeface="+mj-lt"/>
+              <a:ea typeface="+mj-ea"/>
+              <a:cs typeface="+mj-cs"/>
+            </a:endParaRPr>
+          </a:p>
+        </p:txBody>
+      </p:sp>
     </p:spTree>
     <p:extLst>
       <p:ext uri="{BB962C8B-B14F-4D97-AF65-F5344CB8AC3E}">

--- a/presentation/Booksville Presentation.pptx
+++ b/presentation/Booksville Presentation.pptx
@@ -131,7 +131,7 @@
 </file>
 
 <file path=ppt/diagrams/colors1.xml><?xml version="1.0" encoding="utf-8"?>
-<dgm:colorsDef xmlns:dgm="http://schemas.openxmlformats.org/drawingml/2006/diagram" xmlns:a="http://schemas.openxmlformats.org/drawingml/2006/main" uniqueId="urn:microsoft.com/office/officeart/2005/8/colors/colorful1">
+<dgm:colorsDef xmlns:dgm="http://schemas.openxmlformats.org/drawingml/2006/diagram" xmlns:a="http://schemas.openxmlformats.org/drawingml/2006/main" uniqueId="urn:microsoft.com/office/officeart/2018/5/colors/Iconchunking_neutralbg_colorful1">
   <dgm:title val=""/>
   <dgm:desc val=""/>
   <dgm:catLst>
@@ -158,7 +158,9 @@
       <a:schemeClr val="accent6"/>
     </dgm:fillClrLst>
     <dgm:linClrLst meth="repeat">
-      <a:schemeClr val="lt1"/>
+      <a:schemeClr val="lt1">
+        <a:alpha val="0"/>
+      </a:schemeClr>
     </dgm:linClrLst>
     <dgm:effectClrLst/>
     <dgm:txLinClrLst/>
@@ -965,8 +967,8 @@
   </dgm:styleLbl>
   <dgm:styleLbl name="bgShp">
     <dgm:fillClrLst meth="repeat">
-      <a:schemeClr val="accent2">
-        <a:tint val="40000"/>
+      <a:schemeClr val="bg1">
+        <a:lumMod val="95000"/>
       </a:schemeClr>
     </dgm:fillClrLst>
     <dgm:linClrLst meth="repeat">
@@ -2888,6 +2890,925 @@
 </file>
 
 <file path=ppt/diagrams/colors4.xml><?xml version="1.0" encoding="utf-8"?>
+<dgm:colorsDef xmlns:dgm="http://schemas.openxmlformats.org/drawingml/2006/diagram" xmlns:a="http://schemas.openxmlformats.org/drawingml/2006/main" uniqueId="urn:microsoft.com/office/officeart/2005/8/colors/colorful1">
+  <dgm:title val=""/>
+  <dgm:desc val=""/>
+  <dgm:catLst>
+    <dgm:cat type="colorful" pri="10100"/>
+  </dgm:catLst>
+  <dgm:styleLbl name="node0">
+    <dgm:fillClrLst meth="repeat">
+      <a:schemeClr val="accent1"/>
+    </dgm:fillClrLst>
+    <dgm:linClrLst meth="repeat">
+      <a:schemeClr val="lt1"/>
+    </dgm:linClrLst>
+    <dgm:effectClrLst/>
+    <dgm:txLinClrLst/>
+    <dgm:txFillClrLst/>
+    <dgm:txEffectClrLst/>
+  </dgm:styleLbl>
+  <dgm:styleLbl name="node1">
+    <dgm:fillClrLst meth="repeat">
+      <a:schemeClr val="accent2"/>
+      <a:schemeClr val="accent3"/>
+      <a:schemeClr val="accent4"/>
+      <a:schemeClr val="accent5"/>
+      <a:schemeClr val="accent6"/>
+    </dgm:fillClrLst>
+    <dgm:linClrLst meth="repeat">
+      <a:schemeClr val="lt1"/>
+    </dgm:linClrLst>
+    <dgm:effectClrLst/>
+    <dgm:txLinClrLst/>
+    <dgm:txFillClrLst/>
+    <dgm:txEffectClrLst/>
+  </dgm:styleLbl>
+  <dgm:styleLbl name="alignNode1">
+    <dgm:fillClrLst meth="repeat">
+      <a:schemeClr val="accent2"/>
+      <a:schemeClr val="accent3"/>
+      <a:schemeClr val="accent4"/>
+      <a:schemeClr val="accent5"/>
+      <a:schemeClr val="accent6"/>
+    </dgm:fillClrLst>
+    <dgm:linClrLst meth="repeat">
+      <a:schemeClr val="accent2"/>
+      <a:schemeClr val="accent3"/>
+      <a:schemeClr val="accent4"/>
+      <a:schemeClr val="accent5"/>
+      <a:schemeClr val="accent6"/>
+    </dgm:linClrLst>
+    <dgm:effectClrLst/>
+    <dgm:txLinClrLst/>
+    <dgm:txFillClrLst/>
+    <dgm:txEffectClrLst/>
+  </dgm:styleLbl>
+  <dgm:styleLbl name="lnNode1">
+    <dgm:fillClrLst meth="repeat">
+      <a:schemeClr val="accent2"/>
+      <a:schemeClr val="accent3"/>
+      <a:schemeClr val="accent4"/>
+      <a:schemeClr val="accent5"/>
+      <a:schemeClr val="accent6"/>
+    </dgm:fillClrLst>
+    <dgm:linClrLst meth="repeat">
+      <a:schemeClr val="lt1"/>
+    </dgm:linClrLst>
+    <dgm:effectClrLst/>
+    <dgm:txLinClrLst/>
+    <dgm:txFillClrLst/>
+    <dgm:txEffectClrLst/>
+  </dgm:styleLbl>
+  <dgm:styleLbl name="vennNode1">
+    <dgm:fillClrLst meth="repeat">
+      <a:schemeClr val="accent2">
+        <a:alpha val="50000"/>
+      </a:schemeClr>
+      <a:schemeClr val="accent3">
+        <a:alpha val="50000"/>
+      </a:schemeClr>
+      <a:schemeClr val="accent4">
+        <a:alpha val="50000"/>
+      </a:schemeClr>
+      <a:schemeClr val="accent5">
+        <a:alpha val="50000"/>
+      </a:schemeClr>
+      <a:schemeClr val="accent6">
+        <a:alpha val="50000"/>
+      </a:schemeClr>
+    </dgm:fillClrLst>
+    <dgm:linClrLst meth="repeat">
+      <a:schemeClr val="lt1"/>
+    </dgm:linClrLst>
+    <dgm:effectClrLst/>
+    <dgm:txLinClrLst/>
+    <dgm:txFillClrLst/>
+    <dgm:txEffectClrLst/>
+  </dgm:styleLbl>
+  <dgm:styleLbl name="node2">
+    <dgm:fillClrLst>
+      <a:schemeClr val="accent2"/>
+    </dgm:fillClrLst>
+    <dgm:linClrLst meth="repeat">
+      <a:schemeClr val="lt1"/>
+    </dgm:linClrLst>
+    <dgm:effectClrLst/>
+    <dgm:txLinClrLst/>
+    <dgm:txFillClrLst/>
+    <dgm:txEffectClrLst/>
+  </dgm:styleLbl>
+  <dgm:styleLbl name="node3">
+    <dgm:fillClrLst>
+      <a:schemeClr val="accent3"/>
+    </dgm:fillClrLst>
+    <dgm:linClrLst meth="repeat">
+      <a:schemeClr val="lt1"/>
+    </dgm:linClrLst>
+    <dgm:effectClrLst/>
+    <dgm:txLinClrLst/>
+    <dgm:txFillClrLst/>
+    <dgm:txEffectClrLst/>
+  </dgm:styleLbl>
+  <dgm:styleLbl name="node4">
+    <dgm:fillClrLst>
+      <a:schemeClr val="accent4"/>
+    </dgm:fillClrLst>
+    <dgm:linClrLst meth="repeat">
+      <a:schemeClr val="lt1"/>
+    </dgm:linClrLst>
+    <dgm:effectClrLst/>
+    <dgm:txLinClrLst/>
+    <dgm:txFillClrLst/>
+    <dgm:txEffectClrLst/>
+  </dgm:styleLbl>
+  <dgm:styleLbl name="fgImgPlace1">
+    <dgm:fillClrLst meth="repeat">
+      <a:schemeClr val="accent2">
+        <a:tint val="50000"/>
+      </a:schemeClr>
+      <a:schemeClr val="accent3">
+        <a:tint val="50000"/>
+      </a:schemeClr>
+      <a:schemeClr val="accent4">
+        <a:tint val="50000"/>
+      </a:schemeClr>
+      <a:schemeClr val="accent5">
+        <a:tint val="50000"/>
+      </a:schemeClr>
+      <a:schemeClr val="accent6">
+        <a:tint val="50000"/>
+      </a:schemeClr>
+    </dgm:fillClrLst>
+    <dgm:linClrLst meth="repeat">
+      <a:schemeClr val="lt1"/>
+    </dgm:linClrLst>
+    <dgm:effectClrLst/>
+    <dgm:txLinClrLst/>
+    <dgm:txFillClrLst meth="repeat">
+      <a:schemeClr val="lt1"/>
+    </dgm:txFillClrLst>
+    <dgm:txEffectClrLst/>
+  </dgm:styleLbl>
+  <dgm:styleLbl name="alignImgPlace1">
+    <dgm:fillClrLst>
+      <a:schemeClr val="accent1">
+        <a:tint val="50000"/>
+      </a:schemeClr>
+      <a:schemeClr val="accent2">
+        <a:tint val="20000"/>
+      </a:schemeClr>
+    </dgm:fillClrLst>
+    <dgm:linClrLst meth="repeat">
+      <a:schemeClr val="lt1"/>
+    </dgm:linClrLst>
+    <dgm:effectClrLst/>
+    <dgm:txLinClrLst/>
+    <dgm:txFillClrLst meth="repeat">
+      <a:schemeClr val="lt1"/>
+    </dgm:txFillClrLst>
+    <dgm:txEffectClrLst/>
+  </dgm:styleLbl>
+  <dgm:styleLbl name="bgImgPlace1">
+    <dgm:fillClrLst>
+      <a:schemeClr val="accent1">
+        <a:tint val="50000"/>
+      </a:schemeClr>
+      <a:schemeClr val="accent2">
+        <a:tint val="20000"/>
+      </a:schemeClr>
+    </dgm:fillClrLst>
+    <dgm:linClrLst meth="repeat">
+      <a:schemeClr val="lt1"/>
+    </dgm:linClrLst>
+    <dgm:effectClrLst/>
+    <dgm:txLinClrLst/>
+    <dgm:txFillClrLst meth="repeat">
+      <a:schemeClr val="lt1"/>
+    </dgm:txFillClrLst>
+    <dgm:txEffectClrLst/>
+  </dgm:styleLbl>
+  <dgm:styleLbl name="sibTrans2D1">
+    <dgm:fillClrLst meth="repeat">
+      <a:schemeClr val="accent2"/>
+      <a:schemeClr val="accent3"/>
+      <a:schemeClr val="accent4"/>
+      <a:schemeClr val="accent5"/>
+      <a:schemeClr val="accent6"/>
+    </dgm:fillClrLst>
+    <dgm:linClrLst meth="cycle">
+      <a:schemeClr val="lt1"/>
+    </dgm:linClrLst>
+    <dgm:effectClrLst/>
+    <dgm:txLinClrLst/>
+    <dgm:txFillClrLst/>
+    <dgm:txEffectClrLst/>
+  </dgm:styleLbl>
+  <dgm:styleLbl name="fgSibTrans2D1">
+    <dgm:fillClrLst meth="repeat">
+      <a:schemeClr val="accent2"/>
+      <a:schemeClr val="accent3"/>
+      <a:schemeClr val="accent4"/>
+      <a:schemeClr val="accent5"/>
+      <a:schemeClr val="accent6"/>
+    </dgm:fillClrLst>
+    <dgm:linClrLst meth="cycle">
+      <a:schemeClr val="lt1"/>
+    </dgm:linClrLst>
+    <dgm:effectClrLst/>
+    <dgm:txLinClrLst/>
+    <dgm:txFillClrLst meth="repeat">
+      <a:schemeClr val="lt1"/>
+    </dgm:txFillClrLst>
+    <dgm:txEffectClrLst/>
+  </dgm:styleLbl>
+  <dgm:styleLbl name="bgSibTrans2D1">
+    <dgm:fillClrLst meth="repeat">
+      <a:schemeClr val="accent2"/>
+      <a:schemeClr val="accent3"/>
+      <a:schemeClr val="accent4"/>
+      <a:schemeClr val="accent5"/>
+      <a:schemeClr val="accent6"/>
+    </dgm:fillClrLst>
+    <dgm:linClrLst meth="cycle">
+      <a:schemeClr val="lt1"/>
+    </dgm:linClrLst>
+    <dgm:effectClrLst/>
+    <dgm:txLinClrLst/>
+    <dgm:txFillClrLst meth="repeat">
+      <a:schemeClr val="lt1"/>
+    </dgm:txFillClrLst>
+    <dgm:txEffectClrLst/>
+  </dgm:styleLbl>
+  <dgm:styleLbl name="sibTrans1D1">
+    <dgm:fillClrLst meth="repeat">
+      <a:schemeClr val="accent2"/>
+      <a:schemeClr val="accent3"/>
+      <a:schemeClr val="accent4"/>
+      <a:schemeClr val="accent5"/>
+      <a:schemeClr val="accent6"/>
+    </dgm:fillClrLst>
+    <dgm:linClrLst meth="repeat">
+      <a:schemeClr val="accent2"/>
+      <a:schemeClr val="accent3"/>
+      <a:schemeClr val="accent4"/>
+      <a:schemeClr val="accent5"/>
+      <a:schemeClr val="accent6"/>
+    </dgm:linClrLst>
+    <dgm:effectClrLst/>
+    <dgm:txLinClrLst/>
+    <dgm:txFillClrLst meth="repeat">
+      <a:schemeClr val="tx1"/>
+    </dgm:txFillClrLst>
+    <dgm:txEffectClrLst/>
+  </dgm:styleLbl>
+  <dgm:styleLbl name="callout">
+    <dgm:fillClrLst meth="repeat">
+      <a:schemeClr val="accent2"/>
+    </dgm:fillClrLst>
+    <dgm:linClrLst meth="repeat">
+      <a:schemeClr val="accent2">
+        <a:tint val="50000"/>
+      </a:schemeClr>
+    </dgm:linClrLst>
+    <dgm:effectClrLst/>
+    <dgm:txLinClrLst/>
+    <dgm:txFillClrLst meth="repeat">
+      <a:schemeClr val="tx1"/>
+    </dgm:txFillClrLst>
+    <dgm:txEffectClrLst/>
+  </dgm:styleLbl>
+  <dgm:styleLbl name="asst0">
+    <dgm:fillClrLst meth="repeat">
+      <a:schemeClr val="accent1"/>
+    </dgm:fillClrLst>
+    <dgm:linClrLst meth="repeat">
+      <a:schemeClr val="lt1"/>
+    </dgm:linClrLst>
+    <dgm:effectClrLst/>
+    <dgm:txLinClrLst/>
+    <dgm:txFillClrLst/>
+    <dgm:txEffectClrLst/>
+  </dgm:styleLbl>
+  <dgm:styleLbl name="asst1">
+    <dgm:fillClrLst meth="repeat">
+      <a:schemeClr val="accent2"/>
+    </dgm:fillClrLst>
+    <dgm:linClrLst meth="repeat">
+      <a:schemeClr val="lt1"/>
+    </dgm:linClrLst>
+    <dgm:effectClrLst/>
+    <dgm:txLinClrLst/>
+    <dgm:txFillClrLst/>
+    <dgm:txEffectClrLst/>
+  </dgm:styleLbl>
+  <dgm:styleLbl name="asst2">
+    <dgm:fillClrLst>
+      <a:schemeClr val="accent3"/>
+    </dgm:fillClrLst>
+    <dgm:linClrLst meth="repeat">
+      <a:schemeClr val="lt1"/>
+    </dgm:linClrLst>
+    <dgm:effectClrLst/>
+    <dgm:txLinClrLst/>
+    <dgm:txFillClrLst/>
+    <dgm:txEffectClrLst/>
+  </dgm:styleLbl>
+  <dgm:styleLbl name="asst3">
+    <dgm:fillClrLst>
+      <a:schemeClr val="accent4"/>
+    </dgm:fillClrLst>
+    <dgm:linClrLst meth="repeat">
+      <a:schemeClr val="lt1"/>
+    </dgm:linClrLst>
+    <dgm:effectClrLst/>
+    <dgm:txLinClrLst/>
+    <dgm:txFillClrLst/>
+    <dgm:txEffectClrLst/>
+  </dgm:styleLbl>
+  <dgm:styleLbl name="asst4">
+    <dgm:fillClrLst>
+      <a:schemeClr val="accent5"/>
+    </dgm:fillClrLst>
+    <dgm:linClrLst meth="repeat">
+      <a:schemeClr val="lt1"/>
+    </dgm:linClrLst>
+    <dgm:effectClrLst/>
+    <dgm:txLinClrLst/>
+    <dgm:txFillClrLst/>
+    <dgm:txEffectClrLst/>
+  </dgm:styleLbl>
+  <dgm:styleLbl name="parChTrans2D1">
+    <dgm:fillClrLst meth="repeat">
+      <a:schemeClr val="accent2"/>
+    </dgm:fillClrLst>
+    <dgm:linClrLst meth="repeat">
+      <a:schemeClr val="lt1"/>
+    </dgm:linClrLst>
+    <dgm:effectClrLst/>
+    <dgm:txLinClrLst/>
+    <dgm:txFillClrLst meth="repeat">
+      <a:schemeClr val="lt1"/>
+    </dgm:txFillClrLst>
+    <dgm:txEffectClrLst/>
+  </dgm:styleLbl>
+  <dgm:styleLbl name="parChTrans2D2">
+    <dgm:fillClrLst meth="repeat">
+      <a:schemeClr val="accent3"/>
+    </dgm:fillClrLst>
+    <dgm:linClrLst meth="repeat">
+      <a:schemeClr val="lt1"/>
+    </dgm:linClrLst>
+    <dgm:effectClrLst/>
+    <dgm:txLinClrLst/>
+    <dgm:txFillClrLst/>
+    <dgm:txEffectClrLst/>
+  </dgm:styleLbl>
+  <dgm:styleLbl name="parChTrans2D3">
+    <dgm:fillClrLst meth="repeat">
+      <a:schemeClr val="accent4"/>
+    </dgm:fillClrLst>
+    <dgm:linClrLst meth="repeat">
+      <a:schemeClr val="lt1"/>
+    </dgm:linClrLst>
+    <dgm:effectClrLst/>
+    <dgm:txLinClrLst/>
+    <dgm:txFillClrLst/>
+    <dgm:txEffectClrLst/>
+  </dgm:styleLbl>
+  <dgm:styleLbl name="parChTrans2D4">
+    <dgm:fillClrLst meth="repeat">
+      <a:schemeClr val="accent5"/>
+    </dgm:fillClrLst>
+    <dgm:linClrLst meth="repeat">
+      <a:schemeClr val="lt1"/>
+    </dgm:linClrLst>
+    <dgm:effectClrLst/>
+    <dgm:txLinClrLst/>
+    <dgm:txFillClrLst meth="repeat">
+      <a:schemeClr val="lt1"/>
+    </dgm:txFillClrLst>
+    <dgm:txEffectClrLst/>
+  </dgm:styleLbl>
+  <dgm:styleLbl name="parChTrans1D1">
+    <dgm:fillClrLst meth="repeat">
+      <a:schemeClr val="accent2"/>
+    </dgm:fillClrLst>
+    <dgm:linClrLst meth="repeat">
+      <a:schemeClr val="accent1"/>
+    </dgm:linClrLst>
+    <dgm:effectClrLst/>
+    <dgm:txLinClrLst/>
+    <dgm:txFillClrLst meth="repeat">
+      <a:schemeClr val="tx1"/>
+    </dgm:txFillClrLst>
+    <dgm:txEffectClrLst/>
+  </dgm:styleLbl>
+  <dgm:styleLbl name="parChTrans1D2">
+    <dgm:fillClrLst meth="repeat">
+      <a:schemeClr val="accent3">
+        <a:tint val="90000"/>
+      </a:schemeClr>
+    </dgm:fillClrLst>
+    <dgm:linClrLst meth="repeat">
+      <a:schemeClr val="accent2"/>
+    </dgm:linClrLst>
+    <dgm:effectClrLst/>
+    <dgm:txLinClrLst/>
+    <dgm:txFillClrLst meth="repeat">
+      <a:schemeClr val="tx1"/>
+    </dgm:txFillClrLst>
+    <dgm:txEffectClrLst/>
+  </dgm:styleLbl>
+  <dgm:styleLbl name="parChTrans1D3">
+    <dgm:fillClrLst meth="repeat">
+      <a:schemeClr val="accent4">
+        <a:tint val="70000"/>
+      </a:schemeClr>
+    </dgm:fillClrLst>
+    <dgm:linClrLst meth="repeat">
+      <a:schemeClr val="accent3"/>
+    </dgm:linClrLst>
+    <dgm:effectClrLst/>
+    <dgm:txLinClrLst/>
+    <dgm:txFillClrLst meth="repeat">
+      <a:schemeClr val="tx1"/>
+    </dgm:txFillClrLst>
+    <dgm:txEffectClrLst/>
+  </dgm:styleLbl>
+  <dgm:styleLbl name="parChTrans1D4">
+    <dgm:fillClrLst meth="repeat">
+      <a:schemeClr val="accent5">
+        <a:tint val="50000"/>
+      </a:schemeClr>
+    </dgm:fillClrLst>
+    <dgm:linClrLst meth="repeat">
+      <a:schemeClr val="accent4"/>
+    </dgm:linClrLst>
+    <dgm:effectClrLst/>
+    <dgm:txLinClrLst/>
+    <dgm:txFillClrLst meth="repeat">
+      <a:schemeClr val="tx1"/>
+    </dgm:txFillClrLst>
+    <dgm:txEffectClrLst/>
+  </dgm:styleLbl>
+  <dgm:styleLbl name="fgAcc1">
+    <dgm:fillClrLst meth="repeat">
+      <a:schemeClr val="lt1">
+        <a:alpha val="90000"/>
+      </a:schemeClr>
+    </dgm:fillClrLst>
+    <dgm:linClrLst meth="repeat">
+      <a:schemeClr val="accent2"/>
+      <a:schemeClr val="accent3"/>
+      <a:schemeClr val="accent4"/>
+      <a:schemeClr val="accent5"/>
+      <a:schemeClr val="accent6"/>
+    </dgm:linClrLst>
+    <dgm:effectClrLst/>
+    <dgm:txLinClrLst/>
+    <dgm:txFillClrLst meth="repeat">
+      <a:schemeClr val="dk1"/>
+    </dgm:txFillClrLst>
+    <dgm:txEffectClrLst/>
+  </dgm:styleLbl>
+  <dgm:styleLbl name="conFgAcc1">
+    <dgm:fillClrLst meth="repeat">
+      <a:schemeClr val="lt1">
+        <a:alpha val="90000"/>
+      </a:schemeClr>
+    </dgm:fillClrLst>
+    <dgm:linClrLst meth="repeat">
+      <a:schemeClr val="accent2"/>
+      <a:schemeClr val="accent3"/>
+      <a:schemeClr val="accent4"/>
+      <a:schemeClr val="accent5"/>
+      <a:schemeClr val="accent6"/>
+    </dgm:linClrLst>
+    <dgm:effectClrLst/>
+    <dgm:txLinClrLst/>
+    <dgm:txFillClrLst meth="repeat">
+      <a:schemeClr val="dk1"/>
+    </dgm:txFillClrLst>
+    <dgm:txEffectClrLst/>
+  </dgm:styleLbl>
+  <dgm:styleLbl name="alignAcc1">
+    <dgm:fillClrLst meth="repeat">
+      <a:schemeClr val="lt1">
+        <a:alpha val="90000"/>
+      </a:schemeClr>
+    </dgm:fillClrLst>
+    <dgm:linClrLst meth="repeat">
+      <a:schemeClr val="accent2"/>
+      <a:schemeClr val="accent3"/>
+      <a:schemeClr val="accent4"/>
+      <a:schemeClr val="accent5"/>
+      <a:schemeClr val="accent6"/>
+    </dgm:linClrLst>
+    <dgm:effectClrLst/>
+    <dgm:txLinClrLst/>
+    <dgm:txFillClrLst meth="repeat">
+      <a:schemeClr val="dk1"/>
+    </dgm:txFillClrLst>
+    <dgm:txEffectClrLst/>
+  </dgm:styleLbl>
+  <dgm:styleLbl name="trAlignAcc1">
+    <dgm:fillClrLst meth="repeat">
+      <a:schemeClr val="lt1">
+        <a:alpha val="40000"/>
+      </a:schemeClr>
+    </dgm:fillClrLst>
+    <dgm:linClrLst meth="repeat">
+      <a:schemeClr val="accent1"/>
+    </dgm:linClrLst>
+    <dgm:effectClrLst/>
+    <dgm:txLinClrLst/>
+    <dgm:txFillClrLst meth="repeat">
+      <a:schemeClr val="dk1"/>
+    </dgm:txFillClrLst>
+    <dgm:txEffectClrLst/>
+  </dgm:styleLbl>
+  <dgm:styleLbl name="bgAcc1">
+    <dgm:fillClrLst meth="repeat">
+      <a:schemeClr val="lt1">
+        <a:alpha val="90000"/>
+      </a:schemeClr>
+    </dgm:fillClrLst>
+    <dgm:linClrLst meth="repeat">
+      <a:schemeClr val="accent2"/>
+      <a:schemeClr val="accent3"/>
+      <a:schemeClr val="accent4"/>
+      <a:schemeClr val="accent5"/>
+      <a:schemeClr val="accent6"/>
+    </dgm:linClrLst>
+    <dgm:effectClrLst/>
+    <dgm:txLinClrLst/>
+    <dgm:txFillClrLst meth="repeat">
+      <a:schemeClr val="dk1"/>
+    </dgm:txFillClrLst>
+    <dgm:txEffectClrLst/>
+  </dgm:styleLbl>
+  <dgm:styleLbl name="solidFgAcc1">
+    <dgm:fillClrLst meth="repeat">
+      <a:schemeClr val="lt1"/>
+    </dgm:fillClrLst>
+    <dgm:linClrLst meth="repeat">
+      <a:schemeClr val="accent2"/>
+      <a:schemeClr val="accent3"/>
+      <a:schemeClr val="accent4"/>
+      <a:schemeClr val="accent5"/>
+      <a:schemeClr val="accent6"/>
+    </dgm:linClrLst>
+    <dgm:effectClrLst/>
+    <dgm:txLinClrLst/>
+    <dgm:txFillClrLst meth="repeat">
+      <a:schemeClr val="dk1"/>
+    </dgm:txFillClrLst>
+    <dgm:txEffectClrLst/>
+  </dgm:styleLbl>
+  <dgm:styleLbl name="solidAlignAcc1">
+    <dgm:fillClrLst meth="repeat">
+      <a:schemeClr val="lt1"/>
+    </dgm:fillClrLst>
+    <dgm:linClrLst meth="repeat">
+      <a:schemeClr val="accent2"/>
+      <a:schemeClr val="accent3"/>
+      <a:schemeClr val="accent4"/>
+      <a:schemeClr val="accent5"/>
+      <a:schemeClr val="accent6"/>
+    </dgm:linClrLst>
+    <dgm:effectClrLst/>
+    <dgm:txLinClrLst/>
+    <dgm:txFillClrLst meth="repeat">
+      <a:schemeClr val="dk1"/>
+    </dgm:txFillClrLst>
+    <dgm:txEffectClrLst/>
+  </dgm:styleLbl>
+  <dgm:styleLbl name="solidBgAcc1">
+    <dgm:fillClrLst meth="repeat">
+      <a:schemeClr val="lt1"/>
+    </dgm:fillClrLst>
+    <dgm:linClrLst meth="repeat">
+      <a:schemeClr val="accent2"/>
+      <a:schemeClr val="accent3"/>
+      <a:schemeClr val="accent4"/>
+      <a:schemeClr val="accent5"/>
+      <a:schemeClr val="accent6"/>
+    </dgm:linClrLst>
+    <dgm:effectClrLst/>
+    <dgm:txLinClrLst/>
+    <dgm:txFillClrLst meth="repeat">
+      <a:schemeClr val="dk1"/>
+    </dgm:txFillClrLst>
+    <dgm:txEffectClrLst/>
+  </dgm:styleLbl>
+  <dgm:styleLbl name="fgAccFollowNode1">
+    <dgm:fillClrLst meth="repeat">
+      <a:schemeClr val="accent2">
+        <a:tint val="40000"/>
+        <a:alpha val="90000"/>
+      </a:schemeClr>
+      <a:schemeClr val="accent3">
+        <a:tint val="40000"/>
+        <a:alpha val="90000"/>
+      </a:schemeClr>
+      <a:schemeClr val="accent4">
+        <a:tint val="40000"/>
+        <a:alpha val="90000"/>
+      </a:schemeClr>
+      <a:schemeClr val="accent5">
+        <a:tint val="40000"/>
+        <a:alpha val="90000"/>
+      </a:schemeClr>
+      <a:schemeClr val="accent6">
+        <a:tint val="40000"/>
+        <a:alpha val="90000"/>
+      </a:schemeClr>
+    </dgm:fillClrLst>
+    <dgm:linClrLst meth="repeat">
+      <a:schemeClr val="accent2">
+        <a:tint val="40000"/>
+        <a:alpha val="90000"/>
+      </a:schemeClr>
+      <a:schemeClr val="accent3">
+        <a:tint val="40000"/>
+        <a:alpha val="90000"/>
+      </a:schemeClr>
+      <a:schemeClr val="accent4">
+        <a:tint val="40000"/>
+        <a:alpha val="90000"/>
+      </a:schemeClr>
+      <a:schemeClr val="accent5">
+        <a:tint val="40000"/>
+        <a:alpha val="90000"/>
+      </a:schemeClr>
+      <a:schemeClr val="accent6">
+        <a:tint val="40000"/>
+        <a:alpha val="90000"/>
+      </a:schemeClr>
+    </dgm:linClrLst>
+    <dgm:effectClrLst/>
+    <dgm:txLinClrLst/>
+    <dgm:txFillClrLst meth="repeat">
+      <a:schemeClr val="dk1"/>
+    </dgm:txFillClrLst>
+    <dgm:txEffectClrLst/>
+  </dgm:styleLbl>
+  <dgm:styleLbl name="alignAccFollowNode1">
+    <dgm:fillClrLst meth="repeat">
+      <a:schemeClr val="accent2">
+        <a:tint val="40000"/>
+        <a:alpha val="90000"/>
+      </a:schemeClr>
+      <a:schemeClr val="accent3">
+        <a:tint val="40000"/>
+        <a:alpha val="90000"/>
+      </a:schemeClr>
+      <a:schemeClr val="accent4">
+        <a:tint val="40000"/>
+        <a:alpha val="90000"/>
+      </a:schemeClr>
+      <a:schemeClr val="accent5">
+        <a:tint val="40000"/>
+        <a:alpha val="90000"/>
+      </a:schemeClr>
+      <a:schemeClr val="accent6">
+        <a:tint val="40000"/>
+        <a:alpha val="90000"/>
+      </a:schemeClr>
+    </dgm:fillClrLst>
+    <dgm:linClrLst meth="repeat">
+      <a:schemeClr val="accent2">
+        <a:tint val="40000"/>
+        <a:alpha val="90000"/>
+      </a:schemeClr>
+      <a:schemeClr val="accent3">
+        <a:tint val="40000"/>
+        <a:alpha val="90000"/>
+      </a:schemeClr>
+      <a:schemeClr val="accent4">
+        <a:tint val="40000"/>
+        <a:alpha val="90000"/>
+      </a:schemeClr>
+      <a:schemeClr val="accent5">
+        <a:tint val="40000"/>
+        <a:alpha val="90000"/>
+      </a:schemeClr>
+      <a:schemeClr val="accent6">
+        <a:tint val="40000"/>
+        <a:alpha val="90000"/>
+      </a:schemeClr>
+    </dgm:linClrLst>
+    <dgm:effectClrLst/>
+    <dgm:txLinClrLst/>
+    <dgm:txFillClrLst meth="repeat">
+      <a:schemeClr val="dk1"/>
+    </dgm:txFillClrLst>
+    <dgm:txEffectClrLst/>
+  </dgm:styleLbl>
+  <dgm:styleLbl name="bgAccFollowNode1">
+    <dgm:fillClrLst meth="repeat">
+      <a:schemeClr val="accent2">
+        <a:tint val="40000"/>
+        <a:alpha val="90000"/>
+      </a:schemeClr>
+      <a:schemeClr val="accent3">
+        <a:tint val="40000"/>
+        <a:alpha val="90000"/>
+      </a:schemeClr>
+      <a:schemeClr val="accent4">
+        <a:tint val="40000"/>
+        <a:alpha val="90000"/>
+      </a:schemeClr>
+      <a:schemeClr val="accent5">
+        <a:tint val="40000"/>
+        <a:alpha val="90000"/>
+      </a:schemeClr>
+      <a:schemeClr val="accent6">
+        <a:tint val="40000"/>
+        <a:alpha val="90000"/>
+      </a:schemeClr>
+    </dgm:fillClrLst>
+    <dgm:linClrLst meth="repeat">
+      <a:schemeClr val="accent2">
+        <a:tint val="40000"/>
+        <a:alpha val="90000"/>
+      </a:schemeClr>
+      <a:schemeClr val="accent3">
+        <a:tint val="40000"/>
+        <a:alpha val="90000"/>
+      </a:schemeClr>
+      <a:schemeClr val="accent4">
+        <a:tint val="40000"/>
+        <a:alpha val="90000"/>
+      </a:schemeClr>
+      <a:schemeClr val="accent5">
+        <a:tint val="40000"/>
+        <a:alpha val="90000"/>
+      </a:schemeClr>
+      <a:schemeClr val="accent6">
+        <a:tint val="40000"/>
+        <a:alpha val="90000"/>
+      </a:schemeClr>
+    </dgm:linClrLst>
+    <dgm:effectClrLst/>
+    <dgm:txLinClrLst/>
+    <dgm:txFillClrLst meth="repeat">
+      <a:schemeClr val="dk1"/>
+    </dgm:txFillClrLst>
+    <dgm:txEffectClrLst/>
+  </dgm:styleLbl>
+  <dgm:styleLbl name="fgAcc0">
+    <dgm:fillClrLst meth="repeat">
+      <a:schemeClr val="lt1">
+        <a:alpha val="90000"/>
+      </a:schemeClr>
+    </dgm:fillClrLst>
+    <dgm:linClrLst>
+      <a:schemeClr val="accent1"/>
+    </dgm:linClrLst>
+    <dgm:effectClrLst/>
+    <dgm:txLinClrLst/>
+    <dgm:txFillClrLst meth="repeat">
+      <a:schemeClr val="dk1"/>
+    </dgm:txFillClrLst>
+    <dgm:txEffectClrLst/>
+  </dgm:styleLbl>
+  <dgm:styleLbl name="fgAcc2">
+    <dgm:fillClrLst meth="repeat">
+      <a:schemeClr val="lt1">
+        <a:alpha val="90000"/>
+      </a:schemeClr>
+    </dgm:fillClrLst>
+    <dgm:linClrLst>
+      <a:schemeClr val="accent2"/>
+    </dgm:linClrLst>
+    <dgm:effectClrLst/>
+    <dgm:txLinClrLst/>
+    <dgm:txFillClrLst meth="repeat">
+      <a:schemeClr val="dk1"/>
+    </dgm:txFillClrLst>
+    <dgm:txEffectClrLst/>
+  </dgm:styleLbl>
+  <dgm:styleLbl name="fgAcc3">
+    <dgm:fillClrLst meth="repeat">
+      <a:schemeClr val="lt1">
+        <a:alpha val="90000"/>
+      </a:schemeClr>
+    </dgm:fillClrLst>
+    <dgm:linClrLst>
+      <a:schemeClr val="accent3"/>
+    </dgm:linClrLst>
+    <dgm:effectClrLst/>
+    <dgm:txLinClrLst/>
+    <dgm:txFillClrLst meth="repeat">
+      <a:schemeClr val="dk1"/>
+    </dgm:txFillClrLst>
+    <dgm:txEffectClrLst/>
+  </dgm:styleLbl>
+  <dgm:styleLbl name="fgAcc4">
+    <dgm:fillClrLst meth="repeat">
+      <a:schemeClr val="lt1">
+        <a:alpha val="90000"/>
+      </a:schemeClr>
+    </dgm:fillClrLst>
+    <dgm:linClrLst>
+      <a:schemeClr val="accent4"/>
+    </dgm:linClrLst>
+    <dgm:effectClrLst/>
+    <dgm:txLinClrLst/>
+    <dgm:txFillClrLst meth="repeat">
+      <a:schemeClr val="dk1"/>
+    </dgm:txFillClrLst>
+    <dgm:txEffectClrLst/>
+  </dgm:styleLbl>
+  <dgm:styleLbl name="bgShp">
+    <dgm:fillClrLst meth="repeat">
+      <a:schemeClr val="accent2">
+        <a:tint val="40000"/>
+      </a:schemeClr>
+    </dgm:fillClrLst>
+    <dgm:linClrLst meth="repeat">
+      <a:schemeClr val="dk1"/>
+    </dgm:linClrLst>
+    <dgm:effectClrLst/>
+    <dgm:txLinClrLst/>
+    <dgm:txFillClrLst meth="repeat">
+      <a:schemeClr val="dk1"/>
+    </dgm:txFillClrLst>
+    <dgm:txEffectClrLst/>
+  </dgm:styleLbl>
+  <dgm:styleLbl name="dkBgShp">
+    <dgm:fillClrLst meth="repeat">
+      <a:schemeClr val="accent2">
+        <a:shade val="90000"/>
+      </a:schemeClr>
+    </dgm:fillClrLst>
+    <dgm:linClrLst meth="repeat">
+      <a:schemeClr val="dk1"/>
+    </dgm:linClrLst>
+    <dgm:effectClrLst/>
+    <dgm:txLinClrLst/>
+    <dgm:txFillClrLst meth="repeat">
+      <a:schemeClr val="lt1"/>
+    </dgm:txFillClrLst>
+    <dgm:txEffectClrLst/>
+  </dgm:styleLbl>
+  <dgm:styleLbl name="trBgShp">
+    <dgm:fillClrLst meth="repeat">
+      <a:schemeClr val="accent1">
+        <a:tint val="50000"/>
+        <a:alpha val="40000"/>
+      </a:schemeClr>
+    </dgm:fillClrLst>
+    <dgm:linClrLst meth="repeat">
+      <a:schemeClr val="accent2"/>
+    </dgm:linClrLst>
+    <dgm:effectClrLst/>
+    <dgm:txLinClrLst/>
+    <dgm:txFillClrLst meth="repeat">
+      <a:schemeClr val="lt1"/>
+    </dgm:txFillClrLst>
+    <dgm:txEffectClrLst/>
+  </dgm:styleLbl>
+  <dgm:styleLbl name="fgShp">
+    <dgm:fillClrLst meth="repeat">
+      <a:schemeClr val="accent2">
+        <a:tint val="40000"/>
+      </a:schemeClr>
+    </dgm:fillClrLst>
+    <dgm:linClrLst meth="repeat">
+      <a:schemeClr val="lt1"/>
+    </dgm:linClrLst>
+    <dgm:effectClrLst/>
+    <dgm:txLinClrLst/>
+    <dgm:txFillClrLst meth="repeat">
+      <a:schemeClr val="dk1"/>
+    </dgm:txFillClrLst>
+    <dgm:txEffectClrLst/>
+  </dgm:styleLbl>
+  <dgm:styleLbl name="revTx">
+    <dgm:fillClrLst meth="repeat">
+      <a:schemeClr val="lt1">
+        <a:alpha val="0"/>
+      </a:schemeClr>
+    </dgm:fillClrLst>
+    <dgm:linClrLst meth="repeat">
+      <a:schemeClr val="dk1">
+        <a:alpha val="0"/>
+      </a:schemeClr>
+    </dgm:linClrLst>
+    <dgm:effectClrLst/>
+    <dgm:txLinClrLst/>
+    <dgm:txFillClrLst meth="repeat">
+      <a:schemeClr val="tx1"/>
+    </dgm:txFillClrLst>
+    <dgm:txEffectClrLst/>
+  </dgm:styleLbl>
+</dgm:colorsDef>
+</file>
+
+<file path=ppt/diagrams/colors5.xml><?xml version="1.0" encoding="utf-8"?>
 <dgm:colorsDef xmlns:dgm="http://schemas.openxmlformats.org/drawingml/2006/diagram" xmlns:a="http://schemas.openxmlformats.org/drawingml/2006/main" uniqueId="urn:microsoft.com/office/officeart/2005/8/colors/colorful2">
   <dgm:title val=""/>
   <dgm:desc val=""/>
@@ -3670,6 +4591,815 @@
 </file>
 
 <file path=ppt/diagrams/data1.xml><?xml version="1.0" encoding="utf-8"?>
+<dgm:dataModel xmlns:dgm="http://schemas.openxmlformats.org/drawingml/2006/diagram" xmlns:a="http://schemas.openxmlformats.org/drawingml/2006/main">
+  <dgm:ptLst>
+    <dgm:pt modelId="{E45F6C5C-830A-42CF-9F02-440D73489406}" type="doc">
+      <dgm:prSet loTypeId="urn:microsoft.com/office/officeart/2018/2/layout/IconVerticalSolidList" loCatId="icon" qsTypeId="urn:microsoft.com/office/officeart/2005/8/quickstyle/simple1" qsCatId="simple" csTypeId="urn:microsoft.com/office/officeart/2018/5/colors/Iconchunking_neutralbg_colorful1" csCatId="colorful" phldr="1"/>
+      <dgm:spPr/>
+      <dgm:t>
+        <a:bodyPr/>
+        <a:lstStyle/>
+        <a:p>
+          <a:endParaRPr lang="en-US"/>
+        </a:p>
+      </dgm:t>
+    </dgm:pt>
+    <dgm:pt modelId="{5E6B6525-FB0F-471E-A201-1D5AF2415B44}">
+      <dgm:prSet/>
+      <dgm:spPr/>
+      <dgm:t>
+        <a:bodyPr/>
+        <a:lstStyle/>
+        <a:p>
+          <a:r>
+            <a:rPr lang="en-US"/>
+            <a:t>Motivation and Hypothesis</a:t>
+          </a:r>
+        </a:p>
+      </dgm:t>
+    </dgm:pt>
+    <dgm:pt modelId="{0D279817-6511-4DD5-A2DE-5F029A2B0957}" type="parTrans" cxnId="{8851F814-8F18-44B6-A1A4-29B43BCDE5A6}">
+      <dgm:prSet/>
+      <dgm:spPr/>
+      <dgm:t>
+        <a:bodyPr/>
+        <a:lstStyle/>
+        <a:p>
+          <a:endParaRPr lang="en-US"/>
+        </a:p>
+      </dgm:t>
+    </dgm:pt>
+    <dgm:pt modelId="{74120A08-885E-489F-9D00-F8FFE94798E2}" type="sibTrans" cxnId="{8851F814-8F18-44B6-A1A4-29B43BCDE5A6}">
+      <dgm:prSet/>
+      <dgm:spPr/>
+      <dgm:t>
+        <a:bodyPr/>
+        <a:lstStyle/>
+        <a:p>
+          <a:endParaRPr lang="en-US"/>
+        </a:p>
+      </dgm:t>
+    </dgm:pt>
+    <dgm:pt modelId="{EE587B95-142E-4E9E-B49A-903C8BFF8B8F}">
+      <dgm:prSet/>
+      <dgm:spPr/>
+      <dgm:t>
+        <a:bodyPr/>
+        <a:lstStyle/>
+        <a:p>
+          <a:r>
+            <a:rPr lang="en-US"/>
+            <a:t>Data Source</a:t>
+          </a:r>
+        </a:p>
+      </dgm:t>
+    </dgm:pt>
+    <dgm:pt modelId="{2DF7E55F-DD28-4F74-90CA-B35BCD523FC1}" type="parTrans" cxnId="{C7E65384-2E72-41F2-9400-CE982B0B832E}">
+      <dgm:prSet/>
+      <dgm:spPr/>
+      <dgm:t>
+        <a:bodyPr/>
+        <a:lstStyle/>
+        <a:p>
+          <a:endParaRPr lang="en-US"/>
+        </a:p>
+      </dgm:t>
+    </dgm:pt>
+    <dgm:pt modelId="{D152433B-6D54-4860-A0A9-D71A1D6B267B}" type="sibTrans" cxnId="{C7E65384-2E72-41F2-9400-CE982B0B832E}">
+      <dgm:prSet/>
+      <dgm:spPr/>
+      <dgm:t>
+        <a:bodyPr/>
+        <a:lstStyle/>
+        <a:p>
+          <a:endParaRPr lang="en-US"/>
+        </a:p>
+      </dgm:t>
+    </dgm:pt>
+    <dgm:pt modelId="{F396CE74-CD86-47BB-B94E-28E3E7004FB5}">
+      <dgm:prSet/>
+      <dgm:spPr/>
+      <dgm:t>
+        <a:bodyPr/>
+        <a:lstStyle/>
+        <a:p>
+          <a:r>
+            <a:rPr lang="en-US"/>
+            <a:t>Data Ingest and Wrangling</a:t>
+          </a:r>
+        </a:p>
+      </dgm:t>
+    </dgm:pt>
+    <dgm:pt modelId="{9A0AF3A4-49BF-401C-AF9A-E141F651E7A2}" type="parTrans" cxnId="{459F0075-ED9D-405A-9C33-B77514B1B71C}">
+      <dgm:prSet/>
+      <dgm:spPr/>
+      <dgm:t>
+        <a:bodyPr/>
+        <a:lstStyle/>
+        <a:p>
+          <a:endParaRPr lang="en-US"/>
+        </a:p>
+      </dgm:t>
+    </dgm:pt>
+    <dgm:pt modelId="{735BE31A-B41F-4225-B617-4A2A47A37EA8}" type="sibTrans" cxnId="{459F0075-ED9D-405A-9C33-B77514B1B71C}">
+      <dgm:prSet/>
+      <dgm:spPr/>
+      <dgm:t>
+        <a:bodyPr/>
+        <a:lstStyle/>
+        <a:p>
+          <a:endParaRPr lang="en-US"/>
+        </a:p>
+      </dgm:t>
+    </dgm:pt>
+    <dgm:pt modelId="{4BBD48DA-BEFC-4121-AE39-4F9830B08652}">
+      <dgm:prSet/>
+      <dgm:spPr/>
+      <dgm:t>
+        <a:bodyPr/>
+        <a:lstStyle/>
+        <a:p>
+          <a:r>
+            <a:rPr lang="en-US"/>
+            <a:t>Exploratory Data Analysis</a:t>
+          </a:r>
+        </a:p>
+      </dgm:t>
+    </dgm:pt>
+    <dgm:pt modelId="{B6B00190-F153-4C3C-8D43-0DB994A5A103}" type="parTrans" cxnId="{4DA84DA4-FF9F-48D7-AA18-1CFEC239AAD4}">
+      <dgm:prSet/>
+      <dgm:spPr/>
+      <dgm:t>
+        <a:bodyPr/>
+        <a:lstStyle/>
+        <a:p>
+          <a:endParaRPr lang="en-US"/>
+        </a:p>
+      </dgm:t>
+    </dgm:pt>
+    <dgm:pt modelId="{E3B8C99F-71FF-45B0-AD2E-07CBC7EE9F6E}" type="sibTrans" cxnId="{4DA84DA4-FF9F-48D7-AA18-1CFEC239AAD4}">
+      <dgm:prSet/>
+      <dgm:spPr/>
+      <dgm:t>
+        <a:bodyPr/>
+        <a:lstStyle/>
+        <a:p>
+          <a:endParaRPr lang="en-US"/>
+        </a:p>
+      </dgm:t>
+    </dgm:pt>
+    <dgm:pt modelId="{2A468B42-16EA-49CD-B516-74B32458C3A2}">
+      <dgm:prSet/>
+      <dgm:spPr/>
+      <dgm:t>
+        <a:bodyPr/>
+        <a:lstStyle/>
+        <a:p>
+          <a:r>
+            <a:rPr lang="en-US"/>
+            <a:t>Feature Selection</a:t>
+          </a:r>
+        </a:p>
+      </dgm:t>
+    </dgm:pt>
+    <dgm:pt modelId="{6CF82E9E-B375-4B67-8BAE-28AE74AB96DE}" type="parTrans" cxnId="{F87B08EC-DF73-433B-A77D-33A3CEC21F10}">
+      <dgm:prSet/>
+      <dgm:spPr/>
+      <dgm:t>
+        <a:bodyPr/>
+        <a:lstStyle/>
+        <a:p>
+          <a:endParaRPr lang="en-US"/>
+        </a:p>
+      </dgm:t>
+    </dgm:pt>
+    <dgm:pt modelId="{1AF9CB3D-C46D-4178-9EB8-D376693401BE}" type="sibTrans" cxnId="{F87B08EC-DF73-433B-A77D-33A3CEC21F10}">
+      <dgm:prSet/>
+      <dgm:spPr/>
+      <dgm:t>
+        <a:bodyPr/>
+        <a:lstStyle/>
+        <a:p>
+          <a:endParaRPr lang="en-US"/>
+        </a:p>
+      </dgm:t>
+    </dgm:pt>
+    <dgm:pt modelId="{BFF03643-2A25-4F6E-83EB-0A2CE49FAD42}">
+      <dgm:prSet/>
+      <dgm:spPr/>
+      <dgm:t>
+        <a:bodyPr/>
+        <a:lstStyle/>
+        <a:p>
+          <a:r>
+            <a:rPr lang="en-US"/>
+            <a:t>Model Evaluation</a:t>
+          </a:r>
+        </a:p>
+      </dgm:t>
+    </dgm:pt>
+    <dgm:pt modelId="{7B3AA765-3D86-4A97-9F07-79D570F76658}" type="parTrans" cxnId="{DA6953F3-7B53-402B-88D2-E9EF2EFBE03C}">
+      <dgm:prSet/>
+      <dgm:spPr/>
+      <dgm:t>
+        <a:bodyPr/>
+        <a:lstStyle/>
+        <a:p>
+          <a:endParaRPr lang="en-US"/>
+        </a:p>
+      </dgm:t>
+    </dgm:pt>
+    <dgm:pt modelId="{44DAECD5-3C63-4EB1-A354-A5C5EBE24D6B}" type="sibTrans" cxnId="{DA6953F3-7B53-402B-88D2-E9EF2EFBE03C}">
+      <dgm:prSet/>
+      <dgm:spPr/>
+      <dgm:t>
+        <a:bodyPr/>
+        <a:lstStyle/>
+        <a:p>
+          <a:endParaRPr lang="en-US"/>
+        </a:p>
+      </dgm:t>
+    </dgm:pt>
+    <dgm:pt modelId="{B0B1D6D6-0A86-4A99-8DFC-79C90E40B71B}">
+      <dgm:prSet/>
+      <dgm:spPr/>
+      <dgm:t>
+        <a:bodyPr/>
+        <a:lstStyle/>
+        <a:p>
+          <a:r>
+            <a:rPr lang="en-US"/>
+            <a:t>Result</a:t>
+          </a:r>
+        </a:p>
+      </dgm:t>
+    </dgm:pt>
+    <dgm:pt modelId="{E598463B-C94A-48AC-9D03-38E0A25542C5}" type="parTrans" cxnId="{8B7930AE-7DB8-41B3-BC8D-E5A189A01C2D}">
+      <dgm:prSet/>
+      <dgm:spPr/>
+      <dgm:t>
+        <a:bodyPr/>
+        <a:lstStyle/>
+        <a:p>
+          <a:endParaRPr lang="en-US"/>
+        </a:p>
+      </dgm:t>
+    </dgm:pt>
+    <dgm:pt modelId="{24A23BA8-26E8-4473-90D1-211311E7D0E6}" type="sibTrans" cxnId="{8B7930AE-7DB8-41B3-BC8D-E5A189A01C2D}">
+      <dgm:prSet/>
+      <dgm:spPr/>
+      <dgm:t>
+        <a:bodyPr/>
+        <a:lstStyle/>
+        <a:p>
+          <a:endParaRPr lang="en-US"/>
+        </a:p>
+      </dgm:t>
+    </dgm:pt>
+    <dgm:pt modelId="{166D3075-07BF-4E3B-9D34-C23A056D5E8C}">
+      <dgm:prSet/>
+      <dgm:spPr/>
+      <dgm:t>
+        <a:bodyPr/>
+        <a:lstStyle/>
+        <a:p>
+          <a:r>
+            <a:rPr lang="en-US"/>
+            <a:t>Conclusion</a:t>
+          </a:r>
+        </a:p>
+      </dgm:t>
+    </dgm:pt>
+    <dgm:pt modelId="{402CFD19-7F25-4B10-AB9D-2590CF4440CB}" type="parTrans" cxnId="{46DA0A21-EFDC-40F2-970C-16FE59131DB7}">
+      <dgm:prSet/>
+      <dgm:spPr/>
+      <dgm:t>
+        <a:bodyPr/>
+        <a:lstStyle/>
+        <a:p>
+          <a:endParaRPr lang="en-US"/>
+        </a:p>
+      </dgm:t>
+    </dgm:pt>
+    <dgm:pt modelId="{48A4DAB4-8AB4-49B3-BC46-4B9150AE4139}" type="sibTrans" cxnId="{46DA0A21-EFDC-40F2-970C-16FE59131DB7}">
+      <dgm:prSet/>
+      <dgm:spPr/>
+      <dgm:t>
+        <a:bodyPr/>
+        <a:lstStyle/>
+        <a:p>
+          <a:endParaRPr lang="en-US"/>
+        </a:p>
+      </dgm:t>
+    </dgm:pt>
+    <dgm:pt modelId="{43A4F653-4A63-4FE9-9D67-2581E273EE77}" type="pres">
+      <dgm:prSet presAssocID="{E45F6C5C-830A-42CF-9F02-440D73489406}" presName="root" presStyleCnt="0">
+        <dgm:presLayoutVars>
+          <dgm:dir/>
+          <dgm:resizeHandles val="exact"/>
+        </dgm:presLayoutVars>
+      </dgm:prSet>
+      <dgm:spPr/>
+    </dgm:pt>
+    <dgm:pt modelId="{67C4B919-B612-43C0-AF29-BDF60D1D07C9}" type="pres">
+      <dgm:prSet presAssocID="{5E6B6525-FB0F-471E-A201-1D5AF2415B44}" presName="compNode" presStyleCnt="0"/>
+      <dgm:spPr/>
+    </dgm:pt>
+    <dgm:pt modelId="{8BE48F09-94F2-43D1-82AC-6AF16D53C93F}" type="pres">
+      <dgm:prSet presAssocID="{5E6B6525-FB0F-471E-A201-1D5AF2415B44}" presName="bgRect" presStyleLbl="bgShp" presStyleIdx="0" presStyleCnt="8"/>
+      <dgm:spPr/>
+    </dgm:pt>
+    <dgm:pt modelId="{F3BF47BD-6AD0-4725-96D4-5BF0832983DE}" type="pres">
+      <dgm:prSet presAssocID="{5E6B6525-FB0F-471E-A201-1D5AF2415B44}" presName="iconRect" presStyleLbl="node1" presStyleIdx="0" presStyleCnt="8"/>
+      <dgm:spPr>
+        <a:blipFill>
+          <a:blip xmlns:r="http://schemas.openxmlformats.org/officeDocument/2006/relationships" r:embed="rId1">
+            <a:extLst>
+              <a:ext uri="{28A0092B-C50C-407E-A947-70E740481C1C}">
+                <a14:useLocalDpi xmlns:a14="http://schemas.microsoft.com/office/drawing/2010/main" val="0"/>
+              </a:ext>
+              <a:ext uri="{96DAC541-7B7A-43D3-8B79-37D633B846F1}">
+                <asvg:svgBlip xmlns:asvg="http://schemas.microsoft.com/office/drawing/2016/SVG/main" r:embed="rId2"/>
+              </a:ext>
+            </a:extLst>
+          </a:blip>
+          <a:stretch>
+            <a:fillRect/>
+          </a:stretch>
+        </a:blipFill>
+        <a:ln>
+          <a:noFill/>
+        </a:ln>
+      </dgm:spPr>
+      <dgm:extLst>
+        <a:ext uri="{E40237B7-FDA0-4F09-8148-C483321AD2D9}">
+          <dgm14:cNvPr xmlns:dgm14="http://schemas.microsoft.com/office/drawing/2010/diagram" id="0" name="" descr="Head with Gears"/>
+        </a:ext>
+      </dgm:extLst>
+    </dgm:pt>
+    <dgm:pt modelId="{40231BF8-1A43-4E06-83EC-E5DE6C4EDFF8}" type="pres">
+      <dgm:prSet presAssocID="{5E6B6525-FB0F-471E-A201-1D5AF2415B44}" presName="spaceRect" presStyleCnt="0"/>
+      <dgm:spPr/>
+    </dgm:pt>
+    <dgm:pt modelId="{CE9A852A-4ABD-4246-B26B-F8B576BE061F}" type="pres">
+      <dgm:prSet presAssocID="{5E6B6525-FB0F-471E-A201-1D5AF2415B44}" presName="parTx" presStyleLbl="revTx" presStyleIdx="0" presStyleCnt="8">
+        <dgm:presLayoutVars>
+          <dgm:chMax val="0"/>
+          <dgm:chPref val="0"/>
+        </dgm:presLayoutVars>
+      </dgm:prSet>
+      <dgm:spPr/>
+    </dgm:pt>
+    <dgm:pt modelId="{9384AABE-F92F-458D-9C05-618754BD7A47}" type="pres">
+      <dgm:prSet presAssocID="{74120A08-885E-489F-9D00-F8FFE94798E2}" presName="sibTrans" presStyleCnt="0"/>
+      <dgm:spPr/>
+    </dgm:pt>
+    <dgm:pt modelId="{DCB70445-62A2-4033-866F-6869EBA2173A}" type="pres">
+      <dgm:prSet presAssocID="{EE587B95-142E-4E9E-B49A-903C8BFF8B8F}" presName="compNode" presStyleCnt="0"/>
+      <dgm:spPr/>
+    </dgm:pt>
+    <dgm:pt modelId="{0F9E7564-DB86-4789-86B5-2EF815409DEF}" type="pres">
+      <dgm:prSet presAssocID="{EE587B95-142E-4E9E-B49A-903C8BFF8B8F}" presName="bgRect" presStyleLbl="bgShp" presStyleIdx="1" presStyleCnt="8"/>
+      <dgm:spPr/>
+    </dgm:pt>
+    <dgm:pt modelId="{F28ADCF6-CD2F-44E6-B422-ADEC9303B8A2}" type="pres">
+      <dgm:prSet presAssocID="{EE587B95-142E-4E9E-B49A-903C8BFF8B8F}" presName="iconRect" presStyleLbl="node1" presStyleIdx="1" presStyleCnt="8"/>
+      <dgm:spPr>
+        <a:blipFill>
+          <a:blip xmlns:r="http://schemas.openxmlformats.org/officeDocument/2006/relationships" r:embed="rId3">
+            <a:extLst>
+              <a:ext uri="{28A0092B-C50C-407E-A947-70E740481C1C}">
+                <a14:useLocalDpi xmlns:a14="http://schemas.microsoft.com/office/drawing/2010/main" val="0"/>
+              </a:ext>
+              <a:ext uri="{96DAC541-7B7A-43D3-8B79-37D633B846F1}">
+                <asvg:svgBlip xmlns:asvg="http://schemas.microsoft.com/office/drawing/2016/SVG/main" r:embed="rId4"/>
+              </a:ext>
+            </a:extLst>
+          </a:blip>
+          <a:stretch>
+            <a:fillRect/>
+          </a:stretch>
+        </a:blipFill>
+        <a:ln>
+          <a:noFill/>
+        </a:ln>
+      </dgm:spPr>
+      <dgm:extLst>
+        <a:ext uri="{E40237B7-FDA0-4F09-8148-C483321AD2D9}">
+          <dgm14:cNvPr xmlns:dgm14="http://schemas.microsoft.com/office/drawing/2010/diagram" id="0" name="" descr="Database"/>
+        </a:ext>
+      </dgm:extLst>
+    </dgm:pt>
+    <dgm:pt modelId="{6AE8A16C-07C4-4DC8-9787-DD5B5BA7F852}" type="pres">
+      <dgm:prSet presAssocID="{EE587B95-142E-4E9E-B49A-903C8BFF8B8F}" presName="spaceRect" presStyleCnt="0"/>
+      <dgm:spPr/>
+    </dgm:pt>
+    <dgm:pt modelId="{1AC56A2C-F03F-4091-9759-49BDA99BEC78}" type="pres">
+      <dgm:prSet presAssocID="{EE587B95-142E-4E9E-B49A-903C8BFF8B8F}" presName="parTx" presStyleLbl="revTx" presStyleIdx="1" presStyleCnt="8">
+        <dgm:presLayoutVars>
+          <dgm:chMax val="0"/>
+          <dgm:chPref val="0"/>
+        </dgm:presLayoutVars>
+      </dgm:prSet>
+      <dgm:spPr/>
+    </dgm:pt>
+    <dgm:pt modelId="{8D849B60-4650-4ED0-9505-E9110C9603B7}" type="pres">
+      <dgm:prSet presAssocID="{D152433B-6D54-4860-A0A9-D71A1D6B267B}" presName="sibTrans" presStyleCnt="0"/>
+      <dgm:spPr/>
+    </dgm:pt>
+    <dgm:pt modelId="{A4CEC9A3-24D1-4CED-82FC-91BCFBBA1260}" type="pres">
+      <dgm:prSet presAssocID="{F396CE74-CD86-47BB-B94E-28E3E7004FB5}" presName="compNode" presStyleCnt="0"/>
+      <dgm:spPr/>
+    </dgm:pt>
+    <dgm:pt modelId="{F043F56E-006B-4A13-9AFC-481316031273}" type="pres">
+      <dgm:prSet presAssocID="{F396CE74-CD86-47BB-B94E-28E3E7004FB5}" presName="bgRect" presStyleLbl="bgShp" presStyleIdx="2" presStyleCnt="8"/>
+      <dgm:spPr/>
+    </dgm:pt>
+    <dgm:pt modelId="{FFF4F7AB-35CF-4E08-A1D3-C2F86BB50EC8}" type="pres">
+      <dgm:prSet presAssocID="{F396CE74-CD86-47BB-B94E-28E3E7004FB5}" presName="iconRect" presStyleLbl="node1" presStyleIdx="2" presStyleCnt="8"/>
+      <dgm:spPr>
+        <a:blipFill>
+          <a:blip xmlns:r="http://schemas.openxmlformats.org/officeDocument/2006/relationships" r:embed="rId5">
+            <a:extLst>
+              <a:ext uri="{28A0092B-C50C-407E-A947-70E740481C1C}">
+                <a14:useLocalDpi xmlns:a14="http://schemas.microsoft.com/office/drawing/2010/main" val="0"/>
+              </a:ext>
+              <a:ext uri="{96DAC541-7B7A-43D3-8B79-37D633B846F1}">
+                <asvg:svgBlip xmlns:asvg="http://schemas.microsoft.com/office/drawing/2016/SVG/main" r:embed="rId6"/>
+              </a:ext>
+            </a:extLst>
+          </a:blip>
+          <a:srcRect/>
+          <a:stretch>
+            <a:fillRect/>
+          </a:stretch>
+        </a:blipFill>
+        <a:ln>
+          <a:noFill/>
+        </a:ln>
+      </dgm:spPr>
+      <dgm:extLst>
+        <a:ext uri="{E40237B7-FDA0-4F09-8148-C483321AD2D9}">
+          <dgm14:cNvPr xmlns:dgm14="http://schemas.microsoft.com/office/drawing/2010/diagram" id="0" name="" descr="Filter"/>
+        </a:ext>
+      </dgm:extLst>
+    </dgm:pt>
+    <dgm:pt modelId="{EA8241E2-5EAF-4558-8E43-28BB086AA698}" type="pres">
+      <dgm:prSet presAssocID="{F396CE74-CD86-47BB-B94E-28E3E7004FB5}" presName="spaceRect" presStyleCnt="0"/>
+      <dgm:spPr/>
+    </dgm:pt>
+    <dgm:pt modelId="{0E4D41CE-0722-4442-A214-A2DC0E4C8901}" type="pres">
+      <dgm:prSet presAssocID="{F396CE74-CD86-47BB-B94E-28E3E7004FB5}" presName="parTx" presStyleLbl="revTx" presStyleIdx="2" presStyleCnt="8">
+        <dgm:presLayoutVars>
+          <dgm:chMax val="0"/>
+          <dgm:chPref val="0"/>
+        </dgm:presLayoutVars>
+      </dgm:prSet>
+      <dgm:spPr/>
+    </dgm:pt>
+    <dgm:pt modelId="{26771068-983E-4E62-A1D3-ED2BF593F462}" type="pres">
+      <dgm:prSet presAssocID="{735BE31A-B41F-4225-B617-4A2A47A37EA8}" presName="sibTrans" presStyleCnt="0"/>
+      <dgm:spPr/>
+    </dgm:pt>
+    <dgm:pt modelId="{70554D12-8F95-47A7-B079-C0C18A3D671C}" type="pres">
+      <dgm:prSet presAssocID="{4BBD48DA-BEFC-4121-AE39-4F9830B08652}" presName="compNode" presStyleCnt="0"/>
+      <dgm:spPr/>
+    </dgm:pt>
+    <dgm:pt modelId="{A0C7DBE0-86E1-44B1-8973-6CE23537AFA2}" type="pres">
+      <dgm:prSet presAssocID="{4BBD48DA-BEFC-4121-AE39-4F9830B08652}" presName="bgRect" presStyleLbl="bgShp" presStyleIdx="3" presStyleCnt="8"/>
+      <dgm:spPr/>
+    </dgm:pt>
+    <dgm:pt modelId="{2ECCC7EC-FB52-4D78-B805-FC470F6AFD4D}" type="pres">
+      <dgm:prSet presAssocID="{4BBD48DA-BEFC-4121-AE39-4F9830B08652}" presName="iconRect" presStyleLbl="node1" presStyleIdx="3" presStyleCnt="8"/>
+      <dgm:spPr>
+        <a:blipFill>
+          <a:blip xmlns:r="http://schemas.openxmlformats.org/officeDocument/2006/relationships" r:embed="rId7">
+            <a:extLst>
+              <a:ext uri="{28A0092B-C50C-407E-A947-70E740481C1C}">
+                <a14:useLocalDpi xmlns:a14="http://schemas.microsoft.com/office/drawing/2010/main" val="0"/>
+              </a:ext>
+              <a:ext uri="{96DAC541-7B7A-43D3-8B79-37D633B846F1}">
+                <asvg:svgBlip xmlns:asvg="http://schemas.microsoft.com/office/drawing/2016/SVG/main" r:embed="rId8"/>
+              </a:ext>
+            </a:extLst>
+          </a:blip>
+          <a:stretch>
+            <a:fillRect/>
+          </a:stretch>
+        </a:blipFill>
+        <a:ln>
+          <a:noFill/>
+        </a:ln>
+      </dgm:spPr>
+      <dgm:extLst>
+        <a:ext uri="{E40237B7-FDA0-4F09-8148-C483321AD2D9}">
+          <dgm14:cNvPr xmlns:dgm14="http://schemas.microsoft.com/office/drawing/2010/diagram" id="0" name="" descr="Bar chart"/>
+        </a:ext>
+      </dgm:extLst>
+    </dgm:pt>
+    <dgm:pt modelId="{FDB11809-6E32-44A6-8D2B-831FD1D0AE14}" type="pres">
+      <dgm:prSet presAssocID="{4BBD48DA-BEFC-4121-AE39-4F9830B08652}" presName="spaceRect" presStyleCnt="0"/>
+      <dgm:spPr/>
+    </dgm:pt>
+    <dgm:pt modelId="{CCE02FCC-FAE4-484B-BEE8-6062E3022AB1}" type="pres">
+      <dgm:prSet presAssocID="{4BBD48DA-BEFC-4121-AE39-4F9830B08652}" presName="parTx" presStyleLbl="revTx" presStyleIdx="3" presStyleCnt="8">
+        <dgm:presLayoutVars>
+          <dgm:chMax val="0"/>
+          <dgm:chPref val="0"/>
+        </dgm:presLayoutVars>
+      </dgm:prSet>
+      <dgm:spPr/>
+    </dgm:pt>
+    <dgm:pt modelId="{8D5DF404-D9EE-459C-9067-897068291D13}" type="pres">
+      <dgm:prSet presAssocID="{E3B8C99F-71FF-45B0-AD2E-07CBC7EE9F6E}" presName="sibTrans" presStyleCnt="0"/>
+      <dgm:spPr/>
+    </dgm:pt>
+    <dgm:pt modelId="{BA264BF9-324A-4C68-9E98-C15942DA9736}" type="pres">
+      <dgm:prSet presAssocID="{2A468B42-16EA-49CD-B516-74B32458C3A2}" presName="compNode" presStyleCnt="0"/>
+      <dgm:spPr/>
+    </dgm:pt>
+    <dgm:pt modelId="{4C275264-D6BB-4CD9-96B3-4FE31E46699F}" type="pres">
+      <dgm:prSet presAssocID="{2A468B42-16EA-49CD-B516-74B32458C3A2}" presName="bgRect" presStyleLbl="bgShp" presStyleIdx="4" presStyleCnt="8"/>
+      <dgm:spPr/>
+    </dgm:pt>
+    <dgm:pt modelId="{7582F1FE-4477-46E9-8CBE-2C7BF4ED73BA}" type="pres">
+      <dgm:prSet presAssocID="{2A468B42-16EA-49CD-B516-74B32458C3A2}" presName="iconRect" presStyleLbl="node1" presStyleIdx="4" presStyleCnt="8"/>
+      <dgm:spPr>
+        <a:blipFill>
+          <a:blip xmlns:r="http://schemas.openxmlformats.org/officeDocument/2006/relationships" r:embed="rId9">
+            <a:extLst>
+              <a:ext uri="{28A0092B-C50C-407E-A947-70E740481C1C}">
+                <a14:useLocalDpi xmlns:a14="http://schemas.microsoft.com/office/drawing/2010/main" val="0"/>
+              </a:ext>
+              <a:ext uri="{96DAC541-7B7A-43D3-8B79-37D633B846F1}">
+                <asvg:svgBlip xmlns:asvg="http://schemas.microsoft.com/office/drawing/2016/SVG/main" r:embed="rId10"/>
+              </a:ext>
+            </a:extLst>
+          </a:blip>
+          <a:stretch>
+            <a:fillRect/>
+          </a:stretch>
+        </a:blipFill>
+        <a:ln>
+          <a:noFill/>
+        </a:ln>
+      </dgm:spPr>
+      <dgm:extLst>
+        <a:ext uri="{E40237B7-FDA0-4F09-8148-C483321AD2D9}">
+          <dgm14:cNvPr xmlns:dgm14="http://schemas.microsoft.com/office/drawing/2010/diagram" id="0" name="" descr="Checkmark"/>
+        </a:ext>
+      </dgm:extLst>
+    </dgm:pt>
+    <dgm:pt modelId="{ADE1B4C6-A729-4B9D-911C-A4E55E8F6114}" type="pres">
+      <dgm:prSet presAssocID="{2A468B42-16EA-49CD-B516-74B32458C3A2}" presName="spaceRect" presStyleCnt="0"/>
+      <dgm:spPr/>
+    </dgm:pt>
+    <dgm:pt modelId="{5792F0CA-402D-4488-A5AA-1E0F51CE108A}" type="pres">
+      <dgm:prSet presAssocID="{2A468B42-16EA-49CD-B516-74B32458C3A2}" presName="parTx" presStyleLbl="revTx" presStyleIdx="4" presStyleCnt="8">
+        <dgm:presLayoutVars>
+          <dgm:chMax val="0"/>
+          <dgm:chPref val="0"/>
+        </dgm:presLayoutVars>
+      </dgm:prSet>
+      <dgm:spPr/>
+    </dgm:pt>
+    <dgm:pt modelId="{44A89383-B3A5-4448-9D9D-64F4E76E9734}" type="pres">
+      <dgm:prSet presAssocID="{1AF9CB3D-C46D-4178-9EB8-D376693401BE}" presName="sibTrans" presStyleCnt="0"/>
+      <dgm:spPr/>
+    </dgm:pt>
+    <dgm:pt modelId="{9AD5F1AD-72F6-4953-9BCD-7A223E836C5B}" type="pres">
+      <dgm:prSet presAssocID="{BFF03643-2A25-4F6E-83EB-0A2CE49FAD42}" presName="compNode" presStyleCnt="0"/>
+      <dgm:spPr/>
+    </dgm:pt>
+    <dgm:pt modelId="{9E8DF0AB-DA20-426A-A95E-ABBEA9A210AB}" type="pres">
+      <dgm:prSet presAssocID="{BFF03643-2A25-4F6E-83EB-0A2CE49FAD42}" presName="bgRect" presStyleLbl="bgShp" presStyleIdx="5" presStyleCnt="8"/>
+      <dgm:spPr/>
+    </dgm:pt>
+    <dgm:pt modelId="{19D8AF49-E5A5-42E7-8252-CCEF28ACC09D}" type="pres">
+      <dgm:prSet presAssocID="{BFF03643-2A25-4F6E-83EB-0A2CE49FAD42}" presName="iconRect" presStyleLbl="node1" presStyleIdx="5" presStyleCnt="8"/>
+      <dgm:spPr>
+        <a:blipFill>
+          <a:blip xmlns:r="http://schemas.openxmlformats.org/officeDocument/2006/relationships" r:embed="rId11">
+            <a:extLst>
+              <a:ext uri="{28A0092B-C50C-407E-A947-70E740481C1C}">
+                <a14:useLocalDpi xmlns:a14="http://schemas.microsoft.com/office/drawing/2010/main" val="0"/>
+              </a:ext>
+              <a:ext uri="{96DAC541-7B7A-43D3-8B79-37D633B846F1}">
+                <asvg:svgBlip xmlns:asvg="http://schemas.microsoft.com/office/drawing/2016/SVG/main" r:embed="rId12"/>
+              </a:ext>
+            </a:extLst>
+          </a:blip>
+          <a:stretch>
+            <a:fillRect/>
+          </a:stretch>
+        </a:blipFill>
+        <a:ln>
+          <a:noFill/>
+        </a:ln>
+      </dgm:spPr>
+      <dgm:extLst>
+        <a:ext uri="{E40237B7-FDA0-4F09-8148-C483321AD2D9}">
+          <dgm14:cNvPr xmlns:dgm14="http://schemas.microsoft.com/office/drawing/2010/diagram" id="0" name="" descr="Scales of Justice"/>
+        </a:ext>
+      </dgm:extLst>
+    </dgm:pt>
+    <dgm:pt modelId="{B47853E4-DAD5-45F2-87D0-5307D928E6C2}" type="pres">
+      <dgm:prSet presAssocID="{BFF03643-2A25-4F6E-83EB-0A2CE49FAD42}" presName="spaceRect" presStyleCnt="0"/>
+      <dgm:spPr/>
+    </dgm:pt>
+    <dgm:pt modelId="{B62ED4BF-1E48-445C-B59A-85B4F5BC88FB}" type="pres">
+      <dgm:prSet presAssocID="{BFF03643-2A25-4F6E-83EB-0A2CE49FAD42}" presName="parTx" presStyleLbl="revTx" presStyleIdx="5" presStyleCnt="8">
+        <dgm:presLayoutVars>
+          <dgm:chMax val="0"/>
+          <dgm:chPref val="0"/>
+        </dgm:presLayoutVars>
+      </dgm:prSet>
+      <dgm:spPr/>
+    </dgm:pt>
+    <dgm:pt modelId="{A4B035CC-2039-4BF7-9D4C-3FB70B319D2D}" type="pres">
+      <dgm:prSet presAssocID="{44DAECD5-3C63-4EB1-A354-A5C5EBE24D6B}" presName="sibTrans" presStyleCnt="0"/>
+      <dgm:spPr/>
+    </dgm:pt>
+    <dgm:pt modelId="{F3762D77-7FCA-4102-BD3A-8A17C7B2A7D6}" type="pres">
+      <dgm:prSet presAssocID="{B0B1D6D6-0A86-4A99-8DFC-79C90E40B71B}" presName="compNode" presStyleCnt="0"/>
+      <dgm:spPr/>
+    </dgm:pt>
+    <dgm:pt modelId="{0962AC2A-7BE9-4120-A742-3A9340F068BF}" type="pres">
+      <dgm:prSet presAssocID="{B0B1D6D6-0A86-4A99-8DFC-79C90E40B71B}" presName="bgRect" presStyleLbl="bgShp" presStyleIdx="6" presStyleCnt="8"/>
+      <dgm:spPr/>
+    </dgm:pt>
+    <dgm:pt modelId="{948BA9F6-9DDE-4982-8DBC-10A2E12B9241}" type="pres">
+      <dgm:prSet presAssocID="{B0B1D6D6-0A86-4A99-8DFC-79C90E40B71B}" presName="iconRect" presStyleLbl="node1" presStyleIdx="6" presStyleCnt="8"/>
+      <dgm:spPr>
+        <a:blipFill>
+          <a:blip xmlns:r="http://schemas.openxmlformats.org/officeDocument/2006/relationships" r:embed="rId13">
+            <a:extLst>
+              <a:ext uri="{28A0092B-C50C-407E-A947-70E740481C1C}">
+                <a14:useLocalDpi xmlns:a14="http://schemas.microsoft.com/office/drawing/2010/main" val="0"/>
+              </a:ext>
+              <a:ext uri="{96DAC541-7B7A-43D3-8B79-37D633B846F1}">
+                <asvg:svgBlip xmlns:asvg="http://schemas.microsoft.com/office/drawing/2016/SVG/main" r:embed="rId14"/>
+              </a:ext>
+            </a:extLst>
+          </a:blip>
+          <a:stretch>
+            <a:fillRect/>
+          </a:stretch>
+        </a:blipFill>
+        <a:ln>
+          <a:noFill/>
+        </a:ln>
+      </dgm:spPr>
+      <dgm:extLst>
+        <a:ext uri="{E40237B7-FDA0-4F09-8148-C483321AD2D9}">
+          <dgm14:cNvPr xmlns:dgm14="http://schemas.microsoft.com/office/drawing/2010/diagram" id="0" name="" descr="Bullseye"/>
+        </a:ext>
+      </dgm:extLst>
+    </dgm:pt>
+    <dgm:pt modelId="{D6B064F8-297D-472B-83A7-160E2BD899B7}" type="pres">
+      <dgm:prSet presAssocID="{B0B1D6D6-0A86-4A99-8DFC-79C90E40B71B}" presName="spaceRect" presStyleCnt="0"/>
+      <dgm:spPr/>
+    </dgm:pt>
+    <dgm:pt modelId="{57FFA891-FC19-4E6F-BE25-9D83DCBEB0B5}" type="pres">
+      <dgm:prSet presAssocID="{B0B1D6D6-0A86-4A99-8DFC-79C90E40B71B}" presName="parTx" presStyleLbl="revTx" presStyleIdx="6" presStyleCnt="8">
+        <dgm:presLayoutVars>
+          <dgm:chMax val="0"/>
+          <dgm:chPref val="0"/>
+        </dgm:presLayoutVars>
+      </dgm:prSet>
+      <dgm:spPr/>
+    </dgm:pt>
+    <dgm:pt modelId="{BDAC0D52-D04C-443B-B57F-F1E5387DC863}" type="pres">
+      <dgm:prSet presAssocID="{24A23BA8-26E8-4473-90D1-211311E7D0E6}" presName="sibTrans" presStyleCnt="0"/>
+      <dgm:spPr/>
+    </dgm:pt>
+    <dgm:pt modelId="{961794C0-E830-4699-A67B-D20F45DDE579}" type="pres">
+      <dgm:prSet presAssocID="{166D3075-07BF-4E3B-9D34-C23A056D5E8C}" presName="compNode" presStyleCnt="0"/>
+      <dgm:spPr/>
+    </dgm:pt>
+    <dgm:pt modelId="{DEAB92ED-D633-4A60-9C26-A564D4301B9E}" type="pres">
+      <dgm:prSet presAssocID="{166D3075-07BF-4E3B-9D34-C23A056D5E8C}" presName="bgRect" presStyleLbl="bgShp" presStyleIdx="7" presStyleCnt="8"/>
+      <dgm:spPr/>
+    </dgm:pt>
+    <dgm:pt modelId="{9E3D8F3E-8FB1-4A92-872F-B27E38EB471A}" type="pres">
+      <dgm:prSet presAssocID="{166D3075-07BF-4E3B-9D34-C23A056D5E8C}" presName="iconRect" presStyleLbl="node1" presStyleIdx="7" presStyleCnt="8"/>
+      <dgm:spPr>
+        <a:blipFill>
+          <a:blip xmlns:r="http://schemas.openxmlformats.org/officeDocument/2006/relationships" r:embed="rId15">
+            <a:extLst>
+              <a:ext uri="{28A0092B-C50C-407E-A947-70E740481C1C}">
+                <a14:useLocalDpi xmlns:a14="http://schemas.microsoft.com/office/drawing/2010/main" val="0"/>
+              </a:ext>
+              <a:ext uri="{96DAC541-7B7A-43D3-8B79-37D633B846F1}">
+                <asvg:svgBlip xmlns:asvg="http://schemas.microsoft.com/office/drawing/2016/SVG/main" r:embed="rId16"/>
+              </a:ext>
+            </a:extLst>
+          </a:blip>
+          <a:stretch>
+            <a:fillRect/>
+          </a:stretch>
+        </a:blipFill>
+        <a:ln>
+          <a:noFill/>
+        </a:ln>
+      </dgm:spPr>
+      <dgm:extLst>
+        <a:ext uri="{E40237B7-FDA0-4F09-8148-C483321AD2D9}">
+          <dgm14:cNvPr xmlns:dgm14="http://schemas.microsoft.com/office/drawing/2010/diagram" id="0" name="" descr="Gavel"/>
+        </a:ext>
+      </dgm:extLst>
+    </dgm:pt>
+    <dgm:pt modelId="{2491DF38-5C3C-490B-8CE3-D87758FA5D46}" type="pres">
+      <dgm:prSet presAssocID="{166D3075-07BF-4E3B-9D34-C23A056D5E8C}" presName="spaceRect" presStyleCnt="0"/>
+      <dgm:spPr/>
+    </dgm:pt>
+    <dgm:pt modelId="{EF542873-E671-42E9-AF6C-D72028534514}" type="pres">
+      <dgm:prSet presAssocID="{166D3075-07BF-4E3B-9D34-C23A056D5E8C}" presName="parTx" presStyleLbl="revTx" presStyleIdx="7" presStyleCnt="8">
+        <dgm:presLayoutVars>
+          <dgm:chMax val="0"/>
+          <dgm:chPref val="0"/>
+        </dgm:presLayoutVars>
+      </dgm:prSet>
+      <dgm:spPr/>
+    </dgm:pt>
+  </dgm:ptLst>
+  <dgm:cxnLst>
+    <dgm:cxn modelId="{5236BB0C-D192-484E-AA2A-1EDF3AD5CA81}" type="presOf" srcId="{2A468B42-16EA-49CD-B516-74B32458C3A2}" destId="{5792F0CA-402D-4488-A5AA-1E0F51CE108A}" srcOrd="0" destOrd="0" presId="urn:microsoft.com/office/officeart/2018/2/layout/IconVerticalSolidList"/>
+    <dgm:cxn modelId="{8851F814-8F18-44B6-A1A4-29B43BCDE5A6}" srcId="{E45F6C5C-830A-42CF-9F02-440D73489406}" destId="{5E6B6525-FB0F-471E-A201-1D5AF2415B44}" srcOrd="0" destOrd="0" parTransId="{0D279817-6511-4DD5-A2DE-5F029A2B0957}" sibTransId="{74120A08-885E-489F-9D00-F8FFE94798E2}"/>
+    <dgm:cxn modelId="{46DA0A21-EFDC-40F2-970C-16FE59131DB7}" srcId="{E45F6C5C-830A-42CF-9F02-440D73489406}" destId="{166D3075-07BF-4E3B-9D34-C23A056D5E8C}" srcOrd="7" destOrd="0" parTransId="{402CFD19-7F25-4B10-AB9D-2590CF4440CB}" sibTransId="{48A4DAB4-8AB4-49B3-BC46-4B9150AE4139}"/>
+    <dgm:cxn modelId="{A9E77B24-2502-49DC-9517-CDE6C7862420}" type="presOf" srcId="{F396CE74-CD86-47BB-B94E-28E3E7004FB5}" destId="{0E4D41CE-0722-4442-A214-A2DC0E4C8901}" srcOrd="0" destOrd="0" presId="urn:microsoft.com/office/officeart/2018/2/layout/IconVerticalSolidList"/>
+    <dgm:cxn modelId="{D321525D-11B1-435A-AE4C-76FBA8EEF5E1}" type="presOf" srcId="{BFF03643-2A25-4F6E-83EB-0A2CE49FAD42}" destId="{B62ED4BF-1E48-445C-B59A-85B4F5BC88FB}" srcOrd="0" destOrd="0" presId="urn:microsoft.com/office/officeart/2018/2/layout/IconVerticalSolidList"/>
+    <dgm:cxn modelId="{99AEB36D-62EE-4445-AEAE-83261CA783AE}" type="presOf" srcId="{5E6B6525-FB0F-471E-A201-1D5AF2415B44}" destId="{CE9A852A-4ABD-4246-B26B-F8B576BE061F}" srcOrd="0" destOrd="0" presId="urn:microsoft.com/office/officeart/2018/2/layout/IconVerticalSolidList"/>
+    <dgm:cxn modelId="{459F0075-ED9D-405A-9C33-B77514B1B71C}" srcId="{E45F6C5C-830A-42CF-9F02-440D73489406}" destId="{F396CE74-CD86-47BB-B94E-28E3E7004FB5}" srcOrd="2" destOrd="0" parTransId="{9A0AF3A4-49BF-401C-AF9A-E141F651E7A2}" sibTransId="{735BE31A-B41F-4225-B617-4A2A47A37EA8}"/>
+    <dgm:cxn modelId="{C7E65384-2E72-41F2-9400-CE982B0B832E}" srcId="{E45F6C5C-830A-42CF-9F02-440D73489406}" destId="{EE587B95-142E-4E9E-B49A-903C8BFF8B8F}" srcOrd="1" destOrd="0" parTransId="{2DF7E55F-DD28-4F74-90CA-B35BCD523FC1}" sibTransId="{D152433B-6D54-4860-A0A9-D71A1D6B267B}"/>
+    <dgm:cxn modelId="{4DA84DA4-FF9F-48D7-AA18-1CFEC239AAD4}" srcId="{E45F6C5C-830A-42CF-9F02-440D73489406}" destId="{4BBD48DA-BEFC-4121-AE39-4F9830B08652}" srcOrd="3" destOrd="0" parTransId="{B6B00190-F153-4C3C-8D43-0DB994A5A103}" sibTransId="{E3B8C99F-71FF-45B0-AD2E-07CBC7EE9F6E}"/>
+    <dgm:cxn modelId="{89A5C9A8-5BE7-4216-8EC9-95BD8179AB7C}" type="presOf" srcId="{166D3075-07BF-4E3B-9D34-C23A056D5E8C}" destId="{EF542873-E671-42E9-AF6C-D72028534514}" srcOrd="0" destOrd="0" presId="urn:microsoft.com/office/officeart/2018/2/layout/IconVerticalSolidList"/>
+    <dgm:cxn modelId="{E9B23BAD-1529-492A-974B-98BC6113CB5C}" type="presOf" srcId="{E45F6C5C-830A-42CF-9F02-440D73489406}" destId="{43A4F653-4A63-4FE9-9D67-2581E273EE77}" srcOrd="0" destOrd="0" presId="urn:microsoft.com/office/officeart/2018/2/layout/IconVerticalSolidList"/>
+    <dgm:cxn modelId="{8B7930AE-7DB8-41B3-BC8D-E5A189A01C2D}" srcId="{E45F6C5C-830A-42CF-9F02-440D73489406}" destId="{B0B1D6D6-0A86-4A99-8DFC-79C90E40B71B}" srcOrd="6" destOrd="0" parTransId="{E598463B-C94A-48AC-9D03-38E0A25542C5}" sibTransId="{24A23BA8-26E8-4473-90D1-211311E7D0E6}"/>
+    <dgm:cxn modelId="{3DEC35B3-37E5-41D1-820D-02D4E0ABDED8}" type="presOf" srcId="{B0B1D6D6-0A86-4A99-8DFC-79C90E40B71B}" destId="{57FFA891-FC19-4E6F-BE25-9D83DCBEB0B5}" srcOrd="0" destOrd="0" presId="urn:microsoft.com/office/officeart/2018/2/layout/IconVerticalSolidList"/>
+    <dgm:cxn modelId="{F87B08EC-DF73-433B-A77D-33A3CEC21F10}" srcId="{E45F6C5C-830A-42CF-9F02-440D73489406}" destId="{2A468B42-16EA-49CD-B516-74B32458C3A2}" srcOrd="4" destOrd="0" parTransId="{6CF82E9E-B375-4B67-8BAE-28AE74AB96DE}" sibTransId="{1AF9CB3D-C46D-4178-9EB8-D376693401BE}"/>
+    <dgm:cxn modelId="{DA6953F3-7B53-402B-88D2-E9EF2EFBE03C}" srcId="{E45F6C5C-830A-42CF-9F02-440D73489406}" destId="{BFF03643-2A25-4F6E-83EB-0A2CE49FAD42}" srcOrd="5" destOrd="0" parTransId="{7B3AA765-3D86-4A97-9F07-79D570F76658}" sibTransId="{44DAECD5-3C63-4EB1-A354-A5C5EBE24D6B}"/>
+    <dgm:cxn modelId="{CBEA1CFC-1309-404A-A115-1A894921A07C}" type="presOf" srcId="{4BBD48DA-BEFC-4121-AE39-4F9830B08652}" destId="{CCE02FCC-FAE4-484B-BEE8-6062E3022AB1}" srcOrd="0" destOrd="0" presId="urn:microsoft.com/office/officeart/2018/2/layout/IconVerticalSolidList"/>
+    <dgm:cxn modelId="{2B5A17FF-5BB1-4DFB-A4B4-501FC0403CF6}" type="presOf" srcId="{EE587B95-142E-4E9E-B49A-903C8BFF8B8F}" destId="{1AC56A2C-F03F-4091-9759-49BDA99BEC78}" srcOrd="0" destOrd="0" presId="urn:microsoft.com/office/officeart/2018/2/layout/IconVerticalSolidList"/>
+    <dgm:cxn modelId="{9B84FC39-11B5-4B4D-8996-D00D87CF329E}" type="presParOf" srcId="{43A4F653-4A63-4FE9-9D67-2581E273EE77}" destId="{67C4B919-B612-43C0-AF29-BDF60D1D07C9}" srcOrd="0" destOrd="0" presId="urn:microsoft.com/office/officeart/2018/2/layout/IconVerticalSolidList"/>
+    <dgm:cxn modelId="{E88E3DDC-BE99-43D8-B3A2-2454D73995FC}" type="presParOf" srcId="{67C4B919-B612-43C0-AF29-BDF60D1D07C9}" destId="{8BE48F09-94F2-43D1-82AC-6AF16D53C93F}" srcOrd="0" destOrd="0" presId="urn:microsoft.com/office/officeart/2018/2/layout/IconVerticalSolidList"/>
+    <dgm:cxn modelId="{9EED44A0-4732-494B-89D3-A8DFB6BEA594}" type="presParOf" srcId="{67C4B919-B612-43C0-AF29-BDF60D1D07C9}" destId="{F3BF47BD-6AD0-4725-96D4-5BF0832983DE}" srcOrd="1" destOrd="0" presId="urn:microsoft.com/office/officeart/2018/2/layout/IconVerticalSolidList"/>
+    <dgm:cxn modelId="{BE31F73C-EEB8-4344-9583-B0A5FCDD85E4}" type="presParOf" srcId="{67C4B919-B612-43C0-AF29-BDF60D1D07C9}" destId="{40231BF8-1A43-4E06-83EC-E5DE6C4EDFF8}" srcOrd="2" destOrd="0" presId="urn:microsoft.com/office/officeart/2018/2/layout/IconVerticalSolidList"/>
+    <dgm:cxn modelId="{9A0F15EE-D0C5-4FA8-B15A-CAA07AB7D11D}" type="presParOf" srcId="{67C4B919-B612-43C0-AF29-BDF60D1D07C9}" destId="{CE9A852A-4ABD-4246-B26B-F8B576BE061F}" srcOrd="3" destOrd="0" presId="urn:microsoft.com/office/officeart/2018/2/layout/IconVerticalSolidList"/>
+    <dgm:cxn modelId="{4E14BDA1-D1E3-40B7-8FF2-1E0D8517106F}" type="presParOf" srcId="{43A4F653-4A63-4FE9-9D67-2581E273EE77}" destId="{9384AABE-F92F-458D-9C05-618754BD7A47}" srcOrd="1" destOrd="0" presId="urn:microsoft.com/office/officeart/2018/2/layout/IconVerticalSolidList"/>
+    <dgm:cxn modelId="{BEC16511-529E-4507-9E64-65EBC141906A}" type="presParOf" srcId="{43A4F653-4A63-4FE9-9D67-2581E273EE77}" destId="{DCB70445-62A2-4033-866F-6869EBA2173A}" srcOrd="2" destOrd="0" presId="urn:microsoft.com/office/officeart/2018/2/layout/IconVerticalSolidList"/>
+    <dgm:cxn modelId="{509AECB6-200E-45A6-BD55-1D6C8D7DCCCF}" type="presParOf" srcId="{DCB70445-62A2-4033-866F-6869EBA2173A}" destId="{0F9E7564-DB86-4789-86B5-2EF815409DEF}" srcOrd="0" destOrd="0" presId="urn:microsoft.com/office/officeart/2018/2/layout/IconVerticalSolidList"/>
+    <dgm:cxn modelId="{9426726A-FC26-4307-B43C-F25A0E8B41E3}" type="presParOf" srcId="{DCB70445-62A2-4033-866F-6869EBA2173A}" destId="{F28ADCF6-CD2F-44E6-B422-ADEC9303B8A2}" srcOrd="1" destOrd="0" presId="urn:microsoft.com/office/officeart/2018/2/layout/IconVerticalSolidList"/>
+    <dgm:cxn modelId="{8E349DAF-F010-416B-8E0B-D504BE8518D3}" type="presParOf" srcId="{DCB70445-62A2-4033-866F-6869EBA2173A}" destId="{6AE8A16C-07C4-4DC8-9787-DD5B5BA7F852}" srcOrd="2" destOrd="0" presId="urn:microsoft.com/office/officeart/2018/2/layout/IconVerticalSolidList"/>
+    <dgm:cxn modelId="{BA9CE404-ECC7-46DE-A365-B007BD2BEAB2}" type="presParOf" srcId="{DCB70445-62A2-4033-866F-6869EBA2173A}" destId="{1AC56A2C-F03F-4091-9759-49BDA99BEC78}" srcOrd="3" destOrd="0" presId="urn:microsoft.com/office/officeart/2018/2/layout/IconVerticalSolidList"/>
+    <dgm:cxn modelId="{65849873-79CB-4CEF-A1C9-40150D958DEF}" type="presParOf" srcId="{43A4F653-4A63-4FE9-9D67-2581E273EE77}" destId="{8D849B60-4650-4ED0-9505-E9110C9603B7}" srcOrd="3" destOrd="0" presId="urn:microsoft.com/office/officeart/2018/2/layout/IconVerticalSolidList"/>
+    <dgm:cxn modelId="{D2802B96-E029-4A60-9B79-3150C4871404}" type="presParOf" srcId="{43A4F653-4A63-4FE9-9D67-2581E273EE77}" destId="{A4CEC9A3-24D1-4CED-82FC-91BCFBBA1260}" srcOrd="4" destOrd="0" presId="urn:microsoft.com/office/officeart/2018/2/layout/IconVerticalSolidList"/>
+    <dgm:cxn modelId="{500081A1-492F-46DB-9383-8DC9E2883295}" type="presParOf" srcId="{A4CEC9A3-24D1-4CED-82FC-91BCFBBA1260}" destId="{F043F56E-006B-4A13-9AFC-481316031273}" srcOrd="0" destOrd="0" presId="urn:microsoft.com/office/officeart/2018/2/layout/IconVerticalSolidList"/>
+    <dgm:cxn modelId="{0D553892-1793-4D94-A0A1-CC4DF2316F78}" type="presParOf" srcId="{A4CEC9A3-24D1-4CED-82FC-91BCFBBA1260}" destId="{FFF4F7AB-35CF-4E08-A1D3-C2F86BB50EC8}" srcOrd="1" destOrd="0" presId="urn:microsoft.com/office/officeart/2018/2/layout/IconVerticalSolidList"/>
+    <dgm:cxn modelId="{511DE706-6DCD-48EF-AD73-A63AA1CFFF09}" type="presParOf" srcId="{A4CEC9A3-24D1-4CED-82FC-91BCFBBA1260}" destId="{EA8241E2-5EAF-4558-8E43-28BB086AA698}" srcOrd="2" destOrd="0" presId="urn:microsoft.com/office/officeart/2018/2/layout/IconVerticalSolidList"/>
+    <dgm:cxn modelId="{3875B9D9-D70F-43B6-B843-A73435E0FE35}" type="presParOf" srcId="{A4CEC9A3-24D1-4CED-82FC-91BCFBBA1260}" destId="{0E4D41CE-0722-4442-A214-A2DC0E4C8901}" srcOrd="3" destOrd="0" presId="urn:microsoft.com/office/officeart/2018/2/layout/IconVerticalSolidList"/>
+    <dgm:cxn modelId="{43702739-A916-437F-96E5-6C2141AE181F}" type="presParOf" srcId="{43A4F653-4A63-4FE9-9D67-2581E273EE77}" destId="{26771068-983E-4E62-A1D3-ED2BF593F462}" srcOrd="5" destOrd="0" presId="urn:microsoft.com/office/officeart/2018/2/layout/IconVerticalSolidList"/>
+    <dgm:cxn modelId="{9FE2D52B-E7FE-4398-847E-181DA11101BC}" type="presParOf" srcId="{43A4F653-4A63-4FE9-9D67-2581E273EE77}" destId="{70554D12-8F95-47A7-B079-C0C18A3D671C}" srcOrd="6" destOrd="0" presId="urn:microsoft.com/office/officeart/2018/2/layout/IconVerticalSolidList"/>
+    <dgm:cxn modelId="{7AF1AED5-10DA-4B58-B6A1-764109A2ED16}" type="presParOf" srcId="{70554D12-8F95-47A7-B079-C0C18A3D671C}" destId="{A0C7DBE0-86E1-44B1-8973-6CE23537AFA2}" srcOrd="0" destOrd="0" presId="urn:microsoft.com/office/officeart/2018/2/layout/IconVerticalSolidList"/>
+    <dgm:cxn modelId="{5DC071B0-8108-4A92-BED7-CBDC56257025}" type="presParOf" srcId="{70554D12-8F95-47A7-B079-C0C18A3D671C}" destId="{2ECCC7EC-FB52-4D78-B805-FC470F6AFD4D}" srcOrd="1" destOrd="0" presId="urn:microsoft.com/office/officeart/2018/2/layout/IconVerticalSolidList"/>
+    <dgm:cxn modelId="{77EE3C8A-33E7-4AAE-A249-ACF8DAEB7BA6}" type="presParOf" srcId="{70554D12-8F95-47A7-B079-C0C18A3D671C}" destId="{FDB11809-6E32-44A6-8D2B-831FD1D0AE14}" srcOrd="2" destOrd="0" presId="urn:microsoft.com/office/officeart/2018/2/layout/IconVerticalSolidList"/>
+    <dgm:cxn modelId="{BE2FD985-8A43-4F60-9623-0E13F7832EDA}" type="presParOf" srcId="{70554D12-8F95-47A7-B079-C0C18A3D671C}" destId="{CCE02FCC-FAE4-484B-BEE8-6062E3022AB1}" srcOrd="3" destOrd="0" presId="urn:microsoft.com/office/officeart/2018/2/layout/IconVerticalSolidList"/>
+    <dgm:cxn modelId="{FE52EBB6-3739-4029-A877-270401537E3C}" type="presParOf" srcId="{43A4F653-4A63-4FE9-9D67-2581E273EE77}" destId="{8D5DF404-D9EE-459C-9067-897068291D13}" srcOrd="7" destOrd="0" presId="urn:microsoft.com/office/officeart/2018/2/layout/IconVerticalSolidList"/>
+    <dgm:cxn modelId="{A3FD3DD6-50B6-4BCC-BA5D-E0167D97B945}" type="presParOf" srcId="{43A4F653-4A63-4FE9-9D67-2581E273EE77}" destId="{BA264BF9-324A-4C68-9E98-C15942DA9736}" srcOrd="8" destOrd="0" presId="urn:microsoft.com/office/officeart/2018/2/layout/IconVerticalSolidList"/>
+    <dgm:cxn modelId="{18268955-8A91-406D-A7EF-9AFBC7B11E9E}" type="presParOf" srcId="{BA264BF9-324A-4C68-9E98-C15942DA9736}" destId="{4C275264-D6BB-4CD9-96B3-4FE31E46699F}" srcOrd="0" destOrd="0" presId="urn:microsoft.com/office/officeart/2018/2/layout/IconVerticalSolidList"/>
+    <dgm:cxn modelId="{AC35F788-B332-483E-AC9A-87DE6C053A0B}" type="presParOf" srcId="{BA264BF9-324A-4C68-9E98-C15942DA9736}" destId="{7582F1FE-4477-46E9-8CBE-2C7BF4ED73BA}" srcOrd="1" destOrd="0" presId="urn:microsoft.com/office/officeart/2018/2/layout/IconVerticalSolidList"/>
+    <dgm:cxn modelId="{9B38D0A7-D8E2-4486-8DD4-9319600BF20C}" type="presParOf" srcId="{BA264BF9-324A-4C68-9E98-C15942DA9736}" destId="{ADE1B4C6-A729-4B9D-911C-A4E55E8F6114}" srcOrd="2" destOrd="0" presId="urn:microsoft.com/office/officeart/2018/2/layout/IconVerticalSolidList"/>
+    <dgm:cxn modelId="{94DA6494-4DBA-4641-82C2-C19306536E10}" type="presParOf" srcId="{BA264BF9-324A-4C68-9E98-C15942DA9736}" destId="{5792F0CA-402D-4488-A5AA-1E0F51CE108A}" srcOrd="3" destOrd="0" presId="urn:microsoft.com/office/officeart/2018/2/layout/IconVerticalSolidList"/>
+    <dgm:cxn modelId="{46CF2851-D231-42BE-AF18-92C673F4003E}" type="presParOf" srcId="{43A4F653-4A63-4FE9-9D67-2581E273EE77}" destId="{44A89383-B3A5-4448-9D9D-64F4E76E9734}" srcOrd="9" destOrd="0" presId="urn:microsoft.com/office/officeart/2018/2/layout/IconVerticalSolidList"/>
+    <dgm:cxn modelId="{991F8685-993B-4B96-9738-F0D6925FA8B8}" type="presParOf" srcId="{43A4F653-4A63-4FE9-9D67-2581E273EE77}" destId="{9AD5F1AD-72F6-4953-9BCD-7A223E836C5B}" srcOrd="10" destOrd="0" presId="urn:microsoft.com/office/officeart/2018/2/layout/IconVerticalSolidList"/>
+    <dgm:cxn modelId="{1DC270F9-BE75-4B9D-8D74-98BF67202281}" type="presParOf" srcId="{9AD5F1AD-72F6-4953-9BCD-7A223E836C5B}" destId="{9E8DF0AB-DA20-426A-A95E-ABBEA9A210AB}" srcOrd="0" destOrd="0" presId="urn:microsoft.com/office/officeart/2018/2/layout/IconVerticalSolidList"/>
+    <dgm:cxn modelId="{AD8D68C5-29E3-443B-84B1-6144E488A10B}" type="presParOf" srcId="{9AD5F1AD-72F6-4953-9BCD-7A223E836C5B}" destId="{19D8AF49-E5A5-42E7-8252-CCEF28ACC09D}" srcOrd="1" destOrd="0" presId="urn:microsoft.com/office/officeart/2018/2/layout/IconVerticalSolidList"/>
+    <dgm:cxn modelId="{049CCE7B-A304-43A2-A5D9-55FF48C41365}" type="presParOf" srcId="{9AD5F1AD-72F6-4953-9BCD-7A223E836C5B}" destId="{B47853E4-DAD5-45F2-87D0-5307D928E6C2}" srcOrd="2" destOrd="0" presId="urn:microsoft.com/office/officeart/2018/2/layout/IconVerticalSolidList"/>
+    <dgm:cxn modelId="{4053A158-EE8C-4A48-A1E0-0444C40424BD}" type="presParOf" srcId="{9AD5F1AD-72F6-4953-9BCD-7A223E836C5B}" destId="{B62ED4BF-1E48-445C-B59A-85B4F5BC88FB}" srcOrd="3" destOrd="0" presId="urn:microsoft.com/office/officeart/2018/2/layout/IconVerticalSolidList"/>
+    <dgm:cxn modelId="{5E6BA2C0-17BE-4C1F-A9F1-AD7BEB5BA79B}" type="presParOf" srcId="{43A4F653-4A63-4FE9-9D67-2581E273EE77}" destId="{A4B035CC-2039-4BF7-9D4C-3FB70B319D2D}" srcOrd="11" destOrd="0" presId="urn:microsoft.com/office/officeart/2018/2/layout/IconVerticalSolidList"/>
+    <dgm:cxn modelId="{FDA35535-BA01-4D20-AA3E-85D91D22DEED}" type="presParOf" srcId="{43A4F653-4A63-4FE9-9D67-2581E273EE77}" destId="{F3762D77-7FCA-4102-BD3A-8A17C7B2A7D6}" srcOrd="12" destOrd="0" presId="urn:microsoft.com/office/officeart/2018/2/layout/IconVerticalSolidList"/>
+    <dgm:cxn modelId="{FB52A583-5B1F-4D0F-B5D6-2C96EA788D64}" type="presParOf" srcId="{F3762D77-7FCA-4102-BD3A-8A17C7B2A7D6}" destId="{0962AC2A-7BE9-4120-A742-3A9340F068BF}" srcOrd="0" destOrd="0" presId="urn:microsoft.com/office/officeart/2018/2/layout/IconVerticalSolidList"/>
+    <dgm:cxn modelId="{48A1EC37-1834-411C-8CB2-5909F1F41293}" type="presParOf" srcId="{F3762D77-7FCA-4102-BD3A-8A17C7B2A7D6}" destId="{948BA9F6-9DDE-4982-8DBC-10A2E12B9241}" srcOrd="1" destOrd="0" presId="urn:microsoft.com/office/officeart/2018/2/layout/IconVerticalSolidList"/>
+    <dgm:cxn modelId="{1DFA4C62-BD77-4861-8CA7-8C0F3DA7AB70}" type="presParOf" srcId="{F3762D77-7FCA-4102-BD3A-8A17C7B2A7D6}" destId="{D6B064F8-297D-472B-83A7-160E2BD899B7}" srcOrd="2" destOrd="0" presId="urn:microsoft.com/office/officeart/2018/2/layout/IconVerticalSolidList"/>
+    <dgm:cxn modelId="{5226077E-19F8-4D0D-B4DA-6581BE4BE35B}" type="presParOf" srcId="{F3762D77-7FCA-4102-BD3A-8A17C7B2A7D6}" destId="{57FFA891-FC19-4E6F-BE25-9D83DCBEB0B5}" srcOrd="3" destOrd="0" presId="urn:microsoft.com/office/officeart/2018/2/layout/IconVerticalSolidList"/>
+    <dgm:cxn modelId="{C6566C47-18D2-4EDC-B284-E31740B64532}" type="presParOf" srcId="{43A4F653-4A63-4FE9-9D67-2581E273EE77}" destId="{BDAC0D52-D04C-443B-B57F-F1E5387DC863}" srcOrd="13" destOrd="0" presId="urn:microsoft.com/office/officeart/2018/2/layout/IconVerticalSolidList"/>
+    <dgm:cxn modelId="{40FF959D-75AE-4D2D-AFCF-89592A97DE83}" type="presParOf" srcId="{43A4F653-4A63-4FE9-9D67-2581E273EE77}" destId="{961794C0-E830-4699-A67B-D20F45DDE579}" srcOrd="14" destOrd="0" presId="urn:microsoft.com/office/officeart/2018/2/layout/IconVerticalSolidList"/>
+    <dgm:cxn modelId="{AA9EDEEE-C354-443B-B160-185137B6FD1C}" type="presParOf" srcId="{961794C0-E830-4699-A67B-D20F45DDE579}" destId="{DEAB92ED-D633-4A60-9C26-A564D4301B9E}" srcOrd="0" destOrd="0" presId="urn:microsoft.com/office/officeart/2018/2/layout/IconVerticalSolidList"/>
+    <dgm:cxn modelId="{F1F82A0E-12B0-4BCD-857A-A2CF23E88722}" type="presParOf" srcId="{961794C0-E830-4699-A67B-D20F45DDE579}" destId="{9E3D8F3E-8FB1-4A92-872F-B27E38EB471A}" srcOrd="1" destOrd="0" presId="urn:microsoft.com/office/officeart/2018/2/layout/IconVerticalSolidList"/>
+    <dgm:cxn modelId="{937F0A36-3F7A-490F-B4CF-3D657A0F88EF}" type="presParOf" srcId="{961794C0-E830-4699-A67B-D20F45DDE579}" destId="{2491DF38-5C3C-490B-8CE3-D87758FA5D46}" srcOrd="2" destOrd="0" presId="urn:microsoft.com/office/officeart/2018/2/layout/IconVerticalSolidList"/>
+    <dgm:cxn modelId="{A039F3C8-BC29-4817-90B8-E4B62165BCC7}" type="presParOf" srcId="{961794C0-E830-4699-A67B-D20F45DDE579}" destId="{EF542873-E671-42E9-AF6C-D72028534514}" srcOrd="3" destOrd="0" presId="urn:microsoft.com/office/officeart/2018/2/layout/IconVerticalSolidList"/>
+  </dgm:cxnLst>
+  <dgm:bg/>
+  <dgm:whole/>
+  <dgm:extLst>
+    <a:ext uri="http://schemas.microsoft.com/office/drawing/2008/diagram">
+      <dsp:dataModelExt xmlns:dsp="http://schemas.microsoft.com/office/drawing/2008/diagram" relId="rId10" minVer="http://schemas.openxmlformats.org/drawingml/2006/diagram"/>
+    </a:ext>
+  </dgm:extLst>
+</dgm:dataModel>
+</file>
+
+<file path=ppt/diagrams/data2.xml><?xml version="1.0" encoding="utf-8"?>
 <dgm:dataModel xmlns:dgm="http://schemas.openxmlformats.org/drawingml/2006/diagram" xmlns:a="http://schemas.openxmlformats.org/drawingml/2006/main">
   <dgm:ptLst>
     <dgm:pt modelId="{B2BB9A3F-8812-4200-85AE-FD01FCDBA3D5}" type="doc">
@@ -4398,7 +6128,7 @@
 </dgm:dataModel>
 </file>
 
-<file path=ppt/diagrams/data2.xml><?xml version="1.0" encoding="utf-8"?>
+<file path=ppt/diagrams/data3.xml><?xml version="1.0" encoding="utf-8"?>
 <dgm:dataModel xmlns:dgm="http://schemas.openxmlformats.org/drawingml/2006/diagram" xmlns:a="http://schemas.openxmlformats.org/drawingml/2006/main">
   <dgm:ptLst>
     <dgm:pt modelId="{67D256B3-9680-4316-ADE0-BA293EFFAE8B}" type="doc">
@@ -4723,7 +6453,7 @@
 </dgm:dataModel>
 </file>
 
-<file path=ppt/diagrams/data3.xml><?xml version="1.0" encoding="utf-8"?>
+<file path=ppt/diagrams/data4.xml><?xml version="1.0" encoding="utf-8"?>
 <dgm:dataModel xmlns:dgm="http://schemas.openxmlformats.org/drawingml/2006/diagram" xmlns:a="http://schemas.openxmlformats.org/drawingml/2006/main">
   <dgm:ptLst>
     <dgm:pt modelId="{E98AFDB9-25B1-42A8-B3A8-CFC2C5FE3EFC}" type="doc">
@@ -5057,7 +6787,7 @@
 </dgm:dataModel>
 </file>
 
-<file path=ppt/diagrams/data4.xml><?xml version="1.0" encoding="utf-8"?>
+<file path=ppt/diagrams/data5.xml><?xml version="1.0" encoding="utf-8"?>
 <dgm:dataModel xmlns:dgm="http://schemas.openxmlformats.org/drawingml/2006/diagram" xmlns:a="http://schemas.openxmlformats.org/drawingml/2006/main">
   <dgm:ptLst>
     <dgm:pt modelId="{27057191-ABB3-4324-875B-128343672CEB}" type="doc">
@@ -5265,6 +6995,1227 @@
 </file>
 
 <file path=ppt/diagrams/drawing1.xml><?xml version="1.0" encoding="utf-8"?>
+<dsp:drawing xmlns:dgm="http://schemas.openxmlformats.org/drawingml/2006/diagram" xmlns:dsp="http://schemas.microsoft.com/office/drawing/2008/diagram" xmlns:a="http://schemas.openxmlformats.org/drawingml/2006/main">
+  <dsp:spTree>
+    <dsp:nvGrpSpPr>
+      <dsp:cNvPr id="0" name=""/>
+      <dsp:cNvGrpSpPr/>
+    </dsp:nvGrpSpPr>
+    <dsp:grpSpPr/>
+    <dsp:sp modelId="{8BE48F09-94F2-43D1-82AC-6AF16D53C93F}">
+      <dsp:nvSpPr>
+        <dsp:cNvPr id="0" name=""/>
+        <dsp:cNvSpPr/>
+      </dsp:nvSpPr>
+      <dsp:spPr>
+        <a:xfrm>
+          <a:off x="0" y="558"/>
+          <a:ext cx="6496050" cy="468808"/>
+        </a:xfrm>
+        <a:prstGeom prst="roundRect">
+          <a:avLst>
+            <a:gd name="adj" fmla="val 10000"/>
+          </a:avLst>
+        </a:prstGeom>
+        <a:solidFill>
+          <a:schemeClr val="bg1">
+            <a:lumMod val="95000"/>
+            <a:hueOff val="0"/>
+            <a:satOff val="0"/>
+            <a:lumOff val="0"/>
+            <a:alphaOff val="0"/>
+          </a:schemeClr>
+        </a:solidFill>
+        <a:ln>
+          <a:noFill/>
+        </a:ln>
+        <a:effectLst/>
+      </dsp:spPr>
+      <dsp:style>
+        <a:lnRef idx="0">
+          <a:scrgbClr r="0" g="0" b="0"/>
+        </a:lnRef>
+        <a:fillRef idx="1">
+          <a:scrgbClr r="0" g="0" b="0"/>
+        </a:fillRef>
+        <a:effectRef idx="0">
+          <a:scrgbClr r="0" g="0" b="0"/>
+        </a:effectRef>
+        <a:fontRef idx="minor"/>
+      </dsp:style>
+    </dsp:sp>
+    <dsp:sp modelId="{F3BF47BD-6AD0-4725-96D4-5BF0832983DE}">
+      <dsp:nvSpPr>
+        <dsp:cNvPr id="0" name=""/>
+        <dsp:cNvSpPr/>
+      </dsp:nvSpPr>
+      <dsp:spPr>
+        <a:xfrm>
+          <a:off x="141814" y="106040"/>
+          <a:ext cx="257844" cy="257844"/>
+        </a:xfrm>
+        <a:prstGeom prst="rect">
+          <a:avLst/>
+        </a:prstGeom>
+        <a:blipFill>
+          <a:blip xmlns:r="http://schemas.openxmlformats.org/officeDocument/2006/relationships" r:embed="rId1">
+            <a:extLst>
+              <a:ext uri="{28A0092B-C50C-407E-A947-70E740481C1C}">
+                <a14:useLocalDpi xmlns:a14="http://schemas.microsoft.com/office/drawing/2010/main" val="0"/>
+              </a:ext>
+              <a:ext uri="{96DAC541-7B7A-43D3-8B79-37D633B846F1}">
+                <asvg:svgBlip xmlns:asvg="http://schemas.microsoft.com/office/drawing/2016/SVG/main" r:embed="rId2"/>
+              </a:ext>
+            </a:extLst>
+          </a:blip>
+          <a:stretch>
+            <a:fillRect/>
+          </a:stretch>
+        </a:blipFill>
+        <a:ln w="19050" cap="rnd" cmpd="sng" algn="ctr">
+          <a:noFill/>
+          <a:prstDash val="solid"/>
+        </a:ln>
+        <a:effectLst/>
+      </dsp:spPr>
+      <dsp:style>
+        <a:lnRef idx="2">
+          <a:scrgbClr r="0" g="0" b="0"/>
+        </a:lnRef>
+        <a:fillRef idx="1">
+          <a:scrgbClr r="0" g="0" b="0"/>
+        </a:fillRef>
+        <a:effectRef idx="0">
+          <a:scrgbClr r="0" g="0" b="0"/>
+        </a:effectRef>
+        <a:fontRef idx="minor">
+          <a:schemeClr val="lt1"/>
+        </a:fontRef>
+      </dsp:style>
+    </dsp:sp>
+    <dsp:sp modelId="{CE9A852A-4ABD-4246-B26B-F8B576BE061F}">
+      <dsp:nvSpPr>
+        <dsp:cNvPr id="0" name=""/>
+        <dsp:cNvSpPr/>
+      </dsp:nvSpPr>
+      <dsp:spPr>
+        <a:xfrm>
+          <a:off x="541473" y="558"/>
+          <a:ext cx="5954576" cy="468808"/>
+        </a:xfrm>
+        <a:prstGeom prst="rect">
+          <a:avLst/>
+        </a:prstGeom>
+        <a:noFill/>
+        <a:ln>
+          <a:noFill/>
+        </a:ln>
+        <a:effectLst/>
+      </dsp:spPr>
+      <dsp:style>
+        <a:lnRef idx="0">
+          <a:scrgbClr r="0" g="0" b="0"/>
+        </a:lnRef>
+        <a:fillRef idx="0">
+          <a:scrgbClr r="0" g="0" b="0"/>
+        </a:fillRef>
+        <a:effectRef idx="0">
+          <a:scrgbClr r="0" g="0" b="0"/>
+        </a:effectRef>
+        <a:fontRef idx="minor"/>
+      </dsp:style>
+      <dsp:txBody>
+        <a:bodyPr spcFirstLastPara="0" vert="horz" wrap="square" lIns="49616" tIns="49616" rIns="49616" bIns="49616" numCol="1" spcCol="1270" anchor="ctr" anchorCtr="0">
+          <a:noAutofit/>
+        </a:bodyPr>
+        <a:lstStyle/>
+        <a:p>
+          <a:pPr marL="0" lvl="0" indent="0" algn="l" defTabSz="711200">
+            <a:lnSpc>
+              <a:spcPct val="90000"/>
+            </a:lnSpc>
+            <a:spcBef>
+              <a:spcPct val="0"/>
+            </a:spcBef>
+            <a:spcAft>
+              <a:spcPct val="35000"/>
+            </a:spcAft>
+            <a:buNone/>
+          </a:pPr>
+          <a:r>
+            <a:rPr lang="en-US" sz="1600" kern="1200"/>
+            <a:t>Motivation and Hypothesis</a:t>
+          </a:r>
+        </a:p>
+      </dsp:txBody>
+      <dsp:txXfrm>
+        <a:off x="541473" y="558"/>
+        <a:ext cx="5954576" cy="468808"/>
+      </dsp:txXfrm>
+    </dsp:sp>
+    <dsp:sp modelId="{0F9E7564-DB86-4789-86B5-2EF815409DEF}">
+      <dsp:nvSpPr>
+        <dsp:cNvPr id="0" name=""/>
+        <dsp:cNvSpPr/>
+      </dsp:nvSpPr>
+      <dsp:spPr>
+        <a:xfrm>
+          <a:off x="0" y="586568"/>
+          <a:ext cx="6496050" cy="468808"/>
+        </a:xfrm>
+        <a:prstGeom prst="roundRect">
+          <a:avLst>
+            <a:gd name="adj" fmla="val 10000"/>
+          </a:avLst>
+        </a:prstGeom>
+        <a:solidFill>
+          <a:schemeClr val="bg1">
+            <a:lumMod val="95000"/>
+            <a:hueOff val="0"/>
+            <a:satOff val="0"/>
+            <a:lumOff val="0"/>
+            <a:alphaOff val="0"/>
+          </a:schemeClr>
+        </a:solidFill>
+        <a:ln>
+          <a:noFill/>
+        </a:ln>
+        <a:effectLst/>
+      </dsp:spPr>
+      <dsp:style>
+        <a:lnRef idx="0">
+          <a:scrgbClr r="0" g="0" b="0"/>
+        </a:lnRef>
+        <a:fillRef idx="1">
+          <a:scrgbClr r="0" g="0" b="0"/>
+        </a:fillRef>
+        <a:effectRef idx="0">
+          <a:scrgbClr r="0" g="0" b="0"/>
+        </a:effectRef>
+        <a:fontRef idx="minor"/>
+      </dsp:style>
+    </dsp:sp>
+    <dsp:sp modelId="{F28ADCF6-CD2F-44E6-B422-ADEC9303B8A2}">
+      <dsp:nvSpPr>
+        <dsp:cNvPr id="0" name=""/>
+        <dsp:cNvSpPr/>
+      </dsp:nvSpPr>
+      <dsp:spPr>
+        <a:xfrm>
+          <a:off x="141814" y="692050"/>
+          <a:ext cx="257844" cy="257844"/>
+        </a:xfrm>
+        <a:prstGeom prst="rect">
+          <a:avLst/>
+        </a:prstGeom>
+        <a:blipFill>
+          <a:blip xmlns:r="http://schemas.openxmlformats.org/officeDocument/2006/relationships" r:embed="rId3">
+            <a:extLst>
+              <a:ext uri="{28A0092B-C50C-407E-A947-70E740481C1C}">
+                <a14:useLocalDpi xmlns:a14="http://schemas.microsoft.com/office/drawing/2010/main" val="0"/>
+              </a:ext>
+              <a:ext uri="{96DAC541-7B7A-43D3-8B79-37D633B846F1}">
+                <asvg:svgBlip xmlns:asvg="http://schemas.microsoft.com/office/drawing/2016/SVG/main" r:embed="rId4"/>
+              </a:ext>
+            </a:extLst>
+          </a:blip>
+          <a:stretch>
+            <a:fillRect/>
+          </a:stretch>
+        </a:blipFill>
+        <a:ln w="19050" cap="rnd" cmpd="sng" algn="ctr">
+          <a:noFill/>
+          <a:prstDash val="solid"/>
+        </a:ln>
+        <a:effectLst/>
+      </dsp:spPr>
+      <dsp:style>
+        <a:lnRef idx="2">
+          <a:scrgbClr r="0" g="0" b="0"/>
+        </a:lnRef>
+        <a:fillRef idx="1">
+          <a:scrgbClr r="0" g="0" b="0"/>
+        </a:fillRef>
+        <a:effectRef idx="0">
+          <a:scrgbClr r="0" g="0" b="0"/>
+        </a:effectRef>
+        <a:fontRef idx="minor">
+          <a:schemeClr val="lt1"/>
+        </a:fontRef>
+      </dsp:style>
+    </dsp:sp>
+    <dsp:sp modelId="{1AC56A2C-F03F-4091-9759-49BDA99BEC78}">
+      <dsp:nvSpPr>
+        <dsp:cNvPr id="0" name=""/>
+        <dsp:cNvSpPr/>
+      </dsp:nvSpPr>
+      <dsp:spPr>
+        <a:xfrm>
+          <a:off x="541473" y="586568"/>
+          <a:ext cx="5954576" cy="468808"/>
+        </a:xfrm>
+        <a:prstGeom prst="rect">
+          <a:avLst/>
+        </a:prstGeom>
+        <a:noFill/>
+        <a:ln>
+          <a:noFill/>
+        </a:ln>
+        <a:effectLst/>
+      </dsp:spPr>
+      <dsp:style>
+        <a:lnRef idx="0">
+          <a:scrgbClr r="0" g="0" b="0"/>
+        </a:lnRef>
+        <a:fillRef idx="0">
+          <a:scrgbClr r="0" g="0" b="0"/>
+        </a:fillRef>
+        <a:effectRef idx="0">
+          <a:scrgbClr r="0" g="0" b="0"/>
+        </a:effectRef>
+        <a:fontRef idx="minor"/>
+      </dsp:style>
+      <dsp:txBody>
+        <a:bodyPr spcFirstLastPara="0" vert="horz" wrap="square" lIns="49616" tIns="49616" rIns="49616" bIns="49616" numCol="1" spcCol="1270" anchor="ctr" anchorCtr="0">
+          <a:noAutofit/>
+        </a:bodyPr>
+        <a:lstStyle/>
+        <a:p>
+          <a:pPr marL="0" lvl="0" indent="0" algn="l" defTabSz="711200">
+            <a:lnSpc>
+              <a:spcPct val="90000"/>
+            </a:lnSpc>
+            <a:spcBef>
+              <a:spcPct val="0"/>
+            </a:spcBef>
+            <a:spcAft>
+              <a:spcPct val="35000"/>
+            </a:spcAft>
+            <a:buNone/>
+          </a:pPr>
+          <a:r>
+            <a:rPr lang="en-US" sz="1600" kern="1200"/>
+            <a:t>Data Source</a:t>
+          </a:r>
+        </a:p>
+      </dsp:txBody>
+      <dsp:txXfrm>
+        <a:off x="541473" y="586568"/>
+        <a:ext cx="5954576" cy="468808"/>
+      </dsp:txXfrm>
+    </dsp:sp>
+    <dsp:sp modelId="{F043F56E-006B-4A13-9AFC-481316031273}">
+      <dsp:nvSpPr>
+        <dsp:cNvPr id="0" name=""/>
+        <dsp:cNvSpPr/>
+      </dsp:nvSpPr>
+      <dsp:spPr>
+        <a:xfrm>
+          <a:off x="0" y="1172579"/>
+          <a:ext cx="6496050" cy="468808"/>
+        </a:xfrm>
+        <a:prstGeom prst="roundRect">
+          <a:avLst>
+            <a:gd name="adj" fmla="val 10000"/>
+          </a:avLst>
+        </a:prstGeom>
+        <a:solidFill>
+          <a:schemeClr val="bg1">
+            <a:lumMod val="95000"/>
+            <a:hueOff val="0"/>
+            <a:satOff val="0"/>
+            <a:lumOff val="0"/>
+            <a:alphaOff val="0"/>
+          </a:schemeClr>
+        </a:solidFill>
+        <a:ln>
+          <a:noFill/>
+        </a:ln>
+        <a:effectLst/>
+      </dsp:spPr>
+      <dsp:style>
+        <a:lnRef idx="0">
+          <a:scrgbClr r="0" g="0" b="0"/>
+        </a:lnRef>
+        <a:fillRef idx="1">
+          <a:scrgbClr r="0" g="0" b="0"/>
+        </a:fillRef>
+        <a:effectRef idx="0">
+          <a:scrgbClr r="0" g="0" b="0"/>
+        </a:effectRef>
+        <a:fontRef idx="minor"/>
+      </dsp:style>
+    </dsp:sp>
+    <dsp:sp modelId="{FFF4F7AB-35CF-4E08-A1D3-C2F86BB50EC8}">
+      <dsp:nvSpPr>
+        <dsp:cNvPr id="0" name=""/>
+        <dsp:cNvSpPr/>
+      </dsp:nvSpPr>
+      <dsp:spPr>
+        <a:xfrm>
+          <a:off x="141814" y="1278061"/>
+          <a:ext cx="257844" cy="257844"/>
+        </a:xfrm>
+        <a:prstGeom prst="rect">
+          <a:avLst/>
+        </a:prstGeom>
+        <a:blipFill>
+          <a:blip xmlns:r="http://schemas.openxmlformats.org/officeDocument/2006/relationships" r:embed="rId5">
+            <a:extLst>
+              <a:ext uri="{28A0092B-C50C-407E-A947-70E740481C1C}">
+                <a14:useLocalDpi xmlns:a14="http://schemas.microsoft.com/office/drawing/2010/main" val="0"/>
+              </a:ext>
+              <a:ext uri="{96DAC541-7B7A-43D3-8B79-37D633B846F1}">
+                <asvg:svgBlip xmlns:asvg="http://schemas.microsoft.com/office/drawing/2016/SVG/main" r:embed="rId6"/>
+              </a:ext>
+            </a:extLst>
+          </a:blip>
+          <a:srcRect/>
+          <a:stretch>
+            <a:fillRect/>
+          </a:stretch>
+        </a:blipFill>
+        <a:ln w="19050" cap="rnd" cmpd="sng" algn="ctr">
+          <a:noFill/>
+          <a:prstDash val="solid"/>
+        </a:ln>
+        <a:effectLst/>
+      </dsp:spPr>
+      <dsp:style>
+        <a:lnRef idx="2">
+          <a:scrgbClr r="0" g="0" b="0"/>
+        </a:lnRef>
+        <a:fillRef idx="1">
+          <a:scrgbClr r="0" g="0" b="0"/>
+        </a:fillRef>
+        <a:effectRef idx="0">
+          <a:scrgbClr r="0" g="0" b="0"/>
+        </a:effectRef>
+        <a:fontRef idx="minor">
+          <a:schemeClr val="lt1"/>
+        </a:fontRef>
+      </dsp:style>
+    </dsp:sp>
+    <dsp:sp modelId="{0E4D41CE-0722-4442-A214-A2DC0E4C8901}">
+      <dsp:nvSpPr>
+        <dsp:cNvPr id="0" name=""/>
+        <dsp:cNvSpPr/>
+      </dsp:nvSpPr>
+      <dsp:spPr>
+        <a:xfrm>
+          <a:off x="541473" y="1172579"/>
+          <a:ext cx="5954576" cy="468808"/>
+        </a:xfrm>
+        <a:prstGeom prst="rect">
+          <a:avLst/>
+        </a:prstGeom>
+        <a:noFill/>
+        <a:ln>
+          <a:noFill/>
+        </a:ln>
+        <a:effectLst/>
+      </dsp:spPr>
+      <dsp:style>
+        <a:lnRef idx="0">
+          <a:scrgbClr r="0" g="0" b="0"/>
+        </a:lnRef>
+        <a:fillRef idx="0">
+          <a:scrgbClr r="0" g="0" b="0"/>
+        </a:fillRef>
+        <a:effectRef idx="0">
+          <a:scrgbClr r="0" g="0" b="0"/>
+        </a:effectRef>
+        <a:fontRef idx="minor"/>
+      </dsp:style>
+      <dsp:txBody>
+        <a:bodyPr spcFirstLastPara="0" vert="horz" wrap="square" lIns="49616" tIns="49616" rIns="49616" bIns="49616" numCol="1" spcCol="1270" anchor="ctr" anchorCtr="0">
+          <a:noAutofit/>
+        </a:bodyPr>
+        <a:lstStyle/>
+        <a:p>
+          <a:pPr marL="0" lvl="0" indent="0" algn="l" defTabSz="711200">
+            <a:lnSpc>
+              <a:spcPct val="90000"/>
+            </a:lnSpc>
+            <a:spcBef>
+              <a:spcPct val="0"/>
+            </a:spcBef>
+            <a:spcAft>
+              <a:spcPct val="35000"/>
+            </a:spcAft>
+            <a:buNone/>
+          </a:pPr>
+          <a:r>
+            <a:rPr lang="en-US" sz="1600" kern="1200"/>
+            <a:t>Data Ingest and Wrangling</a:t>
+          </a:r>
+        </a:p>
+      </dsp:txBody>
+      <dsp:txXfrm>
+        <a:off x="541473" y="1172579"/>
+        <a:ext cx="5954576" cy="468808"/>
+      </dsp:txXfrm>
+    </dsp:sp>
+    <dsp:sp modelId="{A0C7DBE0-86E1-44B1-8973-6CE23537AFA2}">
+      <dsp:nvSpPr>
+        <dsp:cNvPr id="0" name=""/>
+        <dsp:cNvSpPr/>
+      </dsp:nvSpPr>
+      <dsp:spPr>
+        <a:xfrm>
+          <a:off x="0" y="1758590"/>
+          <a:ext cx="6496050" cy="468808"/>
+        </a:xfrm>
+        <a:prstGeom prst="roundRect">
+          <a:avLst>
+            <a:gd name="adj" fmla="val 10000"/>
+          </a:avLst>
+        </a:prstGeom>
+        <a:solidFill>
+          <a:schemeClr val="bg1">
+            <a:lumMod val="95000"/>
+            <a:hueOff val="0"/>
+            <a:satOff val="0"/>
+            <a:lumOff val="0"/>
+            <a:alphaOff val="0"/>
+          </a:schemeClr>
+        </a:solidFill>
+        <a:ln>
+          <a:noFill/>
+        </a:ln>
+        <a:effectLst/>
+      </dsp:spPr>
+      <dsp:style>
+        <a:lnRef idx="0">
+          <a:scrgbClr r="0" g="0" b="0"/>
+        </a:lnRef>
+        <a:fillRef idx="1">
+          <a:scrgbClr r="0" g="0" b="0"/>
+        </a:fillRef>
+        <a:effectRef idx="0">
+          <a:scrgbClr r="0" g="0" b="0"/>
+        </a:effectRef>
+        <a:fontRef idx="minor"/>
+      </dsp:style>
+    </dsp:sp>
+    <dsp:sp modelId="{2ECCC7EC-FB52-4D78-B805-FC470F6AFD4D}">
+      <dsp:nvSpPr>
+        <dsp:cNvPr id="0" name=""/>
+        <dsp:cNvSpPr/>
+      </dsp:nvSpPr>
+      <dsp:spPr>
+        <a:xfrm>
+          <a:off x="141814" y="1864072"/>
+          <a:ext cx="257844" cy="257844"/>
+        </a:xfrm>
+        <a:prstGeom prst="rect">
+          <a:avLst/>
+        </a:prstGeom>
+        <a:blipFill>
+          <a:blip xmlns:r="http://schemas.openxmlformats.org/officeDocument/2006/relationships" r:embed="rId7">
+            <a:extLst>
+              <a:ext uri="{28A0092B-C50C-407E-A947-70E740481C1C}">
+                <a14:useLocalDpi xmlns:a14="http://schemas.microsoft.com/office/drawing/2010/main" val="0"/>
+              </a:ext>
+              <a:ext uri="{96DAC541-7B7A-43D3-8B79-37D633B846F1}">
+                <asvg:svgBlip xmlns:asvg="http://schemas.microsoft.com/office/drawing/2016/SVG/main" r:embed="rId8"/>
+              </a:ext>
+            </a:extLst>
+          </a:blip>
+          <a:stretch>
+            <a:fillRect/>
+          </a:stretch>
+        </a:blipFill>
+        <a:ln w="19050" cap="rnd" cmpd="sng" algn="ctr">
+          <a:noFill/>
+          <a:prstDash val="solid"/>
+        </a:ln>
+        <a:effectLst/>
+      </dsp:spPr>
+      <dsp:style>
+        <a:lnRef idx="2">
+          <a:scrgbClr r="0" g="0" b="0"/>
+        </a:lnRef>
+        <a:fillRef idx="1">
+          <a:scrgbClr r="0" g="0" b="0"/>
+        </a:fillRef>
+        <a:effectRef idx="0">
+          <a:scrgbClr r="0" g="0" b="0"/>
+        </a:effectRef>
+        <a:fontRef idx="minor">
+          <a:schemeClr val="lt1"/>
+        </a:fontRef>
+      </dsp:style>
+    </dsp:sp>
+    <dsp:sp modelId="{CCE02FCC-FAE4-484B-BEE8-6062E3022AB1}">
+      <dsp:nvSpPr>
+        <dsp:cNvPr id="0" name=""/>
+        <dsp:cNvSpPr/>
+      </dsp:nvSpPr>
+      <dsp:spPr>
+        <a:xfrm>
+          <a:off x="541473" y="1758590"/>
+          <a:ext cx="5954576" cy="468808"/>
+        </a:xfrm>
+        <a:prstGeom prst="rect">
+          <a:avLst/>
+        </a:prstGeom>
+        <a:noFill/>
+        <a:ln>
+          <a:noFill/>
+        </a:ln>
+        <a:effectLst/>
+      </dsp:spPr>
+      <dsp:style>
+        <a:lnRef idx="0">
+          <a:scrgbClr r="0" g="0" b="0"/>
+        </a:lnRef>
+        <a:fillRef idx="0">
+          <a:scrgbClr r="0" g="0" b="0"/>
+        </a:fillRef>
+        <a:effectRef idx="0">
+          <a:scrgbClr r="0" g="0" b="0"/>
+        </a:effectRef>
+        <a:fontRef idx="minor"/>
+      </dsp:style>
+      <dsp:txBody>
+        <a:bodyPr spcFirstLastPara="0" vert="horz" wrap="square" lIns="49616" tIns="49616" rIns="49616" bIns="49616" numCol="1" spcCol="1270" anchor="ctr" anchorCtr="0">
+          <a:noAutofit/>
+        </a:bodyPr>
+        <a:lstStyle/>
+        <a:p>
+          <a:pPr marL="0" lvl="0" indent="0" algn="l" defTabSz="711200">
+            <a:lnSpc>
+              <a:spcPct val="90000"/>
+            </a:lnSpc>
+            <a:spcBef>
+              <a:spcPct val="0"/>
+            </a:spcBef>
+            <a:spcAft>
+              <a:spcPct val="35000"/>
+            </a:spcAft>
+            <a:buNone/>
+          </a:pPr>
+          <a:r>
+            <a:rPr lang="en-US" sz="1600" kern="1200"/>
+            <a:t>Exploratory Data Analysis</a:t>
+          </a:r>
+        </a:p>
+      </dsp:txBody>
+      <dsp:txXfrm>
+        <a:off x="541473" y="1758590"/>
+        <a:ext cx="5954576" cy="468808"/>
+      </dsp:txXfrm>
+    </dsp:sp>
+    <dsp:sp modelId="{4C275264-D6BB-4CD9-96B3-4FE31E46699F}">
+      <dsp:nvSpPr>
+        <dsp:cNvPr id="0" name=""/>
+        <dsp:cNvSpPr/>
+      </dsp:nvSpPr>
+      <dsp:spPr>
+        <a:xfrm>
+          <a:off x="0" y="2344601"/>
+          <a:ext cx="6496050" cy="468808"/>
+        </a:xfrm>
+        <a:prstGeom prst="roundRect">
+          <a:avLst>
+            <a:gd name="adj" fmla="val 10000"/>
+          </a:avLst>
+        </a:prstGeom>
+        <a:solidFill>
+          <a:schemeClr val="bg1">
+            <a:lumMod val="95000"/>
+            <a:hueOff val="0"/>
+            <a:satOff val="0"/>
+            <a:lumOff val="0"/>
+            <a:alphaOff val="0"/>
+          </a:schemeClr>
+        </a:solidFill>
+        <a:ln>
+          <a:noFill/>
+        </a:ln>
+        <a:effectLst/>
+      </dsp:spPr>
+      <dsp:style>
+        <a:lnRef idx="0">
+          <a:scrgbClr r="0" g="0" b="0"/>
+        </a:lnRef>
+        <a:fillRef idx="1">
+          <a:scrgbClr r="0" g="0" b="0"/>
+        </a:fillRef>
+        <a:effectRef idx="0">
+          <a:scrgbClr r="0" g="0" b="0"/>
+        </a:effectRef>
+        <a:fontRef idx="minor"/>
+      </dsp:style>
+    </dsp:sp>
+    <dsp:sp modelId="{7582F1FE-4477-46E9-8CBE-2C7BF4ED73BA}">
+      <dsp:nvSpPr>
+        <dsp:cNvPr id="0" name=""/>
+        <dsp:cNvSpPr/>
+      </dsp:nvSpPr>
+      <dsp:spPr>
+        <a:xfrm>
+          <a:off x="141814" y="2450083"/>
+          <a:ext cx="257844" cy="257844"/>
+        </a:xfrm>
+        <a:prstGeom prst="rect">
+          <a:avLst/>
+        </a:prstGeom>
+        <a:blipFill>
+          <a:blip xmlns:r="http://schemas.openxmlformats.org/officeDocument/2006/relationships" r:embed="rId9">
+            <a:extLst>
+              <a:ext uri="{28A0092B-C50C-407E-A947-70E740481C1C}">
+                <a14:useLocalDpi xmlns:a14="http://schemas.microsoft.com/office/drawing/2010/main" val="0"/>
+              </a:ext>
+              <a:ext uri="{96DAC541-7B7A-43D3-8B79-37D633B846F1}">
+                <asvg:svgBlip xmlns:asvg="http://schemas.microsoft.com/office/drawing/2016/SVG/main" r:embed="rId10"/>
+              </a:ext>
+            </a:extLst>
+          </a:blip>
+          <a:stretch>
+            <a:fillRect/>
+          </a:stretch>
+        </a:blipFill>
+        <a:ln w="19050" cap="rnd" cmpd="sng" algn="ctr">
+          <a:noFill/>
+          <a:prstDash val="solid"/>
+        </a:ln>
+        <a:effectLst/>
+      </dsp:spPr>
+      <dsp:style>
+        <a:lnRef idx="2">
+          <a:scrgbClr r="0" g="0" b="0"/>
+        </a:lnRef>
+        <a:fillRef idx="1">
+          <a:scrgbClr r="0" g="0" b="0"/>
+        </a:fillRef>
+        <a:effectRef idx="0">
+          <a:scrgbClr r="0" g="0" b="0"/>
+        </a:effectRef>
+        <a:fontRef idx="minor">
+          <a:schemeClr val="lt1"/>
+        </a:fontRef>
+      </dsp:style>
+    </dsp:sp>
+    <dsp:sp modelId="{5792F0CA-402D-4488-A5AA-1E0F51CE108A}">
+      <dsp:nvSpPr>
+        <dsp:cNvPr id="0" name=""/>
+        <dsp:cNvSpPr/>
+      </dsp:nvSpPr>
+      <dsp:spPr>
+        <a:xfrm>
+          <a:off x="541473" y="2344601"/>
+          <a:ext cx="5954576" cy="468808"/>
+        </a:xfrm>
+        <a:prstGeom prst="rect">
+          <a:avLst/>
+        </a:prstGeom>
+        <a:noFill/>
+        <a:ln>
+          <a:noFill/>
+        </a:ln>
+        <a:effectLst/>
+      </dsp:spPr>
+      <dsp:style>
+        <a:lnRef idx="0">
+          <a:scrgbClr r="0" g="0" b="0"/>
+        </a:lnRef>
+        <a:fillRef idx="0">
+          <a:scrgbClr r="0" g="0" b="0"/>
+        </a:fillRef>
+        <a:effectRef idx="0">
+          <a:scrgbClr r="0" g="0" b="0"/>
+        </a:effectRef>
+        <a:fontRef idx="minor"/>
+      </dsp:style>
+      <dsp:txBody>
+        <a:bodyPr spcFirstLastPara="0" vert="horz" wrap="square" lIns="49616" tIns="49616" rIns="49616" bIns="49616" numCol="1" spcCol="1270" anchor="ctr" anchorCtr="0">
+          <a:noAutofit/>
+        </a:bodyPr>
+        <a:lstStyle/>
+        <a:p>
+          <a:pPr marL="0" lvl="0" indent="0" algn="l" defTabSz="711200">
+            <a:lnSpc>
+              <a:spcPct val="90000"/>
+            </a:lnSpc>
+            <a:spcBef>
+              <a:spcPct val="0"/>
+            </a:spcBef>
+            <a:spcAft>
+              <a:spcPct val="35000"/>
+            </a:spcAft>
+            <a:buNone/>
+          </a:pPr>
+          <a:r>
+            <a:rPr lang="en-US" sz="1600" kern="1200"/>
+            <a:t>Feature Selection</a:t>
+          </a:r>
+        </a:p>
+      </dsp:txBody>
+      <dsp:txXfrm>
+        <a:off x="541473" y="2344601"/>
+        <a:ext cx="5954576" cy="468808"/>
+      </dsp:txXfrm>
+    </dsp:sp>
+    <dsp:sp modelId="{9E8DF0AB-DA20-426A-A95E-ABBEA9A210AB}">
+      <dsp:nvSpPr>
+        <dsp:cNvPr id="0" name=""/>
+        <dsp:cNvSpPr/>
+      </dsp:nvSpPr>
+      <dsp:spPr>
+        <a:xfrm>
+          <a:off x="0" y="2930611"/>
+          <a:ext cx="6496050" cy="468808"/>
+        </a:xfrm>
+        <a:prstGeom prst="roundRect">
+          <a:avLst>
+            <a:gd name="adj" fmla="val 10000"/>
+          </a:avLst>
+        </a:prstGeom>
+        <a:solidFill>
+          <a:schemeClr val="bg1">
+            <a:lumMod val="95000"/>
+            <a:hueOff val="0"/>
+            <a:satOff val="0"/>
+            <a:lumOff val="0"/>
+            <a:alphaOff val="0"/>
+          </a:schemeClr>
+        </a:solidFill>
+        <a:ln>
+          <a:noFill/>
+        </a:ln>
+        <a:effectLst/>
+      </dsp:spPr>
+      <dsp:style>
+        <a:lnRef idx="0">
+          <a:scrgbClr r="0" g="0" b="0"/>
+        </a:lnRef>
+        <a:fillRef idx="1">
+          <a:scrgbClr r="0" g="0" b="0"/>
+        </a:fillRef>
+        <a:effectRef idx="0">
+          <a:scrgbClr r="0" g="0" b="0"/>
+        </a:effectRef>
+        <a:fontRef idx="minor"/>
+      </dsp:style>
+    </dsp:sp>
+    <dsp:sp modelId="{19D8AF49-E5A5-42E7-8252-CCEF28ACC09D}">
+      <dsp:nvSpPr>
+        <dsp:cNvPr id="0" name=""/>
+        <dsp:cNvSpPr/>
+      </dsp:nvSpPr>
+      <dsp:spPr>
+        <a:xfrm>
+          <a:off x="141814" y="3036093"/>
+          <a:ext cx="257844" cy="257844"/>
+        </a:xfrm>
+        <a:prstGeom prst="rect">
+          <a:avLst/>
+        </a:prstGeom>
+        <a:blipFill>
+          <a:blip xmlns:r="http://schemas.openxmlformats.org/officeDocument/2006/relationships" r:embed="rId11">
+            <a:extLst>
+              <a:ext uri="{28A0092B-C50C-407E-A947-70E740481C1C}">
+                <a14:useLocalDpi xmlns:a14="http://schemas.microsoft.com/office/drawing/2010/main" val="0"/>
+              </a:ext>
+              <a:ext uri="{96DAC541-7B7A-43D3-8B79-37D633B846F1}">
+                <asvg:svgBlip xmlns:asvg="http://schemas.microsoft.com/office/drawing/2016/SVG/main" r:embed="rId12"/>
+              </a:ext>
+            </a:extLst>
+          </a:blip>
+          <a:stretch>
+            <a:fillRect/>
+          </a:stretch>
+        </a:blipFill>
+        <a:ln w="19050" cap="rnd" cmpd="sng" algn="ctr">
+          <a:noFill/>
+          <a:prstDash val="solid"/>
+        </a:ln>
+        <a:effectLst/>
+      </dsp:spPr>
+      <dsp:style>
+        <a:lnRef idx="2">
+          <a:scrgbClr r="0" g="0" b="0"/>
+        </a:lnRef>
+        <a:fillRef idx="1">
+          <a:scrgbClr r="0" g="0" b="0"/>
+        </a:fillRef>
+        <a:effectRef idx="0">
+          <a:scrgbClr r="0" g="0" b="0"/>
+        </a:effectRef>
+        <a:fontRef idx="minor">
+          <a:schemeClr val="lt1"/>
+        </a:fontRef>
+      </dsp:style>
+    </dsp:sp>
+    <dsp:sp modelId="{B62ED4BF-1E48-445C-B59A-85B4F5BC88FB}">
+      <dsp:nvSpPr>
+        <dsp:cNvPr id="0" name=""/>
+        <dsp:cNvSpPr/>
+      </dsp:nvSpPr>
+      <dsp:spPr>
+        <a:xfrm>
+          <a:off x="541473" y="2930611"/>
+          <a:ext cx="5954576" cy="468808"/>
+        </a:xfrm>
+        <a:prstGeom prst="rect">
+          <a:avLst/>
+        </a:prstGeom>
+        <a:noFill/>
+        <a:ln>
+          <a:noFill/>
+        </a:ln>
+        <a:effectLst/>
+      </dsp:spPr>
+      <dsp:style>
+        <a:lnRef idx="0">
+          <a:scrgbClr r="0" g="0" b="0"/>
+        </a:lnRef>
+        <a:fillRef idx="0">
+          <a:scrgbClr r="0" g="0" b="0"/>
+        </a:fillRef>
+        <a:effectRef idx="0">
+          <a:scrgbClr r="0" g="0" b="0"/>
+        </a:effectRef>
+        <a:fontRef idx="minor"/>
+      </dsp:style>
+      <dsp:txBody>
+        <a:bodyPr spcFirstLastPara="0" vert="horz" wrap="square" lIns="49616" tIns="49616" rIns="49616" bIns="49616" numCol="1" spcCol="1270" anchor="ctr" anchorCtr="0">
+          <a:noAutofit/>
+        </a:bodyPr>
+        <a:lstStyle/>
+        <a:p>
+          <a:pPr marL="0" lvl="0" indent="0" algn="l" defTabSz="711200">
+            <a:lnSpc>
+              <a:spcPct val="90000"/>
+            </a:lnSpc>
+            <a:spcBef>
+              <a:spcPct val="0"/>
+            </a:spcBef>
+            <a:spcAft>
+              <a:spcPct val="35000"/>
+            </a:spcAft>
+            <a:buNone/>
+          </a:pPr>
+          <a:r>
+            <a:rPr lang="en-US" sz="1600" kern="1200"/>
+            <a:t>Model Evaluation</a:t>
+          </a:r>
+        </a:p>
+      </dsp:txBody>
+      <dsp:txXfrm>
+        <a:off x="541473" y="2930611"/>
+        <a:ext cx="5954576" cy="468808"/>
+      </dsp:txXfrm>
+    </dsp:sp>
+    <dsp:sp modelId="{0962AC2A-7BE9-4120-A742-3A9340F068BF}">
+      <dsp:nvSpPr>
+        <dsp:cNvPr id="0" name=""/>
+        <dsp:cNvSpPr/>
+      </dsp:nvSpPr>
+      <dsp:spPr>
+        <a:xfrm>
+          <a:off x="0" y="3516622"/>
+          <a:ext cx="6496050" cy="468808"/>
+        </a:xfrm>
+        <a:prstGeom prst="roundRect">
+          <a:avLst>
+            <a:gd name="adj" fmla="val 10000"/>
+          </a:avLst>
+        </a:prstGeom>
+        <a:solidFill>
+          <a:schemeClr val="bg1">
+            <a:lumMod val="95000"/>
+            <a:hueOff val="0"/>
+            <a:satOff val="0"/>
+            <a:lumOff val="0"/>
+            <a:alphaOff val="0"/>
+          </a:schemeClr>
+        </a:solidFill>
+        <a:ln>
+          <a:noFill/>
+        </a:ln>
+        <a:effectLst/>
+      </dsp:spPr>
+      <dsp:style>
+        <a:lnRef idx="0">
+          <a:scrgbClr r="0" g="0" b="0"/>
+        </a:lnRef>
+        <a:fillRef idx="1">
+          <a:scrgbClr r="0" g="0" b="0"/>
+        </a:fillRef>
+        <a:effectRef idx="0">
+          <a:scrgbClr r="0" g="0" b="0"/>
+        </a:effectRef>
+        <a:fontRef idx="minor"/>
+      </dsp:style>
+    </dsp:sp>
+    <dsp:sp modelId="{948BA9F6-9DDE-4982-8DBC-10A2E12B9241}">
+      <dsp:nvSpPr>
+        <dsp:cNvPr id="0" name=""/>
+        <dsp:cNvSpPr/>
+      </dsp:nvSpPr>
+      <dsp:spPr>
+        <a:xfrm>
+          <a:off x="141814" y="3622104"/>
+          <a:ext cx="257844" cy="257844"/>
+        </a:xfrm>
+        <a:prstGeom prst="rect">
+          <a:avLst/>
+        </a:prstGeom>
+        <a:blipFill>
+          <a:blip xmlns:r="http://schemas.openxmlformats.org/officeDocument/2006/relationships" r:embed="rId13">
+            <a:extLst>
+              <a:ext uri="{28A0092B-C50C-407E-A947-70E740481C1C}">
+                <a14:useLocalDpi xmlns:a14="http://schemas.microsoft.com/office/drawing/2010/main" val="0"/>
+              </a:ext>
+              <a:ext uri="{96DAC541-7B7A-43D3-8B79-37D633B846F1}">
+                <asvg:svgBlip xmlns:asvg="http://schemas.microsoft.com/office/drawing/2016/SVG/main" r:embed="rId14"/>
+              </a:ext>
+            </a:extLst>
+          </a:blip>
+          <a:stretch>
+            <a:fillRect/>
+          </a:stretch>
+        </a:blipFill>
+        <a:ln w="19050" cap="rnd" cmpd="sng" algn="ctr">
+          <a:noFill/>
+          <a:prstDash val="solid"/>
+        </a:ln>
+        <a:effectLst/>
+      </dsp:spPr>
+      <dsp:style>
+        <a:lnRef idx="2">
+          <a:scrgbClr r="0" g="0" b="0"/>
+        </a:lnRef>
+        <a:fillRef idx="1">
+          <a:scrgbClr r="0" g="0" b="0"/>
+        </a:fillRef>
+        <a:effectRef idx="0">
+          <a:scrgbClr r="0" g="0" b="0"/>
+        </a:effectRef>
+        <a:fontRef idx="minor">
+          <a:schemeClr val="lt1"/>
+        </a:fontRef>
+      </dsp:style>
+    </dsp:sp>
+    <dsp:sp modelId="{57FFA891-FC19-4E6F-BE25-9D83DCBEB0B5}">
+      <dsp:nvSpPr>
+        <dsp:cNvPr id="0" name=""/>
+        <dsp:cNvSpPr/>
+      </dsp:nvSpPr>
+      <dsp:spPr>
+        <a:xfrm>
+          <a:off x="541473" y="3516622"/>
+          <a:ext cx="5954576" cy="468808"/>
+        </a:xfrm>
+        <a:prstGeom prst="rect">
+          <a:avLst/>
+        </a:prstGeom>
+        <a:noFill/>
+        <a:ln>
+          <a:noFill/>
+        </a:ln>
+        <a:effectLst/>
+      </dsp:spPr>
+      <dsp:style>
+        <a:lnRef idx="0">
+          <a:scrgbClr r="0" g="0" b="0"/>
+        </a:lnRef>
+        <a:fillRef idx="0">
+          <a:scrgbClr r="0" g="0" b="0"/>
+        </a:fillRef>
+        <a:effectRef idx="0">
+          <a:scrgbClr r="0" g="0" b="0"/>
+        </a:effectRef>
+        <a:fontRef idx="minor"/>
+      </dsp:style>
+      <dsp:txBody>
+        <a:bodyPr spcFirstLastPara="0" vert="horz" wrap="square" lIns="49616" tIns="49616" rIns="49616" bIns="49616" numCol="1" spcCol="1270" anchor="ctr" anchorCtr="0">
+          <a:noAutofit/>
+        </a:bodyPr>
+        <a:lstStyle/>
+        <a:p>
+          <a:pPr marL="0" lvl="0" indent="0" algn="l" defTabSz="711200">
+            <a:lnSpc>
+              <a:spcPct val="90000"/>
+            </a:lnSpc>
+            <a:spcBef>
+              <a:spcPct val="0"/>
+            </a:spcBef>
+            <a:spcAft>
+              <a:spcPct val="35000"/>
+            </a:spcAft>
+            <a:buNone/>
+          </a:pPr>
+          <a:r>
+            <a:rPr lang="en-US" sz="1600" kern="1200"/>
+            <a:t>Result</a:t>
+          </a:r>
+        </a:p>
+      </dsp:txBody>
+      <dsp:txXfrm>
+        <a:off x="541473" y="3516622"/>
+        <a:ext cx="5954576" cy="468808"/>
+      </dsp:txXfrm>
+    </dsp:sp>
+    <dsp:sp modelId="{DEAB92ED-D633-4A60-9C26-A564D4301B9E}">
+      <dsp:nvSpPr>
+        <dsp:cNvPr id="0" name=""/>
+        <dsp:cNvSpPr/>
+      </dsp:nvSpPr>
+      <dsp:spPr>
+        <a:xfrm>
+          <a:off x="0" y="4102633"/>
+          <a:ext cx="6496050" cy="468808"/>
+        </a:xfrm>
+        <a:prstGeom prst="roundRect">
+          <a:avLst>
+            <a:gd name="adj" fmla="val 10000"/>
+          </a:avLst>
+        </a:prstGeom>
+        <a:solidFill>
+          <a:schemeClr val="bg1">
+            <a:lumMod val="95000"/>
+            <a:hueOff val="0"/>
+            <a:satOff val="0"/>
+            <a:lumOff val="0"/>
+            <a:alphaOff val="0"/>
+          </a:schemeClr>
+        </a:solidFill>
+        <a:ln>
+          <a:noFill/>
+        </a:ln>
+        <a:effectLst/>
+      </dsp:spPr>
+      <dsp:style>
+        <a:lnRef idx="0">
+          <a:scrgbClr r="0" g="0" b="0"/>
+        </a:lnRef>
+        <a:fillRef idx="1">
+          <a:scrgbClr r="0" g="0" b="0"/>
+        </a:fillRef>
+        <a:effectRef idx="0">
+          <a:scrgbClr r="0" g="0" b="0"/>
+        </a:effectRef>
+        <a:fontRef idx="minor"/>
+      </dsp:style>
+    </dsp:sp>
+    <dsp:sp modelId="{9E3D8F3E-8FB1-4A92-872F-B27E38EB471A}">
+      <dsp:nvSpPr>
+        <dsp:cNvPr id="0" name=""/>
+        <dsp:cNvSpPr/>
+      </dsp:nvSpPr>
+      <dsp:spPr>
+        <a:xfrm>
+          <a:off x="141814" y="4208115"/>
+          <a:ext cx="257844" cy="257844"/>
+        </a:xfrm>
+        <a:prstGeom prst="rect">
+          <a:avLst/>
+        </a:prstGeom>
+        <a:blipFill>
+          <a:blip xmlns:r="http://schemas.openxmlformats.org/officeDocument/2006/relationships" r:embed="rId15">
+            <a:extLst>
+              <a:ext uri="{28A0092B-C50C-407E-A947-70E740481C1C}">
+                <a14:useLocalDpi xmlns:a14="http://schemas.microsoft.com/office/drawing/2010/main" val="0"/>
+              </a:ext>
+              <a:ext uri="{96DAC541-7B7A-43D3-8B79-37D633B846F1}">
+                <asvg:svgBlip xmlns:asvg="http://schemas.microsoft.com/office/drawing/2016/SVG/main" r:embed="rId16"/>
+              </a:ext>
+            </a:extLst>
+          </a:blip>
+          <a:stretch>
+            <a:fillRect/>
+          </a:stretch>
+        </a:blipFill>
+        <a:ln w="19050" cap="rnd" cmpd="sng" algn="ctr">
+          <a:noFill/>
+          <a:prstDash val="solid"/>
+        </a:ln>
+        <a:effectLst/>
+      </dsp:spPr>
+      <dsp:style>
+        <a:lnRef idx="2">
+          <a:scrgbClr r="0" g="0" b="0"/>
+        </a:lnRef>
+        <a:fillRef idx="1">
+          <a:scrgbClr r="0" g="0" b="0"/>
+        </a:fillRef>
+        <a:effectRef idx="0">
+          <a:scrgbClr r="0" g="0" b="0"/>
+        </a:effectRef>
+        <a:fontRef idx="minor">
+          <a:schemeClr val="lt1"/>
+        </a:fontRef>
+      </dsp:style>
+    </dsp:sp>
+    <dsp:sp modelId="{EF542873-E671-42E9-AF6C-D72028534514}">
+      <dsp:nvSpPr>
+        <dsp:cNvPr id="0" name=""/>
+        <dsp:cNvSpPr/>
+      </dsp:nvSpPr>
+      <dsp:spPr>
+        <a:xfrm>
+          <a:off x="541473" y="4102633"/>
+          <a:ext cx="5954576" cy="468808"/>
+        </a:xfrm>
+        <a:prstGeom prst="rect">
+          <a:avLst/>
+        </a:prstGeom>
+        <a:noFill/>
+        <a:ln>
+          <a:noFill/>
+        </a:ln>
+        <a:effectLst/>
+      </dsp:spPr>
+      <dsp:style>
+        <a:lnRef idx="0">
+          <a:scrgbClr r="0" g="0" b="0"/>
+        </a:lnRef>
+        <a:fillRef idx="0">
+          <a:scrgbClr r="0" g="0" b="0"/>
+        </a:fillRef>
+        <a:effectRef idx="0">
+          <a:scrgbClr r="0" g="0" b="0"/>
+        </a:effectRef>
+        <a:fontRef idx="minor"/>
+      </dsp:style>
+      <dsp:txBody>
+        <a:bodyPr spcFirstLastPara="0" vert="horz" wrap="square" lIns="49616" tIns="49616" rIns="49616" bIns="49616" numCol="1" spcCol="1270" anchor="ctr" anchorCtr="0">
+          <a:noAutofit/>
+        </a:bodyPr>
+        <a:lstStyle/>
+        <a:p>
+          <a:pPr marL="0" lvl="0" indent="0" algn="l" defTabSz="711200">
+            <a:lnSpc>
+              <a:spcPct val="90000"/>
+            </a:lnSpc>
+            <a:spcBef>
+              <a:spcPct val="0"/>
+            </a:spcBef>
+            <a:spcAft>
+              <a:spcPct val="35000"/>
+            </a:spcAft>
+            <a:buNone/>
+          </a:pPr>
+          <a:r>
+            <a:rPr lang="en-US" sz="1600" kern="1200"/>
+            <a:t>Conclusion</a:t>
+          </a:r>
+        </a:p>
+      </dsp:txBody>
+      <dsp:txXfrm>
+        <a:off x="541473" y="4102633"/>
+        <a:ext cx="5954576" cy="468808"/>
+      </dsp:txXfrm>
+    </dsp:sp>
+  </dsp:spTree>
+</dsp:drawing>
+</file>
+
+<file path=ppt/diagrams/drawing2.xml><?xml version="1.0" encoding="utf-8"?>
 <dsp:drawing xmlns:dgm="http://schemas.openxmlformats.org/drawingml/2006/diagram" xmlns:dsp="http://schemas.microsoft.com/office/drawing/2008/diagram" xmlns:a="http://schemas.openxmlformats.org/drawingml/2006/main">
   <dsp:spTree>
     <dsp:nvGrpSpPr>
@@ -6033,7 +8984,7 @@
 </dsp:drawing>
 </file>
 
-<file path=ppt/diagrams/drawing2.xml><?xml version="1.0" encoding="utf-8"?>
+<file path=ppt/diagrams/drawing3.xml><?xml version="1.0" encoding="utf-8"?>
 <dsp:drawing xmlns:dgm="http://schemas.openxmlformats.org/drawingml/2006/diagram" xmlns:dsp="http://schemas.microsoft.com/office/drawing/2008/diagram" xmlns:a="http://schemas.openxmlformats.org/drawingml/2006/main">
   <dsp:spTree>
     <dsp:nvGrpSpPr>
@@ -6365,7 +9316,7 @@
 </dsp:drawing>
 </file>
 
-<file path=ppt/diagrams/drawing3.xml><?xml version="1.0" encoding="utf-8"?>
+<file path=ppt/diagrams/drawing4.xml><?xml version="1.0" encoding="utf-8"?>
 <dsp:drawing xmlns:dgm="http://schemas.openxmlformats.org/drawingml/2006/diagram" xmlns:dsp="http://schemas.microsoft.com/office/drawing/2008/diagram" xmlns:a="http://schemas.openxmlformats.org/drawingml/2006/main">
   <dsp:spTree>
     <dsp:nvGrpSpPr>
@@ -6776,7 +9727,7 @@
 </dsp:drawing>
 </file>
 
-<file path=ppt/diagrams/drawing4.xml><?xml version="1.0" encoding="utf-8"?>
+<file path=ppt/diagrams/drawing5.xml><?xml version="1.0" encoding="utf-8"?>
 <dsp:drawing xmlns:dgm="http://schemas.openxmlformats.org/drawingml/2006/diagram" xmlns:dsp="http://schemas.microsoft.com/office/drawing/2008/diagram" xmlns:a="http://schemas.openxmlformats.org/drawingml/2006/main">
   <dsp:spTree>
     <dsp:nvGrpSpPr>
@@ -7191,6 +10142,300 @@
 </file>
 
 <file path=ppt/diagrams/layout1.xml><?xml version="1.0" encoding="utf-8"?>
+<dgm:layoutDef xmlns:dgm="http://schemas.openxmlformats.org/drawingml/2006/diagram" xmlns:a="http://schemas.openxmlformats.org/drawingml/2006/main" uniqueId="urn:microsoft.com/office/officeart/2018/2/layout/IconVerticalSolidList">
+  <dgm:title val="Icon Vertical Solid List"/>
+  <dgm:desc val="Use to show a series of visuals from top to bottom with Level 1 or Level 1 and Level 2 text grouped in a shape. Works best with icons or small pictures with lengthier descriptions."/>
+  <dgm:catLst>
+    <dgm:cat type="icon" pri="500"/>
+  </dgm:catLst>
+  <dgm:sampData useDef="1">
+    <dgm:dataModel>
+      <dgm:ptLst/>
+      <dgm:bg/>
+      <dgm:whole/>
+    </dgm:dataModel>
+  </dgm:sampData>
+  <dgm:styleData useDef="1">
+    <dgm:dataModel>
+      <dgm:ptLst/>
+      <dgm:bg/>
+      <dgm:whole/>
+    </dgm:dataModel>
+  </dgm:styleData>
+  <dgm:clrData useDef="1">
+    <dgm:dataModel>
+      <dgm:ptLst/>
+      <dgm:bg/>
+      <dgm:whole/>
+    </dgm:dataModel>
+  </dgm:clrData>
+  <dgm:layoutNode name="root">
+    <dgm:varLst>
+      <dgm:dir/>
+      <dgm:resizeHandles val="exact"/>
+    </dgm:varLst>
+    <dgm:choose name="Name0">
+      <dgm:if name="Name1" axis="self" func="var" arg="dir" op="equ" val="norm">
+        <dgm:alg type="lin">
+          <dgm:param type="linDir" val="fromT"/>
+          <dgm:param type="nodeHorzAlign" val="l"/>
+        </dgm:alg>
+      </dgm:if>
+      <dgm:else name="Name2">
+        <dgm:alg type="lin">
+          <dgm:param type="linDir" val="fromT"/>
+          <dgm:param type="nodeHorzAlign" val="r"/>
+        </dgm:alg>
+      </dgm:else>
+    </dgm:choose>
+    <dgm:shape xmlns:r="http://schemas.openxmlformats.org/officeDocument/2006/relationships" r:blip="">
+      <dgm:adjLst/>
+    </dgm:shape>
+    <dgm:presOf/>
+    <dgm:choose name="Name3">
+      <dgm:if name="Name4" axis="ch" ptType="node" func="cnt" op="lte" val="3">
+        <dgm:constrLst>
+          <dgm:constr type="h" for="ch" forName="compNode" refType="h" fact="0.3"/>
+          <dgm:constr type="w" for="ch" forName="compNode" refType="w"/>
+          <dgm:constr type="h" for="ch" forName="sibTrans" refType="h" refFor="ch" refForName="compNode" fact="0.25"/>
+          <dgm:constr type="primFontSz" for="des" forName="parTx" val="25"/>
+          <dgm:constr type="primFontSz" for="des" forName="desTx" refType="primFontSz" refFor="des" refForName="parTx" op="lte" fact="0.75"/>
+          <dgm:constr type="h" for="des" forName="compNode" op="equ"/>
+          <dgm:constr type="h" for="des" forName="bgRect" op="equ"/>
+          <dgm:constr type="h" for="des" forName="iconRect" op="equ"/>
+          <dgm:constr type="w" for="des" forName="iconRect" op="equ"/>
+          <dgm:constr type="h" for="des" forName="spaceRect" op="equ"/>
+          <dgm:constr type="h" for="des" forName="parTx" op="equ"/>
+          <dgm:constr type="h" for="des" forName="desTx" op="equ"/>
+        </dgm:constrLst>
+      </dgm:if>
+      <dgm:if name="Name5" axis="ch" ptType="node" func="cnt" op="lte" val="4">
+        <dgm:constrLst>
+          <dgm:constr type="h" for="ch" forName="compNode" refType="h" fact="0.3"/>
+          <dgm:constr type="w" for="ch" forName="compNode" refType="w"/>
+          <dgm:constr type="h" for="ch" forName="sibTrans" refType="h" refFor="ch" refForName="compNode" fact="0.25"/>
+          <dgm:constr type="primFontSz" for="des" forName="parTx" val="22"/>
+          <dgm:constr type="primFontSz" for="des" forName="desTx" refType="primFontSz" refFor="des" refForName="parTx" op="lte" fact="0.75"/>
+          <dgm:constr type="h" for="des" forName="compNode" op="equ"/>
+          <dgm:constr type="h" for="des" forName="bgRect" op="equ"/>
+          <dgm:constr type="h" for="des" forName="iconRect" op="equ"/>
+          <dgm:constr type="w" for="des" forName="iconRect" op="equ"/>
+          <dgm:constr type="h" for="des" forName="spaceRect" op="equ"/>
+          <dgm:constr type="h" for="des" forName="parTx" op="equ"/>
+          <dgm:constr type="h" for="des" forName="desTx" op="equ"/>
+        </dgm:constrLst>
+      </dgm:if>
+      <dgm:if name="Name6" axis="ch" ptType="node" func="cnt" op="lte" val="6">
+        <dgm:constrLst>
+          <dgm:constr type="h" for="ch" forName="compNode" refType="h" fact="0.3"/>
+          <dgm:constr type="w" for="ch" forName="compNode" refType="w"/>
+          <dgm:constr type="h" for="ch" forName="sibTrans" refType="h" refFor="ch" refForName="compNode" fact="0.25"/>
+          <dgm:constr type="primFontSz" for="des" forName="parTx" val="19"/>
+          <dgm:constr type="primFontSz" for="des" forName="desTx" refType="primFontSz" refFor="des" refForName="parTx" op="lte" fact="0.75"/>
+          <dgm:constr type="h" for="des" forName="compNode" op="equ"/>
+          <dgm:constr type="h" for="des" forName="bgRect" op="equ"/>
+          <dgm:constr type="h" for="des" forName="iconRect" op="equ"/>
+          <dgm:constr type="w" for="des" forName="iconRect" op="equ"/>
+          <dgm:constr type="h" for="des" forName="spaceRect" op="equ"/>
+          <dgm:constr type="h" for="des" forName="parTx" op="equ"/>
+          <dgm:constr type="h" for="des" forName="desTx" op="equ"/>
+        </dgm:constrLst>
+      </dgm:if>
+      <dgm:else name="Name7">
+        <dgm:constrLst>
+          <dgm:constr type="h" for="ch" forName="compNode" refType="h" fact="0.3"/>
+          <dgm:constr type="w" for="ch" forName="compNode" refType="w"/>
+          <dgm:constr type="h" for="ch" forName="sibTrans" refType="h" refFor="ch" refForName="compNode" fact="0.25"/>
+          <dgm:constr type="primFontSz" for="des" forName="parTx" val="16"/>
+          <dgm:constr type="primFontSz" for="des" forName="desTx" refType="primFontSz" refFor="des" refForName="parTx" op="lte" fact="0.75"/>
+          <dgm:constr type="h" for="des" forName="compNode" op="equ"/>
+          <dgm:constr type="h" for="des" forName="bgRect" op="equ"/>
+          <dgm:constr type="h" for="des" forName="iconRect" op="equ"/>
+          <dgm:constr type="w" for="des" forName="iconRect" op="equ"/>
+          <dgm:constr type="h" for="des" forName="spaceRect" op="equ"/>
+          <dgm:constr type="h" for="des" forName="parTx" op="equ"/>
+          <dgm:constr type="h" for="des" forName="desTx" op="equ"/>
+        </dgm:constrLst>
+      </dgm:else>
+    </dgm:choose>
+    <dgm:ruleLst>
+      <dgm:rule type="h" for="ch" forName="compNode" val="0" fact="NaN" max="NaN"/>
+    </dgm:ruleLst>
+    <dgm:forEach name="Name8" axis="ch" ptType="node">
+      <dgm:layoutNode name="compNode">
+        <dgm:alg type="composite"/>
+        <dgm:shape xmlns:r="http://schemas.openxmlformats.org/officeDocument/2006/relationships" r:blip="">
+          <dgm:adjLst/>
+        </dgm:shape>
+        <dgm:presOf axis="self"/>
+        <dgm:choose name="Name9">
+          <dgm:if name="Name10" axis="ch" ptType="node" func="cnt" op="gte" val="1">
+            <dgm:constrLst>
+              <dgm:constr type="w" for="ch" forName="bgRect" refType="w"/>
+              <dgm:constr type="h" for="ch" forName="bgRect" refType="h"/>
+              <dgm:constr type="l" for="ch" forName="bgRect"/>
+              <dgm:constr type="t" for="ch" forName="bgRect"/>
+              <dgm:constr type="h" for="ch" forName="iconRect" refType="h" fact="0.55"/>
+              <dgm:constr type="w" for="ch" forName="iconRect" refType="h" refFor="ch" refForName="iconRect"/>
+              <dgm:constr type="l" for="ch" forName="iconRect" refType="h" refFor="ch" refForName="iconRect" fact="0.55"/>
+              <dgm:constr type="ctrY" for="ch" forName="iconRect" refType="ctrY" refFor="ch" refForName="bgRect"/>
+              <dgm:constr type="w" for="ch" forName="spaceRect" refType="l" refFor="ch" refForName="iconRect"/>
+              <dgm:constr type="h" for="ch" forName="spaceRect" refType="h"/>
+              <dgm:constr type="l" for="ch" forName="spaceRect" refType="r" refFor="ch" refForName="iconRect"/>
+              <dgm:constr type="t" for="ch" forName="spaceRect"/>
+              <dgm:constr type="w" for="ch" forName="parTx" refType="w" fact="0.45"/>
+              <dgm:constr type="h" for="ch" forName="parTx" refType="h"/>
+              <dgm:constr type="l" for="ch" forName="parTx" refType="r" refFor="ch" refForName="spaceRect"/>
+              <dgm:constr type="t" for="ch" forName="parTx"/>
+              <dgm:constr type="h" for="ch" forName="desTx" refType="h"/>
+              <dgm:constr type="l" for="ch" forName="desTx" refType="r" refFor="ch" refForName="parTx"/>
+              <dgm:constr type="t" for="ch" forName="desTx"/>
+            </dgm:constrLst>
+          </dgm:if>
+          <dgm:else name="Name11">
+            <dgm:constrLst>
+              <dgm:constr type="w" for="ch" forName="bgRect" refType="w"/>
+              <dgm:constr type="h" for="ch" forName="bgRect" refType="h"/>
+              <dgm:constr type="l" for="ch" forName="bgRect"/>
+              <dgm:constr type="t" for="ch" forName="bgRect"/>
+              <dgm:constr type="h" for="ch" forName="iconRect" refType="h" fact="0.55"/>
+              <dgm:constr type="w" for="ch" forName="iconRect" refType="h" refFor="ch" refForName="iconRect"/>
+              <dgm:constr type="l" for="ch" forName="iconRect" refType="h" refFor="ch" refForName="iconRect" fact="0.55"/>
+              <dgm:constr type="ctrY" for="ch" forName="iconRect" refType="ctrY" refFor="ch" refForName="bgRect"/>
+              <dgm:constr type="w" for="ch" forName="spaceRect" refType="l" refFor="ch" refForName="iconRect"/>
+              <dgm:constr type="h" for="ch" forName="spaceRect" refType="h"/>
+              <dgm:constr type="l" for="ch" forName="spaceRect" refType="r" refFor="ch" refForName="iconRect"/>
+              <dgm:constr type="t" for="ch" forName="spaceRect"/>
+              <dgm:constr type="h" for="ch" forName="parTx" refType="h"/>
+              <dgm:constr type="l" for="ch" forName="parTx" refType="r" refFor="ch" refForName="spaceRect"/>
+              <dgm:constr type="t" for="ch" forName="parTx"/>
+            </dgm:constrLst>
+          </dgm:else>
+        </dgm:choose>
+        <dgm:ruleLst>
+          <dgm:rule type="h" val="INF" fact="NaN" max="NaN"/>
+        </dgm:ruleLst>
+        <dgm:layoutNode name="bgRect" styleLbl="bgShp">
+          <dgm:alg type="sp"/>
+          <dgm:shape xmlns:r="http://schemas.openxmlformats.org/officeDocument/2006/relationships" type="roundRect" r:blip="">
+            <dgm:adjLst>
+              <dgm:adj idx="1" val="0.1"/>
+            </dgm:adjLst>
+          </dgm:shape>
+          <dgm:presOf/>
+          <dgm:constrLst/>
+          <dgm:ruleLst/>
+        </dgm:layoutNode>
+        <dgm:layoutNode name="iconRect" styleLbl="node1">
+          <dgm:alg type="sp"/>
+          <dgm:shape xmlns:r="http://schemas.openxmlformats.org/officeDocument/2006/relationships" type="rect" r:blip="" blipPhldr="1">
+            <dgm:adjLst/>
+          </dgm:shape>
+          <dgm:presOf/>
+          <dgm:constrLst/>
+          <dgm:ruleLst/>
+        </dgm:layoutNode>
+        <dgm:layoutNode name="spaceRect">
+          <dgm:alg type="sp"/>
+          <dgm:shape xmlns:r="http://schemas.openxmlformats.org/officeDocument/2006/relationships" r:blip="">
+            <dgm:adjLst/>
+          </dgm:shape>
+          <dgm:presOf/>
+          <dgm:constrLst/>
+          <dgm:ruleLst/>
+        </dgm:layoutNode>
+        <dgm:layoutNode name="parTx" styleLbl="revTx">
+          <dgm:varLst>
+            <dgm:chMax val="0"/>
+            <dgm:chPref val="0"/>
+          </dgm:varLst>
+          <dgm:alg type="tx">
+            <dgm:param type="txAnchorVert" val="mid"/>
+            <dgm:param type="parTxLTRAlign" val="l"/>
+            <dgm:param type="shpTxLTRAlignCh" val="l"/>
+            <dgm:param type="parTxRTLAlign" val="r"/>
+            <dgm:param type="shpTxRTLAlignCh" val="r"/>
+          </dgm:alg>
+          <dgm:shape xmlns:r="http://schemas.openxmlformats.org/officeDocument/2006/relationships" type="rect" r:blip="">
+            <dgm:adjLst/>
+          </dgm:shape>
+          <dgm:presOf axis="self" ptType="node"/>
+          <dgm:constrLst>
+            <dgm:constr type="lMarg" refType="h" fact="0.3"/>
+            <dgm:constr type="rMarg" refType="h" fact="0.3"/>
+            <dgm:constr type="tMarg" refType="h" fact="0.3"/>
+            <dgm:constr type="bMarg" refType="h" fact="0.3"/>
+          </dgm:constrLst>
+          <dgm:ruleLst>
+            <dgm:rule type="primFontSz" val="14" fact="NaN" max="NaN"/>
+            <dgm:rule type="h" val="INF" fact="NaN" max="NaN"/>
+          </dgm:ruleLst>
+        </dgm:layoutNode>
+        <dgm:choose name="Name12">
+          <dgm:if name="Name13" axis="ch" ptType="node" func="cnt" op="gte" val="1">
+            <dgm:layoutNode name="desTx" styleLbl="revTx">
+              <dgm:varLst/>
+              <dgm:alg type="tx">
+                <dgm:param type="txAnchorVertCh" val="mid"/>
+                <dgm:param type="parTxLTRAlign" val="l"/>
+                <dgm:param type="shpTxLTRAlignCh" val="l"/>
+                <dgm:param type="parTxRTLAlign" val="r"/>
+                <dgm:param type="shpTxRTLAlignCh" val="r"/>
+                <dgm:param type="stBulletLvl" val="0"/>
+              </dgm:alg>
+              <dgm:shape xmlns:r="http://schemas.openxmlformats.org/officeDocument/2006/relationships" type="rect" r:blip="">
+                <dgm:adjLst/>
+              </dgm:shape>
+              <dgm:presOf axis="des" ptType="node"/>
+              <dgm:constrLst>
+                <dgm:constr type="primFontSz" val="18"/>
+                <dgm:constr type="secFontSz" refType="primFontSz"/>
+                <dgm:constr type="lMarg" refType="h" fact="0.3"/>
+                <dgm:constr type="rMarg" refType="h" fact="0.3"/>
+                <dgm:constr type="tMarg" refType="h" fact="0.3"/>
+                <dgm:constr type="bMarg" refType="h" fact="0.3"/>
+              </dgm:constrLst>
+              <dgm:ruleLst>
+                <dgm:rule type="primFontSz" val="11" fact="NaN" max="NaN"/>
+              </dgm:ruleLst>
+            </dgm:layoutNode>
+          </dgm:if>
+          <dgm:else name="Name14"/>
+        </dgm:choose>
+      </dgm:layoutNode>
+      <dgm:forEach name="Name15" axis="followSib" ptType="sibTrans" cnt="1">
+        <dgm:layoutNode name="sibTrans">
+          <dgm:alg type="sp"/>
+          <dgm:shape xmlns:r="http://schemas.openxmlformats.org/officeDocument/2006/relationships" r:blip="">
+            <dgm:adjLst/>
+          </dgm:shape>
+          <dgm:presOf axis="self"/>
+          <dgm:constrLst/>
+          <dgm:ruleLst/>
+        </dgm:layoutNode>
+      </dgm:forEach>
+    </dgm:forEach>
+  </dgm:layoutNode>
+  <dgm:extLst>
+    <a:ext uri="{68A01E43-0DF5-4B5B-8FA6-DAF915123BFB}">
+      <dgm1612:lstStyle xmlns:dgm1612="http://schemas.microsoft.com/office/drawing/2016/12/diagram">
+        <a:lvl1pPr>
+          <a:lnSpc>
+            <a:spcPct val="100000"/>
+          </a:lnSpc>
+        </a:lvl1pPr>
+        <a:lvl2pPr>
+          <a:lnSpc>
+            <a:spcPct val="100000"/>
+          </a:lnSpc>
+        </a:lvl2pPr>
+      </dgm1612:lstStyle>
+    </a:ext>
+  </dgm:extLst>
+</dgm:layoutDef>
+</file>
+
+<file path=ppt/diagrams/layout2.xml><?xml version="1.0" encoding="utf-8"?>
 <dgm:layoutDef xmlns:dgm="http://schemas.openxmlformats.org/drawingml/2006/diagram" xmlns:a="http://schemas.openxmlformats.org/drawingml/2006/main" uniqueId="urn:microsoft.com/office/officeart/2005/8/layout/default">
   <dgm:title val=""/>
   <dgm:desc val=""/>
@@ -7337,7 +10582,7 @@
 </dgm:layoutDef>
 </file>
 
-<file path=ppt/diagrams/layout2.xml><?xml version="1.0" encoding="utf-8"?>
+<file path=ppt/diagrams/layout3.xml><?xml version="1.0" encoding="utf-8"?>
 <dgm:layoutDef xmlns:dgm="http://schemas.openxmlformats.org/drawingml/2006/diagram" xmlns:a="http://schemas.openxmlformats.org/drawingml/2006/main" uniqueId="urn:microsoft.com/office/officeart/2005/8/layout/vProcess5">
   <dgm:title val=""/>
   <dgm:desc val=""/>
@@ -8563,7 +11808,7 @@
 </dgm:layoutDef>
 </file>
 
-<file path=ppt/diagrams/layout3.xml><?xml version="1.0" encoding="utf-8"?>
+<file path=ppt/diagrams/layout4.xml><?xml version="1.0" encoding="utf-8"?>
 <dgm:layoutDef xmlns:dgm="http://schemas.openxmlformats.org/drawingml/2006/diagram" xmlns:a="http://schemas.openxmlformats.org/drawingml/2006/main" uniqueId="urn:microsoft.com/office/officeart/2005/8/layout/pyramid3">
   <dgm:title val=""/>
   <dgm:desc val=""/>
@@ -8795,7 +12040,7 @@
 </dgm:layoutDef>
 </file>
 
-<file path=ppt/diagrams/layout4.xml><?xml version="1.0" encoding="utf-8"?>
+<file path=ppt/diagrams/layout5.xml><?xml version="1.0" encoding="utf-8"?>
 <dgm:layoutDef xmlns:dgm="http://schemas.openxmlformats.org/drawingml/2006/diagram" xmlns:a="http://schemas.openxmlformats.org/drawingml/2006/main" uniqueId="urn:microsoft.com/office/officeart/2008/layout/LinedList">
   <dgm:title val=""/>
   <dgm:desc val=""/>
@@ -12364,6 +15609,1040 @@
 </file>
 
 <file path=ppt/diagrams/quickStyle4.xml><?xml version="1.0" encoding="utf-8"?>
+<dgm:styleDef xmlns:dgm="http://schemas.openxmlformats.org/drawingml/2006/diagram" xmlns:a="http://schemas.openxmlformats.org/drawingml/2006/main" uniqueId="urn:microsoft.com/office/officeart/2005/8/quickstyle/simple1">
+  <dgm:title val=""/>
+  <dgm:desc val=""/>
+  <dgm:catLst>
+    <dgm:cat type="simple" pri="10100"/>
+  </dgm:catLst>
+  <dgm:scene3d>
+    <a:camera prst="orthographicFront"/>
+    <a:lightRig rig="threePt" dir="t"/>
+  </dgm:scene3d>
+  <dgm:styleLbl name="node0">
+    <dgm:scene3d>
+      <a:camera prst="orthographicFront"/>
+      <a:lightRig rig="threePt" dir="t"/>
+    </dgm:scene3d>
+    <dgm:sp3d/>
+    <dgm:txPr/>
+    <dgm:style>
+      <a:lnRef idx="2">
+        <a:scrgbClr r="0" g="0" b="0"/>
+      </a:lnRef>
+      <a:fillRef idx="1">
+        <a:scrgbClr r="0" g="0" b="0"/>
+      </a:fillRef>
+      <a:effectRef idx="0">
+        <a:scrgbClr r="0" g="0" b="0"/>
+      </a:effectRef>
+      <a:fontRef idx="minor">
+        <a:schemeClr val="lt1"/>
+      </a:fontRef>
+    </dgm:style>
+  </dgm:styleLbl>
+  <dgm:styleLbl name="lnNode1">
+    <dgm:scene3d>
+      <a:camera prst="orthographicFront"/>
+      <a:lightRig rig="threePt" dir="t"/>
+    </dgm:scene3d>
+    <dgm:sp3d/>
+    <dgm:txPr/>
+    <dgm:style>
+      <a:lnRef idx="2">
+        <a:scrgbClr r="0" g="0" b="0"/>
+      </a:lnRef>
+      <a:fillRef idx="1">
+        <a:scrgbClr r="0" g="0" b="0"/>
+      </a:fillRef>
+      <a:effectRef idx="0">
+        <a:scrgbClr r="0" g="0" b="0"/>
+      </a:effectRef>
+      <a:fontRef idx="minor">
+        <a:schemeClr val="lt1"/>
+      </a:fontRef>
+    </dgm:style>
+  </dgm:styleLbl>
+  <dgm:styleLbl name="vennNode1">
+    <dgm:scene3d>
+      <a:camera prst="orthographicFront"/>
+      <a:lightRig rig="threePt" dir="t"/>
+    </dgm:scene3d>
+    <dgm:sp3d/>
+    <dgm:txPr/>
+    <dgm:style>
+      <a:lnRef idx="2">
+        <a:scrgbClr r="0" g="0" b="0"/>
+      </a:lnRef>
+      <a:fillRef idx="1">
+        <a:scrgbClr r="0" g="0" b="0"/>
+      </a:fillRef>
+      <a:effectRef idx="0">
+        <a:scrgbClr r="0" g="0" b="0"/>
+      </a:effectRef>
+      <a:fontRef idx="minor">
+        <a:schemeClr val="tx1"/>
+      </a:fontRef>
+    </dgm:style>
+  </dgm:styleLbl>
+  <dgm:styleLbl name="alignNode1">
+    <dgm:scene3d>
+      <a:camera prst="orthographicFront"/>
+      <a:lightRig rig="threePt" dir="t"/>
+    </dgm:scene3d>
+    <dgm:sp3d/>
+    <dgm:txPr/>
+    <dgm:style>
+      <a:lnRef idx="2">
+        <a:scrgbClr r="0" g="0" b="0"/>
+      </a:lnRef>
+      <a:fillRef idx="1">
+        <a:scrgbClr r="0" g="0" b="0"/>
+      </a:fillRef>
+      <a:effectRef idx="0">
+        <a:scrgbClr r="0" g="0" b="0"/>
+      </a:effectRef>
+      <a:fontRef idx="minor">
+        <a:schemeClr val="lt1"/>
+      </a:fontRef>
+    </dgm:style>
+  </dgm:styleLbl>
+  <dgm:styleLbl name="node1">
+    <dgm:scene3d>
+      <a:camera prst="orthographicFront"/>
+      <a:lightRig rig="threePt" dir="t"/>
+    </dgm:scene3d>
+    <dgm:sp3d/>
+    <dgm:txPr/>
+    <dgm:style>
+      <a:lnRef idx="2">
+        <a:scrgbClr r="0" g="0" b="0"/>
+      </a:lnRef>
+      <a:fillRef idx="1">
+        <a:scrgbClr r="0" g="0" b="0"/>
+      </a:fillRef>
+      <a:effectRef idx="0">
+        <a:scrgbClr r="0" g="0" b="0"/>
+      </a:effectRef>
+      <a:fontRef idx="minor">
+        <a:schemeClr val="lt1"/>
+      </a:fontRef>
+    </dgm:style>
+  </dgm:styleLbl>
+  <dgm:styleLbl name="node2">
+    <dgm:scene3d>
+      <a:camera prst="orthographicFront"/>
+      <a:lightRig rig="threePt" dir="t"/>
+    </dgm:scene3d>
+    <dgm:sp3d/>
+    <dgm:txPr/>
+    <dgm:style>
+      <a:lnRef idx="2">
+        <a:scrgbClr r="0" g="0" b="0"/>
+      </a:lnRef>
+      <a:fillRef idx="1">
+        <a:scrgbClr r="0" g="0" b="0"/>
+      </a:fillRef>
+      <a:effectRef idx="0">
+        <a:scrgbClr r="0" g="0" b="0"/>
+      </a:effectRef>
+      <a:fontRef idx="minor">
+        <a:schemeClr val="lt1"/>
+      </a:fontRef>
+    </dgm:style>
+  </dgm:styleLbl>
+  <dgm:styleLbl name="node3">
+    <dgm:scene3d>
+      <a:camera prst="orthographicFront"/>
+      <a:lightRig rig="threePt" dir="t"/>
+    </dgm:scene3d>
+    <dgm:sp3d/>
+    <dgm:txPr/>
+    <dgm:style>
+      <a:lnRef idx="2">
+        <a:scrgbClr r="0" g="0" b="0"/>
+      </a:lnRef>
+      <a:fillRef idx="1">
+        <a:scrgbClr r="0" g="0" b="0"/>
+      </a:fillRef>
+      <a:effectRef idx="0">
+        <a:scrgbClr r="0" g="0" b="0"/>
+      </a:effectRef>
+      <a:fontRef idx="minor">
+        <a:schemeClr val="lt1"/>
+      </a:fontRef>
+    </dgm:style>
+  </dgm:styleLbl>
+  <dgm:styleLbl name="node4">
+    <dgm:scene3d>
+      <a:camera prst="orthographicFront"/>
+      <a:lightRig rig="threePt" dir="t"/>
+    </dgm:scene3d>
+    <dgm:sp3d/>
+    <dgm:txPr/>
+    <dgm:style>
+      <a:lnRef idx="2">
+        <a:scrgbClr r="0" g="0" b="0"/>
+      </a:lnRef>
+      <a:fillRef idx="1">
+        <a:scrgbClr r="0" g="0" b="0"/>
+      </a:fillRef>
+      <a:effectRef idx="0">
+        <a:scrgbClr r="0" g="0" b="0"/>
+      </a:effectRef>
+      <a:fontRef idx="minor">
+        <a:schemeClr val="lt1"/>
+      </a:fontRef>
+    </dgm:style>
+  </dgm:styleLbl>
+  <dgm:styleLbl name="fgImgPlace1">
+    <dgm:scene3d>
+      <a:camera prst="orthographicFront"/>
+      <a:lightRig rig="threePt" dir="t"/>
+    </dgm:scene3d>
+    <dgm:sp3d/>
+    <dgm:txPr/>
+    <dgm:style>
+      <a:lnRef idx="2">
+        <a:scrgbClr r="0" g="0" b="0"/>
+      </a:lnRef>
+      <a:fillRef idx="1">
+        <a:scrgbClr r="0" g="0" b="0"/>
+      </a:fillRef>
+      <a:effectRef idx="0">
+        <a:scrgbClr r="0" g="0" b="0"/>
+      </a:effectRef>
+      <a:fontRef idx="minor"/>
+    </dgm:style>
+  </dgm:styleLbl>
+  <dgm:styleLbl name="alignImgPlace1">
+    <dgm:scene3d>
+      <a:camera prst="orthographicFront"/>
+      <a:lightRig rig="threePt" dir="t"/>
+    </dgm:scene3d>
+    <dgm:sp3d/>
+    <dgm:txPr/>
+    <dgm:style>
+      <a:lnRef idx="2">
+        <a:scrgbClr r="0" g="0" b="0"/>
+      </a:lnRef>
+      <a:fillRef idx="1">
+        <a:scrgbClr r="0" g="0" b="0"/>
+      </a:fillRef>
+      <a:effectRef idx="0">
+        <a:scrgbClr r="0" g="0" b="0"/>
+      </a:effectRef>
+      <a:fontRef idx="minor"/>
+    </dgm:style>
+  </dgm:styleLbl>
+  <dgm:styleLbl name="bgImgPlace1">
+    <dgm:scene3d>
+      <a:camera prst="orthographicFront"/>
+      <a:lightRig rig="threePt" dir="t"/>
+    </dgm:scene3d>
+    <dgm:sp3d/>
+    <dgm:txPr/>
+    <dgm:style>
+      <a:lnRef idx="2">
+        <a:scrgbClr r="0" g="0" b="0"/>
+      </a:lnRef>
+      <a:fillRef idx="1">
+        <a:scrgbClr r="0" g="0" b="0"/>
+      </a:fillRef>
+      <a:effectRef idx="0">
+        <a:scrgbClr r="0" g="0" b="0"/>
+      </a:effectRef>
+      <a:fontRef idx="minor"/>
+    </dgm:style>
+  </dgm:styleLbl>
+  <dgm:styleLbl name="sibTrans2D1">
+    <dgm:scene3d>
+      <a:camera prst="orthographicFront"/>
+      <a:lightRig rig="threePt" dir="t"/>
+    </dgm:scene3d>
+    <dgm:sp3d/>
+    <dgm:txPr/>
+    <dgm:style>
+      <a:lnRef idx="0">
+        <a:scrgbClr r="0" g="0" b="0"/>
+      </a:lnRef>
+      <a:fillRef idx="1">
+        <a:scrgbClr r="0" g="0" b="0"/>
+      </a:fillRef>
+      <a:effectRef idx="0">
+        <a:scrgbClr r="0" g="0" b="0"/>
+      </a:effectRef>
+      <a:fontRef idx="minor">
+        <a:schemeClr val="lt1"/>
+      </a:fontRef>
+    </dgm:style>
+  </dgm:styleLbl>
+  <dgm:styleLbl name="fgSibTrans2D1">
+    <dgm:scene3d>
+      <a:camera prst="orthographicFront"/>
+      <a:lightRig rig="threePt" dir="t"/>
+    </dgm:scene3d>
+    <dgm:sp3d/>
+    <dgm:txPr/>
+    <dgm:style>
+      <a:lnRef idx="0">
+        <a:scrgbClr r="0" g="0" b="0"/>
+      </a:lnRef>
+      <a:fillRef idx="1">
+        <a:scrgbClr r="0" g="0" b="0"/>
+      </a:fillRef>
+      <a:effectRef idx="0">
+        <a:scrgbClr r="0" g="0" b="0"/>
+      </a:effectRef>
+      <a:fontRef idx="minor">
+        <a:schemeClr val="lt1"/>
+      </a:fontRef>
+    </dgm:style>
+  </dgm:styleLbl>
+  <dgm:styleLbl name="bgSibTrans2D1">
+    <dgm:scene3d>
+      <a:camera prst="orthographicFront"/>
+      <a:lightRig rig="threePt" dir="t"/>
+    </dgm:scene3d>
+    <dgm:sp3d/>
+    <dgm:txPr/>
+    <dgm:style>
+      <a:lnRef idx="0">
+        <a:scrgbClr r="0" g="0" b="0"/>
+      </a:lnRef>
+      <a:fillRef idx="1">
+        <a:scrgbClr r="0" g="0" b="0"/>
+      </a:fillRef>
+      <a:effectRef idx="0">
+        <a:scrgbClr r="0" g="0" b="0"/>
+      </a:effectRef>
+      <a:fontRef idx="minor">
+        <a:schemeClr val="lt1"/>
+      </a:fontRef>
+    </dgm:style>
+  </dgm:styleLbl>
+  <dgm:styleLbl name="sibTrans1D1">
+    <dgm:scene3d>
+      <a:camera prst="orthographicFront"/>
+      <a:lightRig rig="threePt" dir="t"/>
+    </dgm:scene3d>
+    <dgm:sp3d/>
+    <dgm:txPr/>
+    <dgm:style>
+      <a:lnRef idx="1">
+        <a:scrgbClr r="0" g="0" b="0"/>
+      </a:lnRef>
+      <a:fillRef idx="0">
+        <a:scrgbClr r="0" g="0" b="0"/>
+      </a:fillRef>
+      <a:effectRef idx="0">
+        <a:scrgbClr r="0" g="0" b="0"/>
+      </a:effectRef>
+      <a:fontRef idx="minor"/>
+    </dgm:style>
+  </dgm:styleLbl>
+  <dgm:styleLbl name="callout">
+    <dgm:scene3d>
+      <a:camera prst="orthographicFront"/>
+      <a:lightRig rig="threePt" dir="t"/>
+    </dgm:scene3d>
+    <dgm:sp3d/>
+    <dgm:txPr/>
+    <dgm:style>
+      <a:lnRef idx="2">
+        <a:scrgbClr r="0" g="0" b="0"/>
+      </a:lnRef>
+      <a:fillRef idx="1">
+        <a:scrgbClr r="0" g="0" b="0"/>
+      </a:fillRef>
+      <a:effectRef idx="0">
+        <a:scrgbClr r="0" g="0" b="0"/>
+      </a:effectRef>
+      <a:fontRef idx="minor"/>
+    </dgm:style>
+  </dgm:styleLbl>
+  <dgm:styleLbl name="asst0">
+    <dgm:scene3d>
+      <a:camera prst="orthographicFront"/>
+      <a:lightRig rig="threePt" dir="t"/>
+    </dgm:scene3d>
+    <dgm:sp3d/>
+    <dgm:txPr/>
+    <dgm:style>
+      <a:lnRef idx="2">
+        <a:scrgbClr r="0" g="0" b="0"/>
+      </a:lnRef>
+      <a:fillRef idx="1">
+        <a:scrgbClr r="0" g="0" b="0"/>
+      </a:fillRef>
+      <a:effectRef idx="0">
+        <a:scrgbClr r="0" g="0" b="0"/>
+      </a:effectRef>
+      <a:fontRef idx="minor">
+        <a:schemeClr val="lt1"/>
+      </a:fontRef>
+    </dgm:style>
+  </dgm:styleLbl>
+  <dgm:styleLbl name="asst1">
+    <dgm:scene3d>
+      <a:camera prst="orthographicFront"/>
+      <a:lightRig rig="threePt" dir="t"/>
+    </dgm:scene3d>
+    <dgm:sp3d/>
+    <dgm:txPr/>
+    <dgm:style>
+      <a:lnRef idx="2">
+        <a:scrgbClr r="0" g="0" b="0"/>
+      </a:lnRef>
+      <a:fillRef idx="1">
+        <a:scrgbClr r="0" g="0" b="0"/>
+      </a:fillRef>
+      <a:effectRef idx="0">
+        <a:scrgbClr r="0" g="0" b="0"/>
+      </a:effectRef>
+      <a:fontRef idx="minor">
+        <a:schemeClr val="lt1"/>
+      </a:fontRef>
+    </dgm:style>
+  </dgm:styleLbl>
+  <dgm:styleLbl name="asst2">
+    <dgm:scene3d>
+      <a:camera prst="orthographicFront"/>
+      <a:lightRig rig="threePt" dir="t"/>
+    </dgm:scene3d>
+    <dgm:sp3d/>
+    <dgm:txPr/>
+    <dgm:style>
+      <a:lnRef idx="2">
+        <a:scrgbClr r="0" g="0" b="0"/>
+      </a:lnRef>
+      <a:fillRef idx="1">
+        <a:scrgbClr r="0" g="0" b="0"/>
+      </a:fillRef>
+      <a:effectRef idx="0">
+        <a:scrgbClr r="0" g="0" b="0"/>
+      </a:effectRef>
+      <a:fontRef idx="minor">
+        <a:schemeClr val="lt1"/>
+      </a:fontRef>
+    </dgm:style>
+  </dgm:styleLbl>
+  <dgm:styleLbl name="asst3">
+    <dgm:scene3d>
+      <a:camera prst="orthographicFront"/>
+      <a:lightRig rig="threePt" dir="t"/>
+    </dgm:scene3d>
+    <dgm:sp3d/>
+    <dgm:txPr/>
+    <dgm:style>
+      <a:lnRef idx="2">
+        <a:scrgbClr r="0" g="0" b="0"/>
+      </a:lnRef>
+      <a:fillRef idx="1">
+        <a:scrgbClr r="0" g="0" b="0"/>
+      </a:fillRef>
+      <a:effectRef idx="0">
+        <a:scrgbClr r="0" g="0" b="0"/>
+      </a:effectRef>
+      <a:fontRef idx="minor">
+        <a:schemeClr val="lt1"/>
+      </a:fontRef>
+    </dgm:style>
+  </dgm:styleLbl>
+  <dgm:styleLbl name="asst4">
+    <dgm:scene3d>
+      <a:camera prst="orthographicFront"/>
+      <a:lightRig rig="threePt" dir="t"/>
+    </dgm:scene3d>
+    <dgm:sp3d/>
+    <dgm:txPr/>
+    <dgm:style>
+      <a:lnRef idx="2">
+        <a:scrgbClr r="0" g="0" b="0"/>
+      </a:lnRef>
+      <a:fillRef idx="1">
+        <a:scrgbClr r="0" g="0" b="0"/>
+      </a:fillRef>
+      <a:effectRef idx="0">
+        <a:scrgbClr r="0" g="0" b="0"/>
+      </a:effectRef>
+      <a:fontRef idx="minor">
+        <a:schemeClr val="lt1"/>
+      </a:fontRef>
+    </dgm:style>
+  </dgm:styleLbl>
+  <dgm:styleLbl name="parChTrans2D1">
+    <dgm:scene3d>
+      <a:camera prst="orthographicFront"/>
+      <a:lightRig rig="threePt" dir="t"/>
+    </dgm:scene3d>
+    <dgm:sp3d/>
+    <dgm:txPr/>
+    <dgm:style>
+      <a:lnRef idx="2">
+        <a:scrgbClr r="0" g="0" b="0"/>
+      </a:lnRef>
+      <a:fillRef idx="1">
+        <a:scrgbClr r="0" g="0" b="0"/>
+      </a:fillRef>
+      <a:effectRef idx="0">
+        <a:scrgbClr r="0" g="0" b="0"/>
+      </a:effectRef>
+      <a:fontRef idx="minor">
+        <a:schemeClr val="lt1"/>
+      </a:fontRef>
+    </dgm:style>
+  </dgm:styleLbl>
+  <dgm:styleLbl name="parChTrans2D2">
+    <dgm:scene3d>
+      <a:camera prst="orthographicFront"/>
+      <a:lightRig rig="threePt" dir="t"/>
+    </dgm:scene3d>
+    <dgm:sp3d/>
+    <dgm:txPr/>
+    <dgm:style>
+      <a:lnRef idx="2">
+        <a:scrgbClr r="0" g="0" b="0"/>
+      </a:lnRef>
+      <a:fillRef idx="1">
+        <a:scrgbClr r="0" g="0" b="0"/>
+      </a:fillRef>
+      <a:effectRef idx="0">
+        <a:scrgbClr r="0" g="0" b="0"/>
+      </a:effectRef>
+      <a:fontRef idx="minor">
+        <a:schemeClr val="lt1"/>
+      </a:fontRef>
+    </dgm:style>
+  </dgm:styleLbl>
+  <dgm:styleLbl name="parChTrans2D3">
+    <dgm:scene3d>
+      <a:camera prst="orthographicFront"/>
+      <a:lightRig rig="threePt" dir="t"/>
+    </dgm:scene3d>
+    <dgm:sp3d/>
+    <dgm:txPr/>
+    <dgm:style>
+      <a:lnRef idx="2">
+        <a:scrgbClr r="0" g="0" b="0"/>
+      </a:lnRef>
+      <a:fillRef idx="1">
+        <a:scrgbClr r="0" g="0" b="0"/>
+      </a:fillRef>
+      <a:effectRef idx="0">
+        <a:scrgbClr r="0" g="0" b="0"/>
+      </a:effectRef>
+      <a:fontRef idx="minor">
+        <a:schemeClr val="lt1"/>
+      </a:fontRef>
+    </dgm:style>
+  </dgm:styleLbl>
+  <dgm:styleLbl name="parChTrans2D4">
+    <dgm:scene3d>
+      <a:camera prst="orthographicFront"/>
+      <a:lightRig rig="threePt" dir="t"/>
+    </dgm:scene3d>
+    <dgm:sp3d/>
+    <dgm:txPr/>
+    <dgm:style>
+      <a:lnRef idx="2">
+        <a:scrgbClr r="0" g="0" b="0"/>
+      </a:lnRef>
+      <a:fillRef idx="1">
+        <a:scrgbClr r="0" g="0" b="0"/>
+      </a:fillRef>
+      <a:effectRef idx="0">
+        <a:scrgbClr r="0" g="0" b="0"/>
+      </a:effectRef>
+      <a:fontRef idx="minor">
+        <a:schemeClr val="lt1"/>
+      </a:fontRef>
+    </dgm:style>
+  </dgm:styleLbl>
+  <dgm:styleLbl name="parChTrans1D1">
+    <dgm:scene3d>
+      <a:camera prst="orthographicFront"/>
+      <a:lightRig rig="threePt" dir="t"/>
+    </dgm:scene3d>
+    <dgm:sp3d/>
+    <dgm:txPr/>
+    <dgm:style>
+      <a:lnRef idx="2">
+        <a:scrgbClr r="0" g="0" b="0"/>
+      </a:lnRef>
+      <a:fillRef idx="0">
+        <a:scrgbClr r="0" g="0" b="0"/>
+      </a:fillRef>
+      <a:effectRef idx="0">
+        <a:scrgbClr r="0" g="0" b="0"/>
+      </a:effectRef>
+      <a:fontRef idx="minor"/>
+    </dgm:style>
+  </dgm:styleLbl>
+  <dgm:styleLbl name="parChTrans1D2">
+    <dgm:scene3d>
+      <a:camera prst="orthographicFront"/>
+      <a:lightRig rig="threePt" dir="t"/>
+    </dgm:scene3d>
+    <dgm:sp3d/>
+    <dgm:txPr/>
+    <dgm:style>
+      <a:lnRef idx="2">
+        <a:scrgbClr r="0" g="0" b="0"/>
+      </a:lnRef>
+      <a:fillRef idx="0">
+        <a:scrgbClr r="0" g="0" b="0"/>
+      </a:fillRef>
+      <a:effectRef idx="0">
+        <a:scrgbClr r="0" g="0" b="0"/>
+      </a:effectRef>
+      <a:fontRef idx="minor"/>
+    </dgm:style>
+  </dgm:styleLbl>
+  <dgm:styleLbl name="parChTrans1D3">
+    <dgm:scene3d>
+      <a:camera prst="orthographicFront"/>
+      <a:lightRig rig="threePt" dir="t"/>
+    </dgm:scene3d>
+    <dgm:sp3d/>
+    <dgm:txPr/>
+    <dgm:style>
+      <a:lnRef idx="2">
+        <a:scrgbClr r="0" g="0" b="0"/>
+      </a:lnRef>
+      <a:fillRef idx="0">
+        <a:scrgbClr r="0" g="0" b="0"/>
+      </a:fillRef>
+      <a:effectRef idx="0">
+        <a:scrgbClr r="0" g="0" b="0"/>
+      </a:effectRef>
+      <a:fontRef idx="minor"/>
+    </dgm:style>
+  </dgm:styleLbl>
+  <dgm:styleLbl name="parChTrans1D4">
+    <dgm:scene3d>
+      <a:camera prst="orthographicFront"/>
+      <a:lightRig rig="threePt" dir="t"/>
+    </dgm:scene3d>
+    <dgm:sp3d/>
+    <dgm:txPr/>
+    <dgm:style>
+      <a:lnRef idx="2">
+        <a:scrgbClr r="0" g="0" b="0"/>
+      </a:lnRef>
+      <a:fillRef idx="0">
+        <a:scrgbClr r="0" g="0" b="0"/>
+      </a:fillRef>
+      <a:effectRef idx="0">
+        <a:scrgbClr r="0" g="0" b="0"/>
+      </a:effectRef>
+      <a:fontRef idx="minor"/>
+    </dgm:style>
+  </dgm:styleLbl>
+  <dgm:styleLbl name="fgAcc1">
+    <dgm:scene3d>
+      <a:camera prst="orthographicFront"/>
+      <a:lightRig rig="threePt" dir="t"/>
+    </dgm:scene3d>
+    <dgm:sp3d/>
+    <dgm:txPr/>
+    <dgm:style>
+      <a:lnRef idx="2">
+        <a:scrgbClr r="0" g="0" b="0"/>
+      </a:lnRef>
+      <a:fillRef idx="1">
+        <a:scrgbClr r="0" g="0" b="0"/>
+      </a:fillRef>
+      <a:effectRef idx="0">
+        <a:scrgbClr r="0" g="0" b="0"/>
+      </a:effectRef>
+      <a:fontRef idx="minor"/>
+    </dgm:style>
+  </dgm:styleLbl>
+  <dgm:styleLbl name="conFgAcc1">
+    <dgm:scene3d>
+      <a:camera prst="orthographicFront"/>
+      <a:lightRig rig="threePt" dir="t"/>
+    </dgm:scene3d>
+    <dgm:sp3d/>
+    <dgm:txPr/>
+    <dgm:style>
+      <a:lnRef idx="2">
+        <a:scrgbClr r="0" g="0" b="0"/>
+      </a:lnRef>
+      <a:fillRef idx="1">
+        <a:scrgbClr r="0" g="0" b="0"/>
+      </a:fillRef>
+      <a:effectRef idx="0">
+        <a:scrgbClr r="0" g="0" b="0"/>
+      </a:effectRef>
+      <a:fontRef idx="minor"/>
+    </dgm:style>
+  </dgm:styleLbl>
+  <dgm:styleLbl name="alignAcc1">
+    <dgm:scene3d>
+      <a:camera prst="orthographicFront"/>
+      <a:lightRig rig="threePt" dir="t"/>
+    </dgm:scene3d>
+    <dgm:sp3d/>
+    <dgm:txPr/>
+    <dgm:style>
+      <a:lnRef idx="2">
+        <a:scrgbClr r="0" g="0" b="0"/>
+      </a:lnRef>
+      <a:fillRef idx="1">
+        <a:scrgbClr r="0" g="0" b="0"/>
+      </a:fillRef>
+      <a:effectRef idx="0">
+        <a:scrgbClr r="0" g="0" b="0"/>
+      </a:effectRef>
+      <a:fontRef idx="minor"/>
+    </dgm:style>
+  </dgm:styleLbl>
+  <dgm:styleLbl name="trAlignAcc1">
+    <dgm:scene3d>
+      <a:camera prst="orthographicFront"/>
+      <a:lightRig rig="threePt" dir="t"/>
+    </dgm:scene3d>
+    <dgm:sp3d/>
+    <dgm:txPr/>
+    <dgm:style>
+      <a:lnRef idx="1">
+        <a:scrgbClr r="0" g="0" b="0"/>
+      </a:lnRef>
+      <a:fillRef idx="1">
+        <a:scrgbClr r="0" g="0" b="0"/>
+      </a:fillRef>
+      <a:effectRef idx="0">
+        <a:scrgbClr r="0" g="0" b="0"/>
+      </a:effectRef>
+      <a:fontRef idx="minor"/>
+    </dgm:style>
+  </dgm:styleLbl>
+  <dgm:styleLbl name="bgAcc1">
+    <dgm:scene3d>
+      <a:camera prst="orthographicFront"/>
+      <a:lightRig rig="threePt" dir="t"/>
+    </dgm:scene3d>
+    <dgm:sp3d/>
+    <dgm:txPr/>
+    <dgm:style>
+      <a:lnRef idx="2">
+        <a:scrgbClr r="0" g="0" b="0"/>
+      </a:lnRef>
+      <a:fillRef idx="1">
+        <a:scrgbClr r="0" g="0" b="0"/>
+      </a:fillRef>
+      <a:effectRef idx="0">
+        <a:scrgbClr r="0" g="0" b="0"/>
+      </a:effectRef>
+      <a:fontRef idx="minor"/>
+    </dgm:style>
+  </dgm:styleLbl>
+  <dgm:styleLbl name="solidFgAcc1">
+    <dgm:scene3d>
+      <a:camera prst="orthographicFront"/>
+      <a:lightRig rig="threePt" dir="t"/>
+    </dgm:scene3d>
+    <dgm:sp3d/>
+    <dgm:txPr/>
+    <dgm:style>
+      <a:lnRef idx="2">
+        <a:scrgbClr r="0" g="0" b="0"/>
+      </a:lnRef>
+      <a:fillRef idx="1">
+        <a:scrgbClr r="0" g="0" b="0"/>
+      </a:fillRef>
+      <a:effectRef idx="0">
+        <a:scrgbClr r="0" g="0" b="0"/>
+      </a:effectRef>
+      <a:fontRef idx="minor"/>
+    </dgm:style>
+  </dgm:styleLbl>
+  <dgm:styleLbl name="solidAlignAcc1">
+    <dgm:scene3d>
+      <a:camera prst="orthographicFront"/>
+      <a:lightRig rig="threePt" dir="t"/>
+    </dgm:scene3d>
+    <dgm:sp3d/>
+    <dgm:txPr/>
+    <dgm:style>
+      <a:lnRef idx="2">
+        <a:scrgbClr r="0" g="0" b="0"/>
+      </a:lnRef>
+      <a:fillRef idx="1">
+        <a:scrgbClr r="0" g="0" b="0"/>
+      </a:fillRef>
+      <a:effectRef idx="0">
+        <a:scrgbClr r="0" g="0" b="0"/>
+      </a:effectRef>
+      <a:fontRef idx="minor"/>
+    </dgm:style>
+  </dgm:styleLbl>
+  <dgm:styleLbl name="solidBgAcc1">
+    <dgm:scene3d>
+      <a:camera prst="orthographicFront"/>
+      <a:lightRig rig="threePt" dir="t"/>
+    </dgm:scene3d>
+    <dgm:sp3d/>
+    <dgm:txPr/>
+    <dgm:style>
+      <a:lnRef idx="2">
+        <a:scrgbClr r="0" g="0" b="0"/>
+      </a:lnRef>
+      <a:fillRef idx="1">
+        <a:scrgbClr r="0" g="0" b="0"/>
+      </a:fillRef>
+      <a:effectRef idx="0">
+        <a:scrgbClr r="0" g="0" b="0"/>
+      </a:effectRef>
+      <a:fontRef idx="minor"/>
+    </dgm:style>
+  </dgm:styleLbl>
+  <dgm:styleLbl name="fgAccFollowNode1">
+    <dgm:scene3d>
+      <a:camera prst="orthographicFront"/>
+      <a:lightRig rig="threePt" dir="t"/>
+    </dgm:scene3d>
+    <dgm:sp3d/>
+    <dgm:txPr/>
+    <dgm:style>
+      <a:lnRef idx="2">
+        <a:scrgbClr r="0" g="0" b="0"/>
+      </a:lnRef>
+      <a:fillRef idx="1">
+        <a:scrgbClr r="0" g="0" b="0"/>
+      </a:fillRef>
+      <a:effectRef idx="0">
+        <a:scrgbClr r="0" g="0" b="0"/>
+      </a:effectRef>
+      <a:fontRef idx="minor"/>
+    </dgm:style>
+  </dgm:styleLbl>
+  <dgm:styleLbl name="alignAccFollowNode1">
+    <dgm:scene3d>
+      <a:camera prst="orthographicFront"/>
+      <a:lightRig rig="threePt" dir="t"/>
+    </dgm:scene3d>
+    <dgm:sp3d/>
+    <dgm:txPr/>
+    <dgm:style>
+      <a:lnRef idx="2">
+        <a:scrgbClr r="0" g="0" b="0"/>
+      </a:lnRef>
+      <a:fillRef idx="1">
+        <a:scrgbClr r="0" g="0" b="0"/>
+      </a:fillRef>
+      <a:effectRef idx="0">
+        <a:scrgbClr r="0" g="0" b="0"/>
+      </a:effectRef>
+      <a:fontRef idx="minor"/>
+    </dgm:style>
+  </dgm:styleLbl>
+  <dgm:styleLbl name="bgAccFollowNode1">
+    <dgm:scene3d>
+      <a:camera prst="orthographicFront"/>
+      <a:lightRig rig="threePt" dir="t"/>
+    </dgm:scene3d>
+    <dgm:sp3d/>
+    <dgm:txPr/>
+    <dgm:style>
+      <a:lnRef idx="2">
+        <a:scrgbClr r="0" g="0" b="0"/>
+      </a:lnRef>
+      <a:fillRef idx="1">
+        <a:scrgbClr r="0" g="0" b="0"/>
+      </a:fillRef>
+      <a:effectRef idx="0">
+        <a:scrgbClr r="0" g="0" b="0"/>
+      </a:effectRef>
+      <a:fontRef idx="minor"/>
+    </dgm:style>
+  </dgm:styleLbl>
+  <dgm:styleLbl name="fgAcc0">
+    <dgm:scene3d>
+      <a:camera prst="orthographicFront"/>
+      <a:lightRig rig="threePt" dir="t"/>
+    </dgm:scene3d>
+    <dgm:sp3d/>
+    <dgm:txPr/>
+    <dgm:style>
+      <a:lnRef idx="2">
+        <a:scrgbClr r="0" g="0" b="0"/>
+      </a:lnRef>
+      <a:fillRef idx="1">
+        <a:scrgbClr r="0" g="0" b="0"/>
+      </a:fillRef>
+      <a:effectRef idx="0">
+        <a:scrgbClr r="0" g="0" b="0"/>
+      </a:effectRef>
+      <a:fontRef idx="minor"/>
+    </dgm:style>
+  </dgm:styleLbl>
+  <dgm:styleLbl name="fgAcc2">
+    <dgm:scene3d>
+      <a:camera prst="orthographicFront"/>
+      <a:lightRig rig="threePt" dir="t"/>
+    </dgm:scene3d>
+    <dgm:sp3d/>
+    <dgm:txPr/>
+    <dgm:style>
+      <a:lnRef idx="2">
+        <a:scrgbClr r="0" g="0" b="0"/>
+      </a:lnRef>
+      <a:fillRef idx="1">
+        <a:scrgbClr r="0" g="0" b="0"/>
+      </a:fillRef>
+      <a:effectRef idx="0">
+        <a:scrgbClr r="0" g="0" b="0"/>
+      </a:effectRef>
+      <a:fontRef idx="minor"/>
+    </dgm:style>
+  </dgm:styleLbl>
+  <dgm:styleLbl name="fgAcc3">
+    <dgm:scene3d>
+      <a:camera prst="orthographicFront"/>
+      <a:lightRig rig="threePt" dir="t"/>
+    </dgm:scene3d>
+    <dgm:sp3d/>
+    <dgm:txPr/>
+    <dgm:style>
+      <a:lnRef idx="2">
+        <a:scrgbClr r="0" g="0" b="0"/>
+      </a:lnRef>
+      <a:fillRef idx="1">
+        <a:scrgbClr r="0" g="0" b="0"/>
+      </a:fillRef>
+      <a:effectRef idx="0">
+        <a:scrgbClr r="0" g="0" b="0"/>
+      </a:effectRef>
+      <a:fontRef idx="minor"/>
+    </dgm:style>
+  </dgm:styleLbl>
+  <dgm:styleLbl name="fgAcc4">
+    <dgm:scene3d>
+      <a:camera prst="orthographicFront"/>
+      <a:lightRig rig="threePt" dir="t"/>
+    </dgm:scene3d>
+    <dgm:sp3d/>
+    <dgm:txPr/>
+    <dgm:style>
+      <a:lnRef idx="2">
+        <a:scrgbClr r="0" g="0" b="0"/>
+      </a:lnRef>
+      <a:fillRef idx="1">
+        <a:scrgbClr r="0" g="0" b="0"/>
+      </a:fillRef>
+      <a:effectRef idx="0">
+        <a:scrgbClr r="0" g="0" b="0"/>
+      </a:effectRef>
+      <a:fontRef idx="minor"/>
+    </dgm:style>
+  </dgm:styleLbl>
+  <dgm:styleLbl name="bgShp">
+    <dgm:scene3d>
+      <a:camera prst="orthographicFront"/>
+      <a:lightRig rig="threePt" dir="t"/>
+    </dgm:scene3d>
+    <dgm:sp3d/>
+    <dgm:txPr/>
+    <dgm:style>
+      <a:lnRef idx="0">
+        <a:scrgbClr r="0" g="0" b="0"/>
+      </a:lnRef>
+      <a:fillRef idx="1">
+        <a:scrgbClr r="0" g="0" b="0"/>
+      </a:fillRef>
+      <a:effectRef idx="0">
+        <a:scrgbClr r="0" g="0" b="0"/>
+      </a:effectRef>
+      <a:fontRef idx="minor"/>
+    </dgm:style>
+  </dgm:styleLbl>
+  <dgm:styleLbl name="dkBgShp">
+    <dgm:scene3d>
+      <a:camera prst="orthographicFront"/>
+      <a:lightRig rig="threePt" dir="t"/>
+    </dgm:scene3d>
+    <dgm:sp3d/>
+    <dgm:txPr/>
+    <dgm:style>
+      <a:lnRef idx="0">
+        <a:scrgbClr r="0" g="0" b="0"/>
+      </a:lnRef>
+      <a:fillRef idx="1">
+        <a:scrgbClr r="0" g="0" b="0"/>
+      </a:fillRef>
+      <a:effectRef idx="0">
+        <a:scrgbClr r="0" g="0" b="0"/>
+      </a:effectRef>
+      <a:fontRef idx="minor"/>
+    </dgm:style>
+  </dgm:styleLbl>
+  <dgm:styleLbl name="trBgShp">
+    <dgm:scene3d>
+      <a:camera prst="orthographicFront"/>
+      <a:lightRig rig="threePt" dir="t"/>
+    </dgm:scene3d>
+    <dgm:sp3d/>
+    <dgm:txPr/>
+    <dgm:style>
+      <a:lnRef idx="0">
+        <a:scrgbClr r="0" g="0" b="0"/>
+      </a:lnRef>
+      <a:fillRef idx="1">
+        <a:scrgbClr r="0" g="0" b="0"/>
+      </a:fillRef>
+      <a:effectRef idx="0">
+        <a:scrgbClr r="0" g="0" b="0"/>
+      </a:effectRef>
+      <a:fontRef idx="minor"/>
+    </dgm:style>
+  </dgm:styleLbl>
+  <dgm:styleLbl name="fgShp">
+    <dgm:scene3d>
+      <a:camera prst="orthographicFront"/>
+      <a:lightRig rig="threePt" dir="t"/>
+    </dgm:scene3d>
+    <dgm:sp3d/>
+    <dgm:txPr/>
+    <dgm:style>
+      <a:lnRef idx="2">
+        <a:scrgbClr r="0" g="0" b="0"/>
+      </a:lnRef>
+      <a:fillRef idx="1">
+        <a:scrgbClr r="0" g="0" b="0"/>
+      </a:fillRef>
+      <a:effectRef idx="0">
+        <a:scrgbClr r="0" g="0" b="0"/>
+      </a:effectRef>
+      <a:fontRef idx="minor"/>
+    </dgm:style>
+  </dgm:styleLbl>
+  <dgm:styleLbl name="revTx">
+    <dgm:scene3d>
+      <a:camera prst="orthographicFront"/>
+      <a:lightRig rig="threePt" dir="t"/>
+    </dgm:scene3d>
+    <dgm:sp3d/>
+    <dgm:txPr/>
+    <dgm:style>
+      <a:lnRef idx="0">
+        <a:scrgbClr r="0" g="0" b="0"/>
+      </a:lnRef>
+      <a:fillRef idx="0">
+        <a:scrgbClr r="0" g="0" b="0"/>
+      </a:fillRef>
+      <a:effectRef idx="0">
+        <a:scrgbClr r="0" g="0" b="0"/>
+      </a:effectRef>
+      <a:fontRef idx="minor"/>
+    </dgm:style>
+  </dgm:styleLbl>
+</dgm:styleDef>
+</file>
+
+<file path=ppt/diagrams/quickStyle5.xml><?xml version="1.0" encoding="utf-8"?>
 <dgm:styleDef xmlns:dgm="http://schemas.openxmlformats.org/drawingml/2006/diagram" xmlns:a="http://schemas.openxmlformats.org/drawingml/2006/main" uniqueId="urn:microsoft.com/office/officeart/2005/8/quickstyle/simple4">
   <dgm:title val=""/>
   <dgm:desc val=""/>
@@ -19287,42 +23566,6 @@
           <a:chExt cx="0" cy="0"/>
         </a:xfrm>
       </p:grpSpPr>
-      <p:pic>
-        <p:nvPicPr>
-          <p:cNvPr id="5" name="Picture 4" descr="A close up of a sign&#10;&#10;Description automatically generated">
-            <a:extLst>
-              <a:ext uri="{FF2B5EF4-FFF2-40B4-BE49-F238E27FC236}">
-                <a16:creationId xmlns:a16="http://schemas.microsoft.com/office/drawing/2014/main" id="{E7696A1A-183C-424B-985B-A216D6806524}"/>
-              </a:ext>
-            </a:extLst>
-          </p:cNvPr>
-          <p:cNvPicPr>
-            <a:picLocks noChangeAspect="1"/>
-          </p:cNvPicPr>
-          <p:nvPr/>
-        </p:nvPicPr>
-        <p:blipFill>
-          <a:blip r:embed="rId2"/>
-          <a:stretch>
-            <a:fillRect/>
-          </a:stretch>
-        </p:blipFill>
-        <p:spPr>
-          <a:xfrm>
-            <a:off x="264316" y="1845012"/>
-            <a:ext cx="6674412" cy="3167976"/>
-          </a:xfrm>
-          <a:prstGeom prst="rect">
-            <a:avLst/>
-          </a:prstGeom>
-          <a:ln>
-            <a:noFill/>
-          </a:ln>
-          <a:effectLst>
-            <a:softEdge rad="112500"/>
-          </a:effectLst>
-        </p:spPr>
-      </p:pic>
       <p:sp>
         <p:nvSpPr>
           <p:cNvPr id="6" name="TextBox 5">
@@ -19337,8 +23580,8 @@
         </p:nvSpPr>
         <p:spPr>
           <a:xfrm>
-            <a:off x="7075503" y="2028616"/>
-            <a:ext cx="4852181" cy="2800767"/>
+            <a:off x="266700" y="4733716"/>
+            <a:ext cx="11125200" cy="1538883"/>
           </a:xfrm>
           <a:prstGeom prst="rect">
             <a:avLst/>
@@ -19358,18 +23601,7 @@
               <a:rPr lang="en-US" sz="2800" dirty="0">
                 <a:latin typeface="Copperplate Gothic Bold" panose="020B0604020202020204" pitchFamily="34" charset="0"/>
               </a:rPr>
-              <a:t>Georgetown Capstone</a:t>
-            </a:r>
-          </a:p>
-          <a:p>
-            <a:pPr lvl="0">
-              <a:buSzPts val="1800"/>
-            </a:pPr>
-            <a:r>
-              <a:rPr lang="en-US" sz="2800" dirty="0">
-                <a:latin typeface="Copperplate Gothic Bold" panose="020B0604020202020204" pitchFamily="34" charset="0"/>
-              </a:rPr>
-              <a:t>Cohort 14</a:t>
+              <a:t>Georgetown Capstone Cohort 14</a:t>
             </a:r>
           </a:p>
           <a:p>
@@ -19407,33 +23639,7 @@
               <a:rPr lang="en-US" dirty="0">
                 <a:latin typeface="Copperplate Gothic Bold" panose="020B0604020202020204" pitchFamily="34" charset="0"/>
               </a:rPr>
-              <a:t>Suchit Sharma </a:t>
-            </a:r>
-          </a:p>
-          <a:p>
-            <a:pPr marL="285750" lvl="0" indent="-285750">
-              <a:buSzPts val="1800"/>
-              <a:buFont typeface="Arial" panose="020B0604020202020204" pitchFamily="34" charset="0"/>
-              <a:buChar char="•"/>
-            </a:pPr>
-            <a:r>
-              <a:rPr lang="en-US" dirty="0">
-                <a:latin typeface="Copperplate Gothic Bold" panose="020B0604020202020204" pitchFamily="34" charset="0"/>
-              </a:rPr>
-              <a:t>Elsa Abebe (Team Spokesperson)</a:t>
-            </a:r>
-          </a:p>
-          <a:p>
-            <a:pPr marL="285750" lvl="0" indent="-285750">
-              <a:buSzPts val="1800"/>
-              <a:buFont typeface="Arial" panose="020B0604020202020204" pitchFamily="34" charset="0"/>
-              <a:buChar char="•"/>
-            </a:pPr>
-            <a:r>
-              <a:rPr lang="en-US" dirty="0">
-                <a:latin typeface="Copperplate Gothic Bold" panose="020B0604020202020204" pitchFamily="34" charset="0"/>
-              </a:rPr>
-              <a:t>Kamal </a:t>
+              <a:t>Suchit Sharma, Elsa Abebe, Kamal </a:t>
             </a:r>
             <a:r>
               <a:rPr lang="en-US" dirty="0" err="1">
@@ -19441,16 +23647,12 @@
               </a:rPr>
               <a:t>Rangavajhula</a:t>
             </a:r>
-            <a:endParaRPr lang="en-US" dirty="0">
-              <a:latin typeface="Copperplate Gothic Bold" panose="020B0604020202020204" pitchFamily="34" charset="0"/>
-            </a:endParaRPr>
-          </a:p>
-          <a:p>
-            <a:pPr marL="285750" lvl="0" indent="-285750">
-              <a:buSzPts val="1800"/>
-              <a:buFont typeface="Arial" panose="020B0604020202020204" pitchFamily="34" charset="0"/>
-              <a:buChar char="•"/>
-            </a:pPr>
+            <a:r>
+              <a:rPr lang="en-US" dirty="0">
+                <a:latin typeface="Copperplate Gothic Bold" panose="020B0604020202020204" pitchFamily="34" charset="0"/>
+              </a:rPr>
+              <a:t> and </a:t>
+            </a:r>
             <a:r>
               <a:rPr lang="en-US" dirty="0" err="1">
                 <a:latin typeface="Copperplate Gothic Bold" panose="020B0604020202020204" pitchFamily="34" charset="0"/>
@@ -19475,6 +23677,42 @@
           </a:p>
         </p:txBody>
       </p:sp>
+      <p:pic>
+        <p:nvPicPr>
+          <p:cNvPr id="4" name="Picture 3" descr="A close up of a sign&#10;&#10;Description automatically generated">
+            <a:extLst>
+              <a:ext uri="{FF2B5EF4-FFF2-40B4-BE49-F238E27FC236}">
+                <a16:creationId xmlns:a16="http://schemas.microsoft.com/office/drawing/2014/main" id="{0ABD8FC2-79C6-451F-9505-6E28DBE71BE1}"/>
+              </a:ext>
+            </a:extLst>
+          </p:cNvPr>
+          <p:cNvPicPr>
+            <a:picLocks noChangeAspect="1"/>
+          </p:cNvPicPr>
+          <p:nvPr/>
+        </p:nvPicPr>
+        <p:blipFill>
+          <a:blip r:embed="rId2"/>
+          <a:stretch>
+            <a:fillRect/>
+          </a:stretch>
+        </p:blipFill>
+        <p:spPr>
+          <a:xfrm>
+            <a:off x="161269" y="171139"/>
+            <a:ext cx="9392961" cy="4458322"/>
+          </a:xfrm>
+          <a:prstGeom prst="rect">
+            <a:avLst/>
+          </a:prstGeom>
+          <a:ln>
+            <a:noFill/>
+          </a:ln>
+          <a:effectLst>
+            <a:softEdge rad="112500"/>
+          </a:effectLst>
+        </p:spPr>
+      </p:pic>
     </p:spTree>
     <p:extLst>
       <p:ext uri="{BB962C8B-B14F-4D97-AF65-F5344CB8AC3E}">
@@ -20494,7 +24732,7 @@
           <a:lstStyle/>
           <a:p>
             <a:r>
-              <a:rPr lang="en-US" b="0" i="0" kern="1200" dirty="0">
+              <a:rPr lang="en-US" sz="4000" b="0" i="0" kern="1200" dirty="0">
                 <a:solidFill>
                   <a:srgbClr val="FFFFFF"/>
                 </a:solidFill>
@@ -20503,7 +24741,7 @@
               <a:t>Data</a:t>
             </a:r>
             <a:br>
-              <a:rPr lang="en-US" b="0" i="0" kern="1200" dirty="0">
+              <a:rPr lang="en-US" sz="4000" b="0" i="0" kern="1200" dirty="0">
                 <a:solidFill>
                   <a:srgbClr val="FFFFFF"/>
                 </a:solidFill>
@@ -20511,7 +24749,7 @@
               </a:rPr>
             </a:br>
             <a:r>
-              <a:rPr lang="en-US" b="0" i="0" kern="1200" dirty="0">
+              <a:rPr lang="en-US" sz="4000" b="0" i="0" kern="1200" dirty="0">
                 <a:solidFill>
                   <a:srgbClr val="FFFFFF"/>
                 </a:solidFill>
@@ -20978,7 +25216,7 @@
           <a:lstStyle/>
           <a:p>
             <a:r>
-              <a:rPr lang="en-US" sz="3900">
+              <a:rPr lang="en-US" sz="4000" dirty="0">
                 <a:solidFill>
                   <a:srgbClr val="EBEBEB"/>
                 </a:solidFill>
@@ -22212,7 +26450,7 @@
           <a:lstStyle/>
           <a:p>
             <a:r>
-              <a:rPr lang="en-US" dirty="0">
+              <a:rPr lang="en-US" sz="4000" dirty="0">
                 <a:latin typeface="Copperplate Gothic Bold" panose="020E0705020206020404" pitchFamily="34" charset="0"/>
               </a:rPr>
               <a:t>Feature Selection</a:t>
@@ -22826,7 +27064,7 @@
           <a:lstStyle/>
           <a:p>
             <a:r>
-              <a:rPr lang="en-US" dirty="0">
+              <a:rPr lang="en-US" sz="4000" dirty="0">
                 <a:latin typeface="Copperplate Gothic Bold" panose="020E0705020206020404" pitchFamily="34" charset="0"/>
               </a:rPr>
               <a:t>Model Evaluation</a:t>
@@ -23527,18 +27765,18 @@
         </p:nvSpPr>
         <p:spPr>
           <a:xfrm>
-            <a:off x="8210623" y="1447801"/>
-            <a:ext cx="3333676" cy="1695450"/>
+            <a:off x="8023153" y="2653635"/>
+            <a:ext cx="3694332" cy="1695450"/>
           </a:xfrm>
         </p:spPr>
         <p:txBody>
           <a:bodyPr vert="horz" lIns="91440" tIns="45720" rIns="91440" bIns="45720" rtlCol="0" anchor="b">
-            <a:normAutofit fontScale="90000"/>
+            <a:noAutofit/>
           </a:bodyPr>
           <a:lstStyle/>
           <a:p>
             <a:r>
-              <a:rPr lang="en-US" sz="3600" dirty="0">
+              <a:rPr lang="en-US" sz="4000" dirty="0">
                 <a:latin typeface="Copperplate Gothic Bold" panose="020E0705020206020404" pitchFamily="34" charset="0"/>
               </a:rPr>
               <a:t>Model Evaluation Cont.</a:t>
@@ -24605,8 +28843,8 @@
         </p:nvSpPr>
         <p:spPr>
           <a:xfrm>
-            <a:off x="648931" y="629266"/>
-            <a:ext cx="4166510" cy="1622321"/>
+            <a:off x="180680" y="1252855"/>
+            <a:ext cx="5092656" cy="1622321"/>
           </a:xfrm>
         </p:spPr>
         <p:txBody>
@@ -24616,7 +28854,7 @@
           <a:lstStyle/>
           <a:p>
             <a:r>
-              <a:rPr lang="en-US" sz="3600" dirty="0">
+              <a:rPr lang="en-US" sz="4400" dirty="0">
                 <a:solidFill>
                   <a:srgbClr val="EBEBEB"/>
                 </a:solidFill>
@@ -25590,14 +29828,14 @@
             <p:ph idx="1"/>
             <p:extLst>
               <p:ext uri="{D42A27DB-BD31-4B8C-83A1-F6EECF244321}">
-                <p14:modId xmlns:p14="http://schemas.microsoft.com/office/powerpoint/2010/main" val="2195705623"/>
+                <p14:modId xmlns:p14="http://schemas.microsoft.com/office/powerpoint/2010/main" val="6061786"/>
               </p:ext>
             </p:extLst>
           </p:nvPr>
         </p:nvGraphicFramePr>
         <p:xfrm>
-          <a:off x="649386" y="2466338"/>
-          <a:ext cx="4165599" cy="1925320"/>
+          <a:off x="287921" y="3356640"/>
+          <a:ext cx="4807863" cy="1742440"/>
         </p:xfrm>
         <a:graphic>
           <a:graphicData uri="http://schemas.openxmlformats.org/drawingml/2006/table">
@@ -25606,21 +29844,21 @@
                 <a:tableStyleId>{F5AB1C69-6EDB-4FF4-983F-18BD219EF322}</a:tableStyleId>
               </a:tblPr>
               <a:tblGrid>
-                <a:gridCol w="1388533">
+                <a:gridCol w="1842720">
                   <a:extLst>
                     <a:ext uri="{9D8B030D-6E8A-4147-A177-3AD203B41FA5}">
                       <a16:colId xmlns:a16="http://schemas.microsoft.com/office/drawing/2014/main" val="393053002"/>
                     </a:ext>
                   </a:extLst>
                 </a:gridCol>
-                <a:gridCol w="1388533">
+                <a:gridCol w="1473693">
                   <a:extLst>
                     <a:ext uri="{9D8B030D-6E8A-4147-A177-3AD203B41FA5}">
                       <a16:colId xmlns:a16="http://schemas.microsoft.com/office/drawing/2014/main" val="1651427240"/>
                     </a:ext>
                   </a:extLst>
                 </a:gridCol>
-                <a:gridCol w="1388533">
+                <a:gridCol w="1491450">
                   <a:extLst>
                     <a:ext uri="{9D8B030D-6E8A-4147-A177-3AD203B41FA5}">
                       <a16:colId xmlns:a16="http://schemas.microsoft.com/office/drawing/2014/main" val="1685600713"/>
@@ -25635,12 +29873,11 @@
                     <a:lstStyle/>
                     <a:p>
                       <a:r>
-                        <a:rPr lang="en-US" sz="1200" dirty="0"/>
+                        <a:rPr lang="en-US" sz="1200" dirty="0">
+                          <a:latin typeface="Copperplate Gothic Light" panose="020E0507020206020404" pitchFamily="34" charset="0"/>
+                        </a:rPr>
                         <a:t>Model</a:t>
                       </a:r>
-                      <a:endParaRPr lang="en-US" sz="1200" dirty="0">
-                        <a:latin typeface="Copperplate Gothic Light" panose="020E0507020206020404" pitchFamily="34" charset="0"/>
-                      </a:endParaRPr>
                     </a:p>
                   </a:txBody>
                   <a:tcPr/>
@@ -25651,12 +29888,11 @@
                     <a:lstStyle/>
                     <a:p>
                       <a:r>
-                        <a:rPr lang="en-US" sz="1200" dirty="0"/>
+                        <a:rPr lang="en-US" sz="1200" dirty="0">
+                          <a:latin typeface="Copperplate Gothic Light" panose="020E0507020206020404" pitchFamily="34" charset="0"/>
+                        </a:rPr>
                         <a:t>Accuracy</a:t>
                       </a:r>
-                      <a:endParaRPr lang="en-US" sz="1200" dirty="0">
-                        <a:latin typeface="Copperplate Gothic Light" panose="020E0507020206020404" pitchFamily="34" charset="0"/>
-                      </a:endParaRPr>
                     </a:p>
                   </a:txBody>
                   <a:tcPr/>
@@ -25667,12 +29903,11 @@
                     <a:lstStyle/>
                     <a:p>
                       <a:r>
-                        <a:rPr lang="en-US" sz="1200" dirty="0"/>
-                        <a:t>HPY Accuracy</a:t>
+                        <a:rPr lang="en-US" sz="1200" dirty="0">
+                          <a:latin typeface="Copperplate Gothic Light" panose="020E0507020206020404" pitchFamily="34" charset="0"/>
+                        </a:rPr>
+                        <a:t>HPT Accuracy</a:t>
                       </a:r>
-                      <a:endParaRPr lang="en-US" sz="1200" dirty="0">
-                        <a:latin typeface="Copperplate Gothic Light" panose="020E0507020206020404" pitchFamily="34" charset="0"/>
-                      </a:endParaRPr>
                     </a:p>
                   </a:txBody>
                   <a:tcPr/>
@@ -25690,12 +29925,11 @@
                     <a:lstStyle/>
                     <a:p>
                       <a:r>
-                        <a:rPr lang="en-US" sz="1200" dirty="0"/>
+                        <a:rPr lang="en-US" sz="1200" dirty="0">
+                          <a:latin typeface="Copperplate Gothic Light" panose="020E0507020206020404" pitchFamily="34" charset="0"/>
+                        </a:rPr>
                         <a:t>Decision Tree Regressor</a:t>
                       </a:r>
-                      <a:endParaRPr lang="en-US" sz="1200" dirty="0">
-                        <a:latin typeface="Copperplate Gothic Light" panose="020E0507020206020404" pitchFamily="34" charset="0"/>
-                      </a:endParaRPr>
                     </a:p>
                   </a:txBody>
                   <a:tcPr/>
@@ -25706,12 +29940,11 @@
                     <a:lstStyle/>
                     <a:p>
                       <a:r>
-                        <a:rPr lang="en-US" sz="1200" dirty="0"/>
+                        <a:rPr lang="en-US" sz="1200" dirty="0">
+                          <a:latin typeface="Copperplate Gothic Light" panose="020E0507020206020404" pitchFamily="34" charset="0"/>
+                        </a:rPr>
                         <a:t>0.879</a:t>
                       </a:r>
-                      <a:endParaRPr lang="en-US" sz="1200" dirty="0">
-                        <a:latin typeface="Copperplate Gothic Light" panose="020E0507020206020404" pitchFamily="34" charset="0"/>
-                      </a:endParaRPr>
                     </a:p>
                   </a:txBody>
                   <a:tcPr/>
@@ -25722,12 +29955,11 @@
                     <a:lstStyle/>
                     <a:p>
                       <a:r>
-                        <a:rPr lang="en-US" sz="1200" dirty="0"/>
+                        <a:rPr lang="en-US" sz="1200" dirty="0">
+                          <a:latin typeface="Copperplate Gothic Light" panose="020E0507020206020404" pitchFamily="34" charset="0"/>
+                        </a:rPr>
                         <a:t>0.928</a:t>
                       </a:r>
-                      <a:endParaRPr lang="en-US" sz="1200" dirty="0">
-                        <a:latin typeface="Copperplate Gothic Light" panose="020E0507020206020404" pitchFamily="34" charset="0"/>
-                      </a:endParaRPr>
                     </a:p>
                   </a:txBody>
                   <a:tcPr/>
@@ -25745,12 +29977,11 @@
                     <a:lstStyle/>
                     <a:p>
                       <a:r>
-                        <a:rPr lang="en-US" sz="1200" dirty="0"/>
+                        <a:rPr lang="en-US" sz="1200" dirty="0">
+                          <a:latin typeface="Copperplate Gothic Light" panose="020E0507020206020404" pitchFamily="34" charset="0"/>
+                        </a:rPr>
                         <a:t>Gradient Boosting Regressor</a:t>
                       </a:r>
-                      <a:endParaRPr lang="en-US" sz="1200" dirty="0">
-                        <a:latin typeface="Copperplate Gothic Light" panose="020E0507020206020404" pitchFamily="34" charset="0"/>
-                      </a:endParaRPr>
                     </a:p>
                   </a:txBody>
                   <a:tcPr/>
@@ -25761,12 +29992,11 @@
                     <a:lstStyle/>
                     <a:p>
                       <a:r>
-                        <a:rPr lang="en-US" sz="1200" dirty="0"/>
+                        <a:rPr lang="en-US" sz="1200" dirty="0">
+                          <a:latin typeface="Copperplate Gothic Light" panose="020E0507020206020404" pitchFamily="34" charset="0"/>
+                        </a:rPr>
                         <a:t>0.937</a:t>
                       </a:r>
-                      <a:endParaRPr lang="en-US" sz="1200" dirty="0">
-                        <a:latin typeface="Copperplate Gothic Light" panose="020E0507020206020404" pitchFamily="34" charset="0"/>
-                      </a:endParaRPr>
                     </a:p>
                   </a:txBody>
                   <a:tcPr/>
@@ -25777,12 +30007,11 @@
                     <a:lstStyle/>
                     <a:p>
                       <a:r>
-                        <a:rPr lang="en-US" sz="1200" dirty="0"/>
+                        <a:rPr lang="en-US" sz="1200" dirty="0">
+                          <a:latin typeface="Copperplate Gothic Light" panose="020E0507020206020404" pitchFamily="34" charset="0"/>
+                        </a:rPr>
                         <a:t>0.939</a:t>
                       </a:r>
-                      <a:endParaRPr lang="en-US" sz="1200" dirty="0">
-                        <a:latin typeface="Copperplate Gothic Light" panose="020E0507020206020404" pitchFamily="34" charset="0"/>
-                      </a:endParaRPr>
                     </a:p>
                   </a:txBody>
                   <a:tcPr/>
@@ -25800,12 +30029,11 @@
                     <a:lstStyle/>
                     <a:p>
                       <a:r>
-                        <a:rPr lang="en-US" sz="1200" dirty="0"/>
+                        <a:rPr lang="en-US" sz="1200" dirty="0">
+                          <a:latin typeface="Copperplate Gothic Light" panose="020E0507020206020404" pitchFamily="34" charset="0"/>
+                        </a:rPr>
                         <a:t>Random Forest Regressor</a:t>
                       </a:r>
-                      <a:endParaRPr lang="en-US" sz="1200" dirty="0">
-                        <a:latin typeface="Copperplate Gothic Light" panose="020E0507020206020404" pitchFamily="34" charset="0"/>
-                      </a:endParaRPr>
                     </a:p>
                   </a:txBody>
                   <a:tcPr/>
@@ -25816,12 +30044,11 @@
                     <a:lstStyle/>
                     <a:p>
                       <a:r>
-                        <a:rPr lang="en-US" sz="1200" dirty="0"/>
+                        <a:rPr lang="en-US" sz="1200" dirty="0">
+                          <a:latin typeface="Copperplate Gothic Light" panose="020E0507020206020404" pitchFamily="34" charset="0"/>
+                        </a:rPr>
                         <a:t>0.936</a:t>
                       </a:r>
-                      <a:endParaRPr lang="en-US" sz="1200" dirty="0">
-                        <a:latin typeface="Copperplate Gothic Light" panose="020E0507020206020404" pitchFamily="34" charset="0"/>
-                      </a:endParaRPr>
                     </a:p>
                   </a:txBody>
                   <a:tcPr/>
@@ -25832,12 +30059,11 @@
                     <a:lstStyle/>
                     <a:p>
                       <a:r>
-                        <a:rPr lang="en-US" sz="1200" dirty="0"/>
+                        <a:rPr lang="en-US" sz="1200" dirty="0">
+                          <a:latin typeface="Copperplate Gothic Light" panose="020E0507020206020404" pitchFamily="34" charset="0"/>
+                        </a:rPr>
                         <a:t>0.940</a:t>
                       </a:r>
-                      <a:endParaRPr lang="en-US" sz="1200" dirty="0">
-                        <a:latin typeface="Copperplate Gothic Light" panose="020E0507020206020404" pitchFamily="34" charset="0"/>
-                      </a:endParaRPr>
                     </a:p>
                   </a:txBody>
                   <a:tcPr/>
@@ -26278,7 +30504,7 @@
         <p:spPr>
           <a:xfrm>
             <a:off x="8191925" y="1325880"/>
-            <a:ext cx="3352375" cy="3066507"/>
+            <a:ext cx="3352375" cy="2819401"/>
           </a:xfrm>
         </p:spPr>
         <p:txBody>
@@ -26288,7 +30514,7 @@
           <a:lstStyle/>
           <a:p>
             <a:r>
-              <a:rPr lang="en-US" sz="5400" b="0" i="0" kern="1200" dirty="0">
+              <a:rPr lang="en-US" sz="4000" b="0" i="0" kern="1200" dirty="0">
                 <a:solidFill>
                   <a:srgbClr val="EBEBEB"/>
                 </a:solidFill>
@@ -27562,6 +31788,117 @@
           </a:p>
         </p:txBody>
       </p:sp>
+      <p:sp>
+        <p:nvSpPr>
+          <p:cNvPr id="3" name="TextBox 2">
+            <a:extLst>
+              <a:ext uri="{FF2B5EF4-FFF2-40B4-BE49-F238E27FC236}">
+                <a16:creationId xmlns:a16="http://schemas.microsoft.com/office/drawing/2014/main" id="{AE2A5C7F-E76D-4178-9CCD-0BF3D504B2D4}"/>
+              </a:ext>
+            </a:extLst>
+          </p:cNvPr>
+          <p:cNvSpPr txBox="1"/>
+          <p:nvPr/>
+        </p:nvSpPr>
+        <p:spPr>
+          <a:xfrm>
+            <a:off x="3312476" y="5073134"/>
+            <a:ext cx="915522" cy="369332"/>
+          </a:xfrm>
+          <a:prstGeom prst="rect">
+            <a:avLst/>
+          </a:prstGeom>
+          <a:noFill/>
+        </p:spPr>
+        <p:txBody>
+          <a:bodyPr wrap="square" rtlCol="0">
+            <a:spAutoFit/>
+          </a:bodyPr>
+          <a:lstStyle/>
+          <a:p>
+            <a:r>
+              <a:rPr lang="en-US" dirty="0">
+                <a:latin typeface="Copperplate Gothic Light" panose="020E0507020206020404" pitchFamily="34" charset="0"/>
+              </a:rPr>
+              <a:t>0.940</a:t>
+            </a:r>
+          </a:p>
+        </p:txBody>
+      </p:sp>
+      <p:sp>
+        <p:nvSpPr>
+          <p:cNvPr id="18" name="TextBox 17">
+            <a:extLst>
+              <a:ext uri="{FF2B5EF4-FFF2-40B4-BE49-F238E27FC236}">
+                <a16:creationId xmlns:a16="http://schemas.microsoft.com/office/drawing/2014/main" id="{D3CA8C6D-03F6-4CC3-8E34-9A994198822F}"/>
+              </a:ext>
+            </a:extLst>
+          </p:cNvPr>
+          <p:cNvSpPr txBox="1"/>
+          <p:nvPr/>
+        </p:nvSpPr>
+        <p:spPr>
+          <a:xfrm>
+            <a:off x="1442054" y="5073134"/>
+            <a:ext cx="915522" cy="369332"/>
+          </a:xfrm>
+          <a:prstGeom prst="rect">
+            <a:avLst/>
+          </a:prstGeom>
+          <a:noFill/>
+        </p:spPr>
+        <p:txBody>
+          <a:bodyPr wrap="square" rtlCol="0">
+            <a:spAutoFit/>
+          </a:bodyPr>
+          <a:lstStyle/>
+          <a:p>
+            <a:r>
+              <a:rPr lang="en-US" dirty="0">
+                <a:latin typeface="Copperplate Gothic Light" panose="020E0507020206020404" pitchFamily="34" charset="0"/>
+              </a:rPr>
+              <a:t>0.939</a:t>
+            </a:r>
+          </a:p>
+        </p:txBody>
+      </p:sp>
+      <p:sp>
+        <p:nvSpPr>
+          <p:cNvPr id="19" name="TextBox 18">
+            <a:extLst>
+              <a:ext uri="{FF2B5EF4-FFF2-40B4-BE49-F238E27FC236}">
+                <a16:creationId xmlns:a16="http://schemas.microsoft.com/office/drawing/2014/main" id="{1C60257D-4862-4B8B-BB11-35416D8E54EF}"/>
+              </a:ext>
+            </a:extLst>
+          </p:cNvPr>
+          <p:cNvSpPr txBox="1"/>
+          <p:nvPr/>
+        </p:nvSpPr>
+        <p:spPr>
+          <a:xfrm>
+            <a:off x="5182898" y="5073134"/>
+            <a:ext cx="915522" cy="369332"/>
+          </a:xfrm>
+          <a:prstGeom prst="rect">
+            <a:avLst/>
+          </a:prstGeom>
+          <a:noFill/>
+        </p:spPr>
+        <p:txBody>
+          <a:bodyPr wrap="square" rtlCol="0">
+            <a:spAutoFit/>
+          </a:bodyPr>
+          <a:lstStyle/>
+          <a:p>
+            <a:r>
+              <a:rPr lang="en-US" dirty="0">
+                <a:latin typeface="Copperplate Gothic Light" panose="020E0507020206020404" pitchFamily="34" charset="0"/>
+              </a:rPr>
+              <a:t>0.928</a:t>
+            </a:r>
+          </a:p>
+        </p:txBody>
+      </p:sp>
     </p:spTree>
     <p:extLst>
       <p:ext uri="{BB962C8B-B14F-4D97-AF65-F5344CB8AC3E}">
@@ -27678,8 +32015,8 @@
         </p:nvSpPr>
         <p:spPr>
           <a:xfrm>
-            <a:off x="643855" y="1447800"/>
-            <a:ext cx="3108626" cy="4572000"/>
+            <a:off x="168676" y="1447800"/>
+            <a:ext cx="3583805" cy="4572000"/>
           </a:xfrm>
         </p:spPr>
         <p:txBody>
@@ -27689,7 +32026,7 @@
           <a:lstStyle/>
           <a:p>
             <a:r>
-              <a:rPr lang="en-US" sz="3200" dirty="0">
+              <a:rPr lang="en-US" sz="4000" dirty="0">
                 <a:solidFill>
                   <a:srgbClr val="F2F2F2"/>
                 </a:solidFill>
@@ -28744,8 +33081,8 @@
         </p:nvSpPr>
         <p:spPr>
           <a:xfrm>
-            <a:off x="648119" y="2617837"/>
-            <a:ext cx="4166510" cy="1622321"/>
+            <a:off x="648119" y="3045041"/>
+            <a:ext cx="4166510" cy="1195117"/>
           </a:xfrm>
         </p:spPr>
         <p:txBody>
@@ -28755,7 +33092,7 @@
           <a:lstStyle/>
           <a:p>
             <a:r>
-              <a:rPr lang="en-US" dirty="0">
+              <a:rPr lang="en-US" sz="4000" dirty="0">
                 <a:solidFill>
                   <a:srgbClr val="EBEBEB"/>
                 </a:solidFill>
@@ -29960,25 +34297,9 @@
   <p:cSld>
     <p:bg>
       <p:bgPr>
-        <a:blipFill rotWithShape="1">
-          <a:blip r:embed="rId2">
-            <a:duotone>
-              <a:schemeClr val="bg2">
-                <a:shade val="69000"/>
-                <a:hueMod val="108000"/>
-                <a:satMod val="164000"/>
-                <a:lumMod val="74000"/>
-              </a:schemeClr>
-              <a:schemeClr val="bg2">
-                <a:tint val="96000"/>
-                <a:hueMod val="88000"/>
-                <a:satMod val="140000"/>
-                <a:lumMod val="132000"/>
-              </a:schemeClr>
-            </a:duotone>
-          </a:blip>
-          <a:stretch/>
-        </a:blipFill>
+        <a:solidFill>
+          <a:schemeClr val="bg1"/>
+        </a:solidFill>
         <a:effectLst/>
       </p:bgPr>
     </p:bg>
@@ -29998,10 +34319,54 @@
       </p:grpSpPr>
       <p:pic>
         <p:nvPicPr>
-          <p:cNvPr id="8" name="Picture 7">
+          <p:cNvPr id="35" name="Picture 34">
             <a:extLst>
               <a:ext uri="{FF2B5EF4-FFF2-40B4-BE49-F238E27FC236}">
-                <a16:creationId xmlns:a16="http://schemas.microsoft.com/office/drawing/2014/main" id="{91B28F63-CF00-448F-B141-FE33C33B1891}"/>
+                <a16:creationId xmlns:a16="http://schemas.microsoft.com/office/drawing/2014/main" id="{F1B8F9CB-890B-4CB8-B503-188A763E2FC1}"/>
+              </a:ext>
+              <a:ext uri="{C183D7F6-B498-43B3-948B-1728B52AA6E4}">
+                <adec:decorative xmlns:adec="http://schemas.microsoft.com/office/drawing/2017/decorative" val="1"/>
+              </a:ext>
+            </a:extLst>
+          </p:cNvPr>
+          <p:cNvPicPr>
+            <a:picLocks noGrp="1" noRot="1" noChangeAspect="1" noMove="1" noResize="1" noEditPoints="1" noAdjustHandles="1" noChangeArrowheads="1" noChangeShapeType="1" noCrop="1"/>
+          </p:cNvPicPr>
+          <p:nvPr>
+            <p:extLst>
+              <p:ext uri="{386F3935-93C4-4BCD-93E2-E3B085C9AB24}">
+                <p16:designElem xmlns:p16="http://schemas.microsoft.com/office/powerpoint/2015/main" val="1"/>
+              </p:ext>
+            </p:extLst>
+          </p:nvPr>
+        </p:nvPicPr>
+        <p:blipFill rotWithShape="1">
+          <a:blip r:embed="rId2">
+            <a:extLst>
+              <a:ext uri="{28A0092B-C50C-407E-A947-70E740481C1C}">
+                <a14:useLocalDpi xmlns:a14="http://schemas.microsoft.com/office/drawing/2010/main" val="0"/>
+              </a:ext>
+            </a:extLst>
+          </a:blip>
+          <a:srcRect l="3613"/>
+          <a:stretch/>
+        </p:blipFill>
+        <p:spPr>
+          <a:xfrm>
+            <a:off x="0" y="2669685"/>
+            <a:ext cx="4037012" cy="4188315"/>
+          </a:xfrm>
+          <a:prstGeom prst="rect">
+            <a:avLst/>
+          </a:prstGeom>
+        </p:spPr>
+      </p:pic>
+      <p:pic>
+        <p:nvPicPr>
+          <p:cNvPr id="37" name="Picture 36">
+            <a:extLst>
+              <a:ext uri="{FF2B5EF4-FFF2-40B4-BE49-F238E27FC236}">
+                <a16:creationId xmlns:a16="http://schemas.microsoft.com/office/drawing/2014/main" id="{AA632AB4-3837-4FD0-8B62-0A18B573F46D}"/>
               </a:ext>
               <a:ext uri="{C183D7F6-B498-43B3-948B-1728B52AA6E4}">
                 <adec:decorative xmlns:adec="http://schemas.microsoft.com/office/drawing/2017/decorative" val="1"/>
@@ -30027,50 +34392,6 @@
               </a:ext>
             </a:extLst>
           </a:blip>
-          <a:srcRect l="3613"/>
-          <a:stretch/>
-        </p:blipFill>
-        <p:spPr>
-          <a:xfrm>
-            <a:off x="0" y="2669685"/>
-            <a:ext cx="4037012" cy="4188315"/>
-          </a:xfrm>
-          <a:prstGeom prst="rect">
-            <a:avLst/>
-          </a:prstGeom>
-        </p:spPr>
-      </p:pic>
-      <p:pic>
-        <p:nvPicPr>
-          <p:cNvPr id="10" name="Picture 9">
-            <a:extLst>
-              <a:ext uri="{FF2B5EF4-FFF2-40B4-BE49-F238E27FC236}">
-                <a16:creationId xmlns:a16="http://schemas.microsoft.com/office/drawing/2014/main" id="{2AE609E2-8522-44E4-9077-980E5BCF3E14}"/>
-              </a:ext>
-              <a:ext uri="{C183D7F6-B498-43B3-948B-1728B52AA6E4}">
-                <adec:decorative xmlns:adec="http://schemas.microsoft.com/office/drawing/2017/decorative" val="1"/>
-              </a:ext>
-            </a:extLst>
-          </p:cNvPr>
-          <p:cNvPicPr>
-            <a:picLocks noGrp="1" noRot="1" noChangeAspect="1" noMove="1" noResize="1" noEditPoints="1" noAdjustHandles="1" noChangeArrowheads="1" noChangeShapeType="1" noCrop="1"/>
-          </p:cNvPicPr>
-          <p:nvPr>
-            <p:extLst>
-              <p:ext uri="{386F3935-93C4-4BCD-93E2-E3B085C9AB24}">
-                <p16:designElem xmlns:p16="http://schemas.microsoft.com/office/powerpoint/2015/main" val="1"/>
-              </p:ext>
-            </p:extLst>
-          </p:nvPr>
-        </p:nvPicPr>
-        <p:blipFill rotWithShape="1">
-          <a:blip r:embed="rId4">
-            <a:extLst>
-              <a:ext uri="{28A0092B-C50C-407E-A947-70E740481C1C}">
-                <a14:useLocalDpi xmlns:a14="http://schemas.microsoft.com/office/drawing/2010/main" val="0"/>
-              </a:ext>
-            </a:extLst>
-          </a:blip>
           <a:srcRect l="35640"/>
           <a:stretch/>
         </p:blipFill>
@@ -30086,10 +34407,10 @@
       </p:pic>
       <p:sp>
         <p:nvSpPr>
-          <p:cNvPr id="12" name="Oval 11">
+          <p:cNvPr id="39" name="Oval 38">
             <a:extLst>
               <a:ext uri="{FF2B5EF4-FFF2-40B4-BE49-F238E27FC236}">
-                <a16:creationId xmlns:a16="http://schemas.microsoft.com/office/drawing/2014/main" id="{4FA533C5-33E3-4611-AF9F-72811D8B26A6}"/>
+                <a16:creationId xmlns:a16="http://schemas.microsoft.com/office/drawing/2014/main" id="{C393B4A7-6ABF-423D-A762-3CDB4897A833}"/>
               </a:ext>
               <a:ext uri="{C183D7F6-B498-43B3-948B-1728B52AA6E4}">
                 <adec:decorative xmlns:adec="http://schemas.microsoft.com/office/drawing/2017/decorative" val="1"/>
@@ -30166,10 +34487,54 @@
       </p:sp>
       <p:pic>
         <p:nvPicPr>
-          <p:cNvPr id="14" name="Picture 13">
+          <p:cNvPr id="41" name="Picture 40">
             <a:extLst>
               <a:ext uri="{FF2B5EF4-FFF2-40B4-BE49-F238E27FC236}">
-                <a16:creationId xmlns:a16="http://schemas.microsoft.com/office/drawing/2014/main" id="{8949AD42-25FD-4C3D-9EEE-B7FEC5809988}"/>
+                <a16:creationId xmlns:a16="http://schemas.microsoft.com/office/drawing/2014/main" id="{9CD2319A-6FA9-4EFB-9EDF-7304467425E8}"/>
+              </a:ext>
+              <a:ext uri="{C183D7F6-B498-43B3-948B-1728B52AA6E4}">
+                <adec:decorative xmlns:adec="http://schemas.microsoft.com/office/drawing/2017/decorative" val="1"/>
+              </a:ext>
+            </a:extLst>
+          </p:cNvPr>
+          <p:cNvPicPr>
+            <a:picLocks noGrp="1" noRot="1" noChangeAspect="1" noMove="1" noResize="1" noEditPoints="1" noAdjustHandles="1" noChangeArrowheads="1" noChangeShapeType="1" noCrop="1"/>
+          </p:cNvPicPr>
+          <p:nvPr>
+            <p:extLst>
+              <p:ext uri="{386F3935-93C4-4BCD-93E2-E3B085C9AB24}">
+                <p16:designElem xmlns:p16="http://schemas.microsoft.com/office/powerpoint/2015/main" val="1"/>
+              </p:ext>
+            </p:extLst>
+          </p:nvPr>
+        </p:nvPicPr>
+        <p:blipFill rotWithShape="1">
+          <a:blip r:embed="rId4">
+            <a:extLst>
+              <a:ext uri="{28A0092B-C50C-407E-A947-70E740481C1C}">
+                <a14:useLocalDpi xmlns:a14="http://schemas.microsoft.com/office/drawing/2010/main" val="0"/>
+              </a:ext>
+            </a:extLst>
+          </a:blip>
+          <a:srcRect t="28813"/>
+          <a:stretch/>
+        </p:blipFill>
+        <p:spPr>
+          <a:xfrm>
+            <a:off x="7999412" y="0"/>
+            <a:ext cx="1603387" cy="1141407"/>
+          </a:xfrm>
+          <a:prstGeom prst="rect">
+            <a:avLst/>
+          </a:prstGeom>
+        </p:spPr>
+      </p:pic>
+      <p:pic>
+        <p:nvPicPr>
+          <p:cNvPr id="43" name="Picture 42">
+            <a:extLst>
+              <a:ext uri="{FF2B5EF4-FFF2-40B4-BE49-F238E27FC236}">
+                <a16:creationId xmlns:a16="http://schemas.microsoft.com/office/drawing/2014/main" id="{D1692A93-3514-4486-8B67-CCA4E0259BCB}"/>
               </a:ext>
               <a:ext uri="{C183D7F6-B498-43B3-948B-1728B52AA6E4}">
                 <adec:decorative xmlns:adec="http://schemas.microsoft.com/office/drawing/2017/decorative" val="1"/>
@@ -30195,50 +34560,6 @@
               </a:ext>
             </a:extLst>
           </a:blip>
-          <a:srcRect t="28813"/>
-          <a:stretch/>
-        </p:blipFill>
-        <p:spPr>
-          <a:xfrm>
-            <a:off x="7999412" y="0"/>
-            <a:ext cx="1603387" cy="1141407"/>
-          </a:xfrm>
-          <a:prstGeom prst="rect">
-            <a:avLst/>
-          </a:prstGeom>
-        </p:spPr>
-      </p:pic>
-      <p:pic>
-        <p:nvPicPr>
-          <p:cNvPr id="16" name="Picture 15">
-            <a:extLst>
-              <a:ext uri="{FF2B5EF4-FFF2-40B4-BE49-F238E27FC236}">
-                <a16:creationId xmlns:a16="http://schemas.microsoft.com/office/drawing/2014/main" id="{6AC7D913-60B7-4603-881B-831DA5D3A940}"/>
-              </a:ext>
-              <a:ext uri="{C183D7F6-B498-43B3-948B-1728B52AA6E4}">
-                <adec:decorative xmlns:adec="http://schemas.microsoft.com/office/drawing/2017/decorative" val="1"/>
-              </a:ext>
-            </a:extLst>
-          </p:cNvPr>
-          <p:cNvPicPr>
-            <a:picLocks noGrp="1" noRot="1" noChangeAspect="1" noMove="1" noResize="1" noEditPoints="1" noAdjustHandles="1" noChangeArrowheads="1" noChangeShapeType="1" noCrop="1"/>
-          </p:cNvPicPr>
-          <p:nvPr>
-            <p:extLst>
-              <p:ext uri="{386F3935-93C4-4BCD-93E2-E3B085C9AB24}">
-                <p16:designElem xmlns:p16="http://schemas.microsoft.com/office/powerpoint/2015/main" val="1"/>
-              </p:ext>
-            </p:extLst>
-          </p:nvPr>
-        </p:nvPicPr>
-        <p:blipFill rotWithShape="1">
-          <a:blip r:embed="rId6">
-            <a:extLst>
-              <a:ext uri="{28A0092B-C50C-407E-A947-70E740481C1C}">
-                <a14:useLocalDpi xmlns:a14="http://schemas.microsoft.com/office/drawing/2010/main" val="0"/>
-              </a:ext>
-            </a:extLst>
-          </a:blip>
           <a:srcRect b="23320"/>
           <a:stretch/>
         </p:blipFill>
@@ -30254,10 +34575,10 @@
       </p:pic>
       <p:sp>
         <p:nvSpPr>
-          <p:cNvPr id="18" name="Rectangle 17">
+          <p:cNvPr id="45" name="Rectangle 44">
             <a:extLst>
               <a:ext uri="{FF2B5EF4-FFF2-40B4-BE49-F238E27FC236}">
-                <a16:creationId xmlns:a16="http://schemas.microsoft.com/office/drawing/2014/main" id="{87F0FDC4-AD8C-47D9-9131-623C98ADB0AE}"/>
+                <a16:creationId xmlns:a16="http://schemas.microsoft.com/office/drawing/2014/main" id="{01AD250C-F2EA-449F-9B14-DF5BB674C500}"/>
               </a:ext>
               <a:ext uri="{C183D7F6-B498-43B3-948B-1728B52AA6E4}">
                 <adec:decorative xmlns:adec="http://schemas.microsoft.com/office/drawing/2017/decorative" val="1"/>
@@ -30307,10 +34628,10 @@
       </p:sp>
       <p:sp>
         <p:nvSpPr>
-          <p:cNvPr id="20" name="Rectangle 19">
+          <p:cNvPr id="47" name="Rectangle 46">
             <a:extLst>
               <a:ext uri="{FF2B5EF4-FFF2-40B4-BE49-F238E27FC236}">
-                <a16:creationId xmlns:a16="http://schemas.microsoft.com/office/drawing/2014/main" id="{923E8915-D2AA-4327-A45A-972C3CA9574B}"/>
+                <a16:creationId xmlns:a16="http://schemas.microsoft.com/office/drawing/2014/main" id="{4E78424C-6FD0-41F8-9CAA-5DC19C42359F}"/>
               </a:ext>
               <a:ext uri="{C183D7F6-B498-43B3-948B-1728B52AA6E4}">
                 <adec:decorative xmlns:adec="http://schemas.microsoft.com/office/drawing/2017/decorative" val="1"/>
@@ -30330,14 +34651,541 @@
         </p:nvSpPr>
         <p:spPr>
           <a:xfrm>
-            <a:off x="0" y="0"/>
-            <a:ext cx="12192000" cy="6858000"/>
+            <a:off x="0" y="-1"/>
+            <a:ext cx="12192000" cy="6858001"/>
           </a:xfrm>
           <a:prstGeom prst="rect">
             <a:avLst/>
           </a:prstGeom>
+          <a:ln>
+            <a:noFill/>
+          </a:ln>
+        </p:spPr>
+        <p:style>
+          <a:lnRef idx="2">
+            <a:schemeClr val="accent1">
+              <a:shade val="50000"/>
+            </a:schemeClr>
+          </a:lnRef>
+          <a:fillRef idx="1003">
+            <a:schemeClr val="dk2"/>
+          </a:fillRef>
+          <a:effectRef idx="0">
+            <a:schemeClr val="accent1"/>
+          </a:effectRef>
+          <a:fontRef idx="minor">
+            <a:schemeClr val="lt1"/>
+          </a:fontRef>
+        </p:style>
+        <p:txBody>
+          <a:bodyPr rtlCol="0" anchor="ctr"/>
+          <a:lstStyle/>
+          <a:p>
+            <a:pPr algn="ctr"/>
+            <a:endParaRPr lang="en-US"/>
+          </a:p>
+        </p:txBody>
+      </p:sp>
+      <p:sp>
+        <p:nvSpPr>
+          <p:cNvPr id="2" name="Title 1">
+            <a:extLst>
+              <a:ext uri="{FF2B5EF4-FFF2-40B4-BE49-F238E27FC236}">
+                <a16:creationId xmlns:a16="http://schemas.microsoft.com/office/drawing/2014/main" id="{09B315B5-E0A6-4BB7-BB09-7801ED00FE93}"/>
+              </a:ext>
+            </a:extLst>
+          </p:cNvPr>
+          <p:cNvSpPr>
+            <a:spLocks noGrp="1"/>
+          </p:cNvSpPr>
+          <p:nvPr>
+            <p:ph type="title"/>
+          </p:nvPr>
+        </p:nvSpPr>
+        <p:spPr>
+          <a:xfrm>
+            <a:off x="456280" y="1447800"/>
+            <a:ext cx="3296201" cy="4572000"/>
+          </a:xfrm>
+        </p:spPr>
+        <p:txBody>
+          <a:bodyPr vert="horz" lIns="91440" tIns="45720" rIns="91440" bIns="45720" rtlCol="0" anchor="ctr">
+            <a:normAutofit/>
+          </a:bodyPr>
+          <a:lstStyle/>
+          <a:p>
+            <a:r>
+              <a:rPr lang="en-US" sz="4000" dirty="0">
+                <a:solidFill>
+                  <a:srgbClr val="F2F2F2"/>
+                </a:solidFill>
+                <a:latin typeface="Copperplate Gothic Bold" panose="020E0705020206020404" pitchFamily="34" charset="0"/>
+              </a:rPr>
+              <a:t>ROADMAP</a:t>
+            </a:r>
+          </a:p>
+        </p:txBody>
+      </p:sp>
+      <p:sp>
+        <p:nvSpPr>
+          <p:cNvPr id="49" name="Freeform: Shape 48">
+            <a:extLst>
+              <a:ext uri="{FF2B5EF4-FFF2-40B4-BE49-F238E27FC236}">
+                <a16:creationId xmlns:a16="http://schemas.microsoft.com/office/drawing/2014/main" id="{DD136760-57DC-4301-8BEA-B71AD2D13905}"/>
+              </a:ext>
+              <a:ext uri="{C183D7F6-B498-43B3-948B-1728B52AA6E4}">
+                <adec:decorative xmlns:adec="http://schemas.microsoft.com/office/drawing/2017/decorative" val="1"/>
+              </a:ext>
+            </a:extLst>
+          </p:cNvPr>
+          <p:cNvSpPr>
+            <a:spLocks noGrp="1" noRot="1" noChangeAspect="1" noMove="1" noResize="1" noEditPoints="1" noAdjustHandles="1" noChangeArrowheads="1" noChangeShapeType="1" noTextEdit="1"/>
+          </p:cNvSpPr>
+          <p:nvPr>
+            <p:extLst>
+              <p:ext uri="{386F3935-93C4-4BCD-93E2-E3B085C9AB24}">
+                <p16:designElem xmlns:p16="http://schemas.microsoft.com/office/powerpoint/2015/main" val="1"/>
+              </p:ext>
+            </p:extLst>
+          </p:nvPr>
+        </p:nvSpPr>
+        <p:spPr>
+          <a:xfrm>
+            <a:off x="4161310" y="0"/>
+            <a:ext cx="8030690" cy="6858000"/>
+          </a:xfrm>
+          <a:custGeom>
+            <a:avLst/>
+            <a:gdLst>
+              <a:gd name="connsiteX0" fmla="*/ 1176 w 8030690"/>
+              <a:gd name="connsiteY0" fmla="*/ 0 h 6858000"/>
+              <a:gd name="connsiteX1" fmla="*/ 1344715 w 8030690"/>
+              <a:gd name="connsiteY1" fmla="*/ 0 h 6858000"/>
+              <a:gd name="connsiteX2" fmla="*/ 1344715 w 8030690"/>
+              <a:gd name="connsiteY2" fmla="*/ 0 h 6858000"/>
+              <a:gd name="connsiteX3" fmla="*/ 8030690 w 8030690"/>
+              <a:gd name="connsiteY3" fmla="*/ 0 h 6858000"/>
+              <a:gd name="connsiteX4" fmla="*/ 8030690 w 8030690"/>
+              <a:gd name="connsiteY4" fmla="*/ 6858000 h 6858000"/>
+              <a:gd name="connsiteX5" fmla="*/ 477746 w 8030690"/>
+              <a:gd name="connsiteY5" fmla="*/ 6858000 h 6858000"/>
+              <a:gd name="connsiteX6" fmla="*/ 477746 w 8030690"/>
+              <a:gd name="connsiteY6" fmla="*/ 6858000 h 6858000"/>
+              <a:gd name="connsiteX7" fmla="*/ 0 w 8030690"/>
+              <a:gd name="connsiteY7" fmla="*/ 6858000 h 6858000"/>
+              <a:gd name="connsiteX8" fmla="*/ 5883 w 8030690"/>
+              <a:gd name="connsiteY8" fmla="*/ 6817538 h 6858000"/>
+              <a:gd name="connsiteX9" fmla="*/ 23196 w 8030690"/>
+              <a:gd name="connsiteY9" fmla="*/ 6698894 h 6858000"/>
+              <a:gd name="connsiteX10" fmla="*/ 35298 w 8030690"/>
+              <a:gd name="connsiteY10" fmla="*/ 6612483 h 6858000"/>
+              <a:gd name="connsiteX11" fmla="*/ 48073 w 8030690"/>
+              <a:gd name="connsiteY11" fmla="*/ 6509613 h 6858000"/>
+              <a:gd name="connsiteX12" fmla="*/ 63369 w 8030690"/>
+              <a:gd name="connsiteY12" fmla="*/ 6387541 h 6858000"/>
+              <a:gd name="connsiteX13" fmla="*/ 79506 w 8030690"/>
+              <a:gd name="connsiteY13" fmla="*/ 6252438 h 6858000"/>
+              <a:gd name="connsiteX14" fmla="*/ 96483 w 8030690"/>
+              <a:gd name="connsiteY14" fmla="*/ 6100191 h 6858000"/>
+              <a:gd name="connsiteX15" fmla="*/ 114468 w 8030690"/>
+              <a:gd name="connsiteY15" fmla="*/ 5934227 h 6858000"/>
+              <a:gd name="connsiteX16" fmla="*/ 132454 w 8030690"/>
+              <a:gd name="connsiteY16" fmla="*/ 5753862 h 6858000"/>
+              <a:gd name="connsiteX17" fmla="*/ 150775 w 8030690"/>
+              <a:gd name="connsiteY17" fmla="*/ 5561838 h 6858000"/>
+              <a:gd name="connsiteX18" fmla="*/ 167752 w 8030690"/>
+              <a:gd name="connsiteY18" fmla="*/ 5354726 h 6858000"/>
+              <a:gd name="connsiteX19" fmla="*/ 184057 w 8030690"/>
+              <a:gd name="connsiteY19" fmla="*/ 5138013 h 6858000"/>
+              <a:gd name="connsiteX20" fmla="*/ 198849 w 8030690"/>
+              <a:gd name="connsiteY20" fmla="*/ 4908956 h 6858000"/>
+              <a:gd name="connsiteX21" fmla="*/ 212968 w 8030690"/>
+              <a:gd name="connsiteY21" fmla="*/ 4670298 h 6858000"/>
+              <a:gd name="connsiteX22" fmla="*/ 226248 w 8030690"/>
+              <a:gd name="connsiteY22" fmla="*/ 4421352 h 6858000"/>
+              <a:gd name="connsiteX23" fmla="*/ 230954 w 8030690"/>
+              <a:gd name="connsiteY23" fmla="*/ 4293793 h 6858000"/>
+              <a:gd name="connsiteX24" fmla="*/ 236165 w 8030690"/>
+              <a:gd name="connsiteY24" fmla="*/ 4163491 h 6858000"/>
+              <a:gd name="connsiteX25" fmla="*/ 241039 w 8030690"/>
+              <a:gd name="connsiteY25" fmla="*/ 4031132 h 6858000"/>
+              <a:gd name="connsiteX26" fmla="*/ 244233 w 8030690"/>
+              <a:gd name="connsiteY26" fmla="*/ 3898087 h 6858000"/>
+              <a:gd name="connsiteX27" fmla="*/ 247091 w 8030690"/>
+              <a:gd name="connsiteY27" fmla="*/ 3762298 h 6858000"/>
+              <a:gd name="connsiteX28" fmla="*/ 250116 w 8030690"/>
+              <a:gd name="connsiteY28" fmla="*/ 3625138 h 6858000"/>
+              <a:gd name="connsiteX29" fmla="*/ 252133 w 8030690"/>
+              <a:gd name="connsiteY29" fmla="*/ 3485235 h 6858000"/>
+              <a:gd name="connsiteX30" fmla="*/ 252133 w 8030690"/>
+              <a:gd name="connsiteY30" fmla="*/ 3343960 h 6858000"/>
+              <a:gd name="connsiteX31" fmla="*/ 253142 w 8030690"/>
+              <a:gd name="connsiteY31" fmla="*/ 3201314 h 6858000"/>
+              <a:gd name="connsiteX32" fmla="*/ 252133 w 8030690"/>
+              <a:gd name="connsiteY32" fmla="*/ 3057296 h 6858000"/>
+              <a:gd name="connsiteX33" fmla="*/ 250116 w 8030690"/>
+              <a:gd name="connsiteY33" fmla="*/ 2911221 h 6858000"/>
+              <a:gd name="connsiteX34" fmla="*/ 248267 w 8030690"/>
+              <a:gd name="connsiteY34" fmla="*/ 2765145 h 6858000"/>
+              <a:gd name="connsiteX35" fmla="*/ 244233 w 8030690"/>
+              <a:gd name="connsiteY35" fmla="*/ 2617013 h 6858000"/>
+              <a:gd name="connsiteX36" fmla="*/ 240031 w 8030690"/>
+              <a:gd name="connsiteY36" fmla="*/ 2467508 h 6858000"/>
+              <a:gd name="connsiteX37" fmla="*/ 235156 w 8030690"/>
+              <a:gd name="connsiteY37" fmla="*/ 2318004 h 6858000"/>
+              <a:gd name="connsiteX38" fmla="*/ 228265 w 8030690"/>
+              <a:gd name="connsiteY38" fmla="*/ 2167128 h 6858000"/>
+              <a:gd name="connsiteX39" fmla="*/ 220028 w 8030690"/>
+              <a:gd name="connsiteY39" fmla="*/ 2014880 h 6858000"/>
+              <a:gd name="connsiteX40" fmla="*/ 212128 w 8030690"/>
+              <a:gd name="connsiteY40" fmla="*/ 1861947 h 6858000"/>
+              <a:gd name="connsiteX41" fmla="*/ 202043 w 8030690"/>
+              <a:gd name="connsiteY41" fmla="*/ 1709013 h 6858000"/>
+              <a:gd name="connsiteX42" fmla="*/ 189940 w 8030690"/>
+              <a:gd name="connsiteY42" fmla="*/ 1554023 h 6858000"/>
+              <a:gd name="connsiteX43" fmla="*/ 177838 w 8030690"/>
+              <a:gd name="connsiteY43" fmla="*/ 1401089 h 6858000"/>
+              <a:gd name="connsiteX44" fmla="*/ 163886 w 8030690"/>
+              <a:gd name="connsiteY44" fmla="*/ 1245413 h 6858000"/>
+              <a:gd name="connsiteX45" fmla="*/ 148590 w 8030690"/>
+              <a:gd name="connsiteY45" fmla="*/ 1089050 h 6858000"/>
+              <a:gd name="connsiteX46" fmla="*/ 132454 w 8030690"/>
+              <a:gd name="connsiteY46" fmla="*/ 934745 h 6858000"/>
+              <a:gd name="connsiteX47" fmla="*/ 113628 w 8030690"/>
+              <a:gd name="connsiteY47" fmla="*/ 778383 h 6858000"/>
+              <a:gd name="connsiteX48" fmla="*/ 93457 w 8030690"/>
+              <a:gd name="connsiteY48" fmla="*/ 622706 h 6858000"/>
+              <a:gd name="connsiteX49" fmla="*/ 73454 w 8030690"/>
+              <a:gd name="connsiteY49" fmla="*/ 466344 h 6858000"/>
+              <a:gd name="connsiteX50" fmla="*/ 50090 w 8030690"/>
+              <a:gd name="connsiteY50" fmla="*/ 310667 h 6858000"/>
+              <a:gd name="connsiteX51" fmla="*/ 26222 w 8030690"/>
+              <a:gd name="connsiteY51" fmla="*/ 155676 h 6858000"/>
+            </a:gdLst>
+            <a:ahLst/>
+            <a:cxnLst>
+              <a:cxn ang="0">
+                <a:pos x="connsiteX0" y="connsiteY0"/>
+              </a:cxn>
+              <a:cxn ang="0">
+                <a:pos x="connsiteX1" y="connsiteY1"/>
+              </a:cxn>
+              <a:cxn ang="0">
+                <a:pos x="connsiteX2" y="connsiteY2"/>
+              </a:cxn>
+              <a:cxn ang="0">
+                <a:pos x="connsiteX3" y="connsiteY3"/>
+              </a:cxn>
+              <a:cxn ang="0">
+                <a:pos x="connsiteX4" y="connsiteY4"/>
+              </a:cxn>
+              <a:cxn ang="0">
+                <a:pos x="connsiteX5" y="connsiteY5"/>
+              </a:cxn>
+              <a:cxn ang="0">
+                <a:pos x="connsiteX6" y="connsiteY6"/>
+              </a:cxn>
+              <a:cxn ang="0">
+                <a:pos x="connsiteX7" y="connsiteY7"/>
+              </a:cxn>
+              <a:cxn ang="0">
+                <a:pos x="connsiteX8" y="connsiteY8"/>
+              </a:cxn>
+              <a:cxn ang="0">
+                <a:pos x="connsiteX9" y="connsiteY9"/>
+              </a:cxn>
+              <a:cxn ang="0">
+                <a:pos x="connsiteX10" y="connsiteY10"/>
+              </a:cxn>
+              <a:cxn ang="0">
+                <a:pos x="connsiteX11" y="connsiteY11"/>
+              </a:cxn>
+              <a:cxn ang="0">
+                <a:pos x="connsiteX12" y="connsiteY12"/>
+              </a:cxn>
+              <a:cxn ang="0">
+                <a:pos x="connsiteX13" y="connsiteY13"/>
+              </a:cxn>
+              <a:cxn ang="0">
+                <a:pos x="connsiteX14" y="connsiteY14"/>
+              </a:cxn>
+              <a:cxn ang="0">
+                <a:pos x="connsiteX15" y="connsiteY15"/>
+              </a:cxn>
+              <a:cxn ang="0">
+                <a:pos x="connsiteX16" y="connsiteY16"/>
+              </a:cxn>
+              <a:cxn ang="0">
+                <a:pos x="connsiteX17" y="connsiteY17"/>
+              </a:cxn>
+              <a:cxn ang="0">
+                <a:pos x="connsiteX18" y="connsiteY18"/>
+              </a:cxn>
+              <a:cxn ang="0">
+                <a:pos x="connsiteX19" y="connsiteY19"/>
+              </a:cxn>
+              <a:cxn ang="0">
+                <a:pos x="connsiteX20" y="connsiteY20"/>
+              </a:cxn>
+              <a:cxn ang="0">
+                <a:pos x="connsiteX21" y="connsiteY21"/>
+              </a:cxn>
+              <a:cxn ang="0">
+                <a:pos x="connsiteX22" y="connsiteY22"/>
+              </a:cxn>
+              <a:cxn ang="0">
+                <a:pos x="connsiteX23" y="connsiteY23"/>
+              </a:cxn>
+              <a:cxn ang="0">
+                <a:pos x="connsiteX24" y="connsiteY24"/>
+              </a:cxn>
+              <a:cxn ang="0">
+                <a:pos x="connsiteX25" y="connsiteY25"/>
+              </a:cxn>
+              <a:cxn ang="0">
+                <a:pos x="connsiteX26" y="connsiteY26"/>
+              </a:cxn>
+              <a:cxn ang="0">
+                <a:pos x="connsiteX27" y="connsiteY27"/>
+              </a:cxn>
+              <a:cxn ang="0">
+                <a:pos x="connsiteX28" y="connsiteY28"/>
+              </a:cxn>
+              <a:cxn ang="0">
+                <a:pos x="connsiteX29" y="connsiteY29"/>
+              </a:cxn>
+              <a:cxn ang="0">
+                <a:pos x="connsiteX30" y="connsiteY30"/>
+              </a:cxn>
+              <a:cxn ang="0">
+                <a:pos x="connsiteX31" y="connsiteY31"/>
+              </a:cxn>
+              <a:cxn ang="0">
+                <a:pos x="connsiteX32" y="connsiteY32"/>
+              </a:cxn>
+              <a:cxn ang="0">
+                <a:pos x="connsiteX33" y="connsiteY33"/>
+              </a:cxn>
+              <a:cxn ang="0">
+                <a:pos x="connsiteX34" y="connsiteY34"/>
+              </a:cxn>
+              <a:cxn ang="0">
+                <a:pos x="connsiteX35" y="connsiteY35"/>
+              </a:cxn>
+              <a:cxn ang="0">
+                <a:pos x="connsiteX36" y="connsiteY36"/>
+              </a:cxn>
+              <a:cxn ang="0">
+                <a:pos x="connsiteX37" y="connsiteY37"/>
+              </a:cxn>
+              <a:cxn ang="0">
+                <a:pos x="connsiteX38" y="connsiteY38"/>
+              </a:cxn>
+              <a:cxn ang="0">
+                <a:pos x="connsiteX39" y="connsiteY39"/>
+              </a:cxn>
+              <a:cxn ang="0">
+                <a:pos x="connsiteX40" y="connsiteY40"/>
+              </a:cxn>
+              <a:cxn ang="0">
+                <a:pos x="connsiteX41" y="connsiteY41"/>
+              </a:cxn>
+              <a:cxn ang="0">
+                <a:pos x="connsiteX42" y="connsiteY42"/>
+              </a:cxn>
+              <a:cxn ang="0">
+                <a:pos x="connsiteX43" y="connsiteY43"/>
+              </a:cxn>
+              <a:cxn ang="0">
+                <a:pos x="connsiteX44" y="connsiteY44"/>
+              </a:cxn>
+              <a:cxn ang="0">
+                <a:pos x="connsiteX45" y="connsiteY45"/>
+              </a:cxn>
+              <a:cxn ang="0">
+                <a:pos x="connsiteX46" y="connsiteY46"/>
+              </a:cxn>
+              <a:cxn ang="0">
+                <a:pos x="connsiteX47" y="connsiteY47"/>
+              </a:cxn>
+              <a:cxn ang="0">
+                <a:pos x="connsiteX48" y="connsiteY48"/>
+              </a:cxn>
+              <a:cxn ang="0">
+                <a:pos x="connsiteX49" y="connsiteY49"/>
+              </a:cxn>
+              <a:cxn ang="0">
+                <a:pos x="connsiteX50" y="connsiteY50"/>
+              </a:cxn>
+              <a:cxn ang="0">
+                <a:pos x="connsiteX51" y="connsiteY51"/>
+              </a:cxn>
+            </a:cxnLst>
+            <a:rect l="l" t="t" r="r" b="b"/>
+            <a:pathLst>
+              <a:path w="8030690" h="6858000">
+                <a:moveTo>
+                  <a:pt x="1176" y="0"/>
+                </a:moveTo>
+                <a:lnTo>
+                  <a:pt x="1344715" y="0"/>
+                </a:lnTo>
+                <a:lnTo>
+                  <a:pt x="1344715" y="0"/>
+                </a:lnTo>
+                <a:lnTo>
+                  <a:pt x="8030690" y="0"/>
+                </a:lnTo>
+                <a:lnTo>
+                  <a:pt x="8030690" y="6858000"/>
+                </a:lnTo>
+                <a:lnTo>
+                  <a:pt x="477746" y="6858000"/>
+                </a:lnTo>
+                <a:lnTo>
+                  <a:pt x="477746" y="6858000"/>
+                </a:lnTo>
+                <a:lnTo>
+                  <a:pt x="0" y="6858000"/>
+                </a:lnTo>
+                <a:lnTo>
+                  <a:pt x="5883" y="6817538"/>
+                </a:lnTo>
+                <a:lnTo>
+                  <a:pt x="23196" y="6698894"/>
+                </a:lnTo>
+                <a:lnTo>
+                  <a:pt x="35298" y="6612483"/>
+                </a:lnTo>
+                <a:lnTo>
+                  <a:pt x="48073" y="6509613"/>
+                </a:lnTo>
+                <a:lnTo>
+                  <a:pt x="63369" y="6387541"/>
+                </a:lnTo>
+                <a:lnTo>
+                  <a:pt x="79506" y="6252438"/>
+                </a:lnTo>
+                <a:lnTo>
+                  <a:pt x="96483" y="6100191"/>
+                </a:lnTo>
+                <a:lnTo>
+                  <a:pt x="114468" y="5934227"/>
+                </a:lnTo>
+                <a:lnTo>
+                  <a:pt x="132454" y="5753862"/>
+                </a:lnTo>
+                <a:lnTo>
+                  <a:pt x="150775" y="5561838"/>
+                </a:lnTo>
+                <a:lnTo>
+                  <a:pt x="167752" y="5354726"/>
+                </a:lnTo>
+                <a:lnTo>
+                  <a:pt x="184057" y="5138013"/>
+                </a:lnTo>
+                <a:lnTo>
+                  <a:pt x="198849" y="4908956"/>
+                </a:lnTo>
+                <a:lnTo>
+                  <a:pt x="212968" y="4670298"/>
+                </a:lnTo>
+                <a:lnTo>
+                  <a:pt x="226248" y="4421352"/>
+                </a:lnTo>
+                <a:lnTo>
+                  <a:pt x="230954" y="4293793"/>
+                </a:lnTo>
+                <a:lnTo>
+                  <a:pt x="236165" y="4163491"/>
+                </a:lnTo>
+                <a:lnTo>
+                  <a:pt x="241039" y="4031132"/>
+                </a:lnTo>
+                <a:lnTo>
+                  <a:pt x="244233" y="3898087"/>
+                </a:lnTo>
+                <a:lnTo>
+                  <a:pt x="247091" y="3762298"/>
+                </a:lnTo>
+                <a:lnTo>
+                  <a:pt x="250116" y="3625138"/>
+                </a:lnTo>
+                <a:lnTo>
+                  <a:pt x="252133" y="3485235"/>
+                </a:lnTo>
+                <a:lnTo>
+                  <a:pt x="252133" y="3343960"/>
+                </a:lnTo>
+                <a:lnTo>
+                  <a:pt x="253142" y="3201314"/>
+                </a:lnTo>
+                <a:lnTo>
+                  <a:pt x="252133" y="3057296"/>
+                </a:lnTo>
+                <a:lnTo>
+                  <a:pt x="250116" y="2911221"/>
+                </a:lnTo>
+                <a:lnTo>
+                  <a:pt x="248267" y="2765145"/>
+                </a:lnTo>
+                <a:lnTo>
+                  <a:pt x="244233" y="2617013"/>
+                </a:lnTo>
+                <a:lnTo>
+                  <a:pt x="240031" y="2467508"/>
+                </a:lnTo>
+                <a:lnTo>
+                  <a:pt x="235156" y="2318004"/>
+                </a:lnTo>
+                <a:lnTo>
+                  <a:pt x="228265" y="2167128"/>
+                </a:lnTo>
+                <a:lnTo>
+                  <a:pt x="220028" y="2014880"/>
+                </a:lnTo>
+                <a:lnTo>
+                  <a:pt x="212128" y="1861947"/>
+                </a:lnTo>
+                <a:lnTo>
+                  <a:pt x="202043" y="1709013"/>
+                </a:lnTo>
+                <a:lnTo>
+                  <a:pt x="189940" y="1554023"/>
+                </a:lnTo>
+                <a:lnTo>
+                  <a:pt x="177838" y="1401089"/>
+                </a:lnTo>
+                <a:lnTo>
+                  <a:pt x="163886" y="1245413"/>
+                </a:lnTo>
+                <a:lnTo>
+                  <a:pt x="148590" y="1089050"/>
+                </a:lnTo>
+                <a:lnTo>
+                  <a:pt x="132454" y="934745"/>
+                </a:lnTo>
+                <a:lnTo>
+                  <a:pt x="113628" y="778383"/>
+                </a:lnTo>
+                <a:lnTo>
+                  <a:pt x="93457" y="622706"/>
+                </a:lnTo>
+                <a:lnTo>
+                  <a:pt x="73454" y="466344"/>
+                </a:lnTo>
+                <a:lnTo>
+                  <a:pt x="50090" y="310667"/>
+                </a:lnTo>
+                <a:lnTo>
+                  <a:pt x="26222" y="155676"/>
+                </a:lnTo>
+                <a:close/>
+              </a:path>
+            </a:pathLst>
+          </a:custGeom>
           <a:solidFill>
-            <a:schemeClr val="tx1"/>
+            <a:schemeClr val="bg1"/>
           </a:solidFill>
           <a:ln>
             <a:noFill/>
@@ -30360,7 +35208,9 @@
           </a:fontRef>
         </p:style>
         <p:txBody>
-          <a:bodyPr rtlCol="0" anchor="ctr"/>
+          <a:bodyPr wrap="square" rtlCol="0" anchor="ctr">
+            <a:noAutofit/>
+          </a:bodyPr>
           <a:lstStyle/>
           <a:p>
             <a:pPr algn="ctr"/>
@@ -30368,12 +35218,12 @@
           </a:p>
         </p:txBody>
       </p:sp>
-      <p:sp useBgFill="1">
+      <p:sp>
         <p:nvSpPr>
-          <p:cNvPr id="22" name="Rectangle 21">
+          <p:cNvPr id="51" name="Freeform 11">
             <a:extLst>
               <a:ext uri="{FF2B5EF4-FFF2-40B4-BE49-F238E27FC236}">
-                <a16:creationId xmlns:a16="http://schemas.microsoft.com/office/drawing/2014/main" id="{8302FC3C-9804-4950-B721-5FD704BA6065}"/>
+                <a16:creationId xmlns:a16="http://schemas.microsoft.com/office/drawing/2014/main" id="{BDC58DEA-1307-4F44-AD47-E613D8B76A89}"/>
               </a:ext>
               <a:ext uri="{C183D7F6-B498-43B3-948B-1728B52AA6E4}">
                 <adec:decorative xmlns:adec="http://schemas.microsoft.com/office/drawing/2017/decorative" val="1"/>
@@ -30391,34 +35241,326 @@
             </p:extLst>
           </p:nvPr>
         </p:nvSpPr>
-        <p:spPr bwMode="ltGray">
+        <p:spPr>
           <a:xfrm>
-            <a:off x="0" y="0"/>
-            <a:ext cx="12188952" cy="6858000"/>
+            <a:off x="3948110" y="-1"/>
+            <a:ext cx="559472" cy="3709642"/>
           </a:xfrm>
-          <a:prstGeom prst="rect">
+          <a:custGeom>
             <a:avLst/>
-          </a:prstGeom>
-          <a:ln w="127000" cap="sq" cmpd="thinThick">
+            <a:gdLst>
+              <a:gd name="connsiteX0" fmla="*/ 0 w 559472"/>
+              <a:gd name="connsiteY0" fmla="*/ 0 h 3709642"/>
+              <a:gd name="connsiteX1" fmla="*/ 473952 w 559472"/>
+              <a:gd name="connsiteY1" fmla="*/ 0 h 3709642"/>
+              <a:gd name="connsiteX2" fmla="*/ 485840 w 559472"/>
+              <a:gd name="connsiteY2" fmla="*/ 161194 h 3709642"/>
+              <a:gd name="connsiteX3" fmla="*/ 523949 w 559472"/>
+              <a:gd name="connsiteY3" fmla="*/ 3672197 h 3709642"/>
+              <a:gd name="connsiteX4" fmla="*/ 454748 w 559472"/>
+              <a:gd name="connsiteY4" fmla="*/ 3709642 h 3709642"/>
+              <a:gd name="connsiteX5" fmla="*/ 448224 w 559472"/>
+              <a:gd name="connsiteY5" fmla="*/ 3510471 h 3709642"/>
+              <a:gd name="connsiteX6" fmla="*/ 443564 w 559472"/>
+              <a:gd name="connsiteY6" fmla="*/ 3408563 h 3709642"/>
+              <a:gd name="connsiteX7" fmla="*/ 438902 w 559472"/>
+              <a:gd name="connsiteY7" fmla="*/ 3304407 h 3709642"/>
+              <a:gd name="connsiteX8" fmla="*/ 433941 w 559472"/>
+              <a:gd name="connsiteY8" fmla="*/ 3198777 h 3709642"/>
+              <a:gd name="connsiteX9" fmla="*/ 427584 w 559472"/>
+              <a:gd name="connsiteY9" fmla="*/ 3092510 h 3709642"/>
+              <a:gd name="connsiteX10" fmla="*/ 420988 w 559472"/>
+              <a:gd name="connsiteY10" fmla="*/ 2984390 h 3709642"/>
+              <a:gd name="connsiteX11" fmla="*/ 414330 w 559472"/>
+              <a:gd name="connsiteY11" fmla="*/ 2874401 h 3709642"/>
+              <a:gd name="connsiteX12" fmla="*/ 406840 w 559472"/>
+              <a:gd name="connsiteY12" fmla="*/ 2762980 h 3709642"/>
+              <a:gd name="connsiteX13" fmla="*/ 397745 w 559472"/>
+              <a:gd name="connsiteY13" fmla="*/ 2650566 h 3709642"/>
+              <a:gd name="connsiteX14" fmla="*/ 389154 w 559472"/>
+              <a:gd name="connsiteY14" fmla="*/ 2536612 h 3709642"/>
+              <a:gd name="connsiteX15" fmla="*/ 379225 w 559472"/>
+              <a:gd name="connsiteY15" fmla="*/ 2421642 h 3709642"/>
+              <a:gd name="connsiteX16" fmla="*/ 368316 w 559472"/>
+              <a:gd name="connsiteY16" fmla="*/ 2305627 h 3709642"/>
+              <a:gd name="connsiteX17" fmla="*/ 357466 w 559472"/>
+              <a:gd name="connsiteY17" fmla="*/ 2189233 h 3709642"/>
+              <a:gd name="connsiteX18" fmla="*/ 344982 w 559472"/>
+              <a:gd name="connsiteY18" fmla="*/ 2071473 h 3709642"/>
+              <a:gd name="connsiteX19" fmla="*/ 332466 w 559472"/>
+              <a:gd name="connsiteY19" fmla="*/ 1952216 h 3709642"/>
+              <a:gd name="connsiteX20" fmla="*/ 319121 w 559472"/>
+              <a:gd name="connsiteY20" fmla="*/ 1833776 h 3709642"/>
+              <a:gd name="connsiteX21" fmla="*/ 304408 w 559472"/>
+              <a:gd name="connsiteY21" fmla="*/ 1713948 h 3709642"/>
+              <a:gd name="connsiteX22" fmla="*/ 288685 w 559472"/>
+              <a:gd name="connsiteY22" fmla="*/ 1592703 h 3709642"/>
+              <a:gd name="connsiteX23" fmla="*/ 273050 w 559472"/>
+              <a:gd name="connsiteY23" fmla="*/ 1471451 h 3709642"/>
+              <a:gd name="connsiteX24" fmla="*/ 255813 w 559472"/>
+              <a:gd name="connsiteY24" fmla="*/ 1350328 h 3709642"/>
+              <a:gd name="connsiteX25" fmla="*/ 237060 w 559472"/>
+              <a:gd name="connsiteY25" fmla="*/ 1227080 h 3709642"/>
+              <a:gd name="connsiteX26" fmla="*/ 218488 w 559472"/>
+              <a:gd name="connsiteY26" fmla="*/ 1106065 h 3709642"/>
+              <a:gd name="connsiteX27" fmla="*/ 198221 w 559472"/>
+              <a:gd name="connsiteY27" fmla="*/ 982940 h 3709642"/>
+              <a:gd name="connsiteX28" fmla="*/ 177152 w 559472"/>
+              <a:gd name="connsiteY28" fmla="*/ 858755 h 3709642"/>
+              <a:gd name="connsiteX29" fmla="*/ 155551 w 559472"/>
+              <a:gd name="connsiteY29" fmla="*/ 736861 h 3709642"/>
+              <a:gd name="connsiteX30" fmla="*/ 131782 w 559472"/>
+              <a:gd name="connsiteY30" fmla="*/ 613645 h 3709642"/>
+              <a:gd name="connsiteX31" fmla="*/ 107123 w 559472"/>
+              <a:gd name="connsiteY31" fmla="*/ 490500 h 3709642"/>
+              <a:gd name="connsiteX32" fmla="*/ 82552 w 559472"/>
+              <a:gd name="connsiteY32" fmla="*/ 367348 h 3709642"/>
+              <a:gd name="connsiteX33" fmla="*/ 55608 w 559472"/>
+              <a:gd name="connsiteY33" fmla="*/ 244762 h 3709642"/>
+              <a:gd name="connsiteX34" fmla="*/ 28130 w 559472"/>
+              <a:gd name="connsiteY34" fmla="*/ 122220 h 3709642"/>
+              <a:gd name="connsiteX35" fmla="*/ 0 w 559472"/>
+              <a:gd name="connsiteY35" fmla="*/ 0 h 3709642"/>
+            </a:gdLst>
+            <a:ahLst/>
+            <a:cxnLst>
+              <a:cxn ang="0">
+                <a:pos x="connsiteX0" y="connsiteY0"/>
+              </a:cxn>
+              <a:cxn ang="0">
+                <a:pos x="connsiteX1" y="connsiteY1"/>
+              </a:cxn>
+              <a:cxn ang="0">
+                <a:pos x="connsiteX2" y="connsiteY2"/>
+              </a:cxn>
+              <a:cxn ang="0">
+                <a:pos x="connsiteX3" y="connsiteY3"/>
+              </a:cxn>
+              <a:cxn ang="0">
+                <a:pos x="connsiteX4" y="connsiteY4"/>
+              </a:cxn>
+              <a:cxn ang="0">
+                <a:pos x="connsiteX5" y="connsiteY5"/>
+              </a:cxn>
+              <a:cxn ang="0">
+                <a:pos x="connsiteX6" y="connsiteY6"/>
+              </a:cxn>
+              <a:cxn ang="0">
+                <a:pos x="connsiteX7" y="connsiteY7"/>
+              </a:cxn>
+              <a:cxn ang="0">
+                <a:pos x="connsiteX8" y="connsiteY8"/>
+              </a:cxn>
+              <a:cxn ang="0">
+                <a:pos x="connsiteX9" y="connsiteY9"/>
+              </a:cxn>
+              <a:cxn ang="0">
+                <a:pos x="connsiteX10" y="connsiteY10"/>
+              </a:cxn>
+              <a:cxn ang="0">
+                <a:pos x="connsiteX11" y="connsiteY11"/>
+              </a:cxn>
+              <a:cxn ang="0">
+                <a:pos x="connsiteX12" y="connsiteY12"/>
+              </a:cxn>
+              <a:cxn ang="0">
+                <a:pos x="connsiteX13" y="connsiteY13"/>
+              </a:cxn>
+              <a:cxn ang="0">
+                <a:pos x="connsiteX14" y="connsiteY14"/>
+              </a:cxn>
+              <a:cxn ang="0">
+                <a:pos x="connsiteX15" y="connsiteY15"/>
+              </a:cxn>
+              <a:cxn ang="0">
+                <a:pos x="connsiteX16" y="connsiteY16"/>
+              </a:cxn>
+              <a:cxn ang="0">
+                <a:pos x="connsiteX17" y="connsiteY17"/>
+              </a:cxn>
+              <a:cxn ang="0">
+                <a:pos x="connsiteX18" y="connsiteY18"/>
+              </a:cxn>
+              <a:cxn ang="0">
+                <a:pos x="connsiteX19" y="connsiteY19"/>
+              </a:cxn>
+              <a:cxn ang="0">
+                <a:pos x="connsiteX20" y="connsiteY20"/>
+              </a:cxn>
+              <a:cxn ang="0">
+                <a:pos x="connsiteX21" y="connsiteY21"/>
+              </a:cxn>
+              <a:cxn ang="0">
+                <a:pos x="connsiteX22" y="connsiteY22"/>
+              </a:cxn>
+              <a:cxn ang="0">
+                <a:pos x="connsiteX23" y="connsiteY23"/>
+              </a:cxn>
+              <a:cxn ang="0">
+                <a:pos x="connsiteX24" y="connsiteY24"/>
+              </a:cxn>
+              <a:cxn ang="0">
+                <a:pos x="connsiteX25" y="connsiteY25"/>
+              </a:cxn>
+              <a:cxn ang="0">
+                <a:pos x="connsiteX26" y="connsiteY26"/>
+              </a:cxn>
+              <a:cxn ang="0">
+                <a:pos x="connsiteX27" y="connsiteY27"/>
+              </a:cxn>
+              <a:cxn ang="0">
+                <a:pos x="connsiteX28" y="connsiteY28"/>
+              </a:cxn>
+              <a:cxn ang="0">
+                <a:pos x="connsiteX29" y="connsiteY29"/>
+              </a:cxn>
+              <a:cxn ang="0">
+                <a:pos x="connsiteX30" y="connsiteY30"/>
+              </a:cxn>
+              <a:cxn ang="0">
+                <a:pos x="connsiteX31" y="connsiteY31"/>
+              </a:cxn>
+              <a:cxn ang="0">
+                <a:pos x="connsiteX32" y="connsiteY32"/>
+              </a:cxn>
+              <a:cxn ang="0">
+                <a:pos x="connsiteX33" y="connsiteY33"/>
+              </a:cxn>
+              <a:cxn ang="0">
+                <a:pos x="connsiteX34" y="connsiteY34"/>
+              </a:cxn>
+              <a:cxn ang="0">
+                <a:pos x="connsiteX35" y="connsiteY35"/>
+              </a:cxn>
+            </a:cxnLst>
+            <a:rect l="l" t="t" r="r" b="b"/>
+            <a:pathLst>
+              <a:path w="559472" h="3709642">
+                <a:moveTo>
+                  <a:pt x="0" y="0"/>
+                </a:moveTo>
+                <a:lnTo>
+                  <a:pt x="473952" y="0"/>
+                </a:lnTo>
+                <a:lnTo>
+                  <a:pt x="485840" y="161194"/>
+                </a:lnTo>
+                <a:cubicBezTo>
+                  <a:pt x="552063" y="1147770"/>
+                  <a:pt x="592441" y="3086737"/>
+                  <a:pt x="523949" y="3672197"/>
+                </a:cubicBezTo>
+                <a:cubicBezTo>
+                  <a:pt x="500842" y="3684557"/>
+                  <a:pt x="477855" y="3697282"/>
+                  <a:pt x="454748" y="3709642"/>
+                </a:cubicBezTo>
+                <a:lnTo>
+                  <a:pt x="448224" y="3510471"/>
+                </a:lnTo>
+                <a:lnTo>
+                  <a:pt x="443564" y="3408563"/>
+                </a:lnTo>
+                <a:lnTo>
+                  <a:pt x="438902" y="3304407"/>
+                </a:lnTo>
+                <a:lnTo>
+                  <a:pt x="433941" y="3198777"/>
+                </a:lnTo>
+                <a:lnTo>
+                  <a:pt x="427584" y="3092510"/>
+                </a:lnTo>
+                <a:lnTo>
+                  <a:pt x="420988" y="2984390"/>
+                </a:lnTo>
+                <a:lnTo>
+                  <a:pt x="414330" y="2874401"/>
+                </a:lnTo>
+                <a:lnTo>
+                  <a:pt x="406840" y="2762980"/>
+                </a:lnTo>
+                <a:lnTo>
+                  <a:pt x="397745" y="2650566"/>
+                </a:lnTo>
+                <a:lnTo>
+                  <a:pt x="389154" y="2536612"/>
+                </a:lnTo>
+                <a:lnTo>
+                  <a:pt x="379225" y="2421642"/>
+                </a:lnTo>
+                <a:lnTo>
+                  <a:pt x="368316" y="2305627"/>
+                </a:lnTo>
+                <a:lnTo>
+                  <a:pt x="357466" y="2189233"/>
+                </a:lnTo>
+                <a:lnTo>
+                  <a:pt x="344982" y="2071473"/>
+                </a:lnTo>
+                <a:lnTo>
+                  <a:pt x="332466" y="1952216"/>
+                </a:lnTo>
+                <a:lnTo>
+                  <a:pt x="319121" y="1833776"/>
+                </a:lnTo>
+                <a:lnTo>
+                  <a:pt x="304408" y="1713948"/>
+                </a:lnTo>
+                <a:lnTo>
+                  <a:pt x="288685" y="1592703"/>
+                </a:lnTo>
+                <a:lnTo>
+                  <a:pt x="273050" y="1471451"/>
+                </a:lnTo>
+                <a:lnTo>
+                  <a:pt x="255813" y="1350328"/>
+                </a:lnTo>
+                <a:lnTo>
+                  <a:pt x="237060" y="1227080"/>
+                </a:lnTo>
+                <a:lnTo>
+                  <a:pt x="218488" y="1106065"/>
+                </a:lnTo>
+                <a:lnTo>
+                  <a:pt x="198221" y="982940"/>
+                </a:lnTo>
+                <a:lnTo>
+                  <a:pt x="177152" y="858755"/>
+                </a:lnTo>
+                <a:lnTo>
+                  <a:pt x="155551" y="736861"/>
+                </a:lnTo>
+                <a:lnTo>
+                  <a:pt x="131782" y="613645"/>
+                </a:lnTo>
+                <a:lnTo>
+                  <a:pt x="107123" y="490500"/>
+                </a:lnTo>
+                <a:lnTo>
+                  <a:pt x="82552" y="367348"/>
+                </a:lnTo>
+                <a:lnTo>
+                  <a:pt x="55608" y="244762"/>
+                </a:lnTo>
+                <a:lnTo>
+                  <a:pt x="28130" y="122220"/>
+                </a:lnTo>
+                <a:lnTo>
+                  <a:pt x="0" y="0"/>
+                </a:lnTo>
+                <a:close/>
+              </a:path>
+            </a:pathLst>
+          </a:custGeom>
+          <a:solidFill>
+            <a:schemeClr val="bg1">
+              <a:alpha val="20000"/>
+            </a:schemeClr>
+          </a:solidFill>
+          <a:ln>
             <a:noFill/>
           </a:ln>
         </p:spPr>
-        <p:style>
-          <a:lnRef idx="2">
-            <a:schemeClr val="accent1">
-              <a:shade val="50000"/>
-            </a:schemeClr>
-          </a:lnRef>
-          <a:fillRef idx="1">
-            <a:schemeClr val="accent1"/>
-          </a:fillRef>
-          <a:effectRef idx="0">
-            <a:schemeClr val="accent1"/>
-          </a:effectRef>
-          <a:fontRef idx="minor">
-            <a:schemeClr val="lt1"/>
-          </a:fontRef>
-        </p:style>
         <p:txBody>
           <a:bodyPr rtlCol="0" anchor="ctr"/>
           <a:lstStyle/>
@@ -30428,111 +35570,12 @@
           </a:p>
         </p:txBody>
       </p:sp>
-      <p:cxnSp>
-        <p:nvCxnSpPr>
-          <p:cNvPr id="24" name="Straight Connector 23">
+      <p:sp>
+        <p:nvSpPr>
+          <p:cNvPr id="53" name="Rectangle 52">
             <a:extLst>
               <a:ext uri="{FF2B5EF4-FFF2-40B4-BE49-F238E27FC236}">
-                <a16:creationId xmlns:a16="http://schemas.microsoft.com/office/drawing/2014/main" id="{6B9695BD-ECF6-49CA-8877-8C493193C65D}"/>
-              </a:ext>
-              <a:ext uri="{C183D7F6-B498-43B3-948B-1728B52AA6E4}">
-                <adec:decorative xmlns:adec="http://schemas.microsoft.com/office/drawing/2017/decorative" val="1"/>
-              </a:ext>
-            </a:extLst>
-          </p:cNvPr>
-          <p:cNvCxnSpPr>
-            <a:cxnSpLocks noGrp="1" noRot="1" noChangeAspect="1" noMove="1" noResize="1" noEditPoints="1" noAdjustHandles="1" noChangeArrowheads="1" noChangeShapeType="1"/>
-          </p:cNvCxnSpPr>
-          <p:nvPr>
-            <p:extLst>
-              <p:ext uri="{386F3935-93C4-4BCD-93E2-E3B085C9AB24}">
-                <p16:designElem xmlns:p16="http://schemas.microsoft.com/office/powerpoint/2015/main" val="1"/>
-              </p:ext>
-            </p:extLst>
-          </p:nvPr>
-        </p:nvCxnSpPr>
-        <p:spPr>
-          <a:xfrm>
-            <a:off x="4654295" y="1828800"/>
-            <a:ext cx="0" cy="3200400"/>
-          </a:xfrm>
-          <a:prstGeom prst="line">
-            <a:avLst/>
-          </a:prstGeom>
-          <a:ln w="19050">
-            <a:solidFill>
-              <a:schemeClr val="bg2">
-                <a:lumMod val="60000"/>
-                <a:lumOff val="40000"/>
-              </a:schemeClr>
-            </a:solidFill>
-          </a:ln>
-        </p:spPr>
-        <p:style>
-          <a:lnRef idx="1">
-            <a:schemeClr val="accent1"/>
-          </a:lnRef>
-          <a:fillRef idx="0">
-            <a:schemeClr val="accent1"/>
-          </a:fillRef>
-          <a:effectRef idx="0">
-            <a:schemeClr val="accent1"/>
-          </a:effectRef>
-          <a:fontRef idx="minor">
-            <a:schemeClr val="tx1"/>
-          </a:fontRef>
-        </p:style>
-      </p:cxnSp>
-      <p:pic>
-        <p:nvPicPr>
-          <p:cNvPr id="26" name="Picture 25">
-            <a:extLst>
-              <a:ext uri="{FF2B5EF4-FFF2-40B4-BE49-F238E27FC236}">
-                <a16:creationId xmlns:a16="http://schemas.microsoft.com/office/drawing/2014/main" id="{3BC6EBB2-9BDC-4075-BA6B-43A9FBF9C86C}"/>
-              </a:ext>
-              <a:ext uri="{C183D7F6-B498-43B3-948B-1728B52AA6E4}">
-                <adec:decorative xmlns:adec="http://schemas.microsoft.com/office/drawing/2017/decorative" val="1"/>
-              </a:ext>
-            </a:extLst>
-          </p:cNvPr>
-          <p:cNvPicPr>
-            <a:picLocks noGrp="1" noRot="1" noChangeAspect="1" noMove="1" noResize="1" noEditPoints="1" noAdjustHandles="1" noChangeArrowheads="1" noChangeShapeType="1" noCrop="1"/>
-          </p:cNvPicPr>
-          <p:nvPr>
-            <p:extLst>
-              <p:ext uri="{386F3935-93C4-4BCD-93E2-E3B085C9AB24}">
-                <p16:designElem xmlns:p16="http://schemas.microsoft.com/office/powerpoint/2015/main" val="1"/>
-              </p:ext>
-            </p:extLst>
-          </p:nvPr>
-        </p:nvPicPr>
-        <p:blipFill rotWithShape="1">
-          <a:blip r:embed="rId6">
-            <a:extLst>
-              <a:ext uri="{28A0092B-C50C-407E-A947-70E740481C1C}">
-                <a14:useLocalDpi xmlns:a14="http://schemas.microsoft.com/office/drawing/2010/main" val="0"/>
-              </a:ext>
-            </a:extLst>
-          </a:blip>
-          <a:srcRect b="23320"/>
-          <a:stretch/>
-        </p:blipFill>
-        <p:spPr>
-          <a:xfrm>
-            <a:off x="8605878" y="6228080"/>
-            <a:ext cx="993734" cy="762000"/>
-          </a:xfrm>
-          <a:prstGeom prst="rect">
-            <a:avLst/>
-          </a:prstGeom>
-        </p:spPr>
-      </p:pic>
-      <p:sp>
-        <p:nvSpPr>
-          <p:cNvPr id="28" name="Freeform 5">
-            <a:extLst>
-              <a:ext uri="{FF2B5EF4-FFF2-40B4-BE49-F238E27FC236}">
-                <a16:creationId xmlns:a16="http://schemas.microsoft.com/office/drawing/2014/main" id="{F3798573-F27B-47EB-8EA4-7EE34954C2D6}"/>
+                <a16:creationId xmlns:a16="http://schemas.microsoft.com/office/drawing/2014/main" id="{C99B912D-1E4B-42AF-A2BE-CFEFEC916EE7}"/>
               </a:ext>
               <a:ext uri="{C183D7F6-B498-43B3-948B-1728B52AA6E4}">
                 <adec:decorative xmlns:adec="http://schemas.microsoft.com/office/drawing/2017/decorative" val="1"/>
@@ -30550,323 +35593,64 @@
             </p:extLst>
           </p:nvPr>
         </p:nvSpPr>
-        <p:spPr bwMode="gray">
+        <p:spPr>
           <a:xfrm>
-            <a:off x="-1588" y="0"/>
-            <a:ext cx="12192000" cy="6856413"/>
+            <a:off x="10437812" y="0"/>
+            <a:ext cx="685800" cy="1143000"/>
           </a:xfrm>
-          <a:custGeom>
+          <a:prstGeom prst="rect">
             <a:avLst/>
-            <a:gdLst/>
-            <a:ahLst/>
-            <a:cxnLst/>
-            <a:rect l="0" t="0" r="r" b="b"/>
-            <a:pathLst>
-              <a:path w="15356" h="8638">
-                <a:moveTo>
-                  <a:pt x="0" y="0"/>
-                </a:moveTo>
-                <a:lnTo>
-                  <a:pt x="0" y="8638"/>
-                </a:lnTo>
-                <a:lnTo>
-                  <a:pt x="15356" y="8638"/>
-                </a:lnTo>
-                <a:lnTo>
-                  <a:pt x="15356" y="0"/>
-                </a:lnTo>
-                <a:lnTo>
-                  <a:pt x="0" y="0"/>
-                </a:lnTo>
-                <a:close/>
-                <a:moveTo>
-                  <a:pt x="14748" y="8038"/>
-                </a:moveTo>
-                <a:lnTo>
-                  <a:pt x="600" y="8038"/>
-                </a:lnTo>
-                <a:lnTo>
-                  <a:pt x="600" y="592"/>
-                </a:lnTo>
-                <a:lnTo>
-                  <a:pt x="14748" y="592"/>
-                </a:lnTo>
-                <a:lnTo>
-                  <a:pt x="14748" y="8038"/>
-                </a:lnTo>
-                <a:close/>
-              </a:path>
-            </a:pathLst>
-          </a:custGeom>
+          </a:prstGeom>
           <a:solidFill>
-            <a:schemeClr val="tx1"/>
+            <a:schemeClr val="accent1"/>
           </a:solidFill>
           <a:ln>
             <a:noFill/>
           </a:ln>
         </p:spPr>
+        <p:style>
+          <a:lnRef idx="1">
+            <a:schemeClr val="accent1"/>
+          </a:lnRef>
+          <a:fillRef idx="3">
+            <a:schemeClr val="accent1"/>
+          </a:fillRef>
+          <a:effectRef idx="2">
+            <a:schemeClr val="accent1"/>
+          </a:effectRef>
+          <a:fontRef idx="minor">
+            <a:schemeClr val="lt1"/>
+          </a:fontRef>
+        </p:style>
       </p:sp>
-      <p:sp>
-        <p:nvSpPr>
-          <p:cNvPr id="2" name="Title 1">
+      <p:graphicFrame>
+        <p:nvGraphicFramePr>
+          <p:cNvPr id="30" name="TextBox 2">
             <a:extLst>
               <a:ext uri="{FF2B5EF4-FFF2-40B4-BE49-F238E27FC236}">
-                <a16:creationId xmlns:a16="http://schemas.microsoft.com/office/drawing/2014/main" id="{09B315B5-E0A6-4BB7-BB09-7801ED00FE93}"/>
+                <a16:creationId xmlns:a16="http://schemas.microsoft.com/office/drawing/2014/main" id="{7311C30D-A00A-4391-B9A3-650B9A1D164A}"/>
               </a:ext>
             </a:extLst>
           </p:cNvPr>
-          <p:cNvSpPr>
-            <a:spLocks noGrp="1"/>
-          </p:cNvSpPr>
+          <p:cNvGraphicFramePr/>
           <p:nvPr>
-            <p:ph type="title"/>
+            <p:extLst>
+              <p:ext uri="{D42A27DB-BD31-4B8C-83A1-F6EECF244321}">
+                <p14:modId xmlns:p14="http://schemas.microsoft.com/office/powerpoint/2010/main" val="3349475160"/>
+              </p:ext>
+            </p:extLst>
           </p:nvPr>
-        </p:nvSpPr>
-        <p:spPr>
-          <a:xfrm>
-            <a:off x="806195" y="804672"/>
-            <a:ext cx="3521359" cy="5248656"/>
-          </a:xfrm>
-        </p:spPr>
-        <p:txBody>
-          <a:bodyPr vert="horz" lIns="91440" tIns="45720" rIns="91440" bIns="45720" rtlCol="0" anchor="ctr">
-            <a:normAutofit/>
-          </a:bodyPr>
-          <a:lstStyle/>
-          <a:p>
-            <a:pPr algn="ctr"/>
-            <a:r>
-              <a:rPr lang="en-US" b="0" i="0" kern="1200" dirty="0">
-                <a:solidFill>
-                  <a:schemeClr val="tx2"/>
-                </a:solidFill>
-                <a:latin typeface="Copperplate Gothic Bold" panose="020E0705020206020404" pitchFamily="34" charset="0"/>
-              </a:rPr>
-              <a:t>ROADMAP</a:t>
-            </a:r>
-          </a:p>
-        </p:txBody>
-      </p:sp>
-      <p:sp>
-        <p:nvSpPr>
-          <p:cNvPr id="3" name="TextBox 2">
-            <a:extLst>
-              <a:ext uri="{FF2B5EF4-FFF2-40B4-BE49-F238E27FC236}">
-                <a16:creationId xmlns:a16="http://schemas.microsoft.com/office/drawing/2014/main" id="{D4FD255E-7BEF-4C0E-AB7C-373B542D37E1}"/>
-              </a:ext>
-            </a:extLst>
-          </p:cNvPr>
-          <p:cNvSpPr txBox="1"/>
-          <p:nvPr/>
-        </p:nvSpPr>
-        <p:spPr>
-          <a:xfrm>
-            <a:off x="4975861" y="804671"/>
-            <a:ext cx="6399930" cy="5248657"/>
-          </a:xfrm>
-          <a:prstGeom prst="rect">
-            <a:avLst/>
-          </a:prstGeom>
-        </p:spPr>
-        <p:txBody>
-          <a:bodyPr vert="horz" lIns="91440" tIns="45720" rIns="91440" bIns="45720" rtlCol="0" anchor="ctr">
-            <a:normAutofit/>
-          </a:bodyPr>
-          <a:lstStyle/>
-          <a:p>
-            <a:pPr marL="285750" indent="-285750">
-              <a:spcBef>
-                <a:spcPts val="1000"/>
-              </a:spcBef>
-              <a:buClr>
-                <a:schemeClr val="bg2">
-                  <a:lumMod val="40000"/>
-                  <a:lumOff val="60000"/>
-                </a:schemeClr>
-              </a:buClr>
-              <a:buSzPct val="80000"/>
-              <a:buFont typeface="Wingdings 3" charset="2"/>
-              <a:buChar char=""/>
-            </a:pPr>
-            <a:r>
-              <a:rPr lang="en-US" dirty="0">
-                <a:latin typeface="+mj-lt"/>
-                <a:ea typeface="+mj-ea"/>
-                <a:cs typeface="+mj-cs"/>
-              </a:rPr>
-              <a:t>Motivation and Hypothesis</a:t>
-            </a:r>
-          </a:p>
-          <a:p>
-            <a:pPr marL="285750" indent="-285750">
-              <a:spcBef>
-                <a:spcPts val="1000"/>
-              </a:spcBef>
-              <a:buClr>
-                <a:schemeClr val="bg2">
-                  <a:lumMod val="40000"/>
-                  <a:lumOff val="60000"/>
-                </a:schemeClr>
-              </a:buClr>
-              <a:buSzPct val="80000"/>
-              <a:buFont typeface="Wingdings 3" charset="2"/>
-              <a:buChar char=""/>
-            </a:pPr>
-            <a:r>
-              <a:rPr lang="en-US" dirty="0">
-                <a:latin typeface="+mj-lt"/>
-                <a:ea typeface="+mj-ea"/>
-                <a:cs typeface="+mj-cs"/>
-              </a:rPr>
-              <a:t>Data Source</a:t>
-            </a:r>
-          </a:p>
-          <a:p>
-            <a:pPr marL="285750" indent="-285750">
-              <a:spcBef>
-                <a:spcPts val="1000"/>
-              </a:spcBef>
-              <a:buClr>
-                <a:schemeClr val="bg2">
-                  <a:lumMod val="40000"/>
-                  <a:lumOff val="60000"/>
-                </a:schemeClr>
-              </a:buClr>
-              <a:buSzPct val="80000"/>
-              <a:buFont typeface="Wingdings 3" charset="2"/>
-              <a:buChar char=""/>
-            </a:pPr>
-            <a:r>
-              <a:rPr lang="en-US" dirty="0">
-                <a:latin typeface="+mj-lt"/>
-                <a:ea typeface="+mj-ea"/>
-                <a:cs typeface="+mj-cs"/>
-              </a:rPr>
-              <a:t>Data Ingest and Wrangling</a:t>
-            </a:r>
-          </a:p>
-          <a:p>
-            <a:pPr marL="285750" indent="-285750">
-              <a:spcBef>
-                <a:spcPts val="1000"/>
-              </a:spcBef>
-              <a:buClr>
-                <a:schemeClr val="bg2">
-                  <a:lumMod val="40000"/>
-                  <a:lumOff val="60000"/>
-                </a:schemeClr>
-              </a:buClr>
-              <a:buSzPct val="80000"/>
-              <a:buFont typeface="Wingdings 3" charset="2"/>
-              <a:buChar char=""/>
-            </a:pPr>
-            <a:r>
-              <a:rPr lang="en-US" dirty="0">
-                <a:latin typeface="+mj-lt"/>
-                <a:ea typeface="+mj-ea"/>
-                <a:cs typeface="+mj-cs"/>
-              </a:rPr>
-              <a:t>Exploratory Data Analysis</a:t>
-            </a:r>
-          </a:p>
-          <a:p>
-            <a:pPr marL="285750" indent="-285750">
-              <a:spcBef>
-                <a:spcPts val="1000"/>
-              </a:spcBef>
-              <a:buClr>
-                <a:schemeClr val="bg2">
-                  <a:lumMod val="40000"/>
-                  <a:lumOff val="60000"/>
-                </a:schemeClr>
-              </a:buClr>
-              <a:buSzPct val="80000"/>
-              <a:buFont typeface="Wingdings 3" charset="2"/>
-              <a:buChar char=""/>
-            </a:pPr>
-            <a:r>
-              <a:rPr lang="en-US" dirty="0">
-                <a:latin typeface="+mj-lt"/>
-                <a:ea typeface="+mj-ea"/>
-                <a:cs typeface="+mj-cs"/>
-              </a:rPr>
-              <a:t>Feature Selection</a:t>
-            </a:r>
-          </a:p>
-          <a:p>
-            <a:pPr marL="285750" indent="-285750">
-              <a:spcBef>
-                <a:spcPts val="1000"/>
-              </a:spcBef>
-              <a:buClr>
-                <a:schemeClr val="bg2">
-                  <a:lumMod val="40000"/>
-                  <a:lumOff val="60000"/>
-                </a:schemeClr>
-              </a:buClr>
-              <a:buSzPct val="80000"/>
-              <a:buFont typeface="Wingdings 3" charset="2"/>
-              <a:buChar char=""/>
-            </a:pPr>
-            <a:r>
-              <a:rPr lang="en-US" dirty="0">
-                <a:latin typeface="+mj-lt"/>
-                <a:ea typeface="+mj-ea"/>
-                <a:cs typeface="+mj-cs"/>
-              </a:rPr>
-              <a:t>Model Evaluation</a:t>
-            </a:r>
-          </a:p>
-          <a:p>
-            <a:pPr marL="285750" indent="-285750">
-              <a:spcBef>
-                <a:spcPts val="1000"/>
-              </a:spcBef>
-              <a:buClr>
-                <a:schemeClr val="bg2">
-                  <a:lumMod val="40000"/>
-                  <a:lumOff val="60000"/>
-                </a:schemeClr>
-              </a:buClr>
-              <a:buSzPct val="80000"/>
-              <a:buFont typeface="Wingdings 3" charset="2"/>
-              <a:buChar char=""/>
-            </a:pPr>
-            <a:r>
-              <a:rPr lang="en-US" dirty="0">
-                <a:latin typeface="+mj-lt"/>
-                <a:ea typeface="+mj-ea"/>
-                <a:cs typeface="+mj-cs"/>
-              </a:rPr>
-              <a:t>Result</a:t>
-            </a:r>
-          </a:p>
-          <a:p>
-            <a:pPr marL="285750" indent="-285750">
-              <a:spcBef>
-                <a:spcPts val="1000"/>
-              </a:spcBef>
-              <a:buClr>
-                <a:schemeClr val="bg2">
-                  <a:lumMod val="40000"/>
-                  <a:lumOff val="60000"/>
-                </a:schemeClr>
-              </a:buClr>
-              <a:buSzPct val="80000"/>
-              <a:buFont typeface="Wingdings 3" charset="2"/>
-              <a:buChar char=""/>
-            </a:pPr>
-            <a:r>
-              <a:rPr lang="en-US" dirty="0">
-                <a:latin typeface="+mj-lt"/>
-                <a:ea typeface="+mj-ea"/>
-                <a:cs typeface="+mj-cs"/>
-              </a:rPr>
-              <a:t>Conclusion</a:t>
-            </a:r>
-          </a:p>
-        </p:txBody>
-      </p:sp>
+        </p:nvGraphicFramePr>
+        <p:xfrm>
+          <a:off x="5048250" y="1447800"/>
+          <a:ext cx="6496050" cy="4572000"/>
+        </p:xfrm>
+        <a:graphic>
+          <a:graphicData uri="http://schemas.openxmlformats.org/drawingml/2006/diagram">
+            <dgm:relIds xmlns:dgm="http://schemas.openxmlformats.org/drawingml/2006/diagram" xmlns:r="http://schemas.openxmlformats.org/officeDocument/2006/relationships" r:dm="rId6" r:lo="rId7" r:qs="rId8" r:cs="rId9"/>
+          </a:graphicData>
+        </a:graphic>
+      </p:graphicFrame>
     </p:spTree>
     <p:extLst>
       <p:ext uri="{BB962C8B-B14F-4D97-AF65-F5344CB8AC3E}">
@@ -30875,7 +35659,7 @@
     </p:extLst>
   </p:cSld>
   <p:clrMapOvr>
-    <a:masterClrMapping/>
+    <a:overrideClrMapping bg1="lt1" tx1="dk1" bg2="lt2" tx2="dk2" accent1="accent1" accent2="accent2" accent3="accent3" accent4="accent4" accent5="accent5" accent6="accent6" hlink="hlink" folHlink="folHlink"/>
   </p:clrMapOvr>
 </p:sld>
 </file>
@@ -33823,7 +38607,7 @@
               <a:buNone/>
             </a:pPr>
             <a:r>
-              <a:rPr lang="en-US" sz="3600" dirty="0">
+              <a:rPr lang="en-US" sz="4000" dirty="0">
                 <a:solidFill>
                   <a:srgbClr val="EBEBEB"/>
                 </a:solidFill>
@@ -34344,7 +39128,7 @@
           <a:lstStyle/>
           <a:p>
             <a:r>
-              <a:rPr lang="en-US" sz="4600" b="0" i="0" kern="1200" dirty="0">
+              <a:rPr lang="en-US" sz="4000" b="0" i="0" kern="1200" dirty="0">
                 <a:solidFill>
                   <a:srgbClr val="EBEBEB"/>
                 </a:solidFill>
@@ -35467,7 +40251,7 @@
           <a:lstStyle/>
           <a:p>
             <a:r>
-              <a:rPr lang="en-US" dirty="0">
+              <a:rPr lang="en-US" sz="4000" dirty="0">
                 <a:solidFill>
                   <a:srgbClr val="EBEBEB"/>
                 </a:solidFill>
@@ -36957,7 +41741,7 @@
           <a:lstStyle/>
           <a:p>
             <a:r>
-              <a:rPr lang="en-US" dirty="0">
+              <a:rPr lang="en-US" sz="4000" dirty="0">
                 <a:solidFill>
                   <a:srgbClr val="EBEBEB"/>
                 </a:solidFill>
@@ -38041,7 +42825,7 @@
           <a:lstStyle/>
           <a:p>
             <a:r>
-              <a:rPr lang="en-US" dirty="0">
+              <a:rPr lang="en-US" sz="4000" dirty="0">
                 <a:solidFill>
                   <a:srgbClr val="EBEBEB"/>
                 </a:solidFill>
@@ -38761,7 +43545,7 @@
           <a:lstStyle/>
           <a:p>
             <a:r>
-              <a:rPr lang="en-US" dirty="0">
+              <a:rPr lang="en-US" sz="4000" dirty="0">
                 <a:solidFill>
                   <a:srgbClr val="EBEBEB"/>
                 </a:solidFill>

--- a/presentation/Booksville Presentation.pptx
+++ b/presentation/Booksville Presentation.pptx
@@ -6813,7 +6813,7 @@
             <a:rPr lang="en-US" sz="2000" dirty="0">
               <a:latin typeface="Copperplate Gothic Light" panose="020E0507020206020404" pitchFamily="34" charset="0"/>
             </a:rPr>
-            <a:t>It is possible to predict sale price of a book with a high degree of accuracy if healthy sale history or affiliate sale history is available</a:t>
+            <a:t>It is possible to predict sale price of a book with a high degree of accuracy if healthy sale history is available</a:t>
           </a:r>
         </a:p>
       </dgm:t>
@@ -6891,7 +6891,7 @@
             <a:rPr lang="en-US" sz="2000" dirty="0">
               <a:latin typeface="Copperplate Gothic Light" panose="020E0507020206020404" pitchFamily="34" charset="0"/>
             </a:rPr>
-            <a:t>While we have been able to take a sneak peek at Amazon’s pricing model, there is still some magic waiting to be uncovered.</a:t>
+            <a:t>Amazon genius is in how they capture a multitude of sale points into a set of statistical features.</a:t>
           </a:r>
         </a:p>
       </dgm:t>
@@ -6899,10 +6899,24 @@
     <dgm:pt modelId="{13436E20-9C35-491A-9505-A21C78B5D994}" type="parTrans" cxnId="{9AFAF1D4-D5A7-4E85-8D45-962D37EBA5F8}">
       <dgm:prSet/>
       <dgm:spPr/>
+      <dgm:t>
+        <a:bodyPr/>
+        <a:lstStyle/>
+        <a:p>
+          <a:endParaRPr lang="en-US"/>
+        </a:p>
+      </dgm:t>
     </dgm:pt>
     <dgm:pt modelId="{1DDCFB4D-44B2-41DD-9087-640B23D67EAD}" type="sibTrans" cxnId="{9AFAF1D4-D5A7-4E85-8D45-962D37EBA5F8}">
       <dgm:prSet/>
       <dgm:spPr/>
+      <dgm:t>
+        <a:bodyPr/>
+        <a:lstStyle/>
+        <a:p>
+          <a:endParaRPr lang="en-US"/>
+        </a:p>
+      </dgm:t>
     </dgm:pt>
     <dgm:pt modelId="{70BAABBD-17F8-4194-B3F4-6B8001BD0C3C}" type="pres">
       <dgm:prSet presAssocID="{27057191-ABB3-4324-875B-128343672CEB}" presName="vert0" presStyleCnt="0">
@@ -9860,7 +9874,7 @@
             <a:rPr lang="en-US" sz="2000" kern="1200" dirty="0">
               <a:latin typeface="Copperplate Gothic Light" panose="020E0507020206020404" pitchFamily="34" charset="0"/>
             </a:rPr>
-            <a:t>It is possible to predict sale price of a book with a high degree of accuracy if healthy sale history or affiliate sale history is available</a:t>
+            <a:t>It is possible to predict sale price of a book with a high degree of accuracy if healthy sale history is available</a:t>
           </a:r>
         </a:p>
       </dsp:txBody>
@@ -10128,7 +10142,7 @@
             <a:rPr lang="en-US" sz="2000" kern="1200" dirty="0">
               <a:latin typeface="Copperplate Gothic Light" panose="020E0507020206020404" pitchFamily="34" charset="0"/>
             </a:rPr>
-            <a:t>While we have been able to take a sneak peek at Amazon’s pricing model, there is still some magic waiting to be uncovered.</a:t>
+            <a:t>Amazon genius is in how they capture a multitude of sale points into a set of statistical features.</a:t>
           </a:r>
         </a:p>
       </dsp:txBody>
@@ -17862,7 +17876,7 @@
           <a:p>
             <a:fld id="{4AAD347D-5ACD-4C99-B74B-A9C85AD731AF}" type="datetimeFigureOut">
               <a:rPr lang="en-US" dirty="0"/>
-              <a:t>6/13/2019</a:t>
+              <a:t>6/14/2019</a:t>
             </a:fld>
             <a:endParaRPr lang="en-US" dirty="0"/>
           </a:p>
@@ -18132,7 +18146,7 @@
           <a:p>
             <a:fld id="{4509A250-FF31-4206-8172-F9D3106AACB1}" type="datetimeFigureOut">
               <a:rPr lang="en-US" dirty="0"/>
-              <a:t>6/13/2019</a:t>
+              <a:t>6/14/2019</a:t>
             </a:fld>
             <a:endParaRPr lang="en-US" dirty="0"/>
           </a:p>
@@ -18321,7 +18335,7 @@
           <a:p>
             <a:fld id="{4509A250-FF31-4206-8172-F9D3106AACB1}" type="datetimeFigureOut">
               <a:rPr lang="en-US" dirty="0"/>
-              <a:t>6/13/2019</a:t>
+              <a:t>6/14/2019</a:t>
             </a:fld>
             <a:endParaRPr lang="en-US" dirty="0"/>
           </a:p>
@@ -18589,7 +18603,7 @@
           <a:p>
             <a:fld id="{4509A250-FF31-4206-8172-F9D3106AACB1}" type="datetimeFigureOut">
               <a:rPr lang="en-US" dirty="0"/>
-              <a:t>6/13/2019</a:t>
+              <a:t>6/14/2019</a:t>
             </a:fld>
             <a:endParaRPr lang="en-US" dirty="0"/>
           </a:p>
@@ -18925,7 +18939,7 @@
           <a:p>
             <a:fld id="{4509A250-FF31-4206-8172-F9D3106AACB1}" type="datetimeFigureOut">
               <a:rPr lang="en-US" dirty="0"/>
-              <a:t>6/13/2019</a:t>
+              <a:t>6/14/2019</a:t>
             </a:fld>
             <a:endParaRPr lang="en-US" dirty="0"/>
           </a:p>
@@ -19543,7 +19557,7 @@
           <a:p>
             <a:fld id="{4509A250-FF31-4206-8172-F9D3106AACB1}" type="datetimeFigureOut">
               <a:rPr lang="en-US" dirty="0"/>
-              <a:t>6/13/2019</a:t>
+              <a:t>6/14/2019</a:t>
             </a:fld>
             <a:endParaRPr lang="en-US" dirty="0"/>
           </a:p>
@@ -20398,7 +20412,7 @@
           <a:p>
             <a:fld id="{4509A250-FF31-4206-8172-F9D3106AACB1}" type="datetimeFigureOut">
               <a:rPr lang="en-US" dirty="0"/>
-              <a:t>6/13/2019</a:t>
+              <a:t>6/14/2019</a:t>
             </a:fld>
             <a:endParaRPr lang="en-US" dirty="0"/>
           </a:p>
@@ -20563,7 +20577,7 @@
           <a:p>
             <a:fld id="{4509A250-FF31-4206-8172-F9D3106AACB1}" type="datetimeFigureOut">
               <a:rPr lang="en-US" dirty="0"/>
-              <a:t>6/13/2019</a:t>
+              <a:t>6/14/2019</a:t>
             </a:fld>
             <a:endParaRPr lang="en-US" dirty="0"/>
           </a:p>
@@ -20738,7 +20752,7 @@
           <a:p>
             <a:fld id="{4509A250-FF31-4206-8172-F9D3106AACB1}" type="datetimeFigureOut">
               <a:rPr lang="en-US" dirty="0"/>
-              <a:t>6/13/2019</a:t>
+              <a:t>6/14/2019</a:t>
             </a:fld>
             <a:endParaRPr lang="en-US" dirty="0"/>
           </a:p>
@@ -20903,7 +20917,7 @@
           <a:p>
             <a:fld id="{4509A250-FF31-4206-8172-F9D3106AACB1}" type="datetimeFigureOut">
               <a:rPr lang="en-US" dirty="0"/>
-              <a:t>6/13/2019</a:t>
+              <a:t>6/14/2019</a:t>
             </a:fld>
             <a:endParaRPr lang="en-US" dirty="0"/>
           </a:p>
@@ -21145,7 +21159,7 @@
           <a:p>
             <a:fld id="{9796027F-7875-4030-9381-8BD8C4F21935}" type="datetimeFigureOut">
               <a:rPr lang="en-US" dirty="0"/>
-              <a:t>6/13/2019</a:t>
+              <a:t>6/14/2019</a:t>
             </a:fld>
             <a:endParaRPr lang="en-US" dirty="0"/>
           </a:p>
@@ -21432,7 +21446,7 @@
           <a:p>
             <a:fld id="{9796027F-7875-4030-9381-8BD8C4F21935}" type="datetimeFigureOut">
               <a:rPr lang="en-US" dirty="0"/>
-              <a:t>6/13/2019</a:t>
+              <a:t>6/14/2019</a:t>
             </a:fld>
             <a:endParaRPr lang="en-US" dirty="0"/>
           </a:p>
@@ -21871,7 +21885,7 @@
           <a:p>
             <a:fld id="{9796027F-7875-4030-9381-8BD8C4F21935}" type="datetimeFigureOut">
               <a:rPr lang="en-US" dirty="0"/>
-              <a:t>6/13/2019</a:t>
+              <a:t>6/14/2019</a:t>
             </a:fld>
             <a:endParaRPr lang="en-US" dirty="0"/>
           </a:p>
@@ -21984,7 +21998,7 @@
           <a:p>
             <a:fld id="{4509A250-FF31-4206-8172-F9D3106AACB1}" type="datetimeFigureOut">
               <a:rPr lang="en-US" dirty="0"/>
-              <a:t>6/13/2019</a:t>
+              <a:t>6/14/2019</a:t>
             </a:fld>
             <a:endParaRPr lang="en-US" dirty="0"/>
           </a:p>
@@ -22074,7 +22088,7 @@
           <a:p>
             <a:fld id="{4509A250-FF31-4206-8172-F9D3106AACB1}" type="datetimeFigureOut">
               <a:rPr lang="en-US" dirty="0"/>
-              <a:t>6/13/2019</a:t>
+              <a:t>6/14/2019</a:t>
             </a:fld>
             <a:endParaRPr lang="en-US" dirty="0"/>
           </a:p>
@@ -22348,7 +22362,7 @@
           <a:p>
             <a:fld id="{4509A250-FF31-4206-8172-F9D3106AACB1}" type="datetimeFigureOut">
               <a:rPr lang="en-US" dirty="0"/>
-              <a:t>6/13/2019</a:t>
+              <a:t>6/14/2019</a:t>
             </a:fld>
             <a:endParaRPr lang="en-US" dirty="0"/>
           </a:p>
@@ -22618,7 +22632,7 @@
           <a:p>
             <a:fld id="{4509A250-FF31-4206-8172-F9D3106AACB1}" type="datetimeFigureOut">
               <a:rPr lang="en-US" dirty="0"/>
-              <a:t>6/13/2019</a:t>
+              <a:t>6/14/2019</a:t>
             </a:fld>
             <a:endParaRPr lang="en-US" dirty="0"/>
           </a:p>
@@ -23042,7 +23056,7 @@
           <a:p>
             <a:fld id="{4AAD347D-5ACD-4C99-B74B-A9C85AD731AF}" type="datetimeFigureOut">
               <a:rPr lang="en-US" dirty="0"/>
-              <a:t>6/13/2019</a:t>
+              <a:t>6/14/2019</a:t>
             </a:fld>
             <a:endParaRPr lang="en-US" dirty="0"/>
           </a:p>
@@ -32950,7 +32964,7 @@
             <p:ph idx="1"/>
             <p:extLst>
               <p:ext uri="{D42A27DB-BD31-4B8C-83A1-F6EECF244321}">
-                <p14:modId xmlns:p14="http://schemas.microsoft.com/office/powerpoint/2010/main" val="3606469291"/>
+                <p14:modId xmlns:p14="http://schemas.microsoft.com/office/powerpoint/2010/main" val="2708599203"/>
               </p:ext>
             </p:extLst>
           </p:nvPr>

--- a/presentation/Booksville Presentation.pptx
+++ b/presentation/Booksville Presentation.pptx
@@ -25071,7 +25071,7 @@
               <a:buChar char=""/>
             </a:pPr>
             <a:r>
-              <a:rPr lang="en-US" dirty="0">
+              <a:rPr lang="en-US" b="1" dirty="0">
                 <a:latin typeface="Copperplate Gothic Light" panose="020E0507020206020404" pitchFamily="34" charset="0"/>
                 <a:ea typeface="+mj-ea"/>
                 <a:cs typeface="+mj-cs"/>
@@ -39185,7 +39185,7 @@
               <a:buNone/>
             </a:pPr>
             <a:r>
-              <a:rPr lang="en-US" sz="1800" cap="all">
+              <a:rPr lang="en-US" sz="1800" cap="all" dirty="0">
                 <a:solidFill>
                   <a:schemeClr val="tx2">
                     <a:lumMod val="40000"/>
@@ -39193,7 +39193,7 @@
                   </a:schemeClr>
                 </a:solidFill>
               </a:rPr>
-              <a:t>Predict future sale price of a book based on historic Amazon sale data</a:t>
+              <a:t>Can we Predict future sale price of a book based on historic Amazon sale data?</a:t>
             </a:r>
           </a:p>
         </p:txBody>

--- a/presentation/Booksville Presentation.pptx
+++ b/presentation/Booksville Presentation.pptx
@@ -15,15 +15,19 @@
     <p:sldId id="264" r:id="rId9"/>
     <p:sldId id="275" r:id="rId10"/>
     <p:sldId id="266" r:id="rId11"/>
-    <p:sldId id="267" r:id="rId12"/>
-    <p:sldId id="268" r:id="rId13"/>
-    <p:sldId id="269" r:id="rId14"/>
-    <p:sldId id="276" r:id="rId15"/>
-    <p:sldId id="271" r:id="rId16"/>
-    <p:sldId id="270" r:id="rId17"/>
-    <p:sldId id="272" r:id="rId18"/>
-    <p:sldId id="273" r:id="rId19"/>
-    <p:sldId id="274" r:id="rId20"/>
+    <p:sldId id="279" r:id="rId12"/>
+    <p:sldId id="280" r:id="rId13"/>
+    <p:sldId id="281" r:id="rId14"/>
+    <p:sldId id="267" r:id="rId15"/>
+    <p:sldId id="268" r:id="rId16"/>
+    <p:sldId id="269" r:id="rId17"/>
+    <p:sldId id="282" r:id="rId18"/>
+    <p:sldId id="276" r:id="rId19"/>
+    <p:sldId id="271" r:id="rId20"/>
+    <p:sldId id="270" r:id="rId21"/>
+    <p:sldId id="272" r:id="rId22"/>
+    <p:sldId id="273" r:id="rId23"/>
+    <p:sldId id="274" r:id="rId24"/>
   </p:sldIdLst>
   <p:sldSz cx="12192000" cy="6858000"/>
   <p:notesSz cx="6858000" cy="9144000"/>
@@ -9057,12 +9061,12 @@
         </a:fontRef>
       </dsp:style>
       <dsp:txBody>
-        <a:bodyPr spcFirstLastPara="0" vert="horz" wrap="square" lIns="99060" tIns="99060" rIns="99060" bIns="99060" numCol="1" spcCol="1270" anchor="ctr" anchorCtr="0">
+        <a:bodyPr spcFirstLastPara="0" vert="horz" wrap="square" lIns="95250" tIns="95250" rIns="95250" bIns="95250" numCol="1" spcCol="1270" anchor="ctr" anchorCtr="0">
           <a:noAutofit/>
         </a:bodyPr>
         <a:lstStyle/>
         <a:p>
-          <a:pPr marL="0" lvl="0" indent="0" algn="l" defTabSz="1155700">
+          <a:pPr marL="0" lvl="0" indent="0" algn="l" defTabSz="1111250">
             <a:lnSpc>
               <a:spcPct val="90000"/>
             </a:lnSpc>
@@ -9076,7 +9080,7 @@
             <a:defRPr b="1"/>
           </a:pPr>
           <a:r>
-            <a:rPr lang="en-US" sz="2600" kern="1200" dirty="0">
+            <a:rPr lang="en-US" sz="2500" kern="1200" dirty="0">
               <a:latin typeface="Copperplate Gothic Light" panose="020E0507020206020404" pitchFamily="34" charset="0"/>
             </a:rPr>
             <a:t>Challenge</a:t>
@@ -9187,12 +9191,12 @@
         </a:fontRef>
       </dsp:style>
       <dsp:txBody>
-        <a:bodyPr spcFirstLastPara="0" vert="horz" wrap="square" lIns="99060" tIns="99060" rIns="99060" bIns="99060" numCol="1" spcCol="1270" anchor="ctr" anchorCtr="0">
+        <a:bodyPr spcFirstLastPara="0" vert="horz" wrap="square" lIns="95250" tIns="95250" rIns="95250" bIns="95250" numCol="1" spcCol="1270" anchor="ctr" anchorCtr="0">
           <a:noAutofit/>
         </a:bodyPr>
         <a:lstStyle/>
         <a:p>
-          <a:pPr marL="0" lvl="0" indent="0" algn="l" defTabSz="1155700">
+          <a:pPr marL="0" lvl="0" indent="0" algn="l" defTabSz="1111250">
             <a:lnSpc>
               <a:spcPct val="90000"/>
             </a:lnSpc>
@@ -9206,7 +9210,7 @@
             <a:defRPr b="1"/>
           </a:pPr>
           <a:r>
-            <a:rPr lang="en-US" sz="2600" kern="1200" dirty="0">
+            <a:rPr lang="en-US" sz="2500" kern="1200" dirty="0">
               <a:latin typeface="Copperplate Gothic Light" panose="020E0507020206020404" pitchFamily="34" charset="0"/>
             </a:rPr>
             <a:t>Solution</a:t>
@@ -25071,7 +25075,7 @@
               <a:buChar char=""/>
             </a:pPr>
             <a:r>
-              <a:rPr lang="en-US" b="1" dirty="0">
+              <a:rPr lang="en-US" dirty="0">
                 <a:latin typeface="Copperplate Gothic Light" panose="020E0507020206020404" pitchFamily="34" charset="0"/>
                 <a:ea typeface="+mj-ea"/>
                 <a:cs typeface="+mj-cs"/>
@@ -26056,35 +26060,6 @@
           </a:ln>
         </p:spPr>
       </p:sp>
-      <p:pic>
-        <p:nvPicPr>
-          <p:cNvPr id="20" name="Picture 19">
-            <a:extLst>
-              <a:ext uri="{FF2B5EF4-FFF2-40B4-BE49-F238E27FC236}">
-                <a16:creationId xmlns:a16="http://schemas.microsoft.com/office/drawing/2014/main" id="{6DE0F826-0F1A-42BA-A2C2-6F96F858CCC1}"/>
-              </a:ext>
-            </a:extLst>
-          </p:cNvPr>
-          <p:cNvPicPr/>
-          <p:nvPr/>
-        </p:nvPicPr>
-        <p:blipFill>
-          <a:blip r:embed="rId2"/>
-          <a:stretch>
-            <a:fillRect/>
-          </a:stretch>
-        </p:blipFill>
-        <p:spPr>
-          <a:xfrm>
-            <a:off x="6455546" y="2166151"/>
-            <a:ext cx="5088335" cy="3054498"/>
-          </a:xfrm>
-          <a:prstGeom prst="rect">
-            <a:avLst/>
-          </a:prstGeom>
-          <a:effectLst/>
-        </p:spPr>
-      </p:pic>
       <p:sp>
         <p:nvSpPr>
           <p:cNvPr id="102" name="Rectangle 96">
@@ -26274,13 +26249,3641 @@
                 <a:spcPct val="90000"/>
               </a:lnSpc>
             </a:pPr>
+            <a:endParaRPr lang="en-US" sz="1300" dirty="0">
+              <a:solidFill>
+                <a:srgbClr val="EBEBEB"/>
+              </a:solidFill>
+            </a:endParaRPr>
+          </a:p>
+        </p:txBody>
+      </p:sp>
+      <p:sp>
+        <p:nvSpPr>
+          <p:cNvPr id="10" name="TextBox 9">
+            <a:extLst>
+              <a:ext uri="{FF2B5EF4-FFF2-40B4-BE49-F238E27FC236}">
+                <a16:creationId xmlns:a16="http://schemas.microsoft.com/office/drawing/2014/main" id="{67E4A02E-EEF9-4882-9AB5-60FAB13C0C4B}"/>
+              </a:ext>
+            </a:extLst>
+          </p:cNvPr>
+          <p:cNvSpPr txBox="1"/>
+          <p:nvPr/>
+        </p:nvSpPr>
+        <p:spPr>
+          <a:xfrm>
+            <a:off x="5629283" y="819835"/>
+            <a:ext cx="4918229" cy="369332"/>
+          </a:xfrm>
+          <a:prstGeom prst="rect">
+            <a:avLst/>
+          </a:prstGeom>
+          <a:noFill/>
+        </p:spPr>
+        <p:txBody>
+          <a:bodyPr wrap="square" rtlCol="0">
+            <a:spAutoFit/>
+          </a:bodyPr>
+          <a:lstStyle/>
+          <a:p>
+            <a:pPr algn="ctr"/>
+            <a:r>
+              <a:rPr lang="en-US" dirty="0">
+                <a:latin typeface="Copperplate Gothic Bold" panose="020E0705020206020404" pitchFamily="34" charset="0"/>
+              </a:rPr>
+              <a:t>correlation Heatmap</a:t>
+            </a:r>
+          </a:p>
+        </p:txBody>
+      </p:sp>
+      <p:pic>
+        <p:nvPicPr>
+          <p:cNvPr id="1026" name="Picture 2">
+            <a:extLst>
+              <a:ext uri="{FF2B5EF4-FFF2-40B4-BE49-F238E27FC236}">
+                <a16:creationId xmlns:a16="http://schemas.microsoft.com/office/drawing/2014/main" id="{ED749E33-A9AC-4AB5-A401-07C9B5D76F54}"/>
+              </a:ext>
+            </a:extLst>
+          </p:cNvPr>
+          <p:cNvPicPr>
+            <a:picLocks noChangeAspect="1" noChangeArrowheads="1"/>
+          </p:cNvPicPr>
+          <p:nvPr/>
+        </p:nvPicPr>
+        <p:blipFill>
+          <a:blip r:embed="rId2">
+            <a:extLst>
+              <a:ext uri="{28A0092B-C50C-407E-A947-70E740481C1C}">
+                <a14:useLocalDpi xmlns:a14="http://schemas.microsoft.com/office/drawing/2010/main" val="0"/>
+              </a:ext>
+            </a:extLst>
+          </a:blip>
+          <a:srcRect/>
+          <a:stretch>
+            <a:fillRect/>
+          </a:stretch>
+        </p:blipFill>
+        <p:spPr bwMode="auto">
+          <a:xfrm>
+            <a:off x="5464373" y="1440426"/>
+            <a:ext cx="6568601" cy="5145904"/>
+          </a:xfrm>
+          <a:prstGeom prst="rect">
+            <a:avLst/>
+          </a:prstGeom>
+          <a:noFill/>
+          <a:extLst>
+            <a:ext uri="{909E8E84-426E-40DD-AFC4-6F175D3DCCD1}">
+              <a14:hiddenFill xmlns:a14="http://schemas.microsoft.com/office/drawing/2010/main">
+                <a:solidFill>
+                  <a:srgbClr val="FFFFFF"/>
+                </a:solidFill>
+              </a14:hiddenFill>
+            </a:ext>
+          </a:extLst>
+        </p:spPr>
+      </p:pic>
+    </p:spTree>
+    <p:extLst>
+      <p:ext uri="{BB962C8B-B14F-4D97-AF65-F5344CB8AC3E}">
+        <p14:creationId xmlns:p14="http://schemas.microsoft.com/office/powerpoint/2010/main" val="2169005284"/>
+      </p:ext>
+    </p:extLst>
+  </p:cSld>
+  <p:clrMapOvr>
+    <a:overrideClrMapping bg1="lt1" tx1="dk1" bg2="lt2" tx2="dk2" accent1="accent1" accent2="accent2" accent3="accent3" accent4="accent4" accent5="accent5" accent6="accent6" hlink="hlink" folHlink="folHlink"/>
+  </p:clrMapOvr>
+</p:sld>
+</file>
+
+<file path=ppt/slides/slide12.xml><?xml version="1.0" encoding="utf-8"?>
+<p:sld xmlns:a="http://schemas.openxmlformats.org/drawingml/2006/main" xmlns:r="http://schemas.openxmlformats.org/officeDocument/2006/relationships" xmlns:p="http://schemas.openxmlformats.org/presentationml/2006/main">
+  <p:cSld>
+    <p:bg>
+      <p:bgPr>
+        <a:solidFill>
+          <a:schemeClr val="bg1"/>
+        </a:solidFill>
+        <a:effectLst/>
+      </p:bgPr>
+    </p:bg>
+    <p:spTree>
+      <p:nvGrpSpPr>
+        <p:cNvPr id="1" name=""/>
+        <p:cNvGrpSpPr/>
+        <p:nvPr/>
+      </p:nvGrpSpPr>
+      <p:grpSpPr>
+        <a:xfrm>
+          <a:off x="0" y="0"/>
+          <a:ext cx="0" cy="0"/>
+          <a:chOff x="0" y="0"/>
+          <a:chExt cx="0" cy="0"/>
+        </a:xfrm>
+      </p:grpSpPr>
+      <p:sp>
+        <p:nvSpPr>
+          <p:cNvPr id="99" name="Rectangle 90">
+            <a:extLst>
+              <a:ext uri="{FF2B5EF4-FFF2-40B4-BE49-F238E27FC236}">
+                <a16:creationId xmlns:a16="http://schemas.microsoft.com/office/drawing/2014/main" id="{B4AAD3FD-83A5-4B89-9F8F-01B8870865BE}"/>
+              </a:ext>
+              <a:ext uri="{C183D7F6-B498-43B3-948B-1728B52AA6E4}">
+                <adec:decorative xmlns:adec="http://schemas.microsoft.com/office/drawing/2017/decorative" val="1"/>
+              </a:ext>
+            </a:extLst>
+          </p:cNvPr>
+          <p:cNvSpPr>
+            <a:spLocks noGrp="1" noRot="1" noChangeAspect="1" noMove="1" noResize="1" noEditPoints="1" noAdjustHandles="1" noChangeArrowheads="1" noChangeShapeType="1" noTextEdit="1"/>
+          </p:cNvSpPr>
+          <p:nvPr>
+            <p:extLst>
+              <p:ext uri="{386F3935-93C4-4BCD-93E2-E3B085C9AB24}">
+                <p16:designElem xmlns:p16="http://schemas.microsoft.com/office/powerpoint/2015/main" val="1"/>
+              </p:ext>
+            </p:extLst>
+          </p:nvPr>
+        </p:nvSpPr>
+        <p:spPr>
+          <a:xfrm>
+            <a:off x="0" y="0"/>
+            <a:ext cx="12192000" cy="6858000"/>
+          </a:xfrm>
+          <a:prstGeom prst="rect">
+            <a:avLst/>
+          </a:prstGeom>
+          <a:ln>
+            <a:noFill/>
+          </a:ln>
+        </p:spPr>
+        <p:style>
+          <a:lnRef idx="2">
+            <a:schemeClr val="accent1">
+              <a:shade val="50000"/>
+            </a:schemeClr>
+          </a:lnRef>
+          <a:fillRef idx="1003">
+            <a:schemeClr val="dk2"/>
+          </a:fillRef>
+          <a:effectRef idx="0">
+            <a:schemeClr val="accent1"/>
+          </a:effectRef>
+          <a:fontRef idx="minor">
+            <a:schemeClr val="lt1"/>
+          </a:fontRef>
+        </p:style>
+        <p:txBody>
+          <a:bodyPr rtlCol="0" anchor="ctr"/>
+          <a:lstStyle/>
+          <a:p>
+            <a:pPr algn="ctr"/>
+            <a:endParaRPr lang="en-US"/>
+          </a:p>
+        </p:txBody>
+      </p:sp>
+      <p:sp>
+        <p:nvSpPr>
+          <p:cNvPr id="2" name="Title 1">
+            <a:extLst>
+              <a:ext uri="{FF2B5EF4-FFF2-40B4-BE49-F238E27FC236}">
+                <a16:creationId xmlns:a16="http://schemas.microsoft.com/office/drawing/2014/main" id="{D9E1A7B0-ACE3-4EEA-8C54-BF6732B8DCA0}"/>
+              </a:ext>
+            </a:extLst>
+          </p:cNvPr>
+          <p:cNvSpPr>
+            <a:spLocks noGrp="1"/>
+          </p:cNvSpPr>
+          <p:nvPr>
+            <p:ph type="title"/>
+          </p:nvPr>
+        </p:nvSpPr>
+        <p:spPr>
+          <a:xfrm>
+            <a:off x="648931" y="629266"/>
+            <a:ext cx="4166510" cy="1622321"/>
+          </a:xfrm>
+        </p:spPr>
+        <p:txBody>
+          <a:bodyPr>
+            <a:normAutofit/>
+          </a:bodyPr>
+          <a:lstStyle/>
+          <a:p>
+            <a:r>
+              <a:rPr lang="en-US" sz="4000" dirty="0">
+                <a:solidFill>
+                  <a:srgbClr val="EBEBEB"/>
+                </a:solidFill>
+                <a:latin typeface="Copperplate Gothic Bold" panose="020E0705020206020404" pitchFamily="34" charset="0"/>
+              </a:rPr>
+              <a:t>Exploratory Data Analysis</a:t>
+            </a:r>
+          </a:p>
+        </p:txBody>
+      </p:sp>
+      <p:sp>
+        <p:nvSpPr>
+          <p:cNvPr id="100" name="Freeform 31">
+            <a:extLst>
+              <a:ext uri="{FF2B5EF4-FFF2-40B4-BE49-F238E27FC236}">
+                <a16:creationId xmlns:a16="http://schemas.microsoft.com/office/drawing/2014/main" id="{61752F1D-FC0F-4103-9584-630E643CCDA6}"/>
+              </a:ext>
+              <a:ext uri="{C183D7F6-B498-43B3-948B-1728B52AA6E4}">
+                <adec:decorative xmlns:adec="http://schemas.microsoft.com/office/drawing/2017/decorative" val="1"/>
+              </a:ext>
+            </a:extLst>
+          </p:cNvPr>
+          <p:cNvSpPr>
+            <a:spLocks noGrp="1" noRot="1" noChangeAspect="1" noMove="1" noResize="1" noEditPoints="1" noAdjustHandles="1" noChangeArrowheads="1" noChangeShapeType="1" noTextEdit="1"/>
+          </p:cNvSpPr>
+          <p:nvPr>
+            <p:extLst>
+              <p:ext uri="{386F3935-93C4-4BCD-93E2-E3B085C9AB24}">
+                <p16:designElem xmlns:p16="http://schemas.microsoft.com/office/powerpoint/2015/main" val="1"/>
+              </p:ext>
+            </p:extLst>
+          </p:nvPr>
+        </p:nvSpPr>
+        <p:spPr>
+          <a:xfrm>
+            <a:off x="4994020" y="-1"/>
+            <a:ext cx="559472" cy="3709642"/>
+          </a:xfrm>
+          <a:custGeom>
+            <a:avLst/>
+            <a:gdLst>
+              <a:gd name="connsiteX0" fmla="*/ 0 w 559472"/>
+              <a:gd name="connsiteY0" fmla="*/ 0 h 3709642"/>
+              <a:gd name="connsiteX1" fmla="*/ 473952 w 559472"/>
+              <a:gd name="connsiteY1" fmla="*/ 0 h 3709642"/>
+              <a:gd name="connsiteX2" fmla="*/ 485840 w 559472"/>
+              <a:gd name="connsiteY2" fmla="*/ 161194 h 3709642"/>
+              <a:gd name="connsiteX3" fmla="*/ 523949 w 559472"/>
+              <a:gd name="connsiteY3" fmla="*/ 3672197 h 3709642"/>
+              <a:gd name="connsiteX4" fmla="*/ 454748 w 559472"/>
+              <a:gd name="connsiteY4" fmla="*/ 3709642 h 3709642"/>
+              <a:gd name="connsiteX5" fmla="*/ 448224 w 559472"/>
+              <a:gd name="connsiteY5" fmla="*/ 3510471 h 3709642"/>
+              <a:gd name="connsiteX6" fmla="*/ 443564 w 559472"/>
+              <a:gd name="connsiteY6" fmla="*/ 3408563 h 3709642"/>
+              <a:gd name="connsiteX7" fmla="*/ 438902 w 559472"/>
+              <a:gd name="connsiteY7" fmla="*/ 3304407 h 3709642"/>
+              <a:gd name="connsiteX8" fmla="*/ 433941 w 559472"/>
+              <a:gd name="connsiteY8" fmla="*/ 3198777 h 3709642"/>
+              <a:gd name="connsiteX9" fmla="*/ 427584 w 559472"/>
+              <a:gd name="connsiteY9" fmla="*/ 3092510 h 3709642"/>
+              <a:gd name="connsiteX10" fmla="*/ 420988 w 559472"/>
+              <a:gd name="connsiteY10" fmla="*/ 2984390 h 3709642"/>
+              <a:gd name="connsiteX11" fmla="*/ 414330 w 559472"/>
+              <a:gd name="connsiteY11" fmla="*/ 2874401 h 3709642"/>
+              <a:gd name="connsiteX12" fmla="*/ 406840 w 559472"/>
+              <a:gd name="connsiteY12" fmla="*/ 2762980 h 3709642"/>
+              <a:gd name="connsiteX13" fmla="*/ 397745 w 559472"/>
+              <a:gd name="connsiteY13" fmla="*/ 2650566 h 3709642"/>
+              <a:gd name="connsiteX14" fmla="*/ 389154 w 559472"/>
+              <a:gd name="connsiteY14" fmla="*/ 2536612 h 3709642"/>
+              <a:gd name="connsiteX15" fmla="*/ 379225 w 559472"/>
+              <a:gd name="connsiteY15" fmla="*/ 2421642 h 3709642"/>
+              <a:gd name="connsiteX16" fmla="*/ 368316 w 559472"/>
+              <a:gd name="connsiteY16" fmla="*/ 2305627 h 3709642"/>
+              <a:gd name="connsiteX17" fmla="*/ 357466 w 559472"/>
+              <a:gd name="connsiteY17" fmla="*/ 2189233 h 3709642"/>
+              <a:gd name="connsiteX18" fmla="*/ 344982 w 559472"/>
+              <a:gd name="connsiteY18" fmla="*/ 2071473 h 3709642"/>
+              <a:gd name="connsiteX19" fmla="*/ 332466 w 559472"/>
+              <a:gd name="connsiteY19" fmla="*/ 1952216 h 3709642"/>
+              <a:gd name="connsiteX20" fmla="*/ 319121 w 559472"/>
+              <a:gd name="connsiteY20" fmla="*/ 1833776 h 3709642"/>
+              <a:gd name="connsiteX21" fmla="*/ 304408 w 559472"/>
+              <a:gd name="connsiteY21" fmla="*/ 1713948 h 3709642"/>
+              <a:gd name="connsiteX22" fmla="*/ 288685 w 559472"/>
+              <a:gd name="connsiteY22" fmla="*/ 1592703 h 3709642"/>
+              <a:gd name="connsiteX23" fmla="*/ 273050 w 559472"/>
+              <a:gd name="connsiteY23" fmla="*/ 1471451 h 3709642"/>
+              <a:gd name="connsiteX24" fmla="*/ 255813 w 559472"/>
+              <a:gd name="connsiteY24" fmla="*/ 1350328 h 3709642"/>
+              <a:gd name="connsiteX25" fmla="*/ 237060 w 559472"/>
+              <a:gd name="connsiteY25" fmla="*/ 1227080 h 3709642"/>
+              <a:gd name="connsiteX26" fmla="*/ 218488 w 559472"/>
+              <a:gd name="connsiteY26" fmla="*/ 1106065 h 3709642"/>
+              <a:gd name="connsiteX27" fmla="*/ 198221 w 559472"/>
+              <a:gd name="connsiteY27" fmla="*/ 982940 h 3709642"/>
+              <a:gd name="connsiteX28" fmla="*/ 177152 w 559472"/>
+              <a:gd name="connsiteY28" fmla="*/ 858755 h 3709642"/>
+              <a:gd name="connsiteX29" fmla="*/ 155551 w 559472"/>
+              <a:gd name="connsiteY29" fmla="*/ 736861 h 3709642"/>
+              <a:gd name="connsiteX30" fmla="*/ 131782 w 559472"/>
+              <a:gd name="connsiteY30" fmla="*/ 613645 h 3709642"/>
+              <a:gd name="connsiteX31" fmla="*/ 107123 w 559472"/>
+              <a:gd name="connsiteY31" fmla="*/ 490500 h 3709642"/>
+              <a:gd name="connsiteX32" fmla="*/ 82552 w 559472"/>
+              <a:gd name="connsiteY32" fmla="*/ 367348 h 3709642"/>
+              <a:gd name="connsiteX33" fmla="*/ 55608 w 559472"/>
+              <a:gd name="connsiteY33" fmla="*/ 244762 h 3709642"/>
+              <a:gd name="connsiteX34" fmla="*/ 28130 w 559472"/>
+              <a:gd name="connsiteY34" fmla="*/ 122220 h 3709642"/>
+              <a:gd name="connsiteX35" fmla="*/ 0 w 559472"/>
+              <a:gd name="connsiteY35" fmla="*/ 0 h 3709642"/>
+            </a:gdLst>
+            <a:ahLst/>
+            <a:cxnLst>
+              <a:cxn ang="0">
+                <a:pos x="connsiteX0" y="connsiteY0"/>
+              </a:cxn>
+              <a:cxn ang="0">
+                <a:pos x="connsiteX1" y="connsiteY1"/>
+              </a:cxn>
+              <a:cxn ang="0">
+                <a:pos x="connsiteX2" y="connsiteY2"/>
+              </a:cxn>
+              <a:cxn ang="0">
+                <a:pos x="connsiteX3" y="connsiteY3"/>
+              </a:cxn>
+              <a:cxn ang="0">
+                <a:pos x="connsiteX4" y="connsiteY4"/>
+              </a:cxn>
+              <a:cxn ang="0">
+                <a:pos x="connsiteX5" y="connsiteY5"/>
+              </a:cxn>
+              <a:cxn ang="0">
+                <a:pos x="connsiteX6" y="connsiteY6"/>
+              </a:cxn>
+              <a:cxn ang="0">
+                <a:pos x="connsiteX7" y="connsiteY7"/>
+              </a:cxn>
+              <a:cxn ang="0">
+                <a:pos x="connsiteX8" y="connsiteY8"/>
+              </a:cxn>
+              <a:cxn ang="0">
+                <a:pos x="connsiteX9" y="connsiteY9"/>
+              </a:cxn>
+              <a:cxn ang="0">
+                <a:pos x="connsiteX10" y="connsiteY10"/>
+              </a:cxn>
+              <a:cxn ang="0">
+                <a:pos x="connsiteX11" y="connsiteY11"/>
+              </a:cxn>
+              <a:cxn ang="0">
+                <a:pos x="connsiteX12" y="connsiteY12"/>
+              </a:cxn>
+              <a:cxn ang="0">
+                <a:pos x="connsiteX13" y="connsiteY13"/>
+              </a:cxn>
+              <a:cxn ang="0">
+                <a:pos x="connsiteX14" y="connsiteY14"/>
+              </a:cxn>
+              <a:cxn ang="0">
+                <a:pos x="connsiteX15" y="connsiteY15"/>
+              </a:cxn>
+              <a:cxn ang="0">
+                <a:pos x="connsiteX16" y="connsiteY16"/>
+              </a:cxn>
+              <a:cxn ang="0">
+                <a:pos x="connsiteX17" y="connsiteY17"/>
+              </a:cxn>
+              <a:cxn ang="0">
+                <a:pos x="connsiteX18" y="connsiteY18"/>
+              </a:cxn>
+              <a:cxn ang="0">
+                <a:pos x="connsiteX19" y="connsiteY19"/>
+              </a:cxn>
+              <a:cxn ang="0">
+                <a:pos x="connsiteX20" y="connsiteY20"/>
+              </a:cxn>
+              <a:cxn ang="0">
+                <a:pos x="connsiteX21" y="connsiteY21"/>
+              </a:cxn>
+              <a:cxn ang="0">
+                <a:pos x="connsiteX22" y="connsiteY22"/>
+              </a:cxn>
+              <a:cxn ang="0">
+                <a:pos x="connsiteX23" y="connsiteY23"/>
+              </a:cxn>
+              <a:cxn ang="0">
+                <a:pos x="connsiteX24" y="connsiteY24"/>
+              </a:cxn>
+              <a:cxn ang="0">
+                <a:pos x="connsiteX25" y="connsiteY25"/>
+              </a:cxn>
+              <a:cxn ang="0">
+                <a:pos x="connsiteX26" y="connsiteY26"/>
+              </a:cxn>
+              <a:cxn ang="0">
+                <a:pos x="connsiteX27" y="connsiteY27"/>
+              </a:cxn>
+              <a:cxn ang="0">
+                <a:pos x="connsiteX28" y="connsiteY28"/>
+              </a:cxn>
+              <a:cxn ang="0">
+                <a:pos x="connsiteX29" y="connsiteY29"/>
+              </a:cxn>
+              <a:cxn ang="0">
+                <a:pos x="connsiteX30" y="connsiteY30"/>
+              </a:cxn>
+              <a:cxn ang="0">
+                <a:pos x="connsiteX31" y="connsiteY31"/>
+              </a:cxn>
+              <a:cxn ang="0">
+                <a:pos x="connsiteX32" y="connsiteY32"/>
+              </a:cxn>
+              <a:cxn ang="0">
+                <a:pos x="connsiteX33" y="connsiteY33"/>
+              </a:cxn>
+              <a:cxn ang="0">
+                <a:pos x="connsiteX34" y="connsiteY34"/>
+              </a:cxn>
+              <a:cxn ang="0">
+                <a:pos x="connsiteX35" y="connsiteY35"/>
+              </a:cxn>
+            </a:cxnLst>
+            <a:rect l="l" t="t" r="r" b="b"/>
+            <a:pathLst>
+              <a:path w="559472" h="3709642">
+                <a:moveTo>
+                  <a:pt x="0" y="0"/>
+                </a:moveTo>
+                <a:lnTo>
+                  <a:pt x="473952" y="0"/>
+                </a:lnTo>
+                <a:lnTo>
+                  <a:pt x="485840" y="161194"/>
+                </a:lnTo>
+                <a:cubicBezTo>
+                  <a:pt x="552063" y="1147770"/>
+                  <a:pt x="592441" y="3086737"/>
+                  <a:pt x="523949" y="3672197"/>
+                </a:cubicBezTo>
+                <a:cubicBezTo>
+                  <a:pt x="500842" y="3684557"/>
+                  <a:pt x="477855" y="3697282"/>
+                  <a:pt x="454748" y="3709642"/>
+                </a:cubicBezTo>
+                <a:lnTo>
+                  <a:pt x="448224" y="3510471"/>
+                </a:lnTo>
+                <a:lnTo>
+                  <a:pt x="443564" y="3408563"/>
+                </a:lnTo>
+                <a:lnTo>
+                  <a:pt x="438902" y="3304407"/>
+                </a:lnTo>
+                <a:lnTo>
+                  <a:pt x="433941" y="3198777"/>
+                </a:lnTo>
+                <a:lnTo>
+                  <a:pt x="427584" y="3092510"/>
+                </a:lnTo>
+                <a:lnTo>
+                  <a:pt x="420988" y="2984390"/>
+                </a:lnTo>
+                <a:lnTo>
+                  <a:pt x="414330" y="2874401"/>
+                </a:lnTo>
+                <a:lnTo>
+                  <a:pt x="406840" y="2762980"/>
+                </a:lnTo>
+                <a:lnTo>
+                  <a:pt x="397745" y="2650566"/>
+                </a:lnTo>
+                <a:lnTo>
+                  <a:pt x="389154" y="2536612"/>
+                </a:lnTo>
+                <a:lnTo>
+                  <a:pt x="379225" y="2421642"/>
+                </a:lnTo>
+                <a:lnTo>
+                  <a:pt x="368316" y="2305627"/>
+                </a:lnTo>
+                <a:lnTo>
+                  <a:pt x="357466" y="2189233"/>
+                </a:lnTo>
+                <a:lnTo>
+                  <a:pt x="344982" y="2071473"/>
+                </a:lnTo>
+                <a:lnTo>
+                  <a:pt x="332466" y="1952216"/>
+                </a:lnTo>
+                <a:lnTo>
+                  <a:pt x="319121" y="1833776"/>
+                </a:lnTo>
+                <a:lnTo>
+                  <a:pt x="304408" y="1713948"/>
+                </a:lnTo>
+                <a:lnTo>
+                  <a:pt x="288685" y="1592703"/>
+                </a:lnTo>
+                <a:lnTo>
+                  <a:pt x="273050" y="1471451"/>
+                </a:lnTo>
+                <a:lnTo>
+                  <a:pt x="255813" y="1350328"/>
+                </a:lnTo>
+                <a:lnTo>
+                  <a:pt x="237060" y="1227080"/>
+                </a:lnTo>
+                <a:lnTo>
+                  <a:pt x="218488" y="1106065"/>
+                </a:lnTo>
+                <a:lnTo>
+                  <a:pt x="198221" y="982940"/>
+                </a:lnTo>
+                <a:lnTo>
+                  <a:pt x="177152" y="858755"/>
+                </a:lnTo>
+                <a:lnTo>
+                  <a:pt x="155551" y="736861"/>
+                </a:lnTo>
+                <a:lnTo>
+                  <a:pt x="131782" y="613645"/>
+                </a:lnTo>
+                <a:lnTo>
+                  <a:pt x="107123" y="490500"/>
+                </a:lnTo>
+                <a:lnTo>
+                  <a:pt x="82552" y="367348"/>
+                </a:lnTo>
+                <a:lnTo>
+                  <a:pt x="55608" y="244762"/>
+                </a:lnTo>
+                <a:lnTo>
+                  <a:pt x="28130" y="122220"/>
+                </a:lnTo>
+                <a:lnTo>
+                  <a:pt x="0" y="0"/>
+                </a:lnTo>
+                <a:close/>
+              </a:path>
+            </a:pathLst>
+          </a:custGeom>
+          <a:solidFill>
+            <a:schemeClr val="bg1">
+              <a:alpha val="20000"/>
+            </a:schemeClr>
+          </a:solidFill>
+          <a:ln>
+            <a:noFill/>
+          </a:ln>
+        </p:spPr>
+        <p:txBody>
+          <a:bodyPr rtlCol="0" anchor="ctr"/>
+          <a:lstStyle/>
+          <a:p>
+            <a:pPr algn="ctr"/>
+            <a:endParaRPr lang="en-US"/>
+          </a:p>
+        </p:txBody>
+      </p:sp>
+      <p:sp useBgFill="1">
+        <p:nvSpPr>
+          <p:cNvPr id="101" name="Freeform: Shape 94">
+            <a:extLst>
+              <a:ext uri="{FF2B5EF4-FFF2-40B4-BE49-F238E27FC236}">
+                <a16:creationId xmlns:a16="http://schemas.microsoft.com/office/drawing/2014/main" id="{70151CB7-E7DE-4917-B831-01DF9CE01306}"/>
+              </a:ext>
+              <a:ext uri="{C183D7F6-B498-43B3-948B-1728B52AA6E4}">
+                <adec:decorative xmlns:adec="http://schemas.microsoft.com/office/drawing/2017/decorative" val="1"/>
+              </a:ext>
+            </a:extLst>
+          </p:cNvPr>
+          <p:cNvSpPr>
+            <a:spLocks noGrp="1" noRot="1" noChangeAspect="1" noMove="1" noResize="1" noEditPoints="1" noAdjustHandles="1" noChangeArrowheads="1" noChangeShapeType="1" noTextEdit="1"/>
+          </p:cNvSpPr>
+          <p:nvPr>
+            <p:extLst>
+              <p:ext uri="{386F3935-93C4-4BCD-93E2-E3B085C9AB24}">
+                <p16:designElem xmlns:p16="http://schemas.microsoft.com/office/powerpoint/2015/main" val="1"/>
+              </p:ext>
+            </p:extLst>
+          </p:nvPr>
+        </p:nvSpPr>
+        <p:spPr bwMode="gray">
+          <a:xfrm rot="16200000">
+            <a:off x="5270819" y="-63600"/>
+            <a:ext cx="6858001" cy="6985200"/>
+          </a:xfrm>
+          <a:custGeom>
+            <a:avLst/>
+            <a:gdLst>
+              <a:gd name="connsiteX0" fmla="*/ 6858001 w 6858001"/>
+              <a:gd name="connsiteY0" fmla="*/ 1177 h 6985200"/>
+              <a:gd name="connsiteX1" fmla="*/ 6858001 w 6858001"/>
+              <a:gd name="connsiteY1" fmla="*/ 1344715 h 6985200"/>
+              <a:gd name="connsiteX2" fmla="*/ 6858000 w 6858001"/>
+              <a:gd name="connsiteY2" fmla="*/ 1344715 h 6985200"/>
+              <a:gd name="connsiteX3" fmla="*/ 6858000 w 6858001"/>
+              <a:gd name="connsiteY3" fmla="*/ 6985200 h 6985200"/>
+              <a:gd name="connsiteX4" fmla="*/ 0 w 6858001"/>
+              <a:gd name="connsiteY4" fmla="*/ 6985199 h 6985200"/>
+              <a:gd name="connsiteX5" fmla="*/ 0 w 6858001"/>
+              <a:gd name="connsiteY5" fmla="*/ 886772 h 6985200"/>
+              <a:gd name="connsiteX6" fmla="*/ 1 w 6858001"/>
+              <a:gd name="connsiteY6" fmla="*/ 886772 h 6985200"/>
+              <a:gd name="connsiteX7" fmla="*/ 1 w 6858001"/>
+              <a:gd name="connsiteY7" fmla="*/ 0 h 6985200"/>
+              <a:gd name="connsiteX8" fmla="*/ 40463 w 6858001"/>
+              <a:gd name="connsiteY8" fmla="*/ 5883 h 6985200"/>
+              <a:gd name="connsiteX9" fmla="*/ 159107 w 6858001"/>
+              <a:gd name="connsiteY9" fmla="*/ 23196 h 6985200"/>
+              <a:gd name="connsiteX10" fmla="*/ 245518 w 6858001"/>
+              <a:gd name="connsiteY10" fmla="*/ 35299 h 6985200"/>
+              <a:gd name="connsiteX11" fmla="*/ 348388 w 6858001"/>
+              <a:gd name="connsiteY11" fmla="*/ 48073 h 6985200"/>
+              <a:gd name="connsiteX12" fmla="*/ 470460 w 6858001"/>
+              <a:gd name="connsiteY12" fmla="*/ 63369 h 6985200"/>
+              <a:gd name="connsiteX13" fmla="*/ 605563 w 6858001"/>
+              <a:gd name="connsiteY13" fmla="*/ 79506 h 6985200"/>
+              <a:gd name="connsiteX14" fmla="*/ 757810 w 6858001"/>
+              <a:gd name="connsiteY14" fmla="*/ 96483 h 6985200"/>
+              <a:gd name="connsiteX15" fmla="*/ 923774 w 6858001"/>
+              <a:gd name="connsiteY15" fmla="*/ 114469 h 6985200"/>
+              <a:gd name="connsiteX16" fmla="*/ 1104139 w 6858001"/>
+              <a:gd name="connsiteY16" fmla="*/ 132454 h 6985200"/>
+              <a:gd name="connsiteX17" fmla="*/ 1296163 w 6858001"/>
+              <a:gd name="connsiteY17" fmla="*/ 150776 h 6985200"/>
+              <a:gd name="connsiteX18" fmla="*/ 1503275 w 6858001"/>
+              <a:gd name="connsiteY18" fmla="*/ 167753 h 6985200"/>
+              <a:gd name="connsiteX19" fmla="*/ 1719988 w 6858001"/>
+              <a:gd name="connsiteY19" fmla="*/ 184058 h 6985200"/>
+              <a:gd name="connsiteX20" fmla="*/ 1949045 w 6858001"/>
+              <a:gd name="connsiteY20" fmla="*/ 198849 h 6985200"/>
+              <a:gd name="connsiteX21" fmla="*/ 2187703 w 6858001"/>
+              <a:gd name="connsiteY21" fmla="*/ 212969 h 6985200"/>
+              <a:gd name="connsiteX22" fmla="*/ 2436649 w 6858001"/>
+              <a:gd name="connsiteY22" fmla="*/ 226248 h 6985200"/>
+              <a:gd name="connsiteX23" fmla="*/ 2564208 w 6858001"/>
+              <a:gd name="connsiteY23" fmla="*/ 230955 h 6985200"/>
+              <a:gd name="connsiteX24" fmla="*/ 2694509 w 6858001"/>
+              <a:gd name="connsiteY24" fmla="*/ 236165 h 6985200"/>
+              <a:gd name="connsiteX25" fmla="*/ 2826869 w 6858001"/>
+              <a:gd name="connsiteY25" fmla="*/ 241040 h 6985200"/>
+              <a:gd name="connsiteX26" fmla="*/ 2959914 w 6858001"/>
+              <a:gd name="connsiteY26" fmla="*/ 244234 h 6985200"/>
+              <a:gd name="connsiteX27" fmla="*/ 3095702 w 6858001"/>
+              <a:gd name="connsiteY27" fmla="*/ 247091 h 6985200"/>
+              <a:gd name="connsiteX28" fmla="*/ 3232862 w 6858001"/>
+              <a:gd name="connsiteY28" fmla="*/ 250117 h 6985200"/>
+              <a:gd name="connsiteX29" fmla="*/ 3372766 w 6858001"/>
+              <a:gd name="connsiteY29" fmla="*/ 252134 h 6985200"/>
+              <a:gd name="connsiteX30" fmla="*/ 3514040 w 6858001"/>
+              <a:gd name="connsiteY30" fmla="*/ 252134 h 6985200"/>
+              <a:gd name="connsiteX31" fmla="*/ 3656686 w 6858001"/>
+              <a:gd name="connsiteY31" fmla="*/ 253142 h 6985200"/>
+              <a:gd name="connsiteX32" fmla="*/ 3800705 w 6858001"/>
+              <a:gd name="connsiteY32" fmla="*/ 252134 h 6985200"/>
+              <a:gd name="connsiteX33" fmla="*/ 3946780 w 6858001"/>
+              <a:gd name="connsiteY33" fmla="*/ 250117 h 6985200"/>
+              <a:gd name="connsiteX34" fmla="*/ 4092856 w 6858001"/>
+              <a:gd name="connsiteY34" fmla="*/ 248268 h 6985200"/>
+              <a:gd name="connsiteX35" fmla="*/ 4240988 w 6858001"/>
+              <a:gd name="connsiteY35" fmla="*/ 244234 h 6985200"/>
+              <a:gd name="connsiteX36" fmla="*/ 4390492 w 6858001"/>
+              <a:gd name="connsiteY36" fmla="*/ 240032 h 6985200"/>
+              <a:gd name="connsiteX37" fmla="*/ 4539997 w 6858001"/>
+              <a:gd name="connsiteY37" fmla="*/ 235157 h 6985200"/>
+              <a:gd name="connsiteX38" fmla="*/ 4690873 w 6858001"/>
+              <a:gd name="connsiteY38" fmla="*/ 228266 h 6985200"/>
+              <a:gd name="connsiteX39" fmla="*/ 4843120 w 6858001"/>
+              <a:gd name="connsiteY39" fmla="*/ 220029 h 6985200"/>
+              <a:gd name="connsiteX40" fmla="*/ 4996054 w 6858001"/>
+              <a:gd name="connsiteY40" fmla="*/ 212129 h 6985200"/>
+              <a:gd name="connsiteX41" fmla="*/ 5148987 w 6858001"/>
+              <a:gd name="connsiteY41" fmla="*/ 202044 h 6985200"/>
+              <a:gd name="connsiteX42" fmla="*/ 5303978 w 6858001"/>
+              <a:gd name="connsiteY42" fmla="*/ 189941 h 6985200"/>
+              <a:gd name="connsiteX43" fmla="*/ 5456911 w 6858001"/>
+              <a:gd name="connsiteY43" fmla="*/ 177839 h 6985200"/>
+              <a:gd name="connsiteX44" fmla="*/ 5612588 w 6858001"/>
+              <a:gd name="connsiteY44" fmla="*/ 163887 h 6985200"/>
+              <a:gd name="connsiteX45" fmla="*/ 5768950 w 6858001"/>
+              <a:gd name="connsiteY45" fmla="*/ 148591 h 6985200"/>
+              <a:gd name="connsiteX46" fmla="*/ 5923255 w 6858001"/>
+              <a:gd name="connsiteY46" fmla="*/ 132455 h 6985200"/>
+              <a:gd name="connsiteX47" fmla="*/ 6079618 w 6858001"/>
+              <a:gd name="connsiteY47" fmla="*/ 113629 h 6985200"/>
+              <a:gd name="connsiteX48" fmla="*/ 6235294 w 6858001"/>
+              <a:gd name="connsiteY48" fmla="*/ 93458 h 6985200"/>
+              <a:gd name="connsiteX49" fmla="*/ 6391657 w 6858001"/>
+              <a:gd name="connsiteY49" fmla="*/ 73455 h 6985200"/>
+              <a:gd name="connsiteX50" fmla="*/ 6547333 w 6858001"/>
+              <a:gd name="connsiteY50" fmla="*/ 50091 h 6985200"/>
+              <a:gd name="connsiteX51" fmla="*/ 6702324 w 6858001"/>
+              <a:gd name="connsiteY51" fmla="*/ 26222 h 6985200"/>
+            </a:gdLst>
+            <a:ahLst/>
+            <a:cxnLst>
+              <a:cxn ang="0">
+                <a:pos x="connsiteX0" y="connsiteY0"/>
+              </a:cxn>
+              <a:cxn ang="0">
+                <a:pos x="connsiteX1" y="connsiteY1"/>
+              </a:cxn>
+              <a:cxn ang="0">
+                <a:pos x="connsiteX2" y="connsiteY2"/>
+              </a:cxn>
+              <a:cxn ang="0">
+                <a:pos x="connsiteX3" y="connsiteY3"/>
+              </a:cxn>
+              <a:cxn ang="0">
+                <a:pos x="connsiteX4" y="connsiteY4"/>
+              </a:cxn>
+              <a:cxn ang="0">
+                <a:pos x="connsiteX5" y="connsiteY5"/>
+              </a:cxn>
+              <a:cxn ang="0">
+                <a:pos x="connsiteX6" y="connsiteY6"/>
+              </a:cxn>
+              <a:cxn ang="0">
+                <a:pos x="connsiteX7" y="connsiteY7"/>
+              </a:cxn>
+              <a:cxn ang="0">
+                <a:pos x="connsiteX8" y="connsiteY8"/>
+              </a:cxn>
+              <a:cxn ang="0">
+                <a:pos x="connsiteX9" y="connsiteY9"/>
+              </a:cxn>
+              <a:cxn ang="0">
+                <a:pos x="connsiteX10" y="connsiteY10"/>
+              </a:cxn>
+              <a:cxn ang="0">
+                <a:pos x="connsiteX11" y="connsiteY11"/>
+              </a:cxn>
+              <a:cxn ang="0">
+                <a:pos x="connsiteX12" y="connsiteY12"/>
+              </a:cxn>
+              <a:cxn ang="0">
+                <a:pos x="connsiteX13" y="connsiteY13"/>
+              </a:cxn>
+              <a:cxn ang="0">
+                <a:pos x="connsiteX14" y="connsiteY14"/>
+              </a:cxn>
+              <a:cxn ang="0">
+                <a:pos x="connsiteX15" y="connsiteY15"/>
+              </a:cxn>
+              <a:cxn ang="0">
+                <a:pos x="connsiteX16" y="connsiteY16"/>
+              </a:cxn>
+              <a:cxn ang="0">
+                <a:pos x="connsiteX17" y="connsiteY17"/>
+              </a:cxn>
+              <a:cxn ang="0">
+                <a:pos x="connsiteX18" y="connsiteY18"/>
+              </a:cxn>
+              <a:cxn ang="0">
+                <a:pos x="connsiteX19" y="connsiteY19"/>
+              </a:cxn>
+              <a:cxn ang="0">
+                <a:pos x="connsiteX20" y="connsiteY20"/>
+              </a:cxn>
+              <a:cxn ang="0">
+                <a:pos x="connsiteX21" y="connsiteY21"/>
+              </a:cxn>
+              <a:cxn ang="0">
+                <a:pos x="connsiteX22" y="connsiteY22"/>
+              </a:cxn>
+              <a:cxn ang="0">
+                <a:pos x="connsiteX23" y="connsiteY23"/>
+              </a:cxn>
+              <a:cxn ang="0">
+                <a:pos x="connsiteX24" y="connsiteY24"/>
+              </a:cxn>
+              <a:cxn ang="0">
+                <a:pos x="connsiteX25" y="connsiteY25"/>
+              </a:cxn>
+              <a:cxn ang="0">
+                <a:pos x="connsiteX26" y="connsiteY26"/>
+              </a:cxn>
+              <a:cxn ang="0">
+                <a:pos x="connsiteX27" y="connsiteY27"/>
+              </a:cxn>
+              <a:cxn ang="0">
+                <a:pos x="connsiteX28" y="connsiteY28"/>
+              </a:cxn>
+              <a:cxn ang="0">
+                <a:pos x="connsiteX29" y="connsiteY29"/>
+              </a:cxn>
+              <a:cxn ang="0">
+                <a:pos x="connsiteX30" y="connsiteY30"/>
+              </a:cxn>
+              <a:cxn ang="0">
+                <a:pos x="connsiteX31" y="connsiteY31"/>
+              </a:cxn>
+              <a:cxn ang="0">
+                <a:pos x="connsiteX32" y="connsiteY32"/>
+              </a:cxn>
+              <a:cxn ang="0">
+                <a:pos x="connsiteX33" y="connsiteY33"/>
+              </a:cxn>
+              <a:cxn ang="0">
+                <a:pos x="connsiteX34" y="connsiteY34"/>
+              </a:cxn>
+              <a:cxn ang="0">
+                <a:pos x="connsiteX35" y="connsiteY35"/>
+              </a:cxn>
+              <a:cxn ang="0">
+                <a:pos x="connsiteX36" y="connsiteY36"/>
+              </a:cxn>
+              <a:cxn ang="0">
+                <a:pos x="connsiteX37" y="connsiteY37"/>
+              </a:cxn>
+              <a:cxn ang="0">
+                <a:pos x="connsiteX38" y="connsiteY38"/>
+              </a:cxn>
+              <a:cxn ang="0">
+                <a:pos x="connsiteX39" y="connsiteY39"/>
+              </a:cxn>
+              <a:cxn ang="0">
+                <a:pos x="connsiteX40" y="connsiteY40"/>
+              </a:cxn>
+              <a:cxn ang="0">
+                <a:pos x="connsiteX41" y="connsiteY41"/>
+              </a:cxn>
+              <a:cxn ang="0">
+                <a:pos x="connsiteX42" y="connsiteY42"/>
+              </a:cxn>
+              <a:cxn ang="0">
+                <a:pos x="connsiteX43" y="connsiteY43"/>
+              </a:cxn>
+              <a:cxn ang="0">
+                <a:pos x="connsiteX44" y="connsiteY44"/>
+              </a:cxn>
+              <a:cxn ang="0">
+                <a:pos x="connsiteX45" y="connsiteY45"/>
+              </a:cxn>
+              <a:cxn ang="0">
+                <a:pos x="connsiteX46" y="connsiteY46"/>
+              </a:cxn>
+              <a:cxn ang="0">
+                <a:pos x="connsiteX47" y="connsiteY47"/>
+              </a:cxn>
+              <a:cxn ang="0">
+                <a:pos x="connsiteX48" y="connsiteY48"/>
+              </a:cxn>
+              <a:cxn ang="0">
+                <a:pos x="connsiteX49" y="connsiteY49"/>
+              </a:cxn>
+              <a:cxn ang="0">
+                <a:pos x="connsiteX50" y="connsiteY50"/>
+              </a:cxn>
+              <a:cxn ang="0">
+                <a:pos x="connsiteX51" y="connsiteY51"/>
+              </a:cxn>
+            </a:cxnLst>
+            <a:rect l="l" t="t" r="r" b="b"/>
+            <a:pathLst>
+              <a:path w="6858001" h="6985200">
+                <a:moveTo>
+                  <a:pt x="6858001" y="1177"/>
+                </a:moveTo>
+                <a:lnTo>
+                  <a:pt x="6858001" y="1344715"/>
+                </a:lnTo>
+                <a:lnTo>
+                  <a:pt x="6858000" y="1344715"/>
+                </a:lnTo>
+                <a:lnTo>
+                  <a:pt x="6858000" y="6985200"/>
+                </a:lnTo>
+                <a:lnTo>
+                  <a:pt x="0" y="6985199"/>
+                </a:lnTo>
+                <a:lnTo>
+                  <a:pt x="0" y="886772"/>
+                </a:lnTo>
+                <a:lnTo>
+                  <a:pt x="1" y="886772"/>
+                </a:lnTo>
+                <a:lnTo>
+                  <a:pt x="1" y="0"/>
+                </a:lnTo>
+                <a:lnTo>
+                  <a:pt x="40463" y="5883"/>
+                </a:lnTo>
+                <a:lnTo>
+                  <a:pt x="159107" y="23196"/>
+                </a:lnTo>
+                <a:lnTo>
+                  <a:pt x="245518" y="35299"/>
+                </a:lnTo>
+                <a:lnTo>
+                  <a:pt x="348388" y="48073"/>
+                </a:lnTo>
+                <a:lnTo>
+                  <a:pt x="470460" y="63369"/>
+                </a:lnTo>
+                <a:lnTo>
+                  <a:pt x="605563" y="79506"/>
+                </a:lnTo>
+                <a:lnTo>
+                  <a:pt x="757810" y="96483"/>
+                </a:lnTo>
+                <a:lnTo>
+                  <a:pt x="923774" y="114469"/>
+                </a:lnTo>
+                <a:lnTo>
+                  <a:pt x="1104139" y="132454"/>
+                </a:lnTo>
+                <a:lnTo>
+                  <a:pt x="1296163" y="150776"/>
+                </a:lnTo>
+                <a:lnTo>
+                  <a:pt x="1503275" y="167753"/>
+                </a:lnTo>
+                <a:lnTo>
+                  <a:pt x="1719988" y="184058"/>
+                </a:lnTo>
+                <a:lnTo>
+                  <a:pt x="1949045" y="198849"/>
+                </a:lnTo>
+                <a:lnTo>
+                  <a:pt x="2187703" y="212969"/>
+                </a:lnTo>
+                <a:lnTo>
+                  <a:pt x="2436649" y="226248"/>
+                </a:lnTo>
+                <a:lnTo>
+                  <a:pt x="2564208" y="230955"/>
+                </a:lnTo>
+                <a:lnTo>
+                  <a:pt x="2694509" y="236165"/>
+                </a:lnTo>
+                <a:lnTo>
+                  <a:pt x="2826869" y="241040"/>
+                </a:lnTo>
+                <a:lnTo>
+                  <a:pt x="2959914" y="244234"/>
+                </a:lnTo>
+                <a:lnTo>
+                  <a:pt x="3095702" y="247091"/>
+                </a:lnTo>
+                <a:lnTo>
+                  <a:pt x="3232862" y="250117"/>
+                </a:lnTo>
+                <a:lnTo>
+                  <a:pt x="3372766" y="252134"/>
+                </a:lnTo>
+                <a:lnTo>
+                  <a:pt x="3514040" y="252134"/>
+                </a:lnTo>
+                <a:lnTo>
+                  <a:pt x="3656686" y="253142"/>
+                </a:lnTo>
+                <a:lnTo>
+                  <a:pt x="3800705" y="252134"/>
+                </a:lnTo>
+                <a:lnTo>
+                  <a:pt x="3946780" y="250117"/>
+                </a:lnTo>
+                <a:lnTo>
+                  <a:pt x="4092856" y="248268"/>
+                </a:lnTo>
+                <a:lnTo>
+                  <a:pt x="4240988" y="244234"/>
+                </a:lnTo>
+                <a:lnTo>
+                  <a:pt x="4390492" y="240032"/>
+                </a:lnTo>
+                <a:lnTo>
+                  <a:pt x="4539997" y="235157"/>
+                </a:lnTo>
+                <a:lnTo>
+                  <a:pt x="4690873" y="228266"/>
+                </a:lnTo>
+                <a:lnTo>
+                  <a:pt x="4843120" y="220029"/>
+                </a:lnTo>
+                <a:lnTo>
+                  <a:pt x="4996054" y="212129"/>
+                </a:lnTo>
+                <a:lnTo>
+                  <a:pt x="5148987" y="202044"/>
+                </a:lnTo>
+                <a:lnTo>
+                  <a:pt x="5303978" y="189941"/>
+                </a:lnTo>
+                <a:lnTo>
+                  <a:pt x="5456911" y="177839"/>
+                </a:lnTo>
+                <a:lnTo>
+                  <a:pt x="5612588" y="163887"/>
+                </a:lnTo>
+                <a:lnTo>
+                  <a:pt x="5768950" y="148591"/>
+                </a:lnTo>
+                <a:lnTo>
+                  <a:pt x="5923255" y="132455"/>
+                </a:lnTo>
+                <a:lnTo>
+                  <a:pt x="6079618" y="113629"/>
+                </a:lnTo>
+                <a:lnTo>
+                  <a:pt x="6235294" y="93458"/>
+                </a:lnTo>
+                <a:lnTo>
+                  <a:pt x="6391657" y="73455"/>
+                </a:lnTo>
+                <a:lnTo>
+                  <a:pt x="6547333" y="50091"/>
+                </a:lnTo>
+                <a:lnTo>
+                  <a:pt x="6702324" y="26222"/>
+                </a:lnTo>
+                <a:close/>
+              </a:path>
+            </a:pathLst>
+          </a:custGeom>
+          <a:ln>
+            <a:noFill/>
+          </a:ln>
+        </p:spPr>
+      </p:sp>
+      <p:sp>
+        <p:nvSpPr>
+          <p:cNvPr id="102" name="Rectangle 96">
+            <a:extLst>
+              <a:ext uri="{FF2B5EF4-FFF2-40B4-BE49-F238E27FC236}">
+                <a16:creationId xmlns:a16="http://schemas.microsoft.com/office/drawing/2014/main" id="{A92A1116-1C84-41DF-B803-1F7B0883EC82}"/>
+              </a:ext>
+              <a:ext uri="{C183D7F6-B498-43B3-948B-1728B52AA6E4}">
+                <adec:decorative xmlns:adec="http://schemas.microsoft.com/office/drawing/2017/decorative" val="1"/>
+              </a:ext>
+            </a:extLst>
+          </p:cNvPr>
+          <p:cNvSpPr>
+            <a:spLocks noGrp="1" noRot="1" noChangeAspect="1" noMove="1" noResize="1" noEditPoints="1" noAdjustHandles="1" noChangeArrowheads="1" noChangeShapeType="1" noTextEdit="1"/>
+          </p:cNvSpPr>
+          <p:nvPr>
+            <p:extLst>
+              <p:ext uri="{386F3935-93C4-4BCD-93E2-E3B085C9AB24}">
+                <p16:designElem xmlns:p16="http://schemas.microsoft.com/office/powerpoint/2015/main" val="1"/>
+              </p:ext>
+            </p:extLst>
+          </p:nvPr>
+        </p:nvSpPr>
+        <p:spPr>
+          <a:xfrm>
+            <a:off x="10442448" y="0"/>
+            <a:ext cx="685800" cy="1143000"/>
+          </a:xfrm>
+          <a:prstGeom prst="rect">
+            <a:avLst/>
+          </a:prstGeom>
+          <a:solidFill>
+            <a:schemeClr val="accent1"/>
+          </a:solidFill>
+          <a:ln>
+            <a:noFill/>
+          </a:ln>
+        </p:spPr>
+        <p:style>
+          <a:lnRef idx="1">
+            <a:schemeClr val="accent1"/>
+          </a:lnRef>
+          <a:fillRef idx="3">
+            <a:schemeClr val="accent1"/>
+          </a:fillRef>
+          <a:effectRef idx="2">
+            <a:schemeClr val="accent1"/>
+          </a:effectRef>
+          <a:fontRef idx="minor">
+            <a:schemeClr val="lt1"/>
+          </a:fontRef>
+        </p:style>
+      </p:sp>
+      <p:sp>
+        <p:nvSpPr>
+          <p:cNvPr id="3" name="Content Placeholder 2">
+            <a:extLst>
+              <a:ext uri="{FF2B5EF4-FFF2-40B4-BE49-F238E27FC236}">
+                <a16:creationId xmlns:a16="http://schemas.microsoft.com/office/drawing/2014/main" id="{D657C1C9-79ED-4C1D-BA70-29E2BAF8C6EE}"/>
+              </a:ext>
+            </a:extLst>
+          </p:cNvPr>
+          <p:cNvSpPr>
+            <a:spLocks noGrp="1"/>
+          </p:cNvSpPr>
+          <p:nvPr>
+            <p:ph idx="1"/>
+          </p:nvPr>
+        </p:nvSpPr>
+        <p:spPr>
+          <a:xfrm>
+            <a:off x="361951" y="1971676"/>
+            <a:ext cx="4453490" cy="4252144"/>
+          </a:xfrm>
+        </p:spPr>
+        <p:txBody>
+          <a:bodyPr>
+            <a:normAutofit/>
+          </a:bodyPr>
+          <a:lstStyle/>
+          <a:p>
+            <a:pPr>
+              <a:lnSpc>
+                <a:spcPct val="90000"/>
+              </a:lnSpc>
+            </a:pPr>
             <a:r>
               <a:rPr lang="en-US" sz="1600" dirty="0">
                 <a:solidFill>
                   <a:srgbClr val="EBEBEB"/>
                 </a:solidFill>
               </a:rPr>
-              <a:t>Low variance features identified using </a:t>
+              <a:t>Categorical Group Reduction</a:t>
+            </a:r>
+          </a:p>
+          <a:p>
+            <a:pPr lvl="1">
+              <a:lnSpc>
+                <a:spcPct val="90000"/>
+              </a:lnSpc>
+            </a:pPr>
+            <a:r>
+              <a:rPr lang="en-US" sz="1600" dirty="0">
+                <a:solidFill>
+                  <a:srgbClr val="EBEBEB"/>
+                </a:solidFill>
+              </a:rPr>
+              <a:t>Identified categorical columns with long tail of unique but similar values</a:t>
+            </a:r>
+          </a:p>
+          <a:p>
+            <a:pPr lvl="1">
+              <a:lnSpc>
+                <a:spcPct val="90000"/>
+              </a:lnSpc>
+            </a:pPr>
+            <a:r>
+              <a:rPr lang="en-US" sz="1600" dirty="0">
+                <a:solidFill>
+                  <a:srgbClr val="EBEBEB"/>
+                </a:solidFill>
+              </a:rPr>
+              <a:t>Replaced similar values (‘Middle English’) with superset values (‘English’)</a:t>
+            </a:r>
+          </a:p>
+          <a:p>
+            <a:pPr lvl="1">
+              <a:lnSpc>
+                <a:spcPct val="90000"/>
+              </a:lnSpc>
+            </a:pPr>
+            <a:r>
+              <a:rPr lang="en-US" sz="1600" dirty="0">
+                <a:solidFill>
+                  <a:srgbClr val="EBEBEB"/>
+                </a:solidFill>
+              </a:rPr>
+              <a:t>Column values with &lt; 10 frequency were grouped into ‘Others’</a:t>
+            </a:r>
+          </a:p>
+          <a:p>
+            <a:pPr>
+              <a:lnSpc>
+                <a:spcPct val="90000"/>
+              </a:lnSpc>
+            </a:pPr>
+            <a:r>
+              <a:rPr lang="en-US" sz="1600" dirty="0">
+                <a:solidFill>
+                  <a:srgbClr val="EBEBEB"/>
+                </a:solidFill>
+              </a:rPr>
+              <a:t>15 Categorical Columns encoded using </a:t>
+            </a:r>
+            <a:r>
+              <a:rPr lang="en-US" sz="1600" dirty="0" err="1">
+                <a:solidFill>
+                  <a:srgbClr val="EBEBEB"/>
+                </a:solidFill>
+              </a:rPr>
+              <a:t>LableEncoder</a:t>
+            </a:r>
+            <a:endParaRPr lang="en-US" sz="1600" dirty="0">
+              <a:solidFill>
+                <a:srgbClr val="EBEBEB"/>
+              </a:solidFill>
+            </a:endParaRPr>
+          </a:p>
+          <a:p>
+            <a:pPr>
+              <a:lnSpc>
+                <a:spcPct val="90000"/>
+              </a:lnSpc>
+            </a:pPr>
+            <a:r>
+              <a:rPr lang="en-US" sz="1600" dirty="0">
+                <a:solidFill>
+                  <a:srgbClr val="EBEBEB"/>
+                </a:solidFill>
+              </a:rPr>
+              <a:t>Outliers identified using Tukey’s fences and dropped</a:t>
+            </a:r>
+          </a:p>
+          <a:p>
+            <a:pPr marL="0" indent="0">
+              <a:lnSpc>
+                <a:spcPct val="90000"/>
+              </a:lnSpc>
+              <a:buNone/>
+            </a:pPr>
+            <a:endParaRPr lang="en-US" sz="1300" dirty="0">
+              <a:solidFill>
+                <a:srgbClr val="EBEBEB"/>
+              </a:solidFill>
+            </a:endParaRPr>
+          </a:p>
+        </p:txBody>
+      </p:sp>
+      <p:sp>
+        <p:nvSpPr>
+          <p:cNvPr id="10" name="TextBox 9">
+            <a:extLst>
+              <a:ext uri="{FF2B5EF4-FFF2-40B4-BE49-F238E27FC236}">
+                <a16:creationId xmlns:a16="http://schemas.microsoft.com/office/drawing/2014/main" id="{67E4A02E-EEF9-4882-9AB5-60FAB13C0C4B}"/>
+              </a:ext>
+            </a:extLst>
+          </p:cNvPr>
+          <p:cNvSpPr txBox="1"/>
+          <p:nvPr/>
+        </p:nvSpPr>
+        <p:spPr>
+          <a:xfrm>
+            <a:off x="6431826" y="958335"/>
+            <a:ext cx="4918229" cy="369332"/>
+          </a:xfrm>
+          <a:prstGeom prst="rect">
+            <a:avLst/>
+          </a:prstGeom>
+          <a:noFill/>
+        </p:spPr>
+        <p:txBody>
+          <a:bodyPr wrap="square" rtlCol="0">
+            <a:spAutoFit/>
+          </a:bodyPr>
+          <a:lstStyle/>
+          <a:p>
+            <a:pPr algn="ctr"/>
+            <a:r>
+              <a:rPr lang="en-US" dirty="0">
+                <a:latin typeface="Copperplate Gothic Bold" panose="020E0705020206020404" pitchFamily="34" charset="0"/>
+              </a:rPr>
+              <a:t>Binding Vs Price</a:t>
+            </a:r>
+          </a:p>
+        </p:txBody>
+      </p:sp>
+      <p:pic>
+        <p:nvPicPr>
+          <p:cNvPr id="2050" name="Picture 2">
+            <a:extLst>
+              <a:ext uri="{FF2B5EF4-FFF2-40B4-BE49-F238E27FC236}">
+                <a16:creationId xmlns:a16="http://schemas.microsoft.com/office/drawing/2014/main" id="{6D0183E2-6394-4A74-81C5-3AB18D492FE8}"/>
+              </a:ext>
+            </a:extLst>
+          </p:cNvPr>
+          <p:cNvPicPr>
+            <a:picLocks noChangeAspect="1" noChangeArrowheads="1"/>
+          </p:cNvPicPr>
+          <p:nvPr/>
+        </p:nvPicPr>
+        <p:blipFill>
+          <a:blip r:embed="rId2">
+            <a:extLst>
+              <a:ext uri="{28A0092B-C50C-407E-A947-70E740481C1C}">
+                <a14:useLocalDpi xmlns:a14="http://schemas.microsoft.com/office/drawing/2010/main" val="0"/>
+              </a:ext>
+            </a:extLst>
+          </a:blip>
+          <a:srcRect/>
+          <a:stretch>
+            <a:fillRect/>
+          </a:stretch>
+        </p:blipFill>
+        <p:spPr bwMode="auto">
+          <a:xfrm>
+            <a:off x="5594784" y="2251587"/>
+            <a:ext cx="6246093" cy="3499856"/>
+          </a:xfrm>
+          <a:prstGeom prst="rect">
+            <a:avLst/>
+          </a:prstGeom>
+          <a:noFill/>
+          <a:extLst>
+            <a:ext uri="{909E8E84-426E-40DD-AFC4-6F175D3DCCD1}">
+              <a14:hiddenFill xmlns:a14="http://schemas.microsoft.com/office/drawing/2010/main">
+                <a:solidFill>
+                  <a:srgbClr val="FFFFFF"/>
+                </a:solidFill>
+              </a14:hiddenFill>
+            </a:ext>
+          </a:extLst>
+        </p:spPr>
+      </p:pic>
+    </p:spTree>
+    <p:extLst>
+      <p:ext uri="{BB962C8B-B14F-4D97-AF65-F5344CB8AC3E}">
+        <p14:creationId xmlns:p14="http://schemas.microsoft.com/office/powerpoint/2010/main" val="1328999891"/>
+      </p:ext>
+    </p:extLst>
+  </p:cSld>
+  <p:clrMapOvr>
+    <a:overrideClrMapping bg1="lt1" tx1="dk1" bg2="lt2" tx2="dk2" accent1="accent1" accent2="accent2" accent3="accent3" accent4="accent4" accent5="accent5" accent6="accent6" hlink="hlink" folHlink="folHlink"/>
+  </p:clrMapOvr>
+</p:sld>
+</file>
+
+<file path=ppt/slides/slide13.xml><?xml version="1.0" encoding="utf-8"?>
+<p:sld xmlns:a="http://schemas.openxmlformats.org/drawingml/2006/main" xmlns:r="http://schemas.openxmlformats.org/officeDocument/2006/relationships" xmlns:p="http://schemas.openxmlformats.org/presentationml/2006/main">
+  <p:cSld>
+    <p:bg>
+      <p:bgPr>
+        <a:solidFill>
+          <a:schemeClr val="bg1"/>
+        </a:solidFill>
+        <a:effectLst/>
+      </p:bgPr>
+    </p:bg>
+    <p:spTree>
+      <p:nvGrpSpPr>
+        <p:cNvPr id="1" name=""/>
+        <p:cNvGrpSpPr/>
+        <p:nvPr/>
+      </p:nvGrpSpPr>
+      <p:grpSpPr>
+        <a:xfrm>
+          <a:off x="0" y="0"/>
+          <a:ext cx="0" cy="0"/>
+          <a:chOff x="0" y="0"/>
+          <a:chExt cx="0" cy="0"/>
+        </a:xfrm>
+      </p:grpSpPr>
+      <p:sp>
+        <p:nvSpPr>
+          <p:cNvPr id="99" name="Rectangle 90">
+            <a:extLst>
+              <a:ext uri="{FF2B5EF4-FFF2-40B4-BE49-F238E27FC236}">
+                <a16:creationId xmlns:a16="http://schemas.microsoft.com/office/drawing/2014/main" id="{B4AAD3FD-83A5-4B89-9F8F-01B8870865BE}"/>
+              </a:ext>
+              <a:ext uri="{C183D7F6-B498-43B3-948B-1728B52AA6E4}">
+                <adec:decorative xmlns:adec="http://schemas.microsoft.com/office/drawing/2017/decorative" val="1"/>
+              </a:ext>
+            </a:extLst>
+          </p:cNvPr>
+          <p:cNvSpPr>
+            <a:spLocks noGrp="1" noRot="1" noChangeAspect="1" noMove="1" noResize="1" noEditPoints="1" noAdjustHandles="1" noChangeArrowheads="1" noChangeShapeType="1" noTextEdit="1"/>
+          </p:cNvSpPr>
+          <p:nvPr>
+            <p:extLst>
+              <p:ext uri="{386F3935-93C4-4BCD-93E2-E3B085C9AB24}">
+                <p16:designElem xmlns:p16="http://schemas.microsoft.com/office/powerpoint/2015/main" val="1"/>
+              </p:ext>
+            </p:extLst>
+          </p:nvPr>
+        </p:nvSpPr>
+        <p:spPr>
+          <a:xfrm>
+            <a:off x="0" y="0"/>
+            <a:ext cx="12192000" cy="6858000"/>
+          </a:xfrm>
+          <a:prstGeom prst="rect">
+            <a:avLst/>
+          </a:prstGeom>
+          <a:ln>
+            <a:noFill/>
+          </a:ln>
+        </p:spPr>
+        <p:style>
+          <a:lnRef idx="2">
+            <a:schemeClr val="accent1">
+              <a:shade val="50000"/>
+            </a:schemeClr>
+          </a:lnRef>
+          <a:fillRef idx="1003">
+            <a:schemeClr val="dk2"/>
+          </a:fillRef>
+          <a:effectRef idx="0">
+            <a:schemeClr val="accent1"/>
+          </a:effectRef>
+          <a:fontRef idx="minor">
+            <a:schemeClr val="lt1"/>
+          </a:fontRef>
+        </p:style>
+        <p:txBody>
+          <a:bodyPr rtlCol="0" anchor="ctr"/>
+          <a:lstStyle/>
+          <a:p>
+            <a:pPr algn="ctr"/>
+            <a:endParaRPr lang="en-US"/>
+          </a:p>
+        </p:txBody>
+      </p:sp>
+      <p:sp>
+        <p:nvSpPr>
+          <p:cNvPr id="2" name="Title 1">
+            <a:extLst>
+              <a:ext uri="{FF2B5EF4-FFF2-40B4-BE49-F238E27FC236}">
+                <a16:creationId xmlns:a16="http://schemas.microsoft.com/office/drawing/2014/main" id="{D9E1A7B0-ACE3-4EEA-8C54-BF6732B8DCA0}"/>
+              </a:ext>
+            </a:extLst>
+          </p:cNvPr>
+          <p:cNvSpPr>
+            <a:spLocks noGrp="1"/>
+          </p:cNvSpPr>
+          <p:nvPr>
+            <p:ph type="title"/>
+          </p:nvPr>
+        </p:nvSpPr>
+        <p:spPr>
+          <a:xfrm>
+            <a:off x="648931" y="629266"/>
+            <a:ext cx="4166510" cy="1622321"/>
+          </a:xfrm>
+        </p:spPr>
+        <p:txBody>
+          <a:bodyPr>
+            <a:normAutofit/>
+          </a:bodyPr>
+          <a:lstStyle/>
+          <a:p>
+            <a:r>
+              <a:rPr lang="en-US" sz="4000" dirty="0">
+                <a:solidFill>
+                  <a:srgbClr val="EBEBEB"/>
+                </a:solidFill>
+                <a:latin typeface="Copperplate Gothic Bold" panose="020E0705020206020404" pitchFamily="34" charset="0"/>
+              </a:rPr>
+              <a:t>Exploratory Data Analysis</a:t>
+            </a:r>
+          </a:p>
+        </p:txBody>
+      </p:sp>
+      <p:sp>
+        <p:nvSpPr>
+          <p:cNvPr id="100" name="Freeform 31">
+            <a:extLst>
+              <a:ext uri="{FF2B5EF4-FFF2-40B4-BE49-F238E27FC236}">
+                <a16:creationId xmlns:a16="http://schemas.microsoft.com/office/drawing/2014/main" id="{61752F1D-FC0F-4103-9584-630E643CCDA6}"/>
+              </a:ext>
+              <a:ext uri="{C183D7F6-B498-43B3-948B-1728B52AA6E4}">
+                <adec:decorative xmlns:adec="http://schemas.microsoft.com/office/drawing/2017/decorative" val="1"/>
+              </a:ext>
+            </a:extLst>
+          </p:cNvPr>
+          <p:cNvSpPr>
+            <a:spLocks noGrp="1" noRot="1" noChangeAspect="1" noMove="1" noResize="1" noEditPoints="1" noAdjustHandles="1" noChangeArrowheads="1" noChangeShapeType="1" noTextEdit="1"/>
+          </p:cNvSpPr>
+          <p:nvPr>
+            <p:extLst>
+              <p:ext uri="{386F3935-93C4-4BCD-93E2-E3B085C9AB24}">
+                <p16:designElem xmlns:p16="http://schemas.microsoft.com/office/powerpoint/2015/main" val="1"/>
+              </p:ext>
+            </p:extLst>
+          </p:nvPr>
+        </p:nvSpPr>
+        <p:spPr>
+          <a:xfrm>
+            <a:off x="4994020" y="-1"/>
+            <a:ext cx="559472" cy="3709642"/>
+          </a:xfrm>
+          <a:custGeom>
+            <a:avLst/>
+            <a:gdLst>
+              <a:gd name="connsiteX0" fmla="*/ 0 w 559472"/>
+              <a:gd name="connsiteY0" fmla="*/ 0 h 3709642"/>
+              <a:gd name="connsiteX1" fmla="*/ 473952 w 559472"/>
+              <a:gd name="connsiteY1" fmla="*/ 0 h 3709642"/>
+              <a:gd name="connsiteX2" fmla="*/ 485840 w 559472"/>
+              <a:gd name="connsiteY2" fmla="*/ 161194 h 3709642"/>
+              <a:gd name="connsiteX3" fmla="*/ 523949 w 559472"/>
+              <a:gd name="connsiteY3" fmla="*/ 3672197 h 3709642"/>
+              <a:gd name="connsiteX4" fmla="*/ 454748 w 559472"/>
+              <a:gd name="connsiteY4" fmla="*/ 3709642 h 3709642"/>
+              <a:gd name="connsiteX5" fmla="*/ 448224 w 559472"/>
+              <a:gd name="connsiteY5" fmla="*/ 3510471 h 3709642"/>
+              <a:gd name="connsiteX6" fmla="*/ 443564 w 559472"/>
+              <a:gd name="connsiteY6" fmla="*/ 3408563 h 3709642"/>
+              <a:gd name="connsiteX7" fmla="*/ 438902 w 559472"/>
+              <a:gd name="connsiteY7" fmla="*/ 3304407 h 3709642"/>
+              <a:gd name="connsiteX8" fmla="*/ 433941 w 559472"/>
+              <a:gd name="connsiteY8" fmla="*/ 3198777 h 3709642"/>
+              <a:gd name="connsiteX9" fmla="*/ 427584 w 559472"/>
+              <a:gd name="connsiteY9" fmla="*/ 3092510 h 3709642"/>
+              <a:gd name="connsiteX10" fmla="*/ 420988 w 559472"/>
+              <a:gd name="connsiteY10" fmla="*/ 2984390 h 3709642"/>
+              <a:gd name="connsiteX11" fmla="*/ 414330 w 559472"/>
+              <a:gd name="connsiteY11" fmla="*/ 2874401 h 3709642"/>
+              <a:gd name="connsiteX12" fmla="*/ 406840 w 559472"/>
+              <a:gd name="connsiteY12" fmla="*/ 2762980 h 3709642"/>
+              <a:gd name="connsiteX13" fmla="*/ 397745 w 559472"/>
+              <a:gd name="connsiteY13" fmla="*/ 2650566 h 3709642"/>
+              <a:gd name="connsiteX14" fmla="*/ 389154 w 559472"/>
+              <a:gd name="connsiteY14" fmla="*/ 2536612 h 3709642"/>
+              <a:gd name="connsiteX15" fmla="*/ 379225 w 559472"/>
+              <a:gd name="connsiteY15" fmla="*/ 2421642 h 3709642"/>
+              <a:gd name="connsiteX16" fmla="*/ 368316 w 559472"/>
+              <a:gd name="connsiteY16" fmla="*/ 2305627 h 3709642"/>
+              <a:gd name="connsiteX17" fmla="*/ 357466 w 559472"/>
+              <a:gd name="connsiteY17" fmla="*/ 2189233 h 3709642"/>
+              <a:gd name="connsiteX18" fmla="*/ 344982 w 559472"/>
+              <a:gd name="connsiteY18" fmla="*/ 2071473 h 3709642"/>
+              <a:gd name="connsiteX19" fmla="*/ 332466 w 559472"/>
+              <a:gd name="connsiteY19" fmla="*/ 1952216 h 3709642"/>
+              <a:gd name="connsiteX20" fmla="*/ 319121 w 559472"/>
+              <a:gd name="connsiteY20" fmla="*/ 1833776 h 3709642"/>
+              <a:gd name="connsiteX21" fmla="*/ 304408 w 559472"/>
+              <a:gd name="connsiteY21" fmla="*/ 1713948 h 3709642"/>
+              <a:gd name="connsiteX22" fmla="*/ 288685 w 559472"/>
+              <a:gd name="connsiteY22" fmla="*/ 1592703 h 3709642"/>
+              <a:gd name="connsiteX23" fmla="*/ 273050 w 559472"/>
+              <a:gd name="connsiteY23" fmla="*/ 1471451 h 3709642"/>
+              <a:gd name="connsiteX24" fmla="*/ 255813 w 559472"/>
+              <a:gd name="connsiteY24" fmla="*/ 1350328 h 3709642"/>
+              <a:gd name="connsiteX25" fmla="*/ 237060 w 559472"/>
+              <a:gd name="connsiteY25" fmla="*/ 1227080 h 3709642"/>
+              <a:gd name="connsiteX26" fmla="*/ 218488 w 559472"/>
+              <a:gd name="connsiteY26" fmla="*/ 1106065 h 3709642"/>
+              <a:gd name="connsiteX27" fmla="*/ 198221 w 559472"/>
+              <a:gd name="connsiteY27" fmla="*/ 982940 h 3709642"/>
+              <a:gd name="connsiteX28" fmla="*/ 177152 w 559472"/>
+              <a:gd name="connsiteY28" fmla="*/ 858755 h 3709642"/>
+              <a:gd name="connsiteX29" fmla="*/ 155551 w 559472"/>
+              <a:gd name="connsiteY29" fmla="*/ 736861 h 3709642"/>
+              <a:gd name="connsiteX30" fmla="*/ 131782 w 559472"/>
+              <a:gd name="connsiteY30" fmla="*/ 613645 h 3709642"/>
+              <a:gd name="connsiteX31" fmla="*/ 107123 w 559472"/>
+              <a:gd name="connsiteY31" fmla="*/ 490500 h 3709642"/>
+              <a:gd name="connsiteX32" fmla="*/ 82552 w 559472"/>
+              <a:gd name="connsiteY32" fmla="*/ 367348 h 3709642"/>
+              <a:gd name="connsiteX33" fmla="*/ 55608 w 559472"/>
+              <a:gd name="connsiteY33" fmla="*/ 244762 h 3709642"/>
+              <a:gd name="connsiteX34" fmla="*/ 28130 w 559472"/>
+              <a:gd name="connsiteY34" fmla="*/ 122220 h 3709642"/>
+              <a:gd name="connsiteX35" fmla="*/ 0 w 559472"/>
+              <a:gd name="connsiteY35" fmla="*/ 0 h 3709642"/>
+            </a:gdLst>
+            <a:ahLst/>
+            <a:cxnLst>
+              <a:cxn ang="0">
+                <a:pos x="connsiteX0" y="connsiteY0"/>
+              </a:cxn>
+              <a:cxn ang="0">
+                <a:pos x="connsiteX1" y="connsiteY1"/>
+              </a:cxn>
+              <a:cxn ang="0">
+                <a:pos x="connsiteX2" y="connsiteY2"/>
+              </a:cxn>
+              <a:cxn ang="0">
+                <a:pos x="connsiteX3" y="connsiteY3"/>
+              </a:cxn>
+              <a:cxn ang="0">
+                <a:pos x="connsiteX4" y="connsiteY4"/>
+              </a:cxn>
+              <a:cxn ang="0">
+                <a:pos x="connsiteX5" y="connsiteY5"/>
+              </a:cxn>
+              <a:cxn ang="0">
+                <a:pos x="connsiteX6" y="connsiteY6"/>
+              </a:cxn>
+              <a:cxn ang="0">
+                <a:pos x="connsiteX7" y="connsiteY7"/>
+              </a:cxn>
+              <a:cxn ang="0">
+                <a:pos x="connsiteX8" y="connsiteY8"/>
+              </a:cxn>
+              <a:cxn ang="0">
+                <a:pos x="connsiteX9" y="connsiteY9"/>
+              </a:cxn>
+              <a:cxn ang="0">
+                <a:pos x="connsiteX10" y="connsiteY10"/>
+              </a:cxn>
+              <a:cxn ang="0">
+                <a:pos x="connsiteX11" y="connsiteY11"/>
+              </a:cxn>
+              <a:cxn ang="0">
+                <a:pos x="connsiteX12" y="connsiteY12"/>
+              </a:cxn>
+              <a:cxn ang="0">
+                <a:pos x="connsiteX13" y="connsiteY13"/>
+              </a:cxn>
+              <a:cxn ang="0">
+                <a:pos x="connsiteX14" y="connsiteY14"/>
+              </a:cxn>
+              <a:cxn ang="0">
+                <a:pos x="connsiteX15" y="connsiteY15"/>
+              </a:cxn>
+              <a:cxn ang="0">
+                <a:pos x="connsiteX16" y="connsiteY16"/>
+              </a:cxn>
+              <a:cxn ang="0">
+                <a:pos x="connsiteX17" y="connsiteY17"/>
+              </a:cxn>
+              <a:cxn ang="0">
+                <a:pos x="connsiteX18" y="connsiteY18"/>
+              </a:cxn>
+              <a:cxn ang="0">
+                <a:pos x="connsiteX19" y="connsiteY19"/>
+              </a:cxn>
+              <a:cxn ang="0">
+                <a:pos x="connsiteX20" y="connsiteY20"/>
+              </a:cxn>
+              <a:cxn ang="0">
+                <a:pos x="connsiteX21" y="connsiteY21"/>
+              </a:cxn>
+              <a:cxn ang="0">
+                <a:pos x="connsiteX22" y="connsiteY22"/>
+              </a:cxn>
+              <a:cxn ang="0">
+                <a:pos x="connsiteX23" y="connsiteY23"/>
+              </a:cxn>
+              <a:cxn ang="0">
+                <a:pos x="connsiteX24" y="connsiteY24"/>
+              </a:cxn>
+              <a:cxn ang="0">
+                <a:pos x="connsiteX25" y="connsiteY25"/>
+              </a:cxn>
+              <a:cxn ang="0">
+                <a:pos x="connsiteX26" y="connsiteY26"/>
+              </a:cxn>
+              <a:cxn ang="0">
+                <a:pos x="connsiteX27" y="connsiteY27"/>
+              </a:cxn>
+              <a:cxn ang="0">
+                <a:pos x="connsiteX28" y="connsiteY28"/>
+              </a:cxn>
+              <a:cxn ang="0">
+                <a:pos x="connsiteX29" y="connsiteY29"/>
+              </a:cxn>
+              <a:cxn ang="0">
+                <a:pos x="connsiteX30" y="connsiteY30"/>
+              </a:cxn>
+              <a:cxn ang="0">
+                <a:pos x="connsiteX31" y="connsiteY31"/>
+              </a:cxn>
+              <a:cxn ang="0">
+                <a:pos x="connsiteX32" y="connsiteY32"/>
+              </a:cxn>
+              <a:cxn ang="0">
+                <a:pos x="connsiteX33" y="connsiteY33"/>
+              </a:cxn>
+              <a:cxn ang="0">
+                <a:pos x="connsiteX34" y="connsiteY34"/>
+              </a:cxn>
+              <a:cxn ang="0">
+                <a:pos x="connsiteX35" y="connsiteY35"/>
+              </a:cxn>
+            </a:cxnLst>
+            <a:rect l="l" t="t" r="r" b="b"/>
+            <a:pathLst>
+              <a:path w="559472" h="3709642">
+                <a:moveTo>
+                  <a:pt x="0" y="0"/>
+                </a:moveTo>
+                <a:lnTo>
+                  <a:pt x="473952" y="0"/>
+                </a:lnTo>
+                <a:lnTo>
+                  <a:pt x="485840" y="161194"/>
+                </a:lnTo>
+                <a:cubicBezTo>
+                  <a:pt x="552063" y="1147770"/>
+                  <a:pt x="592441" y="3086737"/>
+                  <a:pt x="523949" y="3672197"/>
+                </a:cubicBezTo>
+                <a:cubicBezTo>
+                  <a:pt x="500842" y="3684557"/>
+                  <a:pt x="477855" y="3697282"/>
+                  <a:pt x="454748" y="3709642"/>
+                </a:cubicBezTo>
+                <a:lnTo>
+                  <a:pt x="448224" y="3510471"/>
+                </a:lnTo>
+                <a:lnTo>
+                  <a:pt x="443564" y="3408563"/>
+                </a:lnTo>
+                <a:lnTo>
+                  <a:pt x="438902" y="3304407"/>
+                </a:lnTo>
+                <a:lnTo>
+                  <a:pt x="433941" y="3198777"/>
+                </a:lnTo>
+                <a:lnTo>
+                  <a:pt x="427584" y="3092510"/>
+                </a:lnTo>
+                <a:lnTo>
+                  <a:pt x="420988" y="2984390"/>
+                </a:lnTo>
+                <a:lnTo>
+                  <a:pt x="414330" y="2874401"/>
+                </a:lnTo>
+                <a:lnTo>
+                  <a:pt x="406840" y="2762980"/>
+                </a:lnTo>
+                <a:lnTo>
+                  <a:pt x="397745" y="2650566"/>
+                </a:lnTo>
+                <a:lnTo>
+                  <a:pt x="389154" y="2536612"/>
+                </a:lnTo>
+                <a:lnTo>
+                  <a:pt x="379225" y="2421642"/>
+                </a:lnTo>
+                <a:lnTo>
+                  <a:pt x="368316" y="2305627"/>
+                </a:lnTo>
+                <a:lnTo>
+                  <a:pt x="357466" y="2189233"/>
+                </a:lnTo>
+                <a:lnTo>
+                  <a:pt x="344982" y="2071473"/>
+                </a:lnTo>
+                <a:lnTo>
+                  <a:pt x="332466" y="1952216"/>
+                </a:lnTo>
+                <a:lnTo>
+                  <a:pt x="319121" y="1833776"/>
+                </a:lnTo>
+                <a:lnTo>
+                  <a:pt x="304408" y="1713948"/>
+                </a:lnTo>
+                <a:lnTo>
+                  <a:pt x="288685" y="1592703"/>
+                </a:lnTo>
+                <a:lnTo>
+                  <a:pt x="273050" y="1471451"/>
+                </a:lnTo>
+                <a:lnTo>
+                  <a:pt x="255813" y="1350328"/>
+                </a:lnTo>
+                <a:lnTo>
+                  <a:pt x="237060" y="1227080"/>
+                </a:lnTo>
+                <a:lnTo>
+                  <a:pt x="218488" y="1106065"/>
+                </a:lnTo>
+                <a:lnTo>
+                  <a:pt x="198221" y="982940"/>
+                </a:lnTo>
+                <a:lnTo>
+                  <a:pt x="177152" y="858755"/>
+                </a:lnTo>
+                <a:lnTo>
+                  <a:pt x="155551" y="736861"/>
+                </a:lnTo>
+                <a:lnTo>
+                  <a:pt x="131782" y="613645"/>
+                </a:lnTo>
+                <a:lnTo>
+                  <a:pt x="107123" y="490500"/>
+                </a:lnTo>
+                <a:lnTo>
+                  <a:pt x="82552" y="367348"/>
+                </a:lnTo>
+                <a:lnTo>
+                  <a:pt x="55608" y="244762"/>
+                </a:lnTo>
+                <a:lnTo>
+                  <a:pt x="28130" y="122220"/>
+                </a:lnTo>
+                <a:lnTo>
+                  <a:pt x="0" y="0"/>
+                </a:lnTo>
+                <a:close/>
+              </a:path>
+            </a:pathLst>
+          </a:custGeom>
+          <a:solidFill>
+            <a:schemeClr val="bg1">
+              <a:alpha val="20000"/>
+            </a:schemeClr>
+          </a:solidFill>
+          <a:ln>
+            <a:noFill/>
+          </a:ln>
+        </p:spPr>
+        <p:txBody>
+          <a:bodyPr rtlCol="0" anchor="ctr"/>
+          <a:lstStyle/>
+          <a:p>
+            <a:pPr algn="ctr"/>
+            <a:endParaRPr lang="en-US"/>
+          </a:p>
+        </p:txBody>
+      </p:sp>
+      <p:sp useBgFill="1">
+        <p:nvSpPr>
+          <p:cNvPr id="101" name="Freeform: Shape 94">
+            <a:extLst>
+              <a:ext uri="{FF2B5EF4-FFF2-40B4-BE49-F238E27FC236}">
+                <a16:creationId xmlns:a16="http://schemas.microsoft.com/office/drawing/2014/main" id="{70151CB7-E7DE-4917-B831-01DF9CE01306}"/>
+              </a:ext>
+              <a:ext uri="{C183D7F6-B498-43B3-948B-1728B52AA6E4}">
+                <adec:decorative xmlns:adec="http://schemas.microsoft.com/office/drawing/2017/decorative" val="1"/>
+              </a:ext>
+            </a:extLst>
+          </p:cNvPr>
+          <p:cNvSpPr>
+            <a:spLocks noGrp="1" noRot="1" noChangeAspect="1" noMove="1" noResize="1" noEditPoints="1" noAdjustHandles="1" noChangeArrowheads="1" noChangeShapeType="1" noTextEdit="1"/>
+          </p:cNvSpPr>
+          <p:nvPr>
+            <p:extLst>
+              <p:ext uri="{386F3935-93C4-4BCD-93E2-E3B085C9AB24}">
+                <p16:designElem xmlns:p16="http://schemas.microsoft.com/office/powerpoint/2015/main" val="1"/>
+              </p:ext>
+            </p:extLst>
+          </p:nvPr>
+        </p:nvSpPr>
+        <p:spPr bwMode="gray">
+          <a:xfrm rot="16200000">
+            <a:off x="5270819" y="-63600"/>
+            <a:ext cx="6858001" cy="6985200"/>
+          </a:xfrm>
+          <a:custGeom>
+            <a:avLst/>
+            <a:gdLst>
+              <a:gd name="connsiteX0" fmla="*/ 6858001 w 6858001"/>
+              <a:gd name="connsiteY0" fmla="*/ 1177 h 6985200"/>
+              <a:gd name="connsiteX1" fmla="*/ 6858001 w 6858001"/>
+              <a:gd name="connsiteY1" fmla="*/ 1344715 h 6985200"/>
+              <a:gd name="connsiteX2" fmla="*/ 6858000 w 6858001"/>
+              <a:gd name="connsiteY2" fmla="*/ 1344715 h 6985200"/>
+              <a:gd name="connsiteX3" fmla="*/ 6858000 w 6858001"/>
+              <a:gd name="connsiteY3" fmla="*/ 6985200 h 6985200"/>
+              <a:gd name="connsiteX4" fmla="*/ 0 w 6858001"/>
+              <a:gd name="connsiteY4" fmla="*/ 6985199 h 6985200"/>
+              <a:gd name="connsiteX5" fmla="*/ 0 w 6858001"/>
+              <a:gd name="connsiteY5" fmla="*/ 886772 h 6985200"/>
+              <a:gd name="connsiteX6" fmla="*/ 1 w 6858001"/>
+              <a:gd name="connsiteY6" fmla="*/ 886772 h 6985200"/>
+              <a:gd name="connsiteX7" fmla="*/ 1 w 6858001"/>
+              <a:gd name="connsiteY7" fmla="*/ 0 h 6985200"/>
+              <a:gd name="connsiteX8" fmla="*/ 40463 w 6858001"/>
+              <a:gd name="connsiteY8" fmla="*/ 5883 h 6985200"/>
+              <a:gd name="connsiteX9" fmla="*/ 159107 w 6858001"/>
+              <a:gd name="connsiteY9" fmla="*/ 23196 h 6985200"/>
+              <a:gd name="connsiteX10" fmla="*/ 245518 w 6858001"/>
+              <a:gd name="connsiteY10" fmla="*/ 35299 h 6985200"/>
+              <a:gd name="connsiteX11" fmla="*/ 348388 w 6858001"/>
+              <a:gd name="connsiteY11" fmla="*/ 48073 h 6985200"/>
+              <a:gd name="connsiteX12" fmla="*/ 470460 w 6858001"/>
+              <a:gd name="connsiteY12" fmla="*/ 63369 h 6985200"/>
+              <a:gd name="connsiteX13" fmla="*/ 605563 w 6858001"/>
+              <a:gd name="connsiteY13" fmla="*/ 79506 h 6985200"/>
+              <a:gd name="connsiteX14" fmla="*/ 757810 w 6858001"/>
+              <a:gd name="connsiteY14" fmla="*/ 96483 h 6985200"/>
+              <a:gd name="connsiteX15" fmla="*/ 923774 w 6858001"/>
+              <a:gd name="connsiteY15" fmla="*/ 114469 h 6985200"/>
+              <a:gd name="connsiteX16" fmla="*/ 1104139 w 6858001"/>
+              <a:gd name="connsiteY16" fmla="*/ 132454 h 6985200"/>
+              <a:gd name="connsiteX17" fmla="*/ 1296163 w 6858001"/>
+              <a:gd name="connsiteY17" fmla="*/ 150776 h 6985200"/>
+              <a:gd name="connsiteX18" fmla="*/ 1503275 w 6858001"/>
+              <a:gd name="connsiteY18" fmla="*/ 167753 h 6985200"/>
+              <a:gd name="connsiteX19" fmla="*/ 1719988 w 6858001"/>
+              <a:gd name="connsiteY19" fmla="*/ 184058 h 6985200"/>
+              <a:gd name="connsiteX20" fmla="*/ 1949045 w 6858001"/>
+              <a:gd name="connsiteY20" fmla="*/ 198849 h 6985200"/>
+              <a:gd name="connsiteX21" fmla="*/ 2187703 w 6858001"/>
+              <a:gd name="connsiteY21" fmla="*/ 212969 h 6985200"/>
+              <a:gd name="connsiteX22" fmla="*/ 2436649 w 6858001"/>
+              <a:gd name="connsiteY22" fmla="*/ 226248 h 6985200"/>
+              <a:gd name="connsiteX23" fmla="*/ 2564208 w 6858001"/>
+              <a:gd name="connsiteY23" fmla="*/ 230955 h 6985200"/>
+              <a:gd name="connsiteX24" fmla="*/ 2694509 w 6858001"/>
+              <a:gd name="connsiteY24" fmla="*/ 236165 h 6985200"/>
+              <a:gd name="connsiteX25" fmla="*/ 2826869 w 6858001"/>
+              <a:gd name="connsiteY25" fmla="*/ 241040 h 6985200"/>
+              <a:gd name="connsiteX26" fmla="*/ 2959914 w 6858001"/>
+              <a:gd name="connsiteY26" fmla="*/ 244234 h 6985200"/>
+              <a:gd name="connsiteX27" fmla="*/ 3095702 w 6858001"/>
+              <a:gd name="connsiteY27" fmla="*/ 247091 h 6985200"/>
+              <a:gd name="connsiteX28" fmla="*/ 3232862 w 6858001"/>
+              <a:gd name="connsiteY28" fmla="*/ 250117 h 6985200"/>
+              <a:gd name="connsiteX29" fmla="*/ 3372766 w 6858001"/>
+              <a:gd name="connsiteY29" fmla="*/ 252134 h 6985200"/>
+              <a:gd name="connsiteX30" fmla="*/ 3514040 w 6858001"/>
+              <a:gd name="connsiteY30" fmla="*/ 252134 h 6985200"/>
+              <a:gd name="connsiteX31" fmla="*/ 3656686 w 6858001"/>
+              <a:gd name="connsiteY31" fmla="*/ 253142 h 6985200"/>
+              <a:gd name="connsiteX32" fmla="*/ 3800705 w 6858001"/>
+              <a:gd name="connsiteY32" fmla="*/ 252134 h 6985200"/>
+              <a:gd name="connsiteX33" fmla="*/ 3946780 w 6858001"/>
+              <a:gd name="connsiteY33" fmla="*/ 250117 h 6985200"/>
+              <a:gd name="connsiteX34" fmla="*/ 4092856 w 6858001"/>
+              <a:gd name="connsiteY34" fmla="*/ 248268 h 6985200"/>
+              <a:gd name="connsiteX35" fmla="*/ 4240988 w 6858001"/>
+              <a:gd name="connsiteY35" fmla="*/ 244234 h 6985200"/>
+              <a:gd name="connsiteX36" fmla="*/ 4390492 w 6858001"/>
+              <a:gd name="connsiteY36" fmla="*/ 240032 h 6985200"/>
+              <a:gd name="connsiteX37" fmla="*/ 4539997 w 6858001"/>
+              <a:gd name="connsiteY37" fmla="*/ 235157 h 6985200"/>
+              <a:gd name="connsiteX38" fmla="*/ 4690873 w 6858001"/>
+              <a:gd name="connsiteY38" fmla="*/ 228266 h 6985200"/>
+              <a:gd name="connsiteX39" fmla="*/ 4843120 w 6858001"/>
+              <a:gd name="connsiteY39" fmla="*/ 220029 h 6985200"/>
+              <a:gd name="connsiteX40" fmla="*/ 4996054 w 6858001"/>
+              <a:gd name="connsiteY40" fmla="*/ 212129 h 6985200"/>
+              <a:gd name="connsiteX41" fmla="*/ 5148987 w 6858001"/>
+              <a:gd name="connsiteY41" fmla="*/ 202044 h 6985200"/>
+              <a:gd name="connsiteX42" fmla="*/ 5303978 w 6858001"/>
+              <a:gd name="connsiteY42" fmla="*/ 189941 h 6985200"/>
+              <a:gd name="connsiteX43" fmla="*/ 5456911 w 6858001"/>
+              <a:gd name="connsiteY43" fmla="*/ 177839 h 6985200"/>
+              <a:gd name="connsiteX44" fmla="*/ 5612588 w 6858001"/>
+              <a:gd name="connsiteY44" fmla="*/ 163887 h 6985200"/>
+              <a:gd name="connsiteX45" fmla="*/ 5768950 w 6858001"/>
+              <a:gd name="connsiteY45" fmla="*/ 148591 h 6985200"/>
+              <a:gd name="connsiteX46" fmla="*/ 5923255 w 6858001"/>
+              <a:gd name="connsiteY46" fmla="*/ 132455 h 6985200"/>
+              <a:gd name="connsiteX47" fmla="*/ 6079618 w 6858001"/>
+              <a:gd name="connsiteY47" fmla="*/ 113629 h 6985200"/>
+              <a:gd name="connsiteX48" fmla="*/ 6235294 w 6858001"/>
+              <a:gd name="connsiteY48" fmla="*/ 93458 h 6985200"/>
+              <a:gd name="connsiteX49" fmla="*/ 6391657 w 6858001"/>
+              <a:gd name="connsiteY49" fmla="*/ 73455 h 6985200"/>
+              <a:gd name="connsiteX50" fmla="*/ 6547333 w 6858001"/>
+              <a:gd name="connsiteY50" fmla="*/ 50091 h 6985200"/>
+              <a:gd name="connsiteX51" fmla="*/ 6702324 w 6858001"/>
+              <a:gd name="connsiteY51" fmla="*/ 26222 h 6985200"/>
+            </a:gdLst>
+            <a:ahLst/>
+            <a:cxnLst>
+              <a:cxn ang="0">
+                <a:pos x="connsiteX0" y="connsiteY0"/>
+              </a:cxn>
+              <a:cxn ang="0">
+                <a:pos x="connsiteX1" y="connsiteY1"/>
+              </a:cxn>
+              <a:cxn ang="0">
+                <a:pos x="connsiteX2" y="connsiteY2"/>
+              </a:cxn>
+              <a:cxn ang="0">
+                <a:pos x="connsiteX3" y="connsiteY3"/>
+              </a:cxn>
+              <a:cxn ang="0">
+                <a:pos x="connsiteX4" y="connsiteY4"/>
+              </a:cxn>
+              <a:cxn ang="0">
+                <a:pos x="connsiteX5" y="connsiteY5"/>
+              </a:cxn>
+              <a:cxn ang="0">
+                <a:pos x="connsiteX6" y="connsiteY6"/>
+              </a:cxn>
+              <a:cxn ang="0">
+                <a:pos x="connsiteX7" y="connsiteY7"/>
+              </a:cxn>
+              <a:cxn ang="0">
+                <a:pos x="connsiteX8" y="connsiteY8"/>
+              </a:cxn>
+              <a:cxn ang="0">
+                <a:pos x="connsiteX9" y="connsiteY9"/>
+              </a:cxn>
+              <a:cxn ang="0">
+                <a:pos x="connsiteX10" y="connsiteY10"/>
+              </a:cxn>
+              <a:cxn ang="0">
+                <a:pos x="connsiteX11" y="connsiteY11"/>
+              </a:cxn>
+              <a:cxn ang="0">
+                <a:pos x="connsiteX12" y="connsiteY12"/>
+              </a:cxn>
+              <a:cxn ang="0">
+                <a:pos x="connsiteX13" y="connsiteY13"/>
+              </a:cxn>
+              <a:cxn ang="0">
+                <a:pos x="connsiteX14" y="connsiteY14"/>
+              </a:cxn>
+              <a:cxn ang="0">
+                <a:pos x="connsiteX15" y="connsiteY15"/>
+              </a:cxn>
+              <a:cxn ang="0">
+                <a:pos x="connsiteX16" y="connsiteY16"/>
+              </a:cxn>
+              <a:cxn ang="0">
+                <a:pos x="connsiteX17" y="connsiteY17"/>
+              </a:cxn>
+              <a:cxn ang="0">
+                <a:pos x="connsiteX18" y="connsiteY18"/>
+              </a:cxn>
+              <a:cxn ang="0">
+                <a:pos x="connsiteX19" y="connsiteY19"/>
+              </a:cxn>
+              <a:cxn ang="0">
+                <a:pos x="connsiteX20" y="connsiteY20"/>
+              </a:cxn>
+              <a:cxn ang="0">
+                <a:pos x="connsiteX21" y="connsiteY21"/>
+              </a:cxn>
+              <a:cxn ang="0">
+                <a:pos x="connsiteX22" y="connsiteY22"/>
+              </a:cxn>
+              <a:cxn ang="0">
+                <a:pos x="connsiteX23" y="connsiteY23"/>
+              </a:cxn>
+              <a:cxn ang="0">
+                <a:pos x="connsiteX24" y="connsiteY24"/>
+              </a:cxn>
+              <a:cxn ang="0">
+                <a:pos x="connsiteX25" y="connsiteY25"/>
+              </a:cxn>
+              <a:cxn ang="0">
+                <a:pos x="connsiteX26" y="connsiteY26"/>
+              </a:cxn>
+              <a:cxn ang="0">
+                <a:pos x="connsiteX27" y="connsiteY27"/>
+              </a:cxn>
+              <a:cxn ang="0">
+                <a:pos x="connsiteX28" y="connsiteY28"/>
+              </a:cxn>
+              <a:cxn ang="0">
+                <a:pos x="connsiteX29" y="connsiteY29"/>
+              </a:cxn>
+              <a:cxn ang="0">
+                <a:pos x="connsiteX30" y="connsiteY30"/>
+              </a:cxn>
+              <a:cxn ang="0">
+                <a:pos x="connsiteX31" y="connsiteY31"/>
+              </a:cxn>
+              <a:cxn ang="0">
+                <a:pos x="connsiteX32" y="connsiteY32"/>
+              </a:cxn>
+              <a:cxn ang="0">
+                <a:pos x="connsiteX33" y="connsiteY33"/>
+              </a:cxn>
+              <a:cxn ang="0">
+                <a:pos x="connsiteX34" y="connsiteY34"/>
+              </a:cxn>
+              <a:cxn ang="0">
+                <a:pos x="connsiteX35" y="connsiteY35"/>
+              </a:cxn>
+              <a:cxn ang="0">
+                <a:pos x="connsiteX36" y="connsiteY36"/>
+              </a:cxn>
+              <a:cxn ang="0">
+                <a:pos x="connsiteX37" y="connsiteY37"/>
+              </a:cxn>
+              <a:cxn ang="0">
+                <a:pos x="connsiteX38" y="connsiteY38"/>
+              </a:cxn>
+              <a:cxn ang="0">
+                <a:pos x="connsiteX39" y="connsiteY39"/>
+              </a:cxn>
+              <a:cxn ang="0">
+                <a:pos x="connsiteX40" y="connsiteY40"/>
+              </a:cxn>
+              <a:cxn ang="0">
+                <a:pos x="connsiteX41" y="connsiteY41"/>
+              </a:cxn>
+              <a:cxn ang="0">
+                <a:pos x="connsiteX42" y="connsiteY42"/>
+              </a:cxn>
+              <a:cxn ang="0">
+                <a:pos x="connsiteX43" y="connsiteY43"/>
+              </a:cxn>
+              <a:cxn ang="0">
+                <a:pos x="connsiteX44" y="connsiteY44"/>
+              </a:cxn>
+              <a:cxn ang="0">
+                <a:pos x="connsiteX45" y="connsiteY45"/>
+              </a:cxn>
+              <a:cxn ang="0">
+                <a:pos x="connsiteX46" y="connsiteY46"/>
+              </a:cxn>
+              <a:cxn ang="0">
+                <a:pos x="connsiteX47" y="connsiteY47"/>
+              </a:cxn>
+              <a:cxn ang="0">
+                <a:pos x="connsiteX48" y="connsiteY48"/>
+              </a:cxn>
+              <a:cxn ang="0">
+                <a:pos x="connsiteX49" y="connsiteY49"/>
+              </a:cxn>
+              <a:cxn ang="0">
+                <a:pos x="connsiteX50" y="connsiteY50"/>
+              </a:cxn>
+              <a:cxn ang="0">
+                <a:pos x="connsiteX51" y="connsiteY51"/>
+              </a:cxn>
+            </a:cxnLst>
+            <a:rect l="l" t="t" r="r" b="b"/>
+            <a:pathLst>
+              <a:path w="6858001" h="6985200">
+                <a:moveTo>
+                  <a:pt x="6858001" y="1177"/>
+                </a:moveTo>
+                <a:lnTo>
+                  <a:pt x="6858001" y="1344715"/>
+                </a:lnTo>
+                <a:lnTo>
+                  <a:pt x="6858000" y="1344715"/>
+                </a:lnTo>
+                <a:lnTo>
+                  <a:pt x="6858000" y="6985200"/>
+                </a:lnTo>
+                <a:lnTo>
+                  <a:pt x="0" y="6985199"/>
+                </a:lnTo>
+                <a:lnTo>
+                  <a:pt x="0" y="886772"/>
+                </a:lnTo>
+                <a:lnTo>
+                  <a:pt x="1" y="886772"/>
+                </a:lnTo>
+                <a:lnTo>
+                  <a:pt x="1" y="0"/>
+                </a:lnTo>
+                <a:lnTo>
+                  <a:pt x="40463" y="5883"/>
+                </a:lnTo>
+                <a:lnTo>
+                  <a:pt x="159107" y="23196"/>
+                </a:lnTo>
+                <a:lnTo>
+                  <a:pt x="245518" y="35299"/>
+                </a:lnTo>
+                <a:lnTo>
+                  <a:pt x="348388" y="48073"/>
+                </a:lnTo>
+                <a:lnTo>
+                  <a:pt x="470460" y="63369"/>
+                </a:lnTo>
+                <a:lnTo>
+                  <a:pt x="605563" y="79506"/>
+                </a:lnTo>
+                <a:lnTo>
+                  <a:pt x="757810" y="96483"/>
+                </a:lnTo>
+                <a:lnTo>
+                  <a:pt x="923774" y="114469"/>
+                </a:lnTo>
+                <a:lnTo>
+                  <a:pt x="1104139" y="132454"/>
+                </a:lnTo>
+                <a:lnTo>
+                  <a:pt x="1296163" y="150776"/>
+                </a:lnTo>
+                <a:lnTo>
+                  <a:pt x="1503275" y="167753"/>
+                </a:lnTo>
+                <a:lnTo>
+                  <a:pt x="1719988" y="184058"/>
+                </a:lnTo>
+                <a:lnTo>
+                  <a:pt x="1949045" y="198849"/>
+                </a:lnTo>
+                <a:lnTo>
+                  <a:pt x="2187703" y="212969"/>
+                </a:lnTo>
+                <a:lnTo>
+                  <a:pt x="2436649" y="226248"/>
+                </a:lnTo>
+                <a:lnTo>
+                  <a:pt x="2564208" y="230955"/>
+                </a:lnTo>
+                <a:lnTo>
+                  <a:pt x="2694509" y="236165"/>
+                </a:lnTo>
+                <a:lnTo>
+                  <a:pt x="2826869" y="241040"/>
+                </a:lnTo>
+                <a:lnTo>
+                  <a:pt x="2959914" y="244234"/>
+                </a:lnTo>
+                <a:lnTo>
+                  <a:pt x="3095702" y="247091"/>
+                </a:lnTo>
+                <a:lnTo>
+                  <a:pt x="3232862" y="250117"/>
+                </a:lnTo>
+                <a:lnTo>
+                  <a:pt x="3372766" y="252134"/>
+                </a:lnTo>
+                <a:lnTo>
+                  <a:pt x="3514040" y="252134"/>
+                </a:lnTo>
+                <a:lnTo>
+                  <a:pt x="3656686" y="253142"/>
+                </a:lnTo>
+                <a:lnTo>
+                  <a:pt x="3800705" y="252134"/>
+                </a:lnTo>
+                <a:lnTo>
+                  <a:pt x="3946780" y="250117"/>
+                </a:lnTo>
+                <a:lnTo>
+                  <a:pt x="4092856" y="248268"/>
+                </a:lnTo>
+                <a:lnTo>
+                  <a:pt x="4240988" y="244234"/>
+                </a:lnTo>
+                <a:lnTo>
+                  <a:pt x="4390492" y="240032"/>
+                </a:lnTo>
+                <a:lnTo>
+                  <a:pt x="4539997" y="235157"/>
+                </a:lnTo>
+                <a:lnTo>
+                  <a:pt x="4690873" y="228266"/>
+                </a:lnTo>
+                <a:lnTo>
+                  <a:pt x="4843120" y="220029"/>
+                </a:lnTo>
+                <a:lnTo>
+                  <a:pt x="4996054" y="212129"/>
+                </a:lnTo>
+                <a:lnTo>
+                  <a:pt x="5148987" y="202044"/>
+                </a:lnTo>
+                <a:lnTo>
+                  <a:pt x="5303978" y="189941"/>
+                </a:lnTo>
+                <a:lnTo>
+                  <a:pt x="5456911" y="177839"/>
+                </a:lnTo>
+                <a:lnTo>
+                  <a:pt x="5612588" y="163887"/>
+                </a:lnTo>
+                <a:lnTo>
+                  <a:pt x="5768950" y="148591"/>
+                </a:lnTo>
+                <a:lnTo>
+                  <a:pt x="5923255" y="132455"/>
+                </a:lnTo>
+                <a:lnTo>
+                  <a:pt x="6079618" y="113629"/>
+                </a:lnTo>
+                <a:lnTo>
+                  <a:pt x="6235294" y="93458"/>
+                </a:lnTo>
+                <a:lnTo>
+                  <a:pt x="6391657" y="73455"/>
+                </a:lnTo>
+                <a:lnTo>
+                  <a:pt x="6547333" y="50091"/>
+                </a:lnTo>
+                <a:lnTo>
+                  <a:pt x="6702324" y="26222"/>
+                </a:lnTo>
+                <a:close/>
+              </a:path>
+            </a:pathLst>
+          </a:custGeom>
+          <a:ln>
+            <a:noFill/>
+          </a:ln>
+        </p:spPr>
+      </p:sp>
+      <p:sp>
+        <p:nvSpPr>
+          <p:cNvPr id="102" name="Rectangle 96">
+            <a:extLst>
+              <a:ext uri="{FF2B5EF4-FFF2-40B4-BE49-F238E27FC236}">
+                <a16:creationId xmlns:a16="http://schemas.microsoft.com/office/drawing/2014/main" id="{A92A1116-1C84-41DF-B803-1F7B0883EC82}"/>
+              </a:ext>
+              <a:ext uri="{C183D7F6-B498-43B3-948B-1728B52AA6E4}">
+                <adec:decorative xmlns:adec="http://schemas.microsoft.com/office/drawing/2017/decorative" val="1"/>
+              </a:ext>
+            </a:extLst>
+          </p:cNvPr>
+          <p:cNvSpPr>
+            <a:spLocks noGrp="1" noRot="1" noChangeAspect="1" noMove="1" noResize="1" noEditPoints="1" noAdjustHandles="1" noChangeArrowheads="1" noChangeShapeType="1" noTextEdit="1"/>
+          </p:cNvSpPr>
+          <p:nvPr>
+            <p:extLst>
+              <p:ext uri="{386F3935-93C4-4BCD-93E2-E3B085C9AB24}">
+                <p16:designElem xmlns:p16="http://schemas.microsoft.com/office/powerpoint/2015/main" val="1"/>
+              </p:ext>
+            </p:extLst>
+          </p:nvPr>
+        </p:nvSpPr>
+        <p:spPr>
+          <a:xfrm>
+            <a:off x="10442448" y="0"/>
+            <a:ext cx="685800" cy="1143000"/>
+          </a:xfrm>
+          <a:prstGeom prst="rect">
+            <a:avLst/>
+          </a:prstGeom>
+          <a:solidFill>
+            <a:schemeClr val="accent1"/>
+          </a:solidFill>
+          <a:ln>
+            <a:noFill/>
+          </a:ln>
+        </p:spPr>
+        <p:style>
+          <a:lnRef idx="1">
+            <a:schemeClr val="accent1"/>
+          </a:lnRef>
+          <a:fillRef idx="3">
+            <a:schemeClr val="accent1"/>
+          </a:fillRef>
+          <a:effectRef idx="2">
+            <a:schemeClr val="accent1"/>
+          </a:effectRef>
+          <a:fontRef idx="minor">
+            <a:schemeClr val="lt1"/>
+          </a:fontRef>
+        </p:style>
+      </p:sp>
+      <p:sp>
+        <p:nvSpPr>
+          <p:cNvPr id="3" name="Content Placeholder 2">
+            <a:extLst>
+              <a:ext uri="{FF2B5EF4-FFF2-40B4-BE49-F238E27FC236}">
+                <a16:creationId xmlns:a16="http://schemas.microsoft.com/office/drawing/2014/main" id="{D657C1C9-79ED-4C1D-BA70-29E2BAF8C6EE}"/>
+              </a:ext>
+            </a:extLst>
+          </p:cNvPr>
+          <p:cNvSpPr>
+            <a:spLocks noGrp="1"/>
+          </p:cNvSpPr>
+          <p:nvPr>
+            <p:ph idx="1"/>
+          </p:nvPr>
+        </p:nvSpPr>
+        <p:spPr>
+          <a:xfrm>
+            <a:off x="361951" y="1971676"/>
+            <a:ext cx="4453490" cy="4733924"/>
+          </a:xfrm>
+        </p:spPr>
+        <p:txBody>
+          <a:bodyPr>
+            <a:normAutofit/>
+          </a:bodyPr>
+          <a:lstStyle/>
+          <a:p>
+            <a:pPr>
+              <a:lnSpc>
+                <a:spcPct val="90000"/>
+              </a:lnSpc>
+            </a:pPr>
+            <a:r>
+              <a:rPr lang="en-US" sz="1600" dirty="0">
+                <a:solidFill>
+                  <a:srgbClr val="EBEBEB"/>
+                </a:solidFill>
+              </a:rPr>
+              <a:t>Categorical Group Reduction</a:t>
+            </a:r>
+          </a:p>
+          <a:p>
+            <a:pPr lvl="1">
+              <a:lnSpc>
+                <a:spcPct val="90000"/>
+              </a:lnSpc>
+            </a:pPr>
+            <a:r>
+              <a:rPr lang="en-US" sz="1600" dirty="0">
+                <a:solidFill>
+                  <a:srgbClr val="EBEBEB"/>
+                </a:solidFill>
+              </a:rPr>
+              <a:t>Identified categorical columns with long tail of unique but similar values</a:t>
+            </a:r>
+          </a:p>
+          <a:p>
+            <a:pPr lvl="1">
+              <a:lnSpc>
+                <a:spcPct val="90000"/>
+              </a:lnSpc>
+            </a:pPr>
+            <a:r>
+              <a:rPr lang="en-US" sz="1600" dirty="0">
+                <a:solidFill>
+                  <a:srgbClr val="EBEBEB"/>
+                </a:solidFill>
+              </a:rPr>
+              <a:t>Replaced similar values (‘Middle English’) with superset values (‘English’)</a:t>
+            </a:r>
+          </a:p>
+          <a:p>
+            <a:pPr lvl="1">
+              <a:lnSpc>
+                <a:spcPct val="90000"/>
+              </a:lnSpc>
+            </a:pPr>
+            <a:r>
+              <a:rPr lang="en-US" sz="1600" dirty="0">
+                <a:solidFill>
+                  <a:srgbClr val="EBEBEB"/>
+                </a:solidFill>
+              </a:rPr>
+              <a:t>Column values with &lt; 10 frequency were grouped into ‘Others’</a:t>
+            </a:r>
+          </a:p>
+          <a:p>
+            <a:pPr>
+              <a:lnSpc>
+                <a:spcPct val="90000"/>
+              </a:lnSpc>
+            </a:pPr>
+            <a:r>
+              <a:rPr lang="en-US" sz="1600" dirty="0">
+                <a:solidFill>
+                  <a:srgbClr val="EBEBEB"/>
+                </a:solidFill>
+              </a:rPr>
+              <a:t>15 Categorical Columns encoded using </a:t>
+            </a:r>
+            <a:r>
+              <a:rPr lang="en-US" sz="1600" dirty="0" err="1">
+                <a:solidFill>
+                  <a:srgbClr val="EBEBEB"/>
+                </a:solidFill>
+              </a:rPr>
+              <a:t>LableEncoder</a:t>
+            </a:r>
+            <a:endParaRPr lang="en-US" sz="1600" dirty="0">
+              <a:solidFill>
+                <a:srgbClr val="EBEBEB"/>
+              </a:solidFill>
+            </a:endParaRPr>
+          </a:p>
+          <a:p>
+            <a:pPr>
+              <a:lnSpc>
+                <a:spcPct val="90000"/>
+              </a:lnSpc>
+            </a:pPr>
+            <a:r>
+              <a:rPr lang="en-US" sz="1600" dirty="0">
+                <a:solidFill>
+                  <a:srgbClr val="EBEBEB"/>
+                </a:solidFill>
+              </a:rPr>
+              <a:t>Outliers identified using Tukey’s fences and dropped</a:t>
+            </a:r>
+          </a:p>
+        </p:txBody>
+      </p:sp>
+      <p:sp>
+        <p:nvSpPr>
+          <p:cNvPr id="10" name="TextBox 9">
+            <a:extLst>
+              <a:ext uri="{FF2B5EF4-FFF2-40B4-BE49-F238E27FC236}">
+                <a16:creationId xmlns:a16="http://schemas.microsoft.com/office/drawing/2014/main" id="{67E4A02E-EEF9-4882-9AB5-60FAB13C0C4B}"/>
+              </a:ext>
+            </a:extLst>
+          </p:cNvPr>
+          <p:cNvSpPr txBox="1"/>
+          <p:nvPr/>
+        </p:nvSpPr>
+        <p:spPr>
+          <a:xfrm>
+            <a:off x="6431826" y="958335"/>
+            <a:ext cx="4918229" cy="369332"/>
+          </a:xfrm>
+          <a:prstGeom prst="rect">
+            <a:avLst/>
+          </a:prstGeom>
+          <a:noFill/>
+        </p:spPr>
+        <p:txBody>
+          <a:bodyPr wrap="square" rtlCol="0">
+            <a:spAutoFit/>
+          </a:bodyPr>
+          <a:lstStyle/>
+          <a:p>
+            <a:pPr algn="ctr"/>
+            <a:r>
+              <a:rPr lang="en-US" dirty="0">
+                <a:latin typeface="Copperplate Gothic Bold" panose="020E0705020206020404" pitchFamily="34" charset="0"/>
+              </a:rPr>
+              <a:t>Language Vs Price</a:t>
+            </a:r>
+          </a:p>
+        </p:txBody>
+      </p:sp>
+      <p:pic>
+        <p:nvPicPr>
+          <p:cNvPr id="3074" name="Picture 2">
+            <a:extLst>
+              <a:ext uri="{FF2B5EF4-FFF2-40B4-BE49-F238E27FC236}">
+                <a16:creationId xmlns:a16="http://schemas.microsoft.com/office/drawing/2014/main" id="{093AEDEF-2C82-422A-9A7C-715316BE8D4F}"/>
+              </a:ext>
+            </a:extLst>
+          </p:cNvPr>
+          <p:cNvPicPr>
+            <a:picLocks noChangeAspect="1" noChangeArrowheads="1"/>
+          </p:cNvPicPr>
+          <p:nvPr/>
+        </p:nvPicPr>
+        <p:blipFill>
+          <a:blip r:embed="rId2">
+            <a:extLst>
+              <a:ext uri="{28A0092B-C50C-407E-A947-70E740481C1C}">
+                <a14:useLocalDpi xmlns:a14="http://schemas.microsoft.com/office/drawing/2010/main" val="0"/>
+              </a:ext>
+            </a:extLst>
+          </a:blip>
+          <a:srcRect/>
+          <a:stretch>
+            <a:fillRect/>
+          </a:stretch>
+        </p:blipFill>
+        <p:spPr bwMode="auto">
+          <a:xfrm>
+            <a:off x="5553492" y="2101335"/>
+            <a:ext cx="6529697" cy="3932169"/>
+          </a:xfrm>
+          <a:prstGeom prst="rect">
+            <a:avLst/>
+          </a:prstGeom>
+          <a:noFill/>
+          <a:extLst>
+            <a:ext uri="{909E8E84-426E-40DD-AFC4-6F175D3DCCD1}">
+              <a14:hiddenFill xmlns:a14="http://schemas.microsoft.com/office/drawing/2010/main">
+                <a:solidFill>
+                  <a:srgbClr val="FFFFFF"/>
+                </a:solidFill>
+              </a14:hiddenFill>
+            </a:ext>
+          </a:extLst>
+        </p:spPr>
+      </p:pic>
+    </p:spTree>
+    <p:extLst>
+      <p:ext uri="{BB962C8B-B14F-4D97-AF65-F5344CB8AC3E}">
+        <p14:creationId xmlns:p14="http://schemas.microsoft.com/office/powerpoint/2010/main" val="1096438787"/>
+      </p:ext>
+    </p:extLst>
+  </p:cSld>
+  <p:clrMapOvr>
+    <a:overrideClrMapping bg1="lt1" tx1="dk1" bg2="lt2" tx2="dk2" accent1="accent1" accent2="accent2" accent3="accent3" accent4="accent4" accent5="accent5" accent6="accent6" hlink="hlink" folHlink="folHlink"/>
+  </p:clrMapOvr>
+</p:sld>
+</file>
+
+<file path=ppt/slides/slide14.xml><?xml version="1.0" encoding="utf-8"?>
+<p:sld xmlns:a="http://schemas.openxmlformats.org/drawingml/2006/main" xmlns:r="http://schemas.openxmlformats.org/officeDocument/2006/relationships" xmlns:p="http://schemas.openxmlformats.org/presentationml/2006/main">
+  <p:cSld>
+    <p:bg>
+      <p:bgPr>
+        <a:solidFill>
+          <a:schemeClr val="bg1"/>
+        </a:solidFill>
+        <a:effectLst/>
+      </p:bgPr>
+    </p:bg>
+    <p:spTree>
+      <p:nvGrpSpPr>
+        <p:cNvPr id="1" name=""/>
+        <p:cNvGrpSpPr/>
+        <p:nvPr/>
+      </p:nvGrpSpPr>
+      <p:grpSpPr>
+        <a:xfrm>
+          <a:off x="0" y="0"/>
+          <a:ext cx="0" cy="0"/>
+          <a:chOff x="0" y="0"/>
+          <a:chExt cx="0" cy="0"/>
+        </a:xfrm>
+      </p:grpSpPr>
+      <p:sp>
+        <p:nvSpPr>
+          <p:cNvPr id="99" name="Rectangle 90">
+            <a:extLst>
+              <a:ext uri="{FF2B5EF4-FFF2-40B4-BE49-F238E27FC236}">
+                <a16:creationId xmlns:a16="http://schemas.microsoft.com/office/drawing/2014/main" id="{B4AAD3FD-83A5-4B89-9F8F-01B8870865BE}"/>
+              </a:ext>
+              <a:ext uri="{C183D7F6-B498-43B3-948B-1728B52AA6E4}">
+                <adec:decorative xmlns:adec="http://schemas.microsoft.com/office/drawing/2017/decorative" val="1"/>
+              </a:ext>
+            </a:extLst>
+          </p:cNvPr>
+          <p:cNvSpPr>
+            <a:spLocks noGrp="1" noRot="1" noChangeAspect="1" noMove="1" noResize="1" noEditPoints="1" noAdjustHandles="1" noChangeArrowheads="1" noChangeShapeType="1" noTextEdit="1"/>
+          </p:cNvSpPr>
+          <p:nvPr>
+            <p:extLst>
+              <p:ext uri="{386F3935-93C4-4BCD-93E2-E3B085C9AB24}">
+                <p16:designElem xmlns:p16="http://schemas.microsoft.com/office/powerpoint/2015/main" val="1"/>
+              </p:ext>
+            </p:extLst>
+          </p:nvPr>
+        </p:nvSpPr>
+        <p:spPr>
+          <a:xfrm>
+            <a:off x="0" y="0"/>
+            <a:ext cx="12192000" cy="6858000"/>
+          </a:xfrm>
+          <a:prstGeom prst="rect">
+            <a:avLst/>
+          </a:prstGeom>
+          <a:ln>
+            <a:noFill/>
+          </a:ln>
+        </p:spPr>
+        <p:style>
+          <a:lnRef idx="2">
+            <a:schemeClr val="accent1">
+              <a:shade val="50000"/>
+            </a:schemeClr>
+          </a:lnRef>
+          <a:fillRef idx="1003">
+            <a:schemeClr val="dk2"/>
+          </a:fillRef>
+          <a:effectRef idx="0">
+            <a:schemeClr val="accent1"/>
+          </a:effectRef>
+          <a:fontRef idx="minor">
+            <a:schemeClr val="lt1"/>
+          </a:fontRef>
+        </p:style>
+        <p:txBody>
+          <a:bodyPr rtlCol="0" anchor="ctr"/>
+          <a:lstStyle/>
+          <a:p>
+            <a:pPr algn="ctr"/>
+            <a:endParaRPr lang="en-US"/>
+          </a:p>
+        </p:txBody>
+      </p:sp>
+      <p:sp>
+        <p:nvSpPr>
+          <p:cNvPr id="2" name="Title 1">
+            <a:extLst>
+              <a:ext uri="{FF2B5EF4-FFF2-40B4-BE49-F238E27FC236}">
+                <a16:creationId xmlns:a16="http://schemas.microsoft.com/office/drawing/2014/main" id="{D9E1A7B0-ACE3-4EEA-8C54-BF6732B8DCA0}"/>
+              </a:ext>
+            </a:extLst>
+          </p:cNvPr>
+          <p:cNvSpPr>
+            <a:spLocks noGrp="1"/>
+          </p:cNvSpPr>
+          <p:nvPr>
+            <p:ph type="title"/>
+          </p:nvPr>
+        </p:nvSpPr>
+        <p:spPr>
+          <a:xfrm>
+            <a:off x="648931" y="629267"/>
+            <a:ext cx="4166510" cy="1472518"/>
+          </a:xfrm>
+        </p:spPr>
+        <p:txBody>
+          <a:bodyPr>
+            <a:normAutofit/>
+          </a:bodyPr>
+          <a:lstStyle/>
+          <a:p>
+            <a:r>
+              <a:rPr lang="en-US" sz="4000" dirty="0">
+                <a:solidFill>
+                  <a:srgbClr val="EBEBEB"/>
+                </a:solidFill>
+                <a:latin typeface="Copperplate Gothic Bold" panose="020E0705020206020404" pitchFamily="34" charset="0"/>
+              </a:rPr>
+              <a:t>Feature selection</a:t>
+            </a:r>
+          </a:p>
+        </p:txBody>
+      </p:sp>
+      <p:sp>
+        <p:nvSpPr>
+          <p:cNvPr id="100" name="Freeform 31">
+            <a:extLst>
+              <a:ext uri="{FF2B5EF4-FFF2-40B4-BE49-F238E27FC236}">
+                <a16:creationId xmlns:a16="http://schemas.microsoft.com/office/drawing/2014/main" id="{61752F1D-FC0F-4103-9584-630E643CCDA6}"/>
+              </a:ext>
+              <a:ext uri="{C183D7F6-B498-43B3-948B-1728B52AA6E4}">
+                <adec:decorative xmlns:adec="http://schemas.microsoft.com/office/drawing/2017/decorative" val="1"/>
+              </a:ext>
+            </a:extLst>
+          </p:cNvPr>
+          <p:cNvSpPr>
+            <a:spLocks noGrp="1" noRot="1" noChangeAspect="1" noMove="1" noResize="1" noEditPoints="1" noAdjustHandles="1" noChangeArrowheads="1" noChangeShapeType="1" noTextEdit="1"/>
+          </p:cNvSpPr>
+          <p:nvPr>
+            <p:extLst>
+              <p:ext uri="{386F3935-93C4-4BCD-93E2-E3B085C9AB24}">
+                <p16:designElem xmlns:p16="http://schemas.microsoft.com/office/powerpoint/2015/main" val="1"/>
+              </p:ext>
+            </p:extLst>
+          </p:nvPr>
+        </p:nvSpPr>
+        <p:spPr>
+          <a:xfrm>
+            <a:off x="4994020" y="-1"/>
+            <a:ext cx="559472" cy="3709642"/>
+          </a:xfrm>
+          <a:custGeom>
+            <a:avLst/>
+            <a:gdLst>
+              <a:gd name="connsiteX0" fmla="*/ 0 w 559472"/>
+              <a:gd name="connsiteY0" fmla="*/ 0 h 3709642"/>
+              <a:gd name="connsiteX1" fmla="*/ 473952 w 559472"/>
+              <a:gd name="connsiteY1" fmla="*/ 0 h 3709642"/>
+              <a:gd name="connsiteX2" fmla="*/ 485840 w 559472"/>
+              <a:gd name="connsiteY2" fmla="*/ 161194 h 3709642"/>
+              <a:gd name="connsiteX3" fmla="*/ 523949 w 559472"/>
+              <a:gd name="connsiteY3" fmla="*/ 3672197 h 3709642"/>
+              <a:gd name="connsiteX4" fmla="*/ 454748 w 559472"/>
+              <a:gd name="connsiteY4" fmla="*/ 3709642 h 3709642"/>
+              <a:gd name="connsiteX5" fmla="*/ 448224 w 559472"/>
+              <a:gd name="connsiteY5" fmla="*/ 3510471 h 3709642"/>
+              <a:gd name="connsiteX6" fmla="*/ 443564 w 559472"/>
+              <a:gd name="connsiteY6" fmla="*/ 3408563 h 3709642"/>
+              <a:gd name="connsiteX7" fmla="*/ 438902 w 559472"/>
+              <a:gd name="connsiteY7" fmla="*/ 3304407 h 3709642"/>
+              <a:gd name="connsiteX8" fmla="*/ 433941 w 559472"/>
+              <a:gd name="connsiteY8" fmla="*/ 3198777 h 3709642"/>
+              <a:gd name="connsiteX9" fmla="*/ 427584 w 559472"/>
+              <a:gd name="connsiteY9" fmla="*/ 3092510 h 3709642"/>
+              <a:gd name="connsiteX10" fmla="*/ 420988 w 559472"/>
+              <a:gd name="connsiteY10" fmla="*/ 2984390 h 3709642"/>
+              <a:gd name="connsiteX11" fmla="*/ 414330 w 559472"/>
+              <a:gd name="connsiteY11" fmla="*/ 2874401 h 3709642"/>
+              <a:gd name="connsiteX12" fmla="*/ 406840 w 559472"/>
+              <a:gd name="connsiteY12" fmla="*/ 2762980 h 3709642"/>
+              <a:gd name="connsiteX13" fmla="*/ 397745 w 559472"/>
+              <a:gd name="connsiteY13" fmla="*/ 2650566 h 3709642"/>
+              <a:gd name="connsiteX14" fmla="*/ 389154 w 559472"/>
+              <a:gd name="connsiteY14" fmla="*/ 2536612 h 3709642"/>
+              <a:gd name="connsiteX15" fmla="*/ 379225 w 559472"/>
+              <a:gd name="connsiteY15" fmla="*/ 2421642 h 3709642"/>
+              <a:gd name="connsiteX16" fmla="*/ 368316 w 559472"/>
+              <a:gd name="connsiteY16" fmla="*/ 2305627 h 3709642"/>
+              <a:gd name="connsiteX17" fmla="*/ 357466 w 559472"/>
+              <a:gd name="connsiteY17" fmla="*/ 2189233 h 3709642"/>
+              <a:gd name="connsiteX18" fmla="*/ 344982 w 559472"/>
+              <a:gd name="connsiteY18" fmla="*/ 2071473 h 3709642"/>
+              <a:gd name="connsiteX19" fmla="*/ 332466 w 559472"/>
+              <a:gd name="connsiteY19" fmla="*/ 1952216 h 3709642"/>
+              <a:gd name="connsiteX20" fmla="*/ 319121 w 559472"/>
+              <a:gd name="connsiteY20" fmla="*/ 1833776 h 3709642"/>
+              <a:gd name="connsiteX21" fmla="*/ 304408 w 559472"/>
+              <a:gd name="connsiteY21" fmla="*/ 1713948 h 3709642"/>
+              <a:gd name="connsiteX22" fmla="*/ 288685 w 559472"/>
+              <a:gd name="connsiteY22" fmla="*/ 1592703 h 3709642"/>
+              <a:gd name="connsiteX23" fmla="*/ 273050 w 559472"/>
+              <a:gd name="connsiteY23" fmla="*/ 1471451 h 3709642"/>
+              <a:gd name="connsiteX24" fmla="*/ 255813 w 559472"/>
+              <a:gd name="connsiteY24" fmla="*/ 1350328 h 3709642"/>
+              <a:gd name="connsiteX25" fmla="*/ 237060 w 559472"/>
+              <a:gd name="connsiteY25" fmla="*/ 1227080 h 3709642"/>
+              <a:gd name="connsiteX26" fmla="*/ 218488 w 559472"/>
+              <a:gd name="connsiteY26" fmla="*/ 1106065 h 3709642"/>
+              <a:gd name="connsiteX27" fmla="*/ 198221 w 559472"/>
+              <a:gd name="connsiteY27" fmla="*/ 982940 h 3709642"/>
+              <a:gd name="connsiteX28" fmla="*/ 177152 w 559472"/>
+              <a:gd name="connsiteY28" fmla="*/ 858755 h 3709642"/>
+              <a:gd name="connsiteX29" fmla="*/ 155551 w 559472"/>
+              <a:gd name="connsiteY29" fmla="*/ 736861 h 3709642"/>
+              <a:gd name="connsiteX30" fmla="*/ 131782 w 559472"/>
+              <a:gd name="connsiteY30" fmla="*/ 613645 h 3709642"/>
+              <a:gd name="connsiteX31" fmla="*/ 107123 w 559472"/>
+              <a:gd name="connsiteY31" fmla="*/ 490500 h 3709642"/>
+              <a:gd name="connsiteX32" fmla="*/ 82552 w 559472"/>
+              <a:gd name="connsiteY32" fmla="*/ 367348 h 3709642"/>
+              <a:gd name="connsiteX33" fmla="*/ 55608 w 559472"/>
+              <a:gd name="connsiteY33" fmla="*/ 244762 h 3709642"/>
+              <a:gd name="connsiteX34" fmla="*/ 28130 w 559472"/>
+              <a:gd name="connsiteY34" fmla="*/ 122220 h 3709642"/>
+              <a:gd name="connsiteX35" fmla="*/ 0 w 559472"/>
+              <a:gd name="connsiteY35" fmla="*/ 0 h 3709642"/>
+            </a:gdLst>
+            <a:ahLst/>
+            <a:cxnLst>
+              <a:cxn ang="0">
+                <a:pos x="connsiteX0" y="connsiteY0"/>
+              </a:cxn>
+              <a:cxn ang="0">
+                <a:pos x="connsiteX1" y="connsiteY1"/>
+              </a:cxn>
+              <a:cxn ang="0">
+                <a:pos x="connsiteX2" y="connsiteY2"/>
+              </a:cxn>
+              <a:cxn ang="0">
+                <a:pos x="connsiteX3" y="connsiteY3"/>
+              </a:cxn>
+              <a:cxn ang="0">
+                <a:pos x="connsiteX4" y="connsiteY4"/>
+              </a:cxn>
+              <a:cxn ang="0">
+                <a:pos x="connsiteX5" y="connsiteY5"/>
+              </a:cxn>
+              <a:cxn ang="0">
+                <a:pos x="connsiteX6" y="connsiteY6"/>
+              </a:cxn>
+              <a:cxn ang="0">
+                <a:pos x="connsiteX7" y="connsiteY7"/>
+              </a:cxn>
+              <a:cxn ang="0">
+                <a:pos x="connsiteX8" y="connsiteY8"/>
+              </a:cxn>
+              <a:cxn ang="0">
+                <a:pos x="connsiteX9" y="connsiteY9"/>
+              </a:cxn>
+              <a:cxn ang="0">
+                <a:pos x="connsiteX10" y="connsiteY10"/>
+              </a:cxn>
+              <a:cxn ang="0">
+                <a:pos x="connsiteX11" y="connsiteY11"/>
+              </a:cxn>
+              <a:cxn ang="0">
+                <a:pos x="connsiteX12" y="connsiteY12"/>
+              </a:cxn>
+              <a:cxn ang="0">
+                <a:pos x="connsiteX13" y="connsiteY13"/>
+              </a:cxn>
+              <a:cxn ang="0">
+                <a:pos x="connsiteX14" y="connsiteY14"/>
+              </a:cxn>
+              <a:cxn ang="0">
+                <a:pos x="connsiteX15" y="connsiteY15"/>
+              </a:cxn>
+              <a:cxn ang="0">
+                <a:pos x="connsiteX16" y="connsiteY16"/>
+              </a:cxn>
+              <a:cxn ang="0">
+                <a:pos x="connsiteX17" y="connsiteY17"/>
+              </a:cxn>
+              <a:cxn ang="0">
+                <a:pos x="connsiteX18" y="connsiteY18"/>
+              </a:cxn>
+              <a:cxn ang="0">
+                <a:pos x="connsiteX19" y="connsiteY19"/>
+              </a:cxn>
+              <a:cxn ang="0">
+                <a:pos x="connsiteX20" y="connsiteY20"/>
+              </a:cxn>
+              <a:cxn ang="0">
+                <a:pos x="connsiteX21" y="connsiteY21"/>
+              </a:cxn>
+              <a:cxn ang="0">
+                <a:pos x="connsiteX22" y="connsiteY22"/>
+              </a:cxn>
+              <a:cxn ang="0">
+                <a:pos x="connsiteX23" y="connsiteY23"/>
+              </a:cxn>
+              <a:cxn ang="0">
+                <a:pos x="connsiteX24" y="connsiteY24"/>
+              </a:cxn>
+              <a:cxn ang="0">
+                <a:pos x="connsiteX25" y="connsiteY25"/>
+              </a:cxn>
+              <a:cxn ang="0">
+                <a:pos x="connsiteX26" y="connsiteY26"/>
+              </a:cxn>
+              <a:cxn ang="0">
+                <a:pos x="connsiteX27" y="connsiteY27"/>
+              </a:cxn>
+              <a:cxn ang="0">
+                <a:pos x="connsiteX28" y="connsiteY28"/>
+              </a:cxn>
+              <a:cxn ang="0">
+                <a:pos x="connsiteX29" y="connsiteY29"/>
+              </a:cxn>
+              <a:cxn ang="0">
+                <a:pos x="connsiteX30" y="connsiteY30"/>
+              </a:cxn>
+              <a:cxn ang="0">
+                <a:pos x="connsiteX31" y="connsiteY31"/>
+              </a:cxn>
+              <a:cxn ang="0">
+                <a:pos x="connsiteX32" y="connsiteY32"/>
+              </a:cxn>
+              <a:cxn ang="0">
+                <a:pos x="connsiteX33" y="connsiteY33"/>
+              </a:cxn>
+              <a:cxn ang="0">
+                <a:pos x="connsiteX34" y="connsiteY34"/>
+              </a:cxn>
+              <a:cxn ang="0">
+                <a:pos x="connsiteX35" y="connsiteY35"/>
+              </a:cxn>
+            </a:cxnLst>
+            <a:rect l="l" t="t" r="r" b="b"/>
+            <a:pathLst>
+              <a:path w="559472" h="3709642">
+                <a:moveTo>
+                  <a:pt x="0" y="0"/>
+                </a:moveTo>
+                <a:lnTo>
+                  <a:pt x="473952" y="0"/>
+                </a:lnTo>
+                <a:lnTo>
+                  <a:pt x="485840" y="161194"/>
+                </a:lnTo>
+                <a:cubicBezTo>
+                  <a:pt x="552063" y="1147770"/>
+                  <a:pt x="592441" y="3086737"/>
+                  <a:pt x="523949" y="3672197"/>
+                </a:cubicBezTo>
+                <a:cubicBezTo>
+                  <a:pt x="500842" y="3684557"/>
+                  <a:pt x="477855" y="3697282"/>
+                  <a:pt x="454748" y="3709642"/>
+                </a:cubicBezTo>
+                <a:lnTo>
+                  <a:pt x="448224" y="3510471"/>
+                </a:lnTo>
+                <a:lnTo>
+                  <a:pt x="443564" y="3408563"/>
+                </a:lnTo>
+                <a:lnTo>
+                  <a:pt x="438902" y="3304407"/>
+                </a:lnTo>
+                <a:lnTo>
+                  <a:pt x="433941" y="3198777"/>
+                </a:lnTo>
+                <a:lnTo>
+                  <a:pt x="427584" y="3092510"/>
+                </a:lnTo>
+                <a:lnTo>
+                  <a:pt x="420988" y="2984390"/>
+                </a:lnTo>
+                <a:lnTo>
+                  <a:pt x="414330" y="2874401"/>
+                </a:lnTo>
+                <a:lnTo>
+                  <a:pt x="406840" y="2762980"/>
+                </a:lnTo>
+                <a:lnTo>
+                  <a:pt x="397745" y="2650566"/>
+                </a:lnTo>
+                <a:lnTo>
+                  <a:pt x="389154" y="2536612"/>
+                </a:lnTo>
+                <a:lnTo>
+                  <a:pt x="379225" y="2421642"/>
+                </a:lnTo>
+                <a:lnTo>
+                  <a:pt x="368316" y="2305627"/>
+                </a:lnTo>
+                <a:lnTo>
+                  <a:pt x="357466" y="2189233"/>
+                </a:lnTo>
+                <a:lnTo>
+                  <a:pt x="344982" y="2071473"/>
+                </a:lnTo>
+                <a:lnTo>
+                  <a:pt x="332466" y="1952216"/>
+                </a:lnTo>
+                <a:lnTo>
+                  <a:pt x="319121" y="1833776"/>
+                </a:lnTo>
+                <a:lnTo>
+                  <a:pt x="304408" y="1713948"/>
+                </a:lnTo>
+                <a:lnTo>
+                  <a:pt x="288685" y="1592703"/>
+                </a:lnTo>
+                <a:lnTo>
+                  <a:pt x="273050" y="1471451"/>
+                </a:lnTo>
+                <a:lnTo>
+                  <a:pt x="255813" y="1350328"/>
+                </a:lnTo>
+                <a:lnTo>
+                  <a:pt x="237060" y="1227080"/>
+                </a:lnTo>
+                <a:lnTo>
+                  <a:pt x="218488" y="1106065"/>
+                </a:lnTo>
+                <a:lnTo>
+                  <a:pt x="198221" y="982940"/>
+                </a:lnTo>
+                <a:lnTo>
+                  <a:pt x="177152" y="858755"/>
+                </a:lnTo>
+                <a:lnTo>
+                  <a:pt x="155551" y="736861"/>
+                </a:lnTo>
+                <a:lnTo>
+                  <a:pt x="131782" y="613645"/>
+                </a:lnTo>
+                <a:lnTo>
+                  <a:pt x="107123" y="490500"/>
+                </a:lnTo>
+                <a:lnTo>
+                  <a:pt x="82552" y="367348"/>
+                </a:lnTo>
+                <a:lnTo>
+                  <a:pt x="55608" y="244762"/>
+                </a:lnTo>
+                <a:lnTo>
+                  <a:pt x="28130" y="122220"/>
+                </a:lnTo>
+                <a:lnTo>
+                  <a:pt x="0" y="0"/>
+                </a:lnTo>
+                <a:close/>
+              </a:path>
+            </a:pathLst>
+          </a:custGeom>
+          <a:solidFill>
+            <a:schemeClr val="bg1">
+              <a:alpha val="20000"/>
+            </a:schemeClr>
+          </a:solidFill>
+          <a:ln>
+            <a:noFill/>
+          </a:ln>
+        </p:spPr>
+        <p:txBody>
+          <a:bodyPr rtlCol="0" anchor="ctr"/>
+          <a:lstStyle/>
+          <a:p>
+            <a:pPr algn="ctr"/>
+            <a:endParaRPr lang="en-US"/>
+          </a:p>
+        </p:txBody>
+      </p:sp>
+      <p:sp useBgFill="1">
+        <p:nvSpPr>
+          <p:cNvPr id="101" name="Freeform: Shape 94">
+            <a:extLst>
+              <a:ext uri="{FF2B5EF4-FFF2-40B4-BE49-F238E27FC236}">
+                <a16:creationId xmlns:a16="http://schemas.microsoft.com/office/drawing/2014/main" id="{70151CB7-E7DE-4917-B831-01DF9CE01306}"/>
+              </a:ext>
+              <a:ext uri="{C183D7F6-B498-43B3-948B-1728B52AA6E4}">
+                <adec:decorative xmlns:adec="http://schemas.microsoft.com/office/drawing/2017/decorative" val="1"/>
+              </a:ext>
+            </a:extLst>
+          </p:cNvPr>
+          <p:cNvSpPr>
+            <a:spLocks noGrp="1" noRot="1" noChangeAspect="1" noMove="1" noResize="1" noEditPoints="1" noAdjustHandles="1" noChangeArrowheads="1" noChangeShapeType="1" noTextEdit="1"/>
+          </p:cNvSpPr>
+          <p:nvPr>
+            <p:extLst>
+              <p:ext uri="{386F3935-93C4-4BCD-93E2-E3B085C9AB24}">
+                <p16:designElem xmlns:p16="http://schemas.microsoft.com/office/powerpoint/2015/main" val="1"/>
+              </p:ext>
+            </p:extLst>
+          </p:nvPr>
+        </p:nvSpPr>
+        <p:spPr bwMode="gray">
+          <a:xfrm rot="16200000">
+            <a:off x="5270819" y="-63600"/>
+            <a:ext cx="6858001" cy="6985200"/>
+          </a:xfrm>
+          <a:custGeom>
+            <a:avLst/>
+            <a:gdLst>
+              <a:gd name="connsiteX0" fmla="*/ 6858001 w 6858001"/>
+              <a:gd name="connsiteY0" fmla="*/ 1177 h 6985200"/>
+              <a:gd name="connsiteX1" fmla="*/ 6858001 w 6858001"/>
+              <a:gd name="connsiteY1" fmla="*/ 1344715 h 6985200"/>
+              <a:gd name="connsiteX2" fmla="*/ 6858000 w 6858001"/>
+              <a:gd name="connsiteY2" fmla="*/ 1344715 h 6985200"/>
+              <a:gd name="connsiteX3" fmla="*/ 6858000 w 6858001"/>
+              <a:gd name="connsiteY3" fmla="*/ 6985200 h 6985200"/>
+              <a:gd name="connsiteX4" fmla="*/ 0 w 6858001"/>
+              <a:gd name="connsiteY4" fmla="*/ 6985199 h 6985200"/>
+              <a:gd name="connsiteX5" fmla="*/ 0 w 6858001"/>
+              <a:gd name="connsiteY5" fmla="*/ 886772 h 6985200"/>
+              <a:gd name="connsiteX6" fmla="*/ 1 w 6858001"/>
+              <a:gd name="connsiteY6" fmla="*/ 886772 h 6985200"/>
+              <a:gd name="connsiteX7" fmla="*/ 1 w 6858001"/>
+              <a:gd name="connsiteY7" fmla="*/ 0 h 6985200"/>
+              <a:gd name="connsiteX8" fmla="*/ 40463 w 6858001"/>
+              <a:gd name="connsiteY8" fmla="*/ 5883 h 6985200"/>
+              <a:gd name="connsiteX9" fmla="*/ 159107 w 6858001"/>
+              <a:gd name="connsiteY9" fmla="*/ 23196 h 6985200"/>
+              <a:gd name="connsiteX10" fmla="*/ 245518 w 6858001"/>
+              <a:gd name="connsiteY10" fmla="*/ 35299 h 6985200"/>
+              <a:gd name="connsiteX11" fmla="*/ 348388 w 6858001"/>
+              <a:gd name="connsiteY11" fmla="*/ 48073 h 6985200"/>
+              <a:gd name="connsiteX12" fmla="*/ 470460 w 6858001"/>
+              <a:gd name="connsiteY12" fmla="*/ 63369 h 6985200"/>
+              <a:gd name="connsiteX13" fmla="*/ 605563 w 6858001"/>
+              <a:gd name="connsiteY13" fmla="*/ 79506 h 6985200"/>
+              <a:gd name="connsiteX14" fmla="*/ 757810 w 6858001"/>
+              <a:gd name="connsiteY14" fmla="*/ 96483 h 6985200"/>
+              <a:gd name="connsiteX15" fmla="*/ 923774 w 6858001"/>
+              <a:gd name="connsiteY15" fmla="*/ 114469 h 6985200"/>
+              <a:gd name="connsiteX16" fmla="*/ 1104139 w 6858001"/>
+              <a:gd name="connsiteY16" fmla="*/ 132454 h 6985200"/>
+              <a:gd name="connsiteX17" fmla="*/ 1296163 w 6858001"/>
+              <a:gd name="connsiteY17" fmla="*/ 150776 h 6985200"/>
+              <a:gd name="connsiteX18" fmla="*/ 1503275 w 6858001"/>
+              <a:gd name="connsiteY18" fmla="*/ 167753 h 6985200"/>
+              <a:gd name="connsiteX19" fmla="*/ 1719988 w 6858001"/>
+              <a:gd name="connsiteY19" fmla="*/ 184058 h 6985200"/>
+              <a:gd name="connsiteX20" fmla="*/ 1949045 w 6858001"/>
+              <a:gd name="connsiteY20" fmla="*/ 198849 h 6985200"/>
+              <a:gd name="connsiteX21" fmla="*/ 2187703 w 6858001"/>
+              <a:gd name="connsiteY21" fmla="*/ 212969 h 6985200"/>
+              <a:gd name="connsiteX22" fmla="*/ 2436649 w 6858001"/>
+              <a:gd name="connsiteY22" fmla="*/ 226248 h 6985200"/>
+              <a:gd name="connsiteX23" fmla="*/ 2564208 w 6858001"/>
+              <a:gd name="connsiteY23" fmla="*/ 230955 h 6985200"/>
+              <a:gd name="connsiteX24" fmla="*/ 2694509 w 6858001"/>
+              <a:gd name="connsiteY24" fmla="*/ 236165 h 6985200"/>
+              <a:gd name="connsiteX25" fmla="*/ 2826869 w 6858001"/>
+              <a:gd name="connsiteY25" fmla="*/ 241040 h 6985200"/>
+              <a:gd name="connsiteX26" fmla="*/ 2959914 w 6858001"/>
+              <a:gd name="connsiteY26" fmla="*/ 244234 h 6985200"/>
+              <a:gd name="connsiteX27" fmla="*/ 3095702 w 6858001"/>
+              <a:gd name="connsiteY27" fmla="*/ 247091 h 6985200"/>
+              <a:gd name="connsiteX28" fmla="*/ 3232862 w 6858001"/>
+              <a:gd name="connsiteY28" fmla="*/ 250117 h 6985200"/>
+              <a:gd name="connsiteX29" fmla="*/ 3372766 w 6858001"/>
+              <a:gd name="connsiteY29" fmla="*/ 252134 h 6985200"/>
+              <a:gd name="connsiteX30" fmla="*/ 3514040 w 6858001"/>
+              <a:gd name="connsiteY30" fmla="*/ 252134 h 6985200"/>
+              <a:gd name="connsiteX31" fmla="*/ 3656686 w 6858001"/>
+              <a:gd name="connsiteY31" fmla="*/ 253142 h 6985200"/>
+              <a:gd name="connsiteX32" fmla="*/ 3800705 w 6858001"/>
+              <a:gd name="connsiteY32" fmla="*/ 252134 h 6985200"/>
+              <a:gd name="connsiteX33" fmla="*/ 3946780 w 6858001"/>
+              <a:gd name="connsiteY33" fmla="*/ 250117 h 6985200"/>
+              <a:gd name="connsiteX34" fmla="*/ 4092856 w 6858001"/>
+              <a:gd name="connsiteY34" fmla="*/ 248268 h 6985200"/>
+              <a:gd name="connsiteX35" fmla="*/ 4240988 w 6858001"/>
+              <a:gd name="connsiteY35" fmla="*/ 244234 h 6985200"/>
+              <a:gd name="connsiteX36" fmla="*/ 4390492 w 6858001"/>
+              <a:gd name="connsiteY36" fmla="*/ 240032 h 6985200"/>
+              <a:gd name="connsiteX37" fmla="*/ 4539997 w 6858001"/>
+              <a:gd name="connsiteY37" fmla="*/ 235157 h 6985200"/>
+              <a:gd name="connsiteX38" fmla="*/ 4690873 w 6858001"/>
+              <a:gd name="connsiteY38" fmla="*/ 228266 h 6985200"/>
+              <a:gd name="connsiteX39" fmla="*/ 4843120 w 6858001"/>
+              <a:gd name="connsiteY39" fmla="*/ 220029 h 6985200"/>
+              <a:gd name="connsiteX40" fmla="*/ 4996054 w 6858001"/>
+              <a:gd name="connsiteY40" fmla="*/ 212129 h 6985200"/>
+              <a:gd name="connsiteX41" fmla="*/ 5148987 w 6858001"/>
+              <a:gd name="connsiteY41" fmla="*/ 202044 h 6985200"/>
+              <a:gd name="connsiteX42" fmla="*/ 5303978 w 6858001"/>
+              <a:gd name="connsiteY42" fmla="*/ 189941 h 6985200"/>
+              <a:gd name="connsiteX43" fmla="*/ 5456911 w 6858001"/>
+              <a:gd name="connsiteY43" fmla="*/ 177839 h 6985200"/>
+              <a:gd name="connsiteX44" fmla="*/ 5612588 w 6858001"/>
+              <a:gd name="connsiteY44" fmla="*/ 163887 h 6985200"/>
+              <a:gd name="connsiteX45" fmla="*/ 5768950 w 6858001"/>
+              <a:gd name="connsiteY45" fmla="*/ 148591 h 6985200"/>
+              <a:gd name="connsiteX46" fmla="*/ 5923255 w 6858001"/>
+              <a:gd name="connsiteY46" fmla="*/ 132455 h 6985200"/>
+              <a:gd name="connsiteX47" fmla="*/ 6079618 w 6858001"/>
+              <a:gd name="connsiteY47" fmla="*/ 113629 h 6985200"/>
+              <a:gd name="connsiteX48" fmla="*/ 6235294 w 6858001"/>
+              <a:gd name="connsiteY48" fmla="*/ 93458 h 6985200"/>
+              <a:gd name="connsiteX49" fmla="*/ 6391657 w 6858001"/>
+              <a:gd name="connsiteY49" fmla="*/ 73455 h 6985200"/>
+              <a:gd name="connsiteX50" fmla="*/ 6547333 w 6858001"/>
+              <a:gd name="connsiteY50" fmla="*/ 50091 h 6985200"/>
+              <a:gd name="connsiteX51" fmla="*/ 6702324 w 6858001"/>
+              <a:gd name="connsiteY51" fmla="*/ 26222 h 6985200"/>
+            </a:gdLst>
+            <a:ahLst/>
+            <a:cxnLst>
+              <a:cxn ang="0">
+                <a:pos x="connsiteX0" y="connsiteY0"/>
+              </a:cxn>
+              <a:cxn ang="0">
+                <a:pos x="connsiteX1" y="connsiteY1"/>
+              </a:cxn>
+              <a:cxn ang="0">
+                <a:pos x="connsiteX2" y="connsiteY2"/>
+              </a:cxn>
+              <a:cxn ang="0">
+                <a:pos x="connsiteX3" y="connsiteY3"/>
+              </a:cxn>
+              <a:cxn ang="0">
+                <a:pos x="connsiteX4" y="connsiteY4"/>
+              </a:cxn>
+              <a:cxn ang="0">
+                <a:pos x="connsiteX5" y="connsiteY5"/>
+              </a:cxn>
+              <a:cxn ang="0">
+                <a:pos x="connsiteX6" y="connsiteY6"/>
+              </a:cxn>
+              <a:cxn ang="0">
+                <a:pos x="connsiteX7" y="connsiteY7"/>
+              </a:cxn>
+              <a:cxn ang="0">
+                <a:pos x="connsiteX8" y="connsiteY8"/>
+              </a:cxn>
+              <a:cxn ang="0">
+                <a:pos x="connsiteX9" y="connsiteY9"/>
+              </a:cxn>
+              <a:cxn ang="0">
+                <a:pos x="connsiteX10" y="connsiteY10"/>
+              </a:cxn>
+              <a:cxn ang="0">
+                <a:pos x="connsiteX11" y="connsiteY11"/>
+              </a:cxn>
+              <a:cxn ang="0">
+                <a:pos x="connsiteX12" y="connsiteY12"/>
+              </a:cxn>
+              <a:cxn ang="0">
+                <a:pos x="connsiteX13" y="connsiteY13"/>
+              </a:cxn>
+              <a:cxn ang="0">
+                <a:pos x="connsiteX14" y="connsiteY14"/>
+              </a:cxn>
+              <a:cxn ang="0">
+                <a:pos x="connsiteX15" y="connsiteY15"/>
+              </a:cxn>
+              <a:cxn ang="0">
+                <a:pos x="connsiteX16" y="connsiteY16"/>
+              </a:cxn>
+              <a:cxn ang="0">
+                <a:pos x="connsiteX17" y="connsiteY17"/>
+              </a:cxn>
+              <a:cxn ang="0">
+                <a:pos x="connsiteX18" y="connsiteY18"/>
+              </a:cxn>
+              <a:cxn ang="0">
+                <a:pos x="connsiteX19" y="connsiteY19"/>
+              </a:cxn>
+              <a:cxn ang="0">
+                <a:pos x="connsiteX20" y="connsiteY20"/>
+              </a:cxn>
+              <a:cxn ang="0">
+                <a:pos x="connsiteX21" y="connsiteY21"/>
+              </a:cxn>
+              <a:cxn ang="0">
+                <a:pos x="connsiteX22" y="connsiteY22"/>
+              </a:cxn>
+              <a:cxn ang="0">
+                <a:pos x="connsiteX23" y="connsiteY23"/>
+              </a:cxn>
+              <a:cxn ang="0">
+                <a:pos x="connsiteX24" y="connsiteY24"/>
+              </a:cxn>
+              <a:cxn ang="0">
+                <a:pos x="connsiteX25" y="connsiteY25"/>
+              </a:cxn>
+              <a:cxn ang="0">
+                <a:pos x="connsiteX26" y="connsiteY26"/>
+              </a:cxn>
+              <a:cxn ang="0">
+                <a:pos x="connsiteX27" y="connsiteY27"/>
+              </a:cxn>
+              <a:cxn ang="0">
+                <a:pos x="connsiteX28" y="connsiteY28"/>
+              </a:cxn>
+              <a:cxn ang="0">
+                <a:pos x="connsiteX29" y="connsiteY29"/>
+              </a:cxn>
+              <a:cxn ang="0">
+                <a:pos x="connsiteX30" y="connsiteY30"/>
+              </a:cxn>
+              <a:cxn ang="0">
+                <a:pos x="connsiteX31" y="connsiteY31"/>
+              </a:cxn>
+              <a:cxn ang="0">
+                <a:pos x="connsiteX32" y="connsiteY32"/>
+              </a:cxn>
+              <a:cxn ang="0">
+                <a:pos x="connsiteX33" y="connsiteY33"/>
+              </a:cxn>
+              <a:cxn ang="0">
+                <a:pos x="connsiteX34" y="connsiteY34"/>
+              </a:cxn>
+              <a:cxn ang="0">
+                <a:pos x="connsiteX35" y="connsiteY35"/>
+              </a:cxn>
+              <a:cxn ang="0">
+                <a:pos x="connsiteX36" y="connsiteY36"/>
+              </a:cxn>
+              <a:cxn ang="0">
+                <a:pos x="connsiteX37" y="connsiteY37"/>
+              </a:cxn>
+              <a:cxn ang="0">
+                <a:pos x="connsiteX38" y="connsiteY38"/>
+              </a:cxn>
+              <a:cxn ang="0">
+                <a:pos x="connsiteX39" y="connsiteY39"/>
+              </a:cxn>
+              <a:cxn ang="0">
+                <a:pos x="connsiteX40" y="connsiteY40"/>
+              </a:cxn>
+              <a:cxn ang="0">
+                <a:pos x="connsiteX41" y="connsiteY41"/>
+              </a:cxn>
+              <a:cxn ang="0">
+                <a:pos x="connsiteX42" y="connsiteY42"/>
+              </a:cxn>
+              <a:cxn ang="0">
+                <a:pos x="connsiteX43" y="connsiteY43"/>
+              </a:cxn>
+              <a:cxn ang="0">
+                <a:pos x="connsiteX44" y="connsiteY44"/>
+              </a:cxn>
+              <a:cxn ang="0">
+                <a:pos x="connsiteX45" y="connsiteY45"/>
+              </a:cxn>
+              <a:cxn ang="0">
+                <a:pos x="connsiteX46" y="connsiteY46"/>
+              </a:cxn>
+              <a:cxn ang="0">
+                <a:pos x="connsiteX47" y="connsiteY47"/>
+              </a:cxn>
+              <a:cxn ang="0">
+                <a:pos x="connsiteX48" y="connsiteY48"/>
+              </a:cxn>
+              <a:cxn ang="0">
+                <a:pos x="connsiteX49" y="connsiteY49"/>
+              </a:cxn>
+              <a:cxn ang="0">
+                <a:pos x="connsiteX50" y="connsiteY50"/>
+              </a:cxn>
+              <a:cxn ang="0">
+                <a:pos x="connsiteX51" y="connsiteY51"/>
+              </a:cxn>
+            </a:cxnLst>
+            <a:rect l="l" t="t" r="r" b="b"/>
+            <a:pathLst>
+              <a:path w="6858001" h="6985200">
+                <a:moveTo>
+                  <a:pt x="6858001" y="1177"/>
+                </a:moveTo>
+                <a:lnTo>
+                  <a:pt x="6858001" y="1344715"/>
+                </a:lnTo>
+                <a:lnTo>
+                  <a:pt x="6858000" y="1344715"/>
+                </a:lnTo>
+                <a:lnTo>
+                  <a:pt x="6858000" y="6985200"/>
+                </a:lnTo>
+                <a:lnTo>
+                  <a:pt x="0" y="6985199"/>
+                </a:lnTo>
+                <a:lnTo>
+                  <a:pt x="0" y="886772"/>
+                </a:lnTo>
+                <a:lnTo>
+                  <a:pt x="1" y="886772"/>
+                </a:lnTo>
+                <a:lnTo>
+                  <a:pt x="1" y="0"/>
+                </a:lnTo>
+                <a:lnTo>
+                  <a:pt x="40463" y="5883"/>
+                </a:lnTo>
+                <a:lnTo>
+                  <a:pt x="159107" y="23196"/>
+                </a:lnTo>
+                <a:lnTo>
+                  <a:pt x="245518" y="35299"/>
+                </a:lnTo>
+                <a:lnTo>
+                  <a:pt x="348388" y="48073"/>
+                </a:lnTo>
+                <a:lnTo>
+                  <a:pt x="470460" y="63369"/>
+                </a:lnTo>
+                <a:lnTo>
+                  <a:pt x="605563" y="79506"/>
+                </a:lnTo>
+                <a:lnTo>
+                  <a:pt x="757810" y="96483"/>
+                </a:lnTo>
+                <a:lnTo>
+                  <a:pt x="923774" y="114469"/>
+                </a:lnTo>
+                <a:lnTo>
+                  <a:pt x="1104139" y="132454"/>
+                </a:lnTo>
+                <a:lnTo>
+                  <a:pt x="1296163" y="150776"/>
+                </a:lnTo>
+                <a:lnTo>
+                  <a:pt x="1503275" y="167753"/>
+                </a:lnTo>
+                <a:lnTo>
+                  <a:pt x="1719988" y="184058"/>
+                </a:lnTo>
+                <a:lnTo>
+                  <a:pt x="1949045" y="198849"/>
+                </a:lnTo>
+                <a:lnTo>
+                  <a:pt x="2187703" y="212969"/>
+                </a:lnTo>
+                <a:lnTo>
+                  <a:pt x="2436649" y="226248"/>
+                </a:lnTo>
+                <a:lnTo>
+                  <a:pt x="2564208" y="230955"/>
+                </a:lnTo>
+                <a:lnTo>
+                  <a:pt x="2694509" y="236165"/>
+                </a:lnTo>
+                <a:lnTo>
+                  <a:pt x="2826869" y="241040"/>
+                </a:lnTo>
+                <a:lnTo>
+                  <a:pt x="2959914" y="244234"/>
+                </a:lnTo>
+                <a:lnTo>
+                  <a:pt x="3095702" y="247091"/>
+                </a:lnTo>
+                <a:lnTo>
+                  <a:pt x="3232862" y="250117"/>
+                </a:lnTo>
+                <a:lnTo>
+                  <a:pt x="3372766" y="252134"/>
+                </a:lnTo>
+                <a:lnTo>
+                  <a:pt x="3514040" y="252134"/>
+                </a:lnTo>
+                <a:lnTo>
+                  <a:pt x="3656686" y="253142"/>
+                </a:lnTo>
+                <a:lnTo>
+                  <a:pt x="3800705" y="252134"/>
+                </a:lnTo>
+                <a:lnTo>
+                  <a:pt x="3946780" y="250117"/>
+                </a:lnTo>
+                <a:lnTo>
+                  <a:pt x="4092856" y="248268"/>
+                </a:lnTo>
+                <a:lnTo>
+                  <a:pt x="4240988" y="244234"/>
+                </a:lnTo>
+                <a:lnTo>
+                  <a:pt x="4390492" y="240032"/>
+                </a:lnTo>
+                <a:lnTo>
+                  <a:pt x="4539997" y="235157"/>
+                </a:lnTo>
+                <a:lnTo>
+                  <a:pt x="4690873" y="228266"/>
+                </a:lnTo>
+                <a:lnTo>
+                  <a:pt x="4843120" y="220029"/>
+                </a:lnTo>
+                <a:lnTo>
+                  <a:pt x="4996054" y="212129"/>
+                </a:lnTo>
+                <a:lnTo>
+                  <a:pt x="5148987" y="202044"/>
+                </a:lnTo>
+                <a:lnTo>
+                  <a:pt x="5303978" y="189941"/>
+                </a:lnTo>
+                <a:lnTo>
+                  <a:pt x="5456911" y="177839"/>
+                </a:lnTo>
+                <a:lnTo>
+                  <a:pt x="5612588" y="163887"/>
+                </a:lnTo>
+                <a:lnTo>
+                  <a:pt x="5768950" y="148591"/>
+                </a:lnTo>
+                <a:lnTo>
+                  <a:pt x="5923255" y="132455"/>
+                </a:lnTo>
+                <a:lnTo>
+                  <a:pt x="6079618" y="113629"/>
+                </a:lnTo>
+                <a:lnTo>
+                  <a:pt x="6235294" y="93458"/>
+                </a:lnTo>
+                <a:lnTo>
+                  <a:pt x="6391657" y="73455"/>
+                </a:lnTo>
+                <a:lnTo>
+                  <a:pt x="6547333" y="50091"/>
+                </a:lnTo>
+                <a:lnTo>
+                  <a:pt x="6702324" y="26222"/>
+                </a:lnTo>
+                <a:close/>
+              </a:path>
+            </a:pathLst>
+          </a:custGeom>
+          <a:ln>
+            <a:noFill/>
+          </a:ln>
+        </p:spPr>
+      </p:sp>
+      <p:pic>
+        <p:nvPicPr>
+          <p:cNvPr id="20" name="Picture 19">
+            <a:extLst>
+              <a:ext uri="{FF2B5EF4-FFF2-40B4-BE49-F238E27FC236}">
+                <a16:creationId xmlns:a16="http://schemas.microsoft.com/office/drawing/2014/main" id="{6DE0F826-0F1A-42BA-A2C2-6F96F858CCC1}"/>
+              </a:ext>
+            </a:extLst>
+          </p:cNvPr>
+          <p:cNvPicPr/>
+          <p:nvPr/>
+        </p:nvPicPr>
+        <p:blipFill>
+          <a:blip r:embed="rId2"/>
+          <a:stretch>
+            <a:fillRect/>
+          </a:stretch>
+        </p:blipFill>
+        <p:spPr>
+          <a:xfrm>
+            <a:off x="6303146" y="2101784"/>
+            <a:ext cx="5088335" cy="3054498"/>
+          </a:xfrm>
+          <a:prstGeom prst="rect">
+            <a:avLst/>
+          </a:prstGeom>
+          <a:effectLst/>
+        </p:spPr>
+      </p:pic>
+      <p:sp>
+        <p:nvSpPr>
+          <p:cNvPr id="102" name="Rectangle 96">
+            <a:extLst>
+              <a:ext uri="{FF2B5EF4-FFF2-40B4-BE49-F238E27FC236}">
+                <a16:creationId xmlns:a16="http://schemas.microsoft.com/office/drawing/2014/main" id="{A92A1116-1C84-41DF-B803-1F7B0883EC82}"/>
+              </a:ext>
+              <a:ext uri="{C183D7F6-B498-43B3-948B-1728B52AA6E4}">
+                <adec:decorative xmlns:adec="http://schemas.microsoft.com/office/drawing/2017/decorative" val="1"/>
+              </a:ext>
+            </a:extLst>
+          </p:cNvPr>
+          <p:cNvSpPr>
+            <a:spLocks noGrp="1" noRot="1" noChangeAspect="1" noMove="1" noResize="1" noEditPoints="1" noAdjustHandles="1" noChangeArrowheads="1" noChangeShapeType="1" noTextEdit="1"/>
+          </p:cNvSpPr>
+          <p:nvPr>
+            <p:extLst>
+              <p:ext uri="{386F3935-93C4-4BCD-93E2-E3B085C9AB24}">
+                <p16:designElem xmlns:p16="http://schemas.microsoft.com/office/powerpoint/2015/main" val="1"/>
+              </p:ext>
+            </p:extLst>
+          </p:nvPr>
+        </p:nvSpPr>
+        <p:spPr>
+          <a:xfrm>
+            <a:off x="10442448" y="0"/>
+            <a:ext cx="685800" cy="1143000"/>
+          </a:xfrm>
+          <a:prstGeom prst="rect">
+            <a:avLst/>
+          </a:prstGeom>
+          <a:solidFill>
+            <a:schemeClr val="accent1"/>
+          </a:solidFill>
+          <a:ln>
+            <a:noFill/>
+          </a:ln>
+        </p:spPr>
+        <p:style>
+          <a:lnRef idx="1">
+            <a:schemeClr val="accent1"/>
+          </a:lnRef>
+          <a:fillRef idx="3">
+            <a:schemeClr val="accent1"/>
+          </a:fillRef>
+          <a:effectRef idx="2">
+            <a:schemeClr val="accent1"/>
+          </a:effectRef>
+          <a:fontRef idx="minor">
+            <a:schemeClr val="lt1"/>
+          </a:fontRef>
+        </p:style>
+      </p:sp>
+      <p:sp>
+        <p:nvSpPr>
+          <p:cNvPr id="3" name="Content Placeholder 2">
+            <a:extLst>
+              <a:ext uri="{FF2B5EF4-FFF2-40B4-BE49-F238E27FC236}">
+                <a16:creationId xmlns:a16="http://schemas.microsoft.com/office/drawing/2014/main" id="{D657C1C9-79ED-4C1D-BA70-29E2BAF8C6EE}"/>
+              </a:ext>
+            </a:extLst>
+          </p:cNvPr>
+          <p:cNvSpPr>
+            <a:spLocks noGrp="1"/>
+          </p:cNvSpPr>
+          <p:nvPr>
+            <p:ph idx="1"/>
+          </p:nvPr>
+        </p:nvSpPr>
+        <p:spPr>
+          <a:xfrm>
+            <a:off x="361951" y="2411896"/>
+            <a:ext cx="4453490" cy="3811924"/>
+          </a:xfrm>
+        </p:spPr>
+        <p:txBody>
+          <a:bodyPr>
+            <a:normAutofit/>
+          </a:bodyPr>
+          <a:lstStyle/>
+          <a:p>
+            <a:pPr>
+              <a:lnSpc>
+                <a:spcPct val="90000"/>
+              </a:lnSpc>
+            </a:pPr>
+            <a:r>
+              <a:rPr lang="en-US" sz="1400" dirty="0">
+                <a:solidFill>
+                  <a:srgbClr val="EBEBEB"/>
+                </a:solidFill>
+              </a:rPr>
+              <a:t>Lo</a:t>
+            </a:r>
+            <a:r>
+              <a:rPr lang="en-US" sz="1600" dirty="0">
+                <a:solidFill>
+                  <a:srgbClr val="EBEBEB"/>
+                </a:solidFill>
+              </a:rPr>
+              <a:t>w variance features identified using </a:t>
             </a:r>
             <a:r>
               <a:rPr lang="en-US" sz="1600" dirty="0" err="1">
@@ -26304,6 +29907,50 @@
               <a:lnSpc>
                 <a:spcPct val="90000"/>
               </a:lnSpc>
+            </a:pPr>
+            <a:r>
+              <a:rPr lang="en-US" sz="1600" dirty="0">
+                <a:solidFill>
+                  <a:srgbClr val="EBEBEB"/>
+                </a:solidFill>
+              </a:rPr>
+              <a:t>Applied </a:t>
+            </a:r>
+            <a:r>
+              <a:rPr lang="en-US" sz="1600" dirty="0" err="1">
+                <a:solidFill>
+                  <a:srgbClr val="EBEBEB"/>
+                </a:solidFill>
+              </a:rPr>
+              <a:t>yellowbrick</a:t>
+            </a:r>
+            <a:r>
+              <a:rPr lang="en-US" sz="1600" dirty="0">
+                <a:solidFill>
+                  <a:srgbClr val="EBEBEB"/>
+                </a:solidFill>
+              </a:rPr>
+              <a:t> feature selection </a:t>
+            </a:r>
+          </a:p>
+          <a:p>
+            <a:pPr>
+              <a:lnSpc>
+                <a:spcPct val="90000"/>
+              </a:lnSpc>
+            </a:pPr>
+            <a:endParaRPr lang="en-US" sz="1600" dirty="0">
+              <a:solidFill>
+                <a:srgbClr val="EBEBEB"/>
+              </a:solidFill>
+            </a:endParaRPr>
+          </a:p>
+          <a:p>
+            <a:pPr marL="0" indent="0">
+              <a:lnSpc>
+                <a:spcPct val="90000"/>
+              </a:lnSpc>
+              <a:buNone/>
             </a:pPr>
             <a:endParaRPr lang="en-US" sz="1300" dirty="0">
               <a:solidFill>
@@ -26420,7 +30067,7 @@
 </p:sld>
 </file>
 
-<file path=ppt/slides/slide12.xml><?xml version="1.0" encoding="utf-8"?>
+<file path=ppt/slides/slide15.xml><?xml version="1.0" encoding="utf-8"?>
 <p:sld xmlns:a="http://schemas.openxmlformats.org/drawingml/2006/main" xmlns:r="http://schemas.openxmlformats.org/officeDocument/2006/relationships" xmlns:p="http://schemas.openxmlformats.org/presentationml/2006/main">
   <p:cSld>
     <p:spTree>
@@ -27008,7 +30655,7 @@
 </p:sld>
 </file>
 
-<file path=ppt/slides/slide13.xml><?xml version="1.0" encoding="utf-8"?>
+<file path=ppt/slides/slide16.xml><?xml version="1.0" encoding="utf-8"?>
 <p:sld xmlns:a="http://schemas.openxmlformats.org/drawingml/2006/main" xmlns:r="http://schemas.openxmlformats.org/officeDocument/2006/relationships" xmlns:p="http://schemas.openxmlformats.org/presentationml/2006/main">
   <p:cSld>
     <p:bg>
@@ -27411,7 +31058,2667 @@
 </p:sld>
 </file>
 
-<file path=ppt/slides/slide14.xml><?xml version="1.0" encoding="utf-8"?>
+<file path=ppt/slides/slide17.xml><?xml version="1.0" encoding="utf-8"?>
+<p:sld xmlns:a="http://schemas.openxmlformats.org/drawingml/2006/main" xmlns:r="http://schemas.openxmlformats.org/officeDocument/2006/relationships" xmlns:p="http://schemas.openxmlformats.org/presentationml/2006/main">
+  <p:cSld>
+    <p:bg>
+      <p:bgPr>
+        <a:solidFill>
+          <a:schemeClr val="bg1"/>
+        </a:solidFill>
+        <a:effectLst/>
+      </p:bgPr>
+    </p:bg>
+    <p:spTree>
+      <p:nvGrpSpPr>
+        <p:cNvPr id="1" name=""/>
+        <p:cNvGrpSpPr/>
+        <p:nvPr/>
+      </p:nvGrpSpPr>
+      <p:grpSpPr>
+        <a:xfrm>
+          <a:off x="0" y="0"/>
+          <a:ext cx="0" cy="0"/>
+          <a:chOff x="0" y="0"/>
+          <a:chExt cx="0" cy="0"/>
+        </a:xfrm>
+      </p:grpSpPr>
+      <p:pic>
+        <p:nvPicPr>
+          <p:cNvPr id="95" name="Picture 94">
+            <a:extLst>
+              <a:ext uri="{FF2B5EF4-FFF2-40B4-BE49-F238E27FC236}">
+                <a16:creationId xmlns:a16="http://schemas.microsoft.com/office/drawing/2014/main" id="{41B68C77-138E-4BF7-A276-BD0C78A4219F}"/>
+              </a:ext>
+              <a:ext uri="{C183D7F6-B498-43B3-948B-1728B52AA6E4}">
+                <adec:decorative xmlns:adec="http://schemas.microsoft.com/office/drawing/2017/decorative" val="1"/>
+              </a:ext>
+            </a:extLst>
+          </p:cNvPr>
+          <p:cNvPicPr>
+            <a:picLocks noGrp="1" noRot="1" noChangeAspect="1" noMove="1" noResize="1" noEditPoints="1" noAdjustHandles="1" noChangeArrowheads="1" noChangeShapeType="1" noCrop="1"/>
+          </p:cNvPicPr>
+          <p:nvPr>
+            <p:extLst>
+              <p:ext uri="{386F3935-93C4-4BCD-93E2-E3B085C9AB24}">
+                <p16:designElem xmlns:p16="http://schemas.microsoft.com/office/powerpoint/2015/main" val="1"/>
+              </p:ext>
+            </p:extLst>
+          </p:nvPr>
+        </p:nvPicPr>
+        <p:blipFill rotWithShape="1">
+          <a:blip r:embed="rId2">
+            <a:extLst>
+              <a:ext uri="{28A0092B-C50C-407E-A947-70E740481C1C}">
+                <a14:useLocalDpi xmlns:a14="http://schemas.microsoft.com/office/drawing/2010/main" val="0"/>
+              </a:ext>
+            </a:extLst>
+          </a:blip>
+          <a:srcRect l="3613"/>
+          <a:stretch/>
+        </p:blipFill>
+        <p:spPr>
+          <a:xfrm>
+            <a:off x="0" y="2669685"/>
+            <a:ext cx="4037012" cy="4188315"/>
+          </a:xfrm>
+          <a:prstGeom prst="rect">
+            <a:avLst/>
+          </a:prstGeom>
+        </p:spPr>
+      </p:pic>
+      <p:pic>
+        <p:nvPicPr>
+          <p:cNvPr id="97" name="Picture 96">
+            <a:extLst>
+              <a:ext uri="{FF2B5EF4-FFF2-40B4-BE49-F238E27FC236}">
+                <a16:creationId xmlns:a16="http://schemas.microsoft.com/office/drawing/2014/main" id="{7C268552-D473-46ED-B1B8-422042C4DEF1}"/>
+              </a:ext>
+              <a:ext uri="{C183D7F6-B498-43B3-948B-1728B52AA6E4}">
+                <adec:decorative xmlns:adec="http://schemas.microsoft.com/office/drawing/2017/decorative" val="1"/>
+              </a:ext>
+            </a:extLst>
+          </p:cNvPr>
+          <p:cNvPicPr>
+            <a:picLocks noGrp="1" noRot="1" noChangeAspect="1" noMove="1" noResize="1" noEditPoints="1" noAdjustHandles="1" noChangeArrowheads="1" noChangeShapeType="1" noCrop="1"/>
+          </p:cNvPicPr>
+          <p:nvPr>
+            <p:extLst>
+              <p:ext uri="{386F3935-93C4-4BCD-93E2-E3B085C9AB24}">
+                <p16:designElem xmlns:p16="http://schemas.microsoft.com/office/powerpoint/2015/main" val="1"/>
+              </p:ext>
+            </p:extLst>
+          </p:nvPr>
+        </p:nvPicPr>
+        <p:blipFill rotWithShape="1">
+          <a:blip r:embed="rId3">
+            <a:extLst>
+              <a:ext uri="{28A0092B-C50C-407E-A947-70E740481C1C}">
+                <a14:useLocalDpi xmlns:a14="http://schemas.microsoft.com/office/drawing/2010/main" val="0"/>
+              </a:ext>
+            </a:extLst>
+          </a:blip>
+          <a:srcRect l="35640"/>
+          <a:stretch/>
+        </p:blipFill>
+        <p:spPr>
+          <a:xfrm>
+            <a:off x="0" y="2892347"/>
+            <a:ext cx="1522412" cy="2365453"/>
+          </a:xfrm>
+          <a:prstGeom prst="rect">
+            <a:avLst/>
+          </a:prstGeom>
+        </p:spPr>
+      </p:pic>
+      <p:sp>
+        <p:nvSpPr>
+          <p:cNvPr id="99" name="Oval 98">
+            <a:extLst>
+              <a:ext uri="{FF2B5EF4-FFF2-40B4-BE49-F238E27FC236}">
+                <a16:creationId xmlns:a16="http://schemas.microsoft.com/office/drawing/2014/main" id="{4AC0CD9D-7610-4620-93B4-798CCD9AB581}"/>
+              </a:ext>
+              <a:ext uri="{C183D7F6-B498-43B3-948B-1728B52AA6E4}">
+                <adec:decorative xmlns:adec="http://schemas.microsoft.com/office/drawing/2017/decorative" val="1"/>
+              </a:ext>
+            </a:extLst>
+          </p:cNvPr>
+          <p:cNvSpPr>
+            <a:spLocks noGrp="1" noRot="1" noChangeAspect="1" noMove="1" noResize="1" noEditPoints="1" noAdjustHandles="1" noChangeArrowheads="1" noChangeShapeType="1" noTextEdit="1"/>
+          </p:cNvSpPr>
+          <p:nvPr>
+            <p:extLst>
+              <p:ext uri="{386F3935-93C4-4BCD-93E2-E3B085C9AB24}">
+                <p16:designElem xmlns:p16="http://schemas.microsoft.com/office/powerpoint/2015/main" val="1"/>
+              </p:ext>
+            </p:extLst>
+          </p:nvPr>
+        </p:nvSpPr>
+        <p:spPr>
+          <a:xfrm>
+            <a:off x="8609012" y="1676400"/>
+            <a:ext cx="2819400" cy="2819400"/>
+          </a:xfrm>
+          <a:prstGeom prst="ellipse">
+            <a:avLst/>
+          </a:prstGeom>
+          <a:gradFill flip="none" rotWithShape="1">
+            <a:gsLst>
+              <a:gs pos="0">
+                <a:schemeClr val="bg2">
+                  <a:lumMod val="60000"/>
+                  <a:lumOff val="40000"/>
+                  <a:alpha val="7000"/>
+                </a:schemeClr>
+              </a:gs>
+              <a:gs pos="69000">
+                <a:schemeClr val="bg2">
+                  <a:lumMod val="60000"/>
+                  <a:lumOff val="40000"/>
+                  <a:alpha val="0"/>
+                </a:schemeClr>
+              </a:gs>
+              <a:gs pos="36000">
+                <a:schemeClr val="bg2">
+                  <a:lumMod val="60000"/>
+                  <a:lumOff val="40000"/>
+                  <a:alpha val="6000"/>
+                </a:schemeClr>
+              </a:gs>
+            </a:gsLst>
+            <a:path path="circle">
+              <a:fillToRect l="50000" t="50000" r="50000" b="50000"/>
+            </a:path>
+            <a:tileRect/>
+          </a:gradFill>
+          <a:ln>
+            <a:noFill/>
+          </a:ln>
+          <a:effectLst/>
+        </p:spPr>
+        <p:style>
+          <a:lnRef idx="1">
+            <a:schemeClr val="accent1"/>
+          </a:lnRef>
+          <a:fillRef idx="3">
+            <a:schemeClr val="accent1"/>
+          </a:fillRef>
+          <a:effectRef idx="2">
+            <a:schemeClr val="accent1"/>
+          </a:effectRef>
+          <a:fontRef idx="minor">
+            <a:schemeClr val="lt1"/>
+          </a:fontRef>
+        </p:style>
+      </p:sp>
+      <p:pic>
+        <p:nvPicPr>
+          <p:cNvPr id="101" name="Picture 100">
+            <a:extLst>
+              <a:ext uri="{FF2B5EF4-FFF2-40B4-BE49-F238E27FC236}">
+                <a16:creationId xmlns:a16="http://schemas.microsoft.com/office/drawing/2014/main" id="{B9238B3E-24AA-439A-B527-6C5DF6D72145}"/>
+              </a:ext>
+              <a:ext uri="{C183D7F6-B498-43B3-948B-1728B52AA6E4}">
+                <adec:decorative xmlns:adec="http://schemas.microsoft.com/office/drawing/2017/decorative" val="1"/>
+              </a:ext>
+            </a:extLst>
+          </p:cNvPr>
+          <p:cNvPicPr>
+            <a:picLocks noGrp="1" noRot="1" noChangeAspect="1" noMove="1" noResize="1" noEditPoints="1" noAdjustHandles="1" noChangeArrowheads="1" noChangeShapeType="1" noCrop="1"/>
+          </p:cNvPicPr>
+          <p:nvPr>
+            <p:extLst>
+              <p:ext uri="{386F3935-93C4-4BCD-93E2-E3B085C9AB24}">
+                <p16:designElem xmlns:p16="http://schemas.microsoft.com/office/powerpoint/2015/main" val="1"/>
+              </p:ext>
+            </p:extLst>
+          </p:nvPr>
+        </p:nvPicPr>
+        <p:blipFill rotWithShape="1">
+          <a:blip r:embed="rId4">
+            <a:extLst>
+              <a:ext uri="{28A0092B-C50C-407E-A947-70E740481C1C}">
+                <a14:useLocalDpi xmlns:a14="http://schemas.microsoft.com/office/drawing/2010/main" val="0"/>
+              </a:ext>
+            </a:extLst>
+          </a:blip>
+          <a:srcRect t="28813"/>
+          <a:stretch/>
+        </p:blipFill>
+        <p:spPr>
+          <a:xfrm>
+            <a:off x="7999412" y="0"/>
+            <a:ext cx="1603387" cy="1141407"/>
+          </a:xfrm>
+          <a:prstGeom prst="rect">
+            <a:avLst/>
+          </a:prstGeom>
+        </p:spPr>
+      </p:pic>
+      <p:pic>
+        <p:nvPicPr>
+          <p:cNvPr id="103" name="Picture 102">
+            <a:extLst>
+              <a:ext uri="{FF2B5EF4-FFF2-40B4-BE49-F238E27FC236}">
+                <a16:creationId xmlns:a16="http://schemas.microsoft.com/office/drawing/2014/main" id="{69F01145-BEA3-4CBF-AA21-10077B948CA8}"/>
+              </a:ext>
+              <a:ext uri="{C183D7F6-B498-43B3-948B-1728B52AA6E4}">
+                <adec:decorative xmlns:adec="http://schemas.microsoft.com/office/drawing/2017/decorative" val="1"/>
+              </a:ext>
+            </a:extLst>
+          </p:cNvPr>
+          <p:cNvPicPr>
+            <a:picLocks noGrp="1" noRot="1" noChangeAspect="1" noMove="1" noResize="1" noEditPoints="1" noAdjustHandles="1" noChangeArrowheads="1" noChangeShapeType="1" noCrop="1"/>
+          </p:cNvPicPr>
+          <p:nvPr>
+            <p:extLst>
+              <p:ext uri="{386F3935-93C4-4BCD-93E2-E3B085C9AB24}">
+                <p16:designElem xmlns:p16="http://schemas.microsoft.com/office/powerpoint/2015/main" val="1"/>
+              </p:ext>
+            </p:extLst>
+          </p:nvPr>
+        </p:nvPicPr>
+        <p:blipFill rotWithShape="1">
+          <a:blip r:embed="rId5">
+            <a:extLst>
+              <a:ext uri="{28A0092B-C50C-407E-A947-70E740481C1C}">
+                <a14:useLocalDpi xmlns:a14="http://schemas.microsoft.com/office/drawing/2010/main" val="0"/>
+              </a:ext>
+            </a:extLst>
+          </a:blip>
+          <a:srcRect b="23320"/>
+          <a:stretch/>
+        </p:blipFill>
+        <p:spPr>
+          <a:xfrm>
+            <a:off x="8605878" y="6096000"/>
+            <a:ext cx="993734" cy="762000"/>
+          </a:xfrm>
+          <a:prstGeom prst="rect">
+            <a:avLst/>
+          </a:prstGeom>
+        </p:spPr>
+      </p:pic>
+      <p:sp>
+        <p:nvSpPr>
+          <p:cNvPr id="105" name="Rectangle 104">
+            <a:extLst>
+              <a:ext uri="{FF2B5EF4-FFF2-40B4-BE49-F238E27FC236}">
+                <a16:creationId xmlns:a16="http://schemas.microsoft.com/office/drawing/2014/main" id="{DE4D62F9-188E-4530-84C2-24BDEE4BEB82}"/>
+              </a:ext>
+              <a:ext uri="{C183D7F6-B498-43B3-948B-1728B52AA6E4}">
+                <adec:decorative xmlns:adec="http://schemas.microsoft.com/office/drawing/2017/decorative" val="1"/>
+              </a:ext>
+            </a:extLst>
+          </p:cNvPr>
+          <p:cNvSpPr>
+            <a:spLocks noGrp="1" noRot="1" noChangeAspect="1" noMove="1" noResize="1" noEditPoints="1" noAdjustHandles="1" noChangeArrowheads="1" noChangeShapeType="1" noTextEdit="1"/>
+          </p:cNvSpPr>
+          <p:nvPr>
+            <p:extLst>
+              <p:ext uri="{386F3935-93C4-4BCD-93E2-E3B085C9AB24}">
+                <p16:designElem xmlns:p16="http://schemas.microsoft.com/office/powerpoint/2015/main" val="1"/>
+              </p:ext>
+            </p:extLst>
+          </p:nvPr>
+        </p:nvSpPr>
+        <p:spPr>
+          <a:xfrm>
+            <a:off x="10437812" y="0"/>
+            <a:ext cx="685800" cy="1143000"/>
+          </a:xfrm>
+          <a:prstGeom prst="rect">
+            <a:avLst/>
+          </a:prstGeom>
+          <a:solidFill>
+            <a:schemeClr val="accent1"/>
+          </a:solidFill>
+          <a:ln>
+            <a:noFill/>
+          </a:ln>
+        </p:spPr>
+        <p:style>
+          <a:lnRef idx="1">
+            <a:schemeClr val="accent1"/>
+          </a:lnRef>
+          <a:fillRef idx="3">
+            <a:schemeClr val="accent1"/>
+          </a:fillRef>
+          <a:effectRef idx="2">
+            <a:schemeClr val="accent1"/>
+          </a:effectRef>
+          <a:fontRef idx="minor">
+            <a:schemeClr val="lt1"/>
+          </a:fontRef>
+        </p:style>
+      </p:sp>
+      <p:sp>
+        <p:nvSpPr>
+          <p:cNvPr id="107" name="Rectangle 106">
+            <a:extLst>
+              <a:ext uri="{FF2B5EF4-FFF2-40B4-BE49-F238E27FC236}">
+                <a16:creationId xmlns:a16="http://schemas.microsoft.com/office/drawing/2014/main" id="{757B325C-3E35-45CF-9D07-3BCB281F3B9C}"/>
+              </a:ext>
+              <a:ext uri="{C183D7F6-B498-43B3-948B-1728B52AA6E4}">
+                <adec:decorative xmlns:adec="http://schemas.microsoft.com/office/drawing/2017/decorative" val="1"/>
+              </a:ext>
+            </a:extLst>
+          </p:cNvPr>
+          <p:cNvSpPr>
+            <a:spLocks noGrp="1" noRot="1" noChangeAspect="1" noMove="1" noResize="1" noEditPoints="1" noAdjustHandles="1" noChangeArrowheads="1" noChangeShapeType="1" noTextEdit="1"/>
+          </p:cNvSpPr>
+          <p:nvPr>
+            <p:extLst>
+              <p:ext uri="{386F3935-93C4-4BCD-93E2-E3B085C9AB24}">
+                <p16:designElem xmlns:p16="http://schemas.microsoft.com/office/powerpoint/2015/main" val="1"/>
+              </p:ext>
+            </p:extLst>
+          </p:nvPr>
+        </p:nvSpPr>
+        <p:spPr>
+          <a:xfrm>
+            <a:off x="0" y="0"/>
+            <a:ext cx="12192000" cy="6858000"/>
+          </a:xfrm>
+          <a:prstGeom prst="rect">
+            <a:avLst/>
+          </a:prstGeom>
+          <a:ln>
+            <a:noFill/>
+          </a:ln>
+        </p:spPr>
+        <p:style>
+          <a:lnRef idx="2">
+            <a:schemeClr val="accent1">
+              <a:shade val="50000"/>
+            </a:schemeClr>
+          </a:lnRef>
+          <a:fillRef idx="1003">
+            <a:schemeClr val="dk2"/>
+          </a:fillRef>
+          <a:effectRef idx="0">
+            <a:schemeClr val="accent1"/>
+          </a:effectRef>
+          <a:fontRef idx="minor">
+            <a:schemeClr val="lt1"/>
+          </a:fontRef>
+        </p:style>
+        <p:txBody>
+          <a:bodyPr rtlCol="0" anchor="ctr"/>
+          <a:lstStyle/>
+          <a:p>
+            <a:pPr algn="ctr"/>
+            <a:endParaRPr lang="en-US"/>
+          </a:p>
+        </p:txBody>
+      </p:sp>
+      <p:sp>
+        <p:nvSpPr>
+          <p:cNvPr id="2" name="Title 1">
+            <a:extLst>
+              <a:ext uri="{FF2B5EF4-FFF2-40B4-BE49-F238E27FC236}">
+                <a16:creationId xmlns:a16="http://schemas.microsoft.com/office/drawing/2014/main" id="{6A0EE161-D7DA-42A8-9093-CFAC5F7CE092}"/>
+              </a:ext>
+            </a:extLst>
+          </p:cNvPr>
+          <p:cNvSpPr>
+            <a:spLocks noGrp="1"/>
+          </p:cNvSpPr>
+          <p:nvPr>
+            <p:ph type="title"/>
+          </p:nvPr>
+        </p:nvSpPr>
+        <p:spPr>
+          <a:xfrm>
+            <a:off x="8191925" y="1325880"/>
+            <a:ext cx="3352375" cy="3066507"/>
+          </a:xfrm>
+        </p:spPr>
+        <p:txBody>
+          <a:bodyPr vert="horz" lIns="91440" tIns="45720" rIns="91440" bIns="45720" rtlCol="0" anchor="b">
+            <a:normAutofit/>
+          </a:bodyPr>
+          <a:lstStyle/>
+          <a:p>
+            <a:pPr>
+              <a:lnSpc>
+                <a:spcPct val="90000"/>
+              </a:lnSpc>
+            </a:pPr>
+            <a:r>
+              <a:rPr lang="en-US" sz="5000" b="0" i="0" kern="1200">
+                <a:solidFill>
+                  <a:srgbClr val="EBEBEB"/>
+                </a:solidFill>
+                <a:latin typeface="+mj-lt"/>
+                <a:ea typeface="+mj-ea"/>
+                <a:cs typeface="+mj-cs"/>
+              </a:rPr>
+              <a:t>Accuracy Score and RMSE</a:t>
+            </a:r>
+          </a:p>
+        </p:txBody>
+      </p:sp>
+      <p:sp>
+        <p:nvSpPr>
+          <p:cNvPr id="109" name="Freeform 36">
+            <a:extLst>
+              <a:ext uri="{FF2B5EF4-FFF2-40B4-BE49-F238E27FC236}">
+                <a16:creationId xmlns:a16="http://schemas.microsoft.com/office/drawing/2014/main" id="{C24BEC42-AFF3-40D1-93A2-A27A42E1E23C}"/>
+              </a:ext>
+              <a:ext uri="{C183D7F6-B498-43B3-948B-1728B52AA6E4}">
+                <adec:decorative xmlns:adec="http://schemas.microsoft.com/office/drawing/2017/decorative" val="1"/>
+              </a:ext>
+            </a:extLst>
+          </p:cNvPr>
+          <p:cNvSpPr>
+            <a:spLocks noGrp="1" noRot="1" noChangeAspect="1" noMove="1" noResize="1" noEditPoints="1" noAdjustHandles="1" noChangeArrowheads="1" noChangeShapeType="1" noTextEdit="1"/>
+          </p:cNvSpPr>
+          <p:nvPr>
+            <p:extLst>
+              <p:ext uri="{386F3935-93C4-4BCD-93E2-E3B085C9AB24}">
+                <p16:designElem xmlns:p16="http://schemas.microsoft.com/office/powerpoint/2015/main" val="1"/>
+              </p:ext>
+            </p:extLst>
+          </p:nvPr>
+        </p:nvSpPr>
+        <p:spPr>
+          <a:xfrm flipH="1">
+            <a:off x="7463681" y="-1"/>
+            <a:ext cx="559472" cy="3709642"/>
+          </a:xfrm>
+          <a:custGeom>
+            <a:avLst/>
+            <a:gdLst>
+              <a:gd name="connsiteX0" fmla="*/ 0 w 559472"/>
+              <a:gd name="connsiteY0" fmla="*/ 0 h 3709642"/>
+              <a:gd name="connsiteX1" fmla="*/ 473952 w 559472"/>
+              <a:gd name="connsiteY1" fmla="*/ 0 h 3709642"/>
+              <a:gd name="connsiteX2" fmla="*/ 485840 w 559472"/>
+              <a:gd name="connsiteY2" fmla="*/ 161194 h 3709642"/>
+              <a:gd name="connsiteX3" fmla="*/ 523949 w 559472"/>
+              <a:gd name="connsiteY3" fmla="*/ 3672197 h 3709642"/>
+              <a:gd name="connsiteX4" fmla="*/ 454748 w 559472"/>
+              <a:gd name="connsiteY4" fmla="*/ 3709642 h 3709642"/>
+              <a:gd name="connsiteX5" fmla="*/ 448224 w 559472"/>
+              <a:gd name="connsiteY5" fmla="*/ 3510471 h 3709642"/>
+              <a:gd name="connsiteX6" fmla="*/ 443564 w 559472"/>
+              <a:gd name="connsiteY6" fmla="*/ 3408563 h 3709642"/>
+              <a:gd name="connsiteX7" fmla="*/ 438902 w 559472"/>
+              <a:gd name="connsiteY7" fmla="*/ 3304407 h 3709642"/>
+              <a:gd name="connsiteX8" fmla="*/ 433941 w 559472"/>
+              <a:gd name="connsiteY8" fmla="*/ 3198777 h 3709642"/>
+              <a:gd name="connsiteX9" fmla="*/ 427584 w 559472"/>
+              <a:gd name="connsiteY9" fmla="*/ 3092510 h 3709642"/>
+              <a:gd name="connsiteX10" fmla="*/ 420988 w 559472"/>
+              <a:gd name="connsiteY10" fmla="*/ 2984390 h 3709642"/>
+              <a:gd name="connsiteX11" fmla="*/ 414330 w 559472"/>
+              <a:gd name="connsiteY11" fmla="*/ 2874401 h 3709642"/>
+              <a:gd name="connsiteX12" fmla="*/ 406840 w 559472"/>
+              <a:gd name="connsiteY12" fmla="*/ 2762980 h 3709642"/>
+              <a:gd name="connsiteX13" fmla="*/ 397745 w 559472"/>
+              <a:gd name="connsiteY13" fmla="*/ 2650566 h 3709642"/>
+              <a:gd name="connsiteX14" fmla="*/ 389154 w 559472"/>
+              <a:gd name="connsiteY14" fmla="*/ 2536612 h 3709642"/>
+              <a:gd name="connsiteX15" fmla="*/ 379225 w 559472"/>
+              <a:gd name="connsiteY15" fmla="*/ 2421642 h 3709642"/>
+              <a:gd name="connsiteX16" fmla="*/ 368316 w 559472"/>
+              <a:gd name="connsiteY16" fmla="*/ 2305627 h 3709642"/>
+              <a:gd name="connsiteX17" fmla="*/ 357466 w 559472"/>
+              <a:gd name="connsiteY17" fmla="*/ 2189233 h 3709642"/>
+              <a:gd name="connsiteX18" fmla="*/ 344982 w 559472"/>
+              <a:gd name="connsiteY18" fmla="*/ 2071473 h 3709642"/>
+              <a:gd name="connsiteX19" fmla="*/ 332466 w 559472"/>
+              <a:gd name="connsiteY19" fmla="*/ 1952216 h 3709642"/>
+              <a:gd name="connsiteX20" fmla="*/ 319121 w 559472"/>
+              <a:gd name="connsiteY20" fmla="*/ 1833776 h 3709642"/>
+              <a:gd name="connsiteX21" fmla="*/ 304408 w 559472"/>
+              <a:gd name="connsiteY21" fmla="*/ 1713948 h 3709642"/>
+              <a:gd name="connsiteX22" fmla="*/ 288685 w 559472"/>
+              <a:gd name="connsiteY22" fmla="*/ 1592703 h 3709642"/>
+              <a:gd name="connsiteX23" fmla="*/ 273050 w 559472"/>
+              <a:gd name="connsiteY23" fmla="*/ 1471451 h 3709642"/>
+              <a:gd name="connsiteX24" fmla="*/ 255813 w 559472"/>
+              <a:gd name="connsiteY24" fmla="*/ 1350328 h 3709642"/>
+              <a:gd name="connsiteX25" fmla="*/ 237060 w 559472"/>
+              <a:gd name="connsiteY25" fmla="*/ 1227080 h 3709642"/>
+              <a:gd name="connsiteX26" fmla="*/ 218488 w 559472"/>
+              <a:gd name="connsiteY26" fmla="*/ 1106065 h 3709642"/>
+              <a:gd name="connsiteX27" fmla="*/ 198221 w 559472"/>
+              <a:gd name="connsiteY27" fmla="*/ 982940 h 3709642"/>
+              <a:gd name="connsiteX28" fmla="*/ 177152 w 559472"/>
+              <a:gd name="connsiteY28" fmla="*/ 858755 h 3709642"/>
+              <a:gd name="connsiteX29" fmla="*/ 155551 w 559472"/>
+              <a:gd name="connsiteY29" fmla="*/ 736861 h 3709642"/>
+              <a:gd name="connsiteX30" fmla="*/ 131782 w 559472"/>
+              <a:gd name="connsiteY30" fmla="*/ 613645 h 3709642"/>
+              <a:gd name="connsiteX31" fmla="*/ 107123 w 559472"/>
+              <a:gd name="connsiteY31" fmla="*/ 490500 h 3709642"/>
+              <a:gd name="connsiteX32" fmla="*/ 82552 w 559472"/>
+              <a:gd name="connsiteY32" fmla="*/ 367348 h 3709642"/>
+              <a:gd name="connsiteX33" fmla="*/ 55608 w 559472"/>
+              <a:gd name="connsiteY33" fmla="*/ 244762 h 3709642"/>
+              <a:gd name="connsiteX34" fmla="*/ 28130 w 559472"/>
+              <a:gd name="connsiteY34" fmla="*/ 122220 h 3709642"/>
+              <a:gd name="connsiteX35" fmla="*/ 0 w 559472"/>
+              <a:gd name="connsiteY35" fmla="*/ 0 h 3709642"/>
+            </a:gdLst>
+            <a:ahLst/>
+            <a:cxnLst>
+              <a:cxn ang="0">
+                <a:pos x="connsiteX0" y="connsiteY0"/>
+              </a:cxn>
+              <a:cxn ang="0">
+                <a:pos x="connsiteX1" y="connsiteY1"/>
+              </a:cxn>
+              <a:cxn ang="0">
+                <a:pos x="connsiteX2" y="connsiteY2"/>
+              </a:cxn>
+              <a:cxn ang="0">
+                <a:pos x="connsiteX3" y="connsiteY3"/>
+              </a:cxn>
+              <a:cxn ang="0">
+                <a:pos x="connsiteX4" y="connsiteY4"/>
+              </a:cxn>
+              <a:cxn ang="0">
+                <a:pos x="connsiteX5" y="connsiteY5"/>
+              </a:cxn>
+              <a:cxn ang="0">
+                <a:pos x="connsiteX6" y="connsiteY6"/>
+              </a:cxn>
+              <a:cxn ang="0">
+                <a:pos x="connsiteX7" y="connsiteY7"/>
+              </a:cxn>
+              <a:cxn ang="0">
+                <a:pos x="connsiteX8" y="connsiteY8"/>
+              </a:cxn>
+              <a:cxn ang="0">
+                <a:pos x="connsiteX9" y="connsiteY9"/>
+              </a:cxn>
+              <a:cxn ang="0">
+                <a:pos x="connsiteX10" y="connsiteY10"/>
+              </a:cxn>
+              <a:cxn ang="0">
+                <a:pos x="connsiteX11" y="connsiteY11"/>
+              </a:cxn>
+              <a:cxn ang="0">
+                <a:pos x="connsiteX12" y="connsiteY12"/>
+              </a:cxn>
+              <a:cxn ang="0">
+                <a:pos x="connsiteX13" y="connsiteY13"/>
+              </a:cxn>
+              <a:cxn ang="0">
+                <a:pos x="connsiteX14" y="connsiteY14"/>
+              </a:cxn>
+              <a:cxn ang="0">
+                <a:pos x="connsiteX15" y="connsiteY15"/>
+              </a:cxn>
+              <a:cxn ang="0">
+                <a:pos x="connsiteX16" y="connsiteY16"/>
+              </a:cxn>
+              <a:cxn ang="0">
+                <a:pos x="connsiteX17" y="connsiteY17"/>
+              </a:cxn>
+              <a:cxn ang="0">
+                <a:pos x="connsiteX18" y="connsiteY18"/>
+              </a:cxn>
+              <a:cxn ang="0">
+                <a:pos x="connsiteX19" y="connsiteY19"/>
+              </a:cxn>
+              <a:cxn ang="0">
+                <a:pos x="connsiteX20" y="connsiteY20"/>
+              </a:cxn>
+              <a:cxn ang="0">
+                <a:pos x="connsiteX21" y="connsiteY21"/>
+              </a:cxn>
+              <a:cxn ang="0">
+                <a:pos x="connsiteX22" y="connsiteY22"/>
+              </a:cxn>
+              <a:cxn ang="0">
+                <a:pos x="connsiteX23" y="connsiteY23"/>
+              </a:cxn>
+              <a:cxn ang="0">
+                <a:pos x="connsiteX24" y="connsiteY24"/>
+              </a:cxn>
+              <a:cxn ang="0">
+                <a:pos x="connsiteX25" y="connsiteY25"/>
+              </a:cxn>
+              <a:cxn ang="0">
+                <a:pos x="connsiteX26" y="connsiteY26"/>
+              </a:cxn>
+              <a:cxn ang="0">
+                <a:pos x="connsiteX27" y="connsiteY27"/>
+              </a:cxn>
+              <a:cxn ang="0">
+                <a:pos x="connsiteX28" y="connsiteY28"/>
+              </a:cxn>
+              <a:cxn ang="0">
+                <a:pos x="connsiteX29" y="connsiteY29"/>
+              </a:cxn>
+              <a:cxn ang="0">
+                <a:pos x="connsiteX30" y="connsiteY30"/>
+              </a:cxn>
+              <a:cxn ang="0">
+                <a:pos x="connsiteX31" y="connsiteY31"/>
+              </a:cxn>
+              <a:cxn ang="0">
+                <a:pos x="connsiteX32" y="connsiteY32"/>
+              </a:cxn>
+              <a:cxn ang="0">
+                <a:pos x="connsiteX33" y="connsiteY33"/>
+              </a:cxn>
+              <a:cxn ang="0">
+                <a:pos x="connsiteX34" y="connsiteY34"/>
+              </a:cxn>
+              <a:cxn ang="0">
+                <a:pos x="connsiteX35" y="connsiteY35"/>
+              </a:cxn>
+            </a:cxnLst>
+            <a:rect l="l" t="t" r="r" b="b"/>
+            <a:pathLst>
+              <a:path w="559472" h="3709642">
+                <a:moveTo>
+                  <a:pt x="0" y="0"/>
+                </a:moveTo>
+                <a:lnTo>
+                  <a:pt x="473952" y="0"/>
+                </a:lnTo>
+                <a:lnTo>
+                  <a:pt x="485840" y="161194"/>
+                </a:lnTo>
+                <a:cubicBezTo>
+                  <a:pt x="552063" y="1147770"/>
+                  <a:pt x="592441" y="3086737"/>
+                  <a:pt x="523949" y="3672197"/>
+                </a:cubicBezTo>
+                <a:cubicBezTo>
+                  <a:pt x="500842" y="3684557"/>
+                  <a:pt x="477855" y="3697282"/>
+                  <a:pt x="454748" y="3709642"/>
+                </a:cubicBezTo>
+                <a:lnTo>
+                  <a:pt x="448224" y="3510471"/>
+                </a:lnTo>
+                <a:lnTo>
+                  <a:pt x="443564" y="3408563"/>
+                </a:lnTo>
+                <a:lnTo>
+                  <a:pt x="438902" y="3304407"/>
+                </a:lnTo>
+                <a:lnTo>
+                  <a:pt x="433941" y="3198777"/>
+                </a:lnTo>
+                <a:lnTo>
+                  <a:pt x="427584" y="3092510"/>
+                </a:lnTo>
+                <a:lnTo>
+                  <a:pt x="420988" y="2984390"/>
+                </a:lnTo>
+                <a:lnTo>
+                  <a:pt x="414330" y="2874401"/>
+                </a:lnTo>
+                <a:lnTo>
+                  <a:pt x="406840" y="2762980"/>
+                </a:lnTo>
+                <a:lnTo>
+                  <a:pt x="397745" y="2650566"/>
+                </a:lnTo>
+                <a:lnTo>
+                  <a:pt x="389154" y="2536612"/>
+                </a:lnTo>
+                <a:lnTo>
+                  <a:pt x="379225" y="2421642"/>
+                </a:lnTo>
+                <a:lnTo>
+                  <a:pt x="368316" y="2305627"/>
+                </a:lnTo>
+                <a:lnTo>
+                  <a:pt x="357466" y="2189233"/>
+                </a:lnTo>
+                <a:lnTo>
+                  <a:pt x="344982" y="2071473"/>
+                </a:lnTo>
+                <a:lnTo>
+                  <a:pt x="332466" y="1952216"/>
+                </a:lnTo>
+                <a:lnTo>
+                  <a:pt x="319121" y="1833776"/>
+                </a:lnTo>
+                <a:lnTo>
+                  <a:pt x="304408" y="1713948"/>
+                </a:lnTo>
+                <a:lnTo>
+                  <a:pt x="288685" y="1592703"/>
+                </a:lnTo>
+                <a:lnTo>
+                  <a:pt x="273050" y="1471451"/>
+                </a:lnTo>
+                <a:lnTo>
+                  <a:pt x="255813" y="1350328"/>
+                </a:lnTo>
+                <a:lnTo>
+                  <a:pt x="237060" y="1227080"/>
+                </a:lnTo>
+                <a:lnTo>
+                  <a:pt x="218488" y="1106065"/>
+                </a:lnTo>
+                <a:lnTo>
+                  <a:pt x="198221" y="982940"/>
+                </a:lnTo>
+                <a:lnTo>
+                  <a:pt x="177152" y="858755"/>
+                </a:lnTo>
+                <a:lnTo>
+                  <a:pt x="155551" y="736861"/>
+                </a:lnTo>
+                <a:lnTo>
+                  <a:pt x="131782" y="613645"/>
+                </a:lnTo>
+                <a:lnTo>
+                  <a:pt x="107123" y="490500"/>
+                </a:lnTo>
+                <a:lnTo>
+                  <a:pt x="82552" y="367348"/>
+                </a:lnTo>
+                <a:lnTo>
+                  <a:pt x="55608" y="244762"/>
+                </a:lnTo>
+                <a:lnTo>
+                  <a:pt x="28130" y="122220"/>
+                </a:lnTo>
+                <a:lnTo>
+                  <a:pt x="0" y="0"/>
+                </a:lnTo>
+                <a:close/>
+              </a:path>
+            </a:pathLst>
+          </a:custGeom>
+          <a:solidFill>
+            <a:schemeClr val="bg1">
+              <a:alpha val="20000"/>
+            </a:schemeClr>
+          </a:solidFill>
+          <a:ln>
+            <a:noFill/>
+          </a:ln>
+        </p:spPr>
+        <p:txBody>
+          <a:bodyPr rtlCol="0" anchor="ctr"/>
+          <a:lstStyle/>
+          <a:p>
+            <a:pPr algn="ctr"/>
+            <a:endParaRPr lang="en-US"/>
+          </a:p>
+        </p:txBody>
+      </p:sp>
+      <p:sp useBgFill="1">
+        <p:nvSpPr>
+          <p:cNvPr id="111" name="Freeform: Shape 110">
+            <a:extLst>
+              <a:ext uri="{FF2B5EF4-FFF2-40B4-BE49-F238E27FC236}">
+                <a16:creationId xmlns:a16="http://schemas.microsoft.com/office/drawing/2014/main" id="{608F427C-1EC9-4280-9367-F2B3AA063E82}"/>
+              </a:ext>
+              <a:ext uri="{C183D7F6-B498-43B3-948B-1728B52AA6E4}">
+                <adec:decorative xmlns:adec="http://schemas.microsoft.com/office/drawing/2017/decorative" val="1"/>
+              </a:ext>
+            </a:extLst>
+          </p:cNvPr>
+          <p:cNvSpPr>
+            <a:spLocks noGrp="1" noRot="1" noChangeAspect="1" noMove="1" noResize="1" noEditPoints="1" noAdjustHandles="1" noChangeArrowheads="1" noChangeShapeType="1" noTextEdit="1"/>
+          </p:cNvSpPr>
+          <p:nvPr>
+            <p:extLst>
+              <p:ext uri="{386F3935-93C4-4BCD-93E2-E3B085C9AB24}">
+                <p16:designElem xmlns:p16="http://schemas.microsoft.com/office/powerpoint/2015/main" val="1"/>
+              </p:ext>
+            </p:extLst>
+          </p:nvPr>
+        </p:nvSpPr>
+        <p:spPr>
+          <a:xfrm>
+            <a:off x="0" y="0"/>
+            <a:ext cx="7809954" cy="6858000"/>
+          </a:xfrm>
+          <a:custGeom>
+            <a:avLst/>
+            <a:gdLst>
+              <a:gd name="connsiteX0" fmla="*/ 6465239 w 7809954"/>
+              <a:gd name="connsiteY0" fmla="*/ 0 h 6858000"/>
+              <a:gd name="connsiteX1" fmla="*/ 7808777 w 7809954"/>
+              <a:gd name="connsiteY1" fmla="*/ 0 h 6858000"/>
+              <a:gd name="connsiteX2" fmla="*/ 7783732 w 7809954"/>
+              <a:gd name="connsiteY2" fmla="*/ 155676 h 6858000"/>
+              <a:gd name="connsiteX3" fmla="*/ 7759863 w 7809954"/>
+              <a:gd name="connsiteY3" fmla="*/ 310667 h 6858000"/>
+              <a:gd name="connsiteX4" fmla="*/ 7736499 w 7809954"/>
+              <a:gd name="connsiteY4" fmla="*/ 466344 h 6858000"/>
+              <a:gd name="connsiteX5" fmla="*/ 7716496 w 7809954"/>
+              <a:gd name="connsiteY5" fmla="*/ 622706 h 6858000"/>
+              <a:gd name="connsiteX6" fmla="*/ 7696325 w 7809954"/>
+              <a:gd name="connsiteY6" fmla="*/ 778383 h 6858000"/>
+              <a:gd name="connsiteX7" fmla="*/ 7677499 w 7809954"/>
+              <a:gd name="connsiteY7" fmla="*/ 934745 h 6858000"/>
+              <a:gd name="connsiteX8" fmla="*/ 7661363 w 7809954"/>
+              <a:gd name="connsiteY8" fmla="*/ 1089050 h 6858000"/>
+              <a:gd name="connsiteX9" fmla="*/ 7646067 w 7809954"/>
+              <a:gd name="connsiteY9" fmla="*/ 1245413 h 6858000"/>
+              <a:gd name="connsiteX10" fmla="*/ 7632115 w 7809954"/>
+              <a:gd name="connsiteY10" fmla="*/ 1401089 h 6858000"/>
+              <a:gd name="connsiteX11" fmla="*/ 7620013 w 7809954"/>
+              <a:gd name="connsiteY11" fmla="*/ 1554023 h 6858000"/>
+              <a:gd name="connsiteX12" fmla="*/ 7607910 w 7809954"/>
+              <a:gd name="connsiteY12" fmla="*/ 1709013 h 6858000"/>
+              <a:gd name="connsiteX13" fmla="*/ 7597825 w 7809954"/>
+              <a:gd name="connsiteY13" fmla="*/ 1861947 h 6858000"/>
+              <a:gd name="connsiteX14" fmla="*/ 7589925 w 7809954"/>
+              <a:gd name="connsiteY14" fmla="*/ 2014880 h 6858000"/>
+              <a:gd name="connsiteX15" fmla="*/ 7581688 w 7809954"/>
+              <a:gd name="connsiteY15" fmla="*/ 2167128 h 6858000"/>
+              <a:gd name="connsiteX16" fmla="*/ 7574797 w 7809954"/>
+              <a:gd name="connsiteY16" fmla="*/ 2318004 h 6858000"/>
+              <a:gd name="connsiteX17" fmla="*/ 7569922 w 7809954"/>
+              <a:gd name="connsiteY17" fmla="*/ 2467508 h 6858000"/>
+              <a:gd name="connsiteX18" fmla="*/ 7565720 w 7809954"/>
+              <a:gd name="connsiteY18" fmla="*/ 2617013 h 6858000"/>
+              <a:gd name="connsiteX19" fmla="*/ 7561686 w 7809954"/>
+              <a:gd name="connsiteY19" fmla="*/ 2765145 h 6858000"/>
+              <a:gd name="connsiteX20" fmla="*/ 7559837 w 7809954"/>
+              <a:gd name="connsiteY20" fmla="*/ 2911221 h 6858000"/>
+              <a:gd name="connsiteX21" fmla="*/ 7557820 w 7809954"/>
+              <a:gd name="connsiteY21" fmla="*/ 3057296 h 6858000"/>
+              <a:gd name="connsiteX22" fmla="*/ 7556811 w 7809954"/>
+              <a:gd name="connsiteY22" fmla="*/ 3201314 h 6858000"/>
+              <a:gd name="connsiteX23" fmla="*/ 7557820 w 7809954"/>
+              <a:gd name="connsiteY23" fmla="*/ 3343960 h 6858000"/>
+              <a:gd name="connsiteX24" fmla="*/ 7557820 w 7809954"/>
+              <a:gd name="connsiteY24" fmla="*/ 3485235 h 6858000"/>
+              <a:gd name="connsiteX25" fmla="*/ 7559837 w 7809954"/>
+              <a:gd name="connsiteY25" fmla="*/ 3625138 h 6858000"/>
+              <a:gd name="connsiteX26" fmla="*/ 7562862 w 7809954"/>
+              <a:gd name="connsiteY26" fmla="*/ 3762298 h 6858000"/>
+              <a:gd name="connsiteX27" fmla="*/ 7565720 w 7809954"/>
+              <a:gd name="connsiteY27" fmla="*/ 3898087 h 6858000"/>
+              <a:gd name="connsiteX28" fmla="*/ 7568914 w 7809954"/>
+              <a:gd name="connsiteY28" fmla="*/ 4031132 h 6858000"/>
+              <a:gd name="connsiteX29" fmla="*/ 7573788 w 7809954"/>
+              <a:gd name="connsiteY29" fmla="*/ 4163491 h 6858000"/>
+              <a:gd name="connsiteX30" fmla="*/ 7578999 w 7809954"/>
+              <a:gd name="connsiteY30" fmla="*/ 4293793 h 6858000"/>
+              <a:gd name="connsiteX31" fmla="*/ 7583705 w 7809954"/>
+              <a:gd name="connsiteY31" fmla="*/ 4421352 h 6858000"/>
+              <a:gd name="connsiteX32" fmla="*/ 7596985 w 7809954"/>
+              <a:gd name="connsiteY32" fmla="*/ 4670298 h 6858000"/>
+              <a:gd name="connsiteX33" fmla="*/ 7611104 w 7809954"/>
+              <a:gd name="connsiteY33" fmla="*/ 4908956 h 6858000"/>
+              <a:gd name="connsiteX34" fmla="*/ 7625896 w 7809954"/>
+              <a:gd name="connsiteY34" fmla="*/ 5138013 h 6858000"/>
+              <a:gd name="connsiteX35" fmla="*/ 7642201 w 7809954"/>
+              <a:gd name="connsiteY35" fmla="*/ 5354726 h 6858000"/>
+              <a:gd name="connsiteX36" fmla="*/ 7659178 w 7809954"/>
+              <a:gd name="connsiteY36" fmla="*/ 5561838 h 6858000"/>
+              <a:gd name="connsiteX37" fmla="*/ 7677499 w 7809954"/>
+              <a:gd name="connsiteY37" fmla="*/ 5753862 h 6858000"/>
+              <a:gd name="connsiteX38" fmla="*/ 7695485 w 7809954"/>
+              <a:gd name="connsiteY38" fmla="*/ 5934227 h 6858000"/>
+              <a:gd name="connsiteX39" fmla="*/ 7713470 w 7809954"/>
+              <a:gd name="connsiteY39" fmla="*/ 6100191 h 6858000"/>
+              <a:gd name="connsiteX40" fmla="*/ 7730447 w 7809954"/>
+              <a:gd name="connsiteY40" fmla="*/ 6252438 h 6858000"/>
+              <a:gd name="connsiteX41" fmla="*/ 7746584 w 7809954"/>
+              <a:gd name="connsiteY41" fmla="*/ 6387541 h 6858000"/>
+              <a:gd name="connsiteX42" fmla="*/ 7761880 w 7809954"/>
+              <a:gd name="connsiteY42" fmla="*/ 6509613 h 6858000"/>
+              <a:gd name="connsiteX43" fmla="*/ 7774655 w 7809954"/>
+              <a:gd name="connsiteY43" fmla="*/ 6612483 h 6858000"/>
+              <a:gd name="connsiteX44" fmla="*/ 7786757 w 7809954"/>
+              <a:gd name="connsiteY44" fmla="*/ 6698894 h 6858000"/>
+              <a:gd name="connsiteX45" fmla="*/ 7804071 w 7809954"/>
+              <a:gd name="connsiteY45" fmla="*/ 6817538 h 6858000"/>
+              <a:gd name="connsiteX46" fmla="*/ 7809954 w 7809954"/>
+              <a:gd name="connsiteY46" fmla="*/ 6858000 h 6858000"/>
+              <a:gd name="connsiteX47" fmla="*/ 7157124 w 7809954"/>
+              <a:gd name="connsiteY47" fmla="*/ 6858000 h 6858000"/>
+              <a:gd name="connsiteX48" fmla="*/ 7157124 w 7809954"/>
+              <a:gd name="connsiteY48" fmla="*/ 6858000 h 6858000"/>
+              <a:gd name="connsiteX49" fmla="*/ 0 w 7809954"/>
+              <a:gd name="connsiteY49" fmla="*/ 6858000 h 6858000"/>
+              <a:gd name="connsiteX50" fmla="*/ 0 w 7809954"/>
+              <a:gd name="connsiteY50" fmla="*/ 0 h 6858000"/>
+              <a:gd name="connsiteX51" fmla="*/ 6465239 w 7809954"/>
+              <a:gd name="connsiteY51" fmla="*/ 0 h 6858000"/>
+            </a:gdLst>
+            <a:ahLst/>
+            <a:cxnLst>
+              <a:cxn ang="0">
+                <a:pos x="connsiteX0" y="connsiteY0"/>
+              </a:cxn>
+              <a:cxn ang="0">
+                <a:pos x="connsiteX1" y="connsiteY1"/>
+              </a:cxn>
+              <a:cxn ang="0">
+                <a:pos x="connsiteX2" y="connsiteY2"/>
+              </a:cxn>
+              <a:cxn ang="0">
+                <a:pos x="connsiteX3" y="connsiteY3"/>
+              </a:cxn>
+              <a:cxn ang="0">
+                <a:pos x="connsiteX4" y="connsiteY4"/>
+              </a:cxn>
+              <a:cxn ang="0">
+                <a:pos x="connsiteX5" y="connsiteY5"/>
+              </a:cxn>
+              <a:cxn ang="0">
+                <a:pos x="connsiteX6" y="connsiteY6"/>
+              </a:cxn>
+              <a:cxn ang="0">
+                <a:pos x="connsiteX7" y="connsiteY7"/>
+              </a:cxn>
+              <a:cxn ang="0">
+                <a:pos x="connsiteX8" y="connsiteY8"/>
+              </a:cxn>
+              <a:cxn ang="0">
+                <a:pos x="connsiteX9" y="connsiteY9"/>
+              </a:cxn>
+              <a:cxn ang="0">
+                <a:pos x="connsiteX10" y="connsiteY10"/>
+              </a:cxn>
+              <a:cxn ang="0">
+                <a:pos x="connsiteX11" y="connsiteY11"/>
+              </a:cxn>
+              <a:cxn ang="0">
+                <a:pos x="connsiteX12" y="connsiteY12"/>
+              </a:cxn>
+              <a:cxn ang="0">
+                <a:pos x="connsiteX13" y="connsiteY13"/>
+              </a:cxn>
+              <a:cxn ang="0">
+                <a:pos x="connsiteX14" y="connsiteY14"/>
+              </a:cxn>
+              <a:cxn ang="0">
+                <a:pos x="connsiteX15" y="connsiteY15"/>
+              </a:cxn>
+              <a:cxn ang="0">
+                <a:pos x="connsiteX16" y="connsiteY16"/>
+              </a:cxn>
+              <a:cxn ang="0">
+                <a:pos x="connsiteX17" y="connsiteY17"/>
+              </a:cxn>
+              <a:cxn ang="0">
+                <a:pos x="connsiteX18" y="connsiteY18"/>
+              </a:cxn>
+              <a:cxn ang="0">
+                <a:pos x="connsiteX19" y="connsiteY19"/>
+              </a:cxn>
+              <a:cxn ang="0">
+                <a:pos x="connsiteX20" y="connsiteY20"/>
+              </a:cxn>
+              <a:cxn ang="0">
+                <a:pos x="connsiteX21" y="connsiteY21"/>
+              </a:cxn>
+              <a:cxn ang="0">
+                <a:pos x="connsiteX22" y="connsiteY22"/>
+              </a:cxn>
+              <a:cxn ang="0">
+                <a:pos x="connsiteX23" y="connsiteY23"/>
+              </a:cxn>
+              <a:cxn ang="0">
+                <a:pos x="connsiteX24" y="connsiteY24"/>
+              </a:cxn>
+              <a:cxn ang="0">
+                <a:pos x="connsiteX25" y="connsiteY25"/>
+              </a:cxn>
+              <a:cxn ang="0">
+                <a:pos x="connsiteX26" y="connsiteY26"/>
+              </a:cxn>
+              <a:cxn ang="0">
+                <a:pos x="connsiteX27" y="connsiteY27"/>
+              </a:cxn>
+              <a:cxn ang="0">
+                <a:pos x="connsiteX28" y="connsiteY28"/>
+              </a:cxn>
+              <a:cxn ang="0">
+                <a:pos x="connsiteX29" y="connsiteY29"/>
+              </a:cxn>
+              <a:cxn ang="0">
+                <a:pos x="connsiteX30" y="connsiteY30"/>
+              </a:cxn>
+              <a:cxn ang="0">
+                <a:pos x="connsiteX31" y="connsiteY31"/>
+              </a:cxn>
+              <a:cxn ang="0">
+                <a:pos x="connsiteX32" y="connsiteY32"/>
+              </a:cxn>
+              <a:cxn ang="0">
+                <a:pos x="connsiteX33" y="connsiteY33"/>
+              </a:cxn>
+              <a:cxn ang="0">
+                <a:pos x="connsiteX34" y="connsiteY34"/>
+              </a:cxn>
+              <a:cxn ang="0">
+                <a:pos x="connsiteX35" y="connsiteY35"/>
+              </a:cxn>
+              <a:cxn ang="0">
+                <a:pos x="connsiteX36" y="connsiteY36"/>
+              </a:cxn>
+              <a:cxn ang="0">
+                <a:pos x="connsiteX37" y="connsiteY37"/>
+              </a:cxn>
+              <a:cxn ang="0">
+                <a:pos x="connsiteX38" y="connsiteY38"/>
+              </a:cxn>
+              <a:cxn ang="0">
+                <a:pos x="connsiteX39" y="connsiteY39"/>
+              </a:cxn>
+              <a:cxn ang="0">
+                <a:pos x="connsiteX40" y="connsiteY40"/>
+              </a:cxn>
+              <a:cxn ang="0">
+                <a:pos x="connsiteX41" y="connsiteY41"/>
+              </a:cxn>
+              <a:cxn ang="0">
+                <a:pos x="connsiteX42" y="connsiteY42"/>
+              </a:cxn>
+              <a:cxn ang="0">
+                <a:pos x="connsiteX43" y="connsiteY43"/>
+              </a:cxn>
+              <a:cxn ang="0">
+                <a:pos x="connsiteX44" y="connsiteY44"/>
+              </a:cxn>
+              <a:cxn ang="0">
+                <a:pos x="connsiteX45" y="connsiteY45"/>
+              </a:cxn>
+              <a:cxn ang="0">
+                <a:pos x="connsiteX46" y="connsiteY46"/>
+              </a:cxn>
+              <a:cxn ang="0">
+                <a:pos x="connsiteX47" y="connsiteY47"/>
+              </a:cxn>
+              <a:cxn ang="0">
+                <a:pos x="connsiteX48" y="connsiteY48"/>
+              </a:cxn>
+              <a:cxn ang="0">
+                <a:pos x="connsiteX49" y="connsiteY49"/>
+              </a:cxn>
+              <a:cxn ang="0">
+                <a:pos x="connsiteX50" y="connsiteY50"/>
+              </a:cxn>
+              <a:cxn ang="0">
+                <a:pos x="connsiteX51" y="connsiteY51"/>
+              </a:cxn>
+            </a:cxnLst>
+            <a:rect l="l" t="t" r="r" b="b"/>
+            <a:pathLst>
+              <a:path w="7809954" h="6858000">
+                <a:moveTo>
+                  <a:pt x="6465239" y="0"/>
+                </a:moveTo>
+                <a:lnTo>
+                  <a:pt x="7808777" y="0"/>
+                </a:lnTo>
+                <a:lnTo>
+                  <a:pt x="7783732" y="155676"/>
+                </a:lnTo>
+                <a:lnTo>
+                  <a:pt x="7759863" y="310667"/>
+                </a:lnTo>
+                <a:lnTo>
+                  <a:pt x="7736499" y="466344"/>
+                </a:lnTo>
+                <a:lnTo>
+                  <a:pt x="7716496" y="622706"/>
+                </a:lnTo>
+                <a:lnTo>
+                  <a:pt x="7696325" y="778383"/>
+                </a:lnTo>
+                <a:lnTo>
+                  <a:pt x="7677499" y="934745"/>
+                </a:lnTo>
+                <a:lnTo>
+                  <a:pt x="7661363" y="1089050"/>
+                </a:lnTo>
+                <a:lnTo>
+                  <a:pt x="7646067" y="1245413"/>
+                </a:lnTo>
+                <a:lnTo>
+                  <a:pt x="7632115" y="1401089"/>
+                </a:lnTo>
+                <a:lnTo>
+                  <a:pt x="7620013" y="1554023"/>
+                </a:lnTo>
+                <a:lnTo>
+                  <a:pt x="7607910" y="1709013"/>
+                </a:lnTo>
+                <a:lnTo>
+                  <a:pt x="7597825" y="1861947"/>
+                </a:lnTo>
+                <a:lnTo>
+                  <a:pt x="7589925" y="2014880"/>
+                </a:lnTo>
+                <a:lnTo>
+                  <a:pt x="7581688" y="2167128"/>
+                </a:lnTo>
+                <a:lnTo>
+                  <a:pt x="7574797" y="2318004"/>
+                </a:lnTo>
+                <a:lnTo>
+                  <a:pt x="7569922" y="2467508"/>
+                </a:lnTo>
+                <a:lnTo>
+                  <a:pt x="7565720" y="2617013"/>
+                </a:lnTo>
+                <a:lnTo>
+                  <a:pt x="7561686" y="2765145"/>
+                </a:lnTo>
+                <a:lnTo>
+                  <a:pt x="7559837" y="2911221"/>
+                </a:lnTo>
+                <a:lnTo>
+                  <a:pt x="7557820" y="3057296"/>
+                </a:lnTo>
+                <a:lnTo>
+                  <a:pt x="7556811" y="3201314"/>
+                </a:lnTo>
+                <a:lnTo>
+                  <a:pt x="7557820" y="3343960"/>
+                </a:lnTo>
+                <a:lnTo>
+                  <a:pt x="7557820" y="3485235"/>
+                </a:lnTo>
+                <a:lnTo>
+                  <a:pt x="7559837" y="3625138"/>
+                </a:lnTo>
+                <a:lnTo>
+                  <a:pt x="7562862" y="3762298"/>
+                </a:lnTo>
+                <a:lnTo>
+                  <a:pt x="7565720" y="3898087"/>
+                </a:lnTo>
+                <a:lnTo>
+                  <a:pt x="7568914" y="4031132"/>
+                </a:lnTo>
+                <a:lnTo>
+                  <a:pt x="7573788" y="4163491"/>
+                </a:lnTo>
+                <a:lnTo>
+                  <a:pt x="7578999" y="4293793"/>
+                </a:lnTo>
+                <a:lnTo>
+                  <a:pt x="7583705" y="4421352"/>
+                </a:lnTo>
+                <a:lnTo>
+                  <a:pt x="7596985" y="4670298"/>
+                </a:lnTo>
+                <a:lnTo>
+                  <a:pt x="7611104" y="4908956"/>
+                </a:lnTo>
+                <a:lnTo>
+                  <a:pt x="7625896" y="5138013"/>
+                </a:lnTo>
+                <a:lnTo>
+                  <a:pt x="7642201" y="5354726"/>
+                </a:lnTo>
+                <a:lnTo>
+                  <a:pt x="7659178" y="5561838"/>
+                </a:lnTo>
+                <a:lnTo>
+                  <a:pt x="7677499" y="5753862"/>
+                </a:lnTo>
+                <a:lnTo>
+                  <a:pt x="7695485" y="5934227"/>
+                </a:lnTo>
+                <a:lnTo>
+                  <a:pt x="7713470" y="6100191"/>
+                </a:lnTo>
+                <a:lnTo>
+                  <a:pt x="7730447" y="6252438"/>
+                </a:lnTo>
+                <a:lnTo>
+                  <a:pt x="7746584" y="6387541"/>
+                </a:lnTo>
+                <a:lnTo>
+                  <a:pt x="7761880" y="6509613"/>
+                </a:lnTo>
+                <a:lnTo>
+                  <a:pt x="7774655" y="6612483"/>
+                </a:lnTo>
+                <a:lnTo>
+                  <a:pt x="7786757" y="6698894"/>
+                </a:lnTo>
+                <a:lnTo>
+                  <a:pt x="7804071" y="6817538"/>
+                </a:lnTo>
+                <a:lnTo>
+                  <a:pt x="7809954" y="6858000"/>
+                </a:lnTo>
+                <a:lnTo>
+                  <a:pt x="7157124" y="6858000"/>
+                </a:lnTo>
+                <a:lnTo>
+                  <a:pt x="7157124" y="6858000"/>
+                </a:lnTo>
+                <a:lnTo>
+                  <a:pt x="0" y="6858000"/>
+                </a:lnTo>
+                <a:lnTo>
+                  <a:pt x="0" y="0"/>
+                </a:lnTo>
+                <a:lnTo>
+                  <a:pt x="6465239" y="0"/>
+                </a:lnTo>
+                <a:close/>
+              </a:path>
+            </a:pathLst>
+          </a:custGeom>
+          <a:ln>
+            <a:noFill/>
+          </a:ln>
+        </p:spPr>
+        <p:style>
+          <a:lnRef idx="2">
+            <a:schemeClr val="accent1">
+              <a:shade val="50000"/>
+            </a:schemeClr>
+          </a:lnRef>
+          <a:fillRef idx="1">
+            <a:schemeClr val="accent1"/>
+          </a:fillRef>
+          <a:effectRef idx="0">
+            <a:schemeClr val="accent1"/>
+          </a:effectRef>
+          <a:fontRef idx="minor">
+            <a:schemeClr val="lt1"/>
+          </a:fontRef>
+        </p:style>
+        <p:txBody>
+          <a:bodyPr wrap="square" rtlCol="0" anchor="ctr">
+            <a:noAutofit/>
+          </a:bodyPr>
+          <a:lstStyle/>
+          <a:p>
+            <a:pPr algn="ctr"/>
+            <a:endParaRPr lang="en-US"/>
+          </a:p>
+        </p:txBody>
+      </p:sp>
+      <p:sp>
+        <p:nvSpPr>
+          <p:cNvPr id="113" name="Rectangle 112">
+            <a:extLst>
+              <a:ext uri="{FF2B5EF4-FFF2-40B4-BE49-F238E27FC236}">
+                <a16:creationId xmlns:a16="http://schemas.microsoft.com/office/drawing/2014/main" id="{F98810A7-E114-447A-A7D6-69B27CFB5650}"/>
+              </a:ext>
+              <a:ext uri="{C183D7F6-B498-43B3-948B-1728B52AA6E4}">
+                <adec:decorative xmlns:adec="http://schemas.microsoft.com/office/drawing/2017/decorative" val="1"/>
+              </a:ext>
+            </a:extLst>
+          </p:cNvPr>
+          <p:cNvSpPr>
+            <a:spLocks noGrp="1" noRot="1" noChangeAspect="1" noMove="1" noResize="1" noEditPoints="1" noAdjustHandles="1" noChangeArrowheads="1" noChangeShapeType="1" noTextEdit="1"/>
+          </p:cNvSpPr>
+          <p:nvPr>
+            <p:extLst>
+              <p:ext uri="{386F3935-93C4-4BCD-93E2-E3B085C9AB24}">
+                <p16:designElem xmlns:p16="http://schemas.microsoft.com/office/powerpoint/2015/main" val="1"/>
+              </p:ext>
+            </p:extLst>
+          </p:nvPr>
+        </p:nvSpPr>
+        <p:spPr>
+          <a:xfrm>
+            <a:off x="10437812" y="0"/>
+            <a:ext cx="685800" cy="1143000"/>
+          </a:xfrm>
+          <a:prstGeom prst="rect">
+            <a:avLst/>
+          </a:prstGeom>
+          <a:solidFill>
+            <a:schemeClr val="accent1"/>
+          </a:solidFill>
+          <a:ln>
+            <a:noFill/>
+          </a:ln>
+        </p:spPr>
+        <p:style>
+          <a:lnRef idx="1">
+            <a:schemeClr val="accent1"/>
+          </a:lnRef>
+          <a:fillRef idx="3">
+            <a:schemeClr val="accent1"/>
+          </a:fillRef>
+          <a:effectRef idx="2">
+            <a:schemeClr val="accent1"/>
+          </a:effectRef>
+          <a:fontRef idx="minor">
+            <a:schemeClr val="lt1"/>
+          </a:fontRef>
+        </p:style>
+      </p:sp>
+      <p:graphicFrame>
+        <p:nvGraphicFramePr>
+          <p:cNvPr id="3" name="Table 2">
+            <a:extLst>
+              <a:ext uri="{FF2B5EF4-FFF2-40B4-BE49-F238E27FC236}">
+                <a16:creationId xmlns:a16="http://schemas.microsoft.com/office/drawing/2014/main" id="{0DE8EF2E-65B9-4C26-B68D-DA1A5C620700}"/>
+              </a:ext>
+            </a:extLst>
+          </p:cNvPr>
+          <p:cNvGraphicFramePr>
+            <a:graphicFrameLocks noGrp="1"/>
+          </p:cNvGraphicFramePr>
+          <p:nvPr>
+            <p:extLst>
+              <p:ext uri="{D42A27DB-BD31-4B8C-83A1-F6EECF244321}">
+                <p14:modId xmlns:p14="http://schemas.microsoft.com/office/powerpoint/2010/main" val="798613011"/>
+              </p:ext>
+            </p:extLst>
+          </p:nvPr>
+        </p:nvGraphicFramePr>
+        <p:xfrm>
+          <a:off x="811133" y="647698"/>
+          <a:ext cx="6312403" cy="5293789"/>
+        </p:xfrm>
+        <a:graphic>
+          <a:graphicData uri="http://schemas.openxmlformats.org/drawingml/2006/table">
+            <a:tbl>
+              <a:tblPr firstRow="1" firstCol="1" bandRow="1">
+                <a:tableStyleId>{793D81CF-94F2-401A-BA57-92F5A7B2D0C5}</a:tableStyleId>
+              </a:tblPr>
+              <a:tblGrid>
+                <a:gridCol w="2498780">
+                  <a:extLst>
+                    <a:ext uri="{9D8B030D-6E8A-4147-A177-3AD203B41FA5}">
+                      <a16:colId xmlns:a16="http://schemas.microsoft.com/office/drawing/2014/main" val="3147492830"/>
+                    </a:ext>
+                  </a:extLst>
+                </a:gridCol>
+                <a:gridCol w="1783689">
+                  <a:extLst>
+                    <a:ext uri="{9D8B030D-6E8A-4147-A177-3AD203B41FA5}">
+                      <a16:colId xmlns:a16="http://schemas.microsoft.com/office/drawing/2014/main" val="4238003377"/>
+                    </a:ext>
+                  </a:extLst>
+                </a:gridCol>
+                <a:gridCol w="2029934">
+                  <a:extLst>
+                    <a:ext uri="{9D8B030D-6E8A-4147-A177-3AD203B41FA5}">
+                      <a16:colId xmlns:a16="http://schemas.microsoft.com/office/drawing/2014/main" val="1427147077"/>
+                    </a:ext>
+                  </a:extLst>
+                </a:gridCol>
+              </a:tblGrid>
+              <a:tr h="1114427">
+                <a:tc>
+                  <a:txBody>
+                    <a:bodyPr/>
+                    <a:lstStyle/>
+                    <a:p>
+                      <a:pPr marL="0" marR="0" algn="ctr">
+                        <a:lnSpc>
+                          <a:spcPct val="107000"/>
+                        </a:lnSpc>
+                        <a:spcBef>
+                          <a:spcPts val="0"/>
+                        </a:spcBef>
+                        <a:spcAft>
+                          <a:spcPts val="0"/>
+                        </a:spcAft>
+                      </a:pPr>
+                      <a:r>
+                        <a:rPr lang="en-US" sz="2000" dirty="0">
+                          <a:effectLst/>
+                        </a:rPr>
+                        <a:t>Model</a:t>
+                      </a:r>
+                      <a:endParaRPr lang="en-US" sz="1900" dirty="0">
+                        <a:effectLst/>
+                        <a:latin typeface="Calibri" panose="020F0502020204030204" pitchFamily="34" charset="0"/>
+                        <a:ea typeface="Calibri" panose="020F0502020204030204" pitchFamily="34" charset="0"/>
+                        <a:cs typeface="Times New Roman" panose="02020603050405020304" pitchFamily="18" charset="0"/>
+                      </a:endParaRPr>
+                    </a:p>
+                  </a:txBody>
+                  <a:tcPr marL="117139" marR="117139" marT="0" marB="0"/>
+                </a:tc>
+                <a:tc>
+                  <a:txBody>
+                    <a:bodyPr/>
+                    <a:lstStyle/>
+                    <a:p>
+                      <a:pPr marL="0" marR="0" algn="ctr">
+                        <a:lnSpc>
+                          <a:spcPct val="107000"/>
+                        </a:lnSpc>
+                        <a:spcBef>
+                          <a:spcPts val="0"/>
+                        </a:spcBef>
+                        <a:spcAft>
+                          <a:spcPts val="0"/>
+                        </a:spcAft>
+                      </a:pPr>
+                      <a:r>
+                        <a:rPr lang="en-US" sz="2000">
+                          <a:effectLst/>
+                        </a:rPr>
+                        <a:t>Accuracy Score</a:t>
+                      </a:r>
+                      <a:endParaRPr lang="en-US" sz="1900">
+                        <a:effectLst/>
+                        <a:latin typeface="Calibri" panose="020F0502020204030204" pitchFamily="34" charset="0"/>
+                        <a:ea typeface="Calibri" panose="020F0502020204030204" pitchFamily="34" charset="0"/>
+                        <a:cs typeface="Times New Roman" panose="02020603050405020304" pitchFamily="18" charset="0"/>
+                      </a:endParaRPr>
+                    </a:p>
+                  </a:txBody>
+                  <a:tcPr marL="117139" marR="117139" marT="0" marB="0"/>
+                </a:tc>
+                <a:tc>
+                  <a:txBody>
+                    <a:bodyPr/>
+                    <a:lstStyle/>
+                    <a:p>
+                      <a:pPr marL="0" marR="0" algn="ctr">
+                        <a:lnSpc>
+                          <a:spcPct val="107000"/>
+                        </a:lnSpc>
+                        <a:spcBef>
+                          <a:spcPts val="0"/>
+                        </a:spcBef>
+                        <a:spcAft>
+                          <a:spcPts val="0"/>
+                        </a:spcAft>
+                      </a:pPr>
+                      <a:r>
+                        <a:rPr lang="en-US" sz="2000" dirty="0">
+                          <a:effectLst/>
+                        </a:rPr>
+                        <a:t>RMSE</a:t>
+                      </a:r>
+                    </a:p>
+                    <a:p>
+                      <a:pPr marL="0" marR="0" algn="ctr">
+                        <a:lnSpc>
+                          <a:spcPct val="107000"/>
+                        </a:lnSpc>
+                        <a:spcBef>
+                          <a:spcPts val="0"/>
+                        </a:spcBef>
+                        <a:spcAft>
+                          <a:spcPts val="0"/>
+                        </a:spcAft>
+                      </a:pPr>
+                      <a:r>
+                        <a:rPr lang="en-US" sz="2000" dirty="0">
+                          <a:effectLst/>
+                        </a:rPr>
+                        <a:t> (Root Mean Squared Error)</a:t>
+                      </a:r>
+                      <a:endParaRPr lang="en-US" sz="1900" dirty="0">
+                        <a:effectLst/>
+                        <a:latin typeface="Calibri" panose="020F0502020204030204" pitchFamily="34" charset="0"/>
+                        <a:ea typeface="Calibri" panose="020F0502020204030204" pitchFamily="34" charset="0"/>
+                        <a:cs typeface="Times New Roman" panose="02020603050405020304" pitchFamily="18" charset="0"/>
+                      </a:endParaRPr>
+                    </a:p>
+                  </a:txBody>
+                  <a:tcPr marL="117139" marR="117139" marT="0" marB="0"/>
+                </a:tc>
+                <a:extLst>
+                  <a:ext uri="{0D108BD9-81ED-4DB2-BD59-A6C34878D82A}">
+                    <a16:rowId xmlns:a16="http://schemas.microsoft.com/office/drawing/2014/main" val="904491158"/>
+                  </a:ext>
+                </a:extLst>
+              </a:tr>
+              <a:tr h="379942">
+                <a:tc>
+                  <a:txBody>
+                    <a:bodyPr/>
+                    <a:lstStyle/>
+                    <a:p>
+                      <a:pPr marL="0" marR="0">
+                        <a:lnSpc>
+                          <a:spcPct val="107000"/>
+                        </a:lnSpc>
+                        <a:spcBef>
+                          <a:spcPts val="0"/>
+                        </a:spcBef>
+                        <a:spcAft>
+                          <a:spcPts val="0"/>
+                        </a:spcAft>
+                      </a:pPr>
+                      <a:r>
+                        <a:rPr lang="en-US" sz="2000">
+                          <a:effectLst/>
+                        </a:rPr>
+                        <a:t>Gradient Boost</a:t>
+                      </a:r>
+                      <a:endParaRPr lang="en-US" sz="1900">
+                        <a:effectLst/>
+                        <a:latin typeface="Calibri" panose="020F0502020204030204" pitchFamily="34" charset="0"/>
+                        <a:ea typeface="Calibri" panose="020F0502020204030204" pitchFamily="34" charset="0"/>
+                        <a:cs typeface="Times New Roman" panose="02020603050405020304" pitchFamily="18" charset="0"/>
+                      </a:endParaRPr>
+                    </a:p>
+                  </a:txBody>
+                  <a:tcPr marL="117139" marR="117139" marT="0" marB="0"/>
+                </a:tc>
+                <a:tc>
+                  <a:txBody>
+                    <a:bodyPr/>
+                    <a:lstStyle/>
+                    <a:p>
+                      <a:pPr marL="0" marR="0" algn="ctr">
+                        <a:lnSpc>
+                          <a:spcPct val="107000"/>
+                        </a:lnSpc>
+                        <a:spcBef>
+                          <a:spcPts val="0"/>
+                        </a:spcBef>
+                        <a:spcAft>
+                          <a:spcPts val="0"/>
+                        </a:spcAft>
+                      </a:pPr>
+                      <a:r>
+                        <a:rPr lang="en-US" sz="2000">
+                          <a:effectLst/>
+                        </a:rPr>
+                        <a:t>0.9367</a:t>
+                      </a:r>
+                      <a:endParaRPr lang="en-US" sz="1900">
+                        <a:effectLst/>
+                        <a:latin typeface="Calibri" panose="020F0502020204030204" pitchFamily="34" charset="0"/>
+                        <a:ea typeface="Calibri" panose="020F0502020204030204" pitchFamily="34" charset="0"/>
+                        <a:cs typeface="Times New Roman" panose="02020603050405020304" pitchFamily="18" charset="0"/>
+                      </a:endParaRPr>
+                    </a:p>
+                  </a:txBody>
+                  <a:tcPr marL="117139" marR="117139" marT="0" marB="0"/>
+                </a:tc>
+                <a:tc>
+                  <a:txBody>
+                    <a:bodyPr/>
+                    <a:lstStyle/>
+                    <a:p>
+                      <a:pPr marL="0" marR="0" algn="ctr">
+                        <a:lnSpc>
+                          <a:spcPct val="107000"/>
+                        </a:lnSpc>
+                        <a:spcBef>
+                          <a:spcPts val="0"/>
+                        </a:spcBef>
+                        <a:spcAft>
+                          <a:spcPts val="0"/>
+                        </a:spcAft>
+                      </a:pPr>
+                      <a:r>
+                        <a:rPr lang="en-US" sz="2000">
+                          <a:effectLst/>
+                        </a:rPr>
+                        <a:t>186.892</a:t>
+                      </a:r>
+                      <a:endParaRPr lang="en-US" sz="1900">
+                        <a:effectLst/>
+                        <a:latin typeface="Calibri" panose="020F0502020204030204" pitchFamily="34" charset="0"/>
+                        <a:ea typeface="Calibri" panose="020F0502020204030204" pitchFamily="34" charset="0"/>
+                        <a:cs typeface="Times New Roman" panose="02020603050405020304" pitchFamily="18" charset="0"/>
+                      </a:endParaRPr>
+                    </a:p>
+                  </a:txBody>
+                  <a:tcPr marL="117139" marR="117139" marT="0" marB="0"/>
+                </a:tc>
+                <a:extLst>
+                  <a:ext uri="{0D108BD9-81ED-4DB2-BD59-A6C34878D82A}">
+                    <a16:rowId xmlns:a16="http://schemas.microsoft.com/office/drawing/2014/main" val="435145822"/>
+                  </a:ext>
+                </a:extLst>
+              </a:tr>
+              <a:tr h="379942">
+                <a:tc>
+                  <a:txBody>
+                    <a:bodyPr/>
+                    <a:lstStyle/>
+                    <a:p>
+                      <a:pPr marL="0" marR="0">
+                        <a:lnSpc>
+                          <a:spcPct val="107000"/>
+                        </a:lnSpc>
+                        <a:spcBef>
+                          <a:spcPts val="0"/>
+                        </a:spcBef>
+                        <a:spcAft>
+                          <a:spcPts val="0"/>
+                        </a:spcAft>
+                      </a:pPr>
+                      <a:r>
+                        <a:rPr lang="en-US" sz="2000">
+                          <a:effectLst/>
+                        </a:rPr>
+                        <a:t>Random Forest</a:t>
+                      </a:r>
+                      <a:endParaRPr lang="en-US" sz="1900">
+                        <a:effectLst/>
+                        <a:latin typeface="Calibri" panose="020F0502020204030204" pitchFamily="34" charset="0"/>
+                        <a:ea typeface="Calibri" panose="020F0502020204030204" pitchFamily="34" charset="0"/>
+                        <a:cs typeface="Times New Roman" panose="02020603050405020304" pitchFamily="18" charset="0"/>
+                      </a:endParaRPr>
+                    </a:p>
+                  </a:txBody>
+                  <a:tcPr marL="117139" marR="117139" marT="0" marB="0"/>
+                </a:tc>
+                <a:tc>
+                  <a:txBody>
+                    <a:bodyPr/>
+                    <a:lstStyle/>
+                    <a:p>
+                      <a:pPr marL="0" marR="0" algn="ctr">
+                        <a:lnSpc>
+                          <a:spcPct val="107000"/>
+                        </a:lnSpc>
+                        <a:spcBef>
+                          <a:spcPts val="0"/>
+                        </a:spcBef>
+                        <a:spcAft>
+                          <a:spcPts val="0"/>
+                        </a:spcAft>
+                      </a:pPr>
+                      <a:r>
+                        <a:rPr lang="en-US" sz="2000">
+                          <a:effectLst/>
+                        </a:rPr>
+                        <a:t>0.9337</a:t>
+                      </a:r>
+                      <a:endParaRPr lang="en-US" sz="1900">
+                        <a:effectLst/>
+                        <a:latin typeface="Calibri" panose="020F0502020204030204" pitchFamily="34" charset="0"/>
+                        <a:ea typeface="Calibri" panose="020F0502020204030204" pitchFamily="34" charset="0"/>
+                        <a:cs typeface="Times New Roman" panose="02020603050405020304" pitchFamily="18" charset="0"/>
+                      </a:endParaRPr>
+                    </a:p>
+                  </a:txBody>
+                  <a:tcPr marL="117139" marR="117139" marT="0" marB="0"/>
+                </a:tc>
+                <a:tc>
+                  <a:txBody>
+                    <a:bodyPr/>
+                    <a:lstStyle/>
+                    <a:p>
+                      <a:pPr marL="0" marR="0" algn="ctr">
+                        <a:lnSpc>
+                          <a:spcPct val="107000"/>
+                        </a:lnSpc>
+                        <a:spcBef>
+                          <a:spcPts val="0"/>
+                        </a:spcBef>
+                        <a:spcAft>
+                          <a:spcPts val="0"/>
+                        </a:spcAft>
+                      </a:pPr>
+                      <a:r>
+                        <a:rPr lang="en-US" sz="2000">
+                          <a:effectLst/>
+                        </a:rPr>
+                        <a:t>191.185</a:t>
+                      </a:r>
+                      <a:endParaRPr lang="en-US" sz="1900">
+                        <a:effectLst/>
+                        <a:latin typeface="Calibri" panose="020F0502020204030204" pitchFamily="34" charset="0"/>
+                        <a:ea typeface="Calibri" panose="020F0502020204030204" pitchFamily="34" charset="0"/>
+                        <a:cs typeface="Times New Roman" panose="02020603050405020304" pitchFamily="18" charset="0"/>
+                      </a:endParaRPr>
+                    </a:p>
+                  </a:txBody>
+                  <a:tcPr marL="117139" marR="117139" marT="0" marB="0"/>
+                </a:tc>
+                <a:extLst>
+                  <a:ext uri="{0D108BD9-81ED-4DB2-BD59-A6C34878D82A}">
+                    <a16:rowId xmlns:a16="http://schemas.microsoft.com/office/drawing/2014/main" val="1248977579"/>
+                  </a:ext>
+                </a:extLst>
+              </a:tr>
+              <a:tr h="379942">
+                <a:tc>
+                  <a:txBody>
+                    <a:bodyPr/>
+                    <a:lstStyle/>
+                    <a:p>
+                      <a:pPr marL="0" marR="0">
+                        <a:lnSpc>
+                          <a:spcPct val="107000"/>
+                        </a:lnSpc>
+                        <a:spcBef>
+                          <a:spcPts val="0"/>
+                        </a:spcBef>
+                        <a:spcAft>
+                          <a:spcPts val="0"/>
+                        </a:spcAft>
+                      </a:pPr>
+                      <a:r>
+                        <a:rPr lang="en-US" sz="2000">
+                          <a:effectLst/>
+                        </a:rPr>
+                        <a:t>Decision Tree</a:t>
+                      </a:r>
+                      <a:endParaRPr lang="en-US" sz="1900">
+                        <a:effectLst/>
+                        <a:latin typeface="Calibri" panose="020F0502020204030204" pitchFamily="34" charset="0"/>
+                        <a:ea typeface="Calibri" panose="020F0502020204030204" pitchFamily="34" charset="0"/>
+                        <a:cs typeface="Times New Roman" panose="02020603050405020304" pitchFamily="18" charset="0"/>
+                      </a:endParaRPr>
+                    </a:p>
+                  </a:txBody>
+                  <a:tcPr marL="117139" marR="117139" marT="0" marB="0"/>
+                </a:tc>
+                <a:tc>
+                  <a:txBody>
+                    <a:bodyPr/>
+                    <a:lstStyle/>
+                    <a:p>
+                      <a:pPr marL="0" marR="0" algn="ctr">
+                        <a:lnSpc>
+                          <a:spcPct val="107000"/>
+                        </a:lnSpc>
+                        <a:spcBef>
+                          <a:spcPts val="0"/>
+                        </a:spcBef>
+                        <a:spcAft>
+                          <a:spcPts val="0"/>
+                        </a:spcAft>
+                      </a:pPr>
+                      <a:r>
+                        <a:rPr lang="en-US" sz="2000">
+                          <a:effectLst/>
+                        </a:rPr>
+                        <a:t>0.8823</a:t>
+                      </a:r>
+                      <a:endParaRPr lang="en-US" sz="1900">
+                        <a:effectLst/>
+                        <a:latin typeface="Calibri" panose="020F0502020204030204" pitchFamily="34" charset="0"/>
+                        <a:ea typeface="Calibri" panose="020F0502020204030204" pitchFamily="34" charset="0"/>
+                        <a:cs typeface="Times New Roman" panose="02020603050405020304" pitchFamily="18" charset="0"/>
+                      </a:endParaRPr>
+                    </a:p>
+                  </a:txBody>
+                  <a:tcPr marL="117139" marR="117139" marT="0" marB="0"/>
+                </a:tc>
+                <a:tc>
+                  <a:txBody>
+                    <a:bodyPr/>
+                    <a:lstStyle/>
+                    <a:p>
+                      <a:pPr marL="0" marR="0" algn="ctr">
+                        <a:lnSpc>
+                          <a:spcPct val="107000"/>
+                        </a:lnSpc>
+                        <a:spcBef>
+                          <a:spcPts val="0"/>
+                        </a:spcBef>
+                        <a:spcAft>
+                          <a:spcPts val="0"/>
+                        </a:spcAft>
+                      </a:pPr>
+                      <a:r>
+                        <a:rPr lang="en-US" sz="2000">
+                          <a:effectLst/>
+                        </a:rPr>
+                        <a:t>254.817</a:t>
+                      </a:r>
+                      <a:endParaRPr lang="en-US" sz="1900">
+                        <a:effectLst/>
+                        <a:latin typeface="Calibri" panose="020F0502020204030204" pitchFamily="34" charset="0"/>
+                        <a:ea typeface="Calibri" panose="020F0502020204030204" pitchFamily="34" charset="0"/>
+                        <a:cs typeface="Times New Roman" panose="02020603050405020304" pitchFamily="18" charset="0"/>
+                      </a:endParaRPr>
+                    </a:p>
+                  </a:txBody>
+                  <a:tcPr marL="117139" marR="117139" marT="0" marB="0"/>
+                </a:tc>
+                <a:extLst>
+                  <a:ext uri="{0D108BD9-81ED-4DB2-BD59-A6C34878D82A}">
+                    <a16:rowId xmlns:a16="http://schemas.microsoft.com/office/drawing/2014/main" val="569295405"/>
+                  </a:ext>
+                </a:extLst>
+              </a:tr>
+              <a:tr h="379942">
+                <a:tc>
+                  <a:txBody>
+                    <a:bodyPr/>
+                    <a:lstStyle/>
+                    <a:p>
+                      <a:pPr marL="0" marR="0">
+                        <a:lnSpc>
+                          <a:spcPct val="107000"/>
+                        </a:lnSpc>
+                        <a:spcBef>
+                          <a:spcPts val="0"/>
+                        </a:spcBef>
+                        <a:spcAft>
+                          <a:spcPts val="0"/>
+                        </a:spcAft>
+                      </a:pPr>
+                      <a:r>
+                        <a:rPr lang="en-US" sz="2000">
+                          <a:effectLst/>
+                        </a:rPr>
+                        <a:t>Lasso</a:t>
+                      </a:r>
+                      <a:endParaRPr lang="en-US" sz="1900">
+                        <a:effectLst/>
+                        <a:latin typeface="Calibri" panose="020F0502020204030204" pitchFamily="34" charset="0"/>
+                        <a:ea typeface="Calibri" panose="020F0502020204030204" pitchFamily="34" charset="0"/>
+                        <a:cs typeface="Times New Roman" panose="02020603050405020304" pitchFamily="18" charset="0"/>
+                      </a:endParaRPr>
+                    </a:p>
+                  </a:txBody>
+                  <a:tcPr marL="117139" marR="117139" marT="0" marB="0"/>
+                </a:tc>
+                <a:tc>
+                  <a:txBody>
+                    <a:bodyPr/>
+                    <a:lstStyle/>
+                    <a:p>
+                      <a:pPr marL="0" marR="0" algn="ctr">
+                        <a:lnSpc>
+                          <a:spcPct val="107000"/>
+                        </a:lnSpc>
+                        <a:spcBef>
+                          <a:spcPts val="0"/>
+                        </a:spcBef>
+                        <a:spcAft>
+                          <a:spcPts val="0"/>
+                        </a:spcAft>
+                      </a:pPr>
+                      <a:r>
+                        <a:rPr lang="en-US" sz="2000">
+                          <a:effectLst/>
+                        </a:rPr>
+                        <a:t>0.8548</a:t>
+                      </a:r>
+                      <a:endParaRPr lang="en-US" sz="1900">
+                        <a:effectLst/>
+                        <a:latin typeface="Calibri" panose="020F0502020204030204" pitchFamily="34" charset="0"/>
+                        <a:ea typeface="Calibri" panose="020F0502020204030204" pitchFamily="34" charset="0"/>
+                        <a:cs typeface="Times New Roman" panose="02020603050405020304" pitchFamily="18" charset="0"/>
+                      </a:endParaRPr>
+                    </a:p>
+                  </a:txBody>
+                  <a:tcPr marL="117139" marR="117139" marT="0" marB="0"/>
+                </a:tc>
+                <a:tc>
+                  <a:txBody>
+                    <a:bodyPr/>
+                    <a:lstStyle/>
+                    <a:p>
+                      <a:pPr marL="0" marR="0" algn="ctr">
+                        <a:lnSpc>
+                          <a:spcPct val="107000"/>
+                        </a:lnSpc>
+                        <a:spcBef>
+                          <a:spcPts val="0"/>
+                        </a:spcBef>
+                        <a:spcAft>
+                          <a:spcPts val="0"/>
+                        </a:spcAft>
+                      </a:pPr>
+                      <a:r>
+                        <a:rPr lang="en-US" sz="2000">
+                          <a:effectLst/>
+                        </a:rPr>
+                        <a:t>283.051</a:t>
+                      </a:r>
+                      <a:endParaRPr lang="en-US" sz="1900">
+                        <a:effectLst/>
+                        <a:latin typeface="Calibri" panose="020F0502020204030204" pitchFamily="34" charset="0"/>
+                        <a:ea typeface="Calibri" panose="020F0502020204030204" pitchFamily="34" charset="0"/>
+                        <a:cs typeface="Times New Roman" panose="02020603050405020304" pitchFamily="18" charset="0"/>
+                      </a:endParaRPr>
+                    </a:p>
+                  </a:txBody>
+                  <a:tcPr marL="117139" marR="117139" marT="0" marB="0"/>
+                </a:tc>
+                <a:extLst>
+                  <a:ext uri="{0D108BD9-81ED-4DB2-BD59-A6C34878D82A}">
+                    <a16:rowId xmlns:a16="http://schemas.microsoft.com/office/drawing/2014/main" val="513263592"/>
+                  </a:ext>
+                </a:extLst>
+              </a:tr>
+              <a:tr h="379942">
+                <a:tc>
+                  <a:txBody>
+                    <a:bodyPr/>
+                    <a:lstStyle/>
+                    <a:p>
+                      <a:pPr marL="0" marR="0">
+                        <a:lnSpc>
+                          <a:spcPct val="107000"/>
+                        </a:lnSpc>
+                        <a:spcBef>
+                          <a:spcPts val="0"/>
+                        </a:spcBef>
+                        <a:spcAft>
+                          <a:spcPts val="0"/>
+                        </a:spcAft>
+                      </a:pPr>
+                      <a:r>
+                        <a:rPr lang="en-US" sz="2000">
+                          <a:effectLst/>
+                        </a:rPr>
+                        <a:t>Elastic Search</a:t>
+                      </a:r>
+                      <a:endParaRPr lang="en-US" sz="1900">
+                        <a:effectLst/>
+                        <a:latin typeface="Calibri" panose="020F0502020204030204" pitchFamily="34" charset="0"/>
+                        <a:ea typeface="Calibri" panose="020F0502020204030204" pitchFamily="34" charset="0"/>
+                        <a:cs typeface="Times New Roman" panose="02020603050405020304" pitchFamily="18" charset="0"/>
+                      </a:endParaRPr>
+                    </a:p>
+                  </a:txBody>
+                  <a:tcPr marL="117139" marR="117139" marT="0" marB="0"/>
+                </a:tc>
+                <a:tc>
+                  <a:txBody>
+                    <a:bodyPr/>
+                    <a:lstStyle/>
+                    <a:p>
+                      <a:pPr marL="0" marR="0" algn="ctr">
+                        <a:lnSpc>
+                          <a:spcPct val="107000"/>
+                        </a:lnSpc>
+                        <a:spcBef>
+                          <a:spcPts val="0"/>
+                        </a:spcBef>
+                        <a:spcAft>
+                          <a:spcPts val="0"/>
+                        </a:spcAft>
+                      </a:pPr>
+                      <a:r>
+                        <a:rPr lang="en-US" sz="2000">
+                          <a:effectLst/>
+                        </a:rPr>
+                        <a:t>0.8502</a:t>
+                      </a:r>
+                      <a:endParaRPr lang="en-US" sz="1900">
+                        <a:effectLst/>
+                        <a:latin typeface="Calibri" panose="020F0502020204030204" pitchFamily="34" charset="0"/>
+                        <a:ea typeface="Calibri" panose="020F0502020204030204" pitchFamily="34" charset="0"/>
+                        <a:cs typeface="Times New Roman" panose="02020603050405020304" pitchFamily="18" charset="0"/>
+                      </a:endParaRPr>
+                    </a:p>
+                  </a:txBody>
+                  <a:tcPr marL="117139" marR="117139" marT="0" marB="0"/>
+                </a:tc>
+                <a:tc>
+                  <a:txBody>
+                    <a:bodyPr/>
+                    <a:lstStyle/>
+                    <a:p>
+                      <a:pPr marL="0" marR="0" algn="ctr">
+                        <a:lnSpc>
+                          <a:spcPct val="107000"/>
+                        </a:lnSpc>
+                        <a:spcBef>
+                          <a:spcPts val="0"/>
+                        </a:spcBef>
+                        <a:spcAft>
+                          <a:spcPts val="0"/>
+                        </a:spcAft>
+                      </a:pPr>
+                      <a:r>
+                        <a:rPr lang="en-US" sz="2000">
+                          <a:effectLst/>
+                        </a:rPr>
+                        <a:t>287.564</a:t>
+                      </a:r>
+                      <a:endParaRPr lang="en-US" sz="1900">
+                        <a:effectLst/>
+                        <a:latin typeface="Calibri" panose="020F0502020204030204" pitchFamily="34" charset="0"/>
+                        <a:ea typeface="Calibri" panose="020F0502020204030204" pitchFamily="34" charset="0"/>
+                        <a:cs typeface="Times New Roman" panose="02020603050405020304" pitchFamily="18" charset="0"/>
+                      </a:endParaRPr>
+                    </a:p>
+                  </a:txBody>
+                  <a:tcPr marL="117139" marR="117139" marT="0" marB="0"/>
+                </a:tc>
+                <a:extLst>
+                  <a:ext uri="{0D108BD9-81ED-4DB2-BD59-A6C34878D82A}">
+                    <a16:rowId xmlns:a16="http://schemas.microsoft.com/office/drawing/2014/main" val="3403484574"/>
+                  </a:ext>
+                </a:extLst>
+              </a:tr>
+              <a:tr h="379942">
+                <a:tc>
+                  <a:txBody>
+                    <a:bodyPr/>
+                    <a:lstStyle/>
+                    <a:p>
+                      <a:pPr marL="0" marR="0">
+                        <a:lnSpc>
+                          <a:spcPct val="107000"/>
+                        </a:lnSpc>
+                        <a:spcBef>
+                          <a:spcPts val="0"/>
+                        </a:spcBef>
+                        <a:spcAft>
+                          <a:spcPts val="0"/>
+                        </a:spcAft>
+                      </a:pPr>
+                      <a:r>
+                        <a:rPr lang="en-US" sz="2000">
+                          <a:effectLst/>
+                        </a:rPr>
+                        <a:t>LassoLars</a:t>
+                      </a:r>
+                      <a:endParaRPr lang="en-US" sz="1900">
+                        <a:effectLst/>
+                        <a:latin typeface="Calibri" panose="020F0502020204030204" pitchFamily="34" charset="0"/>
+                        <a:ea typeface="Calibri" panose="020F0502020204030204" pitchFamily="34" charset="0"/>
+                        <a:cs typeface="Times New Roman" panose="02020603050405020304" pitchFamily="18" charset="0"/>
+                      </a:endParaRPr>
+                    </a:p>
+                  </a:txBody>
+                  <a:tcPr marL="117139" marR="117139" marT="0" marB="0"/>
+                </a:tc>
+                <a:tc>
+                  <a:txBody>
+                    <a:bodyPr/>
+                    <a:lstStyle/>
+                    <a:p>
+                      <a:pPr marL="0" marR="0" algn="ctr">
+                        <a:lnSpc>
+                          <a:spcPct val="107000"/>
+                        </a:lnSpc>
+                        <a:spcBef>
+                          <a:spcPts val="0"/>
+                        </a:spcBef>
+                        <a:spcAft>
+                          <a:spcPts val="0"/>
+                        </a:spcAft>
+                      </a:pPr>
+                      <a:r>
+                        <a:rPr lang="en-US" sz="2000">
+                          <a:effectLst/>
+                        </a:rPr>
+                        <a:t>0.6205</a:t>
+                      </a:r>
+                      <a:endParaRPr lang="en-US" sz="1900">
+                        <a:effectLst/>
+                        <a:latin typeface="Calibri" panose="020F0502020204030204" pitchFamily="34" charset="0"/>
+                        <a:ea typeface="Calibri" panose="020F0502020204030204" pitchFamily="34" charset="0"/>
+                        <a:cs typeface="Times New Roman" panose="02020603050405020304" pitchFamily="18" charset="0"/>
+                      </a:endParaRPr>
+                    </a:p>
+                  </a:txBody>
+                  <a:tcPr marL="117139" marR="117139" marT="0" marB="0"/>
+                </a:tc>
+                <a:tc>
+                  <a:txBody>
+                    <a:bodyPr/>
+                    <a:lstStyle/>
+                    <a:p>
+                      <a:pPr marL="0" marR="0" algn="ctr">
+                        <a:lnSpc>
+                          <a:spcPct val="107000"/>
+                        </a:lnSpc>
+                        <a:spcBef>
+                          <a:spcPts val="0"/>
+                        </a:spcBef>
+                        <a:spcAft>
+                          <a:spcPts val="0"/>
+                        </a:spcAft>
+                      </a:pPr>
+                      <a:r>
+                        <a:rPr lang="en-US" sz="2000">
+                          <a:effectLst/>
+                        </a:rPr>
+                        <a:t>457.734</a:t>
+                      </a:r>
+                      <a:endParaRPr lang="en-US" sz="1900">
+                        <a:effectLst/>
+                        <a:latin typeface="Calibri" panose="020F0502020204030204" pitchFamily="34" charset="0"/>
+                        <a:ea typeface="Calibri" panose="020F0502020204030204" pitchFamily="34" charset="0"/>
+                        <a:cs typeface="Times New Roman" panose="02020603050405020304" pitchFamily="18" charset="0"/>
+                      </a:endParaRPr>
+                    </a:p>
+                  </a:txBody>
+                  <a:tcPr marL="117139" marR="117139" marT="0" marB="0"/>
+                </a:tc>
+                <a:extLst>
+                  <a:ext uri="{0D108BD9-81ED-4DB2-BD59-A6C34878D82A}">
+                    <a16:rowId xmlns:a16="http://schemas.microsoft.com/office/drawing/2014/main" val="2066807003"/>
+                  </a:ext>
+                </a:extLst>
+              </a:tr>
+              <a:tr h="379942">
+                <a:tc>
+                  <a:txBody>
+                    <a:bodyPr/>
+                    <a:lstStyle/>
+                    <a:p>
+                      <a:pPr marL="0" marR="0">
+                        <a:lnSpc>
+                          <a:spcPct val="107000"/>
+                        </a:lnSpc>
+                        <a:spcBef>
+                          <a:spcPts val="0"/>
+                        </a:spcBef>
+                        <a:spcAft>
+                          <a:spcPts val="0"/>
+                        </a:spcAft>
+                      </a:pPr>
+                      <a:r>
+                        <a:rPr lang="en-US" sz="2000">
+                          <a:effectLst/>
+                        </a:rPr>
+                        <a:t>Linear Regression</a:t>
+                      </a:r>
+                      <a:endParaRPr lang="en-US" sz="1900">
+                        <a:effectLst/>
+                        <a:latin typeface="Calibri" panose="020F0502020204030204" pitchFamily="34" charset="0"/>
+                        <a:ea typeface="Calibri" panose="020F0502020204030204" pitchFamily="34" charset="0"/>
+                        <a:cs typeface="Times New Roman" panose="02020603050405020304" pitchFamily="18" charset="0"/>
+                      </a:endParaRPr>
+                    </a:p>
+                  </a:txBody>
+                  <a:tcPr marL="117139" marR="117139" marT="0" marB="0"/>
+                </a:tc>
+                <a:tc>
+                  <a:txBody>
+                    <a:bodyPr/>
+                    <a:lstStyle/>
+                    <a:p>
+                      <a:pPr marL="0" marR="0" algn="ctr">
+                        <a:lnSpc>
+                          <a:spcPct val="107000"/>
+                        </a:lnSpc>
+                        <a:spcBef>
+                          <a:spcPts val="0"/>
+                        </a:spcBef>
+                        <a:spcAft>
+                          <a:spcPts val="0"/>
+                        </a:spcAft>
+                      </a:pPr>
+                      <a:r>
+                        <a:rPr lang="en-US" sz="2000">
+                          <a:effectLst/>
+                        </a:rPr>
+                        <a:t>0.3394</a:t>
+                      </a:r>
+                      <a:endParaRPr lang="en-US" sz="1900">
+                        <a:effectLst/>
+                        <a:latin typeface="Calibri" panose="020F0502020204030204" pitchFamily="34" charset="0"/>
+                        <a:ea typeface="Calibri" panose="020F0502020204030204" pitchFamily="34" charset="0"/>
+                        <a:cs typeface="Times New Roman" panose="02020603050405020304" pitchFamily="18" charset="0"/>
+                      </a:endParaRPr>
+                    </a:p>
+                  </a:txBody>
+                  <a:tcPr marL="117139" marR="117139" marT="0" marB="0"/>
+                </a:tc>
+                <a:tc>
+                  <a:txBody>
+                    <a:bodyPr/>
+                    <a:lstStyle/>
+                    <a:p>
+                      <a:pPr marL="0" marR="0" algn="ctr">
+                        <a:lnSpc>
+                          <a:spcPct val="107000"/>
+                        </a:lnSpc>
+                        <a:spcBef>
+                          <a:spcPts val="0"/>
+                        </a:spcBef>
+                        <a:spcAft>
+                          <a:spcPts val="0"/>
+                        </a:spcAft>
+                      </a:pPr>
+                      <a:r>
+                        <a:rPr lang="en-US" sz="2000">
+                          <a:effectLst/>
+                        </a:rPr>
+                        <a:t>603.907</a:t>
+                      </a:r>
+                      <a:endParaRPr lang="en-US" sz="1900">
+                        <a:effectLst/>
+                        <a:latin typeface="Calibri" panose="020F0502020204030204" pitchFamily="34" charset="0"/>
+                        <a:ea typeface="Calibri" panose="020F0502020204030204" pitchFamily="34" charset="0"/>
+                        <a:cs typeface="Times New Roman" panose="02020603050405020304" pitchFamily="18" charset="0"/>
+                      </a:endParaRPr>
+                    </a:p>
+                  </a:txBody>
+                  <a:tcPr marL="117139" marR="117139" marT="0" marB="0"/>
+                </a:tc>
+                <a:extLst>
+                  <a:ext uri="{0D108BD9-81ED-4DB2-BD59-A6C34878D82A}">
+                    <a16:rowId xmlns:a16="http://schemas.microsoft.com/office/drawing/2014/main" val="3954658402"/>
+                  </a:ext>
+                </a:extLst>
+              </a:tr>
+              <a:tr h="379942">
+                <a:tc>
+                  <a:txBody>
+                    <a:bodyPr/>
+                    <a:lstStyle/>
+                    <a:p>
+                      <a:pPr marL="0" marR="0">
+                        <a:lnSpc>
+                          <a:spcPct val="107000"/>
+                        </a:lnSpc>
+                        <a:spcBef>
+                          <a:spcPts val="0"/>
+                        </a:spcBef>
+                        <a:spcAft>
+                          <a:spcPts val="0"/>
+                        </a:spcAft>
+                      </a:pPr>
+                      <a:r>
+                        <a:rPr lang="en-US" sz="2000">
+                          <a:effectLst/>
+                        </a:rPr>
+                        <a:t>Ransac</a:t>
+                      </a:r>
+                      <a:endParaRPr lang="en-US" sz="1900">
+                        <a:effectLst/>
+                        <a:latin typeface="Calibri" panose="020F0502020204030204" pitchFamily="34" charset="0"/>
+                        <a:ea typeface="Calibri" panose="020F0502020204030204" pitchFamily="34" charset="0"/>
+                        <a:cs typeface="Times New Roman" panose="02020603050405020304" pitchFamily="18" charset="0"/>
+                      </a:endParaRPr>
+                    </a:p>
+                  </a:txBody>
+                  <a:tcPr marL="117139" marR="117139" marT="0" marB="0"/>
+                </a:tc>
+                <a:tc>
+                  <a:txBody>
+                    <a:bodyPr/>
+                    <a:lstStyle/>
+                    <a:p>
+                      <a:pPr marL="0" marR="0" algn="ctr">
+                        <a:lnSpc>
+                          <a:spcPct val="107000"/>
+                        </a:lnSpc>
+                        <a:spcBef>
+                          <a:spcPts val="0"/>
+                        </a:spcBef>
+                        <a:spcAft>
+                          <a:spcPts val="0"/>
+                        </a:spcAft>
+                      </a:pPr>
+                      <a:r>
+                        <a:rPr lang="en-US" sz="2000">
+                          <a:effectLst/>
+                        </a:rPr>
+                        <a:t>negative</a:t>
+                      </a:r>
+                      <a:endParaRPr lang="en-US" sz="1900">
+                        <a:effectLst/>
+                        <a:latin typeface="Calibri" panose="020F0502020204030204" pitchFamily="34" charset="0"/>
+                        <a:ea typeface="Calibri" panose="020F0502020204030204" pitchFamily="34" charset="0"/>
+                        <a:cs typeface="Times New Roman" panose="02020603050405020304" pitchFamily="18" charset="0"/>
+                      </a:endParaRPr>
+                    </a:p>
+                  </a:txBody>
+                  <a:tcPr marL="117139" marR="117139" marT="0" marB="0"/>
+                </a:tc>
+                <a:tc>
+                  <a:txBody>
+                    <a:bodyPr/>
+                    <a:lstStyle/>
+                    <a:p>
+                      <a:pPr marL="0" marR="0" algn="ctr">
+                        <a:lnSpc>
+                          <a:spcPct val="107000"/>
+                        </a:lnSpc>
+                        <a:spcBef>
+                          <a:spcPts val="0"/>
+                        </a:spcBef>
+                        <a:spcAft>
+                          <a:spcPts val="0"/>
+                        </a:spcAft>
+                      </a:pPr>
+                      <a:r>
+                        <a:rPr lang="en-US" sz="2000">
+                          <a:effectLst/>
+                        </a:rPr>
+                        <a:t>2.89 M</a:t>
+                      </a:r>
+                      <a:endParaRPr lang="en-US" sz="1900">
+                        <a:effectLst/>
+                        <a:latin typeface="Calibri" panose="020F0502020204030204" pitchFamily="34" charset="0"/>
+                        <a:ea typeface="Calibri" panose="020F0502020204030204" pitchFamily="34" charset="0"/>
+                        <a:cs typeface="Times New Roman" panose="02020603050405020304" pitchFamily="18" charset="0"/>
+                      </a:endParaRPr>
+                    </a:p>
+                  </a:txBody>
+                  <a:tcPr marL="117139" marR="117139" marT="0" marB="0"/>
+                </a:tc>
+                <a:extLst>
+                  <a:ext uri="{0D108BD9-81ED-4DB2-BD59-A6C34878D82A}">
+                    <a16:rowId xmlns:a16="http://schemas.microsoft.com/office/drawing/2014/main" val="3516551812"/>
+                  </a:ext>
+                </a:extLst>
+              </a:tr>
+              <a:tr h="379942">
+                <a:tc>
+                  <a:txBody>
+                    <a:bodyPr/>
+                    <a:lstStyle/>
+                    <a:p>
+                      <a:pPr marL="0" marR="0">
+                        <a:lnSpc>
+                          <a:spcPct val="107000"/>
+                        </a:lnSpc>
+                        <a:spcBef>
+                          <a:spcPts val="0"/>
+                        </a:spcBef>
+                        <a:spcAft>
+                          <a:spcPts val="0"/>
+                        </a:spcAft>
+                      </a:pPr>
+                      <a:r>
+                        <a:rPr lang="en-US" sz="2000">
+                          <a:effectLst/>
+                        </a:rPr>
+                        <a:t>MLP</a:t>
+                      </a:r>
+                      <a:endParaRPr lang="en-US" sz="1900">
+                        <a:effectLst/>
+                        <a:latin typeface="Calibri" panose="020F0502020204030204" pitchFamily="34" charset="0"/>
+                        <a:ea typeface="Calibri" panose="020F0502020204030204" pitchFamily="34" charset="0"/>
+                        <a:cs typeface="Times New Roman" panose="02020603050405020304" pitchFamily="18" charset="0"/>
+                      </a:endParaRPr>
+                    </a:p>
+                  </a:txBody>
+                  <a:tcPr marL="117139" marR="117139" marT="0" marB="0"/>
+                </a:tc>
+                <a:tc>
+                  <a:txBody>
+                    <a:bodyPr/>
+                    <a:lstStyle/>
+                    <a:p>
+                      <a:pPr marL="0" marR="0" algn="ctr">
+                        <a:lnSpc>
+                          <a:spcPct val="107000"/>
+                        </a:lnSpc>
+                        <a:spcBef>
+                          <a:spcPts val="0"/>
+                        </a:spcBef>
+                        <a:spcAft>
+                          <a:spcPts val="0"/>
+                        </a:spcAft>
+                      </a:pPr>
+                      <a:r>
+                        <a:rPr lang="en-US" sz="2000">
+                          <a:effectLst/>
+                        </a:rPr>
+                        <a:t>negative</a:t>
+                      </a:r>
+                      <a:endParaRPr lang="en-US" sz="1900">
+                        <a:effectLst/>
+                        <a:latin typeface="Calibri" panose="020F0502020204030204" pitchFamily="34" charset="0"/>
+                        <a:ea typeface="Calibri" panose="020F0502020204030204" pitchFamily="34" charset="0"/>
+                        <a:cs typeface="Times New Roman" panose="02020603050405020304" pitchFamily="18" charset="0"/>
+                      </a:endParaRPr>
+                    </a:p>
+                  </a:txBody>
+                  <a:tcPr marL="117139" marR="117139" marT="0" marB="0"/>
+                </a:tc>
+                <a:tc>
+                  <a:txBody>
+                    <a:bodyPr/>
+                    <a:lstStyle/>
+                    <a:p>
+                      <a:pPr marL="0" marR="0" algn="ctr">
+                        <a:lnSpc>
+                          <a:spcPct val="107000"/>
+                        </a:lnSpc>
+                        <a:spcBef>
+                          <a:spcPts val="0"/>
+                        </a:spcBef>
+                        <a:spcAft>
+                          <a:spcPts val="0"/>
+                        </a:spcAft>
+                      </a:pPr>
+                      <a:r>
+                        <a:rPr lang="en-US" sz="2000">
+                          <a:effectLst/>
+                        </a:rPr>
+                        <a:t>3.666 M</a:t>
+                      </a:r>
+                      <a:endParaRPr lang="en-US" sz="1900">
+                        <a:effectLst/>
+                        <a:latin typeface="Calibri" panose="020F0502020204030204" pitchFamily="34" charset="0"/>
+                        <a:ea typeface="Calibri" panose="020F0502020204030204" pitchFamily="34" charset="0"/>
+                        <a:cs typeface="Times New Roman" panose="02020603050405020304" pitchFamily="18" charset="0"/>
+                      </a:endParaRPr>
+                    </a:p>
+                  </a:txBody>
+                  <a:tcPr marL="117139" marR="117139" marT="0" marB="0"/>
+                </a:tc>
+                <a:extLst>
+                  <a:ext uri="{0D108BD9-81ED-4DB2-BD59-A6C34878D82A}">
+                    <a16:rowId xmlns:a16="http://schemas.microsoft.com/office/drawing/2014/main" val="2848459860"/>
+                  </a:ext>
+                </a:extLst>
+              </a:tr>
+              <a:tr h="379942">
+                <a:tc>
+                  <a:txBody>
+                    <a:bodyPr/>
+                    <a:lstStyle/>
+                    <a:p>
+                      <a:pPr marL="0" marR="0">
+                        <a:lnSpc>
+                          <a:spcPct val="107000"/>
+                        </a:lnSpc>
+                        <a:spcBef>
+                          <a:spcPts val="0"/>
+                        </a:spcBef>
+                        <a:spcAft>
+                          <a:spcPts val="0"/>
+                        </a:spcAft>
+                      </a:pPr>
+                      <a:r>
+                        <a:rPr lang="en-US" sz="2000">
+                          <a:effectLst/>
+                        </a:rPr>
+                        <a:t>Bayesian Ridge</a:t>
+                      </a:r>
+                      <a:endParaRPr lang="en-US" sz="1900">
+                        <a:effectLst/>
+                        <a:latin typeface="Calibri" panose="020F0502020204030204" pitchFamily="34" charset="0"/>
+                        <a:ea typeface="Calibri" panose="020F0502020204030204" pitchFamily="34" charset="0"/>
+                        <a:cs typeface="Times New Roman" panose="02020603050405020304" pitchFamily="18" charset="0"/>
+                      </a:endParaRPr>
+                    </a:p>
+                  </a:txBody>
+                  <a:tcPr marL="117139" marR="117139" marT="0" marB="0"/>
+                </a:tc>
+                <a:tc>
+                  <a:txBody>
+                    <a:bodyPr/>
+                    <a:lstStyle/>
+                    <a:p>
+                      <a:pPr marL="0" marR="0" algn="ctr">
+                        <a:lnSpc>
+                          <a:spcPct val="107000"/>
+                        </a:lnSpc>
+                        <a:spcBef>
+                          <a:spcPts val="0"/>
+                        </a:spcBef>
+                        <a:spcAft>
+                          <a:spcPts val="0"/>
+                        </a:spcAft>
+                      </a:pPr>
+                      <a:r>
+                        <a:rPr lang="en-US" sz="2000">
+                          <a:effectLst/>
+                        </a:rPr>
+                        <a:t>negative</a:t>
+                      </a:r>
+                      <a:endParaRPr lang="en-US" sz="1900">
+                        <a:effectLst/>
+                        <a:latin typeface="Calibri" panose="020F0502020204030204" pitchFamily="34" charset="0"/>
+                        <a:ea typeface="Calibri" panose="020F0502020204030204" pitchFamily="34" charset="0"/>
+                        <a:cs typeface="Times New Roman" panose="02020603050405020304" pitchFamily="18" charset="0"/>
+                      </a:endParaRPr>
+                    </a:p>
+                  </a:txBody>
+                  <a:tcPr marL="117139" marR="117139" marT="0" marB="0"/>
+                </a:tc>
+                <a:tc>
+                  <a:txBody>
+                    <a:bodyPr/>
+                    <a:lstStyle/>
+                    <a:p>
+                      <a:pPr marL="0" marR="0" algn="ctr">
+                        <a:lnSpc>
+                          <a:spcPct val="107000"/>
+                        </a:lnSpc>
+                        <a:spcBef>
+                          <a:spcPts val="0"/>
+                        </a:spcBef>
+                        <a:spcAft>
+                          <a:spcPts val="0"/>
+                        </a:spcAft>
+                      </a:pPr>
+                      <a:r>
+                        <a:rPr lang="en-US" sz="2000">
+                          <a:effectLst/>
+                        </a:rPr>
+                        <a:t>62.41 K</a:t>
+                      </a:r>
+                      <a:endParaRPr lang="en-US" sz="1900">
+                        <a:effectLst/>
+                        <a:latin typeface="Calibri" panose="020F0502020204030204" pitchFamily="34" charset="0"/>
+                        <a:ea typeface="Calibri" panose="020F0502020204030204" pitchFamily="34" charset="0"/>
+                        <a:cs typeface="Times New Roman" panose="02020603050405020304" pitchFamily="18" charset="0"/>
+                      </a:endParaRPr>
+                    </a:p>
+                  </a:txBody>
+                  <a:tcPr marL="117139" marR="117139" marT="0" marB="0"/>
+                </a:tc>
+                <a:extLst>
+                  <a:ext uri="{0D108BD9-81ED-4DB2-BD59-A6C34878D82A}">
+                    <a16:rowId xmlns:a16="http://schemas.microsoft.com/office/drawing/2014/main" val="4179453695"/>
+                  </a:ext>
+                </a:extLst>
+              </a:tr>
+              <a:tr h="379942">
+                <a:tc>
+                  <a:txBody>
+                    <a:bodyPr/>
+                    <a:lstStyle/>
+                    <a:p>
+                      <a:pPr marL="0" marR="0">
+                        <a:lnSpc>
+                          <a:spcPct val="107000"/>
+                        </a:lnSpc>
+                        <a:spcBef>
+                          <a:spcPts val="0"/>
+                        </a:spcBef>
+                        <a:spcAft>
+                          <a:spcPts val="0"/>
+                        </a:spcAft>
+                      </a:pPr>
+                      <a:r>
+                        <a:rPr lang="en-US" sz="2000">
+                          <a:effectLst/>
+                        </a:rPr>
+                        <a:t>Ridge CV</a:t>
+                      </a:r>
+                      <a:endParaRPr lang="en-US" sz="1900">
+                        <a:effectLst/>
+                        <a:latin typeface="Calibri" panose="020F0502020204030204" pitchFamily="34" charset="0"/>
+                        <a:ea typeface="Calibri" panose="020F0502020204030204" pitchFamily="34" charset="0"/>
+                        <a:cs typeface="Times New Roman" panose="02020603050405020304" pitchFamily="18" charset="0"/>
+                      </a:endParaRPr>
+                    </a:p>
+                  </a:txBody>
+                  <a:tcPr marL="117139" marR="117139" marT="0" marB="0"/>
+                </a:tc>
+                <a:tc>
+                  <a:txBody>
+                    <a:bodyPr/>
+                    <a:lstStyle/>
+                    <a:p>
+                      <a:pPr marL="0" marR="0" algn="ctr">
+                        <a:lnSpc>
+                          <a:spcPct val="107000"/>
+                        </a:lnSpc>
+                        <a:spcBef>
+                          <a:spcPts val="0"/>
+                        </a:spcBef>
+                        <a:spcAft>
+                          <a:spcPts val="0"/>
+                        </a:spcAft>
+                      </a:pPr>
+                      <a:r>
+                        <a:rPr lang="en-US" sz="2000">
+                          <a:effectLst/>
+                        </a:rPr>
+                        <a:t>negative</a:t>
+                      </a:r>
+                      <a:endParaRPr lang="en-US" sz="1900">
+                        <a:effectLst/>
+                        <a:latin typeface="Calibri" panose="020F0502020204030204" pitchFamily="34" charset="0"/>
+                        <a:ea typeface="Calibri" panose="020F0502020204030204" pitchFamily="34" charset="0"/>
+                        <a:cs typeface="Times New Roman" panose="02020603050405020304" pitchFamily="18" charset="0"/>
+                      </a:endParaRPr>
+                    </a:p>
+                  </a:txBody>
+                  <a:tcPr marL="117139" marR="117139" marT="0" marB="0"/>
+                </a:tc>
+                <a:tc>
+                  <a:txBody>
+                    <a:bodyPr/>
+                    <a:lstStyle/>
+                    <a:p>
+                      <a:pPr marL="0" marR="0" algn="ctr">
+                        <a:lnSpc>
+                          <a:spcPct val="107000"/>
+                        </a:lnSpc>
+                        <a:spcBef>
+                          <a:spcPts val="0"/>
+                        </a:spcBef>
+                        <a:spcAft>
+                          <a:spcPts val="0"/>
+                        </a:spcAft>
+                      </a:pPr>
+                      <a:r>
+                        <a:rPr lang="en-US" sz="2000" dirty="0">
+                          <a:effectLst/>
+                        </a:rPr>
+                        <a:t>Very High</a:t>
+                      </a:r>
+                      <a:endParaRPr lang="en-US" sz="1900" dirty="0">
+                        <a:effectLst/>
+                        <a:latin typeface="Calibri" panose="020F0502020204030204" pitchFamily="34" charset="0"/>
+                        <a:ea typeface="Calibri" panose="020F0502020204030204" pitchFamily="34" charset="0"/>
+                        <a:cs typeface="Times New Roman" panose="02020603050405020304" pitchFamily="18" charset="0"/>
+                      </a:endParaRPr>
+                    </a:p>
+                  </a:txBody>
+                  <a:tcPr marL="117139" marR="117139" marT="0" marB="0"/>
+                </a:tc>
+                <a:extLst>
+                  <a:ext uri="{0D108BD9-81ED-4DB2-BD59-A6C34878D82A}">
+                    <a16:rowId xmlns:a16="http://schemas.microsoft.com/office/drawing/2014/main" val="3550807364"/>
+                  </a:ext>
+                </a:extLst>
+              </a:tr>
+            </a:tbl>
+          </a:graphicData>
+        </a:graphic>
+      </p:graphicFrame>
+    </p:spTree>
+    <p:extLst>
+      <p:ext uri="{BB962C8B-B14F-4D97-AF65-F5344CB8AC3E}">
+        <p14:creationId xmlns:p14="http://schemas.microsoft.com/office/powerpoint/2010/main" val="2662612343"/>
+      </p:ext>
+    </p:extLst>
+  </p:cSld>
+  <p:clrMapOvr>
+    <a:overrideClrMapping bg1="lt1" tx1="dk1" bg2="lt2" tx2="dk2" accent1="accent1" accent2="accent2" accent3="accent3" accent4="accent4" accent5="accent5" accent6="accent6" hlink="hlink" folHlink="folHlink"/>
+  </p:clrMapOvr>
+</p:sld>
+</file>
+
+<file path=ppt/slides/slide18.xml><?xml version="1.0" encoding="utf-8"?>
 <p:sld xmlns:a="http://schemas.openxmlformats.org/drawingml/2006/main" xmlns:r="http://schemas.openxmlformats.org/officeDocument/2006/relationships" xmlns:p="http://schemas.openxmlformats.org/presentationml/2006/main">
   <p:cSld>
     <p:bg>
@@ -28754,7 +35061,7 @@
 </p:sld>
 </file>
 
-<file path=ppt/slides/slide15.xml><?xml version="1.0" encoding="utf-8"?>
+<file path=ppt/slides/slide19.xml><?xml version="1.0" encoding="utf-8"?>
 <p:sld xmlns:a="http://schemas.openxmlformats.org/drawingml/2006/main" xmlns:r="http://schemas.openxmlformats.org/officeDocument/2006/relationships" xmlns:p="http://schemas.openxmlformats.org/presentationml/2006/main">
   <p:cSld>
     <p:bg>
@@ -30105,7 +36412,1379 @@
 </p:sld>
 </file>
 
-<file path=ppt/slides/slide16.xml><?xml version="1.0" encoding="utf-8"?>
+<file path=ppt/slides/slide2.xml><?xml version="1.0" encoding="utf-8"?>
+<p:sld xmlns:a="http://schemas.openxmlformats.org/drawingml/2006/main" xmlns:r="http://schemas.openxmlformats.org/officeDocument/2006/relationships" xmlns:p="http://schemas.openxmlformats.org/presentationml/2006/main">
+  <p:cSld>
+    <p:bg>
+      <p:bgPr>
+        <a:solidFill>
+          <a:schemeClr val="bg1"/>
+        </a:solidFill>
+        <a:effectLst/>
+      </p:bgPr>
+    </p:bg>
+    <p:spTree>
+      <p:nvGrpSpPr>
+        <p:cNvPr id="1" name=""/>
+        <p:cNvGrpSpPr/>
+        <p:nvPr/>
+      </p:nvGrpSpPr>
+      <p:grpSpPr>
+        <a:xfrm>
+          <a:off x="0" y="0"/>
+          <a:ext cx="0" cy="0"/>
+          <a:chOff x="0" y="0"/>
+          <a:chExt cx="0" cy="0"/>
+        </a:xfrm>
+      </p:grpSpPr>
+      <p:pic>
+        <p:nvPicPr>
+          <p:cNvPr id="35" name="Picture 34">
+            <a:extLst>
+              <a:ext uri="{FF2B5EF4-FFF2-40B4-BE49-F238E27FC236}">
+                <a16:creationId xmlns:a16="http://schemas.microsoft.com/office/drawing/2014/main" id="{F1B8F9CB-890B-4CB8-B503-188A763E2FC1}"/>
+              </a:ext>
+              <a:ext uri="{C183D7F6-B498-43B3-948B-1728B52AA6E4}">
+                <adec:decorative xmlns:adec="http://schemas.microsoft.com/office/drawing/2017/decorative" val="1"/>
+              </a:ext>
+            </a:extLst>
+          </p:cNvPr>
+          <p:cNvPicPr>
+            <a:picLocks noGrp="1" noRot="1" noChangeAspect="1" noMove="1" noResize="1" noEditPoints="1" noAdjustHandles="1" noChangeArrowheads="1" noChangeShapeType="1" noCrop="1"/>
+          </p:cNvPicPr>
+          <p:nvPr>
+            <p:extLst>
+              <p:ext uri="{386F3935-93C4-4BCD-93E2-E3B085C9AB24}">
+                <p16:designElem xmlns:p16="http://schemas.microsoft.com/office/powerpoint/2015/main" val="1"/>
+              </p:ext>
+            </p:extLst>
+          </p:nvPr>
+        </p:nvPicPr>
+        <p:blipFill rotWithShape="1">
+          <a:blip r:embed="rId2">
+            <a:extLst>
+              <a:ext uri="{28A0092B-C50C-407E-A947-70E740481C1C}">
+                <a14:useLocalDpi xmlns:a14="http://schemas.microsoft.com/office/drawing/2010/main" val="0"/>
+              </a:ext>
+            </a:extLst>
+          </a:blip>
+          <a:srcRect l="3613"/>
+          <a:stretch/>
+        </p:blipFill>
+        <p:spPr>
+          <a:xfrm>
+            <a:off x="0" y="2669685"/>
+            <a:ext cx="4037012" cy="4188315"/>
+          </a:xfrm>
+          <a:prstGeom prst="rect">
+            <a:avLst/>
+          </a:prstGeom>
+        </p:spPr>
+      </p:pic>
+      <p:pic>
+        <p:nvPicPr>
+          <p:cNvPr id="37" name="Picture 36">
+            <a:extLst>
+              <a:ext uri="{FF2B5EF4-FFF2-40B4-BE49-F238E27FC236}">
+                <a16:creationId xmlns:a16="http://schemas.microsoft.com/office/drawing/2014/main" id="{AA632AB4-3837-4FD0-8B62-0A18B573F46D}"/>
+              </a:ext>
+              <a:ext uri="{C183D7F6-B498-43B3-948B-1728B52AA6E4}">
+                <adec:decorative xmlns:adec="http://schemas.microsoft.com/office/drawing/2017/decorative" val="1"/>
+              </a:ext>
+            </a:extLst>
+          </p:cNvPr>
+          <p:cNvPicPr>
+            <a:picLocks noGrp="1" noRot="1" noChangeAspect="1" noMove="1" noResize="1" noEditPoints="1" noAdjustHandles="1" noChangeArrowheads="1" noChangeShapeType="1" noCrop="1"/>
+          </p:cNvPicPr>
+          <p:nvPr>
+            <p:extLst>
+              <p:ext uri="{386F3935-93C4-4BCD-93E2-E3B085C9AB24}">
+                <p16:designElem xmlns:p16="http://schemas.microsoft.com/office/powerpoint/2015/main" val="1"/>
+              </p:ext>
+            </p:extLst>
+          </p:nvPr>
+        </p:nvPicPr>
+        <p:blipFill rotWithShape="1">
+          <a:blip r:embed="rId3">
+            <a:extLst>
+              <a:ext uri="{28A0092B-C50C-407E-A947-70E740481C1C}">
+                <a14:useLocalDpi xmlns:a14="http://schemas.microsoft.com/office/drawing/2010/main" val="0"/>
+              </a:ext>
+            </a:extLst>
+          </a:blip>
+          <a:srcRect l="35640"/>
+          <a:stretch/>
+        </p:blipFill>
+        <p:spPr>
+          <a:xfrm>
+            <a:off x="0" y="2892347"/>
+            <a:ext cx="1522412" cy="2365453"/>
+          </a:xfrm>
+          <a:prstGeom prst="rect">
+            <a:avLst/>
+          </a:prstGeom>
+        </p:spPr>
+      </p:pic>
+      <p:sp>
+        <p:nvSpPr>
+          <p:cNvPr id="39" name="Oval 38">
+            <a:extLst>
+              <a:ext uri="{FF2B5EF4-FFF2-40B4-BE49-F238E27FC236}">
+                <a16:creationId xmlns:a16="http://schemas.microsoft.com/office/drawing/2014/main" id="{C393B4A7-6ABF-423D-A762-3CDB4897A833}"/>
+              </a:ext>
+              <a:ext uri="{C183D7F6-B498-43B3-948B-1728B52AA6E4}">
+                <adec:decorative xmlns:adec="http://schemas.microsoft.com/office/drawing/2017/decorative" val="1"/>
+              </a:ext>
+            </a:extLst>
+          </p:cNvPr>
+          <p:cNvSpPr>
+            <a:spLocks noGrp="1" noRot="1" noChangeAspect="1" noMove="1" noResize="1" noEditPoints="1" noAdjustHandles="1" noChangeArrowheads="1" noChangeShapeType="1" noTextEdit="1"/>
+          </p:cNvSpPr>
+          <p:nvPr>
+            <p:extLst>
+              <p:ext uri="{386F3935-93C4-4BCD-93E2-E3B085C9AB24}">
+                <p16:designElem xmlns:p16="http://schemas.microsoft.com/office/powerpoint/2015/main" val="1"/>
+              </p:ext>
+            </p:extLst>
+          </p:nvPr>
+        </p:nvSpPr>
+        <p:spPr>
+          <a:xfrm>
+            <a:off x="8609012" y="1676400"/>
+            <a:ext cx="2819400" cy="2819400"/>
+          </a:xfrm>
+          <a:prstGeom prst="ellipse">
+            <a:avLst/>
+          </a:prstGeom>
+          <a:gradFill flip="none" rotWithShape="1">
+            <a:gsLst>
+              <a:gs pos="0">
+                <a:schemeClr val="bg2">
+                  <a:lumMod val="60000"/>
+                  <a:lumOff val="40000"/>
+                  <a:alpha val="7000"/>
+                </a:schemeClr>
+              </a:gs>
+              <a:gs pos="69000">
+                <a:schemeClr val="bg2">
+                  <a:lumMod val="60000"/>
+                  <a:lumOff val="40000"/>
+                  <a:alpha val="0"/>
+                </a:schemeClr>
+              </a:gs>
+              <a:gs pos="36000">
+                <a:schemeClr val="bg2">
+                  <a:lumMod val="60000"/>
+                  <a:lumOff val="40000"/>
+                  <a:alpha val="6000"/>
+                </a:schemeClr>
+              </a:gs>
+            </a:gsLst>
+            <a:path path="circle">
+              <a:fillToRect l="50000" t="50000" r="50000" b="50000"/>
+            </a:path>
+            <a:tileRect/>
+          </a:gradFill>
+          <a:ln>
+            <a:noFill/>
+          </a:ln>
+          <a:effectLst/>
+        </p:spPr>
+        <p:style>
+          <a:lnRef idx="1">
+            <a:schemeClr val="accent1"/>
+          </a:lnRef>
+          <a:fillRef idx="3">
+            <a:schemeClr val="accent1"/>
+          </a:fillRef>
+          <a:effectRef idx="2">
+            <a:schemeClr val="accent1"/>
+          </a:effectRef>
+          <a:fontRef idx="minor">
+            <a:schemeClr val="lt1"/>
+          </a:fontRef>
+        </p:style>
+      </p:sp>
+      <p:pic>
+        <p:nvPicPr>
+          <p:cNvPr id="41" name="Picture 40">
+            <a:extLst>
+              <a:ext uri="{FF2B5EF4-FFF2-40B4-BE49-F238E27FC236}">
+                <a16:creationId xmlns:a16="http://schemas.microsoft.com/office/drawing/2014/main" id="{9CD2319A-6FA9-4EFB-9EDF-7304467425E8}"/>
+              </a:ext>
+              <a:ext uri="{C183D7F6-B498-43B3-948B-1728B52AA6E4}">
+                <adec:decorative xmlns:adec="http://schemas.microsoft.com/office/drawing/2017/decorative" val="1"/>
+              </a:ext>
+            </a:extLst>
+          </p:cNvPr>
+          <p:cNvPicPr>
+            <a:picLocks noGrp="1" noRot="1" noChangeAspect="1" noMove="1" noResize="1" noEditPoints="1" noAdjustHandles="1" noChangeArrowheads="1" noChangeShapeType="1" noCrop="1"/>
+          </p:cNvPicPr>
+          <p:nvPr>
+            <p:extLst>
+              <p:ext uri="{386F3935-93C4-4BCD-93E2-E3B085C9AB24}">
+                <p16:designElem xmlns:p16="http://schemas.microsoft.com/office/powerpoint/2015/main" val="1"/>
+              </p:ext>
+            </p:extLst>
+          </p:nvPr>
+        </p:nvPicPr>
+        <p:blipFill rotWithShape="1">
+          <a:blip r:embed="rId4">
+            <a:extLst>
+              <a:ext uri="{28A0092B-C50C-407E-A947-70E740481C1C}">
+                <a14:useLocalDpi xmlns:a14="http://schemas.microsoft.com/office/drawing/2010/main" val="0"/>
+              </a:ext>
+            </a:extLst>
+          </a:blip>
+          <a:srcRect t="28813"/>
+          <a:stretch/>
+        </p:blipFill>
+        <p:spPr>
+          <a:xfrm>
+            <a:off x="7999412" y="0"/>
+            <a:ext cx="1603387" cy="1141407"/>
+          </a:xfrm>
+          <a:prstGeom prst="rect">
+            <a:avLst/>
+          </a:prstGeom>
+        </p:spPr>
+      </p:pic>
+      <p:pic>
+        <p:nvPicPr>
+          <p:cNvPr id="43" name="Picture 42">
+            <a:extLst>
+              <a:ext uri="{FF2B5EF4-FFF2-40B4-BE49-F238E27FC236}">
+                <a16:creationId xmlns:a16="http://schemas.microsoft.com/office/drawing/2014/main" id="{D1692A93-3514-4486-8B67-CCA4E0259BCB}"/>
+              </a:ext>
+              <a:ext uri="{C183D7F6-B498-43B3-948B-1728B52AA6E4}">
+                <adec:decorative xmlns:adec="http://schemas.microsoft.com/office/drawing/2017/decorative" val="1"/>
+              </a:ext>
+            </a:extLst>
+          </p:cNvPr>
+          <p:cNvPicPr>
+            <a:picLocks noGrp="1" noRot="1" noChangeAspect="1" noMove="1" noResize="1" noEditPoints="1" noAdjustHandles="1" noChangeArrowheads="1" noChangeShapeType="1" noCrop="1"/>
+          </p:cNvPicPr>
+          <p:nvPr>
+            <p:extLst>
+              <p:ext uri="{386F3935-93C4-4BCD-93E2-E3B085C9AB24}">
+                <p16:designElem xmlns:p16="http://schemas.microsoft.com/office/powerpoint/2015/main" val="1"/>
+              </p:ext>
+            </p:extLst>
+          </p:nvPr>
+        </p:nvPicPr>
+        <p:blipFill rotWithShape="1">
+          <a:blip r:embed="rId5">
+            <a:extLst>
+              <a:ext uri="{28A0092B-C50C-407E-A947-70E740481C1C}">
+                <a14:useLocalDpi xmlns:a14="http://schemas.microsoft.com/office/drawing/2010/main" val="0"/>
+              </a:ext>
+            </a:extLst>
+          </a:blip>
+          <a:srcRect b="23320"/>
+          <a:stretch/>
+        </p:blipFill>
+        <p:spPr>
+          <a:xfrm>
+            <a:off x="8605878" y="6096000"/>
+            <a:ext cx="993734" cy="762000"/>
+          </a:xfrm>
+          <a:prstGeom prst="rect">
+            <a:avLst/>
+          </a:prstGeom>
+        </p:spPr>
+      </p:pic>
+      <p:sp>
+        <p:nvSpPr>
+          <p:cNvPr id="45" name="Rectangle 44">
+            <a:extLst>
+              <a:ext uri="{FF2B5EF4-FFF2-40B4-BE49-F238E27FC236}">
+                <a16:creationId xmlns:a16="http://schemas.microsoft.com/office/drawing/2014/main" id="{01AD250C-F2EA-449F-9B14-DF5BB674C500}"/>
+              </a:ext>
+              <a:ext uri="{C183D7F6-B498-43B3-948B-1728B52AA6E4}">
+                <adec:decorative xmlns:adec="http://schemas.microsoft.com/office/drawing/2017/decorative" val="1"/>
+              </a:ext>
+            </a:extLst>
+          </p:cNvPr>
+          <p:cNvSpPr>
+            <a:spLocks noGrp="1" noRot="1" noChangeAspect="1" noMove="1" noResize="1" noEditPoints="1" noAdjustHandles="1" noChangeArrowheads="1" noChangeShapeType="1" noTextEdit="1"/>
+          </p:cNvSpPr>
+          <p:nvPr>
+            <p:extLst>
+              <p:ext uri="{386F3935-93C4-4BCD-93E2-E3B085C9AB24}">
+                <p16:designElem xmlns:p16="http://schemas.microsoft.com/office/powerpoint/2015/main" val="1"/>
+              </p:ext>
+            </p:extLst>
+          </p:nvPr>
+        </p:nvSpPr>
+        <p:spPr>
+          <a:xfrm>
+            <a:off x="10437812" y="0"/>
+            <a:ext cx="685800" cy="1143000"/>
+          </a:xfrm>
+          <a:prstGeom prst="rect">
+            <a:avLst/>
+          </a:prstGeom>
+          <a:solidFill>
+            <a:schemeClr val="accent1"/>
+          </a:solidFill>
+          <a:ln>
+            <a:noFill/>
+          </a:ln>
+        </p:spPr>
+        <p:style>
+          <a:lnRef idx="1">
+            <a:schemeClr val="accent1"/>
+          </a:lnRef>
+          <a:fillRef idx="3">
+            <a:schemeClr val="accent1"/>
+          </a:fillRef>
+          <a:effectRef idx="2">
+            <a:schemeClr val="accent1"/>
+          </a:effectRef>
+          <a:fontRef idx="minor">
+            <a:schemeClr val="lt1"/>
+          </a:fontRef>
+        </p:style>
+      </p:sp>
+      <p:sp>
+        <p:nvSpPr>
+          <p:cNvPr id="47" name="Rectangle 46">
+            <a:extLst>
+              <a:ext uri="{FF2B5EF4-FFF2-40B4-BE49-F238E27FC236}">
+                <a16:creationId xmlns:a16="http://schemas.microsoft.com/office/drawing/2014/main" id="{4E78424C-6FD0-41F8-9CAA-5DC19C42359F}"/>
+              </a:ext>
+              <a:ext uri="{C183D7F6-B498-43B3-948B-1728B52AA6E4}">
+                <adec:decorative xmlns:adec="http://schemas.microsoft.com/office/drawing/2017/decorative" val="1"/>
+              </a:ext>
+            </a:extLst>
+          </p:cNvPr>
+          <p:cNvSpPr>
+            <a:spLocks noGrp="1" noRot="1" noChangeAspect="1" noMove="1" noResize="1" noEditPoints="1" noAdjustHandles="1" noChangeArrowheads="1" noChangeShapeType="1" noTextEdit="1"/>
+          </p:cNvSpPr>
+          <p:nvPr>
+            <p:extLst>
+              <p:ext uri="{386F3935-93C4-4BCD-93E2-E3B085C9AB24}">
+                <p16:designElem xmlns:p16="http://schemas.microsoft.com/office/powerpoint/2015/main" val="1"/>
+              </p:ext>
+            </p:extLst>
+          </p:nvPr>
+        </p:nvSpPr>
+        <p:spPr>
+          <a:xfrm>
+            <a:off x="0" y="-1"/>
+            <a:ext cx="12192000" cy="6858001"/>
+          </a:xfrm>
+          <a:prstGeom prst="rect">
+            <a:avLst/>
+          </a:prstGeom>
+          <a:ln>
+            <a:noFill/>
+          </a:ln>
+        </p:spPr>
+        <p:style>
+          <a:lnRef idx="2">
+            <a:schemeClr val="accent1">
+              <a:shade val="50000"/>
+            </a:schemeClr>
+          </a:lnRef>
+          <a:fillRef idx="1003">
+            <a:schemeClr val="dk2"/>
+          </a:fillRef>
+          <a:effectRef idx="0">
+            <a:schemeClr val="accent1"/>
+          </a:effectRef>
+          <a:fontRef idx="minor">
+            <a:schemeClr val="lt1"/>
+          </a:fontRef>
+        </p:style>
+        <p:txBody>
+          <a:bodyPr rtlCol="0" anchor="ctr"/>
+          <a:lstStyle/>
+          <a:p>
+            <a:pPr algn="ctr"/>
+            <a:endParaRPr lang="en-US"/>
+          </a:p>
+        </p:txBody>
+      </p:sp>
+      <p:sp>
+        <p:nvSpPr>
+          <p:cNvPr id="2" name="Title 1">
+            <a:extLst>
+              <a:ext uri="{FF2B5EF4-FFF2-40B4-BE49-F238E27FC236}">
+                <a16:creationId xmlns:a16="http://schemas.microsoft.com/office/drawing/2014/main" id="{09B315B5-E0A6-4BB7-BB09-7801ED00FE93}"/>
+              </a:ext>
+            </a:extLst>
+          </p:cNvPr>
+          <p:cNvSpPr>
+            <a:spLocks noGrp="1"/>
+          </p:cNvSpPr>
+          <p:nvPr>
+            <p:ph type="title"/>
+          </p:nvPr>
+        </p:nvSpPr>
+        <p:spPr>
+          <a:xfrm>
+            <a:off x="456280" y="1447800"/>
+            <a:ext cx="3296201" cy="4572000"/>
+          </a:xfrm>
+        </p:spPr>
+        <p:txBody>
+          <a:bodyPr vert="horz" lIns="91440" tIns="45720" rIns="91440" bIns="45720" rtlCol="0" anchor="ctr">
+            <a:normAutofit/>
+          </a:bodyPr>
+          <a:lstStyle/>
+          <a:p>
+            <a:r>
+              <a:rPr lang="en-US" sz="4000" dirty="0">
+                <a:solidFill>
+                  <a:srgbClr val="F2F2F2"/>
+                </a:solidFill>
+                <a:latin typeface="Copperplate Gothic Bold" panose="020E0705020206020404" pitchFamily="34" charset="0"/>
+              </a:rPr>
+              <a:t>ROADMAP</a:t>
+            </a:r>
+          </a:p>
+        </p:txBody>
+      </p:sp>
+      <p:sp>
+        <p:nvSpPr>
+          <p:cNvPr id="49" name="Freeform: Shape 48">
+            <a:extLst>
+              <a:ext uri="{FF2B5EF4-FFF2-40B4-BE49-F238E27FC236}">
+                <a16:creationId xmlns:a16="http://schemas.microsoft.com/office/drawing/2014/main" id="{DD136760-57DC-4301-8BEA-B71AD2D13905}"/>
+              </a:ext>
+              <a:ext uri="{C183D7F6-B498-43B3-948B-1728B52AA6E4}">
+                <adec:decorative xmlns:adec="http://schemas.microsoft.com/office/drawing/2017/decorative" val="1"/>
+              </a:ext>
+            </a:extLst>
+          </p:cNvPr>
+          <p:cNvSpPr>
+            <a:spLocks noGrp="1" noRot="1" noChangeAspect="1" noMove="1" noResize="1" noEditPoints="1" noAdjustHandles="1" noChangeArrowheads="1" noChangeShapeType="1" noTextEdit="1"/>
+          </p:cNvSpPr>
+          <p:nvPr>
+            <p:extLst>
+              <p:ext uri="{386F3935-93C4-4BCD-93E2-E3B085C9AB24}">
+                <p16:designElem xmlns:p16="http://schemas.microsoft.com/office/powerpoint/2015/main" val="1"/>
+              </p:ext>
+            </p:extLst>
+          </p:nvPr>
+        </p:nvSpPr>
+        <p:spPr>
+          <a:xfrm>
+            <a:off x="4161310" y="0"/>
+            <a:ext cx="8030690" cy="6858000"/>
+          </a:xfrm>
+          <a:custGeom>
+            <a:avLst/>
+            <a:gdLst>
+              <a:gd name="connsiteX0" fmla="*/ 1176 w 8030690"/>
+              <a:gd name="connsiteY0" fmla="*/ 0 h 6858000"/>
+              <a:gd name="connsiteX1" fmla="*/ 1344715 w 8030690"/>
+              <a:gd name="connsiteY1" fmla="*/ 0 h 6858000"/>
+              <a:gd name="connsiteX2" fmla="*/ 1344715 w 8030690"/>
+              <a:gd name="connsiteY2" fmla="*/ 0 h 6858000"/>
+              <a:gd name="connsiteX3" fmla="*/ 8030690 w 8030690"/>
+              <a:gd name="connsiteY3" fmla="*/ 0 h 6858000"/>
+              <a:gd name="connsiteX4" fmla="*/ 8030690 w 8030690"/>
+              <a:gd name="connsiteY4" fmla="*/ 6858000 h 6858000"/>
+              <a:gd name="connsiteX5" fmla="*/ 477746 w 8030690"/>
+              <a:gd name="connsiteY5" fmla="*/ 6858000 h 6858000"/>
+              <a:gd name="connsiteX6" fmla="*/ 477746 w 8030690"/>
+              <a:gd name="connsiteY6" fmla="*/ 6858000 h 6858000"/>
+              <a:gd name="connsiteX7" fmla="*/ 0 w 8030690"/>
+              <a:gd name="connsiteY7" fmla="*/ 6858000 h 6858000"/>
+              <a:gd name="connsiteX8" fmla="*/ 5883 w 8030690"/>
+              <a:gd name="connsiteY8" fmla="*/ 6817538 h 6858000"/>
+              <a:gd name="connsiteX9" fmla="*/ 23196 w 8030690"/>
+              <a:gd name="connsiteY9" fmla="*/ 6698894 h 6858000"/>
+              <a:gd name="connsiteX10" fmla="*/ 35298 w 8030690"/>
+              <a:gd name="connsiteY10" fmla="*/ 6612483 h 6858000"/>
+              <a:gd name="connsiteX11" fmla="*/ 48073 w 8030690"/>
+              <a:gd name="connsiteY11" fmla="*/ 6509613 h 6858000"/>
+              <a:gd name="connsiteX12" fmla="*/ 63369 w 8030690"/>
+              <a:gd name="connsiteY12" fmla="*/ 6387541 h 6858000"/>
+              <a:gd name="connsiteX13" fmla="*/ 79506 w 8030690"/>
+              <a:gd name="connsiteY13" fmla="*/ 6252438 h 6858000"/>
+              <a:gd name="connsiteX14" fmla="*/ 96483 w 8030690"/>
+              <a:gd name="connsiteY14" fmla="*/ 6100191 h 6858000"/>
+              <a:gd name="connsiteX15" fmla="*/ 114468 w 8030690"/>
+              <a:gd name="connsiteY15" fmla="*/ 5934227 h 6858000"/>
+              <a:gd name="connsiteX16" fmla="*/ 132454 w 8030690"/>
+              <a:gd name="connsiteY16" fmla="*/ 5753862 h 6858000"/>
+              <a:gd name="connsiteX17" fmla="*/ 150775 w 8030690"/>
+              <a:gd name="connsiteY17" fmla="*/ 5561838 h 6858000"/>
+              <a:gd name="connsiteX18" fmla="*/ 167752 w 8030690"/>
+              <a:gd name="connsiteY18" fmla="*/ 5354726 h 6858000"/>
+              <a:gd name="connsiteX19" fmla="*/ 184057 w 8030690"/>
+              <a:gd name="connsiteY19" fmla="*/ 5138013 h 6858000"/>
+              <a:gd name="connsiteX20" fmla="*/ 198849 w 8030690"/>
+              <a:gd name="connsiteY20" fmla="*/ 4908956 h 6858000"/>
+              <a:gd name="connsiteX21" fmla="*/ 212968 w 8030690"/>
+              <a:gd name="connsiteY21" fmla="*/ 4670298 h 6858000"/>
+              <a:gd name="connsiteX22" fmla="*/ 226248 w 8030690"/>
+              <a:gd name="connsiteY22" fmla="*/ 4421352 h 6858000"/>
+              <a:gd name="connsiteX23" fmla="*/ 230954 w 8030690"/>
+              <a:gd name="connsiteY23" fmla="*/ 4293793 h 6858000"/>
+              <a:gd name="connsiteX24" fmla="*/ 236165 w 8030690"/>
+              <a:gd name="connsiteY24" fmla="*/ 4163491 h 6858000"/>
+              <a:gd name="connsiteX25" fmla="*/ 241039 w 8030690"/>
+              <a:gd name="connsiteY25" fmla="*/ 4031132 h 6858000"/>
+              <a:gd name="connsiteX26" fmla="*/ 244233 w 8030690"/>
+              <a:gd name="connsiteY26" fmla="*/ 3898087 h 6858000"/>
+              <a:gd name="connsiteX27" fmla="*/ 247091 w 8030690"/>
+              <a:gd name="connsiteY27" fmla="*/ 3762298 h 6858000"/>
+              <a:gd name="connsiteX28" fmla="*/ 250116 w 8030690"/>
+              <a:gd name="connsiteY28" fmla="*/ 3625138 h 6858000"/>
+              <a:gd name="connsiteX29" fmla="*/ 252133 w 8030690"/>
+              <a:gd name="connsiteY29" fmla="*/ 3485235 h 6858000"/>
+              <a:gd name="connsiteX30" fmla="*/ 252133 w 8030690"/>
+              <a:gd name="connsiteY30" fmla="*/ 3343960 h 6858000"/>
+              <a:gd name="connsiteX31" fmla="*/ 253142 w 8030690"/>
+              <a:gd name="connsiteY31" fmla="*/ 3201314 h 6858000"/>
+              <a:gd name="connsiteX32" fmla="*/ 252133 w 8030690"/>
+              <a:gd name="connsiteY32" fmla="*/ 3057296 h 6858000"/>
+              <a:gd name="connsiteX33" fmla="*/ 250116 w 8030690"/>
+              <a:gd name="connsiteY33" fmla="*/ 2911221 h 6858000"/>
+              <a:gd name="connsiteX34" fmla="*/ 248267 w 8030690"/>
+              <a:gd name="connsiteY34" fmla="*/ 2765145 h 6858000"/>
+              <a:gd name="connsiteX35" fmla="*/ 244233 w 8030690"/>
+              <a:gd name="connsiteY35" fmla="*/ 2617013 h 6858000"/>
+              <a:gd name="connsiteX36" fmla="*/ 240031 w 8030690"/>
+              <a:gd name="connsiteY36" fmla="*/ 2467508 h 6858000"/>
+              <a:gd name="connsiteX37" fmla="*/ 235156 w 8030690"/>
+              <a:gd name="connsiteY37" fmla="*/ 2318004 h 6858000"/>
+              <a:gd name="connsiteX38" fmla="*/ 228265 w 8030690"/>
+              <a:gd name="connsiteY38" fmla="*/ 2167128 h 6858000"/>
+              <a:gd name="connsiteX39" fmla="*/ 220028 w 8030690"/>
+              <a:gd name="connsiteY39" fmla="*/ 2014880 h 6858000"/>
+              <a:gd name="connsiteX40" fmla="*/ 212128 w 8030690"/>
+              <a:gd name="connsiteY40" fmla="*/ 1861947 h 6858000"/>
+              <a:gd name="connsiteX41" fmla="*/ 202043 w 8030690"/>
+              <a:gd name="connsiteY41" fmla="*/ 1709013 h 6858000"/>
+              <a:gd name="connsiteX42" fmla="*/ 189940 w 8030690"/>
+              <a:gd name="connsiteY42" fmla="*/ 1554023 h 6858000"/>
+              <a:gd name="connsiteX43" fmla="*/ 177838 w 8030690"/>
+              <a:gd name="connsiteY43" fmla="*/ 1401089 h 6858000"/>
+              <a:gd name="connsiteX44" fmla="*/ 163886 w 8030690"/>
+              <a:gd name="connsiteY44" fmla="*/ 1245413 h 6858000"/>
+              <a:gd name="connsiteX45" fmla="*/ 148590 w 8030690"/>
+              <a:gd name="connsiteY45" fmla="*/ 1089050 h 6858000"/>
+              <a:gd name="connsiteX46" fmla="*/ 132454 w 8030690"/>
+              <a:gd name="connsiteY46" fmla="*/ 934745 h 6858000"/>
+              <a:gd name="connsiteX47" fmla="*/ 113628 w 8030690"/>
+              <a:gd name="connsiteY47" fmla="*/ 778383 h 6858000"/>
+              <a:gd name="connsiteX48" fmla="*/ 93457 w 8030690"/>
+              <a:gd name="connsiteY48" fmla="*/ 622706 h 6858000"/>
+              <a:gd name="connsiteX49" fmla="*/ 73454 w 8030690"/>
+              <a:gd name="connsiteY49" fmla="*/ 466344 h 6858000"/>
+              <a:gd name="connsiteX50" fmla="*/ 50090 w 8030690"/>
+              <a:gd name="connsiteY50" fmla="*/ 310667 h 6858000"/>
+              <a:gd name="connsiteX51" fmla="*/ 26222 w 8030690"/>
+              <a:gd name="connsiteY51" fmla="*/ 155676 h 6858000"/>
+            </a:gdLst>
+            <a:ahLst/>
+            <a:cxnLst>
+              <a:cxn ang="0">
+                <a:pos x="connsiteX0" y="connsiteY0"/>
+              </a:cxn>
+              <a:cxn ang="0">
+                <a:pos x="connsiteX1" y="connsiteY1"/>
+              </a:cxn>
+              <a:cxn ang="0">
+                <a:pos x="connsiteX2" y="connsiteY2"/>
+              </a:cxn>
+              <a:cxn ang="0">
+                <a:pos x="connsiteX3" y="connsiteY3"/>
+              </a:cxn>
+              <a:cxn ang="0">
+                <a:pos x="connsiteX4" y="connsiteY4"/>
+              </a:cxn>
+              <a:cxn ang="0">
+                <a:pos x="connsiteX5" y="connsiteY5"/>
+              </a:cxn>
+              <a:cxn ang="0">
+                <a:pos x="connsiteX6" y="connsiteY6"/>
+              </a:cxn>
+              <a:cxn ang="0">
+                <a:pos x="connsiteX7" y="connsiteY7"/>
+              </a:cxn>
+              <a:cxn ang="0">
+                <a:pos x="connsiteX8" y="connsiteY8"/>
+              </a:cxn>
+              <a:cxn ang="0">
+                <a:pos x="connsiteX9" y="connsiteY9"/>
+              </a:cxn>
+              <a:cxn ang="0">
+                <a:pos x="connsiteX10" y="connsiteY10"/>
+              </a:cxn>
+              <a:cxn ang="0">
+                <a:pos x="connsiteX11" y="connsiteY11"/>
+              </a:cxn>
+              <a:cxn ang="0">
+                <a:pos x="connsiteX12" y="connsiteY12"/>
+              </a:cxn>
+              <a:cxn ang="0">
+                <a:pos x="connsiteX13" y="connsiteY13"/>
+              </a:cxn>
+              <a:cxn ang="0">
+                <a:pos x="connsiteX14" y="connsiteY14"/>
+              </a:cxn>
+              <a:cxn ang="0">
+                <a:pos x="connsiteX15" y="connsiteY15"/>
+              </a:cxn>
+              <a:cxn ang="0">
+                <a:pos x="connsiteX16" y="connsiteY16"/>
+              </a:cxn>
+              <a:cxn ang="0">
+                <a:pos x="connsiteX17" y="connsiteY17"/>
+              </a:cxn>
+              <a:cxn ang="0">
+                <a:pos x="connsiteX18" y="connsiteY18"/>
+              </a:cxn>
+              <a:cxn ang="0">
+                <a:pos x="connsiteX19" y="connsiteY19"/>
+              </a:cxn>
+              <a:cxn ang="0">
+                <a:pos x="connsiteX20" y="connsiteY20"/>
+              </a:cxn>
+              <a:cxn ang="0">
+                <a:pos x="connsiteX21" y="connsiteY21"/>
+              </a:cxn>
+              <a:cxn ang="0">
+                <a:pos x="connsiteX22" y="connsiteY22"/>
+              </a:cxn>
+              <a:cxn ang="0">
+                <a:pos x="connsiteX23" y="connsiteY23"/>
+              </a:cxn>
+              <a:cxn ang="0">
+                <a:pos x="connsiteX24" y="connsiteY24"/>
+              </a:cxn>
+              <a:cxn ang="0">
+                <a:pos x="connsiteX25" y="connsiteY25"/>
+              </a:cxn>
+              <a:cxn ang="0">
+                <a:pos x="connsiteX26" y="connsiteY26"/>
+              </a:cxn>
+              <a:cxn ang="0">
+                <a:pos x="connsiteX27" y="connsiteY27"/>
+              </a:cxn>
+              <a:cxn ang="0">
+                <a:pos x="connsiteX28" y="connsiteY28"/>
+              </a:cxn>
+              <a:cxn ang="0">
+                <a:pos x="connsiteX29" y="connsiteY29"/>
+              </a:cxn>
+              <a:cxn ang="0">
+                <a:pos x="connsiteX30" y="connsiteY30"/>
+              </a:cxn>
+              <a:cxn ang="0">
+                <a:pos x="connsiteX31" y="connsiteY31"/>
+              </a:cxn>
+              <a:cxn ang="0">
+                <a:pos x="connsiteX32" y="connsiteY32"/>
+              </a:cxn>
+              <a:cxn ang="0">
+                <a:pos x="connsiteX33" y="connsiteY33"/>
+              </a:cxn>
+              <a:cxn ang="0">
+                <a:pos x="connsiteX34" y="connsiteY34"/>
+              </a:cxn>
+              <a:cxn ang="0">
+                <a:pos x="connsiteX35" y="connsiteY35"/>
+              </a:cxn>
+              <a:cxn ang="0">
+                <a:pos x="connsiteX36" y="connsiteY36"/>
+              </a:cxn>
+              <a:cxn ang="0">
+                <a:pos x="connsiteX37" y="connsiteY37"/>
+              </a:cxn>
+              <a:cxn ang="0">
+                <a:pos x="connsiteX38" y="connsiteY38"/>
+              </a:cxn>
+              <a:cxn ang="0">
+                <a:pos x="connsiteX39" y="connsiteY39"/>
+              </a:cxn>
+              <a:cxn ang="0">
+                <a:pos x="connsiteX40" y="connsiteY40"/>
+              </a:cxn>
+              <a:cxn ang="0">
+                <a:pos x="connsiteX41" y="connsiteY41"/>
+              </a:cxn>
+              <a:cxn ang="0">
+                <a:pos x="connsiteX42" y="connsiteY42"/>
+              </a:cxn>
+              <a:cxn ang="0">
+                <a:pos x="connsiteX43" y="connsiteY43"/>
+              </a:cxn>
+              <a:cxn ang="0">
+                <a:pos x="connsiteX44" y="connsiteY44"/>
+              </a:cxn>
+              <a:cxn ang="0">
+                <a:pos x="connsiteX45" y="connsiteY45"/>
+              </a:cxn>
+              <a:cxn ang="0">
+                <a:pos x="connsiteX46" y="connsiteY46"/>
+              </a:cxn>
+              <a:cxn ang="0">
+                <a:pos x="connsiteX47" y="connsiteY47"/>
+              </a:cxn>
+              <a:cxn ang="0">
+                <a:pos x="connsiteX48" y="connsiteY48"/>
+              </a:cxn>
+              <a:cxn ang="0">
+                <a:pos x="connsiteX49" y="connsiteY49"/>
+              </a:cxn>
+              <a:cxn ang="0">
+                <a:pos x="connsiteX50" y="connsiteY50"/>
+              </a:cxn>
+              <a:cxn ang="0">
+                <a:pos x="connsiteX51" y="connsiteY51"/>
+              </a:cxn>
+            </a:cxnLst>
+            <a:rect l="l" t="t" r="r" b="b"/>
+            <a:pathLst>
+              <a:path w="8030690" h="6858000">
+                <a:moveTo>
+                  <a:pt x="1176" y="0"/>
+                </a:moveTo>
+                <a:lnTo>
+                  <a:pt x="1344715" y="0"/>
+                </a:lnTo>
+                <a:lnTo>
+                  <a:pt x="1344715" y="0"/>
+                </a:lnTo>
+                <a:lnTo>
+                  <a:pt x="8030690" y="0"/>
+                </a:lnTo>
+                <a:lnTo>
+                  <a:pt x="8030690" y="6858000"/>
+                </a:lnTo>
+                <a:lnTo>
+                  <a:pt x="477746" y="6858000"/>
+                </a:lnTo>
+                <a:lnTo>
+                  <a:pt x="477746" y="6858000"/>
+                </a:lnTo>
+                <a:lnTo>
+                  <a:pt x="0" y="6858000"/>
+                </a:lnTo>
+                <a:lnTo>
+                  <a:pt x="5883" y="6817538"/>
+                </a:lnTo>
+                <a:lnTo>
+                  <a:pt x="23196" y="6698894"/>
+                </a:lnTo>
+                <a:lnTo>
+                  <a:pt x="35298" y="6612483"/>
+                </a:lnTo>
+                <a:lnTo>
+                  <a:pt x="48073" y="6509613"/>
+                </a:lnTo>
+                <a:lnTo>
+                  <a:pt x="63369" y="6387541"/>
+                </a:lnTo>
+                <a:lnTo>
+                  <a:pt x="79506" y="6252438"/>
+                </a:lnTo>
+                <a:lnTo>
+                  <a:pt x="96483" y="6100191"/>
+                </a:lnTo>
+                <a:lnTo>
+                  <a:pt x="114468" y="5934227"/>
+                </a:lnTo>
+                <a:lnTo>
+                  <a:pt x="132454" y="5753862"/>
+                </a:lnTo>
+                <a:lnTo>
+                  <a:pt x="150775" y="5561838"/>
+                </a:lnTo>
+                <a:lnTo>
+                  <a:pt x="167752" y="5354726"/>
+                </a:lnTo>
+                <a:lnTo>
+                  <a:pt x="184057" y="5138013"/>
+                </a:lnTo>
+                <a:lnTo>
+                  <a:pt x="198849" y="4908956"/>
+                </a:lnTo>
+                <a:lnTo>
+                  <a:pt x="212968" y="4670298"/>
+                </a:lnTo>
+                <a:lnTo>
+                  <a:pt x="226248" y="4421352"/>
+                </a:lnTo>
+                <a:lnTo>
+                  <a:pt x="230954" y="4293793"/>
+                </a:lnTo>
+                <a:lnTo>
+                  <a:pt x="236165" y="4163491"/>
+                </a:lnTo>
+                <a:lnTo>
+                  <a:pt x="241039" y="4031132"/>
+                </a:lnTo>
+                <a:lnTo>
+                  <a:pt x="244233" y="3898087"/>
+                </a:lnTo>
+                <a:lnTo>
+                  <a:pt x="247091" y="3762298"/>
+                </a:lnTo>
+                <a:lnTo>
+                  <a:pt x="250116" y="3625138"/>
+                </a:lnTo>
+                <a:lnTo>
+                  <a:pt x="252133" y="3485235"/>
+                </a:lnTo>
+                <a:lnTo>
+                  <a:pt x="252133" y="3343960"/>
+                </a:lnTo>
+                <a:lnTo>
+                  <a:pt x="253142" y="3201314"/>
+                </a:lnTo>
+                <a:lnTo>
+                  <a:pt x="252133" y="3057296"/>
+                </a:lnTo>
+                <a:lnTo>
+                  <a:pt x="250116" y="2911221"/>
+                </a:lnTo>
+                <a:lnTo>
+                  <a:pt x="248267" y="2765145"/>
+                </a:lnTo>
+                <a:lnTo>
+                  <a:pt x="244233" y="2617013"/>
+                </a:lnTo>
+                <a:lnTo>
+                  <a:pt x="240031" y="2467508"/>
+                </a:lnTo>
+                <a:lnTo>
+                  <a:pt x="235156" y="2318004"/>
+                </a:lnTo>
+                <a:lnTo>
+                  <a:pt x="228265" y="2167128"/>
+                </a:lnTo>
+                <a:lnTo>
+                  <a:pt x="220028" y="2014880"/>
+                </a:lnTo>
+                <a:lnTo>
+                  <a:pt x="212128" y="1861947"/>
+                </a:lnTo>
+                <a:lnTo>
+                  <a:pt x="202043" y="1709013"/>
+                </a:lnTo>
+                <a:lnTo>
+                  <a:pt x="189940" y="1554023"/>
+                </a:lnTo>
+                <a:lnTo>
+                  <a:pt x="177838" y="1401089"/>
+                </a:lnTo>
+                <a:lnTo>
+                  <a:pt x="163886" y="1245413"/>
+                </a:lnTo>
+                <a:lnTo>
+                  <a:pt x="148590" y="1089050"/>
+                </a:lnTo>
+                <a:lnTo>
+                  <a:pt x="132454" y="934745"/>
+                </a:lnTo>
+                <a:lnTo>
+                  <a:pt x="113628" y="778383"/>
+                </a:lnTo>
+                <a:lnTo>
+                  <a:pt x="93457" y="622706"/>
+                </a:lnTo>
+                <a:lnTo>
+                  <a:pt x="73454" y="466344"/>
+                </a:lnTo>
+                <a:lnTo>
+                  <a:pt x="50090" y="310667"/>
+                </a:lnTo>
+                <a:lnTo>
+                  <a:pt x="26222" y="155676"/>
+                </a:lnTo>
+                <a:close/>
+              </a:path>
+            </a:pathLst>
+          </a:custGeom>
+          <a:solidFill>
+            <a:schemeClr val="bg1"/>
+          </a:solidFill>
+          <a:ln>
+            <a:noFill/>
+          </a:ln>
+        </p:spPr>
+        <p:style>
+          <a:lnRef idx="2">
+            <a:schemeClr val="accent1">
+              <a:shade val="50000"/>
+            </a:schemeClr>
+          </a:lnRef>
+          <a:fillRef idx="1">
+            <a:schemeClr val="accent1"/>
+          </a:fillRef>
+          <a:effectRef idx="0">
+            <a:schemeClr val="accent1"/>
+          </a:effectRef>
+          <a:fontRef idx="minor">
+            <a:schemeClr val="lt1"/>
+          </a:fontRef>
+        </p:style>
+        <p:txBody>
+          <a:bodyPr wrap="square" rtlCol="0" anchor="ctr">
+            <a:noAutofit/>
+          </a:bodyPr>
+          <a:lstStyle/>
+          <a:p>
+            <a:pPr algn="ctr"/>
+            <a:endParaRPr lang="en-US"/>
+          </a:p>
+        </p:txBody>
+      </p:sp>
+      <p:sp>
+        <p:nvSpPr>
+          <p:cNvPr id="51" name="Freeform 11">
+            <a:extLst>
+              <a:ext uri="{FF2B5EF4-FFF2-40B4-BE49-F238E27FC236}">
+                <a16:creationId xmlns:a16="http://schemas.microsoft.com/office/drawing/2014/main" id="{BDC58DEA-1307-4F44-AD47-E613D8B76A89}"/>
+              </a:ext>
+              <a:ext uri="{C183D7F6-B498-43B3-948B-1728B52AA6E4}">
+                <adec:decorative xmlns:adec="http://schemas.microsoft.com/office/drawing/2017/decorative" val="1"/>
+              </a:ext>
+            </a:extLst>
+          </p:cNvPr>
+          <p:cNvSpPr>
+            <a:spLocks noGrp="1" noRot="1" noChangeAspect="1" noMove="1" noResize="1" noEditPoints="1" noAdjustHandles="1" noChangeArrowheads="1" noChangeShapeType="1" noTextEdit="1"/>
+          </p:cNvSpPr>
+          <p:nvPr>
+            <p:extLst>
+              <p:ext uri="{386F3935-93C4-4BCD-93E2-E3B085C9AB24}">
+                <p16:designElem xmlns:p16="http://schemas.microsoft.com/office/powerpoint/2015/main" val="1"/>
+              </p:ext>
+            </p:extLst>
+          </p:nvPr>
+        </p:nvSpPr>
+        <p:spPr>
+          <a:xfrm>
+            <a:off x="3948110" y="-1"/>
+            <a:ext cx="559472" cy="3709642"/>
+          </a:xfrm>
+          <a:custGeom>
+            <a:avLst/>
+            <a:gdLst>
+              <a:gd name="connsiteX0" fmla="*/ 0 w 559472"/>
+              <a:gd name="connsiteY0" fmla="*/ 0 h 3709642"/>
+              <a:gd name="connsiteX1" fmla="*/ 473952 w 559472"/>
+              <a:gd name="connsiteY1" fmla="*/ 0 h 3709642"/>
+              <a:gd name="connsiteX2" fmla="*/ 485840 w 559472"/>
+              <a:gd name="connsiteY2" fmla="*/ 161194 h 3709642"/>
+              <a:gd name="connsiteX3" fmla="*/ 523949 w 559472"/>
+              <a:gd name="connsiteY3" fmla="*/ 3672197 h 3709642"/>
+              <a:gd name="connsiteX4" fmla="*/ 454748 w 559472"/>
+              <a:gd name="connsiteY4" fmla="*/ 3709642 h 3709642"/>
+              <a:gd name="connsiteX5" fmla="*/ 448224 w 559472"/>
+              <a:gd name="connsiteY5" fmla="*/ 3510471 h 3709642"/>
+              <a:gd name="connsiteX6" fmla="*/ 443564 w 559472"/>
+              <a:gd name="connsiteY6" fmla="*/ 3408563 h 3709642"/>
+              <a:gd name="connsiteX7" fmla="*/ 438902 w 559472"/>
+              <a:gd name="connsiteY7" fmla="*/ 3304407 h 3709642"/>
+              <a:gd name="connsiteX8" fmla="*/ 433941 w 559472"/>
+              <a:gd name="connsiteY8" fmla="*/ 3198777 h 3709642"/>
+              <a:gd name="connsiteX9" fmla="*/ 427584 w 559472"/>
+              <a:gd name="connsiteY9" fmla="*/ 3092510 h 3709642"/>
+              <a:gd name="connsiteX10" fmla="*/ 420988 w 559472"/>
+              <a:gd name="connsiteY10" fmla="*/ 2984390 h 3709642"/>
+              <a:gd name="connsiteX11" fmla="*/ 414330 w 559472"/>
+              <a:gd name="connsiteY11" fmla="*/ 2874401 h 3709642"/>
+              <a:gd name="connsiteX12" fmla="*/ 406840 w 559472"/>
+              <a:gd name="connsiteY12" fmla="*/ 2762980 h 3709642"/>
+              <a:gd name="connsiteX13" fmla="*/ 397745 w 559472"/>
+              <a:gd name="connsiteY13" fmla="*/ 2650566 h 3709642"/>
+              <a:gd name="connsiteX14" fmla="*/ 389154 w 559472"/>
+              <a:gd name="connsiteY14" fmla="*/ 2536612 h 3709642"/>
+              <a:gd name="connsiteX15" fmla="*/ 379225 w 559472"/>
+              <a:gd name="connsiteY15" fmla="*/ 2421642 h 3709642"/>
+              <a:gd name="connsiteX16" fmla="*/ 368316 w 559472"/>
+              <a:gd name="connsiteY16" fmla="*/ 2305627 h 3709642"/>
+              <a:gd name="connsiteX17" fmla="*/ 357466 w 559472"/>
+              <a:gd name="connsiteY17" fmla="*/ 2189233 h 3709642"/>
+              <a:gd name="connsiteX18" fmla="*/ 344982 w 559472"/>
+              <a:gd name="connsiteY18" fmla="*/ 2071473 h 3709642"/>
+              <a:gd name="connsiteX19" fmla="*/ 332466 w 559472"/>
+              <a:gd name="connsiteY19" fmla="*/ 1952216 h 3709642"/>
+              <a:gd name="connsiteX20" fmla="*/ 319121 w 559472"/>
+              <a:gd name="connsiteY20" fmla="*/ 1833776 h 3709642"/>
+              <a:gd name="connsiteX21" fmla="*/ 304408 w 559472"/>
+              <a:gd name="connsiteY21" fmla="*/ 1713948 h 3709642"/>
+              <a:gd name="connsiteX22" fmla="*/ 288685 w 559472"/>
+              <a:gd name="connsiteY22" fmla="*/ 1592703 h 3709642"/>
+              <a:gd name="connsiteX23" fmla="*/ 273050 w 559472"/>
+              <a:gd name="connsiteY23" fmla="*/ 1471451 h 3709642"/>
+              <a:gd name="connsiteX24" fmla="*/ 255813 w 559472"/>
+              <a:gd name="connsiteY24" fmla="*/ 1350328 h 3709642"/>
+              <a:gd name="connsiteX25" fmla="*/ 237060 w 559472"/>
+              <a:gd name="connsiteY25" fmla="*/ 1227080 h 3709642"/>
+              <a:gd name="connsiteX26" fmla="*/ 218488 w 559472"/>
+              <a:gd name="connsiteY26" fmla="*/ 1106065 h 3709642"/>
+              <a:gd name="connsiteX27" fmla="*/ 198221 w 559472"/>
+              <a:gd name="connsiteY27" fmla="*/ 982940 h 3709642"/>
+              <a:gd name="connsiteX28" fmla="*/ 177152 w 559472"/>
+              <a:gd name="connsiteY28" fmla="*/ 858755 h 3709642"/>
+              <a:gd name="connsiteX29" fmla="*/ 155551 w 559472"/>
+              <a:gd name="connsiteY29" fmla="*/ 736861 h 3709642"/>
+              <a:gd name="connsiteX30" fmla="*/ 131782 w 559472"/>
+              <a:gd name="connsiteY30" fmla="*/ 613645 h 3709642"/>
+              <a:gd name="connsiteX31" fmla="*/ 107123 w 559472"/>
+              <a:gd name="connsiteY31" fmla="*/ 490500 h 3709642"/>
+              <a:gd name="connsiteX32" fmla="*/ 82552 w 559472"/>
+              <a:gd name="connsiteY32" fmla="*/ 367348 h 3709642"/>
+              <a:gd name="connsiteX33" fmla="*/ 55608 w 559472"/>
+              <a:gd name="connsiteY33" fmla="*/ 244762 h 3709642"/>
+              <a:gd name="connsiteX34" fmla="*/ 28130 w 559472"/>
+              <a:gd name="connsiteY34" fmla="*/ 122220 h 3709642"/>
+              <a:gd name="connsiteX35" fmla="*/ 0 w 559472"/>
+              <a:gd name="connsiteY35" fmla="*/ 0 h 3709642"/>
+            </a:gdLst>
+            <a:ahLst/>
+            <a:cxnLst>
+              <a:cxn ang="0">
+                <a:pos x="connsiteX0" y="connsiteY0"/>
+              </a:cxn>
+              <a:cxn ang="0">
+                <a:pos x="connsiteX1" y="connsiteY1"/>
+              </a:cxn>
+              <a:cxn ang="0">
+                <a:pos x="connsiteX2" y="connsiteY2"/>
+              </a:cxn>
+              <a:cxn ang="0">
+                <a:pos x="connsiteX3" y="connsiteY3"/>
+              </a:cxn>
+              <a:cxn ang="0">
+                <a:pos x="connsiteX4" y="connsiteY4"/>
+              </a:cxn>
+              <a:cxn ang="0">
+                <a:pos x="connsiteX5" y="connsiteY5"/>
+              </a:cxn>
+              <a:cxn ang="0">
+                <a:pos x="connsiteX6" y="connsiteY6"/>
+              </a:cxn>
+              <a:cxn ang="0">
+                <a:pos x="connsiteX7" y="connsiteY7"/>
+              </a:cxn>
+              <a:cxn ang="0">
+                <a:pos x="connsiteX8" y="connsiteY8"/>
+              </a:cxn>
+              <a:cxn ang="0">
+                <a:pos x="connsiteX9" y="connsiteY9"/>
+              </a:cxn>
+              <a:cxn ang="0">
+                <a:pos x="connsiteX10" y="connsiteY10"/>
+              </a:cxn>
+              <a:cxn ang="0">
+                <a:pos x="connsiteX11" y="connsiteY11"/>
+              </a:cxn>
+              <a:cxn ang="0">
+                <a:pos x="connsiteX12" y="connsiteY12"/>
+              </a:cxn>
+              <a:cxn ang="0">
+                <a:pos x="connsiteX13" y="connsiteY13"/>
+              </a:cxn>
+              <a:cxn ang="0">
+                <a:pos x="connsiteX14" y="connsiteY14"/>
+              </a:cxn>
+              <a:cxn ang="0">
+                <a:pos x="connsiteX15" y="connsiteY15"/>
+              </a:cxn>
+              <a:cxn ang="0">
+                <a:pos x="connsiteX16" y="connsiteY16"/>
+              </a:cxn>
+              <a:cxn ang="0">
+                <a:pos x="connsiteX17" y="connsiteY17"/>
+              </a:cxn>
+              <a:cxn ang="0">
+                <a:pos x="connsiteX18" y="connsiteY18"/>
+              </a:cxn>
+              <a:cxn ang="0">
+                <a:pos x="connsiteX19" y="connsiteY19"/>
+              </a:cxn>
+              <a:cxn ang="0">
+                <a:pos x="connsiteX20" y="connsiteY20"/>
+              </a:cxn>
+              <a:cxn ang="0">
+                <a:pos x="connsiteX21" y="connsiteY21"/>
+              </a:cxn>
+              <a:cxn ang="0">
+                <a:pos x="connsiteX22" y="connsiteY22"/>
+              </a:cxn>
+              <a:cxn ang="0">
+                <a:pos x="connsiteX23" y="connsiteY23"/>
+              </a:cxn>
+              <a:cxn ang="0">
+                <a:pos x="connsiteX24" y="connsiteY24"/>
+              </a:cxn>
+              <a:cxn ang="0">
+                <a:pos x="connsiteX25" y="connsiteY25"/>
+              </a:cxn>
+              <a:cxn ang="0">
+                <a:pos x="connsiteX26" y="connsiteY26"/>
+              </a:cxn>
+              <a:cxn ang="0">
+                <a:pos x="connsiteX27" y="connsiteY27"/>
+              </a:cxn>
+              <a:cxn ang="0">
+                <a:pos x="connsiteX28" y="connsiteY28"/>
+              </a:cxn>
+              <a:cxn ang="0">
+                <a:pos x="connsiteX29" y="connsiteY29"/>
+              </a:cxn>
+              <a:cxn ang="0">
+                <a:pos x="connsiteX30" y="connsiteY30"/>
+              </a:cxn>
+              <a:cxn ang="0">
+                <a:pos x="connsiteX31" y="connsiteY31"/>
+              </a:cxn>
+              <a:cxn ang="0">
+                <a:pos x="connsiteX32" y="connsiteY32"/>
+              </a:cxn>
+              <a:cxn ang="0">
+                <a:pos x="connsiteX33" y="connsiteY33"/>
+              </a:cxn>
+              <a:cxn ang="0">
+                <a:pos x="connsiteX34" y="connsiteY34"/>
+              </a:cxn>
+              <a:cxn ang="0">
+                <a:pos x="connsiteX35" y="connsiteY35"/>
+              </a:cxn>
+            </a:cxnLst>
+            <a:rect l="l" t="t" r="r" b="b"/>
+            <a:pathLst>
+              <a:path w="559472" h="3709642">
+                <a:moveTo>
+                  <a:pt x="0" y="0"/>
+                </a:moveTo>
+                <a:lnTo>
+                  <a:pt x="473952" y="0"/>
+                </a:lnTo>
+                <a:lnTo>
+                  <a:pt x="485840" y="161194"/>
+                </a:lnTo>
+                <a:cubicBezTo>
+                  <a:pt x="552063" y="1147770"/>
+                  <a:pt x="592441" y="3086737"/>
+                  <a:pt x="523949" y="3672197"/>
+                </a:cubicBezTo>
+                <a:cubicBezTo>
+                  <a:pt x="500842" y="3684557"/>
+                  <a:pt x="477855" y="3697282"/>
+                  <a:pt x="454748" y="3709642"/>
+                </a:cubicBezTo>
+                <a:lnTo>
+                  <a:pt x="448224" y="3510471"/>
+                </a:lnTo>
+                <a:lnTo>
+                  <a:pt x="443564" y="3408563"/>
+                </a:lnTo>
+                <a:lnTo>
+                  <a:pt x="438902" y="3304407"/>
+                </a:lnTo>
+                <a:lnTo>
+                  <a:pt x="433941" y="3198777"/>
+                </a:lnTo>
+                <a:lnTo>
+                  <a:pt x="427584" y="3092510"/>
+                </a:lnTo>
+                <a:lnTo>
+                  <a:pt x="420988" y="2984390"/>
+                </a:lnTo>
+                <a:lnTo>
+                  <a:pt x="414330" y="2874401"/>
+                </a:lnTo>
+                <a:lnTo>
+                  <a:pt x="406840" y="2762980"/>
+                </a:lnTo>
+                <a:lnTo>
+                  <a:pt x="397745" y="2650566"/>
+                </a:lnTo>
+                <a:lnTo>
+                  <a:pt x="389154" y="2536612"/>
+                </a:lnTo>
+                <a:lnTo>
+                  <a:pt x="379225" y="2421642"/>
+                </a:lnTo>
+                <a:lnTo>
+                  <a:pt x="368316" y="2305627"/>
+                </a:lnTo>
+                <a:lnTo>
+                  <a:pt x="357466" y="2189233"/>
+                </a:lnTo>
+                <a:lnTo>
+                  <a:pt x="344982" y="2071473"/>
+                </a:lnTo>
+                <a:lnTo>
+                  <a:pt x="332466" y="1952216"/>
+                </a:lnTo>
+                <a:lnTo>
+                  <a:pt x="319121" y="1833776"/>
+                </a:lnTo>
+                <a:lnTo>
+                  <a:pt x="304408" y="1713948"/>
+                </a:lnTo>
+                <a:lnTo>
+                  <a:pt x="288685" y="1592703"/>
+                </a:lnTo>
+                <a:lnTo>
+                  <a:pt x="273050" y="1471451"/>
+                </a:lnTo>
+                <a:lnTo>
+                  <a:pt x="255813" y="1350328"/>
+                </a:lnTo>
+                <a:lnTo>
+                  <a:pt x="237060" y="1227080"/>
+                </a:lnTo>
+                <a:lnTo>
+                  <a:pt x="218488" y="1106065"/>
+                </a:lnTo>
+                <a:lnTo>
+                  <a:pt x="198221" y="982940"/>
+                </a:lnTo>
+                <a:lnTo>
+                  <a:pt x="177152" y="858755"/>
+                </a:lnTo>
+                <a:lnTo>
+                  <a:pt x="155551" y="736861"/>
+                </a:lnTo>
+                <a:lnTo>
+                  <a:pt x="131782" y="613645"/>
+                </a:lnTo>
+                <a:lnTo>
+                  <a:pt x="107123" y="490500"/>
+                </a:lnTo>
+                <a:lnTo>
+                  <a:pt x="82552" y="367348"/>
+                </a:lnTo>
+                <a:lnTo>
+                  <a:pt x="55608" y="244762"/>
+                </a:lnTo>
+                <a:lnTo>
+                  <a:pt x="28130" y="122220"/>
+                </a:lnTo>
+                <a:lnTo>
+                  <a:pt x="0" y="0"/>
+                </a:lnTo>
+                <a:close/>
+              </a:path>
+            </a:pathLst>
+          </a:custGeom>
+          <a:solidFill>
+            <a:schemeClr val="bg1">
+              <a:alpha val="20000"/>
+            </a:schemeClr>
+          </a:solidFill>
+          <a:ln>
+            <a:noFill/>
+          </a:ln>
+        </p:spPr>
+        <p:txBody>
+          <a:bodyPr rtlCol="0" anchor="ctr"/>
+          <a:lstStyle/>
+          <a:p>
+            <a:pPr algn="ctr"/>
+            <a:endParaRPr lang="en-US"/>
+          </a:p>
+        </p:txBody>
+      </p:sp>
+      <p:sp>
+        <p:nvSpPr>
+          <p:cNvPr id="53" name="Rectangle 52">
+            <a:extLst>
+              <a:ext uri="{FF2B5EF4-FFF2-40B4-BE49-F238E27FC236}">
+                <a16:creationId xmlns:a16="http://schemas.microsoft.com/office/drawing/2014/main" id="{C99B912D-1E4B-42AF-A2BE-CFEFEC916EE7}"/>
+              </a:ext>
+              <a:ext uri="{C183D7F6-B498-43B3-948B-1728B52AA6E4}">
+                <adec:decorative xmlns:adec="http://schemas.microsoft.com/office/drawing/2017/decorative" val="1"/>
+              </a:ext>
+            </a:extLst>
+          </p:cNvPr>
+          <p:cNvSpPr>
+            <a:spLocks noGrp="1" noRot="1" noChangeAspect="1" noMove="1" noResize="1" noEditPoints="1" noAdjustHandles="1" noChangeArrowheads="1" noChangeShapeType="1" noTextEdit="1"/>
+          </p:cNvSpPr>
+          <p:nvPr>
+            <p:extLst>
+              <p:ext uri="{386F3935-93C4-4BCD-93E2-E3B085C9AB24}">
+                <p16:designElem xmlns:p16="http://schemas.microsoft.com/office/powerpoint/2015/main" val="1"/>
+              </p:ext>
+            </p:extLst>
+          </p:nvPr>
+        </p:nvSpPr>
+        <p:spPr>
+          <a:xfrm>
+            <a:off x="10437812" y="0"/>
+            <a:ext cx="685800" cy="1143000"/>
+          </a:xfrm>
+          <a:prstGeom prst="rect">
+            <a:avLst/>
+          </a:prstGeom>
+          <a:solidFill>
+            <a:schemeClr val="accent1"/>
+          </a:solidFill>
+          <a:ln>
+            <a:noFill/>
+          </a:ln>
+        </p:spPr>
+        <p:style>
+          <a:lnRef idx="1">
+            <a:schemeClr val="accent1"/>
+          </a:lnRef>
+          <a:fillRef idx="3">
+            <a:schemeClr val="accent1"/>
+          </a:fillRef>
+          <a:effectRef idx="2">
+            <a:schemeClr val="accent1"/>
+          </a:effectRef>
+          <a:fontRef idx="minor">
+            <a:schemeClr val="lt1"/>
+          </a:fontRef>
+        </p:style>
+      </p:sp>
+      <p:graphicFrame>
+        <p:nvGraphicFramePr>
+          <p:cNvPr id="30" name="TextBox 2">
+            <a:extLst>
+              <a:ext uri="{FF2B5EF4-FFF2-40B4-BE49-F238E27FC236}">
+                <a16:creationId xmlns:a16="http://schemas.microsoft.com/office/drawing/2014/main" id="{7311C30D-A00A-4391-B9A3-650B9A1D164A}"/>
+              </a:ext>
+            </a:extLst>
+          </p:cNvPr>
+          <p:cNvGraphicFramePr/>
+          <p:nvPr>
+            <p:extLst>
+              <p:ext uri="{D42A27DB-BD31-4B8C-83A1-F6EECF244321}">
+                <p14:modId xmlns:p14="http://schemas.microsoft.com/office/powerpoint/2010/main" val="3349475160"/>
+              </p:ext>
+            </p:extLst>
+          </p:nvPr>
+        </p:nvGraphicFramePr>
+        <p:xfrm>
+          <a:off x="5048250" y="1447800"/>
+          <a:ext cx="6496050" cy="4572000"/>
+        </p:xfrm>
+        <a:graphic>
+          <a:graphicData uri="http://schemas.openxmlformats.org/drawingml/2006/diagram">
+            <dgm:relIds xmlns:dgm="http://schemas.openxmlformats.org/drawingml/2006/diagram" xmlns:r="http://schemas.openxmlformats.org/officeDocument/2006/relationships" r:dm="rId6" r:lo="rId7" r:qs="rId8" r:cs="rId9"/>
+          </a:graphicData>
+        </a:graphic>
+      </p:graphicFrame>
+    </p:spTree>
+    <p:extLst>
+      <p:ext uri="{BB962C8B-B14F-4D97-AF65-F5344CB8AC3E}">
+        <p14:creationId xmlns:p14="http://schemas.microsoft.com/office/powerpoint/2010/main" val="4283080630"/>
+      </p:ext>
+    </p:extLst>
+  </p:cSld>
+  <p:clrMapOvr>
+    <a:overrideClrMapping bg1="lt1" tx1="dk1" bg2="lt2" tx2="dk2" accent1="accent1" accent2="accent2" accent3="accent3" accent4="accent4" accent5="accent5" accent6="accent6" hlink="hlink" folHlink="folHlink"/>
+  </p:clrMapOvr>
+</p:sld>
+</file>
+
+<file path=ppt/slides/slide20.xml><?xml version="1.0" encoding="utf-8"?>
 <p:sld xmlns:a="http://schemas.openxmlformats.org/drawingml/2006/main" xmlns:r="http://schemas.openxmlformats.org/officeDocument/2006/relationships" xmlns:p="http://schemas.openxmlformats.org/presentationml/2006/main">
   <p:cSld>
     <p:bg>
@@ -31926,7 +39605,7 @@
 </p:sld>
 </file>
 
-<file path=ppt/slides/slide17.xml><?xml version="1.0" encoding="utf-8"?>
+<file path=ppt/slides/slide21.xml><?xml version="1.0" encoding="utf-8"?>
 <p:sld xmlns:a="http://schemas.openxmlformats.org/drawingml/2006/main" xmlns:r="http://schemas.openxmlformats.org/officeDocument/2006/relationships" xmlns:p="http://schemas.openxmlformats.org/presentationml/2006/main">
   <p:cSld>
     <p:bg>
@@ -32992,7 +40671,7 @@
 </p:sld>
 </file>
 
-<file path=ppt/slides/slide18.xml><?xml version="1.0" encoding="utf-8"?>
+<file path=ppt/slides/slide22.xml><?xml version="1.0" encoding="utf-8"?>
 <p:sld xmlns:a="http://schemas.openxmlformats.org/drawingml/2006/main" xmlns:r="http://schemas.openxmlformats.org/officeDocument/2006/relationships" xmlns:p="http://schemas.openxmlformats.org/presentationml/2006/main">
   <p:cSld>
     <p:bg>
@@ -34044,7 +41723,7 @@
 </p:sld>
 </file>
 
-<file path=ppt/slides/slide19.xml><?xml version="1.0" encoding="utf-8"?>
+<file path=ppt/slides/slide23.xml><?xml version="1.0" encoding="utf-8"?>
 <p:sld xmlns:a="http://schemas.openxmlformats.org/drawingml/2006/main" xmlns:r="http://schemas.openxmlformats.org/officeDocument/2006/relationships" xmlns:p="http://schemas.openxmlformats.org/presentationml/2006/main">
   <p:cSld>
     <p:bg>
@@ -34302,1378 +41981,6 @@
   </p:cSld>
   <p:clrMapOvr>
     <a:masterClrMapping/>
-  </p:clrMapOvr>
-</p:sld>
-</file>
-
-<file path=ppt/slides/slide2.xml><?xml version="1.0" encoding="utf-8"?>
-<p:sld xmlns:a="http://schemas.openxmlformats.org/drawingml/2006/main" xmlns:r="http://schemas.openxmlformats.org/officeDocument/2006/relationships" xmlns:p="http://schemas.openxmlformats.org/presentationml/2006/main">
-  <p:cSld>
-    <p:bg>
-      <p:bgPr>
-        <a:solidFill>
-          <a:schemeClr val="bg1"/>
-        </a:solidFill>
-        <a:effectLst/>
-      </p:bgPr>
-    </p:bg>
-    <p:spTree>
-      <p:nvGrpSpPr>
-        <p:cNvPr id="1" name=""/>
-        <p:cNvGrpSpPr/>
-        <p:nvPr/>
-      </p:nvGrpSpPr>
-      <p:grpSpPr>
-        <a:xfrm>
-          <a:off x="0" y="0"/>
-          <a:ext cx="0" cy="0"/>
-          <a:chOff x="0" y="0"/>
-          <a:chExt cx="0" cy="0"/>
-        </a:xfrm>
-      </p:grpSpPr>
-      <p:pic>
-        <p:nvPicPr>
-          <p:cNvPr id="35" name="Picture 34">
-            <a:extLst>
-              <a:ext uri="{FF2B5EF4-FFF2-40B4-BE49-F238E27FC236}">
-                <a16:creationId xmlns:a16="http://schemas.microsoft.com/office/drawing/2014/main" id="{F1B8F9CB-890B-4CB8-B503-188A763E2FC1}"/>
-              </a:ext>
-              <a:ext uri="{C183D7F6-B498-43B3-948B-1728B52AA6E4}">
-                <adec:decorative xmlns:adec="http://schemas.microsoft.com/office/drawing/2017/decorative" val="1"/>
-              </a:ext>
-            </a:extLst>
-          </p:cNvPr>
-          <p:cNvPicPr>
-            <a:picLocks noGrp="1" noRot="1" noChangeAspect="1" noMove="1" noResize="1" noEditPoints="1" noAdjustHandles="1" noChangeArrowheads="1" noChangeShapeType="1" noCrop="1"/>
-          </p:cNvPicPr>
-          <p:nvPr>
-            <p:extLst>
-              <p:ext uri="{386F3935-93C4-4BCD-93E2-E3B085C9AB24}">
-                <p16:designElem xmlns:p16="http://schemas.microsoft.com/office/powerpoint/2015/main" val="1"/>
-              </p:ext>
-            </p:extLst>
-          </p:nvPr>
-        </p:nvPicPr>
-        <p:blipFill rotWithShape="1">
-          <a:blip r:embed="rId2">
-            <a:extLst>
-              <a:ext uri="{28A0092B-C50C-407E-A947-70E740481C1C}">
-                <a14:useLocalDpi xmlns:a14="http://schemas.microsoft.com/office/drawing/2010/main" val="0"/>
-              </a:ext>
-            </a:extLst>
-          </a:blip>
-          <a:srcRect l="3613"/>
-          <a:stretch/>
-        </p:blipFill>
-        <p:spPr>
-          <a:xfrm>
-            <a:off x="0" y="2669685"/>
-            <a:ext cx="4037012" cy="4188315"/>
-          </a:xfrm>
-          <a:prstGeom prst="rect">
-            <a:avLst/>
-          </a:prstGeom>
-        </p:spPr>
-      </p:pic>
-      <p:pic>
-        <p:nvPicPr>
-          <p:cNvPr id="37" name="Picture 36">
-            <a:extLst>
-              <a:ext uri="{FF2B5EF4-FFF2-40B4-BE49-F238E27FC236}">
-                <a16:creationId xmlns:a16="http://schemas.microsoft.com/office/drawing/2014/main" id="{AA632AB4-3837-4FD0-8B62-0A18B573F46D}"/>
-              </a:ext>
-              <a:ext uri="{C183D7F6-B498-43B3-948B-1728B52AA6E4}">
-                <adec:decorative xmlns:adec="http://schemas.microsoft.com/office/drawing/2017/decorative" val="1"/>
-              </a:ext>
-            </a:extLst>
-          </p:cNvPr>
-          <p:cNvPicPr>
-            <a:picLocks noGrp="1" noRot="1" noChangeAspect="1" noMove="1" noResize="1" noEditPoints="1" noAdjustHandles="1" noChangeArrowheads="1" noChangeShapeType="1" noCrop="1"/>
-          </p:cNvPicPr>
-          <p:nvPr>
-            <p:extLst>
-              <p:ext uri="{386F3935-93C4-4BCD-93E2-E3B085C9AB24}">
-                <p16:designElem xmlns:p16="http://schemas.microsoft.com/office/powerpoint/2015/main" val="1"/>
-              </p:ext>
-            </p:extLst>
-          </p:nvPr>
-        </p:nvPicPr>
-        <p:blipFill rotWithShape="1">
-          <a:blip r:embed="rId3">
-            <a:extLst>
-              <a:ext uri="{28A0092B-C50C-407E-A947-70E740481C1C}">
-                <a14:useLocalDpi xmlns:a14="http://schemas.microsoft.com/office/drawing/2010/main" val="0"/>
-              </a:ext>
-            </a:extLst>
-          </a:blip>
-          <a:srcRect l="35640"/>
-          <a:stretch/>
-        </p:blipFill>
-        <p:spPr>
-          <a:xfrm>
-            <a:off x="0" y="2892347"/>
-            <a:ext cx="1522412" cy="2365453"/>
-          </a:xfrm>
-          <a:prstGeom prst="rect">
-            <a:avLst/>
-          </a:prstGeom>
-        </p:spPr>
-      </p:pic>
-      <p:sp>
-        <p:nvSpPr>
-          <p:cNvPr id="39" name="Oval 38">
-            <a:extLst>
-              <a:ext uri="{FF2B5EF4-FFF2-40B4-BE49-F238E27FC236}">
-                <a16:creationId xmlns:a16="http://schemas.microsoft.com/office/drawing/2014/main" id="{C393B4A7-6ABF-423D-A762-3CDB4897A833}"/>
-              </a:ext>
-              <a:ext uri="{C183D7F6-B498-43B3-948B-1728B52AA6E4}">
-                <adec:decorative xmlns:adec="http://schemas.microsoft.com/office/drawing/2017/decorative" val="1"/>
-              </a:ext>
-            </a:extLst>
-          </p:cNvPr>
-          <p:cNvSpPr>
-            <a:spLocks noGrp="1" noRot="1" noChangeAspect="1" noMove="1" noResize="1" noEditPoints="1" noAdjustHandles="1" noChangeArrowheads="1" noChangeShapeType="1" noTextEdit="1"/>
-          </p:cNvSpPr>
-          <p:nvPr>
-            <p:extLst>
-              <p:ext uri="{386F3935-93C4-4BCD-93E2-E3B085C9AB24}">
-                <p16:designElem xmlns:p16="http://schemas.microsoft.com/office/powerpoint/2015/main" val="1"/>
-              </p:ext>
-            </p:extLst>
-          </p:nvPr>
-        </p:nvSpPr>
-        <p:spPr>
-          <a:xfrm>
-            <a:off x="8609012" y="1676400"/>
-            <a:ext cx="2819400" cy="2819400"/>
-          </a:xfrm>
-          <a:prstGeom prst="ellipse">
-            <a:avLst/>
-          </a:prstGeom>
-          <a:gradFill flip="none" rotWithShape="1">
-            <a:gsLst>
-              <a:gs pos="0">
-                <a:schemeClr val="bg2">
-                  <a:lumMod val="60000"/>
-                  <a:lumOff val="40000"/>
-                  <a:alpha val="7000"/>
-                </a:schemeClr>
-              </a:gs>
-              <a:gs pos="69000">
-                <a:schemeClr val="bg2">
-                  <a:lumMod val="60000"/>
-                  <a:lumOff val="40000"/>
-                  <a:alpha val="0"/>
-                </a:schemeClr>
-              </a:gs>
-              <a:gs pos="36000">
-                <a:schemeClr val="bg2">
-                  <a:lumMod val="60000"/>
-                  <a:lumOff val="40000"/>
-                  <a:alpha val="6000"/>
-                </a:schemeClr>
-              </a:gs>
-            </a:gsLst>
-            <a:path path="circle">
-              <a:fillToRect l="50000" t="50000" r="50000" b="50000"/>
-            </a:path>
-            <a:tileRect/>
-          </a:gradFill>
-          <a:ln>
-            <a:noFill/>
-          </a:ln>
-          <a:effectLst/>
-        </p:spPr>
-        <p:style>
-          <a:lnRef idx="1">
-            <a:schemeClr val="accent1"/>
-          </a:lnRef>
-          <a:fillRef idx="3">
-            <a:schemeClr val="accent1"/>
-          </a:fillRef>
-          <a:effectRef idx="2">
-            <a:schemeClr val="accent1"/>
-          </a:effectRef>
-          <a:fontRef idx="minor">
-            <a:schemeClr val="lt1"/>
-          </a:fontRef>
-        </p:style>
-      </p:sp>
-      <p:pic>
-        <p:nvPicPr>
-          <p:cNvPr id="41" name="Picture 40">
-            <a:extLst>
-              <a:ext uri="{FF2B5EF4-FFF2-40B4-BE49-F238E27FC236}">
-                <a16:creationId xmlns:a16="http://schemas.microsoft.com/office/drawing/2014/main" id="{9CD2319A-6FA9-4EFB-9EDF-7304467425E8}"/>
-              </a:ext>
-              <a:ext uri="{C183D7F6-B498-43B3-948B-1728B52AA6E4}">
-                <adec:decorative xmlns:adec="http://schemas.microsoft.com/office/drawing/2017/decorative" val="1"/>
-              </a:ext>
-            </a:extLst>
-          </p:cNvPr>
-          <p:cNvPicPr>
-            <a:picLocks noGrp="1" noRot="1" noChangeAspect="1" noMove="1" noResize="1" noEditPoints="1" noAdjustHandles="1" noChangeArrowheads="1" noChangeShapeType="1" noCrop="1"/>
-          </p:cNvPicPr>
-          <p:nvPr>
-            <p:extLst>
-              <p:ext uri="{386F3935-93C4-4BCD-93E2-E3B085C9AB24}">
-                <p16:designElem xmlns:p16="http://schemas.microsoft.com/office/powerpoint/2015/main" val="1"/>
-              </p:ext>
-            </p:extLst>
-          </p:nvPr>
-        </p:nvPicPr>
-        <p:blipFill rotWithShape="1">
-          <a:blip r:embed="rId4">
-            <a:extLst>
-              <a:ext uri="{28A0092B-C50C-407E-A947-70E740481C1C}">
-                <a14:useLocalDpi xmlns:a14="http://schemas.microsoft.com/office/drawing/2010/main" val="0"/>
-              </a:ext>
-            </a:extLst>
-          </a:blip>
-          <a:srcRect t="28813"/>
-          <a:stretch/>
-        </p:blipFill>
-        <p:spPr>
-          <a:xfrm>
-            <a:off x="7999412" y="0"/>
-            <a:ext cx="1603387" cy="1141407"/>
-          </a:xfrm>
-          <a:prstGeom prst="rect">
-            <a:avLst/>
-          </a:prstGeom>
-        </p:spPr>
-      </p:pic>
-      <p:pic>
-        <p:nvPicPr>
-          <p:cNvPr id="43" name="Picture 42">
-            <a:extLst>
-              <a:ext uri="{FF2B5EF4-FFF2-40B4-BE49-F238E27FC236}">
-                <a16:creationId xmlns:a16="http://schemas.microsoft.com/office/drawing/2014/main" id="{D1692A93-3514-4486-8B67-CCA4E0259BCB}"/>
-              </a:ext>
-              <a:ext uri="{C183D7F6-B498-43B3-948B-1728B52AA6E4}">
-                <adec:decorative xmlns:adec="http://schemas.microsoft.com/office/drawing/2017/decorative" val="1"/>
-              </a:ext>
-            </a:extLst>
-          </p:cNvPr>
-          <p:cNvPicPr>
-            <a:picLocks noGrp="1" noRot="1" noChangeAspect="1" noMove="1" noResize="1" noEditPoints="1" noAdjustHandles="1" noChangeArrowheads="1" noChangeShapeType="1" noCrop="1"/>
-          </p:cNvPicPr>
-          <p:nvPr>
-            <p:extLst>
-              <p:ext uri="{386F3935-93C4-4BCD-93E2-E3B085C9AB24}">
-                <p16:designElem xmlns:p16="http://schemas.microsoft.com/office/powerpoint/2015/main" val="1"/>
-              </p:ext>
-            </p:extLst>
-          </p:nvPr>
-        </p:nvPicPr>
-        <p:blipFill rotWithShape="1">
-          <a:blip r:embed="rId5">
-            <a:extLst>
-              <a:ext uri="{28A0092B-C50C-407E-A947-70E740481C1C}">
-                <a14:useLocalDpi xmlns:a14="http://schemas.microsoft.com/office/drawing/2010/main" val="0"/>
-              </a:ext>
-            </a:extLst>
-          </a:blip>
-          <a:srcRect b="23320"/>
-          <a:stretch/>
-        </p:blipFill>
-        <p:spPr>
-          <a:xfrm>
-            <a:off x="8605878" y="6096000"/>
-            <a:ext cx="993734" cy="762000"/>
-          </a:xfrm>
-          <a:prstGeom prst="rect">
-            <a:avLst/>
-          </a:prstGeom>
-        </p:spPr>
-      </p:pic>
-      <p:sp>
-        <p:nvSpPr>
-          <p:cNvPr id="45" name="Rectangle 44">
-            <a:extLst>
-              <a:ext uri="{FF2B5EF4-FFF2-40B4-BE49-F238E27FC236}">
-                <a16:creationId xmlns:a16="http://schemas.microsoft.com/office/drawing/2014/main" id="{01AD250C-F2EA-449F-9B14-DF5BB674C500}"/>
-              </a:ext>
-              <a:ext uri="{C183D7F6-B498-43B3-948B-1728B52AA6E4}">
-                <adec:decorative xmlns:adec="http://schemas.microsoft.com/office/drawing/2017/decorative" val="1"/>
-              </a:ext>
-            </a:extLst>
-          </p:cNvPr>
-          <p:cNvSpPr>
-            <a:spLocks noGrp="1" noRot="1" noChangeAspect="1" noMove="1" noResize="1" noEditPoints="1" noAdjustHandles="1" noChangeArrowheads="1" noChangeShapeType="1" noTextEdit="1"/>
-          </p:cNvSpPr>
-          <p:nvPr>
-            <p:extLst>
-              <p:ext uri="{386F3935-93C4-4BCD-93E2-E3B085C9AB24}">
-                <p16:designElem xmlns:p16="http://schemas.microsoft.com/office/powerpoint/2015/main" val="1"/>
-              </p:ext>
-            </p:extLst>
-          </p:nvPr>
-        </p:nvSpPr>
-        <p:spPr>
-          <a:xfrm>
-            <a:off x="10437812" y="0"/>
-            <a:ext cx="685800" cy="1143000"/>
-          </a:xfrm>
-          <a:prstGeom prst="rect">
-            <a:avLst/>
-          </a:prstGeom>
-          <a:solidFill>
-            <a:schemeClr val="accent1"/>
-          </a:solidFill>
-          <a:ln>
-            <a:noFill/>
-          </a:ln>
-        </p:spPr>
-        <p:style>
-          <a:lnRef idx="1">
-            <a:schemeClr val="accent1"/>
-          </a:lnRef>
-          <a:fillRef idx="3">
-            <a:schemeClr val="accent1"/>
-          </a:fillRef>
-          <a:effectRef idx="2">
-            <a:schemeClr val="accent1"/>
-          </a:effectRef>
-          <a:fontRef idx="minor">
-            <a:schemeClr val="lt1"/>
-          </a:fontRef>
-        </p:style>
-      </p:sp>
-      <p:sp>
-        <p:nvSpPr>
-          <p:cNvPr id="47" name="Rectangle 46">
-            <a:extLst>
-              <a:ext uri="{FF2B5EF4-FFF2-40B4-BE49-F238E27FC236}">
-                <a16:creationId xmlns:a16="http://schemas.microsoft.com/office/drawing/2014/main" id="{4E78424C-6FD0-41F8-9CAA-5DC19C42359F}"/>
-              </a:ext>
-              <a:ext uri="{C183D7F6-B498-43B3-948B-1728B52AA6E4}">
-                <adec:decorative xmlns:adec="http://schemas.microsoft.com/office/drawing/2017/decorative" val="1"/>
-              </a:ext>
-            </a:extLst>
-          </p:cNvPr>
-          <p:cNvSpPr>
-            <a:spLocks noGrp="1" noRot="1" noChangeAspect="1" noMove="1" noResize="1" noEditPoints="1" noAdjustHandles="1" noChangeArrowheads="1" noChangeShapeType="1" noTextEdit="1"/>
-          </p:cNvSpPr>
-          <p:nvPr>
-            <p:extLst>
-              <p:ext uri="{386F3935-93C4-4BCD-93E2-E3B085C9AB24}">
-                <p16:designElem xmlns:p16="http://schemas.microsoft.com/office/powerpoint/2015/main" val="1"/>
-              </p:ext>
-            </p:extLst>
-          </p:nvPr>
-        </p:nvSpPr>
-        <p:spPr>
-          <a:xfrm>
-            <a:off x="0" y="-1"/>
-            <a:ext cx="12192000" cy="6858001"/>
-          </a:xfrm>
-          <a:prstGeom prst="rect">
-            <a:avLst/>
-          </a:prstGeom>
-          <a:ln>
-            <a:noFill/>
-          </a:ln>
-        </p:spPr>
-        <p:style>
-          <a:lnRef idx="2">
-            <a:schemeClr val="accent1">
-              <a:shade val="50000"/>
-            </a:schemeClr>
-          </a:lnRef>
-          <a:fillRef idx="1003">
-            <a:schemeClr val="dk2"/>
-          </a:fillRef>
-          <a:effectRef idx="0">
-            <a:schemeClr val="accent1"/>
-          </a:effectRef>
-          <a:fontRef idx="minor">
-            <a:schemeClr val="lt1"/>
-          </a:fontRef>
-        </p:style>
-        <p:txBody>
-          <a:bodyPr rtlCol="0" anchor="ctr"/>
-          <a:lstStyle/>
-          <a:p>
-            <a:pPr algn="ctr"/>
-            <a:endParaRPr lang="en-US"/>
-          </a:p>
-        </p:txBody>
-      </p:sp>
-      <p:sp>
-        <p:nvSpPr>
-          <p:cNvPr id="2" name="Title 1">
-            <a:extLst>
-              <a:ext uri="{FF2B5EF4-FFF2-40B4-BE49-F238E27FC236}">
-                <a16:creationId xmlns:a16="http://schemas.microsoft.com/office/drawing/2014/main" id="{09B315B5-E0A6-4BB7-BB09-7801ED00FE93}"/>
-              </a:ext>
-            </a:extLst>
-          </p:cNvPr>
-          <p:cNvSpPr>
-            <a:spLocks noGrp="1"/>
-          </p:cNvSpPr>
-          <p:nvPr>
-            <p:ph type="title"/>
-          </p:nvPr>
-        </p:nvSpPr>
-        <p:spPr>
-          <a:xfrm>
-            <a:off x="456280" y="1447800"/>
-            <a:ext cx="3296201" cy="4572000"/>
-          </a:xfrm>
-        </p:spPr>
-        <p:txBody>
-          <a:bodyPr vert="horz" lIns="91440" tIns="45720" rIns="91440" bIns="45720" rtlCol="0" anchor="ctr">
-            <a:normAutofit/>
-          </a:bodyPr>
-          <a:lstStyle/>
-          <a:p>
-            <a:r>
-              <a:rPr lang="en-US" sz="4000" dirty="0">
-                <a:solidFill>
-                  <a:srgbClr val="F2F2F2"/>
-                </a:solidFill>
-                <a:latin typeface="Copperplate Gothic Bold" panose="020E0705020206020404" pitchFamily="34" charset="0"/>
-              </a:rPr>
-              <a:t>ROADMAP</a:t>
-            </a:r>
-          </a:p>
-        </p:txBody>
-      </p:sp>
-      <p:sp>
-        <p:nvSpPr>
-          <p:cNvPr id="49" name="Freeform: Shape 48">
-            <a:extLst>
-              <a:ext uri="{FF2B5EF4-FFF2-40B4-BE49-F238E27FC236}">
-                <a16:creationId xmlns:a16="http://schemas.microsoft.com/office/drawing/2014/main" id="{DD136760-57DC-4301-8BEA-B71AD2D13905}"/>
-              </a:ext>
-              <a:ext uri="{C183D7F6-B498-43B3-948B-1728B52AA6E4}">
-                <adec:decorative xmlns:adec="http://schemas.microsoft.com/office/drawing/2017/decorative" val="1"/>
-              </a:ext>
-            </a:extLst>
-          </p:cNvPr>
-          <p:cNvSpPr>
-            <a:spLocks noGrp="1" noRot="1" noChangeAspect="1" noMove="1" noResize="1" noEditPoints="1" noAdjustHandles="1" noChangeArrowheads="1" noChangeShapeType="1" noTextEdit="1"/>
-          </p:cNvSpPr>
-          <p:nvPr>
-            <p:extLst>
-              <p:ext uri="{386F3935-93C4-4BCD-93E2-E3B085C9AB24}">
-                <p16:designElem xmlns:p16="http://schemas.microsoft.com/office/powerpoint/2015/main" val="1"/>
-              </p:ext>
-            </p:extLst>
-          </p:nvPr>
-        </p:nvSpPr>
-        <p:spPr>
-          <a:xfrm>
-            <a:off x="4161310" y="0"/>
-            <a:ext cx="8030690" cy="6858000"/>
-          </a:xfrm>
-          <a:custGeom>
-            <a:avLst/>
-            <a:gdLst>
-              <a:gd name="connsiteX0" fmla="*/ 1176 w 8030690"/>
-              <a:gd name="connsiteY0" fmla="*/ 0 h 6858000"/>
-              <a:gd name="connsiteX1" fmla="*/ 1344715 w 8030690"/>
-              <a:gd name="connsiteY1" fmla="*/ 0 h 6858000"/>
-              <a:gd name="connsiteX2" fmla="*/ 1344715 w 8030690"/>
-              <a:gd name="connsiteY2" fmla="*/ 0 h 6858000"/>
-              <a:gd name="connsiteX3" fmla="*/ 8030690 w 8030690"/>
-              <a:gd name="connsiteY3" fmla="*/ 0 h 6858000"/>
-              <a:gd name="connsiteX4" fmla="*/ 8030690 w 8030690"/>
-              <a:gd name="connsiteY4" fmla="*/ 6858000 h 6858000"/>
-              <a:gd name="connsiteX5" fmla="*/ 477746 w 8030690"/>
-              <a:gd name="connsiteY5" fmla="*/ 6858000 h 6858000"/>
-              <a:gd name="connsiteX6" fmla="*/ 477746 w 8030690"/>
-              <a:gd name="connsiteY6" fmla="*/ 6858000 h 6858000"/>
-              <a:gd name="connsiteX7" fmla="*/ 0 w 8030690"/>
-              <a:gd name="connsiteY7" fmla="*/ 6858000 h 6858000"/>
-              <a:gd name="connsiteX8" fmla="*/ 5883 w 8030690"/>
-              <a:gd name="connsiteY8" fmla="*/ 6817538 h 6858000"/>
-              <a:gd name="connsiteX9" fmla="*/ 23196 w 8030690"/>
-              <a:gd name="connsiteY9" fmla="*/ 6698894 h 6858000"/>
-              <a:gd name="connsiteX10" fmla="*/ 35298 w 8030690"/>
-              <a:gd name="connsiteY10" fmla="*/ 6612483 h 6858000"/>
-              <a:gd name="connsiteX11" fmla="*/ 48073 w 8030690"/>
-              <a:gd name="connsiteY11" fmla="*/ 6509613 h 6858000"/>
-              <a:gd name="connsiteX12" fmla="*/ 63369 w 8030690"/>
-              <a:gd name="connsiteY12" fmla="*/ 6387541 h 6858000"/>
-              <a:gd name="connsiteX13" fmla="*/ 79506 w 8030690"/>
-              <a:gd name="connsiteY13" fmla="*/ 6252438 h 6858000"/>
-              <a:gd name="connsiteX14" fmla="*/ 96483 w 8030690"/>
-              <a:gd name="connsiteY14" fmla="*/ 6100191 h 6858000"/>
-              <a:gd name="connsiteX15" fmla="*/ 114468 w 8030690"/>
-              <a:gd name="connsiteY15" fmla="*/ 5934227 h 6858000"/>
-              <a:gd name="connsiteX16" fmla="*/ 132454 w 8030690"/>
-              <a:gd name="connsiteY16" fmla="*/ 5753862 h 6858000"/>
-              <a:gd name="connsiteX17" fmla="*/ 150775 w 8030690"/>
-              <a:gd name="connsiteY17" fmla="*/ 5561838 h 6858000"/>
-              <a:gd name="connsiteX18" fmla="*/ 167752 w 8030690"/>
-              <a:gd name="connsiteY18" fmla="*/ 5354726 h 6858000"/>
-              <a:gd name="connsiteX19" fmla="*/ 184057 w 8030690"/>
-              <a:gd name="connsiteY19" fmla="*/ 5138013 h 6858000"/>
-              <a:gd name="connsiteX20" fmla="*/ 198849 w 8030690"/>
-              <a:gd name="connsiteY20" fmla="*/ 4908956 h 6858000"/>
-              <a:gd name="connsiteX21" fmla="*/ 212968 w 8030690"/>
-              <a:gd name="connsiteY21" fmla="*/ 4670298 h 6858000"/>
-              <a:gd name="connsiteX22" fmla="*/ 226248 w 8030690"/>
-              <a:gd name="connsiteY22" fmla="*/ 4421352 h 6858000"/>
-              <a:gd name="connsiteX23" fmla="*/ 230954 w 8030690"/>
-              <a:gd name="connsiteY23" fmla="*/ 4293793 h 6858000"/>
-              <a:gd name="connsiteX24" fmla="*/ 236165 w 8030690"/>
-              <a:gd name="connsiteY24" fmla="*/ 4163491 h 6858000"/>
-              <a:gd name="connsiteX25" fmla="*/ 241039 w 8030690"/>
-              <a:gd name="connsiteY25" fmla="*/ 4031132 h 6858000"/>
-              <a:gd name="connsiteX26" fmla="*/ 244233 w 8030690"/>
-              <a:gd name="connsiteY26" fmla="*/ 3898087 h 6858000"/>
-              <a:gd name="connsiteX27" fmla="*/ 247091 w 8030690"/>
-              <a:gd name="connsiteY27" fmla="*/ 3762298 h 6858000"/>
-              <a:gd name="connsiteX28" fmla="*/ 250116 w 8030690"/>
-              <a:gd name="connsiteY28" fmla="*/ 3625138 h 6858000"/>
-              <a:gd name="connsiteX29" fmla="*/ 252133 w 8030690"/>
-              <a:gd name="connsiteY29" fmla="*/ 3485235 h 6858000"/>
-              <a:gd name="connsiteX30" fmla="*/ 252133 w 8030690"/>
-              <a:gd name="connsiteY30" fmla="*/ 3343960 h 6858000"/>
-              <a:gd name="connsiteX31" fmla="*/ 253142 w 8030690"/>
-              <a:gd name="connsiteY31" fmla="*/ 3201314 h 6858000"/>
-              <a:gd name="connsiteX32" fmla="*/ 252133 w 8030690"/>
-              <a:gd name="connsiteY32" fmla="*/ 3057296 h 6858000"/>
-              <a:gd name="connsiteX33" fmla="*/ 250116 w 8030690"/>
-              <a:gd name="connsiteY33" fmla="*/ 2911221 h 6858000"/>
-              <a:gd name="connsiteX34" fmla="*/ 248267 w 8030690"/>
-              <a:gd name="connsiteY34" fmla="*/ 2765145 h 6858000"/>
-              <a:gd name="connsiteX35" fmla="*/ 244233 w 8030690"/>
-              <a:gd name="connsiteY35" fmla="*/ 2617013 h 6858000"/>
-              <a:gd name="connsiteX36" fmla="*/ 240031 w 8030690"/>
-              <a:gd name="connsiteY36" fmla="*/ 2467508 h 6858000"/>
-              <a:gd name="connsiteX37" fmla="*/ 235156 w 8030690"/>
-              <a:gd name="connsiteY37" fmla="*/ 2318004 h 6858000"/>
-              <a:gd name="connsiteX38" fmla="*/ 228265 w 8030690"/>
-              <a:gd name="connsiteY38" fmla="*/ 2167128 h 6858000"/>
-              <a:gd name="connsiteX39" fmla="*/ 220028 w 8030690"/>
-              <a:gd name="connsiteY39" fmla="*/ 2014880 h 6858000"/>
-              <a:gd name="connsiteX40" fmla="*/ 212128 w 8030690"/>
-              <a:gd name="connsiteY40" fmla="*/ 1861947 h 6858000"/>
-              <a:gd name="connsiteX41" fmla="*/ 202043 w 8030690"/>
-              <a:gd name="connsiteY41" fmla="*/ 1709013 h 6858000"/>
-              <a:gd name="connsiteX42" fmla="*/ 189940 w 8030690"/>
-              <a:gd name="connsiteY42" fmla="*/ 1554023 h 6858000"/>
-              <a:gd name="connsiteX43" fmla="*/ 177838 w 8030690"/>
-              <a:gd name="connsiteY43" fmla="*/ 1401089 h 6858000"/>
-              <a:gd name="connsiteX44" fmla="*/ 163886 w 8030690"/>
-              <a:gd name="connsiteY44" fmla="*/ 1245413 h 6858000"/>
-              <a:gd name="connsiteX45" fmla="*/ 148590 w 8030690"/>
-              <a:gd name="connsiteY45" fmla="*/ 1089050 h 6858000"/>
-              <a:gd name="connsiteX46" fmla="*/ 132454 w 8030690"/>
-              <a:gd name="connsiteY46" fmla="*/ 934745 h 6858000"/>
-              <a:gd name="connsiteX47" fmla="*/ 113628 w 8030690"/>
-              <a:gd name="connsiteY47" fmla="*/ 778383 h 6858000"/>
-              <a:gd name="connsiteX48" fmla="*/ 93457 w 8030690"/>
-              <a:gd name="connsiteY48" fmla="*/ 622706 h 6858000"/>
-              <a:gd name="connsiteX49" fmla="*/ 73454 w 8030690"/>
-              <a:gd name="connsiteY49" fmla="*/ 466344 h 6858000"/>
-              <a:gd name="connsiteX50" fmla="*/ 50090 w 8030690"/>
-              <a:gd name="connsiteY50" fmla="*/ 310667 h 6858000"/>
-              <a:gd name="connsiteX51" fmla="*/ 26222 w 8030690"/>
-              <a:gd name="connsiteY51" fmla="*/ 155676 h 6858000"/>
-            </a:gdLst>
-            <a:ahLst/>
-            <a:cxnLst>
-              <a:cxn ang="0">
-                <a:pos x="connsiteX0" y="connsiteY0"/>
-              </a:cxn>
-              <a:cxn ang="0">
-                <a:pos x="connsiteX1" y="connsiteY1"/>
-              </a:cxn>
-              <a:cxn ang="0">
-                <a:pos x="connsiteX2" y="connsiteY2"/>
-              </a:cxn>
-              <a:cxn ang="0">
-                <a:pos x="connsiteX3" y="connsiteY3"/>
-              </a:cxn>
-              <a:cxn ang="0">
-                <a:pos x="connsiteX4" y="connsiteY4"/>
-              </a:cxn>
-              <a:cxn ang="0">
-                <a:pos x="connsiteX5" y="connsiteY5"/>
-              </a:cxn>
-              <a:cxn ang="0">
-                <a:pos x="connsiteX6" y="connsiteY6"/>
-              </a:cxn>
-              <a:cxn ang="0">
-                <a:pos x="connsiteX7" y="connsiteY7"/>
-              </a:cxn>
-              <a:cxn ang="0">
-                <a:pos x="connsiteX8" y="connsiteY8"/>
-              </a:cxn>
-              <a:cxn ang="0">
-                <a:pos x="connsiteX9" y="connsiteY9"/>
-              </a:cxn>
-              <a:cxn ang="0">
-                <a:pos x="connsiteX10" y="connsiteY10"/>
-              </a:cxn>
-              <a:cxn ang="0">
-                <a:pos x="connsiteX11" y="connsiteY11"/>
-              </a:cxn>
-              <a:cxn ang="0">
-                <a:pos x="connsiteX12" y="connsiteY12"/>
-              </a:cxn>
-              <a:cxn ang="0">
-                <a:pos x="connsiteX13" y="connsiteY13"/>
-              </a:cxn>
-              <a:cxn ang="0">
-                <a:pos x="connsiteX14" y="connsiteY14"/>
-              </a:cxn>
-              <a:cxn ang="0">
-                <a:pos x="connsiteX15" y="connsiteY15"/>
-              </a:cxn>
-              <a:cxn ang="0">
-                <a:pos x="connsiteX16" y="connsiteY16"/>
-              </a:cxn>
-              <a:cxn ang="0">
-                <a:pos x="connsiteX17" y="connsiteY17"/>
-              </a:cxn>
-              <a:cxn ang="0">
-                <a:pos x="connsiteX18" y="connsiteY18"/>
-              </a:cxn>
-              <a:cxn ang="0">
-                <a:pos x="connsiteX19" y="connsiteY19"/>
-              </a:cxn>
-              <a:cxn ang="0">
-                <a:pos x="connsiteX20" y="connsiteY20"/>
-              </a:cxn>
-              <a:cxn ang="0">
-                <a:pos x="connsiteX21" y="connsiteY21"/>
-              </a:cxn>
-              <a:cxn ang="0">
-                <a:pos x="connsiteX22" y="connsiteY22"/>
-              </a:cxn>
-              <a:cxn ang="0">
-                <a:pos x="connsiteX23" y="connsiteY23"/>
-              </a:cxn>
-              <a:cxn ang="0">
-                <a:pos x="connsiteX24" y="connsiteY24"/>
-              </a:cxn>
-              <a:cxn ang="0">
-                <a:pos x="connsiteX25" y="connsiteY25"/>
-              </a:cxn>
-              <a:cxn ang="0">
-                <a:pos x="connsiteX26" y="connsiteY26"/>
-              </a:cxn>
-              <a:cxn ang="0">
-                <a:pos x="connsiteX27" y="connsiteY27"/>
-              </a:cxn>
-              <a:cxn ang="0">
-                <a:pos x="connsiteX28" y="connsiteY28"/>
-              </a:cxn>
-              <a:cxn ang="0">
-                <a:pos x="connsiteX29" y="connsiteY29"/>
-              </a:cxn>
-              <a:cxn ang="0">
-                <a:pos x="connsiteX30" y="connsiteY30"/>
-              </a:cxn>
-              <a:cxn ang="0">
-                <a:pos x="connsiteX31" y="connsiteY31"/>
-              </a:cxn>
-              <a:cxn ang="0">
-                <a:pos x="connsiteX32" y="connsiteY32"/>
-              </a:cxn>
-              <a:cxn ang="0">
-                <a:pos x="connsiteX33" y="connsiteY33"/>
-              </a:cxn>
-              <a:cxn ang="0">
-                <a:pos x="connsiteX34" y="connsiteY34"/>
-              </a:cxn>
-              <a:cxn ang="0">
-                <a:pos x="connsiteX35" y="connsiteY35"/>
-              </a:cxn>
-              <a:cxn ang="0">
-                <a:pos x="connsiteX36" y="connsiteY36"/>
-              </a:cxn>
-              <a:cxn ang="0">
-                <a:pos x="connsiteX37" y="connsiteY37"/>
-              </a:cxn>
-              <a:cxn ang="0">
-                <a:pos x="connsiteX38" y="connsiteY38"/>
-              </a:cxn>
-              <a:cxn ang="0">
-                <a:pos x="connsiteX39" y="connsiteY39"/>
-              </a:cxn>
-              <a:cxn ang="0">
-                <a:pos x="connsiteX40" y="connsiteY40"/>
-              </a:cxn>
-              <a:cxn ang="0">
-                <a:pos x="connsiteX41" y="connsiteY41"/>
-              </a:cxn>
-              <a:cxn ang="0">
-                <a:pos x="connsiteX42" y="connsiteY42"/>
-              </a:cxn>
-              <a:cxn ang="0">
-                <a:pos x="connsiteX43" y="connsiteY43"/>
-              </a:cxn>
-              <a:cxn ang="0">
-                <a:pos x="connsiteX44" y="connsiteY44"/>
-              </a:cxn>
-              <a:cxn ang="0">
-                <a:pos x="connsiteX45" y="connsiteY45"/>
-              </a:cxn>
-              <a:cxn ang="0">
-                <a:pos x="connsiteX46" y="connsiteY46"/>
-              </a:cxn>
-              <a:cxn ang="0">
-                <a:pos x="connsiteX47" y="connsiteY47"/>
-              </a:cxn>
-              <a:cxn ang="0">
-                <a:pos x="connsiteX48" y="connsiteY48"/>
-              </a:cxn>
-              <a:cxn ang="0">
-                <a:pos x="connsiteX49" y="connsiteY49"/>
-              </a:cxn>
-              <a:cxn ang="0">
-                <a:pos x="connsiteX50" y="connsiteY50"/>
-              </a:cxn>
-              <a:cxn ang="0">
-                <a:pos x="connsiteX51" y="connsiteY51"/>
-              </a:cxn>
-            </a:cxnLst>
-            <a:rect l="l" t="t" r="r" b="b"/>
-            <a:pathLst>
-              <a:path w="8030690" h="6858000">
-                <a:moveTo>
-                  <a:pt x="1176" y="0"/>
-                </a:moveTo>
-                <a:lnTo>
-                  <a:pt x="1344715" y="0"/>
-                </a:lnTo>
-                <a:lnTo>
-                  <a:pt x="1344715" y="0"/>
-                </a:lnTo>
-                <a:lnTo>
-                  <a:pt x="8030690" y="0"/>
-                </a:lnTo>
-                <a:lnTo>
-                  <a:pt x="8030690" y="6858000"/>
-                </a:lnTo>
-                <a:lnTo>
-                  <a:pt x="477746" y="6858000"/>
-                </a:lnTo>
-                <a:lnTo>
-                  <a:pt x="477746" y="6858000"/>
-                </a:lnTo>
-                <a:lnTo>
-                  <a:pt x="0" y="6858000"/>
-                </a:lnTo>
-                <a:lnTo>
-                  <a:pt x="5883" y="6817538"/>
-                </a:lnTo>
-                <a:lnTo>
-                  <a:pt x="23196" y="6698894"/>
-                </a:lnTo>
-                <a:lnTo>
-                  <a:pt x="35298" y="6612483"/>
-                </a:lnTo>
-                <a:lnTo>
-                  <a:pt x="48073" y="6509613"/>
-                </a:lnTo>
-                <a:lnTo>
-                  <a:pt x="63369" y="6387541"/>
-                </a:lnTo>
-                <a:lnTo>
-                  <a:pt x="79506" y="6252438"/>
-                </a:lnTo>
-                <a:lnTo>
-                  <a:pt x="96483" y="6100191"/>
-                </a:lnTo>
-                <a:lnTo>
-                  <a:pt x="114468" y="5934227"/>
-                </a:lnTo>
-                <a:lnTo>
-                  <a:pt x="132454" y="5753862"/>
-                </a:lnTo>
-                <a:lnTo>
-                  <a:pt x="150775" y="5561838"/>
-                </a:lnTo>
-                <a:lnTo>
-                  <a:pt x="167752" y="5354726"/>
-                </a:lnTo>
-                <a:lnTo>
-                  <a:pt x="184057" y="5138013"/>
-                </a:lnTo>
-                <a:lnTo>
-                  <a:pt x="198849" y="4908956"/>
-                </a:lnTo>
-                <a:lnTo>
-                  <a:pt x="212968" y="4670298"/>
-                </a:lnTo>
-                <a:lnTo>
-                  <a:pt x="226248" y="4421352"/>
-                </a:lnTo>
-                <a:lnTo>
-                  <a:pt x="230954" y="4293793"/>
-                </a:lnTo>
-                <a:lnTo>
-                  <a:pt x="236165" y="4163491"/>
-                </a:lnTo>
-                <a:lnTo>
-                  <a:pt x="241039" y="4031132"/>
-                </a:lnTo>
-                <a:lnTo>
-                  <a:pt x="244233" y="3898087"/>
-                </a:lnTo>
-                <a:lnTo>
-                  <a:pt x="247091" y="3762298"/>
-                </a:lnTo>
-                <a:lnTo>
-                  <a:pt x="250116" y="3625138"/>
-                </a:lnTo>
-                <a:lnTo>
-                  <a:pt x="252133" y="3485235"/>
-                </a:lnTo>
-                <a:lnTo>
-                  <a:pt x="252133" y="3343960"/>
-                </a:lnTo>
-                <a:lnTo>
-                  <a:pt x="253142" y="3201314"/>
-                </a:lnTo>
-                <a:lnTo>
-                  <a:pt x="252133" y="3057296"/>
-                </a:lnTo>
-                <a:lnTo>
-                  <a:pt x="250116" y="2911221"/>
-                </a:lnTo>
-                <a:lnTo>
-                  <a:pt x="248267" y="2765145"/>
-                </a:lnTo>
-                <a:lnTo>
-                  <a:pt x="244233" y="2617013"/>
-                </a:lnTo>
-                <a:lnTo>
-                  <a:pt x="240031" y="2467508"/>
-                </a:lnTo>
-                <a:lnTo>
-                  <a:pt x="235156" y="2318004"/>
-                </a:lnTo>
-                <a:lnTo>
-                  <a:pt x="228265" y="2167128"/>
-                </a:lnTo>
-                <a:lnTo>
-                  <a:pt x="220028" y="2014880"/>
-                </a:lnTo>
-                <a:lnTo>
-                  <a:pt x="212128" y="1861947"/>
-                </a:lnTo>
-                <a:lnTo>
-                  <a:pt x="202043" y="1709013"/>
-                </a:lnTo>
-                <a:lnTo>
-                  <a:pt x="189940" y="1554023"/>
-                </a:lnTo>
-                <a:lnTo>
-                  <a:pt x="177838" y="1401089"/>
-                </a:lnTo>
-                <a:lnTo>
-                  <a:pt x="163886" y="1245413"/>
-                </a:lnTo>
-                <a:lnTo>
-                  <a:pt x="148590" y="1089050"/>
-                </a:lnTo>
-                <a:lnTo>
-                  <a:pt x="132454" y="934745"/>
-                </a:lnTo>
-                <a:lnTo>
-                  <a:pt x="113628" y="778383"/>
-                </a:lnTo>
-                <a:lnTo>
-                  <a:pt x="93457" y="622706"/>
-                </a:lnTo>
-                <a:lnTo>
-                  <a:pt x="73454" y="466344"/>
-                </a:lnTo>
-                <a:lnTo>
-                  <a:pt x="50090" y="310667"/>
-                </a:lnTo>
-                <a:lnTo>
-                  <a:pt x="26222" y="155676"/>
-                </a:lnTo>
-                <a:close/>
-              </a:path>
-            </a:pathLst>
-          </a:custGeom>
-          <a:solidFill>
-            <a:schemeClr val="bg1"/>
-          </a:solidFill>
-          <a:ln>
-            <a:noFill/>
-          </a:ln>
-        </p:spPr>
-        <p:style>
-          <a:lnRef idx="2">
-            <a:schemeClr val="accent1">
-              <a:shade val="50000"/>
-            </a:schemeClr>
-          </a:lnRef>
-          <a:fillRef idx="1">
-            <a:schemeClr val="accent1"/>
-          </a:fillRef>
-          <a:effectRef idx="0">
-            <a:schemeClr val="accent1"/>
-          </a:effectRef>
-          <a:fontRef idx="minor">
-            <a:schemeClr val="lt1"/>
-          </a:fontRef>
-        </p:style>
-        <p:txBody>
-          <a:bodyPr wrap="square" rtlCol="0" anchor="ctr">
-            <a:noAutofit/>
-          </a:bodyPr>
-          <a:lstStyle/>
-          <a:p>
-            <a:pPr algn="ctr"/>
-            <a:endParaRPr lang="en-US"/>
-          </a:p>
-        </p:txBody>
-      </p:sp>
-      <p:sp>
-        <p:nvSpPr>
-          <p:cNvPr id="51" name="Freeform 11">
-            <a:extLst>
-              <a:ext uri="{FF2B5EF4-FFF2-40B4-BE49-F238E27FC236}">
-                <a16:creationId xmlns:a16="http://schemas.microsoft.com/office/drawing/2014/main" id="{BDC58DEA-1307-4F44-AD47-E613D8B76A89}"/>
-              </a:ext>
-              <a:ext uri="{C183D7F6-B498-43B3-948B-1728B52AA6E4}">
-                <adec:decorative xmlns:adec="http://schemas.microsoft.com/office/drawing/2017/decorative" val="1"/>
-              </a:ext>
-            </a:extLst>
-          </p:cNvPr>
-          <p:cNvSpPr>
-            <a:spLocks noGrp="1" noRot="1" noChangeAspect="1" noMove="1" noResize="1" noEditPoints="1" noAdjustHandles="1" noChangeArrowheads="1" noChangeShapeType="1" noTextEdit="1"/>
-          </p:cNvSpPr>
-          <p:nvPr>
-            <p:extLst>
-              <p:ext uri="{386F3935-93C4-4BCD-93E2-E3B085C9AB24}">
-                <p16:designElem xmlns:p16="http://schemas.microsoft.com/office/powerpoint/2015/main" val="1"/>
-              </p:ext>
-            </p:extLst>
-          </p:nvPr>
-        </p:nvSpPr>
-        <p:spPr>
-          <a:xfrm>
-            <a:off x="3948110" y="-1"/>
-            <a:ext cx="559472" cy="3709642"/>
-          </a:xfrm>
-          <a:custGeom>
-            <a:avLst/>
-            <a:gdLst>
-              <a:gd name="connsiteX0" fmla="*/ 0 w 559472"/>
-              <a:gd name="connsiteY0" fmla="*/ 0 h 3709642"/>
-              <a:gd name="connsiteX1" fmla="*/ 473952 w 559472"/>
-              <a:gd name="connsiteY1" fmla="*/ 0 h 3709642"/>
-              <a:gd name="connsiteX2" fmla="*/ 485840 w 559472"/>
-              <a:gd name="connsiteY2" fmla="*/ 161194 h 3709642"/>
-              <a:gd name="connsiteX3" fmla="*/ 523949 w 559472"/>
-              <a:gd name="connsiteY3" fmla="*/ 3672197 h 3709642"/>
-              <a:gd name="connsiteX4" fmla="*/ 454748 w 559472"/>
-              <a:gd name="connsiteY4" fmla="*/ 3709642 h 3709642"/>
-              <a:gd name="connsiteX5" fmla="*/ 448224 w 559472"/>
-              <a:gd name="connsiteY5" fmla="*/ 3510471 h 3709642"/>
-              <a:gd name="connsiteX6" fmla="*/ 443564 w 559472"/>
-              <a:gd name="connsiteY6" fmla="*/ 3408563 h 3709642"/>
-              <a:gd name="connsiteX7" fmla="*/ 438902 w 559472"/>
-              <a:gd name="connsiteY7" fmla="*/ 3304407 h 3709642"/>
-              <a:gd name="connsiteX8" fmla="*/ 433941 w 559472"/>
-              <a:gd name="connsiteY8" fmla="*/ 3198777 h 3709642"/>
-              <a:gd name="connsiteX9" fmla="*/ 427584 w 559472"/>
-              <a:gd name="connsiteY9" fmla="*/ 3092510 h 3709642"/>
-              <a:gd name="connsiteX10" fmla="*/ 420988 w 559472"/>
-              <a:gd name="connsiteY10" fmla="*/ 2984390 h 3709642"/>
-              <a:gd name="connsiteX11" fmla="*/ 414330 w 559472"/>
-              <a:gd name="connsiteY11" fmla="*/ 2874401 h 3709642"/>
-              <a:gd name="connsiteX12" fmla="*/ 406840 w 559472"/>
-              <a:gd name="connsiteY12" fmla="*/ 2762980 h 3709642"/>
-              <a:gd name="connsiteX13" fmla="*/ 397745 w 559472"/>
-              <a:gd name="connsiteY13" fmla="*/ 2650566 h 3709642"/>
-              <a:gd name="connsiteX14" fmla="*/ 389154 w 559472"/>
-              <a:gd name="connsiteY14" fmla="*/ 2536612 h 3709642"/>
-              <a:gd name="connsiteX15" fmla="*/ 379225 w 559472"/>
-              <a:gd name="connsiteY15" fmla="*/ 2421642 h 3709642"/>
-              <a:gd name="connsiteX16" fmla="*/ 368316 w 559472"/>
-              <a:gd name="connsiteY16" fmla="*/ 2305627 h 3709642"/>
-              <a:gd name="connsiteX17" fmla="*/ 357466 w 559472"/>
-              <a:gd name="connsiteY17" fmla="*/ 2189233 h 3709642"/>
-              <a:gd name="connsiteX18" fmla="*/ 344982 w 559472"/>
-              <a:gd name="connsiteY18" fmla="*/ 2071473 h 3709642"/>
-              <a:gd name="connsiteX19" fmla="*/ 332466 w 559472"/>
-              <a:gd name="connsiteY19" fmla="*/ 1952216 h 3709642"/>
-              <a:gd name="connsiteX20" fmla="*/ 319121 w 559472"/>
-              <a:gd name="connsiteY20" fmla="*/ 1833776 h 3709642"/>
-              <a:gd name="connsiteX21" fmla="*/ 304408 w 559472"/>
-              <a:gd name="connsiteY21" fmla="*/ 1713948 h 3709642"/>
-              <a:gd name="connsiteX22" fmla="*/ 288685 w 559472"/>
-              <a:gd name="connsiteY22" fmla="*/ 1592703 h 3709642"/>
-              <a:gd name="connsiteX23" fmla="*/ 273050 w 559472"/>
-              <a:gd name="connsiteY23" fmla="*/ 1471451 h 3709642"/>
-              <a:gd name="connsiteX24" fmla="*/ 255813 w 559472"/>
-              <a:gd name="connsiteY24" fmla="*/ 1350328 h 3709642"/>
-              <a:gd name="connsiteX25" fmla="*/ 237060 w 559472"/>
-              <a:gd name="connsiteY25" fmla="*/ 1227080 h 3709642"/>
-              <a:gd name="connsiteX26" fmla="*/ 218488 w 559472"/>
-              <a:gd name="connsiteY26" fmla="*/ 1106065 h 3709642"/>
-              <a:gd name="connsiteX27" fmla="*/ 198221 w 559472"/>
-              <a:gd name="connsiteY27" fmla="*/ 982940 h 3709642"/>
-              <a:gd name="connsiteX28" fmla="*/ 177152 w 559472"/>
-              <a:gd name="connsiteY28" fmla="*/ 858755 h 3709642"/>
-              <a:gd name="connsiteX29" fmla="*/ 155551 w 559472"/>
-              <a:gd name="connsiteY29" fmla="*/ 736861 h 3709642"/>
-              <a:gd name="connsiteX30" fmla="*/ 131782 w 559472"/>
-              <a:gd name="connsiteY30" fmla="*/ 613645 h 3709642"/>
-              <a:gd name="connsiteX31" fmla="*/ 107123 w 559472"/>
-              <a:gd name="connsiteY31" fmla="*/ 490500 h 3709642"/>
-              <a:gd name="connsiteX32" fmla="*/ 82552 w 559472"/>
-              <a:gd name="connsiteY32" fmla="*/ 367348 h 3709642"/>
-              <a:gd name="connsiteX33" fmla="*/ 55608 w 559472"/>
-              <a:gd name="connsiteY33" fmla="*/ 244762 h 3709642"/>
-              <a:gd name="connsiteX34" fmla="*/ 28130 w 559472"/>
-              <a:gd name="connsiteY34" fmla="*/ 122220 h 3709642"/>
-              <a:gd name="connsiteX35" fmla="*/ 0 w 559472"/>
-              <a:gd name="connsiteY35" fmla="*/ 0 h 3709642"/>
-            </a:gdLst>
-            <a:ahLst/>
-            <a:cxnLst>
-              <a:cxn ang="0">
-                <a:pos x="connsiteX0" y="connsiteY0"/>
-              </a:cxn>
-              <a:cxn ang="0">
-                <a:pos x="connsiteX1" y="connsiteY1"/>
-              </a:cxn>
-              <a:cxn ang="0">
-                <a:pos x="connsiteX2" y="connsiteY2"/>
-              </a:cxn>
-              <a:cxn ang="0">
-                <a:pos x="connsiteX3" y="connsiteY3"/>
-              </a:cxn>
-              <a:cxn ang="0">
-                <a:pos x="connsiteX4" y="connsiteY4"/>
-              </a:cxn>
-              <a:cxn ang="0">
-                <a:pos x="connsiteX5" y="connsiteY5"/>
-              </a:cxn>
-              <a:cxn ang="0">
-                <a:pos x="connsiteX6" y="connsiteY6"/>
-              </a:cxn>
-              <a:cxn ang="0">
-                <a:pos x="connsiteX7" y="connsiteY7"/>
-              </a:cxn>
-              <a:cxn ang="0">
-                <a:pos x="connsiteX8" y="connsiteY8"/>
-              </a:cxn>
-              <a:cxn ang="0">
-                <a:pos x="connsiteX9" y="connsiteY9"/>
-              </a:cxn>
-              <a:cxn ang="0">
-                <a:pos x="connsiteX10" y="connsiteY10"/>
-              </a:cxn>
-              <a:cxn ang="0">
-                <a:pos x="connsiteX11" y="connsiteY11"/>
-              </a:cxn>
-              <a:cxn ang="0">
-                <a:pos x="connsiteX12" y="connsiteY12"/>
-              </a:cxn>
-              <a:cxn ang="0">
-                <a:pos x="connsiteX13" y="connsiteY13"/>
-              </a:cxn>
-              <a:cxn ang="0">
-                <a:pos x="connsiteX14" y="connsiteY14"/>
-              </a:cxn>
-              <a:cxn ang="0">
-                <a:pos x="connsiteX15" y="connsiteY15"/>
-              </a:cxn>
-              <a:cxn ang="0">
-                <a:pos x="connsiteX16" y="connsiteY16"/>
-              </a:cxn>
-              <a:cxn ang="0">
-                <a:pos x="connsiteX17" y="connsiteY17"/>
-              </a:cxn>
-              <a:cxn ang="0">
-                <a:pos x="connsiteX18" y="connsiteY18"/>
-              </a:cxn>
-              <a:cxn ang="0">
-                <a:pos x="connsiteX19" y="connsiteY19"/>
-              </a:cxn>
-              <a:cxn ang="0">
-                <a:pos x="connsiteX20" y="connsiteY20"/>
-              </a:cxn>
-              <a:cxn ang="0">
-                <a:pos x="connsiteX21" y="connsiteY21"/>
-              </a:cxn>
-              <a:cxn ang="0">
-                <a:pos x="connsiteX22" y="connsiteY22"/>
-              </a:cxn>
-              <a:cxn ang="0">
-                <a:pos x="connsiteX23" y="connsiteY23"/>
-              </a:cxn>
-              <a:cxn ang="0">
-                <a:pos x="connsiteX24" y="connsiteY24"/>
-              </a:cxn>
-              <a:cxn ang="0">
-                <a:pos x="connsiteX25" y="connsiteY25"/>
-              </a:cxn>
-              <a:cxn ang="0">
-                <a:pos x="connsiteX26" y="connsiteY26"/>
-              </a:cxn>
-              <a:cxn ang="0">
-                <a:pos x="connsiteX27" y="connsiteY27"/>
-              </a:cxn>
-              <a:cxn ang="0">
-                <a:pos x="connsiteX28" y="connsiteY28"/>
-              </a:cxn>
-              <a:cxn ang="0">
-                <a:pos x="connsiteX29" y="connsiteY29"/>
-              </a:cxn>
-              <a:cxn ang="0">
-                <a:pos x="connsiteX30" y="connsiteY30"/>
-              </a:cxn>
-              <a:cxn ang="0">
-                <a:pos x="connsiteX31" y="connsiteY31"/>
-              </a:cxn>
-              <a:cxn ang="0">
-                <a:pos x="connsiteX32" y="connsiteY32"/>
-              </a:cxn>
-              <a:cxn ang="0">
-                <a:pos x="connsiteX33" y="connsiteY33"/>
-              </a:cxn>
-              <a:cxn ang="0">
-                <a:pos x="connsiteX34" y="connsiteY34"/>
-              </a:cxn>
-              <a:cxn ang="0">
-                <a:pos x="connsiteX35" y="connsiteY35"/>
-              </a:cxn>
-            </a:cxnLst>
-            <a:rect l="l" t="t" r="r" b="b"/>
-            <a:pathLst>
-              <a:path w="559472" h="3709642">
-                <a:moveTo>
-                  <a:pt x="0" y="0"/>
-                </a:moveTo>
-                <a:lnTo>
-                  <a:pt x="473952" y="0"/>
-                </a:lnTo>
-                <a:lnTo>
-                  <a:pt x="485840" y="161194"/>
-                </a:lnTo>
-                <a:cubicBezTo>
-                  <a:pt x="552063" y="1147770"/>
-                  <a:pt x="592441" y="3086737"/>
-                  <a:pt x="523949" y="3672197"/>
-                </a:cubicBezTo>
-                <a:cubicBezTo>
-                  <a:pt x="500842" y="3684557"/>
-                  <a:pt x="477855" y="3697282"/>
-                  <a:pt x="454748" y="3709642"/>
-                </a:cubicBezTo>
-                <a:lnTo>
-                  <a:pt x="448224" y="3510471"/>
-                </a:lnTo>
-                <a:lnTo>
-                  <a:pt x="443564" y="3408563"/>
-                </a:lnTo>
-                <a:lnTo>
-                  <a:pt x="438902" y="3304407"/>
-                </a:lnTo>
-                <a:lnTo>
-                  <a:pt x="433941" y="3198777"/>
-                </a:lnTo>
-                <a:lnTo>
-                  <a:pt x="427584" y="3092510"/>
-                </a:lnTo>
-                <a:lnTo>
-                  <a:pt x="420988" y="2984390"/>
-                </a:lnTo>
-                <a:lnTo>
-                  <a:pt x="414330" y="2874401"/>
-                </a:lnTo>
-                <a:lnTo>
-                  <a:pt x="406840" y="2762980"/>
-                </a:lnTo>
-                <a:lnTo>
-                  <a:pt x="397745" y="2650566"/>
-                </a:lnTo>
-                <a:lnTo>
-                  <a:pt x="389154" y="2536612"/>
-                </a:lnTo>
-                <a:lnTo>
-                  <a:pt x="379225" y="2421642"/>
-                </a:lnTo>
-                <a:lnTo>
-                  <a:pt x="368316" y="2305627"/>
-                </a:lnTo>
-                <a:lnTo>
-                  <a:pt x="357466" y="2189233"/>
-                </a:lnTo>
-                <a:lnTo>
-                  <a:pt x="344982" y="2071473"/>
-                </a:lnTo>
-                <a:lnTo>
-                  <a:pt x="332466" y="1952216"/>
-                </a:lnTo>
-                <a:lnTo>
-                  <a:pt x="319121" y="1833776"/>
-                </a:lnTo>
-                <a:lnTo>
-                  <a:pt x="304408" y="1713948"/>
-                </a:lnTo>
-                <a:lnTo>
-                  <a:pt x="288685" y="1592703"/>
-                </a:lnTo>
-                <a:lnTo>
-                  <a:pt x="273050" y="1471451"/>
-                </a:lnTo>
-                <a:lnTo>
-                  <a:pt x="255813" y="1350328"/>
-                </a:lnTo>
-                <a:lnTo>
-                  <a:pt x="237060" y="1227080"/>
-                </a:lnTo>
-                <a:lnTo>
-                  <a:pt x="218488" y="1106065"/>
-                </a:lnTo>
-                <a:lnTo>
-                  <a:pt x="198221" y="982940"/>
-                </a:lnTo>
-                <a:lnTo>
-                  <a:pt x="177152" y="858755"/>
-                </a:lnTo>
-                <a:lnTo>
-                  <a:pt x="155551" y="736861"/>
-                </a:lnTo>
-                <a:lnTo>
-                  <a:pt x="131782" y="613645"/>
-                </a:lnTo>
-                <a:lnTo>
-                  <a:pt x="107123" y="490500"/>
-                </a:lnTo>
-                <a:lnTo>
-                  <a:pt x="82552" y="367348"/>
-                </a:lnTo>
-                <a:lnTo>
-                  <a:pt x="55608" y="244762"/>
-                </a:lnTo>
-                <a:lnTo>
-                  <a:pt x="28130" y="122220"/>
-                </a:lnTo>
-                <a:lnTo>
-                  <a:pt x="0" y="0"/>
-                </a:lnTo>
-                <a:close/>
-              </a:path>
-            </a:pathLst>
-          </a:custGeom>
-          <a:solidFill>
-            <a:schemeClr val="bg1">
-              <a:alpha val="20000"/>
-            </a:schemeClr>
-          </a:solidFill>
-          <a:ln>
-            <a:noFill/>
-          </a:ln>
-        </p:spPr>
-        <p:txBody>
-          <a:bodyPr rtlCol="0" anchor="ctr"/>
-          <a:lstStyle/>
-          <a:p>
-            <a:pPr algn="ctr"/>
-            <a:endParaRPr lang="en-US"/>
-          </a:p>
-        </p:txBody>
-      </p:sp>
-      <p:sp>
-        <p:nvSpPr>
-          <p:cNvPr id="53" name="Rectangle 52">
-            <a:extLst>
-              <a:ext uri="{FF2B5EF4-FFF2-40B4-BE49-F238E27FC236}">
-                <a16:creationId xmlns:a16="http://schemas.microsoft.com/office/drawing/2014/main" id="{C99B912D-1E4B-42AF-A2BE-CFEFEC916EE7}"/>
-              </a:ext>
-              <a:ext uri="{C183D7F6-B498-43B3-948B-1728B52AA6E4}">
-                <adec:decorative xmlns:adec="http://schemas.microsoft.com/office/drawing/2017/decorative" val="1"/>
-              </a:ext>
-            </a:extLst>
-          </p:cNvPr>
-          <p:cNvSpPr>
-            <a:spLocks noGrp="1" noRot="1" noChangeAspect="1" noMove="1" noResize="1" noEditPoints="1" noAdjustHandles="1" noChangeArrowheads="1" noChangeShapeType="1" noTextEdit="1"/>
-          </p:cNvSpPr>
-          <p:nvPr>
-            <p:extLst>
-              <p:ext uri="{386F3935-93C4-4BCD-93E2-E3B085C9AB24}">
-                <p16:designElem xmlns:p16="http://schemas.microsoft.com/office/powerpoint/2015/main" val="1"/>
-              </p:ext>
-            </p:extLst>
-          </p:nvPr>
-        </p:nvSpPr>
-        <p:spPr>
-          <a:xfrm>
-            <a:off x="10437812" y="0"/>
-            <a:ext cx="685800" cy="1143000"/>
-          </a:xfrm>
-          <a:prstGeom prst="rect">
-            <a:avLst/>
-          </a:prstGeom>
-          <a:solidFill>
-            <a:schemeClr val="accent1"/>
-          </a:solidFill>
-          <a:ln>
-            <a:noFill/>
-          </a:ln>
-        </p:spPr>
-        <p:style>
-          <a:lnRef idx="1">
-            <a:schemeClr val="accent1"/>
-          </a:lnRef>
-          <a:fillRef idx="3">
-            <a:schemeClr val="accent1"/>
-          </a:fillRef>
-          <a:effectRef idx="2">
-            <a:schemeClr val="accent1"/>
-          </a:effectRef>
-          <a:fontRef idx="minor">
-            <a:schemeClr val="lt1"/>
-          </a:fontRef>
-        </p:style>
-      </p:sp>
-      <p:graphicFrame>
-        <p:nvGraphicFramePr>
-          <p:cNvPr id="30" name="TextBox 2">
-            <a:extLst>
-              <a:ext uri="{FF2B5EF4-FFF2-40B4-BE49-F238E27FC236}">
-                <a16:creationId xmlns:a16="http://schemas.microsoft.com/office/drawing/2014/main" id="{7311C30D-A00A-4391-B9A3-650B9A1D164A}"/>
-              </a:ext>
-            </a:extLst>
-          </p:cNvPr>
-          <p:cNvGraphicFramePr/>
-          <p:nvPr>
-            <p:extLst>
-              <p:ext uri="{D42A27DB-BD31-4B8C-83A1-F6EECF244321}">
-                <p14:modId xmlns:p14="http://schemas.microsoft.com/office/powerpoint/2010/main" val="3349475160"/>
-              </p:ext>
-            </p:extLst>
-          </p:nvPr>
-        </p:nvGraphicFramePr>
-        <p:xfrm>
-          <a:off x="5048250" y="1447800"/>
-          <a:ext cx="6496050" cy="4572000"/>
-        </p:xfrm>
-        <a:graphic>
-          <a:graphicData uri="http://schemas.openxmlformats.org/drawingml/2006/diagram">
-            <dgm:relIds xmlns:dgm="http://schemas.openxmlformats.org/drawingml/2006/diagram" xmlns:r="http://schemas.openxmlformats.org/officeDocument/2006/relationships" r:dm="rId6" r:lo="rId7" r:qs="rId8" r:cs="rId9"/>
-          </a:graphicData>
-        </a:graphic>
-      </p:graphicFrame>
-    </p:spTree>
-    <p:extLst>
-      <p:ext uri="{BB962C8B-B14F-4D97-AF65-F5344CB8AC3E}">
-        <p14:creationId xmlns:p14="http://schemas.microsoft.com/office/powerpoint/2010/main" val="4283080630"/>
-      </p:ext>
-    </p:extLst>
-  </p:cSld>
-  <p:clrMapOvr>
-    <a:overrideClrMapping bg1="lt1" tx1="dk1" bg2="lt2" tx2="dk2" accent1="accent1" accent2="accent2" accent3="accent3" accent4="accent4" accent5="accent5" accent6="accent6" hlink="hlink" folHlink="folHlink"/>
   </p:clrMapOvr>
 </p:sld>
 </file>
@@ -39185,7 +45492,7 @@
               <a:buNone/>
             </a:pPr>
             <a:r>
-              <a:rPr lang="en-US" sz="1800" cap="all" dirty="0">
+              <a:rPr lang="en-US" sz="1800" cap="all">
                 <a:solidFill>
                   <a:schemeClr val="tx2">
                     <a:lumMod val="40000"/>
@@ -39193,7 +45500,7 @@
                   </a:schemeClr>
                 </a:solidFill>
               </a:rPr>
-              <a:t>Can we Predict future sale price of a book based on historic Amazon sale data?</a:t>
+              <a:t>Predict future sale price of a book based on historic Amazon sale data</a:t>
             </a:r>
           </a:p>
         </p:txBody>

--- a/presentation/Booksville Presentation.pptx
+++ b/presentation/Booksville Presentation.pptx
@@ -17880,7 +17880,7 @@
           <a:p>
             <a:fld id="{4AAD347D-5ACD-4C99-B74B-A9C85AD731AF}" type="datetimeFigureOut">
               <a:rPr lang="en-US" dirty="0"/>
-              <a:t>6/14/2019</a:t>
+              <a:t>6/15/2019</a:t>
             </a:fld>
             <a:endParaRPr lang="en-US" dirty="0"/>
           </a:p>
@@ -18150,7 +18150,7 @@
           <a:p>
             <a:fld id="{4509A250-FF31-4206-8172-F9D3106AACB1}" type="datetimeFigureOut">
               <a:rPr lang="en-US" dirty="0"/>
-              <a:t>6/14/2019</a:t>
+              <a:t>6/15/2019</a:t>
             </a:fld>
             <a:endParaRPr lang="en-US" dirty="0"/>
           </a:p>
@@ -18339,7 +18339,7 @@
           <a:p>
             <a:fld id="{4509A250-FF31-4206-8172-F9D3106AACB1}" type="datetimeFigureOut">
               <a:rPr lang="en-US" dirty="0"/>
-              <a:t>6/14/2019</a:t>
+              <a:t>6/15/2019</a:t>
             </a:fld>
             <a:endParaRPr lang="en-US" dirty="0"/>
           </a:p>
@@ -18607,7 +18607,7 @@
           <a:p>
             <a:fld id="{4509A250-FF31-4206-8172-F9D3106AACB1}" type="datetimeFigureOut">
               <a:rPr lang="en-US" dirty="0"/>
-              <a:t>6/14/2019</a:t>
+              <a:t>6/15/2019</a:t>
             </a:fld>
             <a:endParaRPr lang="en-US" dirty="0"/>
           </a:p>
@@ -18943,7 +18943,7 @@
           <a:p>
             <a:fld id="{4509A250-FF31-4206-8172-F9D3106AACB1}" type="datetimeFigureOut">
               <a:rPr lang="en-US" dirty="0"/>
-              <a:t>6/14/2019</a:t>
+              <a:t>6/15/2019</a:t>
             </a:fld>
             <a:endParaRPr lang="en-US" dirty="0"/>
           </a:p>
@@ -19561,7 +19561,7 @@
           <a:p>
             <a:fld id="{4509A250-FF31-4206-8172-F9D3106AACB1}" type="datetimeFigureOut">
               <a:rPr lang="en-US" dirty="0"/>
-              <a:t>6/14/2019</a:t>
+              <a:t>6/15/2019</a:t>
             </a:fld>
             <a:endParaRPr lang="en-US" dirty="0"/>
           </a:p>
@@ -20416,7 +20416,7 @@
           <a:p>
             <a:fld id="{4509A250-FF31-4206-8172-F9D3106AACB1}" type="datetimeFigureOut">
               <a:rPr lang="en-US" dirty="0"/>
-              <a:t>6/14/2019</a:t>
+              <a:t>6/15/2019</a:t>
             </a:fld>
             <a:endParaRPr lang="en-US" dirty="0"/>
           </a:p>
@@ -20581,7 +20581,7 @@
           <a:p>
             <a:fld id="{4509A250-FF31-4206-8172-F9D3106AACB1}" type="datetimeFigureOut">
               <a:rPr lang="en-US" dirty="0"/>
-              <a:t>6/14/2019</a:t>
+              <a:t>6/15/2019</a:t>
             </a:fld>
             <a:endParaRPr lang="en-US" dirty="0"/>
           </a:p>
@@ -20756,7 +20756,7 @@
           <a:p>
             <a:fld id="{4509A250-FF31-4206-8172-F9D3106AACB1}" type="datetimeFigureOut">
               <a:rPr lang="en-US" dirty="0"/>
-              <a:t>6/14/2019</a:t>
+              <a:t>6/15/2019</a:t>
             </a:fld>
             <a:endParaRPr lang="en-US" dirty="0"/>
           </a:p>
@@ -20921,7 +20921,7 @@
           <a:p>
             <a:fld id="{4509A250-FF31-4206-8172-F9D3106AACB1}" type="datetimeFigureOut">
               <a:rPr lang="en-US" dirty="0"/>
-              <a:t>6/14/2019</a:t>
+              <a:t>6/15/2019</a:t>
             </a:fld>
             <a:endParaRPr lang="en-US" dirty="0"/>
           </a:p>
@@ -21163,7 +21163,7 @@
           <a:p>
             <a:fld id="{9796027F-7875-4030-9381-8BD8C4F21935}" type="datetimeFigureOut">
               <a:rPr lang="en-US" dirty="0"/>
-              <a:t>6/14/2019</a:t>
+              <a:t>6/15/2019</a:t>
             </a:fld>
             <a:endParaRPr lang="en-US" dirty="0"/>
           </a:p>
@@ -21450,7 +21450,7 @@
           <a:p>
             <a:fld id="{9796027F-7875-4030-9381-8BD8C4F21935}" type="datetimeFigureOut">
               <a:rPr lang="en-US" dirty="0"/>
-              <a:t>6/14/2019</a:t>
+              <a:t>6/15/2019</a:t>
             </a:fld>
             <a:endParaRPr lang="en-US" dirty="0"/>
           </a:p>
@@ -21889,7 +21889,7 @@
           <a:p>
             <a:fld id="{9796027F-7875-4030-9381-8BD8C4F21935}" type="datetimeFigureOut">
               <a:rPr lang="en-US" dirty="0"/>
-              <a:t>6/14/2019</a:t>
+              <a:t>6/15/2019</a:t>
             </a:fld>
             <a:endParaRPr lang="en-US" dirty="0"/>
           </a:p>
@@ -22002,7 +22002,7 @@
           <a:p>
             <a:fld id="{4509A250-FF31-4206-8172-F9D3106AACB1}" type="datetimeFigureOut">
               <a:rPr lang="en-US" dirty="0"/>
-              <a:t>6/14/2019</a:t>
+              <a:t>6/15/2019</a:t>
             </a:fld>
             <a:endParaRPr lang="en-US" dirty="0"/>
           </a:p>
@@ -22092,7 +22092,7 @@
           <a:p>
             <a:fld id="{4509A250-FF31-4206-8172-F9D3106AACB1}" type="datetimeFigureOut">
               <a:rPr lang="en-US" dirty="0"/>
-              <a:t>6/14/2019</a:t>
+              <a:t>6/15/2019</a:t>
             </a:fld>
             <a:endParaRPr lang="en-US" dirty="0"/>
           </a:p>
@@ -22366,7 +22366,7 @@
           <a:p>
             <a:fld id="{4509A250-FF31-4206-8172-F9D3106AACB1}" type="datetimeFigureOut">
               <a:rPr lang="en-US" dirty="0"/>
-              <a:t>6/14/2019</a:t>
+              <a:t>6/15/2019</a:t>
             </a:fld>
             <a:endParaRPr lang="en-US" dirty="0"/>
           </a:p>
@@ -22636,7 +22636,7 @@
           <a:p>
             <a:fld id="{4509A250-FF31-4206-8172-F9D3106AACB1}" type="datetimeFigureOut">
               <a:rPr lang="en-US" dirty="0"/>
-              <a:t>6/14/2019</a:t>
+              <a:t>6/15/2019</a:t>
             </a:fld>
             <a:endParaRPr lang="en-US" dirty="0"/>
           </a:p>
@@ -23060,7 +23060,7 @@
           <a:p>
             <a:fld id="{4AAD347D-5ACD-4C99-B74B-A9C85AD731AF}" type="datetimeFigureOut">
               <a:rPr lang="en-US" dirty="0"/>
-              <a:t>6/14/2019</a:t>
+              <a:t>6/15/2019</a:t>
             </a:fld>
             <a:endParaRPr lang="en-US" dirty="0"/>
           </a:p>
@@ -45500,8 +45500,38 @@
                   </a:schemeClr>
                 </a:solidFill>
               </a:rPr>
-              <a:t>Predict future sale price of a book based on historic Amazon sale data</a:t>
+              <a:t>Can we Predict </a:t>
             </a:r>
+            <a:r>
+              <a:rPr lang="en-US" sz="1800" cap="all" dirty="0">
+                <a:solidFill>
+                  <a:schemeClr val="tx2">
+                    <a:lumMod val="40000"/>
+                    <a:lumOff val="60000"/>
+                  </a:schemeClr>
+                </a:solidFill>
+              </a:rPr>
+              <a:t>future sale price of a book based on historic Amazon </a:t>
+            </a:r>
+            <a:r>
+              <a:rPr lang="en-US" sz="1800" cap="all">
+                <a:solidFill>
+                  <a:schemeClr val="tx2">
+                    <a:lumMod val="40000"/>
+                    <a:lumOff val="60000"/>
+                  </a:schemeClr>
+                </a:solidFill>
+              </a:rPr>
+              <a:t>sale data?</a:t>
+            </a:r>
+            <a:endParaRPr lang="en-US" sz="1800" cap="all" dirty="0">
+              <a:solidFill>
+                <a:schemeClr val="tx2">
+                  <a:lumMod val="40000"/>
+                  <a:lumOff val="60000"/>
+                </a:schemeClr>
+              </a:solidFill>
+            </a:endParaRPr>
           </a:p>
         </p:txBody>
       </p:sp>
